--- a/第二讲快排+计算几何.pptx
+++ b/第二讲快排+计算几何.pptx
@@ -231,7 +231,7 @@
           <a:p>
             <a:fld id="{57AE6B7A-88E7-4319-9445-150A6E64A1D5}" type="datetimeFigureOut">
               <a:rPr lang="zh-CN" altLang="en-US" smtClean="0"/>
-              <a:t>2016/4/11</a:t>
+              <a:t>2016/4/12</a:t>
             </a:fld>
             <a:endParaRPr lang="zh-CN" altLang="en-US"/>
           </a:p>
@@ -864,7 +864,7 @@
           <a:p>
             <a:fld id="{5181D739-F787-4312-8F5C-8869425688E3}" type="datetimeFigureOut">
               <a:rPr lang="zh-CN" altLang="en-US" smtClean="0"/>
-              <a:t>2016/4/11</a:t>
+              <a:t>2016/4/12</a:t>
             </a:fld>
             <a:endParaRPr lang="zh-CN" altLang="en-US"/>
           </a:p>
@@ -1041,7 +1041,7 @@
           <a:p>
             <a:fld id="{5181D739-F787-4312-8F5C-8869425688E3}" type="datetimeFigureOut">
               <a:rPr lang="zh-CN" altLang="en-US" smtClean="0"/>
-              <a:t>2016/4/11</a:t>
+              <a:t>2016/4/12</a:t>
             </a:fld>
             <a:endParaRPr lang="zh-CN" altLang="en-US"/>
           </a:p>
@@ -1221,7 +1221,7 @@
           <a:p>
             <a:fld id="{5181D739-F787-4312-8F5C-8869425688E3}" type="datetimeFigureOut">
               <a:rPr lang="zh-CN" altLang="en-US" smtClean="0"/>
-              <a:t>2016/4/11</a:t>
+              <a:t>2016/4/12</a:t>
             </a:fld>
             <a:endParaRPr lang="zh-CN" altLang="en-US"/>
           </a:p>
@@ -1391,7 +1391,7 @@
           <a:p>
             <a:fld id="{5181D739-F787-4312-8F5C-8869425688E3}" type="datetimeFigureOut">
               <a:rPr lang="zh-CN" altLang="en-US" smtClean="0"/>
-              <a:t>2016/4/11</a:t>
+              <a:t>2016/4/12</a:t>
             </a:fld>
             <a:endParaRPr lang="zh-CN" altLang="en-US"/>
           </a:p>
@@ -1642,7 +1642,7 @@
           <a:p>
             <a:fld id="{5181D739-F787-4312-8F5C-8869425688E3}" type="datetimeFigureOut">
               <a:rPr lang="zh-CN" altLang="en-US" smtClean="0"/>
-              <a:t>2016/4/11</a:t>
+              <a:t>2016/4/12</a:t>
             </a:fld>
             <a:endParaRPr lang="zh-CN" altLang="en-US"/>
           </a:p>
@@ -1874,7 +1874,7 @@
           <a:p>
             <a:fld id="{5181D739-F787-4312-8F5C-8869425688E3}" type="datetimeFigureOut">
               <a:rPr lang="zh-CN" altLang="en-US" smtClean="0"/>
-              <a:t>2016/4/11</a:t>
+              <a:t>2016/4/12</a:t>
             </a:fld>
             <a:endParaRPr lang="zh-CN" altLang="en-US"/>
           </a:p>
@@ -2241,7 +2241,7 @@
           <a:p>
             <a:fld id="{5181D739-F787-4312-8F5C-8869425688E3}" type="datetimeFigureOut">
               <a:rPr lang="zh-CN" altLang="en-US" smtClean="0"/>
-              <a:t>2016/4/11</a:t>
+              <a:t>2016/4/12</a:t>
             </a:fld>
             <a:endParaRPr lang="zh-CN" altLang="en-US"/>
           </a:p>
@@ -2359,7 +2359,7 @@
           <a:p>
             <a:fld id="{5181D739-F787-4312-8F5C-8869425688E3}" type="datetimeFigureOut">
               <a:rPr lang="zh-CN" altLang="en-US" smtClean="0"/>
-              <a:t>2016/4/11</a:t>
+              <a:t>2016/4/12</a:t>
             </a:fld>
             <a:endParaRPr lang="zh-CN" altLang="en-US"/>
           </a:p>
@@ -2454,7 +2454,7 @@
           <a:p>
             <a:fld id="{5181D739-F787-4312-8F5C-8869425688E3}" type="datetimeFigureOut">
               <a:rPr lang="zh-CN" altLang="en-US" smtClean="0"/>
-              <a:t>2016/4/11</a:t>
+              <a:t>2016/4/12</a:t>
             </a:fld>
             <a:endParaRPr lang="zh-CN" altLang="en-US"/>
           </a:p>
@@ -2731,7 +2731,7 @@
           <a:p>
             <a:fld id="{5181D739-F787-4312-8F5C-8869425688E3}" type="datetimeFigureOut">
               <a:rPr lang="zh-CN" altLang="en-US" smtClean="0"/>
-              <a:t>2016/4/11</a:t>
+              <a:t>2016/4/12</a:t>
             </a:fld>
             <a:endParaRPr lang="zh-CN" altLang="en-US"/>
           </a:p>
@@ -2988,7 +2988,7 @@
           <a:p>
             <a:fld id="{5181D739-F787-4312-8F5C-8869425688E3}" type="datetimeFigureOut">
               <a:rPr lang="zh-CN" altLang="en-US" smtClean="0"/>
-              <a:t>2016/4/11</a:t>
+              <a:t>2016/4/12</a:t>
             </a:fld>
             <a:endParaRPr lang="zh-CN" altLang="en-US"/>
           </a:p>
@@ -3206,7 +3206,7 @@
           <a:p>
             <a:fld id="{5181D739-F787-4312-8F5C-8869425688E3}" type="datetimeFigureOut">
               <a:rPr lang="zh-CN" altLang="en-US" smtClean="0"/>
-              <a:t>2016/4/11</a:t>
+              <a:t>2016/4/12</a:t>
             </a:fld>
             <a:endParaRPr lang="zh-CN" altLang="en-US"/>
           </a:p>
@@ -6318,14 +6318,28 @@
                 <a:cs typeface="+mn-ea"/>
                 <a:sym typeface="+mn-lt"/>
               </a:rPr>
-              <a:t>线段的性</a:t>
+              <a:t>线</a:t>
             </a:r>
             <a:r>
               <a:rPr lang="zh-CN" altLang="en-US" sz="2400" dirty="0" smtClean="0">
                 <a:cs typeface="+mn-ea"/>
                 <a:sym typeface="+mn-lt"/>
               </a:rPr>
-              <a:t>质  </a:t>
+              <a:t>段</a:t>
+            </a:r>
+            <a:r>
+              <a:rPr lang="zh-CN" altLang="en-US" sz="2400" dirty="0">
+                <a:cs typeface="+mn-ea"/>
+                <a:sym typeface="+mn-lt"/>
+              </a:rPr>
+              <a:t>问题</a:t>
+            </a:r>
+            <a:r>
+              <a:rPr lang="zh-CN" altLang="en-US" sz="2400" dirty="0" smtClean="0">
+                <a:cs typeface="+mn-ea"/>
+                <a:sym typeface="+mn-lt"/>
+              </a:rPr>
+              <a:t>  </a:t>
             </a:r>
             <a:r>
               <a:rPr lang="en-US" altLang="zh-CN" sz="2400" dirty="0">
@@ -10252,14 +10266,14 @@
                 <a:cs typeface="+mn-ea"/>
                 <a:sym typeface="+mn-lt"/>
               </a:rPr>
-              <a:t>线段的性</a:t>
+              <a:t>线</a:t>
             </a:r>
             <a:r>
               <a:rPr lang="zh-CN" altLang="en-US" sz="2400" dirty="0" smtClean="0">
                 <a:cs typeface="+mn-ea"/>
                 <a:sym typeface="+mn-lt"/>
               </a:rPr>
-              <a:t>质  </a:t>
+              <a:t>段问题  </a:t>
             </a:r>
             <a:r>
               <a:rPr lang="en-US" altLang="zh-CN" sz="2400" dirty="0">
@@ -14048,14 +14062,14 @@
                 <a:cs typeface="+mn-ea"/>
                 <a:sym typeface="+mn-lt"/>
               </a:rPr>
-              <a:t>线段的性</a:t>
+              <a:t>线</a:t>
             </a:r>
             <a:r>
               <a:rPr lang="zh-CN" altLang="en-US" sz="2400" dirty="0" smtClean="0">
                 <a:cs typeface="+mn-ea"/>
                 <a:sym typeface="+mn-lt"/>
               </a:rPr>
-              <a:t>质  </a:t>
+              <a:t>段问题  </a:t>
             </a:r>
             <a:r>
               <a:rPr lang="en-US" altLang="zh-CN" sz="2400" dirty="0">
@@ -16229,14 +16243,14 @@
                 <a:cs typeface="+mn-ea"/>
                 <a:sym typeface="+mn-lt"/>
               </a:rPr>
-              <a:t>线段的性</a:t>
+              <a:t>线</a:t>
             </a:r>
             <a:r>
               <a:rPr lang="zh-CN" altLang="en-US" sz="2400" dirty="0" smtClean="0">
                 <a:cs typeface="+mn-ea"/>
                 <a:sym typeface="+mn-lt"/>
               </a:rPr>
-              <a:t>质  </a:t>
+              <a:t>段问题  </a:t>
             </a:r>
             <a:r>
               <a:rPr lang="en-US" altLang="zh-CN" sz="2400" dirty="0" smtClean="0">
@@ -23463,14 +23477,14 @@
                 <a:cs typeface="+mn-ea"/>
                 <a:sym typeface="+mn-lt"/>
               </a:rPr>
-              <a:t>线段的性</a:t>
+              <a:t>线</a:t>
             </a:r>
             <a:r>
               <a:rPr lang="zh-CN" altLang="en-US" sz="2400" dirty="0" smtClean="0">
                 <a:cs typeface="+mn-ea"/>
                 <a:sym typeface="+mn-lt"/>
               </a:rPr>
-              <a:t>质  </a:t>
+              <a:t>段问题  </a:t>
             </a:r>
             <a:r>
               <a:rPr lang="en-US" altLang="zh-CN" sz="2400" dirty="0" smtClean="0">
@@ -24169,10 +24183,6 @@
               </a:rPr>
               <a:t>没有三条输入线段相交于一个点。</a:t>
             </a:r>
-            <a:endParaRPr lang="zh-CN" altLang="en-US" dirty="0">
-              <a:latin typeface="华文楷体" pitchFamily="2" charset="-122"/>
-              <a:ea typeface="华文楷体" pitchFamily="2" charset="-122"/>
-            </a:endParaRPr>
           </a:p>
         </p:txBody>
       </p:sp>
@@ -25669,6 +25679,44 @@
           </a:p>
         </p:txBody>
       </p:sp>
+      <p:sp>
+        <p:nvSpPr>
+          <p:cNvPr id="3" name="文本框 2"/>
+          <p:cNvSpPr txBox="1"/>
+          <p:nvPr/>
+        </p:nvSpPr>
+        <p:spPr>
+          <a:xfrm>
+            <a:off x="6651171" y="5322745"/>
+            <a:ext cx="2253456" cy="1477328"/>
+          </a:xfrm>
+          <a:prstGeom prst="rect">
+            <a:avLst/>
+          </a:prstGeom>
+          <a:noFill/>
+        </p:spPr>
+        <p:txBody>
+          <a:bodyPr wrap="square" rtlCol="0">
+            <a:spAutoFit/>
+          </a:bodyPr>
+          <a:lstStyle/>
+          <a:p>
+            <a:r>
+              <a:rPr lang="zh-CN" altLang="en-US" b="1" dirty="0" smtClean="0">
+                <a:solidFill>
+                  <a:srgbClr val="FF0000"/>
+                </a:solidFill>
+              </a:rPr>
+              <a:t>注意：现在只是做到了判断有没有交点而并不会输出有几个交点，目前还有疑问，后期补齐</a:t>
+            </a:r>
+            <a:endParaRPr lang="zh-CN" altLang="en-US" b="1" dirty="0">
+              <a:solidFill>
+                <a:srgbClr val="FF0000"/>
+              </a:solidFill>
+            </a:endParaRPr>
+          </a:p>
+        </p:txBody>
+      </p:sp>
     </p:spTree>
     <p:extLst>
       <p:ext uri="{BB962C8B-B14F-4D97-AF65-F5344CB8AC3E}">
@@ -27189,93 +27237,117 @@
       </p:grpSpPr>
       <p:sp>
         <p:nvSpPr>
-          <p:cNvPr id="2" name="文本框 1"/>
-          <p:cNvSpPr txBox="1"/>
+          <p:cNvPr id="3" name="标题 1"/>
+          <p:cNvSpPr txBox="1">
+            <a:spLocks/>
+          </p:cNvSpPr>
           <p:nvPr/>
         </p:nvSpPr>
         <p:spPr>
           <a:xfrm>
-            <a:off x="897255" y="640080"/>
-            <a:ext cx="7440930" cy="1200329"/>
+            <a:off x="542482" y="449523"/>
+            <a:ext cx="6429818" cy="613668"/>
           </a:xfrm>
           <a:prstGeom prst="rect">
             <a:avLst/>
           </a:prstGeom>
-          <a:noFill/>
         </p:spPr>
         <p:txBody>
-          <a:bodyPr wrap="square" rtlCol="0">
-            <a:spAutoFit/>
+          <a:bodyPr vert="horz" lIns="91440" tIns="45720" rIns="91440" bIns="45720" rtlCol="0" anchor="ctr">
+            <a:normAutofit/>
           </a:bodyPr>
-          <a:lstStyle/>
+          <a:lstStyle>
+            <a:lvl1pPr algn="l" defTabSz="914400" rtl="0" eaLnBrk="1" latinLnBrk="0" hangingPunct="1">
+              <a:lnSpc>
+                <a:spcPct val="90000"/>
+              </a:lnSpc>
+              <a:spcBef>
+                <a:spcPct val="0"/>
+              </a:spcBef>
+              <a:buNone/>
+              <a:defRPr sz="4400" kern="1200">
+                <a:solidFill>
+                  <a:schemeClr val="tx1"/>
+                </a:solidFill>
+                <a:latin typeface="+mj-lt"/>
+                <a:ea typeface="+mj-ea"/>
+                <a:cs typeface="+mj-cs"/>
+              </a:defRPr>
+            </a:lvl1pPr>
+          </a:lstStyle>
           <a:p>
             <a:r>
-              <a:rPr lang="zh-CN" altLang="en-US" dirty="0"/>
-              <a:t>判</a:t>
+              <a:rPr lang="zh-CN" altLang="en-US" sz="2400" dirty="0">
+                <a:cs typeface="+mn-ea"/>
+                <a:sym typeface="+mn-lt"/>
+              </a:rPr>
+              <a:t>线</a:t>
             </a:r>
             <a:r>
-              <a:rPr lang="zh-CN" altLang="en-US" dirty="0" smtClean="0"/>
-              <a:t>断</a:t>
+              <a:rPr lang="zh-CN" altLang="en-US" sz="2400" dirty="0" smtClean="0">
+                <a:cs typeface="+mn-ea"/>
+                <a:sym typeface="+mn-lt"/>
+              </a:rPr>
+              <a:t>段问题  </a:t>
             </a:r>
             <a:r>
-              <a:rPr lang="zh-CN" altLang="en-US" dirty="0"/>
-              <a:t>任</a:t>
+              <a:rPr lang="en-US" altLang="zh-CN" sz="2400" dirty="0" smtClean="0">
+                <a:cs typeface="+mn-ea"/>
+                <a:sym typeface="+mn-lt"/>
+              </a:rPr>
+              <a:t>— </a:t>
             </a:r>
             <a:r>
-              <a:rPr lang="zh-CN" altLang="en-US" dirty="0" smtClean="0"/>
-              <a:t>意</a:t>
+              <a:rPr lang="zh-CN" altLang="en-US" sz="2400" dirty="0" smtClean="0">
+                <a:solidFill>
+                  <a:srgbClr val="FF0000"/>
+                </a:solidFill>
+                <a:cs typeface="+mn-ea"/>
+              </a:rPr>
+              <a:t>判断</a:t>
             </a:r>
             <a:r>
-              <a:rPr lang="zh-CN" altLang="en-US" dirty="0"/>
+              <a:rPr lang="zh-CN" altLang="en-US" sz="2400" dirty="0" smtClean="0">
+                <a:solidFill>
+                  <a:srgbClr val="0000FF"/>
+                </a:solidFill>
+                <a:cs typeface="+mn-ea"/>
+              </a:rPr>
+              <a:t>任意</a:t>
+            </a:r>
+            <a:r>
+              <a:rPr lang="zh-CN" altLang="en-US" sz="2400" dirty="0" smtClean="0">
+                <a:solidFill>
+                  <a:srgbClr val="FF0000"/>
+                </a:solidFill>
+                <a:cs typeface="+mn-ea"/>
+              </a:rPr>
               <a:t>两</a:t>
             </a:r>
             <a:r>
-              <a:rPr lang="zh-CN" altLang="en-US" dirty="0" smtClean="0"/>
-              <a:t>条</a:t>
+              <a:rPr lang="zh-CN" altLang="en-US" sz="2400" dirty="0">
+                <a:solidFill>
+                  <a:srgbClr val="FF0000"/>
+                </a:solidFill>
+                <a:cs typeface="+mn-ea"/>
+              </a:rPr>
+              <a:t>条线段是否相</a:t>
             </a:r>
             <a:r>
-              <a:rPr lang="zh-CN" altLang="en-US" dirty="0"/>
-              <a:t>线</a:t>
-            </a:r>
-            <a:r>
-              <a:rPr lang="zh-CN" altLang="en-US" dirty="0" smtClean="0"/>
-              <a:t>段</a:t>
-            </a:r>
-            <a:r>
-              <a:rPr lang="zh-CN" altLang="en-US" dirty="0"/>
-              <a:t>是</a:t>
-            </a:r>
-            <a:r>
-              <a:rPr lang="zh-CN" altLang="en-US" dirty="0" smtClean="0"/>
-              <a:t>否</a:t>
-            </a:r>
-            <a:r>
-              <a:rPr lang="zh-CN" altLang="en-US" dirty="0"/>
-              <a:t>相</a:t>
-            </a:r>
-            <a:r>
-              <a:rPr lang="zh-CN" altLang="en-US" dirty="0" smtClean="0"/>
+              <a:rPr lang="zh-CN" altLang="en-US" sz="2400" dirty="0" smtClean="0">
+                <a:solidFill>
+                  <a:srgbClr val="FF0000"/>
+                </a:solidFill>
+                <a:cs typeface="+mn-ea"/>
+              </a:rPr>
               <a:t>交</a:t>
             </a:r>
-            <a:endParaRPr lang="en-US" altLang="zh-CN" dirty="0" smtClean="0"/>
-          </a:p>
-          <a:p>
-            <a:endParaRPr lang="en-US" altLang="zh-CN" dirty="0"/>
-          </a:p>
-          <a:p>
-            <a:r>
-              <a:rPr lang="zh-CN" altLang="en-US" dirty="0" smtClean="0"/>
-              <a:t>使用“扫除</a:t>
-            </a:r>
-            <a:r>
-              <a:rPr lang="zh-CN" altLang="en-US" dirty="0"/>
-              <a:t>”</a:t>
-            </a:r>
-            <a:r>
-              <a:rPr lang="zh-CN" altLang="en-US" dirty="0" smtClean="0"/>
-              <a:t>的方法进行，但这种方法只能确定是否存在相交的线段 ，并不能输出所有的点</a:t>
-            </a:r>
-            <a:endParaRPr lang="zh-CN" altLang="en-US" dirty="0"/>
+            <a:endParaRPr lang="zh-CN" altLang="en-US" sz="2400" dirty="0">
+              <a:solidFill>
+                <a:srgbClr val="FF0000"/>
+              </a:solidFill>
+              <a:cs typeface="+mn-ea"/>
+            </a:endParaRPr>
           </a:p>
         </p:txBody>
       </p:sp>
@@ -27292,9 +27364,91 @@
   <p:timing>
     <p:tnLst>
       <p:par>
-        <p:cTn id="1" dur="indefinite" restart="never" nodeType="tmRoot"/>
+        <p:cTn id="1" dur="indefinite" restart="never" nodeType="tmRoot">
+          <p:childTnLst>
+            <p:seq concurrent="1" nextAc="seek">
+              <p:cTn id="2" dur="indefinite" nodeType="mainSeq">
+                <p:childTnLst>
+                  <p:par>
+                    <p:cTn id="3" fill="hold">
+                      <p:stCondLst>
+                        <p:cond delay="indefinite"/>
+                        <p:cond evt="onBegin" delay="0">
+                          <p:tn val="2"/>
+                        </p:cond>
+                      </p:stCondLst>
+                      <p:childTnLst>
+                        <p:par>
+                          <p:cTn id="4" fill="hold">
+                            <p:stCondLst>
+                              <p:cond delay="0"/>
+                            </p:stCondLst>
+                            <p:childTnLst>
+                              <p:par>
+                                <p:cTn id="5" presetID="10" presetClass="entr" presetSubtype="0" fill="hold" grpId="0" nodeType="withEffect">
+                                  <p:stCondLst>
+                                    <p:cond delay="0"/>
+                                  </p:stCondLst>
+                                  <p:childTnLst>
+                                    <p:set>
+                                      <p:cBhvr>
+                                        <p:cTn id="6" dur="1" fill="hold">
+                                          <p:stCondLst>
+                                            <p:cond delay="0"/>
+                                          </p:stCondLst>
+                                        </p:cTn>
+                                        <p:tgtEl>
+                                          <p:spTgt spid="3"/>
+                                        </p:tgtEl>
+                                        <p:attrNameLst>
+                                          <p:attrName>style.visibility</p:attrName>
+                                        </p:attrNameLst>
+                                      </p:cBhvr>
+                                      <p:to>
+                                        <p:strVal val="visible"/>
+                                      </p:to>
+                                    </p:set>
+                                    <p:animEffect transition="in" filter="fade">
+                                      <p:cBhvr>
+                                        <p:cTn id="7" dur="500"/>
+                                        <p:tgtEl>
+                                          <p:spTgt spid="3"/>
+                                        </p:tgtEl>
+                                      </p:cBhvr>
+                                    </p:animEffect>
+                                  </p:childTnLst>
+                                </p:cTn>
+                              </p:par>
+                            </p:childTnLst>
+                          </p:cTn>
+                        </p:par>
+                      </p:childTnLst>
+                    </p:cTn>
+                  </p:par>
+                </p:childTnLst>
+              </p:cTn>
+              <p:prevCondLst>
+                <p:cond evt="onPrev" delay="0">
+                  <p:tgtEl>
+                    <p:sldTgt/>
+                  </p:tgtEl>
+                </p:cond>
+              </p:prevCondLst>
+              <p:nextCondLst>
+                <p:cond evt="onNext" delay="0">
+                  <p:tgtEl>
+                    <p:sldTgt/>
+                  </p:tgtEl>
+                </p:cond>
+              </p:nextCondLst>
+            </p:seq>
+          </p:childTnLst>
+        </p:cTn>
       </p:par>
     </p:tnLst>
+    <p:bldLst>
+      <p:bldP spid="3" grpId="0"/>
+    </p:bldLst>
   </p:timing>
 </p:sld>
 </file>
@@ -27316,6 +27470,2487 @@
           <a:chExt cx="0" cy="0"/>
         </a:xfrm>
       </p:grpSpPr>
+      <p:sp>
+        <p:nvSpPr>
+          <p:cNvPr id="2" name="标题 1"/>
+          <p:cNvSpPr txBox="1">
+            <a:spLocks/>
+          </p:cNvSpPr>
+          <p:nvPr/>
+        </p:nvSpPr>
+        <p:spPr>
+          <a:xfrm>
+            <a:off x="542482" y="449523"/>
+            <a:ext cx="2940947" cy="613668"/>
+          </a:xfrm>
+          <a:prstGeom prst="rect">
+            <a:avLst/>
+          </a:prstGeom>
+        </p:spPr>
+        <p:txBody>
+          <a:bodyPr vert="horz" lIns="91440" tIns="45720" rIns="91440" bIns="45720" rtlCol="0" anchor="ctr">
+            <a:normAutofit/>
+          </a:bodyPr>
+          <a:lstStyle>
+            <a:lvl1pPr algn="l" defTabSz="914400" rtl="0" eaLnBrk="1" latinLnBrk="0" hangingPunct="1">
+              <a:lnSpc>
+                <a:spcPct val="90000"/>
+              </a:lnSpc>
+              <a:spcBef>
+                <a:spcPct val="0"/>
+              </a:spcBef>
+              <a:buNone/>
+              <a:defRPr sz="4400" kern="1200">
+                <a:solidFill>
+                  <a:schemeClr val="tx1"/>
+                </a:solidFill>
+                <a:latin typeface="+mj-lt"/>
+                <a:ea typeface="+mj-ea"/>
+                <a:cs typeface="+mj-cs"/>
+              </a:defRPr>
+            </a:lvl1pPr>
+          </a:lstStyle>
+          <a:p>
+            <a:r>
+              <a:rPr lang="zh-CN" altLang="en-US" sz="2400" dirty="0" smtClean="0">
+                <a:cs typeface="+mn-ea"/>
+                <a:sym typeface="+mn-lt"/>
+              </a:rPr>
+              <a:t>寻找凸包</a:t>
+            </a:r>
+            <a:endParaRPr lang="zh-CN" altLang="en-US" sz="2400" dirty="0">
+              <a:solidFill>
+                <a:srgbClr val="FF0000"/>
+              </a:solidFill>
+              <a:cs typeface="+mn-ea"/>
+            </a:endParaRPr>
+          </a:p>
+        </p:txBody>
+      </p:sp>
+      <p:sp>
+        <p:nvSpPr>
+          <p:cNvPr id="4" name="矩形 3"/>
+          <p:cNvSpPr/>
+          <p:nvPr/>
+        </p:nvSpPr>
+        <p:spPr>
+          <a:xfrm>
+            <a:off x="542482" y="1280851"/>
+            <a:ext cx="1467068" cy="400110"/>
+          </a:xfrm>
+          <a:prstGeom prst="rect">
+            <a:avLst/>
+          </a:prstGeom>
+        </p:spPr>
+        <p:txBody>
+          <a:bodyPr wrap="none">
+            <a:spAutoFit/>
+          </a:bodyPr>
+          <a:lstStyle/>
+          <a:p>
+            <a:r>
+              <a:rPr lang="zh-CN" altLang="en-US" sz="2000" dirty="0" smtClean="0"/>
+              <a:t>凸</a:t>
+            </a:r>
+            <a:r>
+              <a:rPr lang="zh-CN" altLang="en-US" sz="2000" dirty="0"/>
+              <a:t>包的概</a:t>
+            </a:r>
+            <a:r>
+              <a:rPr lang="zh-CN" altLang="en-US" sz="2000" dirty="0" smtClean="0"/>
+              <a:t>念</a:t>
+            </a:r>
+            <a:endParaRPr lang="zh-CN" altLang="en-US" sz="2000" dirty="0"/>
+          </a:p>
+        </p:txBody>
+      </p:sp>
+      <p:sp>
+        <p:nvSpPr>
+          <p:cNvPr id="6" name="矩形 5"/>
+          <p:cNvSpPr/>
+          <p:nvPr/>
+        </p:nvSpPr>
+        <p:spPr>
+          <a:xfrm>
+            <a:off x="542482" y="1900535"/>
+            <a:ext cx="1689089" cy="369332"/>
+          </a:xfrm>
+          <a:prstGeom prst="rect">
+            <a:avLst/>
+          </a:prstGeom>
+        </p:spPr>
+        <p:txBody>
+          <a:bodyPr wrap="square">
+            <a:spAutoFit/>
+          </a:bodyPr>
+          <a:lstStyle/>
+          <a:p>
+            <a:r>
+              <a:rPr lang="zh-CN" altLang="en-US" dirty="0"/>
+              <a:t>木</a:t>
+            </a:r>
+            <a:r>
+              <a:rPr lang="zh-CN" altLang="en-US" dirty="0" smtClean="0"/>
+              <a:t>板上的铁钉</a:t>
+            </a:r>
+            <a:endParaRPr lang="zh-CN" altLang="en-US" dirty="0"/>
+          </a:p>
+        </p:txBody>
+      </p:sp>
+      <p:grpSp>
+        <p:nvGrpSpPr>
+          <p:cNvPr id="7" name="Group 5"/>
+          <p:cNvGrpSpPr>
+            <a:grpSpLocks/>
+          </p:cNvGrpSpPr>
+          <p:nvPr/>
+        </p:nvGrpSpPr>
+        <p:grpSpPr bwMode="auto">
+          <a:xfrm>
+            <a:off x="5758055" y="2731181"/>
+            <a:ext cx="2517358" cy="2333857"/>
+            <a:chOff x="440" y="565"/>
+            <a:chExt cx="3964" cy="3675"/>
+          </a:xfrm>
+          <a:solidFill>
+            <a:srgbClr val="FF0000"/>
+          </a:solidFill>
+        </p:grpSpPr>
+        <p:sp>
+          <p:nvSpPr>
+            <p:cNvPr id="22" name="AutoShape 24"/>
+            <p:cNvSpPr>
+              <a:spLocks noChangeArrowheads="1"/>
+            </p:cNvSpPr>
+            <p:nvPr/>
+          </p:nvSpPr>
+          <p:spPr bwMode="auto">
+            <a:xfrm>
+              <a:off x="1932" y="2607"/>
+              <a:ext cx="120" cy="120"/>
+            </a:xfrm>
+            <a:prstGeom prst="flowChartConnector">
+              <a:avLst/>
+            </a:prstGeom>
+            <a:grpFill/>
+            <a:ln w="9525">
+              <a:noFill/>
+              <a:round/>
+              <a:headEnd/>
+              <a:tailEnd/>
+            </a:ln>
+          </p:spPr>
+          <p:txBody>
+            <a:bodyPr wrap="none" anchor="ctr"/>
+            <a:lstStyle>
+              <a:lvl1pPr>
+                <a:spcBef>
+                  <a:spcPct val="20000"/>
+                </a:spcBef>
+                <a:buChar char="•"/>
+                <a:defRPr sz="2400">
+                  <a:solidFill>
+                    <a:srgbClr val="3A1D00"/>
+                  </a:solidFill>
+                  <a:latin typeface="Arial" panose="020B0604020202020204" pitchFamily="34" charset="0"/>
+                  <a:ea typeface="微软雅黑" panose="020B0503020204020204" pitchFamily="34" charset="-122"/>
+                </a:defRPr>
+              </a:lvl1pPr>
+              <a:lvl2pPr marL="742950" indent="-285750">
+                <a:spcBef>
+                  <a:spcPct val="20000"/>
+                </a:spcBef>
+                <a:buChar char="–"/>
+                <a:defRPr sz="2000">
+                  <a:solidFill>
+                    <a:srgbClr val="3A1D00"/>
+                  </a:solidFill>
+                  <a:latin typeface="Arial" panose="020B0604020202020204" pitchFamily="34" charset="0"/>
+                  <a:ea typeface="微软雅黑" panose="020B0503020204020204" pitchFamily="34" charset="-122"/>
+                </a:defRPr>
+              </a:lvl2pPr>
+              <a:lvl3pPr marL="1143000" indent="-228600">
+                <a:spcBef>
+                  <a:spcPct val="20000"/>
+                </a:spcBef>
+                <a:buChar char="•"/>
+                <a:defRPr sz="2400">
+                  <a:solidFill>
+                    <a:srgbClr val="3A1D00"/>
+                  </a:solidFill>
+                  <a:latin typeface="Arial" panose="020B0604020202020204" pitchFamily="34" charset="0"/>
+                  <a:ea typeface="微软雅黑" panose="020B0503020204020204" pitchFamily="34" charset="-122"/>
+                </a:defRPr>
+              </a:lvl3pPr>
+              <a:lvl4pPr marL="1600200" indent="-228600">
+                <a:spcBef>
+                  <a:spcPct val="20000"/>
+                </a:spcBef>
+                <a:buChar char="–"/>
+                <a:defRPr sz="1600">
+                  <a:solidFill>
+                    <a:srgbClr val="3A1D00"/>
+                  </a:solidFill>
+                  <a:latin typeface="Arial" panose="020B0604020202020204" pitchFamily="34" charset="0"/>
+                  <a:ea typeface="微软雅黑" panose="020B0503020204020204" pitchFamily="34" charset="-122"/>
+                </a:defRPr>
+              </a:lvl4pPr>
+              <a:lvl5pPr marL="2057400" indent="-228600">
+                <a:spcBef>
+                  <a:spcPct val="20000"/>
+                </a:spcBef>
+                <a:buChar char="»"/>
+                <a:defRPr sz="1600">
+                  <a:solidFill>
+                    <a:srgbClr val="3A1D00"/>
+                  </a:solidFill>
+                  <a:latin typeface="Arial" panose="020B0604020202020204" pitchFamily="34" charset="0"/>
+                  <a:ea typeface="微软雅黑" panose="020B0503020204020204" pitchFamily="34" charset="-122"/>
+                </a:defRPr>
+              </a:lvl5pPr>
+              <a:lvl6pPr marL="2514600" indent="-228600" eaLnBrk="0" fontAlgn="base" hangingPunct="0">
+                <a:spcBef>
+                  <a:spcPct val="20000"/>
+                </a:spcBef>
+                <a:spcAft>
+                  <a:spcPct val="0"/>
+                </a:spcAft>
+                <a:buChar char="»"/>
+                <a:defRPr sz="1600">
+                  <a:solidFill>
+                    <a:srgbClr val="3A1D00"/>
+                  </a:solidFill>
+                  <a:latin typeface="Arial" panose="020B0604020202020204" pitchFamily="34" charset="0"/>
+                  <a:ea typeface="微软雅黑" panose="020B0503020204020204" pitchFamily="34" charset="-122"/>
+                </a:defRPr>
+              </a:lvl6pPr>
+              <a:lvl7pPr marL="2971800" indent="-228600" eaLnBrk="0" fontAlgn="base" hangingPunct="0">
+                <a:spcBef>
+                  <a:spcPct val="20000"/>
+                </a:spcBef>
+                <a:spcAft>
+                  <a:spcPct val="0"/>
+                </a:spcAft>
+                <a:buChar char="»"/>
+                <a:defRPr sz="1600">
+                  <a:solidFill>
+                    <a:srgbClr val="3A1D00"/>
+                  </a:solidFill>
+                  <a:latin typeface="Arial" panose="020B0604020202020204" pitchFamily="34" charset="0"/>
+                  <a:ea typeface="微软雅黑" panose="020B0503020204020204" pitchFamily="34" charset="-122"/>
+                </a:defRPr>
+              </a:lvl7pPr>
+              <a:lvl8pPr marL="3429000" indent="-228600" eaLnBrk="0" fontAlgn="base" hangingPunct="0">
+                <a:spcBef>
+                  <a:spcPct val="20000"/>
+                </a:spcBef>
+                <a:spcAft>
+                  <a:spcPct val="0"/>
+                </a:spcAft>
+                <a:buChar char="»"/>
+                <a:defRPr sz="1600">
+                  <a:solidFill>
+                    <a:srgbClr val="3A1D00"/>
+                  </a:solidFill>
+                  <a:latin typeface="Arial" panose="020B0604020202020204" pitchFamily="34" charset="0"/>
+                  <a:ea typeface="微软雅黑" panose="020B0503020204020204" pitchFamily="34" charset="-122"/>
+                </a:defRPr>
+              </a:lvl8pPr>
+              <a:lvl9pPr marL="3886200" indent="-228600" eaLnBrk="0" fontAlgn="base" hangingPunct="0">
+                <a:spcBef>
+                  <a:spcPct val="20000"/>
+                </a:spcBef>
+                <a:spcAft>
+                  <a:spcPct val="0"/>
+                </a:spcAft>
+                <a:buChar char="»"/>
+                <a:defRPr sz="1600">
+                  <a:solidFill>
+                    <a:srgbClr val="3A1D00"/>
+                  </a:solidFill>
+                  <a:latin typeface="Arial" panose="020B0604020202020204" pitchFamily="34" charset="0"/>
+                  <a:ea typeface="微软雅黑" panose="020B0503020204020204" pitchFamily="34" charset="-122"/>
+                </a:defRPr>
+              </a:lvl9pPr>
+            </a:lstStyle>
+            <a:p>
+              <a:pPr eaLnBrk="1" hangingPunct="1">
+                <a:spcBef>
+                  <a:spcPct val="0"/>
+                </a:spcBef>
+                <a:buFontTx/>
+                <a:buNone/>
+              </a:pPr>
+              <a:endParaRPr lang="zh-CN" altLang="zh-CN" sz="1800" b="0">
+                <a:solidFill>
+                  <a:schemeClr val="tx1"/>
+                </a:solidFill>
+                <a:latin typeface="华文新魏" panose="02010800040101010101" pitchFamily="2" charset="-122"/>
+                <a:ea typeface="宋体" panose="02010600030101010101" pitchFamily="2" charset="-122"/>
+              </a:endParaRPr>
+            </a:p>
+          </p:txBody>
+        </p:sp>
+        <p:sp>
+          <p:nvSpPr>
+            <p:cNvPr id="23" name="AutoShape 25"/>
+            <p:cNvSpPr>
+              <a:spLocks noChangeArrowheads="1"/>
+            </p:cNvSpPr>
+            <p:nvPr/>
+          </p:nvSpPr>
+          <p:spPr bwMode="auto">
+            <a:xfrm>
+              <a:off x="1932" y="3335"/>
+              <a:ext cx="120" cy="120"/>
+            </a:xfrm>
+            <a:prstGeom prst="flowChartConnector">
+              <a:avLst/>
+            </a:prstGeom>
+            <a:grpFill/>
+            <a:ln w="9525">
+              <a:noFill/>
+              <a:round/>
+              <a:headEnd/>
+              <a:tailEnd/>
+            </a:ln>
+          </p:spPr>
+          <p:txBody>
+            <a:bodyPr wrap="none" anchor="ctr"/>
+            <a:lstStyle>
+              <a:lvl1pPr>
+                <a:spcBef>
+                  <a:spcPct val="20000"/>
+                </a:spcBef>
+                <a:buChar char="•"/>
+                <a:defRPr sz="2400">
+                  <a:solidFill>
+                    <a:srgbClr val="3A1D00"/>
+                  </a:solidFill>
+                  <a:latin typeface="Arial" panose="020B0604020202020204" pitchFamily="34" charset="0"/>
+                  <a:ea typeface="微软雅黑" panose="020B0503020204020204" pitchFamily="34" charset="-122"/>
+                </a:defRPr>
+              </a:lvl1pPr>
+              <a:lvl2pPr marL="742950" indent="-285750">
+                <a:spcBef>
+                  <a:spcPct val="20000"/>
+                </a:spcBef>
+                <a:buChar char="–"/>
+                <a:defRPr sz="2000">
+                  <a:solidFill>
+                    <a:srgbClr val="3A1D00"/>
+                  </a:solidFill>
+                  <a:latin typeface="Arial" panose="020B0604020202020204" pitchFamily="34" charset="0"/>
+                  <a:ea typeface="微软雅黑" panose="020B0503020204020204" pitchFamily="34" charset="-122"/>
+                </a:defRPr>
+              </a:lvl2pPr>
+              <a:lvl3pPr marL="1143000" indent="-228600">
+                <a:spcBef>
+                  <a:spcPct val="20000"/>
+                </a:spcBef>
+                <a:buChar char="•"/>
+                <a:defRPr sz="2400">
+                  <a:solidFill>
+                    <a:srgbClr val="3A1D00"/>
+                  </a:solidFill>
+                  <a:latin typeface="Arial" panose="020B0604020202020204" pitchFamily="34" charset="0"/>
+                  <a:ea typeface="微软雅黑" panose="020B0503020204020204" pitchFamily="34" charset="-122"/>
+                </a:defRPr>
+              </a:lvl3pPr>
+              <a:lvl4pPr marL="1600200" indent="-228600">
+                <a:spcBef>
+                  <a:spcPct val="20000"/>
+                </a:spcBef>
+                <a:buChar char="–"/>
+                <a:defRPr sz="1600">
+                  <a:solidFill>
+                    <a:srgbClr val="3A1D00"/>
+                  </a:solidFill>
+                  <a:latin typeface="Arial" panose="020B0604020202020204" pitchFamily="34" charset="0"/>
+                  <a:ea typeface="微软雅黑" panose="020B0503020204020204" pitchFamily="34" charset="-122"/>
+                </a:defRPr>
+              </a:lvl4pPr>
+              <a:lvl5pPr marL="2057400" indent="-228600">
+                <a:spcBef>
+                  <a:spcPct val="20000"/>
+                </a:spcBef>
+                <a:buChar char="»"/>
+                <a:defRPr sz="1600">
+                  <a:solidFill>
+                    <a:srgbClr val="3A1D00"/>
+                  </a:solidFill>
+                  <a:latin typeface="Arial" panose="020B0604020202020204" pitchFamily="34" charset="0"/>
+                  <a:ea typeface="微软雅黑" panose="020B0503020204020204" pitchFamily="34" charset="-122"/>
+                </a:defRPr>
+              </a:lvl5pPr>
+              <a:lvl6pPr marL="2514600" indent="-228600" eaLnBrk="0" fontAlgn="base" hangingPunct="0">
+                <a:spcBef>
+                  <a:spcPct val="20000"/>
+                </a:spcBef>
+                <a:spcAft>
+                  <a:spcPct val="0"/>
+                </a:spcAft>
+                <a:buChar char="»"/>
+                <a:defRPr sz="1600">
+                  <a:solidFill>
+                    <a:srgbClr val="3A1D00"/>
+                  </a:solidFill>
+                  <a:latin typeface="Arial" panose="020B0604020202020204" pitchFamily="34" charset="0"/>
+                  <a:ea typeface="微软雅黑" panose="020B0503020204020204" pitchFamily="34" charset="-122"/>
+                </a:defRPr>
+              </a:lvl6pPr>
+              <a:lvl7pPr marL="2971800" indent="-228600" eaLnBrk="0" fontAlgn="base" hangingPunct="0">
+                <a:spcBef>
+                  <a:spcPct val="20000"/>
+                </a:spcBef>
+                <a:spcAft>
+                  <a:spcPct val="0"/>
+                </a:spcAft>
+                <a:buChar char="»"/>
+                <a:defRPr sz="1600">
+                  <a:solidFill>
+                    <a:srgbClr val="3A1D00"/>
+                  </a:solidFill>
+                  <a:latin typeface="Arial" panose="020B0604020202020204" pitchFamily="34" charset="0"/>
+                  <a:ea typeface="微软雅黑" panose="020B0503020204020204" pitchFamily="34" charset="-122"/>
+                </a:defRPr>
+              </a:lvl7pPr>
+              <a:lvl8pPr marL="3429000" indent="-228600" eaLnBrk="0" fontAlgn="base" hangingPunct="0">
+                <a:spcBef>
+                  <a:spcPct val="20000"/>
+                </a:spcBef>
+                <a:spcAft>
+                  <a:spcPct val="0"/>
+                </a:spcAft>
+                <a:buChar char="»"/>
+                <a:defRPr sz="1600">
+                  <a:solidFill>
+                    <a:srgbClr val="3A1D00"/>
+                  </a:solidFill>
+                  <a:latin typeface="Arial" panose="020B0604020202020204" pitchFamily="34" charset="0"/>
+                  <a:ea typeface="微软雅黑" panose="020B0503020204020204" pitchFamily="34" charset="-122"/>
+                </a:defRPr>
+              </a:lvl8pPr>
+              <a:lvl9pPr marL="3886200" indent="-228600" eaLnBrk="0" fontAlgn="base" hangingPunct="0">
+                <a:spcBef>
+                  <a:spcPct val="20000"/>
+                </a:spcBef>
+                <a:spcAft>
+                  <a:spcPct val="0"/>
+                </a:spcAft>
+                <a:buChar char="»"/>
+                <a:defRPr sz="1600">
+                  <a:solidFill>
+                    <a:srgbClr val="3A1D00"/>
+                  </a:solidFill>
+                  <a:latin typeface="Arial" panose="020B0604020202020204" pitchFamily="34" charset="0"/>
+                  <a:ea typeface="微软雅黑" panose="020B0503020204020204" pitchFamily="34" charset="-122"/>
+                </a:defRPr>
+              </a:lvl9pPr>
+            </a:lstStyle>
+            <a:p>
+              <a:pPr eaLnBrk="1" hangingPunct="1">
+                <a:spcBef>
+                  <a:spcPct val="0"/>
+                </a:spcBef>
+                <a:buFontTx/>
+                <a:buNone/>
+              </a:pPr>
+              <a:endParaRPr lang="zh-CN" altLang="zh-CN" sz="1800" b="0">
+                <a:solidFill>
+                  <a:schemeClr val="tx1"/>
+                </a:solidFill>
+                <a:latin typeface="华文新魏" panose="02010800040101010101" pitchFamily="2" charset="-122"/>
+                <a:ea typeface="宋体" panose="02010600030101010101" pitchFamily="2" charset="-122"/>
+              </a:endParaRPr>
+            </a:p>
+          </p:txBody>
+        </p:sp>
+        <p:sp>
+          <p:nvSpPr>
+            <p:cNvPr id="24" name="AutoShape 26"/>
+            <p:cNvSpPr>
+              <a:spLocks noChangeArrowheads="1"/>
+            </p:cNvSpPr>
+            <p:nvPr/>
+          </p:nvSpPr>
+          <p:spPr bwMode="auto">
+            <a:xfrm>
+              <a:off x="2792" y="3335"/>
+              <a:ext cx="120" cy="120"/>
+            </a:xfrm>
+            <a:prstGeom prst="flowChartConnector">
+              <a:avLst/>
+            </a:prstGeom>
+            <a:grpFill/>
+            <a:ln w="9525">
+              <a:noFill/>
+              <a:round/>
+              <a:headEnd/>
+              <a:tailEnd/>
+            </a:ln>
+          </p:spPr>
+          <p:txBody>
+            <a:bodyPr wrap="none" anchor="ctr"/>
+            <a:lstStyle>
+              <a:lvl1pPr>
+                <a:spcBef>
+                  <a:spcPct val="20000"/>
+                </a:spcBef>
+                <a:buChar char="•"/>
+                <a:defRPr sz="2400">
+                  <a:solidFill>
+                    <a:srgbClr val="3A1D00"/>
+                  </a:solidFill>
+                  <a:latin typeface="Arial" panose="020B0604020202020204" pitchFamily="34" charset="0"/>
+                  <a:ea typeface="微软雅黑" panose="020B0503020204020204" pitchFamily="34" charset="-122"/>
+                </a:defRPr>
+              </a:lvl1pPr>
+              <a:lvl2pPr marL="742950" indent="-285750">
+                <a:spcBef>
+                  <a:spcPct val="20000"/>
+                </a:spcBef>
+                <a:buChar char="–"/>
+                <a:defRPr sz="2000">
+                  <a:solidFill>
+                    <a:srgbClr val="3A1D00"/>
+                  </a:solidFill>
+                  <a:latin typeface="Arial" panose="020B0604020202020204" pitchFamily="34" charset="0"/>
+                  <a:ea typeface="微软雅黑" panose="020B0503020204020204" pitchFamily="34" charset="-122"/>
+                </a:defRPr>
+              </a:lvl2pPr>
+              <a:lvl3pPr marL="1143000" indent="-228600">
+                <a:spcBef>
+                  <a:spcPct val="20000"/>
+                </a:spcBef>
+                <a:buChar char="•"/>
+                <a:defRPr sz="2400">
+                  <a:solidFill>
+                    <a:srgbClr val="3A1D00"/>
+                  </a:solidFill>
+                  <a:latin typeface="Arial" panose="020B0604020202020204" pitchFamily="34" charset="0"/>
+                  <a:ea typeface="微软雅黑" panose="020B0503020204020204" pitchFamily="34" charset="-122"/>
+                </a:defRPr>
+              </a:lvl3pPr>
+              <a:lvl4pPr marL="1600200" indent="-228600">
+                <a:spcBef>
+                  <a:spcPct val="20000"/>
+                </a:spcBef>
+                <a:buChar char="–"/>
+                <a:defRPr sz="1600">
+                  <a:solidFill>
+                    <a:srgbClr val="3A1D00"/>
+                  </a:solidFill>
+                  <a:latin typeface="Arial" panose="020B0604020202020204" pitchFamily="34" charset="0"/>
+                  <a:ea typeface="微软雅黑" panose="020B0503020204020204" pitchFamily="34" charset="-122"/>
+                </a:defRPr>
+              </a:lvl4pPr>
+              <a:lvl5pPr marL="2057400" indent="-228600">
+                <a:spcBef>
+                  <a:spcPct val="20000"/>
+                </a:spcBef>
+                <a:buChar char="»"/>
+                <a:defRPr sz="1600">
+                  <a:solidFill>
+                    <a:srgbClr val="3A1D00"/>
+                  </a:solidFill>
+                  <a:latin typeface="Arial" panose="020B0604020202020204" pitchFamily="34" charset="0"/>
+                  <a:ea typeface="微软雅黑" panose="020B0503020204020204" pitchFamily="34" charset="-122"/>
+                </a:defRPr>
+              </a:lvl5pPr>
+              <a:lvl6pPr marL="2514600" indent="-228600" eaLnBrk="0" fontAlgn="base" hangingPunct="0">
+                <a:spcBef>
+                  <a:spcPct val="20000"/>
+                </a:spcBef>
+                <a:spcAft>
+                  <a:spcPct val="0"/>
+                </a:spcAft>
+                <a:buChar char="»"/>
+                <a:defRPr sz="1600">
+                  <a:solidFill>
+                    <a:srgbClr val="3A1D00"/>
+                  </a:solidFill>
+                  <a:latin typeface="Arial" panose="020B0604020202020204" pitchFamily="34" charset="0"/>
+                  <a:ea typeface="微软雅黑" panose="020B0503020204020204" pitchFamily="34" charset="-122"/>
+                </a:defRPr>
+              </a:lvl6pPr>
+              <a:lvl7pPr marL="2971800" indent="-228600" eaLnBrk="0" fontAlgn="base" hangingPunct="0">
+                <a:spcBef>
+                  <a:spcPct val="20000"/>
+                </a:spcBef>
+                <a:spcAft>
+                  <a:spcPct val="0"/>
+                </a:spcAft>
+                <a:buChar char="»"/>
+                <a:defRPr sz="1600">
+                  <a:solidFill>
+                    <a:srgbClr val="3A1D00"/>
+                  </a:solidFill>
+                  <a:latin typeface="Arial" panose="020B0604020202020204" pitchFamily="34" charset="0"/>
+                  <a:ea typeface="微软雅黑" panose="020B0503020204020204" pitchFamily="34" charset="-122"/>
+                </a:defRPr>
+              </a:lvl7pPr>
+              <a:lvl8pPr marL="3429000" indent="-228600" eaLnBrk="0" fontAlgn="base" hangingPunct="0">
+                <a:spcBef>
+                  <a:spcPct val="20000"/>
+                </a:spcBef>
+                <a:spcAft>
+                  <a:spcPct val="0"/>
+                </a:spcAft>
+                <a:buChar char="»"/>
+                <a:defRPr sz="1600">
+                  <a:solidFill>
+                    <a:srgbClr val="3A1D00"/>
+                  </a:solidFill>
+                  <a:latin typeface="Arial" panose="020B0604020202020204" pitchFamily="34" charset="0"/>
+                  <a:ea typeface="微软雅黑" panose="020B0503020204020204" pitchFamily="34" charset="-122"/>
+                </a:defRPr>
+              </a:lvl8pPr>
+              <a:lvl9pPr marL="3886200" indent="-228600" eaLnBrk="0" fontAlgn="base" hangingPunct="0">
+                <a:spcBef>
+                  <a:spcPct val="20000"/>
+                </a:spcBef>
+                <a:spcAft>
+                  <a:spcPct val="0"/>
+                </a:spcAft>
+                <a:buChar char="»"/>
+                <a:defRPr sz="1600">
+                  <a:solidFill>
+                    <a:srgbClr val="3A1D00"/>
+                  </a:solidFill>
+                  <a:latin typeface="Arial" panose="020B0604020202020204" pitchFamily="34" charset="0"/>
+                  <a:ea typeface="微软雅黑" panose="020B0503020204020204" pitchFamily="34" charset="-122"/>
+                </a:defRPr>
+              </a:lvl9pPr>
+            </a:lstStyle>
+            <a:p>
+              <a:pPr eaLnBrk="1" hangingPunct="1">
+                <a:spcBef>
+                  <a:spcPct val="0"/>
+                </a:spcBef>
+                <a:buFontTx/>
+                <a:buNone/>
+              </a:pPr>
+              <a:endParaRPr lang="zh-CN" altLang="zh-CN" sz="1800" b="0">
+                <a:solidFill>
+                  <a:schemeClr val="tx1"/>
+                </a:solidFill>
+                <a:latin typeface="华文新魏" panose="02010800040101010101" pitchFamily="2" charset="-122"/>
+                <a:ea typeface="宋体" panose="02010600030101010101" pitchFamily="2" charset="-122"/>
+              </a:endParaRPr>
+            </a:p>
+          </p:txBody>
+        </p:sp>
+        <p:sp>
+          <p:nvSpPr>
+            <p:cNvPr id="25" name="AutoShape 27"/>
+            <p:cNvSpPr>
+              <a:spLocks noChangeArrowheads="1"/>
+            </p:cNvSpPr>
+            <p:nvPr/>
+          </p:nvSpPr>
+          <p:spPr bwMode="auto">
+            <a:xfrm>
+              <a:off x="2377" y="1598"/>
+              <a:ext cx="120" cy="120"/>
+            </a:xfrm>
+            <a:prstGeom prst="flowChartConnector">
+              <a:avLst/>
+            </a:prstGeom>
+            <a:grpFill/>
+            <a:ln w="9525">
+              <a:noFill/>
+              <a:round/>
+              <a:headEnd/>
+              <a:tailEnd/>
+            </a:ln>
+          </p:spPr>
+          <p:txBody>
+            <a:bodyPr wrap="none" anchor="ctr"/>
+            <a:lstStyle>
+              <a:lvl1pPr>
+                <a:spcBef>
+                  <a:spcPct val="20000"/>
+                </a:spcBef>
+                <a:buChar char="•"/>
+                <a:defRPr sz="2400">
+                  <a:solidFill>
+                    <a:srgbClr val="3A1D00"/>
+                  </a:solidFill>
+                  <a:latin typeface="Arial" panose="020B0604020202020204" pitchFamily="34" charset="0"/>
+                  <a:ea typeface="微软雅黑" panose="020B0503020204020204" pitchFamily="34" charset="-122"/>
+                </a:defRPr>
+              </a:lvl1pPr>
+              <a:lvl2pPr marL="742950" indent="-285750">
+                <a:spcBef>
+                  <a:spcPct val="20000"/>
+                </a:spcBef>
+                <a:buChar char="–"/>
+                <a:defRPr sz="2000">
+                  <a:solidFill>
+                    <a:srgbClr val="3A1D00"/>
+                  </a:solidFill>
+                  <a:latin typeface="Arial" panose="020B0604020202020204" pitchFamily="34" charset="0"/>
+                  <a:ea typeface="微软雅黑" panose="020B0503020204020204" pitchFamily="34" charset="-122"/>
+                </a:defRPr>
+              </a:lvl2pPr>
+              <a:lvl3pPr marL="1143000" indent="-228600">
+                <a:spcBef>
+                  <a:spcPct val="20000"/>
+                </a:spcBef>
+                <a:buChar char="•"/>
+                <a:defRPr sz="2400">
+                  <a:solidFill>
+                    <a:srgbClr val="3A1D00"/>
+                  </a:solidFill>
+                  <a:latin typeface="Arial" panose="020B0604020202020204" pitchFamily="34" charset="0"/>
+                  <a:ea typeface="微软雅黑" panose="020B0503020204020204" pitchFamily="34" charset="-122"/>
+                </a:defRPr>
+              </a:lvl3pPr>
+              <a:lvl4pPr marL="1600200" indent="-228600">
+                <a:spcBef>
+                  <a:spcPct val="20000"/>
+                </a:spcBef>
+                <a:buChar char="–"/>
+                <a:defRPr sz="1600">
+                  <a:solidFill>
+                    <a:srgbClr val="3A1D00"/>
+                  </a:solidFill>
+                  <a:latin typeface="Arial" panose="020B0604020202020204" pitchFamily="34" charset="0"/>
+                  <a:ea typeface="微软雅黑" panose="020B0503020204020204" pitchFamily="34" charset="-122"/>
+                </a:defRPr>
+              </a:lvl4pPr>
+              <a:lvl5pPr marL="2057400" indent="-228600">
+                <a:spcBef>
+                  <a:spcPct val="20000"/>
+                </a:spcBef>
+                <a:buChar char="»"/>
+                <a:defRPr sz="1600">
+                  <a:solidFill>
+                    <a:srgbClr val="3A1D00"/>
+                  </a:solidFill>
+                  <a:latin typeface="Arial" panose="020B0604020202020204" pitchFamily="34" charset="0"/>
+                  <a:ea typeface="微软雅黑" panose="020B0503020204020204" pitchFamily="34" charset="-122"/>
+                </a:defRPr>
+              </a:lvl5pPr>
+              <a:lvl6pPr marL="2514600" indent="-228600" eaLnBrk="0" fontAlgn="base" hangingPunct="0">
+                <a:spcBef>
+                  <a:spcPct val="20000"/>
+                </a:spcBef>
+                <a:spcAft>
+                  <a:spcPct val="0"/>
+                </a:spcAft>
+                <a:buChar char="»"/>
+                <a:defRPr sz="1600">
+                  <a:solidFill>
+                    <a:srgbClr val="3A1D00"/>
+                  </a:solidFill>
+                  <a:latin typeface="Arial" panose="020B0604020202020204" pitchFamily="34" charset="0"/>
+                  <a:ea typeface="微软雅黑" panose="020B0503020204020204" pitchFamily="34" charset="-122"/>
+                </a:defRPr>
+              </a:lvl6pPr>
+              <a:lvl7pPr marL="2971800" indent="-228600" eaLnBrk="0" fontAlgn="base" hangingPunct="0">
+                <a:spcBef>
+                  <a:spcPct val="20000"/>
+                </a:spcBef>
+                <a:spcAft>
+                  <a:spcPct val="0"/>
+                </a:spcAft>
+                <a:buChar char="»"/>
+                <a:defRPr sz="1600">
+                  <a:solidFill>
+                    <a:srgbClr val="3A1D00"/>
+                  </a:solidFill>
+                  <a:latin typeface="Arial" panose="020B0604020202020204" pitchFamily="34" charset="0"/>
+                  <a:ea typeface="微软雅黑" panose="020B0503020204020204" pitchFamily="34" charset="-122"/>
+                </a:defRPr>
+              </a:lvl7pPr>
+              <a:lvl8pPr marL="3429000" indent="-228600" eaLnBrk="0" fontAlgn="base" hangingPunct="0">
+                <a:spcBef>
+                  <a:spcPct val="20000"/>
+                </a:spcBef>
+                <a:spcAft>
+                  <a:spcPct val="0"/>
+                </a:spcAft>
+                <a:buChar char="»"/>
+                <a:defRPr sz="1600">
+                  <a:solidFill>
+                    <a:srgbClr val="3A1D00"/>
+                  </a:solidFill>
+                  <a:latin typeface="Arial" panose="020B0604020202020204" pitchFamily="34" charset="0"/>
+                  <a:ea typeface="微软雅黑" panose="020B0503020204020204" pitchFamily="34" charset="-122"/>
+                </a:defRPr>
+              </a:lvl8pPr>
+              <a:lvl9pPr marL="3886200" indent="-228600" eaLnBrk="0" fontAlgn="base" hangingPunct="0">
+                <a:spcBef>
+                  <a:spcPct val="20000"/>
+                </a:spcBef>
+                <a:spcAft>
+                  <a:spcPct val="0"/>
+                </a:spcAft>
+                <a:buChar char="»"/>
+                <a:defRPr sz="1600">
+                  <a:solidFill>
+                    <a:srgbClr val="3A1D00"/>
+                  </a:solidFill>
+                  <a:latin typeface="Arial" panose="020B0604020202020204" pitchFamily="34" charset="0"/>
+                  <a:ea typeface="微软雅黑" panose="020B0503020204020204" pitchFamily="34" charset="-122"/>
+                </a:defRPr>
+              </a:lvl9pPr>
+            </a:lstStyle>
+            <a:p>
+              <a:pPr eaLnBrk="1" hangingPunct="1">
+                <a:spcBef>
+                  <a:spcPct val="0"/>
+                </a:spcBef>
+                <a:buFontTx/>
+                <a:buNone/>
+              </a:pPr>
+              <a:endParaRPr lang="zh-CN" altLang="zh-CN" sz="1800" b="0">
+                <a:solidFill>
+                  <a:schemeClr val="tx1"/>
+                </a:solidFill>
+                <a:latin typeface="华文新魏" panose="02010800040101010101" pitchFamily="2" charset="-122"/>
+                <a:ea typeface="宋体" panose="02010600030101010101" pitchFamily="2" charset="-122"/>
+              </a:endParaRPr>
+            </a:p>
+          </p:txBody>
+        </p:sp>
+        <p:sp>
+          <p:nvSpPr>
+            <p:cNvPr id="26" name="AutoShape 28"/>
+            <p:cNvSpPr>
+              <a:spLocks noChangeArrowheads="1"/>
+            </p:cNvSpPr>
+            <p:nvPr/>
+          </p:nvSpPr>
+          <p:spPr bwMode="auto">
+            <a:xfrm>
+              <a:off x="2792" y="2602"/>
+              <a:ext cx="120" cy="120"/>
+            </a:xfrm>
+            <a:prstGeom prst="flowChartConnector">
+              <a:avLst/>
+            </a:prstGeom>
+            <a:grpFill/>
+            <a:ln w="9525">
+              <a:noFill/>
+              <a:round/>
+              <a:headEnd/>
+              <a:tailEnd/>
+            </a:ln>
+          </p:spPr>
+          <p:txBody>
+            <a:bodyPr wrap="none" anchor="ctr"/>
+            <a:lstStyle>
+              <a:lvl1pPr>
+                <a:spcBef>
+                  <a:spcPct val="20000"/>
+                </a:spcBef>
+                <a:buChar char="•"/>
+                <a:defRPr sz="2400">
+                  <a:solidFill>
+                    <a:srgbClr val="3A1D00"/>
+                  </a:solidFill>
+                  <a:latin typeface="Arial" panose="020B0604020202020204" pitchFamily="34" charset="0"/>
+                  <a:ea typeface="微软雅黑" panose="020B0503020204020204" pitchFamily="34" charset="-122"/>
+                </a:defRPr>
+              </a:lvl1pPr>
+              <a:lvl2pPr marL="742950" indent="-285750">
+                <a:spcBef>
+                  <a:spcPct val="20000"/>
+                </a:spcBef>
+                <a:buChar char="–"/>
+                <a:defRPr sz="2000">
+                  <a:solidFill>
+                    <a:srgbClr val="3A1D00"/>
+                  </a:solidFill>
+                  <a:latin typeface="Arial" panose="020B0604020202020204" pitchFamily="34" charset="0"/>
+                  <a:ea typeface="微软雅黑" panose="020B0503020204020204" pitchFamily="34" charset="-122"/>
+                </a:defRPr>
+              </a:lvl2pPr>
+              <a:lvl3pPr marL="1143000" indent="-228600">
+                <a:spcBef>
+                  <a:spcPct val="20000"/>
+                </a:spcBef>
+                <a:buChar char="•"/>
+                <a:defRPr sz="2400">
+                  <a:solidFill>
+                    <a:srgbClr val="3A1D00"/>
+                  </a:solidFill>
+                  <a:latin typeface="Arial" panose="020B0604020202020204" pitchFamily="34" charset="0"/>
+                  <a:ea typeface="微软雅黑" panose="020B0503020204020204" pitchFamily="34" charset="-122"/>
+                </a:defRPr>
+              </a:lvl3pPr>
+              <a:lvl4pPr marL="1600200" indent="-228600">
+                <a:spcBef>
+                  <a:spcPct val="20000"/>
+                </a:spcBef>
+                <a:buChar char="–"/>
+                <a:defRPr sz="1600">
+                  <a:solidFill>
+                    <a:srgbClr val="3A1D00"/>
+                  </a:solidFill>
+                  <a:latin typeface="Arial" panose="020B0604020202020204" pitchFamily="34" charset="0"/>
+                  <a:ea typeface="微软雅黑" panose="020B0503020204020204" pitchFamily="34" charset="-122"/>
+                </a:defRPr>
+              </a:lvl4pPr>
+              <a:lvl5pPr marL="2057400" indent="-228600">
+                <a:spcBef>
+                  <a:spcPct val="20000"/>
+                </a:spcBef>
+                <a:buChar char="»"/>
+                <a:defRPr sz="1600">
+                  <a:solidFill>
+                    <a:srgbClr val="3A1D00"/>
+                  </a:solidFill>
+                  <a:latin typeface="Arial" panose="020B0604020202020204" pitchFamily="34" charset="0"/>
+                  <a:ea typeface="微软雅黑" panose="020B0503020204020204" pitchFamily="34" charset="-122"/>
+                </a:defRPr>
+              </a:lvl5pPr>
+              <a:lvl6pPr marL="2514600" indent="-228600" eaLnBrk="0" fontAlgn="base" hangingPunct="0">
+                <a:spcBef>
+                  <a:spcPct val="20000"/>
+                </a:spcBef>
+                <a:spcAft>
+                  <a:spcPct val="0"/>
+                </a:spcAft>
+                <a:buChar char="»"/>
+                <a:defRPr sz="1600">
+                  <a:solidFill>
+                    <a:srgbClr val="3A1D00"/>
+                  </a:solidFill>
+                  <a:latin typeface="Arial" panose="020B0604020202020204" pitchFamily="34" charset="0"/>
+                  <a:ea typeface="微软雅黑" panose="020B0503020204020204" pitchFamily="34" charset="-122"/>
+                </a:defRPr>
+              </a:lvl6pPr>
+              <a:lvl7pPr marL="2971800" indent="-228600" eaLnBrk="0" fontAlgn="base" hangingPunct="0">
+                <a:spcBef>
+                  <a:spcPct val="20000"/>
+                </a:spcBef>
+                <a:spcAft>
+                  <a:spcPct val="0"/>
+                </a:spcAft>
+                <a:buChar char="»"/>
+                <a:defRPr sz="1600">
+                  <a:solidFill>
+                    <a:srgbClr val="3A1D00"/>
+                  </a:solidFill>
+                  <a:latin typeface="Arial" panose="020B0604020202020204" pitchFamily="34" charset="0"/>
+                  <a:ea typeface="微软雅黑" panose="020B0503020204020204" pitchFamily="34" charset="-122"/>
+                </a:defRPr>
+              </a:lvl7pPr>
+              <a:lvl8pPr marL="3429000" indent="-228600" eaLnBrk="0" fontAlgn="base" hangingPunct="0">
+                <a:spcBef>
+                  <a:spcPct val="20000"/>
+                </a:spcBef>
+                <a:spcAft>
+                  <a:spcPct val="0"/>
+                </a:spcAft>
+                <a:buChar char="»"/>
+                <a:defRPr sz="1600">
+                  <a:solidFill>
+                    <a:srgbClr val="3A1D00"/>
+                  </a:solidFill>
+                  <a:latin typeface="Arial" panose="020B0604020202020204" pitchFamily="34" charset="0"/>
+                  <a:ea typeface="微软雅黑" panose="020B0503020204020204" pitchFamily="34" charset="-122"/>
+                </a:defRPr>
+              </a:lvl8pPr>
+              <a:lvl9pPr marL="3886200" indent="-228600" eaLnBrk="0" fontAlgn="base" hangingPunct="0">
+                <a:spcBef>
+                  <a:spcPct val="20000"/>
+                </a:spcBef>
+                <a:spcAft>
+                  <a:spcPct val="0"/>
+                </a:spcAft>
+                <a:buChar char="»"/>
+                <a:defRPr sz="1600">
+                  <a:solidFill>
+                    <a:srgbClr val="3A1D00"/>
+                  </a:solidFill>
+                  <a:latin typeface="Arial" panose="020B0604020202020204" pitchFamily="34" charset="0"/>
+                  <a:ea typeface="微软雅黑" panose="020B0503020204020204" pitchFamily="34" charset="-122"/>
+                </a:defRPr>
+              </a:lvl9pPr>
+            </a:lstStyle>
+            <a:p>
+              <a:pPr eaLnBrk="1" hangingPunct="1">
+                <a:spcBef>
+                  <a:spcPct val="0"/>
+                </a:spcBef>
+                <a:buFontTx/>
+                <a:buNone/>
+              </a:pPr>
+              <a:endParaRPr lang="zh-CN" altLang="zh-CN" sz="1800" b="0">
+                <a:solidFill>
+                  <a:schemeClr val="tx1"/>
+                </a:solidFill>
+                <a:latin typeface="华文新魏" panose="02010800040101010101" pitchFamily="2" charset="-122"/>
+                <a:ea typeface="宋体" panose="02010600030101010101" pitchFamily="2" charset="-122"/>
+              </a:endParaRPr>
+            </a:p>
+          </p:txBody>
+        </p:sp>
+        <p:sp>
+          <p:nvSpPr>
+            <p:cNvPr id="28" name="AutoShape 30"/>
+            <p:cNvSpPr>
+              <a:spLocks noChangeArrowheads="1"/>
+            </p:cNvSpPr>
+            <p:nvPr/>
+          </p:nvSpPr>
+          <p:spPr bwMode="auto">
+            <a:xfrm>
+              <a:off x="2792" y="2040"/>
+              <a:ext cx="120" cy="120"/>
+            </a:xfrm>
+            <a:prstGeom prst="flowChartConnector">
+              <a:avLst/>
+            </a:prstGeom>
+            <a:grpFill/>
+            <a:ln w="9525">
+              <a:noFill/>
+              <a:round/>
+              <a:headEnd/>
+              <a:tailEnd/>
+            </a:ln>
+          </p:spPr>
+          <p:txBody>
+            <a:bodyPr wrap="none" anchor="ctr"/>
+            <a:lstStyle>
+              <a:lvl1pPr>
+                <a:spcBef>
+                  <a:spcPct val="20000"/>
+                </a:spcBef>
+                <a:buChar char="•"/>
+                <a:defRPr sz="2400">
+                  <a:solidFill>
+                    <a:srgbClr val="3A1D00"/>
+                  </a:solidFill>
+                  <a:latin typeface="Arial" panose="020B0604020202020204" pitchFamily="34" charset="0"/>
+                  <a:ea typeface="微软雅黑" panose="020B0503020204020204" pitchFamily="34" charset="-122"/>
+                </a:defRPr>
+              </a:lvl1pPr>
+              <a:lvl2pPr marL="742950" indent="-285750">
+                <a:spcBef>
+                  <a:spcPct val="20000"/>
+                </a:spcBef>
+                <a:buChar char="–"/>
+                <a:defRPr sz="2000">
+                  <a:solidFill>
+                    <a:srgbClr val="3A1D00"/>
+                  </a:solidFill>
+                  <a:latin typeface="Arial" panose="020B0604020202020204" pitchFamily="34" charset="0"/>
+                  <a:ea typeface="微软雅黑" panose="020B0503020204020204" pitchFamily="34" charset="-122"/>
+                </a:defRPr>
+              </a:lvl2pPr>
+              <a:lvl3pPr marL="1143000" indent="-228600">
+                <a:spcBef>
+                  <a:spcPct val="20000"/>
+                </a:spcBef>
+                <a:buChar char="•"/>
+                <a:defRPr sz="2400">
+                  <a:solidFill>
+                    <a:srgbClr val="3A1D00"/>
+                  </a:solidFill>
+                  <a:latin typeface="Arial" panose="020B0604020202020204" pitchFamily="34" charset="0"/>
+                  <a:ea typeface="微软雅黑" panose="020B0503020204020204" pitchFamily="34" charset="-122"/>
+                </a:defRPr>
+              </a:lvl3pPr>
+              <a:lvl4pPr marL="1600200" indent="-228600">
+                <a:spcBef>
+                  <a:spcPct val="20000"/>
+                </a:spcBef>
+                <a:buChar char="–"/>
+                <a:defRPr sz="1600">
+                  <a:solidFill>
+                    <a:srgbClr val="3A1D00"/>
+                  </a:solidFill>
+                  <a:latin typeface="Arial" panose="020B0604020202020204" pitchFamily="34" charset="0"/>
+                  <a:ea typeface="微软雅黑" panose="020B0503020204020204" pitchFamily="34" charset="-122"/>
+                </a:defRPr>
+              </a:lvl4pPr>
+              <a:lvl5pPr marL="2057400" indent="-228600">
+                <a:spcBef>
+                  <a:spcPct val="20000"/>
+                </a:spcBef>
+                <a:buChar char="»"/>
+                <a:defRPr sz="1600">
+                  <a:solidFill>
+                    <a:srgbClr val="3A1D00"/>
+                  </a:solidFill>
+                  <a:latin typeface="Arial" panose="020B0604020202020204" pitchFamily="34" charset="0"/>
+                  <a:ea typeface="微软雅黑" panose="020B0503020204020204" pitchFamily="34" charset="-122"/>
+                </a:defRPr>
+              </a:lvl5pPr>
+              <a:lvl6pPr marL="2514600" indent="-228600" eaLnBrk="0" fontAlgn="base" hangingPunct="0">
+                <a:spcBef>
+                  <a:spcPct val="20000"/>
+                </a:spcBef>
+                <a:spcAft>
+                  <a:spcPct val="0"/>
+                </a:spcAft>
+                <a:buChar char="»"/>
+                <a:defRPr sz="1600">
+                  <a:solidFill>
+                    <a:srgbClr val="3A1D00"/>
+                  </a:solidFill>
+                  <a:latin typeface="Arial" panose="020B0604020202020204" pitchFamily="34" charset="0"/>
+                  <a:ea typeface="微软雅黑" panose="020B0503020204020204" pitchFamily="34" charset="-122"/>
+                </a:defRPr>
+              </a:lvl6pPr>
+              <a:lvl7pPr marL="2971800" indent="-228600" eaLnBrk="0" fontAlgn="base" hangingPunct="0">
+                <a:spcBef>
+                  <a:spcPct val="20000"/>
+                </a:spcBef>
+                <a:spcAft>
+                  <a:spcPct val="0"/>
+                </a:spcAft>
+                <a:buChar char="»"/>
+                <a:defRPr sz="1600">
+                  <a:solidFill>
+                    <a:srgbClr val="3A1D00"/>
+                  </a:solidFill>
+                  <a:latin typeface="Arial" panose="020B0604020202020204" pitchFamily="34" charset="0"/>
+                  <a:ea typeface="微软雅黑" panose="020B0503020204020204" pitchFamily="34" charset="-122"/>
+                </a:defRPr>
+              </a:lvl7pPr>
+              <a:lvl8pPr marL="3429000" indent="-228600" eaLnBrk="0" fontAlgn="base" hangingPunct="0">
+                <a:spcBef>
+                  <a:spcPct val="20000"/>
+                </a:spcBef>
+                <a:spcAft>
+                  <a:spcPct val="0"/>
+                </a:spcAft>
+                <a:buChar char="»"/>
+                <a:defRPr sz="1600">
+                  <a:solidFill>
+                    <a:srgbClr val="3A1D00"/>
+                  </a:solidFill>
+                  <a:latin typeface="Arial" panose="020B0604020202020204" pitchFamily="34" charset="0"/>
+                  <a:ea typeface="微软雅黑" panose="020B0503020204020204" pitchFamily="34" charset="-122"/>
+                </a:defRPr>
+              </a:lvl8pPr>
+              <a:lvl9pPr marL="3886200" indent="-228600" eaLnBrk="0" fontAlgn="base" hangingPunct="0">
+                <a:spcBef>
+                  <a:spcPct val="20000"/>
+                </a:spcBef>
+                <a:spcAft>
+                  <a:spcPct val="0"/>
+                </a:spcAft>
+                <a:buChar char="»"/>
+                <a:defRPr sz="1600">
+                  <a:solidFill>
+                    <a:srgbClr val="3A1D00"/>
+                  </a:solidFill>
+                  <a:latin typeface="Arial" panose="020B0604020202020204" pitchFamily="34" charset="0"/>
+                  <a:ea typeface="微软雅黑" panose="020B0503020204020204" pitchFamily="34" charset="-122"/>
+                </a:defRPr>
+              </a:lvl9pPr>
+            </a:lstStyle>
+            <a:p>
+              <a:pPr eaLnBrk="1" hangingPunct="1">
+                <a:spcBef>
+                  <a:spcPct val="0"/>
+                </a:spcBef>
+                <a:buFontTx/>
+                <a:buNone/>
+              </a:pPr>
+              <a:endParaRPr lang="zh-CN" altLang="zh-CN" sz="1800" b="0">
+                <a:solidFill>
+                  <a:schemeClr val="tx1"/>
+                </a:solidFill>
+                <a:latin typeface="华文新魏" panose="02010800040101010101" pitchFamily="2" charset="-122"/>
+                <a:ea typeface="宋体" panose="02010600030101010101" pitchFamily="2" charset="-122"/>
+              </a:endParaRPr>
+            </a:p>
+          </p:txBody>
+        </p:sp>
+        <p:sp>
+          <p:nvSpPr>
+            <p:cNvPr id="29" name="AutoShape 29"/>
+            <p:cNvSpPr>
+              <a:spLocks noChangeArrowheads="1"/>
+            </p:cNvSpPr>
+            <p:nvPr/>
+          </p:nvSpPr>
+          <p:spPr bwMode="auto">
+            <a:xfrm>
+              <a:off x="440" y="2653"/>
+              <a:ext cx="120" cy="120"/>
+            </a:xfrm>
+            <a:prstGeom prst="flowChartConnector">
+              <a:avLst/>
+            </a:prstGeom>
+            <a:grpFill/>
+            <a:ln w="9525">
+              <a:noFill/>
+              <a:round/>
+              <a:headEnd/>
+              <a:tailEnd/>
+            </a:ln>
+          </p:spPr>
+          <p:txBody>
+            <a:bodyPr wrap="none" anchor="ctr"/>
+            <a:lstStyle>
+              <a:lvl1pPr>
+                <a:spcBef>
+                  <a:spcPct val="20000"/>
+                </a:spcBef>
+                <a:buChar char="•"/>
+                <a:defRPr sz="2400">
+                  <a:solidFill>
+                    <a:srgbClr val="3A1D00"/>
+                  </a:solidFill>
+                  <a:latin typeface="Arial" panose="020B0604020202020204" pitchFamily="34" charset="0"/>
+                  <a:ea typeface="微软雅黑" panose="020B0503020204020204" pitchFamily="34" charset="-122"/>
+                </a:defRPr>
+              </a:lvl1pPr>
+              <a:lvl2pPr marL="742950" indent="-285750">
+                <a:spcBef>
+                  <a:spcPct val="20000"/>
+                </a:spcBef>
+                <a:buChar char="–"/>
+                <a:defRPr sz="2000">
+                  <a:solidFill>
+                    <a:srgbClr val="3A1D00"/>
+                  </a:solidFill>
+                  <a:latin typeface="Arial" panose="020B0604020202020204" pitchFamily="34" charset="0"/>
+                  <a:ea typeface="微软雅黑" panose="020B0503020204020204" pitchFamily="34" charset="-122"/>
+                </a:defRPr>
+              </a:lvl2pPr>
+              <a:lvl3pPr marL="1143000" indent="-228600">
+                <a:spcBef>
+                  <a:spcPct val="20000"/>
+                </a:spcBef>
+                <a:buChar char="•"/>
+                <a:defRPr sz="2400">
+                  <a:solidFill>
+                    <a:srgbClr val="3A1D00"/>
+                  </a:solidFill>
+                  <a:latin typeface="Arial" panose="020B0604020202020204" pitchFamily="34" charset="0"/>
+                  <a:ea typeface="微软雅黑" panose="020B0503020204020204" pitchFamily="34" charset="-122"/>
+                </a:defRPr>
+              </a:lvl3pPr>
+              <a:lvl4pPr marL="1600200" indent="-228600">
+                <a:spcBef>
+                  <a:spcPct val="20000"/>
+                </a:spcBef>
+                <a:buChar char="–"/>
+                <a:defRPr sz="1600">
+                  <a:solidFill>
+                    <a:srgbClr val="3A1D00"/>
+                  </a:solidFill>
+                  <a:latin typeface="Arial" panose="020B0604020202020204" pitchFamily="34" charset="0"/>
+                  <a:ea typeface="微软雅黑" panose="020B0503020204020204" pitchFamily="34" charset="-122"/>
+                </a:defRPr>
+              </a:lvl4pPr>
+              <a:lvl5pPr marL="2057400" indent="-228600">
+                <a:spcBef>
+                  <a:spcPct val="20000"/>
+                </a:spcBef>
+                <a:buChar char="»"/>
+                <a:defRPr sz="1600">
+                  <a:solidFill>
+                    <a:srgbClr val="3A1D00"/>
+                  </a:solidFill>
+                  <a:latin typeface="Arial" panose="020B0604020202020204" pitchFamily="34" charset="0"/>
+                  <a:ea typeface="微软雅黑" panose="020B0503020204020204" pitchFamily="34" charset="-122"/>
+                </a:defRPr>
+              </a:lvl5pPr>
+              <a:lvl6pPr marL="2514600" indent="-228600" eaLnBrk="0" fontAlgn="base" hangingPunct="0">
+                <a:spcBef>
+                  <a:spcPct val="20000"/>
+                </a:spcBef>
+                <a:spcAft>
+                  <a:spcPct val="0"/>
+                </a:spcAft>
+                <a:buChar char="»"/>
+                <a:defRPr sz="1600">
+                  <a:solidFill>
+                    <a:srgbClr val="3A1D00"/>
+                  </a:solidFill>
+                  <a:latin typeface="Arial" panose="020B0604020202020204" pitchFamily="34" charset="0"/>
+                  <a:ea typeface="微软雅黑" panose="020B0503020204020204" pitchFamily="34" charset="-122"/>
+                </a:defRPr>
+              </a:lvl6pPr>
+              <a:lvl7pPr marL="2971800" indent="-228600" eaLnBrk="0" fontAlgn="base" hangingPunct="0">
+                <a:spcBef>
+                  <a:spcPct val="20000"/>
+                </a:spcBef>
+                <a:spcAft>
+                  <a:spcPct val="0"/>
+                </a:spcAft>
+                <a:buChar char="»"/>
+                <a:defRPr sz="1600">
+                  <a:solidFill>
+                    <a:srgbClr val="3A1D00"/>
+                  </a:solidFill>
+                  <a:latin typeface="Arial" panose="020B0604020202020204" pitchFamily="34" charset="0"/>
+                  <a:ea typeface="微软雅黑" panose="020B0503020204020204" pitchFamily="34" charset="-122"/>
+                </a:defRPr>
+              </a:lvl7pPr>
+              <a:lvl8pPr marL="3429000" indent="-228600" eaLnBrk="0" fontAlgn="base" hangingPunct="0">
+                <a:spcBef>
+                  <a:spcPct val="20000"/>
+                </a:spcBef>
+                <a:spcAft>
+                  <a:spcPct val="0"/>
+                </a:spcAft>
+                <a:buChar char="»"/>
+                <a:defRPr sz="1600">
+                  <a:solidFill>
+                    <a:srgbClr val="3A1D00"/>
+                  </a:solidFill>
+                  <a:latin typeface="Arial" panose="020B0604020202020204" pitchFamily="34" charset="0"/>
+                  <a:ea typeface="微软雅黑" panose="020B0503020204020204" pitchFamily="34" charset="-122"/>
+                </a:defRPr>
+              </a:lvl8pPr>
+              <a:lvl9pPr marL="3886200" indent="-228600" eaLnBrk="0" fontAlgn="base" hangingPunct="0">
+                <a:spcBef>
+                  <a:spcPct val="20000"/>
+                </a:spcBef>
+                <a:spcAft>
+                  <a:spcPct val="0"/>
+                </a:spcAft>
+                <a:buChar char="»"/>
+                <a:defRPr sz="1600">
+                  <a:solidFill>
+                    <a:srgbClr val="3A1D00"/>
+                  </a:solidFill>
+                  <a:latin typeface="Arial" panose="020B0604020202020204" pitchFamily="34" charset="0"/>
+                  <a:ea typeface="微软雅黑" panose="020B0503020204020204" pitchFamily="34" charset="-122"/>
+                </a:defRPr>
+              </a:lvl9pPr>
+            </a:lstStyle>
+            <a:p>
+              <a:pPr eaLnBrk="1" hangingPunct="1">
+                <a:spcBef>
+                  <a:spcPct val="0"/>
+                </a:spcBef>
+                <a:buFontTx/>
+                <a:buNone/>
+              </a:pPr>
+              <a:endParaRPr lang="zh-CN" altLang="zh-CN" sz="1800" b="0">
+                <a:solidFill>
+                  <a:schemeClr val="tx1"/>
+                </a:solidFill>
+                <a:latin typeface="华文新魏" panose="02010800040101010101" pitchFamily="2" charset="-122"/>
+                <a:ea typeface="宋体" panose="02010600030101010101" pitchFamily="2" charset="-122"/>
+              </a:endParaRPr>
+            </a:p>
+          </p:txBody>
+        </p:sp>
+        <p:sp>
+          <p:nvSpPr>
+            <p:cNvPr id="30" name="AutoShape 29"/>
+            <p:cNvSpPr>
+              <a:spLocks noChangeArrowheads="1"/>
+            </p:cNvSpPr>
+            <p:nvPr/>
+          </p:nvSpPr>
+          <p:spPr bwMode="auto">
+            <a:xfrm>
+              <a:off x="1932" y="1998"/>
+              <a:ext cx="120" cy="120"/>
+            </a:xfrm>
+            <a:prstGeom prst="flowChartConnector">
+              <a:avLst/>
+            </a:prstGeom>
+            <a:grpFill/>
+            <a:ln w="9525">
+              <a:noFill/>
+              <a:round/>
+              <a:headEnd/>
+              <a:tailEnd/>
+            </a:ln>
+          </p:spPr>
+          <p:txBody>
+            <a:bodyPr wrap="none" anchor="ctr"/>
+            <a:lstStyle>
+              <a:lvl1pPr>
+                <a:spcBef>
+                  <a:spcPct val="20000"/>
+                </a:spcBef>
+                <a:buChar char="•"/>
+                <a:defRPr sz="2400">
+                  <a:solidFill>
+                    <a:srgbClr val="3A1D00"/>
+                  </a:solidFill>
+                  <a:latin typeface="Arial" panose="020B0604020202020204" pitchFamily="34" charset="0"/>
+                  <a:ea typeface="微软雅黑" panose="020B0503020204020204" pitchFamily="34" charset="-122"/>
+                </a:defRPr>
+              </a:lvl1pPr>
+              <a:lvl2pPr marL="742950" indent="-285750">
+                <a:spcBef>
+                  <a:spcPct val="20000"/>
+                </a:spcBef>
+                <a:buChar char="–"/>
+                <a:defRPr sz="2000">
+                  <a:solidFill>
+                    <a:srgbClr val="3A1D00"/>
+                  </a:solidFill>
+                  <a:latin typeface="Arial" panose="020B0604020202020204" pitchFamily="34" charset="0"/>
+                  <a:ea typeface="微软雅黑" panose="020B0503020204020204" pitchFamily="34" charset="-122"/>
+                </a:defRPr>
+              </a:lvl2pPr>
+              <a:lvl3pPr marL="1143000" indent="-228600">
+                <a:spcBef>
+                  <a:spcPct val="20000"/>
+                </a:spcBef>
+                <a:buChar char="•"/>
+                <a:defRPr sz="2400">
+                  <a:solidFill>
+                    <a:srgbClr val="3A1D00"/>
+                  </a:solidFill>
+                  <a:latin typeface="Arial" panose="020B0604020202020204" pitchFamily="34" charset="0"/>
+                  <a:ea typeface="微软雅黑" panose="020B0503020204020204" pitchFamily="34" charset="-122"/>
+                </a:defRPr>
+              </a:lvl3pPr>
+              <a:lvl4pPr marL="1600200" indent="-228600">
+                <a:spcBef>
+                  <a:spcPct val="20000"/>
+                </a:spcBef>
+                <a:buChar char="–"/>
+                <a:defRPr sz="1600">
+                  <a:solidFill>
+                    <a:srgbClr val="3A1D00"/>
+                  </a:solidFill>
+                  <a:latin typeface="Arial" panose="020B0604020202020204" pitchFamily="34" charset="0"/>
+                  <a:ea typeface="微软雅黑" panose="020B0503020204020204" pitchFamily="34" charset="-122"/>
+                </a:defRPr>
+              </a:lvl4pPr>
+              <a:lvl5pPr marL="2057400" indent="-228600">
+                <a:spcBef>
+                  <a:spcPct val="20000"/>
+                </a:spcBef>
+                <a:buChar char="»"/>
+                <a:defRPr sz="1600">
+                  <a:solidFill>
+                    <a:srgbClr val="3A1D00"/>
+                  </a:solidFill>
+                  <a:latin typeface="Arial" panose="020B0604020202020204" pitchFamily="34" charset="0"/>
+                  <a:ea typeface="微软雅黑" panose="020B0503020204020204" pitchFamily="34" charset="-122"/>
+                </a:defRPr>
+              </a:lvl5pPr>
+              <a:lvl6pPr marL="2514600" indent="-228600" eaLnBrk="0" fontAlgn="base" hangingPunct="0">
+                <a:spcBef>
+                  <a:spcPct val="20000"/>
+                </a:spcBef>
+                <a:spcAft>
+                  <a:spcPct val="0"/>
+                </a:spcAft>
+                <a:buChar char="»"/>
+                <a:defRPr sz="1600">
+                  <a:solidFill>
+                    <a:srgbClr val="3A1D00"/>
+                  </a:solidFill>
+                  <a:latin typeface="Arial" panose="020B0604020202020204" pitchFamily="34" charset="0"/>
+                  <a:ea typeface="微软雅黑" panose="020B0503020204020204" pitchFamily="34" charset="-122"/>
+                </a:defRPr>
+              </a:lvl6pPr>
+              <a:lvl7pPr marL="2971800" indent="-228600" eaLnBrk="0" fontAlgn="base" hangingPunct="0">
+                <a:spcBef>
+                  <a:spcPct val="20000"/>
+                </a:spcBef>
+                <a:spcAft>
+                  <a:spcPct val="0"/>
+                </a:spcAft>
+                <a:buChar char="»"/>
+                <a:defRPr sz="1600">
+                  <a:solidFill>
+                    <a:srgbClr val="3A1D00"/>
+                  </a:solidFill>
+                  <a:latin typeface="Arial" panose="020B0604020202020204" pitchFamily="34" charset="0"/>
+                  <a:ea typeface="微软雅黑" panose="020B0503020204020204" pitchFamily="34" charset="-122"/>
+                </a:defRPr>
+              </a:lvl7pPr>
+              <a:lvl8pPr marL="3429000" indent="-228600" eaLnBrk="0" fontAlgn="base" hangingPunct="0">
+                <a:spcBef>
+                  <a:spcPct val="20000"/>
+                </a:spcBef>
+                <a:spcAft>
+                  <a:spcPct val="0"/>
+                </a:spcAft>
+                <a:buChar char="»"/>
+                <a:defRPr sz="1600">
+                  <a:solidFill>
+                    <a:srgbClr val="3A1D00"/>
+                  </a:solidFill>
+                  <a:latin typeface="Arial" panose="020B0604020202020204" pitchFamily="34" charset="0"/>
+                  <a:ea typeface="微软雅黑" panose="020B0503020204020204" pitchFamily="34" charset="-122"/>
+                </a:defRPr>
+              </a:lvl8pPr>
+              <a:lvl9pPr marL="3886200" indent="-228600" eaLnBrk="0" fontAlgn="base" hangingPunct="0">
+                <a:spcBef>
+                  <a:spcPct val="20000"/>
+                </a:spcBef>
+                <a:spcAft>
+                  <a:spcPct val="0"/>
+                </a:spcAft>
+                <a:buChar char="»"/>
+                <a:defRPr sz="1600">
+                  <a:solidFill>
+                    <a:srgbClr val="3A1D00"/>
+                  </a:solidFill>
+                  <a:latin typeface="Arial" panose="020B0604020202020204" pitchFamily="34" charset="0"/>
+                  <a:ea typeface="微软雅黑" panose="020B0503020204020204" pitchFamily="34" charset="-122"/>
+                </a:defRPr>
+              </a:lvl9pPr>
+            </a:lstStyle>
+            <a:p>
+              <a:pPr eaLnBrk="1" hangingPunct="1">
+                <a:spcBef>
+                  <a:spcPct val="0"/>
+                </a:spcBef>
+                <a:buFontTx/>
+                <a:buNone/>
+              </a:pPr>
+              <a:endParaRPr lang="zh-CN" altLang="zh-CN" sz="1800" b="0">
+                <a:solidFill>
+                  <a:schemeClr val="tx1"/>
+                </a:solidFill>
+                <a:latin typeface="华文新魏" panose="02010800040101010101" pitchFamily="2" charset="-122"/>
+                <a:ea typeface="宋体" panose="02010600030101010101" pitchFamily="2" charset="-122"/>
+              </a:endParaRPr>
+            </a:p>
+          </p:txBody>
+        </p:sp>
+        <p:sp>
+          <p:nvSpPr>
+            <p:cNvPr id="32" name="AutoShape 29"/>
+            <p:cNvSpPr>
+              <a:spLocks noChangeArrowheads="1"/>
+            </p:cNvSpPr>
+            <p:nvPr/>
+          </p:nvSpPr>
+          <p:spPr bwMode="auto">
+            <a:xfrm>
+              <a:off x="2257" y="565"/>
+              <a:ext cx="120" cy="120"/>
+            </a:xfrm>
+            <a:prstGeom prst="flowChartConnector">
+              <a:avLst/>
+            </a:prstGeom>
+            <a:grpFill/>
+            <a:ln w="9525">
+              <a:noFill/>
+              <a:round/>
+              <a:headEnd/>
+              <a:tailEnd/>
+            </a:ln>
+          </p:spPr>
+          <p:txBody>
+            <a:bodyPr wrap="none" anchor="ctr"/>
+            <a:lstStyle>
+              <a:lvl1pPr>
+                <a:spcBef>
+                  <a:spcPct val="20000"/>
+                </a:spcBef>
+                <a:buChar char="•"/>
+                <a:defRPr sz="2400">
+                  <a:solidFill>
+                    <a:srgbClr val="3A1D00"/>
+                  </a:solidFill>
+                  <a:latin typeface="Arial" panose="020B0604020202020204" pitchFamily="34" charset="0"/>
+                  <a:ea typeface="微软雅黑" panose="020B0503020204020204" pitchFamily="34" charset="-122"/>
+                </a:defRPr>
+              </a:lvl1pPr>
+              <a:lvl2pPr marL="742950" indent="-285750">
+                <a:spcBef>
+                  <a:spcPct val="20000"/>
+                </a:spcBef>
+                <a:buChar char="–"/>
+                <a:defRPr sz="2000">
+                  <a:solidFill>
+                    <a:srgbClr val="3A1D00"/>
+                  </a:solidFill>
+                  <a:latin typeface="Arial" panose="020B0604020202020204" pitchFamily="34" charset="0"/>
+                  <a:ea typeface="微软雅黑" panose="020B0503020204020204" pitchFamily="34" charset="-122"/>
+                </a:defRPr>
+              </a:lvl2pPr>
+              <a:lvl3pPr marL="1143000" indent="-228600">
+                <a:spcBef>
+                  <a:spcPct val="20000"/>
+                </a:spcBef>
+                <a:buChar char="•"/>
+                <a:defRPr sz="2400">
+                  <a:solidFill>
+                    <a:srgbClr val="3A1D00"/>
+                  </a:solidFill>
+                  <a:latin typeface="Arial" panose="020B0604020202020204" pitchFamily="34" charset="0"/>
+                  <a:ea typeface="微软雅黑" panose="020B0503020204020204" pitchFamily="34" charset="-122"/>
+                </a:defRPr>
+              </a:lvl3pPr>
+              <a:lvl4pPr marL="1600200" indent="-228600">
+                <a:spcBef>
+                  <a:spcPct val="20000"/>
+                </a:spcBef>
+                <a:buChar char="–"/>
+                <a:defRPr sz="1600">
+                  <a:solidFill>
+                    <a:srgbClr val="3A1D00"/>
+                  </a:solidFill>
+                  <a:latin typeface="Arial" panose="020B0604020202020204" pitchFamily="34" charset="0"/>
+                  <a:ea typeface="微软雅黑" panose="020B0503020204020204" pitchFamily="34" charset="-122"/>
+                </a:defRPr>
+              </a:lvl4pPr>
+              <a:lvl5pPr marL="2057400" indent="-228600">
+                <a:spcBef>
+                  <a:spcPct val="20000"/>
+                </a:spcBef>
+                <a:buChar char="»"/>
+                <a:defRPr sz="1600">
+                  <a:solidFill>
+                    <a:srgbClr val="3A1D00"/>
+                  </a:solidFill>
+                  <a:latin typeface="Arial" panose="020B0604020202020204" pitchFamily="34" charset="0"/>
+                  <a:ea typeface="微软雅黑" panose="020B0503020204020204" pitchFamily="34" charset="-122"/>
+                </a:defRPr>
+              </a:lvl5pPr>
+              <a:lvl6pPr marL="2514600" indent="-228600" eaLnBrk="0" fontAlgn="base" hangingPunct="0">
+                <a:spcBef>
+                  <a:spcPct val="20000"/>
+                </a:spcBef>
+                <a:spcAft>
+                  <a:spcPct val="0"/>
+                </a:spcAft>
+                <a:buChar char="»"/>
+                <a:defRPr sz="1600">
+                  <a:solidFill>
+                    <a:srgbClr val="3A1D00"/>
+                  </a:solidFill>
+                  <a:latin typeface="Arial" panose="020B0604020202020204" pitchFamily="34" charset="0"/>
+                  <a:ea typeface="微软雅黑" panose="020B0503020204020204" pitchFamily="34" charset="-122"/>
+                </a:defRPr>
+              </a:lvl6pPr>
+              <a:lvl7pPr marL="2971800" indent="-228600" eaLnBrk="0" fontAlgn="base" hangingPunct="0">
+                <a:spcBef>
+                  <a:spcPct val="20000"/>
+                </a:spcBef>
+                <a:spcAft>
+                  <a:spcPct val="0"/>
+                </a:spcAft>
+                <a:buChar char="»"/>
+                <a:defRPr sz="1600">
+                  <a:solidFill>
+                    <a:srgbClr val="3A1D00"/>
+                  </a:solidFill>
+                  <a:latin typeface="Arial" panose="020B0604020202020204" pitchFamily="34" charset="0"/>
+                  <a:ea typeface="微软雅黑" panose="020B0503020204020204" pitchFamily="34" charset="-122"/>
+                </a:defRPr>
+              </a:lvl7pPr>
+              <a:lvl8pPr marL="3429000" indent="-228600" eaLnBrk="0" fontAlgn="base" hangingPunct="0">
+                <a:spcBef>
+                  <a:spcPct val="20000"/>
+                </a:spcBef>
+                <a:spcAft>
+                  <a:spcPct val="0"/>
+                </a:spcAft>
+                <a:buChar char="»"/>
+                <a:defRPr sz="1600">
+                  <a:solidFill>
+                    <a:srgbClr val="3A1D00"/>
+                  </a:solidFill>
+                  <a:latin typeface="Arial" panose="020B0604020202020204" pitchFamily="34" charset="0"/>
+                  <a:ea typeface="微软雅黑" panose="020B0503020204020204" pitchFamily="34" charset="-122"/>
+                </a:defRPr>
+              </a:lvl8pPr>
+              <a:lvl9pPr marL="3886200" indent="-228600" eaLnBrk="0" fontAlgn="base" hangingPunct="0">
+                <a:spcBef>
+                  <a:spcPct val="20000"/>
+                </a:spcBef>
+                <a:spcAft>
+                  <a:spcPct val="0"/>
+                </a:spcAft>
+                <a:buChar char="»"/>
+                <a:defRPr sz="1600">
+                  <a:solidFill>
+                    <a:srgbClr val="3A1D00"/>
+                  </a:solidFill>
+                  <a:latin typeface="Arial" panose="020B0604020202020204" pitchFamily="34" charset="0"/>
+                  <a:ea typeface="微软雅黑" panose="020B0503020204020204" pitchFamily="34" charset="-122"/>
+                </a:defRPr>
+              </a:lvl9pPr>
+            </a:lstStyle>
+            <a:p>
+              <a:pPr eaLnBrk="1" hangingPunct="1">
+                <a:spcBef>
+                  <a:spcPct val="0"/>
+                </a:spcBef>
+                <a:buFontTx/>
+                <a:buNone/>
+              </a:pPr>
+              <a:endParaRPr lang="zh-CN" altLang="zh-CN" sz="1800" b="0">
+                <a:solidFill>
+                  <a:schemeClr val="tx1"/>
+                </a:solidFill>
+                <a:latin typeface="华文新魏" panose="02010800040101010101" pitchFamily="2" charset="-122"/>
+                <a:ea typeface="宋体" panose="02010600030101010101" pitchFamily="2" charset="-122"/>
+              </a:endParaRPr>
+            </a:p>
+          </p:txBody>
+        </p:sp>
+        <p:sp>
+          <p:nvSpPr>
+            <p:cNvPr id="33" name="AutoShape 29"/>
+            <p:cNvSpPr>
+              <a:spLocks noChangeArrowheads="1"/>
+            </p:cNvSpPr>
+            <p:nvPr/>
+          </p:nvSpPr>
+          <p:spPr bwMode="auto">
+            <a:xfrm>
+              <a:off x="4284" y="2235"/>
+              <a:ext cx="120" cy="120"/>
+            </a:xfrm>
+            <a:prstGeom prst="flowChartConnector">
+              <a:avLst/>
+            </a:prstGeom>
+            <a:grpFill/>
+            <a:ln w="9525">
+              <a:noFill/>
+              <a:round/>
+              <a:headEnd/>
+              <a:tailEnd/>
+            </a:ln>
+          </p:spPr>
+          <p:txBody>
+            <a:bodyPr wrap="none" anchor="ctr"/>
+            <a:lstStyle>
+              <a:lvl1pPr>
+                <a:spcBef>
+                  <a:spcPct val="20000"/>
+                </a:spcBef>
+                <a:buChar char="•"/>
+                <a:defRPr sz="2400">
+                  <a:solidFill>
+                    <a:srgbClr val="3A1D00"/>
+                  </a:solidFill>
+                  <a:latin typeface="Arial" panose="020B0604020202020204" pitchFamily="34" charset="0"/>
+                  <a:ea typeface="微软雅黑" panose="020B0503020204020204" pitchFamily="34" charset="-122"/>
+                </a:defRPr>
+              </a:lvl1pPr>
+              <a:lvl2pPr marL="742950" indent="-285750">
+                <a:spcBef>
+                  <a:spcPct val="20000"/>
+                </a:spcBef>
+                <a:buChar char="–"/>
+                <a:defRPr sz="2000">
+                  <a:solidFill>
+                    <a:srgbClr val="3A1D00"/>
+                  </a:solidFill>
+                  <a:latin typeface="Arial" panose="020B0604020202020204" pitchFamily="34" charset="0"/>
+                  <a:ea typeface="微软雅黑" panose="020B0503020204020204" pitchFamily="34" charset="-122"/>
+                </a:defRPr>
+              </a:lvl2pPr>
+              <a:lvl3pPr marL="1143000" indent="-228600">
+                <a:spcBef>
+                  <a:spcPct val="20000"/>
+                </a:spcBef>
+                <a:buChar char="•"/>
+                <a:defRPr sz="2400">
+                  <a:solidFill>
+                    <a:srgbClr val="3A1D00"/>
+                  </a:solidFill>
+                  <a:latin typeface="Arial" panose="020B0604020202020204" pitchFamily="34" charset="0"/>
+                  <a:ea typeface="微软雅黑" panose="020B0503020204020204" pitchFamily="34" charset="-122"/>
+                </a:defRPr>
+              </a:lvl3pPr>
+              <a:lvl4pPr marL="1600200" indent="-228600">
+                <a:spcBef>
+                  <a:spcPct val="20000"/>
+                </a:spcBef>
+                <a:buChar char="–"/>
+                <a:defRPr sz="1600">
+                  <a:solidFill>
+                    <a:srgbClr val="3A1D00"/>
+                  </a:solidFill>
+                  <a:latin typeface="Arial" panose="020B0604020202020204" pitchFamily="34" charset="0"/>
+                  <a:ea typeface="微软雅黑" panose="020B0503020204020204" pitchFamily="34" charset="-122"/>
+                </a:defRPr>
+              </a:lvl4pPr>
+              <a:lvl5pPr marL="2057400" indent="-228600">
+                <a:spcBef>
+                  <a:spcPct val="20000"/>
+                </a:spcBef>
+                <a:buChar char="»"/>
+                <a:defRPr sz="1600">
+                  <a:solidFill>
+                    <a:srgbClr val="3A1D00"/>
+                  </a:solidFill>
+                  <a:latin typeface="Arial" panose="020B0604020202020204" pitchFamily="34" charset="0"/>
+                  <a:ea typeface="微软雅黑" panose="020B0503020204020204" pitchFamily="34" charset="-122"/>
+                </a:defRPr>
+              </a:lvl5pPr>
+              <a:lvl6pPr marL="2514600" indent="-228600" eaLnBrk="0" fontAlgn="base" hangingPunct="0">
+                <a:spcBef>
+                  <a:spcPct val="20000"/>
+                </a:spcBef>
+                <a:spcAft>
+                  <a:spcPct val="0"/>
+                </a:spcAft>
+                <a:buChar char="»"/>
+                <a:defRPr sz="1600">
+                  <a:solidFill>
+                    <a:srgbClr val="3A1D00"/>
+                  </a:solidFill>
+                  <a:latin typeface="Arial" panose="020B0604020202020204" pitchFamily="34" charset="0"/>
+                  <a:ea typeface="微软雅黑" panose="020B0503020204020204" pitchFamily="34" charset="-122"/>
+                </a:defRPr>
+              </a:lvl6pPr>
+              <a:lvl7pPr marL="2971800" indent="-228600" eaLnBrk="0" fontAlgn="base" hangingPunct="0">
+                <a:spcBef>
+                  <a:spcPct val="20000"/>
+                </a:spcBef>
+                <a:spcAft>
+                  <a:spcPct val="0"/>
+                </a:spcAft>
+                <a:buChar char="»"/>
+                <a:defRPr sz="1600">
+                  <a:solidFill>
+                    <a:srgbClr val="3A1D00"/>
+                  </a:solidFill>
+                  <a:latin typeface="Arial" panose="020B0604020202020204" pitchFamily="34" charset="0"/>
+                  <a:ea typeface="微软雅黑" panose="020B0503020204020204" pitchFamily="34" charset="-122"/>
+                </a:defRPr>
+              </a:lvl7pPr>
+              <a:lvl8pPr marL="3429000" indent="-228600" eaLnBrk="0" fontAlgn="base" hangingPunct="0">
+                <a:spcBef>
+                  <a:spcPct val="20000"/>
+                </a:spcBef>
+                <a:spcAft>
+                  <a:spcPct val="0"/>
+                </a:spcAft>
+                <a:buChar char="»"/>
+                <a:defRPr sz="1600">
+                  <a:solidFill>
+                    <a:srgbClr val="3A1D00"/>
+                  </a:solidFill>
+                  <a:latin typeface="Arial" panose="020B0604020202020204" pitchFamily="34" charset="0"/>
+                  <a:ea typeface="微软雅黑" panose="020B0503020204020204" pitchFamily="34" charset="-122"/>
+                </a:defRPr>
+              </a:lvl8pPr>
+              <a:lvl9pPr marL="3886200" indent="-228600" eaLnBrk="0" fontAlgn="base" hangingPunct="0">
+                <a:spcBef>
+                  <a:spcPct val="20000"/>
+                </a:spcBef>
+                <a:spcAft>
+                  <a:spcPct val="0"/>
+                </a:spcAft>
+                <a:buChar char="»"/>
+                <a:defRPr sz="1600">
+                  <a:solidFill>
+                    <a:srgbClr val="3A1D00"/>
+                  </a:solidFill>
+                  <a:latin typeface="Arial" panose="020B0604020202020204" pitchFamily="34" charset="0"/>
+                  <a:ea typeface="微软雅黑" panose="020B0503020204020204" pitchFamily="34" charset="-122"/>
+                </a:defRPr>
+              </a:lvl9pPr>
+            </a:lstStyle>
+            <a:p>
+              <a:pPr eaLnBrk="1" hangingPunct="1">
+                <a:spcBef>
+                  <a:spcPct val="0"/>
+                </a:spcBef>
+                <a:buFontTx/>
+                <a:buNone/>
+              </a:pPr>
+              <a:endParaRPr lang="zh-CN" altLang="zh-CN" sz="1800" b="0">
+                <a:solidFill>
+                  <a:schemeClr val="tx1"/>
+                </a:solidFill>
+                <a:latin typeface="华文新魏" panose="02010800040101010101" pitchFamily="2" charset="-122"/>
+                <a:ea typeface="宋体" panose="02010600030101010101" pitchFamily="2" charset="-122"/>
+              </a:endParaRPr>
+            </a:p>
+          </p:txBody>
+        </p:sp>
+        <p:sp>
+          <p:nvSpPr>
+            <p:cNvPr id="34" name="AutoShape 29"/>
+            <p:cNvSpPr>
+              <a:spLocks noChangeArrowheads="1"/>
+            </p:cNvSpPr>
+            <p:nvPr/>
+          </p:nvSpPr>
+          <p:spPr bwMode="auto">
+            <a:xfrm>
+              <a:off x="3753" y="3722"/>
+              <a:ext cx="120" cy="120"/>
+            </a:xfrm>
+            <a:prstGeom prst="flowChartConnector">
+              <a:avLst/>
+            </a:prstGeom>
+            <a:grpFill/>
+            <a:ln w="9525">
+              <a:noFill/>
+              <a:round/>
+              <a:headEnd/>
+              <a:tailEnd/>
+            </a:ln>
+          </p:spPr>
+          <p:txBody>
+            <a:bodyPr wrap="none" anchor="ctr"/>
+            <a:lstStyle>
+              <a:lvl1pPr>
+                <a:spcBef>
+                  <a:spcPct val="20000"/>
+                </a:spcBef>
+                <a:buChar char="•"/>
+                <a:defRPr sz="2400">
+                  <a:solidFill>
+                    <a:srgbClr val="3A1D00"/>
+                  </a:solidFill>
+                  <a:latin typeface="Arial" panose="020B0604020202020204" pitchFamily="34" charset="0"/>
+                  <a:ea typeface="微软雅黑" panose="020B0503020204020204" pitchFamily="34" charset="-122"/>
+                </a:defRPr>
+              </a:lvl1pPr>
+              <a:lvl2pPr marL="742950" indent="-285750">
+                <a:spcBef>
+                  <a:spcPct val="20000"/>
+                </a:spcBef>
+                <a:buChar char="–"/>
+                <a:defRPr sz="2000">
+                  <a:solidFill>
+                    <a:srgbClr val="3A1D00"/>
+                  </a:solidFill>
+                  <a:latin typeface="Arial" panose="020B0604020202020204" pitchFamily="34" charset="0"/>
+                  <a:ea typeface="微软雅黑" panose="020B0503020204020204" pitchFamily="34" charset="-122"/>
+                </a:defRPr>
+              </a:lvl2pPr>
+              <a:lvl3pPr marL="1143000" indent="-228600">
+                <a:spcBef>
+                  <a:spcPct val="20000"/>
+                </a:spcBef>
+                <a:buChar char="•"/>
+                <a:defRPr sz="2400">
+                  <a:solidFill>
+                    <a:srgbClr val="3A1D00"/>
+                  </a:solidFill>
+                  <a:latin typeface="Arial" panose="020B0604020202020204" pitchFamily="34" charset="0"/>
+                  <a:ea typeface="微软雅黑" panose="020B0503020204020204" pitchFamily="34" charset="-122"/>
+                </a:defRPr>
+              </a:lvl3pPr>
+              <a:lvl4pPr marL="1600200" indent="-228600">
+                <a:spcBef>
+                  <a:spcPct val="20000"/>
+                </a:spcBef>
+                <a:buChar char="–"/>
+                <a:defRPr sz="1600">
+                  <a:solidFill>
+                    <a:srgbClr val="3A1D00"/>
+                  </a:solidFill>
+                  <a:latin typeface="Arial" panose="020B0604020202020204" pitchFamily="34" charset="0"/>
+                  <a:ea typeface="微软雅黑" panose="020B0503020204020204" pitchFamily="34" charset="-122"/>
+                </a:defRPr>
+              </a:lvl4pPr>
+              <a:lvl5pPr marL="2057400" indent="-228600">
+                <a:spcBef>
+                  <a:spcPct val="20000"/>
+                </a:spcBef>
+                <a:buChar char="»"/>
+                <a:defRPr sz="1600">
+                  <a:solidFill>
+                    <a:srgbClr val="3A1D00"/>
+                  </a:solidFill>
+                  <a:latin typeface="Arial" panose="020B0604020202020204" pitchFamily="34" charset="0"/>
+                  <a:ea typeface="微软雅黑" panose="020B0503020204020204" pitchFamily="34" charset="-122"/>
+                </a:defRPr>
+              </a:lvl5pPr>
+              <a:lvl6pPr marL="2514600" indent="-228600" eaLnBrk="0" fontAlgn="base" hangingPunct="0">
+                <a:spcBef>
+                  <a:spcPct val="20000"/>
+                </a:spcBef>
+                <a:spcAft>
+                  <a:spcPct val="0"/>
+                </a:spcAft>
+                <a:buChar char="»"/>
+                <a:defRPr sz="1600">
+                  <a:solidFill>
+                    <a:srgbClr val="3A1D00"/>
+                  </a:solidFill>
+                  <a:latin typeface="Arial" panose="020B0604020202020204" pitchFamily="34" charset="0"/>
+                  <a:ea typeface="微软雅黑" panose="020B0503020204020204" pitchFamily="34" charset="-122"/>
+                </a:defRPr>
+              </a:lvl6pPr>
+              <a:lvl7pPr marL="2971800" indent="-228600" eaLnBrk="0" fontAlgn="base" hangingPunct="0">
+                <a:spcBef>
+                  <a:spcPct val="20000"/>
+                </a:spcBef>
+                <a:spcAft>
+                  <a:spcPct val="0"/>
+                </a:spcAft>
+                <a:buChar char="»"/>
+                <a:defRPr sz="1600">
+                  <a:solidFill>
+                    <a:srgbClr val="3A1D00"/>
+                  </a:solidFill>
+                  <a:latin typeface="Arial" panose="020B0604020202020204" pitchFamily="34" charset="0"/>
+                  <a:ea typeface="微软雅黑" panose="020B0503020204020204" pitchFamily="34" charset="-122"/>
+                </a:defRPr>
+              </a:lvl7pPr>
+              <a:lvl8pPr marL="3429000" indent="-228600" eaLnBrk="0" fontAlgn="base" hangingPunct="0">
+                <a:spcBef>
+                  <a:spcPct val="20000"/>
+                </a:spcBef>
+                <a:spcAft>
+                  <a:spcPct val="0"/>
+                </a:spcAft>
+                <a:buChar char="»"/>
+                <a:defRPr sz="1600">
+                  <a:solidFill>
+                    <a:srgbClr val="3A1D00"/>
+                  </a:solidFill>
+                  <a:latin typeface="Arial" panose="020B0604020202020204" pitchFamily="34" charset="0"/>
+                  <a:ea typeface="微软雅黑" panose="020B0503020204020204" pitchFamily="34" charset="-122"/>
+                </a:defRPr>
+              </a:lvl8pPr>
+              <a:lvl9pPr marL="3886200" indent="-228600" eaLnBrk="0" fontAlgn="base" hangingPunct="0">
+                <a:spcBef>
+                  <a:spcPct val="20000"/>
+                </a:spcBef>
+                <a:spcAft>
+                  <a:spcPct val="0"/>
+                </a:spcAft>
+                <a:buChar char="»"/>
+                <a:defRPr sz="1600">
+                  <a:solidFill>
+                    <a:srgbClr val="3A1D00"/>
+                  </a:solidFill>
+                  <a:latin typeface="Arial" panose="020B0604020202020204" pitchFamily="34" charset="0"/>
+                  <a:ea typeface="微软雅黑" panose="020B0503020204020204" pitchFamily="34" charset="-122"/>
+                </a:defRPr>
+              </a:lvl9pPr>
+            </a:lstStyle>
+            <a:p>
+              <a:pPr eaLnBrk="1" hangingPunct="1">
+                <a:spcBef>
+                  <a:spcPct val="0"/>
+                </a:spcBef>
+                <a:buFontTx/>
+                <a:buNone/>
+              </a:pPr>
+              <a:endParaRPr lang="zh-CN" altLang="zh-CN" sz="1800" b="0">
+                <a:solidFill>
+                  <a:schemeClr val="tx1"/>
+                </a:solidFill>
+                <a:latin typeface="华文新魏" panose="02010800040101010101" pitchFamily="2" charset="-122"/>
+                <a:ea typeface="宋体" panose="02010600030101010101" pitchFamily="2" charset="-122"/>
+              </a:endParaRPr>
+            </a:p>
+          </p:txBody>
+        </p:sp>
+        <p:sp>
+          <p:nvSpPr>
+            <p:cNvPr id="35" name="AutoShape 29"/>
+            <p:cNvSpPr>
+              <a:spLocks noChangeArrowheads="1"/>
+            </p:cNvSpPr>
+            <p:nvPr/>
+          </p:nvSpPr>
+          <p:spPr bwMode="auto">
+            <a:xfrm>
+              <a:off x="1185" y="4120"/>
+              <a:ext cx="120" cy="120"/>
+            </a:xfrm>
+            <a:prstGeom prst="flowChartConnector">
+              <a:avLst/>
+            </a:prstGeom>
+            <a:grpFill/>
+            <a:ln w="9525">
+              <a:noFill/>
+              <a:round/>
+              <a:headEnd/>
+              <a:tailEnd/>
+            </a:ln>
+          </p:spPr>
+          <p:txBody>
+            <a:bodyPr wrap="none" anchor="ctr"/>
+            <a:lstStyle>
+              <a:lvl1pPr>
+                <a:spcBef>
+                  <a:spcPct val="20000"/>
+                </a:spcBef>
+                <a:buChar char="•"/>
+                <a:defRPr sz="2400">
+                  <a:solidFill>
+                    <a:srgbClr val="3A1D00"/>
+                  </a:solidFill>
+                  <a:latin typeface="Arial" panose="020B0604020202020204" pitchFamily="34" charset="0"/>
+                  <a:ea typeface="微软雅黑" panose="020B0503020204020204" pitchFamily="34" charset="-122"/>
+                </a:defRPr>
+              </a:lvl1pPr>
+              <a:lvl2pPr marL="742950" indent="-285750">
+                <a:spcBef>
+                  <a:spcPct val="20000"/>
+                </a:spcBef>
+                <a:buChar char="–"/>
+                <a:defRPr sz="2000">
+                  <a:solidFill>
+                    <a:srgbClr val="3A1D00"/>
+                  </a:solidFill>
+                  <a:latin typeface="Arial" panose="020B0604020202020204" pitchFamily="34" charset="0"/>
+                  <a:ea typeface="微软雅黑" panose="020B0503020204020204" pitchFamily="34" charset="-122"/>
+                </a:defRPr>
+              </a:lvl2pPr>
+              <a:lvl3pPr marL="1143000" indent="-228600">
+                <a:spcBef>
+                  <a:spcPct val="20000"/>
+                </a:spcBef>
+                <a:buChar char="•"/>
+                <a:defRPr sz="2400">
+                  <a:solidFill>
+                    <a:srgbClr val="3A1D00"/>
+                  </a:solidFill>
+                  <a:latin typeface="Arial" panose="020B0604020202020204" pitchFamily="34" charset="0"/>
+                  <a:ea typeface="微软雅黑" panose="020B0503020204020204" pitchFamily="34" charset="-122"/>
+                </a:defRPr>
+              </a:lvl3pPr>
+              <a:lvl4pPr marL="1600200" indent="-228600">
+                <a:spcBef>
+                  <a:spcPct val="20000"/>
+                </a:spcBef>
+                <a:buChar char="–"/>
+                <a:defRPr sz="1600">
+                  <a:solidFill>
+                    <a:srgbClr val="3A1D00"/>
+                  </a:solidFill>
+                  <a:latin typeface="Arial" panose="020B0604020202020204" pitchFamily="34" charset="0"/>
+                  <a:ea typeface="微软雅黑" panose="020B0503020204020204" pitchFamily="34" charset="-122"/>
+                </a:defRPr>
+              </a:lvl4pPr>
+              <a:lvl5pPr marL="2057400" indent="-228600">
+                <a:spcBef>
+                  <a:spcPct val="20000"/>
+                </a:spcBef>
+                <a:buChar char="»"/>
+                <a:defRPr sz="1600">
+                  <a:solidFill>
+                    <a:srgbClr val="3A1D00"/>
+                  </a:solidFill>
+                  <a:latin typeface="Arial" panose="020B0604020202020204" pitchFamily="34" charset="0"/>
+                  <a:ea typeface="微软雅黑" panose="020B0503020204020204" pitchFamily="34" charset="-122"/>
+                </a:defRPr>
+              </a:lvl5pPr>
+              <a:lvl6pPr marL="2514600" indent="-228600" eaLnBrk="0" fontAlgn="base" hangingPunct="0">
+                <a:spcBef>
+                  <a:spcPct val="20000"/>
+                </a:spcBef>
+                <a:spcAft>
+                  <a:spcPct val="0"/>
+                </a:spcAft>
+                <a:buChar char="»"/>
+                <a:defRPr sz="1600">
+                  <a:solidFill>
+                    <a:srgbClr val="3A1D00"/>
+                  </a:solidFill>
+                  <a:latin typeface="Arial" panose="020B0604020202020204" pitchFamily="34" charset="0"/>
+                  <a:ea typeface="微软雅黑" panose="020B0503020204020204" pitchFamily="34" charset="-122"/>
+                </a:defRPr>
+              </a:lvl6pPr>
+              <a:lvl7pPr marL="2971800" indent="-228600" eaLnBrk="0" fontAlgn="base" hangingPunct="0">
+                <a:spcBef>
+                  <a:spcPct val="20000"/>
+                </a:spcBef>
+                <a:spcAft>
+                  <a:spcPct val="0"/>
+                </a:spcAft>
+                <a:buChar char="»"/>
+                <a:defRPr sz="1600">
+                  <a:solidFill>
+                    <a:srgbClr val="3A1D00"/>
+                  </a:solidFill>
+                  <a:latin typeface="Arial" panose="020B0604020202020204" pitchFamily="34" charset="0"/>
+                  <a:ea typeface="微软雅黑" panose="020B0503020204020204" pitchFamily="34" charset="-122"/>
+                </a:defRPr>
+              </a:lvl7pPr>
+              <a:lvl8pPr marL="3429000" indent="-228600" eaLnBrk="0" fontAlgn="base" hangingPunct="0">
+                <a:spcBef>
+                  <a:spcPct val="20000"/>
+                </a:spcBef>
+                <a:spcAft>
+                  <a:spcPct val="0"/>
+                </a:spcAft>
+                <a:buChar char="»"/>
+                <a:defRPr sz="1600">
+                  <a:solidFill>
+                    <a:srgbClr val="3A1D00"/>
+                  </a:solidFill>
+                  <a:latin typeface="Arial" panose="020B0604020202020204" pitchFamily="34" charset="0"/>
+                  <a:ea typeface="微软雅黑" panose="020B0503020204020204" pitchFamily="34" charset="-122"/>
+                </a:defRPr>
+              </a:lvl8pPr>
+              <a:lvl9pPr marL="3886200" indent="-228600" eaLnBrk="0" fontAlgn="base" hangingPunct="0">
+                <a:spcBef>
+                  <a:spcPct val="20000"/>
+                </a:spcBef>
+                <a:spcAft>
+                  <a:spcPct val="0"/>
+                </a:spcAft>
+                <a:buChar char="»"/>
+                <a:defRPr sz="1600">
+                  <a:solidFill>
+                    <a:srgbClr val="3A1D00"/>
+                  </a:solidFill>
+                  <a:latin typeface="Arial" panose="020B0604020202020204" pitchFamily="34" charset="0"/>
+                  <a:ea typeface="微软雅黑" panose="020B0503020204020204" pitchFamily="34" charset="-122"/>
+                </a:defRPr>
+              </a:lvl9pPr>
+            </a:lstStyle>
+            <a:p>
+              <a:pPr eaLnBrk="1" hangingPunct="1">
+                <a:spcBef>
+                  <a:spcPct val="0"/>
+                </a:spcBef>
+                <a:buFontTx/>
+                <a:buNone/>
+              </a:pPr>
+              <a:endParaRPr lang="zh-CN" altLang="zh-CN" sz="1800" b="0">
+                <a:solidFill>
+                  <a:schemeClr val="tx1"/>
+                </a:solidFill>
+                <a:latin typeface="华文新魏" panose="02010800040101010101" pitchFamily="2" charset="-122"/>
+                <a:ea typeface="宋体" panose="02010600030101010101" pitchFamily="2" charset="-122"/>
+              </a:endParaRPr>
+            </a:p>
+          </p:txBody>
+        </p:sp>
+      </p:grpSp>
+      <p:cxnSp>
+        <p:nvCxnSpPr>
+          <p:cNvPr id="37" name="直接连接符 36"/>
+          <p:cNvCxnSpPr>
+            <a:stCxn id="32" idx="2"/>
+            <a:endCxn id="29" idx="0"/>
+          </p:cNvCxnSpPr>
+          <p:nvPr/>
+        </p:nvCxnSpPr>
+        <p:spPr>
+          <a:xfrm flipH="1">
+            <a:off x="5796159" y="2769285"/>
+            <a:ext cx="1115791" cy="1287908"/>
+          </a:xfrm>
+          <a:prstGeom prst="line">
+            <a:avLst/>
+          </a:prstGeom>
+          <a:ln w="28575">
+            <a:solidFill>
+              <a:srgbClr val="00B050"/>
+            </a:solidFill>
+          </a:ln>
+        </p:spPr>
+        <p:style>
+          <a:lnRef idx="1">
+            <a:schemeClr val="accent1"/>
+          </a:lnRef>
+          <a:fillRef idx="0">
+            <a:schemeClr val="accent1"/>
+          </a:fillRef>
+          <a:effectRef idx="0">
+            <a:schemeClr val="accent1"/>
+          </a:effectRef>
+          <a:fontRef idx="minor">
+            <a:schemeClr val="tx1"/>
+          </a:fontRef>
+        </p:style>
+      </p:cxnSp>
+      <p:cxnSp>
+        <p:nvCxnSpPr>
+          <p:cNvPr id="41" name="直接连接符 40"/>
+          <p:cNvCxnSpPr>
+            <a:stCxn id="33" idx="0"/>
+            <a:endCxn id="32" idx="6"/>
+          </p:cNvCxnSpPr>
+          <p:nvPr/>
+        </p:nvCxnSpPr>
+        <p:spPr>
+          <a:xfrm flipH="1" flipV="1">
+            <a:off x="6988157" y="2769285"/>
+            <a:ext cx="1249153" cy="1022451"/>
+          </a:xfrm>
+          <a:prstGeom prst="line">
+            <a:avLst/>
+          </a:prstGeom>
+          <a:ln w="28575">
+            <a:solidFill>
+              <a:srgbClr val="00B050"/>
+            </a:solidFill>
+          </a:ln>
+        </p:spPr>
+        <p:style>
+          <a:lnRef idx="1">
+            <a:schemeClr val="accent1"/>
+          </a:lnRef>
+          <a:fillRef idx="0">
+            <a:schemeClr val="accent1"/>
+          </a:fillRef>
+          <a:effectRef idx="0">
+            <a:schemeClr val="accent1"/>
+          </a:effectRef>
+          <a:fontRef idx="minor">
+            <a:schemeClr val="tx1"/>
+          </a:fontRef>
+        </p:style>
+      </p:cxnSp>
+      <p:cxnSp>
+        <p:nvCxnSpPr>
+          <p:cNvPr id="45" name="直接连接符 44"/>
+          <p:cNvCxnSpPr>
+            <a:stCxn id="29" idx="4"/>
+            <a:endCxn id="35" idx="1"/>
+          </p:cNvCxnSpPr>
+          <p:nvPr/>
+        </p:nvCxnSpPr>
+        <p:spPr>
+          <a:xfrm>
+            <a:off x="5796159" y="4133401"/>
+            <a:ext cx="446172" cy="866589"/>
+          </a:xfrm>
+          <a:prstGeom prst="line">
+            <a:avLst/>
+          </a:prstGeom>
+          <a:ln w="28575">
+            <a:solidFill>
+              <a:srgbClr val="00B050"/>
+            </a:solidFill>
+          </a:ln>
+        </p:spPr>
+        <p:style>
+          <a:lnRef idx="1">
+            <a:schemeClr val="accent1"/>
+          </a:lnRef>
+          <a:fillRef idx="0">
+            <a:schemeClr val="accent1"/>
+          </a:fillRef>
+          <a:effectRef idx="0">
+            <a:schemeClr val="accent1"/>
+          </a:effectRef>
+          <a:fontRef idx="minor">
+            <a:schemeClr val="tx1"/>
+          </a:fontRef>
+        </p:style>
+      </p:cxnSp>
+      <p:cxnSp>
+        <p:nvCxnSpPr>
+          <p:cNvPr id="48" name="直接连接符 47"/>
+          <p:cNvCxnSpPr>
+            <a:stCxn id="34" idx="3"/>
+            <a:endCxn id="35" idx="5"/>
+          </p:cNvCxnSpPr>
+          <p:nvPr/>
+        </p:nvCxnSpPr>
+        <p:spPr>
+          <a:xfrm flipH="1">
+            <a:off x="6296218" y="4801123"/>
+            <a:ext cx="1576934" cy="252755"/>
+          </a:xfrm>
+          <a:prstGeom prst="line">
+            <a:avLst/>
+          </a:prstGeom>
+          <a:ln w="28575">
+            <a:solidFill>
+              <a:srgbClr val="00B050"/>
+            </a:solidFill>
+          </a:ln>
+        </p:spPr>
+        <p:style>
+          <a:lnRef idx="1">
+            <a:schemeClr val="accent1"/>
+          </a:lnRef>
+          <a:fillRef idx="0">
+            <a:schemeClr val="accent1"/>
+          </a:fillRef>
+          <a:effectRef idx="0">
+            <a:schemeClr val="accent1"/>
+          </a:effectRef>
+          <a:fontRef idx="minor">
+            <a:schemeClr val="tx1"/>
+          </a:fontRef>
+        </p:style>
+      </p:cxnSp>
+      <p:cxnSp>
+        <p:nvCxnSpPr>
+          <p:cNvPr id="53" name="直接连接符 52"/>
+          <p:cNvCxnSpPr>
+            <a:stCxn id="33" idx="4"/>
+            <a:endCxn id="34" idx="6"/>
+          </p:cNvCxnSpPr>
+          <p:nvPr/>
+        </p:nvCxnSpPr>
+        <p:spPr>
+          <a:xfrm flipH="1">
+            <a:off x="7938199" y="3867944"/>
+            <a:ext cx="299111" cy="906235"/>
+          </a:xfrm>
+          <a:prstGeom prst="line">
+            <a:avLst/>
+          </a:prstGeom>
+          <a:ln w="28575">
+            <a:solidFill>
+              <a:srgbClr val="00B050"/>
+            </a:solidFill>
+          </a:ln>
+        </p:spPr>
+        <p:style>
+          <a:lnRef idx="1">
+            <a:schemeClr val="accent1"/>
+          </a:lnRef>
+          <a:fillRef idx="0">
+            <a:schemeClr val="accent1"/>
+          </a:fillRef>
+          <a:effectRef idx="0">
+            <a:schemeClr val="accent1"/>
+          </a:effectRef>
+          <a:fontRef idx="minor">
+            <a:schemeClr val="tx1"/>
+          </a:fontRef>
+        </p:style>
+      </p:cxnSp>
+      <p:sp>
+        <p:nvSpPr>
+          <p:cNvPr id="81" name="矩形 80"/>
+          <p:cNvSpPr/>
+          <p:nvPr/>
+        </p:nvSpPr>
+        <p:spPr>
+          <a:xfrm>
+            <a:off x="542482" y="1912896"/>
+            <a:ext cx="7970147" cy="646331"/>
+          </a:xfrm>
+          <a:prstGeom prst="rect">
+            <a:avLst/>
+          </a:prstGeom>
+        </p:spPr>
+        <p:txBody>
+          <a:bodyPr wrap="square">
+            <a:spAutoFit/>
+          </a:bodyPr>
+          <a:lstStyle/>
+          <a:p>
+            <a:r>
+              <a:rPr lang="zh-CN" altLang="en-US" dirty="0"/>
+              <a:t>平面上给定的点集</a:t>
+            </a:r>
+            <a:r>
+              <a:rPr lang="en-US" altLang="zh-CN" dirty="0"/>
+              <a:t>Q</a:t>
+            </a:r>
+            <a:r>
+              <a:rPr lang="zh-CN" altLang="en-US" dirty="0"/>
+              <a:t>，它的凸包是指一个最小凸多边形，满足</a:t>
+            </a:r>
+            <a:r>
+              <a:rPr lang="en-US" altLang="zh-CN" dirty="0"/>
+              <a:t>Q</a:t>
+            </a:r>
+            <a:r>
+              <a:rPr lang="zh-CN" altLang="en-US" dirty="0"/>
+              <a:t>中的点或者在多边形边上或者在其内。 </a:t>
+            </a:r>
+          </a:p>
+        </p:txBody>
+      </p:sp>
     </p:spTree>
     <p:extLst>
       <p:ext uri="{BB962C8B-B14F-4D97-AF65-F5344CB8AC3E}">
@@ -27329,9 +29964,607 @@
   <p:timing>
     <p:tnLst>
       <p:par>
-        <p:cTn id="1" dur="indefinite" restart="never" nodeType="tmRoot"/>
+        <p:cTn id="1" dur="indefinite" restart="never" nodeType="tmRoot">
+          <p:childTnLst>
+            <p:seq concurrent="1" nextAc="seek">
+              <p:cTn id="2" dur="indefinite" nodeType="mainSeq">
+                <p:childTnLst>
+                  <p:par>
+                    <p:cTn id="3" fill="hold">
+                      <p:stCondLst>
+                        <p:cond delay="indefinite"/>
+                        <p:cond evt="onBegin" delay="0">
+                          <p:tn val="2"/>
+                        </p:cond>
+                      </p:stCondLst>
+                      <p:childTnLst>
+                        <p:par>
+                          <p:cTn id="4" fill="hold">
+                            <p:stCondLst>
+                              <p:cond delay="0"/>
+                            </p:stCondLst>
+                            <p:childTnLst>
+                              <p:par>
+                                <p:cTn id="5" presetID="10" presetClass="entr" presetSubtype="0" fill="hold" grpId="0" nodeType="withEffect">
+                                  <p:stCondLst>
+                                    <p:cond delay="0"/>
+                                  </p:stCondLst>
+                                  <p:childTnLst>
+                                    <p:set>
+                                      <p:cBhvr>
+                                        <p:cTn id="6" dur="1" fill="hold">
+                                          <p:stCondLst>
+                                            <p:cond delay="0"/>
+                                          </p:stCondLst>
+                                        </p:cTn>
+                                        <p:tgtEl>
+                                          <p:spTgt spid="2"/>
+                                        </p:tgtEl>
+                                        <p:attrNameLst>
+                                          <p:attrName>style.visibility</p:attrName>
+                                        </p:attrNameLst>
+                                      </p:cBhvr>
+                                      <p:to>
+                                        <p:strVal val="visible"/>
+                                      </p:to>
+                                    </p:set>
+                                    <p:animEffect transition="in" filter="fade">
+                                      <p:cBhvr>
+                                        <p:cTn id="7" dur="500"/>
+                                        <p:tgtEl>
+                                          <p:spTgt spid="2"/>
+                                        </p:tgtEl>
+                                      </p:cBhvr>
+                                    </p:animEffect>
+                                  </p:childTnLst>
+                                </p:cTn>
+                              </p:par>
+                            </p:childTnLst>
+                          </p:cTn>
+                        </p:par>
+                        <p:par>
+                          <p:cTn id="8" fill="hold">
+                            <p:stCondLst>
+                              <p:cond delay="500"/>
+                            </p:stCondLst>
+                            <p:childTnLst>
+                              <p:par>
+                                <p:cTn id="9" presetID="10" presetClass="entr" presetSubtype="0" fill="hold" grpId="0" nodeType="afterEffect">
+                                  <p:stCondLst>
+                                    <p:cond delay="0"/>
+                                  </p:stCondLst>
+                                  <p:childTnLst>
+                                    <p:set>
+                                      <p:cBhvr>
+                                        <p:cTn id="10" dur="1" fill="hold">
+                                          <p:stCondLst>
+                                            <p:cond delay="0"/>
+                                          </p:stCondLst>
+                                        </p:cTn>
+                                        <p:tgtEl>
+                                          <p:spTgt spid="4"/>
+                                        </p:tgtEl>
+                                        <p:attrNameLst>
+                                          <p:attrName>style.visibility</p:attrName>
+                                        </p:attrNameLst>
+                                      </p:cBhvr>
+                                      <p:to>
+                                        <p:strVal val="visible"/>
+                                      </p:to>
+                                    </p:set>
+                                    <p:animEffect transition="in" filter="fade">
+                                      <p:cBhvr>
+                                        <p:cTn id="11" dur="500"/>
+                                        <p:tgtEl>
+                                          <p:spTgt spid="4"/>
+                                        </p:tgtEl>
+                                      </p:cBhvr>
+                                    </p:animEffect>
+                                  </p:childTnLst>
+                                </p:cTn>
+                              </p:par>
+                            </p:childTnLst>
+                          </p:cTn>
+                        </p:par>
+                      </p:childTnLst>
+                    </p:cTn>
+                  </p:par>
+                  <p:par>
+                    <p:cTn id="12" fill="hold">
+                      <p:stCondLst>
+                        <p:cond delay="indefinite"/>
+                      </p:stCondLst>
+                      <p:childTnLst>
+                        <p:par>
+                          <p:cTn id="13" fill="hold">
+                            <p:stCondLst>
+                              <p:cond delay="0"/>
+                            </p:stCondLst>
+                            <p:childTnLst>
+                              <p:par>
+                                <p:cTn id="14" presetID="10" presetClass="entr" presetSubtype="0" fill="hold" grpId="0" nodeType="clickEffect">
+                                  <p:stCondLst>
+                                    <p:cond delay="0"/>
+                                  </p:stCondLst>
+                                  <p:childTnLst>
+                                    <p:set>
+                                      <p:cBhvr>
+                                        <p:cTn id="15" dur="1" fill="hold">
+                                          <p:stCondLst>
+                                            <p:cond delay="0"/>
+                                          </p:stCondLst>
+                                        </p:cTn>
+                                        <p:tgtEl>
+                                          <p:spTgt spid="6"/>
+                                        </p:tgtEl>
+                                        <p:attrNameLst>
+                                          <p:attrName>style.visibility</p:attrName>
+                                        </p:attrNameLst>
+                                      </p:cBhvr>
+                                      <p:to>
+                                        <p:strVal val="visible"/>
+                                      </p:to>
+                                    </p:set>
+                                    <p:animEffect transition="in" filter="fade">
+                                      <p:cBhvr>
+                                        <p:cTn id="16" dur="500"/>
+                                        <p:tgtEl>
+                                          <p:spTgt spid="6"/>
+                                        </p:tgtEl>
+                                      </p:cBhvr>
+                                    </p:animEffect>
+                                  </p:childTnLst>
+                                </p:cTn>
+                              </p:par>
+                            </p:childTnLst>
+                          </p:cTn>
+                        </p:par>
+                      </p:childTnLst>
+                    </p:cTn>
+                  </p:par>
+                  <p:par>
+                    <p:cTn id="17" fill="hold">
+                      <p:stCondLst>
+                        <p:cond delay="indefinite"/>
+                      </p:stCondLst>
+                      <p:childTnLst>
+                        <p:par>
+                          <p:cTn id="18" fill="hold">
+                            <p:stCondLst>
+                              <p:cond delay="0"/>
+                            </p:stCondLst>
+                            <p:childTnLst>
+                              <p:par>
+                                <p:cTn id="19" presetID="10" presetClass="entr" presetSubtype="0" fill="hold" nodeType="clickEffect">
+                                  <p:stCondLst>
+                                    <p:cond delay="0"/>
+                                  </p:stCondLst>
+                                  <p:childTnLst>
+                                    <p:set>
+                                      <p:cBhvr>
+                                        <p:cTn id="20" dur="1" fill="hold">
+                                          <p:stCondLst>
+                                            <p:cond delay="0"/>
+                                          </p:stCondLst>
+                                        </p:cTn>
+                                        <p:tgtEl>
+                                          <p:spTgt spid="7"/>
+                                        </p:tgtEl>
+                                        <p:attrNameLst>
+                                          <p:attrName>style.visibility</p:attrName>
+                                        </p:attrNameLst>
+                                      </p:cBhvr>
+                                      <p:to>
+                                        <p:strVal val="visible"/>
+                                      </p:to>
+                                    </p:set>
+                                    <p:animEffect transition="in" filter="fade">
+                                      <p:cBhvr>
+                                        <p:cTn id="21" dur="500"/>
+                                        <p:tgtEl>
+                                          <p:spTgt spid="7"/>
+                                        </p:tgtEl>
+                                      </p:cBhvr>
+                                    </p:animEffect>
+                                  </p:childTnLst>
+                                </p:cTn>
+                              </p:par>
+                            </p:childTnLst>
+                          </p:cTn>
+                        </p:par>
+                      </p:childTnLst>
+                    </p:cTn>
+                  </p:par>
+                  <p:par>
+                    <p:cTn id="22" fill="hold">
+                      <p:stCondLst>
+                        <p:cond delay="indefinite"/>
+                      </p:stCondLst>
+                      <p:childTnLst>
+                        <p:par>
+                          <p:cTn id="23" fill="hold">
+                            <p:stCondLst>
+                              <p:cond delay="0"/>
+                            </p:stCondLst>
+                            <p:childTnLst>
+                              <p:par>
+                                <p:cTn id="24" presetID="22" presetClass="entr" presetSubtype="1" fill="hold" nodeType="clickEffect">
+                                  <p:stCondLst>
+                                    <p:cond delay="0"/>
+                                  </p:stCondLst>
+                                  <p:childTnLst>
+                                    <p:set>
+                                      <p:cBhvr>
+                                        <p:cTn id="25" dur="1" fill="hold">
+                                          <p:stCondLst>
+                                            <p:cond delay="0"/>
+                                          </p:stCondLst>
+                                        </p:cTn>
+                                        <p:tgtEl>
+                                          <p:spTgt spid="37"/>
+                                        </p:tgtEl>
+                                        <p:attrNameLst>
+                                          <p:attrName>style.visibility</p:attrName>
+                                        </p:attrNameLst>
+                                      </p:cBhvr>
+                                      <p:to>
+                                        <p:strVal val="visible"/>
+                                      </p:to>
+                                    </p:set>
+                                    <p:animEffect transition="in" filter="wipe(up)">
+                                      <p:cBhvr>
+                                        <p:cTn id="26" dur="500"/>
+                                        <p:tgtEl>
+                                          <p:spTgt spid="37"/>
+                                        </p:tgtEl>
+                                      </p:cBhvr>
+                                    </p:animEffect>
+                                  </p:childTnLst>
+                                </p:cTn>
+                              </p:par>
+                            </p:childTnLst>
+                          </p:cTn>
+                        </p:par>
+                      </p:childTnLst>
+                    </p:cTn>
+                  </p:par>
+                  <p:par>
+                    <p:cTn id="27" fill="hold">
+                      <p:stCondLst>
+                        <p:cond delay="indefinite"/>
+                      </p:stCondLst>
+                      <p:childTnLst>
+                        <p:par>
+                          <p:cTn id="28" fill="hold">
+                            <p:stCondLst>
+                              <p:cond delay="0"/>
+                            </p:stCondLst>
+                            <p:childTnLst>
+                              <p:par>
+                                <p:cTn id="29" presetID="22" presetClass="entr" presetSubtype="1" fill="hold" nodeType="clickEffect">
+                                  <p:stCondLst>
+                                    <p:cond delay="0"/>
+                                  </p:stCondLst>
+                                  <p:childTnLst>
+                                    <p:set>
+                                      <p:cBhvr>
+                                        <p:cTn id="30" dur="1" fill="hold">
+                                          <p:stCondLst>
+                                            <p:cond delay="0"/>
+                                          </p:stCondLst>
+                                        </p:cTn>
+                                        <p:tgtEl>
+                                          <p:spTgt spid="45"/>
+                                        </p:tgtEl>
+                                        <p:attrNameLst>
+                                          <p:attrName>style.visibility</p:attrName>
+                                        </p:attrNameLst>
+                                      </p:cBhvr>
+                                      <p:to>
+                                        <p:strVal val="visible"/>
+                                      </p:to>
+                                    </p:set>
+                                    <p:animEffect transition="in" filter="wipe(up)">
+                                      <p:cBhvr>
+                                        <p:cTn id="31" dur="500"/>
+                                        <p:tgtEl>
+                                          <p:spTgt spid="45"/>
+                                        </p:tgtEl>
+                                      </p:cBhvr>
+                                    </p:animEffect>
+                                  </p:childTnLst>
+                                </p:cTn>
+                              </p:par>
+                            </p:childTnLst>
+                          </p:cTn>
+                        </p:par>
+                      </p:childTnLst>
+                    </p:cTn>
+                  </p:par>
+                  <p:par>
+                    <p:cTn id="32" fill="hold">
+                      <p:stCondLst>
+                        <p:cond delay="indefinite"/>
+                      </p:stCondLst>
+                      <p:childTnLst>
+                        <p:par>
+                          <p:cTn id="33" fill="hold">
+                            <p:stCondLst>
+                              <p:cond delay="0"/>
+                            </p:stCondLst>
+                            <p:childTnLst>
+                              <p:par>
+                                <p:cTn id="34" presetID="22" presetClass="entr" presetSubtype="8" fill="hold" nodeType="clickEffect">
+                                  <p:stCondLst>
+                                    <p:cond delay="0"/>
+                                  </p:stCondLst>
+                                  <p:childTnLst>
+                                    <p:set>
+                                      <p:cBhvr>
+                                        <p:cTn id="35" dur="1" fill="hold">
+                                          <p:stCondLst>
+                                            <p:cond delay="0"/>
+                                          </p:stCondLst>
+                                        </p:cTn>
+                                        <p:tgtEl>
+                                          <p:spTgt spid="48"/>
+                                        </p:tgtEl>
+                                        <p:attrNameLst>
+                                          <p:attrName>style.visibility</p:attrName>
+                                        </p:attrNameLst>
+                                      </p:cBhvr>
+                                      <p:to>
+                                        <p:strVal val="visible"/>
+                                      </p:to>
+                                    </p:set>
+                                    <p:animEffect transition="in" filter="wipe(left)">
+                                      <p:cBhvr>
+                                        <p:cTn id="36" dur="500"/>
+                                        <p:tgtEl>
+                                          <p:spTgt spid="48"/>
+                                        </p:tgtEl>
+                                      </p:cBhvr>
+                                    </p:animEffect>
+                                  </p:childTnLst>
+                                </p:cTn>
+                              </p:par>
+                            </p:childTnLst>
+                          </p:cTn>
+                        </p:par>
+                      </p:childTnLst>
+                    </p:cTn>
+                  </p:par>
+                  <p:par>
+                    <p:cTn id="37" fill="hold">
+                      <p:stCondLst>
+                        <p:cond delay="indefinite"/>
+                      </p:stCondLst>
+                      <p:childTnLst>
+                        <p:par>
+                          <p:cTn id="38" fill="hold">
+                            <p:stCondLst>
+                              <p:cond delay="0"/>
+                            </p:stCondLst>
+                            <p:childTnLst>
+                              <p:par>
+                                <p:cTn id="39" presetID="22" presetClass="entr" presetSubtype="4" fill="hold" nodeType="clickEffect">
+                                  <p:stCondLst>
+                                    <p:cond delay="0"/>
+                                  </p:stCondLst>
+                                  <p:childTnLst>
+                                    <p:set>
+                                      <p:cBhvr>
+                                        <p:cTn id="40" dur="1" fill="hold">
+                                          <p:stCondLst>
+                                            <p:cond delay="0"/>
+                                          </p:stCondLst>
+                                        </p:cTn>
+                                        <p:tgtEl>
+                                          <p:spTgt spid="53"/>
+                                        </p:tgtEl>
+                                        <p:attrNameLst>
+                                          <p:attrName>style.visibility</p:attrName>
+                                        </p:attrNameLst>
+                                      </p:cBhvr>
+                                      <p:to>
+                                        <p:strVal val="visible"/>
+                                      </p:to>
+                                    </p:set>
+                                    <p:animEffect transition="in" filter="wipe(down)">
+                                      <p:cBhvr>
+                                        <p:cTn id="41" dur="500"/>
+                                        <p:tgtEl>
+                                          <p:spTgt spid="53"/>
+                                        </p:tgtEl>
+                                      </p:cBhvr>
+                                    </p:animEffect>
+                                  </p:childTnLst>
+                                </p:cTn>
+                              </p:par>
+                            </p:childTnLst>
+                          </p:cTn>
+                        </p:par>
+                      </p:childTnLst>
+                    </p:cTn>
+                  </p:par>
+                  <p:par>
+                    <p:cTn id="42" fill="hold">
+                      <p:stCondLst>
+                        <p:cond delay="indefinite"/>
+                      </p:stCondLst>
+                      <p:childTnLst>
+                        <p:par>
+                          <p:cTn id="43" fill="hold">
+                            <p:stCondLst>
+                              <p:cond delay="0"/>
+                            </p:stCondLst>
+                            <p:childTnLst>
+                              <p:par>
+                                <p:cTn id="44" presetID="22" presetClass="entr" presetSubtype="4" fill="hold" nodeType="clickEffect">
+                                  <p:stCondLst>
+                                    <p:cond delay="0"/>
+                                  </p:stCondLst>
+                                  <p:childTnLst>
+                                    <p:set>
+                                      <p:cBhvr>
+                                        <p:cTn id="45" dur="1" fill="hold">
+                                          <p:stCondLst>
+                                            <p:cond delay="0"/>
+                                          </p:stCondLst>
+                                        </p:cTn>
+                                        <p:tgtEl>
+                                          <p:spTgt spid="41"/>
+                                        </p:tgtEl>
+                                        <p:attrNameLst>
+                                          <p:attrName>style.visibility</p:attrName>
+                                        </p:attrNameLst>
+                                      </p:cBhvr>
+                                      <p:to>
+                                        <p:strVal val="visible"/>
+                                      </p:to>
+                                    </p:set>
+                                    <p:animEffect transition="in" filter="wipe(down)">
+                                      <p:cBhvr>
+                                        <p:cTn id="46" dur="500"/>
+                                        <p:tgtEl>
+                                          <p:spTgt spid="41"/>
+                                        </p:tgtEl>
+                                      </p:cBhvr>
+                                    </p:animEffect>
+                                  </p:childTnLst>
+                                </p:cTn>
+                              </p:par>
+                            </p:childTnLst>
+                          </p:cTn>
+                        </p:par>
+                      </p:childTnLst>
+                    </p:cTn>
+                  </p:par>
+                  <p:par>
+                    <p:cTn id="47" fill="hold">
+                      <p:stCondLst>
+                        <p:cond delay="indefinite"/>
+                      </p:stCondLst>
+                      <p:childTnLst>
+                        <p:par>
+                          <p:cTn id="48" fill="hold">
+                            <p:stCondLst>
+                              <p:cond delay="0"/>
+                            </p:stCondLst>
+                            <p:childTnLst>
+                              <p:par>
+                                <p:cTn id="49" presetID="10" presetClass="exit" presetSubtype="0" fill="hold" grpId="1" nodeType="clickEffect">
+                                  <p:stCondLst>
+                                    <p:cond delay="0"/>
+                                  </p:stCondLst>
+                                  <p:childTnLst>
+                                    <p:animEffect transition="out" filter="fade">
+                                      <p:cBhvr>
+                                        <p:cTn id="50" dur="500"/>
+                                        <p:tgtEl>
+                                          <p:spTgt spid="6"/>
+                                        </p:tgtEl>
+                                      </p:cBhvr>
+                                    </p:animEffect>
+                                    <p:set>
+                                      <p:cBhvr>
+                                        <p:cTn id="51" dur="1" fill="hold">
+                                          <p:stCondLst>
+                                            <p:cond delay="499"/>
+                                          </p:stCondLst>
+                                        </p:cTn>
+                                        <p:tgtEl>
+                                          <p:spTgt spid="6"/>
+                                        </p:tgtEl>
+                                        <p:attrNameLst>
+                                          <p:attrName>style.visibility</p:attrName>
+                                        </p:attrNameLst>
+                                      </p:cBhvr>
+                                      <p:to>
+                                        <p:strVal val="hidden"/>
+                                      </p:to>
+                                    </p:set>
+                                  </p:childTnLst>
+                                </p:cTn>
+                              </p:par>
+                            </p:childTnLst>
+                          </p:cTn>
+                        </p:par>
+                        <p:par>
+                          <p:cTn id="52" fill="hold">
+                            <p:stCondLst>
+                              <p:cond delay="500"/>
+                            </p:stCondLst>
+                            <p:childTnLst>
+                              <p:par>
+                                <p:cTn id="53" presetID="10" presetClass="entr" presetSubtype="0" fill="hold" grpId="0" nodeType="afterEffect">
+                                  <p:stCondLst>
+                                    <p:cond delay="0"/>
+                                  </p:stCondLst>
+                                  <p:childTnLst>
+                                    <p:set>
+                                      <p:cBhvr>
+                                        <p:cTn id="54" dur="1" fill="hold">
+                                          <p:stCondLst>
+                                            <p:cond delay="0"/>
+                                          </p:stCondLst>
+                                        </p:cTn>
+                                        <p:tgtEl>
+                                          <p:spTgt spid="81"/>
+                                        </p:tgtEl>
+                                        <p:attrNameLst>
+                                          <p:attrName>style.visibility</p:attrName>
+                                        </p:attrNameLst>
+                                      </p:cBhvr>
+                                      <p:to>
+                                        <p:strVal val="visible"/>
+                                      </p:to>
+                                    </p:set>
+                                    <p:animEffect transition="in" filter="fade">
+                                      <p:cBhvr>
+                                        <p:cTn id="55" dur="500"/>
+                                        <p:tgtEl>
+                                          <p:spTgt spid="81"/>
+                                        </p:tgtEl>
+                                      </p:cBhvr>
+                                    </p:animEffect>
+                                  </p:childTnLst>
+                                </p:cTn>
+                              </p:par>
+                            </p:childTnLst>
+                          </p:cTn>
+                        </p:par>
+                      </p:childTnLst>
+                    </p:cTn>
+                  </p:par>
+                </p:childTnLst>
+              </p:cTn>
+              <p:prevCondLst>
+                <p:cond evt="onPrev" delay="0">
+                  <p:tgtEl>
+                    <p:sldTgt/>
+                  </p:tgtEl>
+                </p:cond>
+              </p:prevCondLst>
+              <p:nextCondLst>
+                <p:cond evt="onNext" delay="0">
+                  <p:tgtEl>
+                    <p:sldTgt/>
+                  </p:tgtEl>
+                </p:cond>
+              </p:nextCondLst>
+            </p:seq>
+          </p:childTnLst>
+        </p:cTn>
       </p:par>
     </p:tnLst>
+    <p:bldLst>
+      <p:bldP spid="2" grpId="0"/>
+      <p:bldP spid="4" grpId="0"/>
+      <p:bldP spid="6" grpId="0"/>
+      <p:bldP spid="6" grpId="1"/>
+      <p:bldP spid="81" grpId="0"/>
+    </p:bldLst>
   </p:timing>
 </p:sld>
 </file>

--- a/第二讲快排+计算几何.pptx
+++ b/第二讲快排+计算几何.pptx
@@ -5,7 +5,7 @@
     <p:sldMasterId id="2147483660" r:id="rId1"/>
   </p:sldMasterIdLst>
   <p:notesMasterIdLst>
-    <p:notesMasterId r:id="rId11"/>
+    <p:notesMasterId r:id="rId12"/>
   </p:notesMasterIdLst>
   <p:sldIdLst>
     <p:sldId id="256" r:id="rId2"/>
@@ -17,6 +17,7 @@
     <p:sldId id="263" r:id="rId8"/>
     <p:sldId id="259" r:id="rId9"/>
     <p:sldId id="265" r:id="rId10"/>
+    <p:sldId id="266" r:id="rId11"/>
   </p:sldIdLst>
   <p:sldSz cx="9144000" cy="6858000" type="screen4x3"/>
   <p:notesSz cx="6858000" cy="9144000"/>
@@ -3735,6 +3736,7412 @@
         <p:cTn id="1" dur="indefinite" restart="never" nodeType="tmRoot"/>
       </p:par>
     </p:tnLst>
+  </p:timing>
+</p:sld>
+</file>
+
+<file path=ppt/slides/slide10.xml><?xml version="1.0" encoding="utf-8"?>
+<p:sld xmlns:a="http://schemas.openxmlformats.org/drawingml/2006/main" xmlns:r="http://schemas.openxmlformats.org/officeDocument/2006/relationships" xmlns:p="http://schemas.openxmlformats.org/presentationml/2006/main">
+  <p:cSld>
+    <p:spTree>
+      <p:nvGrpSpPr>
+        <p:cNvPr id="1" name=""/>
+        <p:cNvGrpSpPr/>
+        <p:nvPr/>
+      </p:nvGrpSpPr>
+      <p:grpSpPr>
+        <a:xfrm>
+          <a:off x="0" y="0"/>
+          <a:ext cx="0" cy="0"/>
+          <a:chOff x="0" y="0"/>
+          <a:chExt cx="0" cy="0"/>
+        </a:xfrm>
+      </p:grpSpPr>
+      <p:sp>
+        <p:nvSpPr>
+          <p:cNvPr id="4" name="标题 1"/>
+          <p:cNvSpPr txBox="1">
+            <a:spLocks/>
+          </p:cNvSpPr>
+          <p:nvPr/>
+        </p:nvSpPr>
+        <p:spPr>
+          <a:xfrm>
+            <a:off x="542482" y="449523"/>
+            <a:ext cx="5832918" cy="613668"/>
+          </a:xfrm>
+          <a:prstGeom prst="rect">
+            <a:avLst/>
+          </a:prstGeom>
+        </p:spPr>
+        <p:txBody>
+          <a:bodyPr vert="horz" lIns="91440" tIns="45720" rIns="91440" bIns="45720" rtlCol="0" anchor="ctr">
+            <a:normAutofit/>
+          </a:bodyPr>
+          <a:lstStyle>
+            <a:lvl1pPr algn="l" defTabSz="914400" rtl="0" eaLnBrk="1" latinLnBrk="0" hangingPunct="1">
+              <a:lnSpc>
+                <a:spcPct val="90000"/>
+              </a:lnSpc>
+              <a:spcBef>
+                <a:spcPct val="0"/>
+              </a:spcBef>
+              <a:buNone/>
+              <a:defRPr sz="4400" kern="1200">
+                <a:solidFill>
+                  <a:schemeClr val="tx1"/>
+                </a:solidFill>
+                <a:latin typeface="+mj-lt"/>
+                <a:ea typeface="+mj-ea"/>
+                <a:cs typeface="+mj-cs"/>
+              </a:defRPr>
+            </a:lvl1pPr>
+          </a:lstStyle>
+          <a:p>
+            <a:r>
+              <a:rPr lang="zh-CN" altLang="en-US" sz="2400" dirty="0" smtClean="0">
+                <a:cs typeface="+mn-ea"/>
+                <a:sym typeface="+mn-lt"/>
+              </a:rPr>
+              <a:t>寻找凸包  </a:t>
+            </a:r>
+            <a:r>
+              <a:rPr lang="en-US" altLang="zh-CN" sz="2400" dirty="0" smtClean="0">
+                <a:cs typeface="+mn-ea"/>
+                <a:sym typeface="+mn-lt"/>
+              </a:rPr>
+              <a:t>— </a:t>
+            </a:r>
+            <a:r>
+              <a:rPr lang="zh-CN" altLang="en-US" sz="2400" dirty="0" smtClean="0">
+                <a:cs typeface="+mn-ea"/>
+                <a:sym typeface="+mn-lt"/>
+              </a:rPr>
+              <a:t> </a:t>
+            </a:r>
+            <a:r>
+              <a:rPr lang="en-US" altLang="zh-CN" sz="2400" dirty="0">
+                <a:solidFill>
+                  <a:srgbClr val="FF0000"/>
+                </a:solidFill>
+                <a:latin typeface="华文楷体" pitchFamily="2" charset="-122"/>
+                <a:ea typeface="华文楷体" pitchFamily="2" charset="-122"/>
+              </a:rPr>
+              <a:t>Graham </a:t>
+            </a:r>
+            <a:r>
+              <a:rPr lang="zh-CN" altLang="en-US" sz="2400" dirty="0">
+                <a:solidFill>
+                  <a:srgbClr val="FF0000"/>
+                </a:solidFill>
+                <a:latin typeface="华文楷体" pitchFamily="2" charset="-122"/>
+                <a:ea typeface="华文楷体" pitchFamily="2" charset="-122"/>
+              </a:rPr>
+              <a:t>扫描法</a:t>
+            </a:r>
+            <a:endParaRPr lang="zh-CN" altLang="en-US" sz="2400" dirty="0">
+              <a:solidFill>
+                <a:srgbClr val="FF0000"/>
+              </a:solidFill>
+              <a:cs typeface="+mn-ea"/>
+            </a:endParaRPr>
+          </a:p>
+        </p:txBody>
+      </p:sp>
+      <p:grpSp>
+        <p:nvGrpSpPr>
+          <p:cNvPr id="73" name="组合 72"/>
+          <p:cNvGrpSpPr/>
+          <p:nvPr/>
+        </p:nvGrpSpPr>
+        <p:grpSpPr>
+          <a:xfrm>
+            <a:off x="643006" y="3191314"/>
+            <a:ext cx="3831406" cy="2922378"/>
+            <a:chOff x="643006" y="3191314"/>
+            <a:chExt cx="3831406" cy="2922378"/>
+          </a:xfrm>
+        </p:grpSpPr>
+        <p:grpSp>
+          <p:nvGrpSpPr>
+            <p:cNvPr id="64" name="组合 63"/>
+            <p:cNvGrpSpPr/>
+            <p:nvPr/>
+          </p:nvGrpSpPr>
+          <p:grpSpPr>
+            <a:xfrm>
+              <a:off x="1022452" y="3681873"/>
+              <a:ext cx="2978011" cy="2062487"/>
+              <a:chOff x="793853" y="3309612"/>
+              <a:chExt cx="3530052" cy="2444815"/>
+            </a:xfrm>
+          </p:grpSpPr>
+          <p:sp>
+            <p:nvSpPr>
+              <p:cNvPr id="56" name="AutoShape 29"/>
+              <p:cNvSpPr>
+                <a:spLocks noChangeArrowheads="1"/>
+              </p:cNvSpPr>
+              <p:nvPr/>
+            </p:nvSpPr>
+            <p:spPr bwMode="auto">
+              <a:xfrm>
+                <a:off x="2065989" y="5551775"/>
+                <a:ext cx="202649" cy="202652"/>
+              </a:xfrm>
+              <a:prstGeom prst="flowChartConnector">
+                <a:avLst/>
+              </a:prstGeom>
+              <a:solidFill>
+                <a:srgbClr val="FF0000"/>
+              </a:solidFill>
+              <a:ln w="9525">
+                <a:noFill/>
+                <a:round/>
+                <a:headEnd/>
+                <a:tailEnd/>
+              </a:ln>
+            </p:spPr>
+            <p:txBody>
+              <a:bodyPr wrap="none" anchor="ctr"/>
+              <a:lstStyle>
+                <a:lvl1pPr>
+                  <a:spcBef>
+                    <a:spcPct val="20000"/>
+                  </a:spcBef>
+                  <a:buChar char="•"/>
+                  <a:defRPr sz="2400">
+                    <a:solidFill>
+                      <a:srgbClr val="3A1D00"/>
+                    </a:solidFill>
+                    <a:latin typeface="Arial" panose="020B0604020202020204" pitchFamily="34" charset="0"/>
+                    <a:ea typeface="微软雅黑" panose="020B0503020204020204" pitchFamily="34" charset="-122"/>
+                  </a:defRPr>
+                </a:lvl1pPr>
+                <a:lvl2pPr marL="742950" indent="-285750">
+                  <a:spcBef>
+                    <a:spcPct val="20000"/>
+                  </a:spcBef>
+                  <a:buChar char="–"/>
+                  <a:defRPr sz="2000">
+                    <a:solidFill>
+                      <a:srgbClr val="3A1D00"/>
+                    </a:solidFill>
+                    <a:latin typeface="Arial" panose="020B0604020202020204" pitchFamily="34" charset="0"/>
+                    <a:ea typeface="微软雅黑" panose="020B0503020204020204" pitchFamily="34" charset="-122"/>
+                  </a:defRPr>
+                </a:lvl2pPr>
+                <a:lvl3pPr marL="1143000" indent="-228600">
+                  <a:spcBef>
+                    <a:spcPct val="20000"/>
+                  </a:spcBef>
+                  <a:buChar char="•"/>
+                  <a:defRPr sz="2400">
+                    <a:solidFill>
+                      <a:srgbClr val="3A1D00"/>
+                    </a:solidFill>
+                    <a:latin typeface="Arial" panose="020B0604020202020204" pitchFamily="34" charset="0"/>
+                    <a:ea typeface="微软雅黑" panose="020B0503020204020204" pitchFamily="34" charset="-122"/>
+                  </a:defRPr>
+                </a:lvl3pPr>
+                <a:lvl4pPr marL="1600200" indent="-228600">
+                  <a:spcBef>
+                    <a:spcPct val="20000"/>
+                  </a:spcBef>
+                  <a:buChar char="–"/>
+                  <a:defRPr sz="1600">
+                    <a:solidFill>
+                      <a:srgbClr val="3A1D00"/>
+                    </a:solidFill>
+                    <a:latin typeface="Arial" panose="020B0604020202020204" pitchFamily="34" charset="0"/>
+                    <a:ea typeface="微软雅黑" panose="020B0503020204020204" pitchFamily="34" charset="-122"/>
+                  </a:defRPr>
+                </a:lvl4pPr>
+                <a:lvl5pPr marL="2057400" indent="-228600">
+                  <a:spcBef>
+                    <a:spcPct val="20000"/>
+                  </a:spcBef>
+                  <a:buChar char="»"/>
+                  <a:defRPr sz="1600">
+                    <a:solidFill>
+                      <a:srgbClr val="3A1D00"/>
+                    </a:solidFill>
+                    <a:latin typeface="Arial" panose="020B0604020202020204" pitchFamily="34" charset="0"/>
+                    <a:ea typeface="微软雅黑" panose="020B0503020204020204" pitchFamily="34" charset="-122"/>
+                  </a:defRPr>
+                </a:lvl5pPr>
+                <a:lvl6pPr marL="2514600" indent="-228600" eaLnBrk="0" fontAlgn="base" hangingPunct="0">
+                  <a:spcBef>
+                    <a:spcPct val="20000"/>
+                  </a:spcBef>
+                  <a:spcAft>
+                    <a:spcPct val="0"/>
+                  </a:spcAft>
+                  <a:buChar char="»"/>
+                  <a:defRPr sz="1600">
+                    <a:solidFill>
+                      <a:srgbClr val="3A1D00"/>
+                    </a:solidFill>
+                    <a:latin typeface="Arial" panose="020B0604020202020204" pitchFamily="34" charset="0"/>
+                    <a:ea typeface="微软雅黑" panose="020B0503020204020204" pitchFamily="34" charset="-122"/>
+                  </a:defRPr>
+                </a:lvl6pPr>
+                <a:lvl7pPr marL="2971800" indent="-228600" eaLnBrk="0" fontAlgn="base" hangingPunct="0">
+                  <a:spcBef>
+                    <a:spcPct val="20000"/>
+                  </a:spcBef>
+                  <a:spcAft>
+                    <a:spcPct val="0"/>
+                  </a:spcAft>
+                  <a:buChar char="»"/>
+                  <a:defRPr sz="1600">
+                    <a:solidFill>
+                      <a:srgbClr val="3A1D00"/>
+                    </a:solidFill>
+                    <a:latin typeface="Arial" panose="020B0604020202020204" pitchFamily="34" charset="0"/>
+                    <a:ea typeface="微软雅黑" panose="020B0503020204020204" pitchFamily="34" charset="-122"/>
+                  </a:defRPr>
+                </a:lvl7pPr>
+                <a:lvl8pPr marL="3429000" indent="-228600" eaLnBrk="0" fontAlgn="base" hangingPunct="0">
+                  <a:spcBef>
+                    <a:spcPct val="20000"/>
+                  </a:spcBef>
+                  <a:spcAft>
+                    <a:spcPct val="0"/>
+                  </a:spcAft>
+                  <a:buChar char="»"/>
+                  <a:defRPr sz="1600">
+                    <a:solidFill>
+                      <a:srgbClr val="3A1D00"/>
+                    </a:solidFill>
+                    <a:latin typeface="Arial" panose="020B0604020202020204" pitchFamily="34" charset="0"/>
+                    <a:ea typeface="微软雅黑" panose="020B0503020204020204" pitchFamily="34" charset="-122"/>
+                  </a:defRPr>
+                </a:lvl8pPr>
+                <a:lvl9pPr marL="3886200" indent="-228600" eaLnBrk="0" fontAlgn="base" hangingPunct="0">
+                  <a:spcBef>
+                    <a:spcPct val="20000"/>
+                  </a:spcBef>
+                  <a:spcAft>
+                    <a:spcPct val="0"/>
+                  </a:spcAft>
+                  <a:buChar char="»"/>
+                  <a:defRPr sz="1600">
+                    <a:solidFill>
+                      <a:srgbClr val="3A1D00"/>
+                    </a:solidFill>
+                    <a:latin typeface="Arial" panose="020B0604020202020204" pitchFamily="34" charset="0"/>
+                    <a:ea typeface="微软雅黑" panose="020B0503020204020204" pitchFamily="34" charset="-122"/>
+                  </a:defRPr>
+                </a:lvl9pPr>
+              </a:lstStyle>
+              <a:p>
+                <a:pPr eaLnBrk="1" hangingPunct="1">
+                  <a:spcBef>
+                    <a:spcPct val="0"/>
+                  </a:spcBef>
+                  <a:buFontTx/>
+                  <a:buNone/>
+                </a:pPr>
+                <a:endParaRPr lang="zh-CN" altLang="zh-CN" sz="1800" b="0">
+                  <a:solidFill>
+                    <a:schemeClr val="tx1"/>
+                  </a:solidFill>
+                  <a:latin typeface="华文新魏" panose="02010800040101010101" pitchFamily="2" charset="-122"/>
+                  <a:ea typeface="宋体" panose="02010600030101010101" pitchFamily="2" charset="-122"/>
+                </a:endParaRPr>
+              </a:p>
+            </p:txBody>
+          </p:sp>
+          <p:sp>
+            <p:nvSpPr>
+              <p:cNvPr id="57" name="AutoShape 29"/>
+              <p:cNvSpPr>
+                <a:spLocks noChangeArrowheads="1"/>
+              </p:cNvSpPr>
+              <p:nvPr/>
+            </p:nvSpPr>
+            <p:spPr bwMode="auto">
+              <a:xfrm>
+                <a:off x="3638380" y="4291422"/>
+                <a:ext cx="202649" cy="202652"/>
+              </a:xfrm>
+              <a:prstGeom prst="flowChartConnector">
+                <a:avLst/>
+              </a:prstGeom>
+              <a:solidFill>
+                <a:srgbClr val="FF0000"/>
+              </a:solidFill>
+              <a:ln w="9525">
+                <a:noFill/>
+                <a:round/>
+                <a:headEnd/>
+                <a:tailEnd/>
+              </a:ln>
+            </p:spPr>
+            <p:txBody>
+              <a:bodyPr wrap="none" anchor="ctr"/>
+              <a:lstStyle>
+                <a:lvl1pPr>
+                  <a:spcBef>
+                    <a:spcPct val="20000"/>
+                  </a:spcBef>
+                  <a:buChar char="•"/>
+                  <a:defRPr sz="2400">
+                    <a:solidFill>
+                      <a:srgbClr val="3A1D00"/>
+                    </a:solidFill>
+                    <a:latin typeface="Arial" panose="020B0604020202020204" pitchFamily="34" charset="0"/>
+                    <a:ea typeface="微软雅黑" panose="020B0503020204020204" pitchFamily="34" charset="-122"/>
+                  </a:defRPr>
+                </a:lvl1pPr>
+                <a:lvl2pPr marL="742950" indent="-285750">
+                  <a:spcBef>
+                    <a:spcPct val="20000"/>
+                  </a:spcBef>
+                  <a:buChar char="–"/>
+                  <a:defRPr sz="2000">
+                    <a:solidFill>
+                      <a:srgbClr val="3A1D00"/>
+                    </a:solidFill>
+                    <a:latin typeface="Arial" panose="020B0604020202020204" pitchFamily="34" charset="0"/>
+                    <a:ea typeface="微软雅黑" panose="020B0503020204020204" pitchFamily="34" charset="-122"/>
+                  </a:defRPr>
+                </a:lvl2pPr>
+                <a:lvl3pPr marL="1143000" indent="-228600">
+                  <a:spcBef>
+                    <a:spcPct val="20000"/>
+                  </a:spcBef>
+                  <a:buChar char="•"/>
+                  <a:defRPr sz="2400">
+                    <a:solidFill>
+                      <a:srgbClr val="3A1D00"/>
+                    </a:solidFill>
+                    <a:latin typeface="Arial" panose="020B0604020202020204" pitchFamily="34" charset="0"/>
+                    <a:ea typeface="微软雅黑" panose="020B0503020204020204" pitchFamily="34" charset="-122"/>
+                  </a:defRPr>
+                </a:lvl3pPr>
+                <a:lvl4pPr marL="1600200" indent="-228600">
+                  <a:spcBef>
+                    <a:spcPct val="20000"/>
+                  </a:spcBef>
+                  <a:buChar char="–"/>
+                  <a:defRPr sz="1600">
+                    <a:solidFill>
+                      <a:srgbClr val="3A1D00"/>
+                    </a:solidFill>
+                    <a:latin typeface="Arial" panose="020B0604020202020204" pitchFamily="34" charset="0"/>
+                    <a:ea typeface="微软雅黑" panose="020B0503020204020204" pitchFamily="34" charset="-122"/>
+                  </a:defRPr>
+                </a:lvl4pPr>
+                <a:lvl5pPr marL="2057400" indent="-228600">
+                  <a:spcBef>
+                    <a:spcPct val="20000"/>
+                  </a:spcBef>
+                  <a:buChar char="»"/>
+                  <a:defRPr sz="1600">
+                    <a:solidFill>
+                      <a:srgbClr val="3A1D00"/>
+                    </a:solidFill>
+                    <a:latin typeface="Arial" panose="020B0604020202020204" pitchFamily="34" charset="0"/>
+                    <a:ea typeface="微软雅黑" panose="020B0503020204020204" pitchFamily="34" charset="-122"/>
+                  </a:defRPr>
+                </a:lvl5pPr>
+                <a:lvl6pPr marL="2514600" indent="-228600" eaLnBrk="0" fontAlgn="base" hangingPunct="0">
+                  <a:spcBef>
+                    <a:spcPct val="20000"/>
+                  </a:spcBef>
+                  <a:spcAft>
+                    <a:spcPct val="0"/>
+                  </a:spcAft>
+                  <a:buChar char="»"/>
+                  <a:defRPr sz="1600">
+                    <a:solidFill>
+                      <a:srgbClr val="3A1D00"/>
+                    </a:solidFill>
+                    <a:latin typeface="Arial" panose="020B0604020202020204" pitchFamily="34" charset="0"/>
+                    <a:ea typeface="微软雅黑" panose="020B0503020204020204" pitchFamily="34" charset="-122"/>
+                  </a:defRPr>
+                </a:lvl6pPr>
+                <a:lvl7pPr marL="2971800" indent="-228600" eaLnBrk="0" fontAlgn="base" hangingPunct="0">
+                  <a:spcBef>
+                    <a:spcPct val="20000"/>
+                  </a:spcBef>
+                  <a:spcAft>
+                    <a:spcPct val="0"/>
+                  </a:spcAft>
+                  <a:buChar char="»"/>
+                  <a:defRPr sz="1600">
+                    <a:solidFill>
+                      <a:srgbClr val="3A1D00"/>
+                    </a:solidFill>
+                    <a:latin typeface="Arial" panose="020B0604020202020204" pitchFamily="34" charset="0"/>
+                    <a:ea typeface="微软雅黑" panose="020B0503020204020204" pitchFamily="34" charset="-122"/>
+                  </a:defRPr>
+                </a:lvl7pPr>
+                <a:lvl8pPr marL="3429000" indent="-228600" eaLnBrk="0" fontAlgn="base" hangingPunct="0">
+                  <a:spcBef>
+                    <a:spcPct val="20000"/>
+                  </a:spcBef>
+                  <a:spcAft>
+                    <a:spcPct val="0"/>
+                  </a:spcAft>
+                  <a:buChar char="»"/>
+                  <a:defRPr sz="1600">
+                    <a:solidFill>
+                      <a:srgbClr val="3A1D00"/>
+                    </a:solidFill>
+                    <a:latin typeface="Arial" panose="020B0604020202020204" pitchFamily="34" charset="0"/>
+                    <a:ea typeface="微软雅黑" panose="020B0503020204020204" pitchFamily="34" charset="-122"/>
+                  </a:defRPr>
+                </a:lvl8pPr>
+                <a:lvl9pPr marL="3886200" indent="-228600" eaLnBrk="0" fontAlgn="base" hangingPunct="0">
+                  <a:spcBef>
+                    <a:spcPct val="20000"/>
+                  </a:spcBef>
+                  <a:spcAft>
+                    <a:spcPct val="0"/>
+                  </a:spcAft>
+                  <a:buChar char="»"/>
+                  <a:defRPr sz="1600">
+                    <a:solidFill>
+                      <a:srgbClr val="3A1D00"/>
+                    </a:solidFill>
+                    <a:latin typeface="Arial" panose="020B0604020202020204" pitchFamily="34" charset="0"/>
+                    <a:ea typeface="微软雅黑" panose="020B0503020204020204" pitchFamily="34" charset="-122"/>
+                  </a:defRPr>
+                </a:lvl9pPr>
+              </a:lstStyle>
+              <a:p>
+                <a:pPr eaLnBrk="1" hangingPunct="1">
+                  <a:spcBef>
+                    <a:spcPct val="0"/>
+                  </a:spcBef>
+                  <a:buFontTx/>
+                  <a:buNone/>
+                </a:pPr>
+                <a:endParaRPr lang="zh-CN" altLang="zh-CN" sz="1800" b="0">
+                  <a:solidFill>
+                    <a:schemeClr val="tx1"/>
+                  </a:solidFill>
+                  <a:latin typeface="华文新魏" panose="02010800040101010101" pitchFamily="2" charset="-122"/>
+                  <a:ea typeface="宋体" panose="02010600030101010101" pitchFamily="2" charset="-122"/>
+                </a:endParaRPr>
+              </a:p>
+            </p:txBody>
+          </p:sp>
+          <p:sp>
+            <p:nvSpPr>
+              <p:cNvPr id="58" name="AutoShape 29"/>
+              <p:cNvSpPr>
+                <a:spLocks noChangeArrowheads="1"/>
+              </p:cNvSpPr>
+              <p:nvPr/>
+            </p:nvSpPr>
+            <p:spPr bwMode="auto">
+              <a:xfrm>
+                <a:off x="2794793" y="3960236"/>
+                <a:ext cx="202649" cy="202652"/>
+              </a:xfrm>
+              <a:prstGeom prst="flowChartConnector">
+                <a:avLst/>
+              </a:prstGeom>
+              <a:solidFill>
+                <a:srgbClr val="FF0000"/>
+              </a:solidFill>
+              <a:ln w="9525">
+                <a:noFill/>
+                <a:round/>
+                <a:headEnd/>
+                <a:tailEnd/>
+              </a:ln>
+            </p:spPr>
+            <p:txBody>
+              <a:bodyPr wrap="none" anchor="ctr"/>
+              <a:lstStyle>
+                <a:lvl1pPr>
+                  <a:spcBef>
+                    <a:spcPct val="20000"/>
+                  </a:spcBef>
+                  <a:buChar char="•"/>
+                  <a:defRPr sz="2400">
+                    <a:solidFill>
+                      <a:srgbClr val="3A1D00"/>
+                    </a:solidFill>
+                    <a:latin typeface="Arial" panose="020B0604020202020204" pitchFamily="34" charset="0"/>
+                    <a:ea typeface="微软雅黑" panose="020B0503020204020204" pitchFamily="34" charset="-122"/>
+                  </a:defRPr>
+                </a:lvl1pPr>
+                <a:lvl2pPr marL="742950" indent="-285750">
+                  <a:spcBef>
+                    <a:spcPct val="20000"/>
+                  </a:spcBef>
+                  <a:buChar char="–"/>
+                  <a:defRPr sz="2000">
+                    <a:solidFill>
+                      <a:srgbClr val="3A1D00"/>
+                    </a:solidFill>
+                    <a:latin typeface="Arial" panose="020B0604020202020204" pitchFamily="34" charset="0"/>
+                    <a:ea typeface="微软雅黑" panose="020B0503020204020204" pitchFamily="34" charset="-122"/>
+                  </a:defRPr>
+                </a:lvl2pPr>
+                <a:lvl3pPr marL="1143000" indent="-228600">
+                  <a:spcBef>
+                    <a:spcPct val="20000"/>
+                  </a:spcBef>
+                  <a:buChar char="•"/>
+                  <a:defRPr sz="2400">
+                    <a:solidFill>
+                      <a:srgbClr val="3A1D00"/>
+                    </a:solidFill>
+                    <a:latin typeface="Arial" panose="020B0604020202020204" pitchFamily="34" charset="0"/>
+                    <a:ea typeface="微软雅黑" panose="020B0503020204020204" pitchFamily="34" charset="-122"/>
+                  </a:defRPr>
+                </a:lvl3pPr>
+                <a:lvl4pPr marL="1600200" indent="-228600">
+                  <a:spcBef>
+                    <a:spcPct val="20000"/>
+                  </a:spcBef>
+                  <a:buChar char="–"/>
+                  <a:defRPr sz="1600">
+                    <a:solidFill>
+                      <a:srgbClr val="3A1D00"/>
+                    </a:solidFill>
+                    <a:latin typeface="Arial" panose="020B0604020202020204" pitchFamily="34" charset="0"/>
+                    <a:ea typeface="微软雅黑" panose="020B0503020204020204" pitchFamily="34" charset="-122"/>
+                  </a:defRPr>
+                </a:lvl4pPr>
+                <a:lvl5pPr marL="2057400" indent="-228600">
+                  <a:spcBef>
+                    <a:spcPct val="20000"/>
+                  </a:spcBef>
+                  <a:buChar char="»"/>
+                  <a:defRPr sz="1600">
+                    <a:solidFill>
+                      <a:srgbClr val="3A1D00"/>
+                    </a:solidFill>
+                    <a:latin typeface="Arial" panose="020B0604020202020204" pitchFamily="34" charset="0"/>
+                    <a:ea typeface="微软雅黑" panose="020B0503020204020204" pitchFamily="34" charset="-122"/>
+                  </a:defRPr>
+                </a:lvl5pPr>
+                <a:lvl6pPr marL="2514600" indent="-228600" eaLnBrk="0" fontAlgn="base" hangingPunct="0">
+                  <a:spcBef>
+                    <a:spcPct val="20000"/>
+                  </a:spcBef>
+                  <a:spcAft>
+                    <a:spcPct val="0"/>
+                  </a:spcAft>
+                  <a:buChar char="»"/>
+                  <a:defRPr sz="1600">
+                    <a:solidFill>
+                      <a:srgbClr val="3A1D00"/>
+                    </a:solidFill>
+                    <a:latin typeface="Arial" panose="020B0604020202020204" pitchFamily="34" charset="0"/>
+                    <a:ea typeface="微软雅黑" panose="020B0503020204020204" pitchFamily="34" charset="-122"/>
+                  </a:defRPr>
+                </a:lvl6pPr>
+                <a:lvl7pPr marL="2971800" indent="-228600" eaLnBrk="0" fontAlgn="base" hangingPunct="0">
+                  <a:spcBef>
+                    <a:spcPct val="20000"/>
+                  </a:spcBef>
+                  <a:spcAft>
+                    <a:spcPct val="0"/>
+                  </a:spcAft>
+                  <a:buChar char="»"/>
+                  <a:defRPr sz="1600">
+                    <a:solidFill>
+                      <a:srgbClr val="3A1D00"/>
+                    </a:solidFill>
+                    <a:latin typeface="Arial" panose="020B0604020202020204" pitchFamily="34" charset="0"/>
+                    <a:ea typeface="微软雅黑" panose="020B0503020204020204" pitchFamily="34" charset="-122"/>
+                  </a:defRPr>
+                </a:lvl7pPr>
+                <a:lvl8pPr marL="3429000" indent="-228600" eaLnBrk="0" fontAlgn="base" hangingPunct="0">
+                  <a:spcBef>
+                    <a:spcPct val="20000"/>
+                  </a:spcBef>
+                  <a:spcAft>
+                    <a:spcPct val="0"/>
+                  </a:spcAft>
+                  <a:buChar char="»"/>
+                  <a:defRPr sz="1600">
+                    <a:solidFill>
+                      <a:srgbClr val="3A1D00"/>
+                    </a:solidFill>
+                    <a:latin typeface="Arial" panose="020B0604020202020204" pitchFamily="34" charset="0"/>
+                    <a:ea typeface="微软雅黑" panose="020B0503020204020204" pitchFamily="34" charset="-122"/>
+                  </a:defRPr>
+                </a:lvl8pPr>
+                <a:lvl9pPr marL="3886200" indent="-228600" eaLnBrk="0" fontAlgn="base" hangingPunct="0">
+                  <a:spcBef>
+                    <a:spcPct val="20000"/>
+                  </a:spcBef>
+                  <a:spcAft>
+                    <a:spcPct val="0"/>
+                  </a:spcAft>
+                  <a:buChar char="»"/>
+                  <a:defRPr sz="1600">
+                    <a:solidFill>
+                      <a:srgbClr val="3A1D00"/>
+                    </a:solidFill>
+                    <a:latin typeface="Arial" panose="020B0604020202020204" pitchFamily="34" charset="0"/>
+                    <a:ea typeface="微软雅黑" panose="020B0503020204020204" pitchFamily="34" charset="-122"/>
+                  </a:defRPr>
+                </a:lvl9pPr>
+              </a:lstStyle>
+              <a:p>
+                <a:pPr eaLnBrk="1" hangingPunct="1">
+                  <a:spcBef>
+                    <a:spcPct val="0"/>
+                  </a:spcBef>
+                  <a:buFontTx/>
+                  <a:buNone/>
+                </a:pPr>
+                <a:endParaRPr lang="zh-CN" altLang="zh-CN" sz="1800" b="0">
+                  <a:solidFill>
+                    <a:schemeClr val="tx1"/>
+                  </a:solidFill>
+                  <a:latin typeface="华文新魏" panose="02010800040101010101" pitchFamily="2" charset="-122"/>
+                  <a:ea typeface="宋体" panose="02010600030101010101" pitchFamily="2" charset="-122"/>
+                </a:endParaRPr>
+              </a:p>
+            </p:txBody>
+          </p:sp>
+          <p:sp>
+            <p:nvSpPr>
+              <p:cNvPr id="59" name="AutoShape 29"/>
+              <p:cNvSpPr>
+                <a:spLocks noChangeArrowheads="1"/>
+              </p:cNvSpPr>
+              <p:nvPr/>
+            </p:nvSpPr>
+            <p:spPr bwMode="auto">
+              <a:xfrm>
+                <a:off x="3638381" y="3401056"/>
+                <a:ext cx="202649" cy="202652"/>
+              </a:xfrm>
+              <a:prstGeom prst="flowChartConnector">
+                <a:avLst/>
+              </a:prstGeom>
+              <a:solidFill>
+                <a:srgbClr val="FF0000"/>
+              </a:solidFill>
+              <a:ln w="9525">
+                <a:noFill/>
+                <a:round/>
+                <a:headEnd/>
+                <a:tailEnd/>
+              </a:ln>
+            </p:spPr>
+            <p:txBody>
+              <a:bodyPr wrap="none" anchor="ctr"/>
+              <a:lstStyle>
+                <a:lvl1pPr>
+                  <a:spcBef>
+                    <a:spcPct val="20000"/>
+                  </a:spcBef>
+                  <a:buChar char="•"/>
+                  <a:defRPr sz="2400">
+                    <a:solidFill>
+                      <a:srgbClr val="3A1D00"/>
+                    </a:solidFill>
+                    <a:latin typeface="Arial" panose="020B0604020202020204" pitchFamily="34" charset="0"/>
+                    <a:ea typeface="微软雅黑" panose="020B0503020204020204" pitchFamily="34" charset="-122"/>
+                  </a:defRPr>
+                </a:lvl1pPr>
+                <a:lvl2pPr marL="742950" indent="-285750">
+                  <a:spcBef>
+                    <a:spcPct val="20000"/>
+                  </a:spcBef>
+                  <a:buChar char="–"/>
+                  <a:defRPr sz="2000">
+                    <a:solidFill>
+                      <a:srgbClr val="3A1D00"/>
+                    </a:solidFill>
+                    <a:latin typeface="Arial" panose="020B0604020202020204" pitchFamily="34" charset="0"/>
+                    <a:ea typeface="微软雅黑" panose="020B0503020204020204" pitchFamily="34" charset="-122"/>
+                  </a:defRPr>
+                </a:lvl2pPr>
+                <a:lvl3pPr marL="1143000" indent="-228600">
+                  <a:spcBef>
+                    <a:spcPct val="20000"/>
+                  </a:spcBef>
+                  <a:buChar char="•"/>
+                  <a:defRPr sz="2400">
+                    <a:solidFill>
+                      <a:srgbClr val="3A1D00"/>
+                    </a:solidFill>
+                    <a:latin typeface="Arial" panose="020B0604020202020204" pitchFamily="34" charset="0"/>
+                    <a:ea typeface="微软雅黑" panose="020B0503020204020204" pitchFamily="34" charset="-122"/>
+                  </a:defRPr>
+                </a:lvl3pPr>
+                <a:lvl4pPr marL="1600200" indent="-228600">
+                  <a:spcBef>
+                    <a:spcPct val="20000"/>
+                  </a:spcBef>
+                  <a:buChar char="–"/>
+                  <a:defRPr sz="1600">
+                    <a:solidFill>
+                      <a:srgbClr val="3A1D00"/>
+                    </a:solidFill>
+                    <a:latin typeface="Arial" panose="020B0604020202020204" pitchFamily="34" charset="0"/>
+                    <a:ea typeface="微软雅黑" panose="020B0503020204020204" pitchFamily="34" charset="-122"/>
+                  </a:defRPr>
+                </a:lvl4pPr>
+                <a:lvl5pPr marL="2057400" indent="-228600">
+                  <a:spcBef>
+                    <a:spcPct val="20000"/>
+                  </a:spcBef>
+                  <a:buChar char="»"/>
+                  <a:defRPr sz="1600">
+                    <a:solidFill>
+                      <a:srgbClr val="3A1D00"/>
+                    </a:solidFill>
+                    <a:latin typeface="Arial" panose="020B0604020202020204" pitchFamily="34" charset="0"/>
+                    <a:ea typeface="微软雅黑" panose="020B0503020204020204" pitchFamily="34" charset="-122"/>
+                  </a:defRPr>
+                </a:lvl5pPr>
+                <a:lvl6pPr marL="2514600" indent="-228600" eaLnBrk="0" fontAlgn="base" hangingPunct="0">
+                  <a:spcBef>
+                    <a:spcPct val="20000"/>
+                  </a:spcBef>
+                  <a:spcAft>
+                    <a:spcPct val="0"/>
+                  </a:spcAft>
+                  <a:buChar char="»"/>
+                  <a:defRPr sz="1600">
+                    <a:solidFill>
+                      <a:srgbClr val="3A1D00"/>
+                    </a:solidFill>
+                    <a:latin typeface="Arial" panose="020B0604020202020204" pitchFamily="34" charset="0"/>
+                    <a:ea typeface="微软雅黑" panose="020B0503020204020204" pitchFamily="34" charset="-122"/>
+                  </a:defRPr>
+                </a:lvl6pPr>
+                <a:lvl7pPr marL="2971800" indent="-228600" eaLnBrk="0" fontAlgn="base" hangingPunct="0">
+                  <a:spcBef>
+                    <a:spcPct val="20000"/>
+                  </a:spcBef>
+                  <a:spcAft>
+                    <a:spcPct val="0"/>
+                  </a:spcAft>
+                  <a:buChar char="»"/>
+                  <a:defRPr sz="1600">
+                    <a:solidFill>
+                      <a:srgbClr val="3A1D00"/>
+                    </a:solidFill>
+                    <a:latin typeface="Arial" panose="020B0604020202020204" pitchFamily="34" charset="0"/>
+                    <a:ea typeface="微软雅黑" panose="020B0503020204020204" pitchFamily="34" charset="-122"/>
+                  </a:defRPr>
+                </a:lvl7pPr>
+                <a:lvl8pPr marL="3429000" indent="-228600" eaLnBrk="0" fontAlgn="base" hangingPunct="0">
+                  <a:spcBef>
+                    <a:spcPct val="20000"/>
+                  </a:spcBef>
+                  <a:spcAft>
+                    <a:spcPct val="0"/>
+                  </a:spcAft>
+                  <a:buChar char="»"/>
+                  <a:defRPr sz="1600">
+                    <a:solidFill>
+                      <a:srgbClr val="3A1D00"/>
+                    </a:solidFill>
+                    <a:latin typeface="Arial" panose="020B0604020202020204" pitchFamily="34" charset="0"/>
+                    <a:ea typeface="微软雅黑" panose="020B0503020204020204" pitchFamily="34" charset="-122"/>
+                  </a:defRPr>
+                </a:lvl8pPr>
+                <a:lvl9pPr marL="3886200" indent="-228600" eaLnBrk="0" fontAlgn="base" hangingPunct="0">
+                  <a:spcBef>
+                    <a:spcPct val="20000"/>
+                  </a:spcBef>
+                  <a:spcAft>
+                    <a:spcPct val="0"/>
+                  </a:spcAft>
+                  <a:buChar char="»"/>
+                  <a:defRPr sz="1600">
+                    <a:solidFill>
+                      <a:srgbClr val="3A1D00"/>
+                    </a:solidFill>
+                    <a:latin typeface="Arial" panose="020B0604020202020204" pitchFamily="34" charset="0"/>
+                    <a:ea typeface="微软雅黑" panose="020B0503020204020204" pitchFamily="34" charset="-122"/>
+                  </a:defRPr>
+                </a:lvl9pPr>
+              </a:lstStyle>
+              <a:p>
+                <a:pPr eaLnBrk="1" hangingPunct="1">
+                  <a:spcBef>
+                    <a:spcPct val="0"/>
+                  </a:spcBef>
+                  <a:buFontTx/>
+                  <a:buNone/>
+                </a:pPr>
+                <a:endParaRPr lang="zh-CN" altLang="zh-CN" sz="1800" b="0">
+                  <a:solidFill>
+                    <a:schemeClr val="tx1"/>
+                  </a:solidFill>
+                  <a:latin typeface="华文新魏" panose="02010800040101010101" pitchFamily="2" charset="-122"/>
+                  <a:ea typeface="宋体" panose="02010600030101010101" pitchFamily="2" charset="-122"/>
+                </a:endParaRPr>
+              </a:p>
+            </p:txBody>
+          </p:sp>
+          <p:sp>
+            <p:nvSpPr>
+              <p:cNvPr id="60" name="AutoShape 29"/>
+              <p:cNvSpPr>
+                <a:spLocks noChangeArrowheads="1"/>
+              </p:cNvSpPr>
+              <p:nvPr/>
+            </p:nvSpPr>
+            <p:spPr bwMode="auto">
+              <a:xfrm>
+                <a:off x="793853" y="4586249"/>
+                <a:ext cx="202649" cy="202652"/>
+              </a:xfrm>
+              <a:prstGeom prst="flowChartConnector">
+                <a:avLst/>
+              </a:prstGeom>
+              <a:solidFill>
+                <a:srgbClr val="FF0000"/>
+              </a:solidFill>
+              <a:ln w="9525">
+                <a:noFill/>
+                <a:round/>
+                <a:headEnd/>
+                <a:tailEnd/>
+              </a:ln>
+            </p:spPr>
+            <p:txBody>
+              <a:bodyPr wrap="none" anchor="ctr"/>
+              <a:lstStyle>
+                <a:lvl1pPr>
+                  <a:spcBef>
+                    <a:spcPct val="20000"/>
+                  </a:spcBef>
+                  <a:buChar char="•"/>
+                  <a:defRPr sz="2400">
+                    <a:solidFill>
+                      <a:srgbClr val="3A1D00"/>
+                    </a:solidFill>
+                    <a:latin typeface="Arial" panose="020B0604020202020204" pitchFamily="34" charset="0"/>
+                    <a:ea typeface="微软雅黑" panose="020B0503020204020204" pitchFamily="34" charset="-122"/>
+                  </a:defRPr>
+                </a:lvl1pPr>
+                <a:lvl2pPr marL="742950" indent="-285750">
+                  <a:spcBef>
+                    <a:spcPct val="20000"/>
+                  </a:spcBef>
+                  <a:buChar char="–"/>
+                  <a:defRPr sz="2000">
+                    <a:solidFill>
+                      <a:srgbClr val="3A1D00"/>
+                    </a:solidFill>
+                    <a:latin typeface="Arial" panose="020B0604020202020204" pitchFamily="34" charset="0"/>
+                    <a:ea typeface="微软雅黑" panose="020B0503020204020204" pitchFamily="34" charset="-122"/>
+                  </a:defRPr>
+                </a:lvl2pPr>
+                <a:lvl3pPr marL="1143000" indent="-228600">
+                  <a:spcBef>
+                    <a:spcPct val="20000"/>
+                  </a:spcBef>
+                  <a:buChar char="•"/>
+                  <a:defRPr sz="2400">
+                    <a:solidFill>
+                      <a:srgbClr val="3A1D00"/>
+                    </a:solidFill>
+                    <a:latin typeface="Arial" panose="020B0604020202020204" pitchFamily="34" charset="0"/>
+                    <a:ea typeface="微软雅黑" panose="020B0503020204020204" pitchFamily="34" charset="-122"/>
+                  </a:defRPr>
+                </a:lvl3pPr>
+                <a:lvl4pPr marL="1600200" indent="-228600">
+                  <a:spcBef>
+                    <a:spcPct val="20000"/>
+                  </a:spcBef>
+                  <a:buChar char="–"/>
+                  <a:defRPr sz="1600">
+                    <a:solidFill>
+                      <a:srgbClr val="3A1D00"/>
+                    </a:solidFill>
+                    <a:latin typeface="Arial" panose="020B0604020202020204" pitchFamily="34" charset="0"/>
+                    <a:ea typeface="微软雅黑" panose="020B0503020204020204" pitchFamily="34" charset="-122"/>
+                  </a:defRPr>
+                </a:lvl4pPr>
+                <a:lvl5pPr marL="2057400" indent="-228600">
+                  <a:spcBef>
+                    <a:spcPct val="20000"/>
+                  </a:spcBef>
+                  <a:buChar char="»"/>
+                  <a:defRPr sz="1600">
+                    <a:solidFill>
+                      <a:srgbClr val="3A1D00"/>
+                    </a:solidFill>
+                    <a:latin typeface="Arial" panose="020B0604020202020204" pitchFamily="34" charset="0"/>
+                    <a:ea typeface="微软雅黑" panose="020B0503020204020204" pitchFamily="34" charset="-122"/>
+                  </a:defRPr>
+                </a:lvl5pPr>
+                <a:lvl6pPr marL="2514600" indent="-228600" eaLnBrk="0" fontAlgn="base" hangingPunct="0">
+                  <a:spcBef>
+                    <a:spcPct val="20000"/>
+                  </a:spcBef>
+                  <a:spcAft>
+                    <a:spcPct val="0"/>
+                  </a:spcAft>
+                  <a:buChar char="»"/>
+                  <a:defRPr sz="1600">
+                    <a:solidFill>
+                      <a:srgbClr val="3A1D00"/>
+                    </a:solidFill>
+                    <a:latin typeface="Arial" panose="020B0604020202020204" pitchFamily="34" charset="0"/>
+                    <a:ea typeface="微软雅黑" panose="020B0503020204020204" pitchFamily="34" charset="-122"/>
+                  </a:defRPr>
+                </a:lvl6pPr>
+                <a:lvl7pPr marL="2971800" indent="-228600" eaLnBrk="0" fontAlgn="base" hangingPunct="0">
+                  <a:spcBef>
+                    <a:spcPct val="20000"/>
+                  </a:spcBef>
+                  <a:spcAft>
+                    <a:spcPct val="0"/>
+                  </a:spcAft>
+                  <a:buChar char="»"/>
+                  <a:defRPr sz="1600">
+                    <a:solidFill>
+                      <a:srgbClr val="3A1D00"/>
+                    </a:solidFill>
+                    <a:latin typeface="Arial" panose="020B0604020202020204" pitchFamily="34" charset="0"/>
+                    <a:ea typeface="微软雅黑" panose="020B0503020204020204" pitchFamily="34" charset="-122"/>
+                  </a:defRPr>
+                </a:lvl7pPr>
+                <a:lvl8pPr marL="3429000" indent="-228600" eaLnBrk="0" fontAlgn="base" hangingPunct="0">
+                  <a:spcBef>
+                    <a:spcPct val="20000"/>
+                  </a:spcBef>
+                  <a:spcAft>
+                    <a:spcPct val="0"/>
+                  </a:spcAft>
+                  <a:buChar char="»"/>
+                  <a:defRPr sz="1600">
+                    <a:solidFill>
+                      <a:srgbClr val="3A1D00"/>
+                    </a:solidFill>
+                    <a:latin typeface="Arial" panose="020B0604020202020204" pitchFamily="34" charset="0"/>
+                    <a:ea typeface="微软雅黑" panose="020B0503020204020204" pitchFamily="34" charset="-122"/>
+                  </a:defRPr>
+                </a:lvl8pPr>
+                <a:lvl9pPr marL="3886200" indent="-228600" eaLnBrk="0" fontAlgn="base" hangingPunct="0">
+                  <a:spcBef>
+                    <a:spcPct val="20000"/>
+                  </a:spcBef>
+                  <a:spcAft>
+                    <a:spcPct val="0"/>
+                  </a:spcAft>
+                  <a:buChar char="»"/>
+                  <a:defRPr sz="1600">
+                    <a:solidFill>
+                      <a:srgbClr val="3A1D00"/>
+                    </a:solidFill>
+                    <a:latin typeface="Arial" panose="020B0604020202020204" pitchFamily="34" charset="0"/>
+                    <a:ea typeface="微软雅黑" panose="020B0503020204020204" pitchFamily="34" charset="-122"/>
+                  </a:defRPr>
+                </a:lvl9pPr>
+              </a:lstStyle>
+              <a:p>
+                <a:pPr eaLnBrk="1" hangingPunct="1">
+                  <a:spcBef>
+                    <a:spcPct val="0"/>
+                  </a:spcBef>
+                  <a:buFontTx/>
+                  <a:buNone/>
+                </a:pPr>
+                <a:endParaRPr lang="zh-CN" altLang="zh-CN" sz="1800" b="0">
+                  <a:solidFill>
+                    <a:schemeClr val="tx1"/>
+                  </a:solidFill>
+                  <a:latin typeface="华文新魏" panose="02010800040101010101" pitchFamily="2" charset="-122"/>
+                  <a:ea typeface="宋体" panose="02010600030101010101" pitchFamily="2" charset="-122"/>
+                </a:endParaRPr>
+              </a:p>
+            </p:txBody>
+          </p:sp>
+          <p:sp>
+            <p:nvSpPr>
+              <p:cNvPr id="61" name="AutoShape 29"/>
+              <p:cNvSpPr>
+                <a:spLocks noChangeArrowheads="1"/>
+              </p:cNvSpPr>
+              <p:nvPr/>
+            </p:nvSpPr>
+            <p:spPr bwMode="auto">
+              <a:xfrm>
+                <a:off x="2198169" y="3309612"/>
+                <a:ext cx="202649" cy="202652"/>
+              </a:xfrm>
+              <a:prstGeom prst="flowChartConnector">
+                <a:avLst/>
+              </a:prstGeom>
+              <a:solidFill>
+                <a:srgbClr val="FF0000"/>
+              </a:solidFill>
+              <a:ln w="9525">
+                <a:noFill/>
+                <a:round/>
+                <a:headEnd/>
+                <a:tailEnd/>
+              </a:ln>
+            </p:spPr>
+            <p:txBody>
+              <a:bodyPr wrap="none" anchor="ctr"/>
+              <a:lstStyle>
+                <a:lvl1pPr>
+                  <a:spcBef>
+                    <a:spcPct val="20000"/>
+                  </a:spcBef>
+                  <a:buChar char="•"/>
+                  <a:defRPr sz="2400">
+                    <a:solidFill>
+                      <a:srgbClr val="3A1D00"/>
+                    </a:solidFill>
+                    <a:latin typeface="Arial" panose="020B0604020202020204" pitchFamily="34" charset="0"/>
+                    <a:ea typeface="微软雅黑" panose="020B0503020204020204" pitchFamily="34" charset="-122"/>
+                  </a:defRPr>
+                </a:lvl1pPr>
+                <a:lvl2pPr marL="742950" indent="-285750">
+                  <a:spcBef>
+                    <a:spcPct val="20000"/>
+                  </a:spcBef>
+                  <a:buChar char="–"/>
+                  <a:defRPr sz="2000">
+                    <a:solidFill>
+                      <a:srgbClr val="3A1D00"/>
+                    </a:solidFill>
+                    <a:latin typeface="Arial" panose="020B0604020202020204" pitchFamily="34" charset="0"/>
+                    <a:ea typeface="微软雅黑" panose="020B0503020204020204" pitchFamily="34" charset="-122"/>
+                  </a:defRPr>
+                </a:lvl2pPr>
+                <a:lvl3pPr marL="1143000" indent="-228600">
+                  <a:spcBef>
+                    <a:spcPct val="20000"/>
+                  </a:spcBef>
+                  <a:buChar char="•"/>
+                  <a:defRPr sz="2400">
+                    <a:solidFill>
+                      <a:srgbClr val="3A1D00"/>
+                    </a:solidFill>
+                    <a:latin typeface="Arial" panose="020B0604020202020204" pitchFamily="34" charset="0"/>
+                    <a:ea typeface="微软雅黑" panose="020B0503020204020204" pitchFamily="34" charset="-122"/>
+                  </a:defRPr>
+                </a:lvl3pPr>
+                <a:lvl4pPr marL="1600200" indent="-228600">
+                  <a:spcBef>
+                    <a:spcPct val="20000"/>
+                  </a:spcBef>
+                  <a:buChar char="–"/>
+                  <a:defRPr sz="1600">
+                    <a:solidFill>
+                      <a:srgbClr val="3A1D00"/>
+                    </a:solidFill>
+                    <a:latin typeface="Arial" panose="020B0604020202020204" pitchFamily="34" charset="0"/>
+                    <a:ea typeface="微软雅黑" panose="020B0503020204020204" pitchFamily="34" charset="-122"/>
+                  </a:defRPr>
+                </a:lvl4pPr>
+                <a:lvl5pPr marL="2057400" indent="-228600">
+                  <a:spcBef>
+                    <a:spcPct val="20000"/>
+                  </a:spcBef>
+                  <a:buChar char="»"/>
+                  <a:defRPr sz="1600">
+                    <a:solidFill>
+                      <a:srgbClr val="3A1D00"/>
+                    </a:solidFill>
+                    <a:latin typeface="Arial" panose="020B0604020202020204" pitchFamily="34" charset="0"/>
+                    <a:ea typeface="微软雅黑" panose="020B0503020204020204" pitchFamily="34" charset="-122"/>
+                  </a:defRPr>
+                </a:lvl5pPr>
+                <a:lvl6pPr marL="2514600" indent="-228600" eaLnBrk="0" fontAlgn="base" hangingPunct="0">
+                  <a:spcBef>
+                    <a:spcPct val="20000"/>
+                  </a:spcBef>
+                  <a:spcAft>
+                    <a:spcPct val="0"/>
+                  </a:spcAft>
+                  <a:buChar char="»"/>
+                  <a:defRPr sz="1600">
+                    <a:solidFill>
+                      <a:srgbClr val="3A1D00"/>
+                    </a:solidFill>
+                    <a:latin typeface="Arial" panose="020B0604020202020204" pitchFamily="34" charset="0"/>
+                    <a:ea typeface="微软雅黑" panose="020B0503020204020204" pitchFamily="34" charset="-122"/>
+                  </a:defRPr>
+                </a:lvl6pPr>
+                <a:lvl7pPr marL="2971800" indent="-228600" eaLnBrk="0" fontAlgn="base" hangingPunct="0">
+                  <a:spcBef>
+                    <a:spcPct val="20000"/>
+                  </a:spcBef>
+                  <a:spcAft>
+                    <a:spcPct val="0"/>
+                  </a:spcAft>
+                  <a:buChar char="»"/>
+                  <a:defRPr sz="1600">
+                    <a:solidFill>
+                      <a:srgbClr val="3A1D00"/>
+                    </a:solidFill>
+                    <a:latin typeface="Arial" panose="020B0604020202020204" pitchFamily="34" charset="0"/>
+                    <a:ea typeface="微软雅黑" panose="020B0503020204020204" pitchFamily="34" charset="-122"/>
+                  </a:defRPr>
+                </a:lvl7pPr>
+                <a:lvl8pPr marL="3429000" indent="-228600" eaLnBrk="0" fontAlgn="base" hangingPunct="0">
+                  <a:spcBef>
+                    <a:spcPct val="20000"/>
+                  </a:spcBef>
+                  <a:spcAft>
+                    <a:spcPct val="0"/>
+                  </a:spcAft>
+                  <a:buChar char="»"/>
+                  <a:defRPr sz="1600">
+                    <a:solidFill>
+                      <a:srgbClr val="3A1D00"/>
+                    </a:solidFill>
+                    <a:latin typeface="Arial" panose="020B0604020202020204" pitchFamily="34" charset="0"/>
+                    <a:ea typeface="微软雅黑" panose="020B0503020204020204" pitchFamily="34" charset="-122"/>
+                  </a:defRPr>
+                </a:lvl8pPr>
+                <a:lvl9pPr marL="3886200" indent="-228600" eaLnBrk="0" fontAlgn="base" hangingPunct="0">
+                  <a:spcBef>
+                    <a:spcPct val="20000"/>
+                  </a:spcBef>
+                  <a:spcAft>
+                    <a:spcPct val="0"/>
+                  </a:spcAft>
+                  <a:buChar char="»"/>
+                  <a:defRPr sz="1600">
+                    <a:solidFill>
+                      <a:srgbClr val="3A1D00"/>
+                    </a:solidFill>
+                    <a:latin typeface="Arial" panose="020B0604020202020204" pitchFamily="34" charset="0"/>
+                    <a:ea typeface="微软雅黑" panose="020B0503020204020204" pitchFamily="34" charset="-122"/>
+                  </a:defRPr>
+                </a:lvl9pPr>
+              </a:lstStyle>
+              <a:p>
+                <a:pPr eaLnBrk="1" hangingPunct="1">
+                  <a:spcBef>
+                    <a:spcPct val="0"/>
+                  </a:spcBef>
+                  <a:buFontTx/>
+                  <a:buNone/>
+                </a:pPr>
+                <a:endParaRPr lang="zh-CN" altLang="zh-CN" sz="1800" b="0">
+                  <a:solidFill>
+                    <a:schemeClr val="tx1"/>
+                  </a:solidFill>
+                  <a:latin typeface="华文新魏" panose="02010800040101010101" pitchFamily="2" charset="-122"/>
+                  <a:ea typeface="宋体" panose="02010600030101010101" pitchFamily="2" charset="-122"/>
+                </a:endParaRPr>
+              </a:p>
+            </p:txBody>
+          </p:sp>
+          <p:sp>
+            <p:nvSpPr>
+              <p:cNvPr id="62" name="AutoShape 29"/>
+              <p:cNvSpPr>
+                <a:spLocks noChangeArrowheads="1"/>
+              </p:cNvSpPr>
+              <p:nvPr/>
+            </p:nvSpPr>
+            <p:spPr bwMode="auto">
+              <a:xfrm>
+                <a:off x="1667936" y="4291422"/>
+                <a:ext cx="202649" cy="202652"/>
+              </a:xfrm>
+              <a:prstGeom prst="flowChartConnector">
+                <a:avLst/>
+              </a:prstGeom>
+              <a:solidFill>
+                <a:srgbClr val="FF0000"/>
+              </a:solidFill>
+              <a:ln w="9525">
+                <a:noFill/>
+                <a:round/>
+                <a:headEnd/>
+                <a:tailEnd/>
+              </a:ln>
+            </p:spPr>
+            <p:txBody>
+              <a:bodyPr wrap="none" anchor="ctr"/>
+              <a:lstStyle>
+                <a:lvl1pPr>
+                  <a:spcBef>
+                    <a:spcPct val="20000"/>
+                  </a:spcBef>
+                  <a:buChar char="•"/>
+                  <a:defRPr sz="2400">
+                    <a:solidFill>
+                      <a:srgbClr val="3A1D00"/>
+                    </a:solidFill>
+                    <a:latin typeface="Arial" panose="020B0604020202020204" pitchFamily="34" charset="0"/>
+                    <a:ea typeface="微软雅黑" panose="020B0503020204020204" pitchFamily="34" charset="-122"/>
+                  </a:defRPr>
+                </a:lvl1pPr>
+                <a:lvl2pPr marL="742950" indent="-285750">
+                  <a:spcBef>
+                    <a:spcPct val="20000"/>
+                  </a:spcBef>
+                  <a:buChar char="–"/>
+                  <a:defRPr sz="2000">
+                    <a:solidFill>
+                      <a:srgbClr val="3A1D00"/>
+                    </a:solidFill>
+                    <a:latin typeface="Arial" panose="020B0604020202020204" pitchFamily="34" charset="0"/>
+                    <a:ea typeface="微软雅黑" panose="020B0503020204020204" pitchFamily="34" charset="-122"/>
+                  </a:defRPr>
+                </a:lvl2pPr>
+                <a:lvl3pPr marL="1143000" indent="-228600">
+                  <a:spcBef>
+                    <a:spcPct val="20000"/>
+                  </a:spcBef>
+                  <a:buChar char="•"/>
+                  <a:defRPr sz="2400">
+                    <a:solidFill>
+                      <a:srgbClr val="3A1D00"/>
+                    </a:solidFill>
+                    <a:latin typeface="Arial" panose="020B0604020202020204" pitchFamily="34" charset="0"/>
+                    <a:ea typeface="微软雅黑" panose="020B0503020204020204" pitchFamily="34" charset="-122"/>
+                  </a:defRPr>
+                </a:lvl3pPr>
+                <a:lvl4pPr marL="1600200" indent="-228600">
+                  <a:spcBef>
+                    <a:spcPct val="20000"/>
+                  </a:spcBef>
+                  <a:buChar char="–"/>
+                  <a:defRPr sz="1600">
+                    <a:solidFill>
+                      <a:srgbClr val="3A1D00"/>
+                    </a:solidFill>
+                    <a:latin typeface="Arial" panose="020B0604020202020204" pitchFamily="34" charset="0"/>
+                    <a:ea typeface="微软雅黑" panose="020B0503020204020204" pitchFamily="34" charset="-122"/>
+                  </a:defRPr>
+                </a:lvl4pPr>
+                <a:lvl5pPr marL="2057400" indent="-228600">
+                  <a:spcBef>
+                    <a:spcPct val="20000"/>
+                  </a:spcBef>
+                  <a:buChar char="»"/>
+                  <a:defRPr sz="1600">
+                    <a:solidFill>
+                      <a:srgbClr val="3A1D00"/>
+                    </a:solidFill>
+                    <a:latin typeface="Arial" panose="020B0604020202020204" pitchFamily="34" charset="0"/>
+                    <a:ea typeface="微软雅黑" panose="020B0503020204020204" pitchFamily="34" charset="-122"/>
+                  </a:defRPr>
+                </a:lvl5pPr>
+                <a:lvl6pPr marL="2514600" indent="-228600" eaLnBrk="0" fontAlgn="base" hangingPunct="0">
+                  <a:spcBef>
+                    <a:spcPct val="20000"/>
+                  </a:spcBef>
+                  <a:spcAft>
+                    <a:spcPct val="0"/>
+                  </a:spcAft>
+                  <a:buChar char="»"/>
+                  <a:defRPr sz="1600">
+                    <a:solidFill>
+                      <a:srgbClr val="3A1D00"/>
+                    </a:solidFill>
+                    <a:latin typeface="Arial" panose="020B0604020202020204" pitchFamily="34" charset="0"/>
+                    <a:ea typeface="微软雅黑" panose="020B0503020204020204" pitchFamily="34" charset="-122"/>
+                  </a:defRPr>
+                </a:lvl6pPr>
+                <a:lvl7pPr marL="2971800" indent="-228600" eaLnBrk="0" fontAlgn="base" hangingPunct="0">
+                  <a:spcBef>
+                    <a:spcPct val="20000"/>
+                  </a:spcBef>
+                  <a:spcAft>
+                    <a:spcPct val="0"/>
+                  </a:spcAft>
+                  <a:buChar char="»"/>
+                  <a:defRPr sz="1600">
+                    <a:solidFill>
+                      <a:srgbClr val="3A1D00"/>
+                    </a:solidFill>
+                    <a:latin typeface="Arial" panose="020B0604020202020204" pitchFamily="34" charset="0"/>
+                    <a:ea typeface="微软雅黑" panose="020B0503020204020204" pitchFamily="34" charset="-122"/>
+                  </a:defRPr>
+                </a:lvl7pPr>
+                <a:lvl8pPr marL="3429000" indent="-228600" eaLnBrk="0" fontAlgn="base" hangingPunct="0">
+                  <a:spcBef>
+                    <a:spcPct val="20000"/>
+                  </a:spcBef>
+                  <a:spcAft>
+                    <a:spcPct val="0"/>
+                  </a:spcAft>
+                  <a:buChar char="»"/>
+                  <a:defRPr sz="1600">
+                    <a:solidFill>
+                      <a:srgbClr val="3A1D00"/>
+                    </a:solidFill>
+                    <a:latin typeface="Arial" panose="020B0604020202020204" pitchFamily="34" charset="0"/>
+                    <a:ea typeface="微软雅黑" panose="020B0503020204020204" pitchFamily="34" charset="-122"/>
+                  </a:defRPr>
+                </a:lvl8pPr>
+                <a:lvl9pPr marL="3886200" indent="-228600" eaLnBrk="0" fontAlgn="base" hangingPunct="0">
+                  <a:spcBef>
+                    <a:spcPct val="20000"/>
+                  </a:spcBef>
+                  <a:spcAft>
+                    <a:spcPct val="0"/>
+                  </a:spcAft>
+                  <a:buChar char="»"/>
+                  <a:defRPr sz="1600">
+                    <a:solidFill>
+                      <a:srgbClr val="3A1D00"/>
+                    </a:solidFill>
+                    <a:latin typeface="Arial" panose="020B0604020202020204" pitchFamily="34" charset="0"/>
+                    <a:ea typeface="微软雅黑" panose="020B0503020204020204" pitchFamily="34" charset="-122"/>
+                  </a:defRPr>
+                </a:lvl9pPr>
+              </a:lstStyle>
+              <a:p>
+                <a:pPr eaLnBrk="1" hangingPunct="1">
+                  <a:spcBef>
+                    <a:spcPct val="0"/>
+                  </a:spcBef>
+                  <a:buFontTx/>
+                  <a:buNone/>
+                </a:pPr>
+                <a:endParaRPr lang="zh-CN" altLang="zh-CN" sz="1800" b="0">
+                  <a:solidFill>
+                    <a:schemeClr val="tx1"/>
+                  </a:solidFill>
+                  <a:latin typeface="华文新魏" panose="02010800040101010101" pitchFamily="2" charset="-122"/>
+                  <a:ea typeface="宋体" panose="02010600030101010101" pitchFamily="2" charset="-122"/>
+                </a:endParaRPr>
+              </a:p>
+            </p:txBody>
+          </p:sp>
+          <p:sp>
+            <p:nvSpPr>
+              <p:cNvPr id="63" name="AutoShape 29"/>
+              <p:cNvSpPr>
+                <a:spLocks noChangeArrowheads="1"/>
+              </p:cNvSpPr>
+              <p:nvPr/>
+            </p:nvSpPr>
+            <p:spPr bwMode="auto">
+              <a:xfrm>
+                <a:off x="4121256" y="5079613"/>
+                <a:ext cx="202649" cy="202652"/>
+              </a:xfrm>
+              <a:prstGeom prst="flowChartConnector">
+                <a:avLst/>
+              </a:prstGeom>
+              <a:solidFill>
+                <a:srgbClr val="FF0000"/>
+              </a:solidFill>
+              <a:ln w="9525">
+                <a:noFill/>
+                <a:round/>
+                <a:headEnd/>
+                <a:tailEnd/>
+              </a:ln>
+            </p:spPr>
+            <p:txBody>
+              <a:bodyPr wrap="none" anchor="ctr"/>
+              <a:lstStyle>
+                <a:lvl1pPr>
+                  <a:spcBef>
+                    <a:spcPct val="20000"/>
+                  </a:spcBef>
+                  <a:buChar char="•"/>
+                  <a:defRPr sz="2400">
+                    <a:solidFill>
+                      <a:srgbClr val="3A1D00"/>
+                    </a:solidFill>
+                    <a:latin typeface="Arial" panose="020B0604020202020204" pitchFamily="34" charset="0"/>
+                    <a:ea typeface="微软雅黑" panose="020B0503020204020204" pitchFamily="34" charset="-122"/>
+                  </a:defRPr>
+                </a:lvl1pPr>
+                <a:lvl2pPr marL="742950" indent="-285750">
+                  <a:spcBef>
+                    <a:spcPct val="20000"/>
+                  </a:spcBef>
+                  <a:buChar char="–"/>
+                  <a:defRPr sz="2000">
+                    <a:solidFill>
+                      <a:srgbClr val="3A1D00"/>
+                    </a:solidFill>
+                    <a:latin typeface="Arial" panose="020B0604020202020204" pitchFamily="34" charset="0"/>
+                    <a:ea typeface="微软雅黑" panose="020B0503020204020204" pitchFamily="34" charset="-122"/>
+                  </a:defRPr>
+                </a:lvl2pPr>
+                <a:lvl3pPr marL="1143000" indent="-228600">
+                  <a:spcBef>
+                    <a:spcPct val="20000"/>
+                  </a:spcBef>
+                  <a:buChar char="•"/>
+                  <a:defRPr sz="2400">
+                    <a:solidFill>
+                      <a:srgbClr val="3A1D00"/>
+                    </a:solidFill>
+                    <a:latin typeface="Arial" panose="020B0604020202020204" pitchFamily="34" charset="0"/>
+                    <a:ea typeface="微软雅黑" panose="020B0503020204020204" pitchFamily="34" charset="-122"/>
+                  </a:defRPr>
+                </a:lvl3pPr>
+                <a:lvl4pPr marL="1600200" indent="-228600">
+                  <a:spcBef>
+                    <a:spcPct val="20000"/>
+                  </a:spcBef>
+                  <a:buChar char="–"/>
+                  <a:defRPr sz="1600">
+                    <a:solidFill>
+                      <a:srgbClr val="3A1D00"/>
+                    </a:solidFill>
+                    <a:latin typeface="Arial" panose="020B0604020202020204" pitchFamily="34" charset="0"/>
+                    <a:ea typeface="微软雅黑" panose="020B0503020204020204" pitchFamily="34" charset="-122"/>
+                  </a:defRPr>
+                </a:lvl4pPr>
+                <a:lvl5pPr marL="2057400" indent="-228600">
+                  <a:spcBef>
+                    <a:spcPct val="20000"/>
+                  </a:spcBef>
+                  <a:buChar char="»"/>
+                  <a:defRPr sz="1600">
+                    <a:solidFill>
+                      <a:srgbClr val="3A1D00"/>
+                    </a:solidFill>
+                    <a:latin typeface="Arial" panose="020B0604020202020204" pitchFamily="34" charset="0"/>
+                    <a:ea typeface="微软雅黑" panose="020B0503020204020204" pitchFamily="34" charset="-122"/>
+                  </a:defRPr>
+                </a:lvl5pPr>
+                <a:lvl6pPr marL="2514600" indent="-228600" eaLnBrk="0" fontAlgn="base" hangingPunct="0">
+                  <a:spcBef>
+                    <a:spcPct val="20000"/>
+                  </a:spcBef>
+                  <a:spcAft>
+                    <a:spcPct val="0"/>
+                  </a:spcAft>
+                  <a:buChar char="»"/>
+                  <a:defRPr sz="1600">
+                    <a:solidFill>
+                      <a:srgbClr val="3A1D00"/>
+                    </a:solidFill>
+                    <a:latin typeface="Arial" panose="020B0604020202020204" pitchFamily="34" charset="0"/>
+                    <a:ea typeface="微软雅黑" panose="020B0503020204020204" pitchFamily="34" charset="-122"/>
+                  </a:defRPr>
+                </a:lvl6pPr>
+                <a:lvl7pPr marL="2971800" indent="-228600" eaLnBrk="0" fontAlgn="base" hangingPunct="0">
+                  <a:spcBef>
+                    <a:spcPct val="20000"/>
+                  </a:spcBef>
+                  <a:spcAft>
+                    <a:spcPct val="0"/>
+                  </a:spcAft>
+                  <a:buChar char="»"/>
+                  <a:defRPr sz="1600">
+                    <a:solidFill>
+                      <a:srgbClr val="3A1D00"/>
+                    </a:solidFill>
+                    <a:latin typeface="Arial" panose="020B0604020202020204" pitchFamily="34" charset="0"/>
+                    <a:ea typeface="微软雅黑" panose="020B0503020204020204" pitchFamily="34" charset="-122"/>
+                  </a:defRPr>
+                </a:lvl7pPr>
+                <a:lvl8pPr marL="3429000" indent="-228600" eaLnBrk="0" fontAlgn="base" hangingPunct="0">
+                  <a:spcBef>
+                    <a:spcPct val="20000"/>
+                  </a:spcBef>
+                  <a:spcAft>
+                    <a:spcPct val="0"/>
+                  </a:spcAft>
+                  <a:buChar char="»"/>
+                  <a:defRPr sz="1600">
+                    <a:solidFill>
+                      <a:srgbClr val="3A1D00"/>
+                    </a:solidFill>
+                    <a:latin typeface="Arial" panose="020B0604020202020204" pitchFamily="34" charset="0"/>
+                    <a:ea typeface="微软雅黑" panose="020B0503020204020204" pitchFamily="34" charset="-122"/>
+                  </a:defRPr>
+                </a:lvl8pPr>
+                <a:lvl9pPr marL="3886200" indent="-228600" eaLnBrk="0" fontAlgn="base" hangingPunct="0">
+                  <a:spcBef>
+                    <a:spcPct val="20000"/>
+                  </a:spcBef>
+                  <a:spcAft>
+                    <a:spcPct val="0"/>
+                  </a:spcAft>
+                  <a:buChar char="»"/>
+                  <a:defRPr sz="1600">
+                    <a:solidFill>
+                      <a:srgbClr val="3A1D00"/>
+                    </a:solidFill>
+                    <a:latin typeface="Arial" panose="020B0604020202020204" pitchFamily="34" charset="0"/>
+                    <a:ea typeface="微软雅黑" panose="020B0503020204020204" pitchFamily="34" charset="-122"/>
+                  </a:defRPr>
+                </a:lvl9pPr>
+              </a:lstStyle>
+              <a:p>
+                <a:pPr eaLnBrk="1" hangingPunct="1">
+                  <a:spcBef>
+                    <a:spcPct val="0"/>
+                  </a:spcBef>
+                  <a:buFontTx/>
+                  <a:buNone/>
+                </a:pPr>
+                <a:endParaRPr lang="zh-CN" altLang="zh-CN" sz="1800" b="0">
+                  <a:solidFill>
+                    <a:schemeClr val="tx1"/>
+                  </a:solidFill>
+                  <a:latin typeface="华文新魏" panose="02010800040101010101" pitchFamily="2" charset="-122"/>
+                  <a:ea typeface="宋体" panose="02010600030101010101" pitchFamily="2" charset="-122"/>
+                </a:endParaRPr>
+              </a:p>
+            </p:txBody>
+          </p:sp>
+        </p:grpSp>
+        <p:sp>
+          <p:nvSpPr>
+            <p:cNvPr id="65" name="文本框 64"/>
+            <p:cNvSpPr txBox="1"/>
+            <p:nvPr/>
+          </p:nvSpPr>
+          <p:spPr>
+            <a:xfrm>
+              <a:off x="1917377" y="5744360"/>
+              <a:ext cx="498985" cy="369332"/>
+            </a:xfrm>
+            <a:prstGeom prst="rect">
+              <a:avLst/>
+            </a:prstGeom>
+            <a:noFill/>
+          </p:spPr>
+          <p:txBody>
+            <a:bodyPr wrap="square" rtlCol="0">
+              <a:spAutoFit/>
+            </a:bodyPr>
+            <a:lstStyle/>
+            <a:p>
+              <a:r>
+                <a:rPr lang="en-US" altLang="zh-CN" dirty="0" smtClean="0"/>
+                <a:t>p</a:t>
+              </a:r>
+              <a:r>
+                <a:rPr lang="en-US" altLang="zh-CN" baseline="-25000" dirty="0" smtClean="0"/>
+                <a:t>1</a:t>
+              </a:r>
+              <a:endParaRPr lang="zh-CN" altLang="en-US" baseline="-25000" dirty="0"/>
+            </a:p>
+          </p:txBody>
+        </p:sp>
+        <p:sp>
+          <p:nvSpPr>
+            <p:cNvPr id="66" name="文本框 65"/>
+            <p:cNvSpPr txBox="1"/>
+            <p:nvPr/>
+          </p:nvSpPr>
+          <p:spPr>
+            <a:xfrm>
+              <a:off x="3975427" y="4990410"/>
+              <a:ext cx="498985" cy="369332"/>
+            </a:xfrm>
+            <a:prstGeom prst="rect">
+              <a:avLst/>
+            </a:prstGeom>
+            <a:noFill/>
+          </p:spPr>
+          <p:txBody>
+            <a:bodyPr wrap="square" rtlCol="0">
+              <a:spAutoFit/>
+            </a:bodyPr>
+            <a:lstStyle/>
+            <a:p>
+              <a:r>
+                <a:rPr lang="en-US" altLang="zh-CN" dirty="0" smtClean="0"/>
+                <a:t>p</a:t>
+              </a:r>
+              <a:r>
+                <a:rPr lang="en-US" altLang="zh-CN" baseline="-25000" dirty="0" smtClean="0"/>
+                <a:t>2</a:t>
+              </a:r>
+              <a:endParaRPr lang="zh-CN" altLang="en-US" baseline="-25000" dirty="0"/>
+            </a:p>
+          </p:txBody>
+        </p:sp>
+        <p:sp>
+          <p:nvSpPr>
+            <p:cNvPr id="67" name="文本框 66"/>
+            <p:cNvSpPr txBox="1"/>
+            <p:nvPr/>
+          </p:nvSpPr>
+          <p:spPr>
+            <a:xfrm>
+              <a:off x="3343608" y="4592167"/>
+              <a:ext cx="498985" cy="369332"/>
+            </a:xfrm>
+            <a:prstGeom prst="rect">
+              <a:avLst/>
+            </a:prstGeom>
+            <a:noFill/>
+          </p:spPr>
+          <p:txBody>
+            <a:bodyPr wrap="square" rtlCol="0">
+              <a:spAutoFit/>
+            </a:bodyPr>
+            <a:lstStyle/>
+            <a:p>
+              <a:r>
+                <a:rPr lang="en-US" altLang="zh-CN" dirty="0" smtClean="0"/>
+                <a:t>p</a:t>
+              </a:r>
+              <a:r>
+                <a:rPr lang="en-US" altLang="zh-CN" baseline="-25000" dirty="0" smtClean="0"/>
+                <a:t>3</a:t>
+              </a:r>
+              <a:endParaRPr lang="zh-CN" altLang="en-US" baseline="-25000" dirty="0"/>
+            </a:p>
+          </p:txBody>
+        </p:sp>
+        <p:sp>
+          <p:nvSpPr>
+            <p:cNvPr id="68" name="文本框 67"/>
+            <p:cNvSpPr txBox="1"/>
+            <p:nvPr/>
+          </p:nvSpPr>
+          <p:spPr>
+            <a:xfrm>
+              <a:off x="3665491" y="3560646"/>
+              <a:ext cx="498985" cy="369332"/>
+            </a:xfrm>
+            <a:prstGeom prst="rect">
+              <a:avLst/>
+            </a:prstGeom>
+            <a:noFill/>
+          </p:spPr>
+          <p:txBody>
+            <a:bodyPr wrap="square" rtlCol="0">
+              <a:spAutoFit/>
+            </a:bodyPr>
+            <a:lstStyle/>
+            <a:p>
+              <a:r>
+                <a:rPr lang="en-US" altLang="zh-CN" dirty="0" smtClean="0"/>
+                <a:t>p</a:t>
+              </a:r>
+              <a:r>
+                <a:rPr lang="en-US" altLang="zh-CN" baseline="-25000" dirty="0" smtClean="0"/>
+                <a:t>4</a:t>
+              </a:r>
+              <a:endParaRPr lang="zh-CN" altLang="en-US" baseline="-25000" dirty="0"/>
+            </a:p>
+          </p:txBody>
+        </p:sp>
+        <p:sp>
+          <p:nvSpPr>
+            <p:cNvPr id="69" name="文本框 68"/>
+            <p:cNvSpPr txBox="1"/>
+            <p:nvPr/>
+          </p:nvSpPr>
+          <p:spPr>
+            <a:xfrm>
+              <a:off x="2684649" y="3852519"/>
+              <a:ext cx="498985" cy="369332"/>
+            </a:xfrm>
+            <a:prstGeom prst="rect">
+              <a:avLst/>
+            </a:prstGeom>
+            <a:noFill/>
+          </p:spPr>
+          <p:txBody>
+            <a:bodyPr wrap="square" rtlCol="0">
+              <a:spAutoFit/>
+            </a:bodyPr>
+            <a:lstStyle/>
+            <a:p>
+              <a:r>
+                <a:rPr lang="en-US" altLang="zh-CN" dirty="0" smtClean="0"/>
+                <a:t>p</a:t>
+              </a:r>
+              <a:r>
+                <a:rPr lang="en-US" altLang="zh-CN" baseline="-25000" dirty="0" smtClean="0"/>
+                <a:t>5</a:t>
+              </a:r>
+              <a:endParaRPr lang="zh-CN" altLang="en-US" baseline="-25000" dirty="0"/>
+            </a:p>
+          </p:txBody>
+        </p:sp>
+        <p:sp>
+          <p:nvSpPr>
+            <p:cNvPr id="70" name="文本框 69"/>
+            <p:cNvSpPr txBox="1"/>
+            <p:nvPr/>
+          </p:nvSpPr>
+          <p:spPr>
+            <a:xfrm>
+              <a:off x="2043143" y="3191314"/>
+              <a:ext cx="498985" cy="369332"/>
+            </a:xfrm>
+            <a:prstGeom prst="rect">
+              <a:avLst/>
+            </a:prstGeom>
+            <a:noFill/>
+          </p:spPr>
+          <p:txBody>
+            <a:bodyPr wrap="square" rtlCol="0">
+              <a:spAutoFit/>
+            </a:bodyPr>
+            <a:lstStyle/>
+            <a:p>
+              <a:r>
+                <a:rPr lang="en-US" altLang="zh-CN" dirty="0" smtClean="0"/>
+                <a:t>p</a:t>
+              </a:r>
+              <a:r>
+                <a:rPr lang="en-US" altLang="zh-CN" baseline="-25000" dirty="0" smtClean="0"/>
+                <a:t>6</a:t>
+              </a:r>
+              <a:endParaRPr lang="zh-CN" altLang="en-US" baseline="-25000" dirty="0"/>
+            </a:p>
+          </p:txBody>
+        </p:sp>
+        <p:sp>
+          <p:nvSpPr>
+            <p:cNvPr id="71" name="文本框 70"/>
+            <p:cNvSpPr txBox="1"/>
+            <p:nvPr/>
+          </p:nvSpPr>
+          <p:spPr>
+            <a:xfrm>
+              <a:off x="1836258" y="4327105"/>
+              <a:ext cx="498985" cy="369332"/>
+            </a:xfrm>
+            <a:prstGeom prst="rect">
+              <a:avLst/>
+            </a:prstGeom>
+            <a:noFill/>
+          </p:spPr>
+          <p:txBody>
+            <a:bodyPr wrap="square" rtlCol="0">
+              <a:spAutoFit/>
+            </a:bodyPr>
+            <a:lstStyle/>
+            <a:p>
+              <a:r>
+                <a:rPr lang="en-US" altLang="zh-CN" dirty="0" smtClean="0"/>
+                <a:t>p</a:t>
+              </a:r>
+              <a:r>
+                <a:rPr lang="en-US" altLang="zh-CN" baseline="-25000" dirty="0" smtClean="0"/>
+                <a:t>7</a:t>
+              </a:r>
+              <a:endParaRPr lang="zh-CN" altLang="en-US" baseline="-25000" dirty="0"/>
+            </a:p>
+          </p:txBody>
+        </p:sp>
+        <p:sp>
+          <p:nvSpPr>
+            <p:cNvPr id="72" name="文本框 71"/>
+            <p:cNvSpPr txBox="1"/>
+            <p:nvPr/>
+          </p:nvSpPr>
+          <p:spPr>
+            <a:xfrm>
+              <a:off x="643006" y="4316230"/>
+              <a:ext cx="498985" cy="369332"/>
+            </a:xfrm>
+            <a:prstGeom prst="rect">
+              <a:avLst/>
+            </a:prstGeom>
+            <a:noFill/>
+          </p:spPr>
+          <p:txBody>
+            <a:bodyPr wrap="square" rtlCol="0">
+              <a:spAutoFit/>
+            </a:bodyPr>
+            <a:lstStyle/>
+            <a:p>
+              <a:r>
+                <a:rPr lang="en-US" altLang="zh-CN" dirty="0" smtClean="0"/>
+                <a:t>p</a:t>
+              </a:r>
+              <a:r>
+                <a:rPr lang="en-US" altLang="zh-CN" baseline="-25000" dirty="0" smtClean="0"/>
+                <a:t>8</a:t>
+              </a:r>
+              <a:endParaRPr lang="zh-CN" altLang="en-US" baseline="-25000" dirty="0"/>
+            </a:p>
+          </p:txBody>
+        </p:sp>
+      </p:grpSp>
+      <p:sp>
+        <p:nvSpPr>
+          <p:cNvPr id="74" name="文本框 73"/>
+          <p:cNvSpPr txBox="1"/>
+          <p:nvPr/>
+        </p:nvSpPr>
+        <p:spPr>
+          <a:xfrm>
+            <a:off x="628613" y="1323308"/>
+            <a:ext cx="7622758" cy="1477328"/>
+          </a:xfrm>
+          <a:prstGeom prst="rect">
+            <a:avLst/>
+          </a:prstGeom>
+          <a:noFill/>
+        </p:spPr>
+        <p:txBody>
+          <a:bodyPr wrap="square" rtlCol="0">
+            <a:spAutoFit/>
+          </a:bodyPr>
+          <a:lstStyle/>
+          <a:p>
+            <a:pPr marL="342900" indent="-342900">
+              <a:lnSpc>
+                <a:spcPct val="150000"/>
+              </a:lnSpc>
+              <a:buFont typeface="+mj-ea"/>
+              <a:buAutoNum type="circleNumDbPlain"/>
+            </a:pPr>
+            <a:r>
+              <a:rPr lang="zh-CN" altLang="en-US" sz="2000" dirty="0"/>
+              <a:t>选</a:t>
+            </a:r>
+            <a:r>
+              <a:rPr lang="zh-CN" altLang="en-US" sz="2000" dirty="0" smtClean="0"/>
+              <a:t>出点集中</a:t>
+            </a:r>
+            <a:r>
+              <a:rPr lang="en-US" altLang="zh-CN" sz="2000" dirty="0" smtClean="0"/>
+              <a:t>y</a:t>
+            </a:r>
+            <a:r>
+              <a:rPr lang="zh-CN" altLang="en-US" sz="2000" dirty="0" smtClean="0"/>
+              <a:t>值最</a:t>
+            </a:r>
+            <a:r>
+              <a:rPr lang="zh-CN" altLang="en-US" sz="2000" dirty="0"/>
+              <a:t>小</a:t>
+            </a:r>
+            <a:r>
+              <a:rPr lang="zh-CN" altLang="en-US" sz="2000" dirty="0" smtClean="0"/>
+              <a:t>的点</a:t>
+            </a:r>
+            <a:r>
+              <a:rPr lang="en-US" altLang="zh-CN" sz="2000" dirty="0" smtClean="0"/>
+              <a:t>p</a:t>
+            </a:r>
+            <a:r>
+              <a:rPr lang="en-US" altLang="zh-CN" sz="2000" baseline="-25000" dirty="0" smtClean="0"/>
+              <a:t>1</a:t>
+            </a:r>
+            <a:r>
+              <a:rPr lang="zh-CN" altLang="en-US" sz="2000" dirty="0" smtClean="0"/>
+              <a:t>（若有多个，选取</a:t>
+            </a:r>
+            <a:r>
+              <a:rPr lang="en-US" altLang="zh-CN" sz="2000" dirty="0" smtClean="0"/>
+              <a:t>x</a:t>
+            </a:r>
+            <a:r>
+              <a:rPr lang="zh-CN" altLang="en-US" sz="2000" dirty="0" smtClean="0"/>
+              <a:t>最小的点</a:t>
+            </a:r>
+            <a:r>
+              <a:rPr lang="zh-CN" altLang="en-US" sz="2000" dirty="0" smtClean="0"/>
+              <a:t>）</a:t>
+            </a:r>
+            <a:r>
+              <a:rPr lang="en-US" altLang="zh-CN" sz="2000" dirty="0" smtClean="0"/>
+              <a:t>;</a:t>
+            </a:r>
+            <a:endParaRPr lang="en-US" altLang="zh-CN" sz="2000" dirty="0" smtClean="0"/>
+          </a:p>
+          <a:p>
+            <a:pPr marL="342900" indent="-342900">
+              <a:lnSpc>
+                <a:spcPct val="150000"/>
+              </a:lnSpc>
+              <a:buFont typeface="+mj-ea"/>
+              <a:buAutoNum type="circleNumDbPlain"/>
+            </a:pPr>
+            <a:r>
+              <a:rPr lang="zh-CN" altLang="en-US" sz="2000" dirty="0" smtClean="0"/>
+              <a:t>根据以</a:t>
+            </a:r>
+            <a:r>
+              <a:rPr lang="en-US" altLang="zh-CN" sz="2000" dirty="0" smtClean="0"/>
+              <a:t>p</a:t>
+            </a:r>
+            <a:r>
+              <a:rPr lang="en-US" altLang="zh-CN" sz="2000" baseline="-25000" dirty="0" smtClean="0"/>
+              <a:t>1</a:t>
+            </a:r>
+            <a:r>
+              <a:rPr lang="zh-CN" altLang="en-US" sz="2000" dirty="0" smtClean="0"/>
+              <a:t>为基准的</a:t>
+            </a:r>
+            <a:r>
+              <a:rPr lang="zh-CN" altLang="en-US" sz="2000" dirty="0" smtClean="0">
+                <a:solidFill>
+                  <a:srgbClr val="FF0000"/>
+                </a:solidFill>
+              </a:rPr>
+              <a:t>极角</a:t>
+            </a:r>
+            <a:r>
+              <a:rPr lang="zh-CN" altLang="en-US" sz="2000" dirty="0" smtClean="0"/>
+              <a:t>对剩余顶点进行升序排</a:t>
+            </a:r>
+            <a:r>
+              <a:rPr lang="zh-CN" altLang="en-US" sz="2000" dirty="0" smtClean="0"/>
+              <a:t>列</a:t>
+            </a:r>
+            <a:r>
+              <a:rPr lang="en-US" altLang="zh-CN" sz="2000" dirty="0" smtClean="0"/>
+              <a:t>;</a:t>
+            </a:r>
+          </a:p>
+          <a:p>
+            <a:pPr marL="342900" indent="-342900">
+              <a:lnSpc>
+                <a:spcPct val="150000"/>
+              </a:lnSpc>
+              <a:buFont typeface="+mj-ea"/>
+              <a:buAutoNum type="circleNumDbPlain"/>
+            </a:pPr>
+            <a:r>
+              <a:rPr lang="zh-CN" altLang="en-US" sz="2000" dirty="0"/>
+              <a:t>创</a:t>
+            </a:r>
+            <a:r>
+              <a:rPr lang="zh-CN" altLang="en-US" sz="2000" dirty="0" smtClean="0"/>
+              <a:t>建一个栈</a:t>
+            </a:r>
+            <a:r>
+              <a:rPr lang="en-US" altLang="zh-CN" sz="2000" dirty="0" smtClean="0"/>
+              <a:t>S</a:t>
+            </a:r>
+            <a:r>
+              <a:rPr lang="zh-CN" altLang="en-US" sz="2000" dirty="0" smtClean="0"/>
+              <a:t>用来存放处理的端点</a:t>
+            </a:r>
+            <a:r>
+              <a:rPr lang="en-US" altLang="zh-CN" sz="2000" dirty="0" smtClean="0"/>
+              <a:t>;</a:t>
+            </a:r>
+            <a:endParaRPr lang="zh-CN" altLang="en-US" sz="2000" dirty="0"/>
+          </a:p>
+        </p:txBody>
+      </p:sp>
+      <p:grpSp>
+        <p:nvGrpSpPr>
+          <p:cNvPr id="86" name="组合 85"/>
+          <p:cNvGrpSpPr/>
+          <p:nvPr/>
+        </p:nvGrpSpPr>
+        <p:grpSpPr>
+          <a:xfrm>
+            <a:off x="2266605" y="5658879"/>
+            <a:ext cx="2412918" cy="369332"/>
+            <a:chOff x="2266605" y="5658879"/>
+            <a:chExt cx="2412918" cy="369332"/>
+          </a:xfrm>
+        </p:grpSpPr>
+        <p:cxnSp>
+          <p:nvCxnSpPr>
+            <p:cNvPr id="76" name="直接箭头连接符 75"/>
+            <p:cNvCxnSpPr>
+              <a:stCxn id="56" idx="6"/>
+            </p:cNvCxnSpPr>
+            <p:nvPr/>
+          </p:nvCxnSpPr>
+          <p:spPr>
+            <a:xfrm>
+              <a:off x="2266605" y="5658880"/>
+              <a:ext cx="2122764" cy="0"/>
+            </a:xfrm>
+            <a:prstGeom prst="straightConnector1">
+              <a:avLst/>
+            </a:prstGeom>
+            <a:ln w="28575">
+              <a:solidFill>
+                <a:schemeClr val="tx1"/>
+              </a:solidFill>
+              <a:tailEnd type="triangle"/>
+            </a:ln>
+          </p:spPr>
+          <p:style>
+            <a:lnRef idx="1">
+              <a:schemeClr val="accent1"/>
+            </a:lnRef>
+            <a:fillRef idx="0">
+              <a:schemeClr val="accent1"/>
+            </a:fillRef>
+            <a:effectRef idx="0">
+              <a:schemeClr val="accent1"/>
+            </a:effectRef>
+            <a:fontRef idx="minor">
+              <a:schemeClr val="tx1"/>
+            </a:fontRef>
+          </p:style>
+        </p:cxnSp>
+        <p:sp>
+          <p:nvSpPr>
+            <p:cNvPr id="79" name="文本框 78"/>
+            <p:cNvSpPr txBox="1"/>
+            <p:nvPr/>
+          </p:nvSpPr>
+          <p:spPr>
+            <a:xfrm>
+              <a:off x="4180538" y="5658879"/>
+              <a:ext cx="498985" cy="369332"/>
+            </a:xfrm>
+            <a:prstGeom prst="rect">
+              <a:avLst/>
+            </a:prstGeom>
+            <a:noFill/>
+          </p:spPr>
+          <p:txBody>
+            <a:bodyPr wrap="square" rtlCol="0">
+              <a:spAutoFit/>
+            </a:bodyPr>
+            <a:lstStyle/>
+            <a:p>
+              <a:r>
+                <a:rPr lang="en-US" altLang="zh-CN" dirty="0" smtClean="0"/>
+                <a:t>x</a:t>
+              </a:r>
+              <a:endParaRPr lang="zh-CN" altLang="en-US" baseline="-25000" dirty="0"/>
+            </a:p>
+          </p:txBody>
+        </p:sp>
+        <p:sp>
+          <p:nvSpPr>
+            <p:cNvPr id="87" name="文本框 86"/>
+            <p:cNvSpPr txBox="1"/>
+            <p:nvPr/>
+          </p:nvSpPr>
+          <p:spPr>
+            <a:xfrm>
+              <a:off x="4165431" y="5658879"/>
+              <a:ext cx="498985" cy="369332"/>
+            </a:xfrm>
+            <a:prstGeom prst="rect">
+              <a:avLst/>
+            </a:prstGeom>
+            <a:noFill/>
+          </p:spPr>
+          <p:txBody>
+            <a:bodyPr wrap="square" rtlCol="0">
+              <a:spAutoFit/>
+            </a:bodyPr>
+            <a:lstStyle/>
+            <a:p>
+              <a:r>
+                <a:rPr lang="en-US" altLang="zh-CN" dirty="0" smtClean="0"/>
+                <a:t>x</a:t>
+              </a:r>
+              <a:endParaRPr lang="zh-CN" altLang="en-US" baseline="-25000" dirty="0"/>
+            </a:p>
+          </p:txBody>
+        </p:sp>
+      </p:grpSp>
+      <p:cxnSp>
+        <p:nvCxnSpPr>
+          <p:cNvPr id="80" name="直接箭头连接符 79"/>
+          <p:cNvCxnSpPr>
+            <a:stCxn id="56" idx="7"/>
+            <a:endCxn id="57" idx="3"/>
+          </p:cNvCxnSpPr>
+          <p:nvPr/>
+        </p:nvCxnSpPr>
+        <p:spPr>
+          <a:xfrm flipV="1">
+            <a:off x="2241569" y="4656068"/>
+            <a:ext cx="1205610" cy="942368"/>
+          </a:xfrm>
+          <a:prstGeom prst="straightConnector1">
+            <a:avLst/>
+          </a:prstGeom>
+          <a:ln w="28575">
+            <a:solidFill>
+              <a:schemeClr val="tx1"/>
+            </a:solidFill>
+            <a:tailEnd type="triangle"/>
+          </a:ln>
+        </p:spPr>
+        <p:style>
+          <a:lnRef idx="1">
+            <a:schemeClr val="accent1"/>
+          </a:lnRef>
+          <a:fillRef idx="0">
+            <a:schemeClr val="accent1"/>
+          </a:fillRef>
+          <a:effectRef idx="0">
+            <a:schemeClr val="accent1"/>
+          </a:effectRef>
+          <a:fontRef idx="minor">
+            <a:schemeClr val="tx1"/>
+          </a:fontRef>
+        </p:style>
+      </p:cxnSp>
+      <p:sp>
+        <p:nvSpPr>
+          <p:cNvPr id="85" name="AutoShape 29"/>
+          <p:cNvSpPr>
+            <a:spLocks noChangeArrowheads="1"/>
+          </p:cNvSpPr>
+          <p:nvPr/>
+        </p:nvSpPr>
+        <p:spPr bwMode="auto">
+          <a:xfrm>
+            <a:off x="2094976" y="5573399"/>
+            <a:ext cx="170958" cy="170961"/>
+          </a:xfrm>
+          <a:prstGeom prst="flowChartConnector">
+            <a:avLst/>
+          </a:prstGeom>
+          <a:solidFill>
+            <a:srgbClr val="0000FF"/>
+          </a:solidFill>
+          <a:ln w="9525">
+            <a:noFill/>
+            <a:round/>
+            <a:headEnd/>
+            <a:tailEnd/>
+          </a:ln>
+        </p:spPr>
+        <p:txBody>
+          <a:bodyPr wrap="none" anchor="ctr"/>
+          <a:lstStyle>
+            <a:lvl1pPr>
+              <a:spcBef>
+                <a:spcPct val="20000"/>
+              </a:spcBef>
+              <a:buChar char="•"/>
+              <a:defRPr sz="2400">
+                <a:solidFill>
+                  <a:srgbClr val="3A1D00"/>
+                </a:solidFill>
+                <a:latin typeface="Arial" panose="020B0604020202020204" pitchFamily="34" charset="0"/>
+                <a:ea typeface="微软雅黑" panose="020B0503020204020204" pitchFamily="34" charset="-122"/>
+              </a:defRPr>
+            </a:lvl1pPr>
+            <a:lvl2pPr marL="742950" indent="-285750">
+              <a:spcBef>
+                <a:spcPct val="20000"/>
+              </a:spcBef>
+              <a:buChar char="–"/>
+              <a:defRPr sz="2000">
+                <a:solidFill>
+                  <a:srgbClr val="3A1D00"/>
+                </a:solidFill>
+                <a:latin typeface="Arial" panose="020B0604020202020204" pitchFamily="34" charset="0"/>
+                <a:ea typeface="微软雅黑" panose="020B0503020204020204" pitchFamily="34" charset="-122"/>
+              </a:defRPr>
+            </a:lvl2pPr>
+            <a:lvl3pPr marL="1143000" indent="-228600">
+              <a:spcBef>
+                <a:spcPct val="20000"/>
+              </a:spcBef>
+              <a:buChar char="•"/>
+              <a:defRPr sz="2400">
+                <a:solidFill>
+                  <a:srgbClr val="3A1D00"/>
+                </a:solidFill>
+                <a:latin typeface="Arial" panose="020B0604020202020204" pitchFamily="34" charset="0"/>
+                <a:ea typeface="微软雅黑" panose="020B0503020204020204" pitchFamily="34" charset="-122"/>
+              </a:defRPr>
+            </a:lvl3pPr>
+            <a:lvl4pPr marL="1600200" indent="-228600">
+              <a:spcBef>
+                <a:spcPct val="20000"/>
+              </a:spcBef>
+              <a:buChar char="–"/>
+              <a:defRPr sz="1600">
+                <a:solidFill>
+                  <a:srgbClr val="3A1D00"/>
+                </a:solidFill>
+                <a:latin typeface="Arial" panose="020B0604020202020204" pitchFamily="34" charset="0"/>
+                <a:ea typeface="微软雅黑" panose="020B0503020204020204" pitchFamily="34" charset="-122"/>
+              </a:defRPr>
+            </a:lvl4pPr>
+            <a:lvl5pPr marL="2057400" indent="-228600">
+              <a:spcBef>
+                <a:spcPct val="20000"/>
+              </a:spcBef>
+              <a:buChar char="»"/>
+              <a:defRPr sz="1600">
+                <a:solidFill>
+                  <a:srgbClr val="3A1D00"/>
+                </a:solidFill>
+                <a:latin typeface="Arial" panose="020B0604020202020204" pitchFamily="34" charset="0"/>
+                <a:ea typeface="微软雅黑" panose="020B0503020204020204" pitchFamily="34" charset="-122"/>
+              </a:defRPr>
+            </a:lvl5pPr>
+            <a:lvl6pPr marL="2514600" indent="-228600" eaLnBrk="0" fontAlgn="base" hangingPunct="0">
+              <a:spcBef>
+                <a:spcPct val="20000"/>
+              </a:spcBef>
+              <a:spcAft>
+                <a:spcPct val="0"/>
+              </a:spcAft>
+              <a:buChar char="»"/>
+              <a:defRPr sz="1600">
+                <a:solidFill>
+                  <a:srgbClr val="3A1D00"/>
+                </a:solidFill>
+                <a:latin typeface="Arial" panose="020B0604020202020204" pitchFamily="34" charset="0"/>
+                <a:ea typeface="微软雅黑" panose="020B0503020204020204" pitchFamily="34" charset="-122"/>
+              </a:defRPr>
+            </a:lvl6pPr>
+            <a:lvl7pPr marL="2971800" indent="-228600" eaLnBrk="0" fontAlgn="base" hangingPunct="0">
+              <a:spcBef>
+                <a:spcPct val="20000"/>
+              </a:spcBef>
+              <a:spcAft>
+                <a:spcPct val="0"/>
+              </a:spcAft>
+              <a:buChar char="»"/>
+              <a:defRPr sz="1600">
+                <a:solidFill>
+                  <a:srgbClr val="3A1D00"/>
+                </a:solidFill>
+                <a:latin typeface="Arial" panose="020B0604020202020204" pitchFamily="34" charset="0"/>
+                <a:ea typeface="微软雅黑" panose="020B0503020204020204" pitchFamily="34" charset="-122"/>
+              </a:defRPr>
+            </a:lvl7pPr>
+            <a:lvl8pPr marL="3429000" indent="-228600" eaLnBrk="0" fontAlgn="base" hangingPunct="0">
+              <a:spcBef>
+                <a:spcPct val="20000"/>
+              </a:spcBef>
+              <a:spcAft>
+                <a:spcPct val="0"/>
+              </a:spcAft>
+              <a:buChar char="»"/>
+              <a:defRPr sz="1600">
+                <a:solidFill>
+                  <a:srgbClr val="3A1D00"/>
+                </a:solidFill>
+                <a:latin typeface="Arial" panose="020B0604020202020204" pitchFamily="34" charset="0"/>
+                <a:ea typeface="微软雅黑" panose="020B0503020204020204" pitchFamily="34" charset="-122"/>
+              </a:defRPr>
+            </a:lvl8pPr>
+            <a:lvl9pPr marL="3886200" indent="-228600" eaLnBrk="0" fontAlgn="base" hangingPunct="0">
+              <a:spcBef>
+                <a:spcPct val="20000"/>
+              </a:spcBef>
+              <a:spcAft>
+                <a:spcPct val="0"/>
+              </a:spcAft>
+              <a:buChar char="»"/>
+              <a:defRPr sz="1600">
+                <a:solidFill>
+                  <a:srgbClr val="3A1D00"/>
+                </a:solidFill>
+                <a:latin typeface="Arial" panose="020B0604020202020204" pitchFamily="34" charset="0"/>
+                <a:ea typeface="微软雅黑" panose="020B0503020204020204" pitchFamily="34" charset="-122"/>
+              </a:defRPr>
+            </a:lvl9pPr>
+          </a:lstStyle>
+          <a:p>
+            <a:pPr eaLnBrk="1" hangingPunct="1">
+              <a:spcBef>
+                <a:spcPct val="0"/>
+              </a:spcBef>
+              <a:buFontTx/>
+              <a:buNone/>
+            </a:pPr>
+            <a:endParaRPr lang="zh-CN" altLang="zh-CN" sz="1800" b="0">
+              <a:solidFill>
+                <a:schemeClr val="tx1"/>
+              </a:solidFill>
+              <a:latin typeface="华文新魏" panose="02010800040101010101" pitchFamily="2" charset="-122"/>
+              <a:ea typeface="宋体" panose="02010600030101010101" pitchFamily="2" charset="-122"/>
+            </a:endParaRPr>
+          </a:p>
+        </p:txBody>
+      </p:sp>
+      <p:grpSp>
+        <p:nvGrpSpPr>
+          <p:cNvPr id="89" name="组合 88"/>
+          <p:cNvGrpSpPr/>
+          <p:nvPr/>
+        </p:nvGrpSpPr>
+        <p:grpSpPr>
+          <a:xfrm>
+            <a:off x="2108613" y="5012175"/>
+            <a:ext cx="1225879" cy="828441"/>
+            <a:chOff x="2108613" y="5012175"/>
+            <a:chExt cx="1225879" cy="828441"/>
+          </a:xfrm>
+        </p:grpSpPr>
+        <p:sp>
+          <p:nvSpPr>
+            <p:cNvPr id="83" name="弧形 82"/>
+            <p:cNvSpPr/>
+            <p:nvPr/>
+          </p:nvSpPr>
+          <p:spPr>
+            <a:xfrm rot="858835">
+              <a:off x="2108613" y="5012175"/>
+              <a:ext cx="1067071" cy="828441"/>
+            </a:xfrm>
+            <a:prstGeom prst="arc">
+              <a:avLst>
+                <a:gd name="adj1" fmla="val 17919269"/>
+                <a:gd name="adj2" fmla="val 400122"/>
+              </a:avLst>
+            </a:prstGeom>
+            <a:ln w="38100">
+              <a:headEnd type="stealth"/>
+            </a:ln>
+          </p:spPr>
+          <p:style>
+            <a:lnRef idx="1">
+              <a:schemeClr val="accent1"/>
+            </a:lnRef>
+            <a:fillRef idx="0">
+              <a:schemeClr val="accent1"/>
+            </a:fillRef>
+            <a:effectRef idx="0">
+              <a:schemeClr val="accent1"/>
+            </a:effectRef>
+            <a:fontRef idx="minor">
+              <a:schemeClr val="tx1"/>
+            </a:fontRef>
+          </p:style>
+          <p:txBody>
+            <a:bodyPr rtlCol="0" anchor="ctr"/>
+            <a:lstStyle/>
+            <a:p>
+              <a:pPr algn="ctr"/>
+              <a:endParaRPr lang="zh-CN" altLang="en-US"/>
+            </a:p>
+          </p:txBody>
+        </p:sp>
+        <p:sp>
+          <p:nvSpPr>
+            <p:cNvPr id="88" name="文本框 87"/>
+            <p:cNvSpPr txBox="1"/>
+            <p:nvPr/>
+          </p:nvSpPr>
+          <p:spPr>
+            <a:xfrm>
+              <a:off x="2835507" y="5185816"/>
+              <a:ext cx="498985" cy="297517"/>
+            </a:xfrm>
+            <a:prstGeom prst="rect">
+              <a:avLst/>
+            </a:prstGeom>
+            <a:noFill/>
+          </p:spPr>
+          <p:txBody>
+            <a:bodyPr wrap="square" rtlCol="0">
+              <a:spAutoFit/>
+            </a:bodyPr>
+            <a:lstStyle/>
+            <a:p>
+              <a:r>
+                <a:rPr lang="el-GR" altLang="zh-CN" sz="2000" baseline="-25000" dirty="0"/>
+                <a:t>θ</a:t>
+              </a:r>
+              <a:endParaRPr lang="zh-CN" altLang="en-US" sz="2000" baseline="-25000" dirty="0"/>
+            </a:p>
+          </p:txBody>
+        </p:sp>
+      </p:grpSp>
+      <p:cxnSp>
+        <p:nvCxnSpPr>
+          <p:cNvPr id="91" name="直接箭头连接符 90"/>
+          <p:cNvCxnSpPr>
+            <a:stCxn id="85" idx="7"/>
+            <a:endCxn id="63" idx="2"/>
+          </p:cNvCxnSpPr>
+          <p:nvPr/>
+        </p:nvCxnSpPr>
+        <p:spPr>
+          <a:xfrm flipV="1">
+            <a:off x="2240898" y="5260557"/>
+            <a:ext cx="1588607" cy="337879"/>
+          </a:xfrm>
+          <a:prstGeom prst="straightConnector1">
+            <a:avLst/>
+          </a:prstGeom>
+          <a:ln w="22225" cap="rnd">
+            <a:solidFill>
+              <a:srgbClr val="00B050"/>
+            </a:solidFill>
+            <a:prstDash val="dash"/>
+            <a:tailEnd type="none"/>
+          </a:ln>
+        </p:spPr>
+        <p:style>
+          <a:lnRef idx="1">
+            <a:schemeClr val="accent1"/>
+          </a:lnRef>
+          <a:fillRef idx="0">
+            <a:schemeClr val="accent1"/>
+          </a:fillRef>
+          <a:effectRef idx="0">
+            <a:schemeClr val="accent1"/>
+          </a:effectRef>
+          <a:fontRef idx="minor">
+            <a:schemeClr val="tx1"/>
+          </a:fontRef>
+        </p:style>
+      </p:cxnSp>
+      <p:cxnSp>
+        <p:nvCxnSpPr>
+          <p:cNvPr id="95" name="直接箭头连接符 94"/>
+          <p:cNvCxnSpPr>
+            <a:stCxn id="56" idx="0"/>
+            <a:endCxn id="57" idx="3"/>
+          </p:cNvCxnSpPr>
+          <p:nvPr/>
+        </p:nvCxnSpPr>
+        <p:spPr>
+          <a:xfrm flipV="1">
+            <a:off x="2181126" y="4656068"/>
+            <a:ext cx="1266053" cy="917331"/>
+          </a:xfrm>
+          <a:prstGeom prst="straightConnector1">
+            <a:avLst/>
+          </a:prstGeom>
+          <a:ln w="22225" cap="rnd">
+            <a:solidFill>
+              <a:srgbClr val="00B050"/>
+            </a:solidFill>
+            <a:prstDash val="dash"/>
+            <a:tailEnd type="none"/>
+          </a:ln>
+        </p:spPr>
+        <p:style>
+          <a:lnRef idx="1">
+            <a:schemeClr val="accent1"/>
+          </a:lnRef>
+          <a:fillRef idx="0">
+            <a:schemeClr val="accent1"/>
+          </a:fillRef>
+          <a:effectRef idx="0">
+            <a:schemeClr val="accent1"/>
+          </a:effectRef>
+          <a:fontRef idx="minor">
+            <a:schemeClr val="tx1"/>
+          </a:fontRef>
+        </p:style>
+      </p:cxnSp>
+      <p:cxnSp>
+        <p:nvCxnSpPr>
+          <p:cNvPr id="98" name="直接箭头连接符 97"/>
+          <p:cNvCxnSpPr>
+            <a:stCxn id="85" idx="0"/>
+            <a:endCxn id="59" idx="3"/>
+          </p:cNvCxnSpPr>
+          <p:nvPr/>
+        </p:nvCxnSpPr>
+        <p:spPr>
+          <a:xfrm flipV="1">
+            <a:off x="2180455" y="3904941"/>
+            <a:ext cx="1266724" cy="1668458"/>
+          </a:xfrm>
+          <a:prstGeom prst="straightConnector1">
+            <a:avLst/>
+          </a:prstGeom>
+          <a:ln w="22225" cap="rnd">
+            <a:solidFill>
+              <a:srgbClr val="00B050"/>
+            </a:solidFill>
+            <a:prstDash val="dash"/>
+            <a:tailEnd type="none"/>
+          </a:ln>
+        </p:spPr>
+        <p:style>
+          <a:lnRef idx="1">
+            <a:schemeClr val="accent1"/>
+          </a:lnRef>
+          <a:fillRef idx="0">
+            <a:schemeClr val="accent1"/>
+          </a:fillRef>
+          <a:effectRef idx="0">
+            <a:schemeClr val="accent1"/>
+          </a:effectRef>
+          <a:fontRef idx="minor">
+            <a:schemeClr val="tx1"/>
+          </a:fontRef>
+        </p:style>
+      </p:cxnSp>
+      <p:cxnSp>
+        <p:nvCxnSpPr>
+          <p:cNvPr id="101" name="直接箭头连接符 100"/>
+          <p:cNvCxnSpPr>
+            <a:stCxn id="56" idx="0"/>
+            <a:endCxn id="58" idx="3"/>
+          </p:cNvCxnSpPr>
+          <p:nvPr/>
+        </p:nvCxnSpPr>
+        <p:spPr>
+          <a:xfrm flipV="1">
+            <a:off x="2181126" y="4376674"/>
+            <a:ext cx="554389" cy="1196725"/>
+          </a:xfrm>
+          <a:prstGeom prst="straightConnector1">
+            <a:avLst/>
+          </a:prstGeom>
+          <a:ln w="22225" cap="rnd">
+            <a:solidFill>
+              <a:srgbClr val="00B050"/>
+            </a:solidFill>
+            <a:prstDash val="dash"/>
+            <a:tailEnd type="none"/>
+          </a:ln>
+        </p:spPr>
+        <p:style>
+          <a:lnRef idx="1">
+            <a:schemeClr val="accent1"/>
+          </a:lnRef>
+          <a:fillRef idx="0">
+            <a:schemeClr val="accent1"/>
+          </a:fillRef>
+          <a:effectRef idx="0">
+            <a:schemeClr val="accent1"/>
+          </a:effectRef>
+          <a:fontRef idx="minor">
+            <a:schemeClr val="tx1"/>
+          </a:fontRef>
+        </p:style>
+      </p:cxnSp>
+      <p:cxnSp>
+        <p:nvCxnSpPr>
+          <p:cNvPr id="104" name="直接箭头连接符 103"/>
+          <p:cNvCxnSpPr>
+            <a:stCxn id="56" idx="0"/>
+            <a:endCxn id="61" idx="4"/>
+          </p:cNvCxnSpPr>
+          <p:nvPr/>
+        </p:nvCxnSpPr>
+        <p:spPr>
+          <a:xfrm flipV="1">
+            <a:off x="2181126" y="3852834"/>
+            <a:ext cx="111510" cy="1720565"/>
+          </a:xfrm>
+          <a:prstGeom prst="straightConnector1">
+            <a:avLst/>
+          </a:prstGeom>
+          <a:ln w="22225" cap="rnd">
+            <a:solidFill>
+              <a:srgbClr val="00B050"/>
+            </a:solidFill>
+            <a:prstDash val="dash"/>
+            <a:tailEnd type="none"/>
+          </a:ln>
+        </p:spPr>
+        <p:style>
+          <a:lnRef idx="1">
+            <a:schemeClr val="accent1"/>
+          </a:lnRef>
+          <a:fillRef idx="0">
+            <a:schemeClr val="accent1"/>
+          </a:fillRef>
+          <a:effectRef idx="0">
+            <a:schemeClr val="accent1"/>
+          </a:effectRef>
+          <a:fontRef idx="minor">
+            <a:schemeClr val="tx1"/>
+          </a:fontRef>
+        </p:style>
+      </p:cxnSp>
+      <p:cxnSp>
+        <p:nvCxnSpPr>
+          <p:cNvPr id="107" name="直接箭头连接符 106"/>
+          <p:cNvCxnSpPr>
+            <a:stCxn id="85" idx="0"/>
+            <a:endCxn id="62" idx="4"/>
+          </p:cNvCxnSpPr>
+          <p:nvPr/>
+        </p:nvCxnSpPr>
+        <p:spPr>
+          <a:xfrm flipH="1" flipV="1">
+            <a:off x="1845322" y="4681105"/>
+            <a:ext cx="335133" cy="892294"/>
+          </a:xfrm>
+          <a:prstGeom prst="straightConnector1">
+            <a:avLst/>
+          </a:prstGeom>
+          <a:ln w="22225" cap="rnd">
+            <a:solidFill>
+              <a:srgbClr val="00B050"/>
+            </a:solidFill>
+            <a:prstDash val="dash"/>
+            <a:tailEnd type="none"/>
+          </a:ln>
+        </p:spPr>
+        <p:style>
+          <a:lnRef idx="1">
+            <a:schemeClr val="accent1"/>
+          </a:lnRef>
+          <a:fillRef idx="0">
+            <a:schemeClr val="accent1"/>
+          </a:fillRef>
+          <a:effectRef idx="0">
+            <a:schemeClr val="accent1"/>
+          </a:effectRef>
+          <a:fontRef idx="minor">
+            <a:schemeClr val="tx1"/>
+          </a:fontRef>
+        </p:style>
+      </p:cxnSp>
+      <p:cxnSp>
+        <p:nvCxnSpPr>
+          <p:cNvPr id="110" name="直接箭头连接符 109"/>
+          <p:cNvCxnSpPr>
+            <a:stCxn id="56" idx="0"/>
+            <a:endCxn id="60" idx="5"/>
+          </p:cNvCxnSpPr>
+          <p:nvPr/>
+        </p:nvCxnSpPr>
+        <p:spPr>
+          <a:xfrm flipH="1" flipV="1">
+            <a:off x="1168374" y="4904789"/>
+            <a:ext cx="1012752" cy="668610"/>
+          </a:xfrm>
+          <a:prstGeom prst="straightConnector1">
+            <a:avLst/>
+          </a:prstGeom>
+          <a:ln w="22225" cap="rnd">
+            <a:solidFill>
+              <a:srgbClr val="00B050"/>
+            </a:solidFill>
+            <a:prstDash val="dash"/>
+            <a:tailEnd type="none"/>
+          </a:ln>
+        </p:spPr>
+        <p:style>
+          <a:lnRef idx="1">
+            <a:schemeClr val="accent1"/>
+          </a:lnRef>
+          <a:fillRef idx="0">
+            <a:schemeClr val="accent1"/>
+          </a:fillRef>
+          <a:effectRef idx="0">
+            <a:schemeClr val="accent1"/>
+          </a:effectRef>
+          <a:fontRef idx="minor">
+            <a:schemeClr val="tx1"/>
+          </a:fontRef>
+        </p:style>
+      </p:cxnSp>
+      <p:grpSp>
+        <p:nvGrpSpPr>
+          <p:cNvPr id="10" name="组合 9"/>
+          <p:cNvGrpSpPr/>
+          <p:nvPr/>
+        </p:nvGrpSpPr>
+        <p:grpSpPr>
+          <a:xfrm>
+            <a:off x="6037943" y="3375979"/>
+            <a:ext cx="674914" cy="2968545"/>
+            <a:chOff x="6037943" y="3375979"/>
+            <a:chExt cx="674914" cy="2968545"/>
+          </a:xfrm>
+        </p:grpSpPr>
+        <p:grpSp>
+          <p:nvGrpSpPr>
+            <p:cNvPr id="8" name="组合 7"/>
+            <p:cNvGrpSpPr/>
+            <p:nvPr/>
+          </p:nvGrpSpPr>
+          <p:grpSpPr>
+            <a:xfrm>
+              <a:off x="6037943" y="3375979"/>
+              <a:ext cx="674914" cy="2440398"/>
+              <a:chOff x="6030686" y="3380574"/>
+              <a:chExt cx="674914" cy="1879983"/>
+            </a:xfrm>
+          </p:grpSpPr>
+          <p:cxnSp>
+            <p:nvCxnSpPr>
+              <p:cNvPr id="3" name="直接连接符 2"/>
+              <p:cNvCxnSpPr/>
+              <p:nvPr/>
+            </p:nvCxnSpPr>
+            <p:spPr>
+              <a:xfrm>
+                <a:off x="6030686" y="3380575"/>
+                <a:ext cx="0" cy="1879982"/>
+              </a:xfrm>
+              <a:prstGeom prst="line">
+                <a:avLst/>
+              </a:prstGeom>
+              <a:ln w="57150">
+                <a:solidFill>
+                  <a:srgbClr val="0070C0"/>
+                </a:solidFill>
+              </a:ln>
+            </p:spPr>
+            <p:style>
+              <a:lnRef idx="1">
+                <a:schemeClr val="accent1"/>
+              </a:lnRef>
+              <a:fillRef idx="0">
+                <a:schemeClr val="accent1"/>
+              </a:fillRef>
+              <a:effectRef idx="0">
+                <a:schemeClr val="accent1"/>
+              </a:effectRef>
+              <a:fontRef idx="minor">
+                <a:schemeClr val="tx1"/>
+              </a:fontRef>
+            </p:style>
+          </p:cxnSp>
+          <p:cxnSp>
+            <p:nvCxnSpPr>
+              <p:cNvPr id="40" name="直接连接符 39"/>
+              <p:cNvCxnSpPr/>
+              <p:nvPr/>
+            </p:nvCxnSpPr>
+            <p:spPr>
+              <a:xfrm>
+                <a:off x="6705600" y="3380574"/>
+                <a:ext cx="0" cy="1879983"/>
+              </a:xfrm>
+              <a:prstGeom prst="line">
+                <a:avLst/>
+              </a:prstGeom>
+              <a:ln w="57150">
+                <a:solidFill>
+                  <a:srgbClr val="0070C0"/>
+                </a:solidFill>
+              </a:ln>
+            </p:spPr>
+            <p:style>
+              <a:lnRef idx="1">
+                <a:schemeClr val="accent1"/>
+              </a:lnRef>
+              <a:fillRef idx="0">
+                <a:schemeClr val="accent1"/>
+              </a:fillRef>
+              <a:effectRef idx="0">
+                <a:schemeClr val="accent1"/>
+              </a:effectRef>
+              <a:fontRef idx="minor">
+                <a:schemeClr val="tx1"/>
+              </a:fontRef>
+            </p:style>
+          </p:cxnSp>
+          <p:cxnSp>
+            <p:nvCxnSpPr>
+              <p:cNvPr id="41" name="直接连接符 40"/>
+              <p:cNvCxnSpPr/>
+              <p:nvPr/>
+            </p:nvCxnSpPr>
+            <p:spPr>
+              <a:xfrm>
+                <a:off x="6030686" y="5240186"/>
+                <a:ext cx="674914" cy="0"/>
+              </a:xfrm>
+              <a:prstGeom prst="line">
+                <a:avLst/>
+              </a:prstGeom>
+              <a:ln w="57150">
+                <a:solidFill>
+                  <a:srgbClr val="0070C0"/>
+                </a:solidFill>
+              </a:ln>
+            </p:spPr>
+            <p:style>
+              <a:lnRef idx="1">
+                <a:schemeClr val="accent1"/>
+              </a:lnRef>
+              <a:fillRef idx="0">
+                <a:schemeClr val="accent1"/>
+              </a:fillRef>
+              <a:effectRef idx="0">
+                <a:schemeClr val="accent1"/>
+              </a:effectRef>
+              <a:fontRef idx="minor">
+                <a:schemeClr val="tx1"/>
+              </a:fontRef>
+            </p:style>
+          </p:cxnSp>
+        </p:grpSp>
+        <p:sp>
+          <p:nvSpPr>
+            <p:cNvPr id="9" name="矩形 8"/>
+            <p:cNvSpPr/>
+            <p:nvPr/>
+          </p:nvSpPr>
+          <p:spPr>
+            <a:xfrm>
+              <a:off x="6185902" y="5882859"/>
+              <a:ext cx="389850" cy="461665"/>
+            </a:xfrm>
+            <a:prstGeom prst="rect">
+              <a:avLst/>
+            </a:prstGeom>
+          </p:spPr>
+          <p:txBody>
+            <a:bodyPr wrap="none">
+              <a:spAutoFit/>
+            </a:bodyPr>
+            <a:lstStyle/>
+            <a:p>
+              <a:r>
+                <a:rPr lang="en-US" altLang="zh-CN" sz="2400" b="1" dirty="0">
+                  <a:solidFill>
+                    <a:srgbClr val="FF0000"/>
+                  </a:solidFill>
+                </a:rPr>
+                <a:t>S</a:t>
+              </a:r>
+              <a:endParaRPr lang="zh-CN" altLang="en-US" sz="2400" b="1" dirty="0">
+                <a:solidFill>
+                  <a:srgbClr val="FF0000"/>
+                </a:solidFill>
+              </a:endParaRPr>
+            </a:p>
+          </p:txBody>
+        </p:sp>
+      </p:grpSp>
+      <p:sp>
+        <p:nvSpPr>
+          <p:cNvPr id="12" name="矩形 11"/>
+          <p:cNvSpPr/>
+          <p:nvPr/>
+        </p:nvSpPr>
+        <p:spPr>
+          <a:xfrm>
+            <a:off x="6035696" y="5310210"/>
+            <a:ext cx="682047" cy="463396"/>
+          </a:xfrm>
+          <a:prstGeom prst="rect">
+            <a:avLst/>
+          </a:prstGeom>
+          <a:noFill/>
+          <a:ln w="28575">
+            <a:solidFill>
+              <a:srgbClr val="0070C0"/>
+            </a:solidFill>
+          </a:ln>
+        </p:spPr>
+        <p:style>
+          <a:lnRef idx="2">
+            <a:schemeClr val="accent6">
+              <a:shade val="50000"/>
+            </a:schemeClr>
+          </a:lnRef>
+          <a:fillRef idx="1">
+            <a:schemeClr val="accent6"/>
+          </a:fillRef>
+          <a:effectRef idx="0">
+            <a:schemeClr val="accent6"/>
+          </a:effectRef>
+          <a:fontRef idx="minor">
+            <a:schemeClr val="lt1"/>
+          </a:fontRef>
+        </p:style>
+        <p:txBody>
+          <a:bodyPr rtlCol="0" anchor="ctr"/>
+          <a:lstStyle/>
+          <a:p>
+            <a:pPr algn="ctr"/>
+            <a:r>
+              <a:rPr lang="en-US" altLang="zh-CN" b="1" dirty="0" smtClean="0">
+                <a:solidFill>
+                  <a:schemeClr val="tx1"/>
+                </a:solidFill>
+              </a:rPr>
+              <a:t>P</a:t>
+            </a:r>
+            <a:r>
+              <a:rPr lang="en-US" altLang="zh-CN" b="1" baseline="-25000" dirty="0" smtClean="0">
+                <a:solidFill>
+                  <a:schemeClr val="tx1"/>
+                </a:solidFill>
+              </a:rPr>
+              <a:t>1</a:t>
+            </a:r>
+            <a:endParaRPr lang="zh-CN" altLang="en-US" b="1" baseline="-25000" dirty="0">
+              <a:solidFill>
+                <a:schemeClr val="tx1"/>
+              </a:solidFill>
+            </a:endParaRPr>
+          </a:p>
+        </p:txBody>
+      </p:sp>
+      <p:sp>
+        <p:nvSpPr>
+          <p:cNvPr id="50" name="矩形 49"/>
+          <p:cNvSpPr/>
+          <p:nvPr/>
+        </p:nvSpPr>
+        <p:spPr>
+          <a:xfrm>
+            <a:off x="6035696" y="4852741"/>
+            <a:ext cx="682047" cy="463396"/>
+          </a:xfrm>
+          <a:prstGeom prst="rect">
+            <a:avLst/>
+          </a:prstGeom>
+          <a:noFill/>
+          <a:ln w="28575">
+            <a:solidFill>
+              <a:srgbClr val="0070C0"/>
+            </a:solidFill>
+          </a:ln>
+        </p:spPr>
+        <p:style>
+          <a:lnRef idx="2">
+            <a:schemeClr val="accent6">
+              <a:shade val="50000"/>
+            </a:schemeClr>
+          </a:lnRef>
+          <a:fillRef idx="1">
+            <a:schemeClr val="accent6"/>
+          </a:fillRef>
+          <a:effectRef idx="0">
+            <a:schemeClr val="accent6"/>
+          </a:effectRef>
+          <a:fontRef idx="minor">
+            <a:schemeClr val="lt1"/>
+          </a:fontRef>
+        </p:style>
+        <p:txBody>
+          <a:bodyPr rtlCol="0" anchor="ctr"/>
+          <a:lstStyle/>
+          <a:p>
+            <a:pPr algn="ctr"/>
+            <a:r>
+              <a:rPr lang="en-US" altLang="zh-CN" b="1" dirty="0" smtClean="0">
+                <a:solidFill>
+                  <a:schemeClr val="tx1"/>
+                </a:solidFill>
+              </a:rPr>
+              <a:t>P</a:t>
+            </a:r>
+            <a:r>
+              <a:rPr lang="en-US" altLang="zh-CN" b="1" baseline="-25000" dirty="0" smtClean="0">
+                <a:solidFill>
+                  <a:schemeClr val="tx1"/>
+                </a:solidFill>
+              </a:rPr>
+              <a:t>2</a:t>
+            </a:r>
+            <a:endParaRPr lang="zh-CN" altLang="en-US" b="1" baseline="-25000" dirty="0">
+              <a:solidFill>
+                <a:schemeClr val="tx1"/>
+              </a:solidFill>
+            </a:endParaRPr>
+          </a:p>
+        </p:txBody>
+      </p:sp>
+      <p:sp>
+        <p:nvSpPr>
+          <p:cNvPr id="51" name="矩形 50"/>
+          <p:cNvSpPr/>
+          <p:nvPr/>
+        </p:nvSpPr>
+        <p:spPr>
+          <a:xfrm>
+            <a:off x="6035696" y="4395468"/>
+            <a:ext cx="682047" cy="463396"/>
+          </a:xfrm>
+          <a:prstGeom prst="rect">
+            <a:avLst/>
+          </a:prstGeom>
+          <a:noFill/>
+          <a:ln w="28575">
+            <a:solidFill>
+              <a:srgbClr val="0070C0"/>
+            </a:solidFill>
+          </a:ln>
+        </p:spPr>
+        <p:style>
+          <a:lnRef idx="2">
+            <a:schemeClr val="accent6">
+              <a:shade val="50000"/>
+            </a:schemeClr>
+          </a:lnRef>
+          <a:fillRef idx="1">
+            <a:schemeClr val="accent6"/>
+          </a:fillRef>
+          <a:effectRef idx="0">
+            <a:schemeClr val="accent6"/>
+          </a:effectRef>
+          <a:fontRef idx="minor">
+            <a:schemeClr val="lt1"/>
+          </a:fontRef>
+        </p:style>
+        <p:txBody>
+          <a:bodyPr rtlCol="0" anchor="ctr"/>
+          <a:lstStyle/>
+          <a:p>
+            <a:pPr algn="ctr"/>
+            <a:r>
+              <a:rPr lang="en-US" altLang="zh-CN" b="1" dirty="0" smtClean="0">
+                <a:solidFill>
+                  <a:schemeClr val="tx1"/>
+                </a:solidFill>
+              </a:rPr>
+              <a:t>P</a:t>
+            </a:r>
+            <a:r>
+              <a:rPr lang="en-US" altLang="zh-CN" b="1" baseline="-25000" dirty="0" smtClean="0">
+                <a:solidFill>
+                  <a:schemeClr val="tx1"/>
+                </a:solidFill>
+              </a:rPr>
+              <a:t>3</a:t>
+            </a:r>
+            <a:endParaRPr lang="zh-CN" altLang="en-US" b="1" baseline="-25000" dirty="0">
+              <a:solidFill>
+                <a:schemeClr val="tx1"/>
+              </a:solidFill>
+            </a:endParaRPr>
+          </a:p>
+        </p:txBody>
+      </p:sp>
+      <p:cxnSp>
+        <p:nvCxnSpPr>
+          <p:cNvPr id="16" name="直接连接符 15"/>
+          <p:cNvCxnSpPr>
+            <a:stCxn id="85" idx="6"/>
+            <a:endCxn id="63" idx="2"/>
+          </p:cNvCxnSpPr>
+          <p:nvPr/>
+        </p:nvCxnSpPr>
+        <p:spPr>
+          <a:xfrm flipV="1">
+            <a:off x="2265934" y="5260557"/>
+            <a:ext cx="1563571" cy="398323"/>
+          </a:xfrm>
+          <a:prstGeom prst="line">
+            <a:avLst/>
+          </a:prstGeom>
+          <a:ln w="38100">
+            <a:solidFill>
+              <a:srgbClr val="00B050"/>
+            </a:solidFill>
+          </a:ln>
+        </p:spPr>
+        <p:style>
+          <a:lnRef idx="1">
+            <a:schemeClr val="accent1"/>
+          </a:lnRef>
+          <a:fillRef idx="0">
+            <a:schemeClr val="accent1"/>
+          </a:fillRef>
+          <a:effectRef idx="0">
+            <a:schemeClr val="accent1"/>
+          </a:effectRef>
+          <a:fontRef idx="minor">
+            <a:schemeClr val="tx1"/>
+          </a:fontRef>
+        </p:style>
+      </p:cxnSp>
+      <p:cxnSp>
+        <p:nvCxnSpPr>
+          <p:cNvPr id="75" name="直接连接符 74"/>
+          <p:cNvCxnSpPr>
+            <a:stCxn id="63" idx="0"/>
+            <a:endCxn id="57" idx="5"/>
+          </p:cNvCxnSpPr>
+          <p:nvPr/>
+        </p:nvCxnSpPr>
+        <p:spPr>
+          <a:xfrm flipH="1" flipV="1">
+            <a:off x="3568065" y="4656068"/>
+            <a:ext cx="346919" cy="519008"/>
+          </a:xfrm>
+          <a:prstGeom prst="line">
+            <a:avLst/>
+          </a:prstGeom>
+          <a:ln w="38100">
+            <a:solidFill>
+              <a:srgbClr val="00B050"/>
+            </a:solidFill>
+          </a:ln>
+        </p:spPr>
+        <p:style>
+          <a:lnRef idx="1">
+            <a:schemeClr val="accent1"/>
+          </a:lnRef>
+          <a:fillRef idx="0">
+            <a:schemeClr val="accent1"/>
+          </a:fillRef>
+          <a:effectRef idx="0">
+            <a:schemeClr val="accent1"/>
+          </a:effectRef>
+          <a:fontRef idx="minor">
+            <a:schemeClr val="tx1"/>
+          </a:fontRef>
+        </p:style>
+      </p:cxnSp>
+      <p:cxnSp>
+        <p:nvCxnSpPr>
+          <p:cNvPr id="78" name="直接连接符 77"/>
+          <p:cNvCxnSpPr>
+            <a:stCxn id="57" idx="0"/>
+            <a:endCxn id="59" idx="4"/>
+          </p:cNvCxnSpPr>
+          <p:nvPr/>
+        </p:nvCxnSpPr>
+        <p:spPr>
+          <a:xfrm flipV="1">
+            <a:off x="3507622" y="3929978"/>
+            <a:ext cx="0" cy="580166"/>
+          </a:xfrm>
+          <a:prstGeom prst="line">
+            <a:avLst/>
+          </a:prstGeom>
+          <a:ln w="38100">
+            <a:solidFill>
+              <a:srgbClr val="00B050"/>
+            </a:solidFill>
+          </a:ln>
+        </p:spPr>
+        <p:style>
+          <a:lnRef idx="1">
+            <a:schemeClr val="accent1"/>
+          </a:lnRef>
+          <a:fillRef idx="0">
+            <a:schemeClr val="accent1"/>
+          </a:fillRef>
+          <a:effectRef idx="0">
+            <a:schemeClr val="accent1"/>
+          </a:effectRef>
+          <a:fontRef idx="minor">
+            <a:schemeClr val="tx1"/>
+          </a:fontRef>
+        </p:style>
+      </p:cxnSp>
+      <p:sp>
+        <p:nvSpPr>
+          <p:cNvPr id="26" name="文本框 25"/>
+          <p:cNvSpPr txBox="1"/>
+          <p:nvPr/>
+        </p:nvSpPr>
+        <p:spPr>
+          <a:xfrm>
+            <a:off x="3741524" y="4395468"/>
+            <a:ext cx="673399" cy="381365"/>
+          </a:xfrm>
+          <a:prstGeom prst="rect">
+            <a:avLst/>
+          </a:prstGeom>
+          <a:noFill/>
+        </p:spPr>
+        <p:txBody>
+          <a:bodyPr wrap="square" rtlCol="0">
+            <a:spAutoFit/>
+          </a:bodyPr>
+          <a:lstStyle/>
+          <a:p>
+            <a:r>
+              <a:rPr lang="zh-CN" altLang="en-US" b="1" u="sng" dirty="0"/>
+              <a:t>右转</a:t>
+            </a:r>
+          </a:p>
+        </p:txBody>
+      </p:sp>
+      <p:sp>
+        <p:nvSpPr>
+          <p:cNvPr id="82" name="矩形 81"/>
+          <p:cNvSpPr/>
+          <p:nvPr/>
+        </p:nvSpPr>
+        <p:spPr>
+          <a:xfrm>
+            <a:off x="6035696" y="4395360"/>
+            <a:ext cx="682047" cy="463396"/>
+          </a:xfrm>
+          <a:prstGeom prst="rect">
+            <a:avLst/>
+          </a:prstGeom>
+          <a:noFill/>
+          <a:ln w="28575">
+            <a:solidFill>
+              <a:srgbClr val="0070C0"/>
+            </a:solidFill>
+          </a:ln>
+        </p:spPr>
+        <p:style>
+          <a:lnRef idx="2">
+            <a:schemeClr val="accent6">
+              <a:shade val="50000"/>
+            </a:schemeClr>
+          </a:lnRef>
+          <a:fillRef idx="1">
+            <a:schemeClr val="accent6"/>
+          </a:fillRef>
+          <a:effectRef idx="0">
+            <a:schemeClr val="accent6"/>
+          </a:effectRef>
+          <a:fontRef idx="minor">
+            <a:schemeClr val="lt1"/>
+          </a:fontRef>
+        </p:style>
+        <p:txBody>
+          <a:bodyPr rtlCol="0" anchor="ctr"/>
+          <a:lstStyle/>
+          <a:p>
+            <a:pPr algn="ctr"/>
+            <a:r>
+              <a:rPr lang="en-US" altLang="zh-CN" b="1" dirty="0" smtClean="0">
+                <a:solidFill>
+                  <a:schemeClr val="tx1"/>
+                </a:solidFill>
+              </a:rPr>
+              <a:t>P</a:t>
+            </a:r>
+            <a:r>
+              <a:rPr lang="en-US" altLang="zh-CN" b="1" baseline="-25000" dirty="0" smtClean="0">
+                <a:solidFill>
+                  <a:schemeClr val="tx1"/>
+                </a:solidFill>
+              </a:rPr>
+              <a:t>4</a:t>
+            </a:r>
+            <a:endParaRPr lang="zh-CN" altLang="en-US" b="1" baseline="-25000" dirty="0">
+              <a:solidFill>
+                <a:schemeClr val="tx1"/>
+              </a:solidFill>
+            </a:endParaRPr>
+          </a:p>
+        </p:txBody>
+      </p:sp>
+      <p:cxnSp>
+        <p:nvCxnSpPr>
+          <p:cNvPr id="84" name="直接连接符 83"/>
+          <p:cNvCxnSpPr>
+            <a:stCxn id="63" idx="0"/>
+            <a:endCxn id="59" idx="5"/>
+          </p:cNvCxnSpPr>
+          <p:nvPr/>
+        </p:nvCxnSpPr>
+        <p:spPr>
+          <a:xfrm flipH="1" flipV="1">
+            <a:off x="3568065" y="3904941"/>
+            <a:ext cx="346919" cy="1270135"/>
+          </a:xfrm>
+          <a:prstGeom prst="line">
+            <a:avLst/>
+          </a:prstGeom>
+          <a:ln w="38100">
+            <a:solidFill>
+              <a:srgbClr val="00B050"/>
+            </a:solidFill>
+          </a:ln>
+        </p:spPr>
+        <p:style>
+          <a:lnRef idx="1">
+            <a:schemeClr val="accent1"/>
+          </a:lnRef>
+          <a:fillRef idx="0">
+            <a:schemeClr val="accent1"/>
+          </a:fillRef>
+          <a:effectRef idx="0">
+            <a:schemeClr val="accent1"/>
+          </a:effectRef>
+          <a:fontRef idx="minor">
+            <a:schemeClr val="tx1"/>
+          </a:fontRef>
+        </p:style>
+      </p:cxnSp>
+      <p:cxnSp>
+        <p:nvCxnSpPr>
+          <p:cNvPr id="90" name="直接连接符 89"/>
+          <p:cNvCxnSpPr>
+            <a:stCxn id="58" idx="7"/>
+            <a:endCxn id="59" idx="2"/>
+          </p:cNvCxnSpPr>
+          <p:nvPr/>
+        </p:nvCxnSpPr>
+        <p:spPr>
+          <a:xfrm flipV="1">
+            <a:off x="2856401" y="3844498"/>
+            <a:ext cx="565742" cy="411289"/>
+          </a:xfrm>
+          <a:prstGeom prst="line">
+            <a:avLst/>
+          </a:prstGeom>
+          <a:ln w="38100">
+            <a:solidFill>
+              <a:srgbClr val="00B050"/>
+            </a:solidFill>
+          </a:ln>
+        </p:spPr>
+        <p:style>
+          <a:lnRef idx="1">
+            <a:schemeClr val="accent1"/>
+          </a:lnRef>
+          <a:fillRef idx="0">
+            <a:schemeClr val="accent1"/>
+          </a:fillRef>
+          <a:effectRef idx="0">
+            <a:schemeClr val="accent1"/>
+          </a:effectRef>
+          <a:fontRef idx="minor">
+            <a:schemeClr val="tx1"/>
+          </a:fontRef>
+        </p:style>
+      </p:cxnSp>
+      <p:sp>
+        <p:nvSpPr>
+          <p:cNvPr id="92" name="文本框 91"/>
+          <p:cNvSpPr txBox="1"/>
+          <p:nvPr/>
+        </p:nvSpPr>
+        <p:spPr>
+          <a:xfrm>
+            <a:off x="3292597" y="3253475"/>
+            <a:ext cx="673399" cy="381365"/>
+          </a:xfrm>
+          <a:prstGeom prst="rect">
+            <a:avLst/>
+          </a:prstGeom>
+          <a:noFill/>
+        </p:spPr>
+        <p:txBody>
+          <a:bodyPr wrap="square" rtlCol="0">
+            <a:spAutoFit/>
+          </a:bodyPr>
+          <a:lstStyle/>
+          <a:p>
+            <a:r>
+              <a:rPr lang="zh-CN" altLang="en-US" b="1" u="sng" dirty="0" smtClean="0"/>
+              <a:t>左转</a:t>
+            </a:r>
+            <a:endParaRPr lang="zh-CN" altLang="en-US" b="1" u="sng" dirty="0"/>
+          </a:p>
+        </p:txBody>
+      </p:sp>
+      <p:sp>
+        <p:nvSpPr>
+          <p:cNvPr id="93" name="矩形 92"/>
+          <p:cNvSpPr/>
+          <p:nvPr/>
+        </p:nvSpPr>
+        <p:spPr>
+          <a:xfrm>
+            <a:off x="6035696" y="3937935"/>
+            <a:ext cx="682047" cy="463396"/>
+          </a:xfrm>
+          <a:prstGeom prst="rect">
+            <a:avLst/>
+          </a:prstGeom>
+          <a:noFill/>
+          <a:ln w="28575">
+            <a:solidFill>
+              <a:srgbClr val="0070C0"/>
+            </a:solidFill>
+          </a:ln>
+        </p:spPr>
+        <p:style>
+          <a:lnRef idx="2">
+            <a:schemeClr val="accent6">
+              <a:shade val="50000"/>
+            </a:schemeClr>
+          </a:lnRef>
+          <a:fillRef idx="1">
+            <a:schemeClr val="accent6"/>
+          </a:fillRef>
+          <a:effectRef idx="0">
+            <a:schemeClr val="accent6"/>
+          </a:effectRef>
+          <a:fontRef idx="minor">
+            <a:schemeClr val="lt1"/>
+          </a:fontRef>
+        </p:style>
+        <p:txBody>
+          <a:bodyPr rtlCol="0" anchor="ctr"/>
+          <a:lstStyle/>
+          <a:p>
+            <a:pPr algn="ctr"/>
+            <a:r>
+              <a:rPr lang="en-US" altLang="zh-CN" b="1" dirty="0" smtClean="0">
+                <a:solidFill>
+                  <a:schemeClr val="tx1"/>
+                </a:solidFill>
+              </a:rPr>
+              <a:t>P</a:t>
+            </a:r>
+            <a:r>
+              <a:rPr lang="en-US" altLang="zh-CN" b="1" baseline="-25000" dirty="0" smtClean="0">
+                <a:solidFill>
+                  <a:schemeClr val="tx1"/>
+                </a:solidFill>
+              </a:rPr>
+              <a:t>5</a:t>
+            </a:r>
+            <a:endParaRPr lang="zh-CN" altLang="en-US" b="1" baseline="-25000" dirty="0">
+              <a:solidFill>
+                <a:schemeClr val="tx1"/>
+              </a:solidFill>
+            </a:endParaRPr>
+          </a:p>
+        </p:txBody>
+      </p:sp>
+      <p:cxnSp>
+        <p:nvCxnSpPr>
+          <p:cNvPr id="94" name="直接连接符 93"/>
+          <p:cNvCxnSpPr>
+            <a:stCxn id="61" idx="5"/>
+            <a:endCxn id="58" idx="2"/>
+          </p:cNvCxnSpPr>
+          <p:nvPr/>
+        </p:nvCxnSpPr>
+        <p:spPr>
+          <a:xfrm>
+            <a:off x="2353079" y="3827797"/>
+            <a:ext cx="357400" cy="488434"/>
+          </a:xfrm>
+          <a:prstGeom prst="line">
+            <a:avLst/>
+          </a:prstGeom>
+          <a:ln w="38100">
+            <a:solidFill>
+              <a:srgbClr val="00B050"/>
+            </a:solidFill>
+          </a:ln>
+        </p:spPr>
+        <p:style>
+          <a:lnRef idx="1">
+            <a:schemeClr val="accent1"/>
+          </a:lnRef>
+          <a:fillRef idx="0">
+            <a:schemeClr val="accent1"/>
+          </a:fillRef>
+          <a:effectRef idx="0">
+            <a:schemeClr val="accent1"/>
+          </a:effectRef>
+          <a:fontRef idx="minor">
+            <a:schemeClr val="tx1"/>
+          </a:fontRef>
+        </p:style>
+      </p:cxnSp>
+      <p:sp>
+        <p:nvSpPr>
+          <p:cNvPr id="96" name="文本框 95"/>
+          <p:cNvSpPr txBox="1"/>
+          <p:nvPr/>
+        </p:nvSpPr>
+        <p:spPr>
+          <a:xfrm>
+            <a:off x="2570456" y="3251300"/>
+            <a:ext cx="673399" cy="381365"/>
+          </a:xfrm>
+          <a:prstGeom prst="rect">
+            <a:avLst/>
+          </a:prstGeom>
+          <a:noFill/>
+        </p:spPr>
+        <p:txBody>
+          <a:bodyPr wrap="square" rtlCol="0">
+            <a:spAutoFit/>
+          </a:bodyPr>
+          <a:lstStyle/>
+          <a:p>
+            <a:r>
+              <a:rPr lang="zh-CN" altLang="en-US" b="1" u="sng" dirty="0" smtClean="0"/>
+              <a:t>右转</a:t>
+            </a:r>
+            <a:endParaRPr lang="zh-CN" altLang="en-US" b="1" u="sng" dirty="0"/>
+          </a:p>
+        </p:txBody>
+      </p:sp>
+      <p:sp>
+        <p:nvSpPr>
+          <p:cNvPr id="97" name="矩形 96"/>
+          <p:cNvSpPr/>
+          <p:nvPr/>
+        </p:nvSpPr>
+        <p:spPr>
+          <a:xfrm>
+            <a:off x="6035696" y="3925252"/>
+            <a:ext cx="682047" cy="463396"/>
+          </a:xfrm>
+          <a:prstGeom prst="rect">
+            <a:avLst/>
+          </a:prstGeom>
+          <a:noFill/>
+          <a:ln w="28575">
+            <a:solidFill>
+              <a:srgbClr val="0070C0"/>
+            </a:solidFill>
+          </a:ln>
+        </p:spPr>
+        <p:style>
+          <a:lnRef idx="2">
+            <a:schemeClr val="accent6">
+              <a:shade val="50000"/>
+            </a:schemeClr>
+          </a:lnRef>
+          <a:fillRef idx="1">
+            <a:schemeClr val="accent6"/>
+          </a:fillRef>
+          <a:effectRef idx="0">
+            <a:schemeClr val="accent6"/>
+          </a:effectRef>
+          <a:fontRef idx="minor">
+            <a:schemeClr val="lt1"/>
+          </a:fontRef>
+        </p:style>
+        <p:txBody>
+          <a:bodyPr rtlCol="0" anchor="ctr"/>
+          <a:lstStyle/>
+          <a:p>
+            <a:pPr algn="ctr"/>
+            <a:r>
+              <a:rPr lang="en-US" altLang="zh-CN" b="1" dirty="0" smtClean="0">
+                <a:solidFill>
+                  <a:schemeClr val="tx1"/>
+                </a:solidFill>
+              </a:rPr>
+              <a:t>P</a:t>
+            </a:r>
+            <a:r>
+              <a:rPr lang="en-US" altLang="zh-CN" b="1" baseline="-25000" dirty="0" smtClean="0">
+                <a:solidFill>
+                  <a:schemeClr val="tx1"/>
+                </a:solidFill>
+              </a:rPr>
+              <a:t>6</a:t>
+            </a:r>
+            <a:endParaRPr lang="zh-CN" altLang="en-US" b="1" baseline="-25000" dirty="0">
+              <a:solidFill>
+                <a:schemeClr val="tx1"/>
+              </a:solidFill>
+            </a:endParaRPr>
+          </a:p>
+        </p:txBody>
+      </p:sp>
+      <p:cxnSp>
+        <p:nvCxnSpPr>
+          <p:cNvPr id="99" name="直接连接符 98"/>
+          <p:cNvCxnSpPr>
+            <a:stCxn id="60" idx="7"/>
+            <a:endCxn id="61" idx="2"/>
+          </p:cNvCxnSpPr>
+          <p:nvPr/>
+        </p:nvCxnSpPr>
+        <p:spPr>
+          <a:xfrm flipV="1">
+            <a:off x="1168374" y="3767354"/>
+            <a:ext cx="1038783" cy="1016548"/>
+          </a:xfrm>
+          <a:prstGeom prst="line">
+            <a:avLst/>
+          </a:prstGeom>
+          <a:ln w="38100">
+            <a:solidFill>
+              <a:srgbClr val="00B050"/>
+            </a:solidFill>
+          </a:ln>
+        </p:spPr>
+        <p:style>
+          <a:lnRef idx="1">
+            <a:schemeClr val="accent1"/>
+          </a:lnRef>
+          <a:fillRef idx="0">
+            <a:schemeClr val="accent1"/>
+          </a:fillRef>
+          <a:effectRef idx="0">
+            <a:schemeClr val="accent1"/>
+          </a:effectRef>
+          <a:fontRef idx="minor">
+            <a:schemeClr val="tx1"/>
+          </a:fontRef>
+        </p:style>
+      </p:cxnSp>
+      <p:cxnSp>
+        <p:nvCxnSpPr>
+          <p:cNvPr id="100" name="直接连接符 99"/>
+          <p:cNvCxnSpPr>
+            <a:stCxn id="61" idx="6"/>
+            <a:endCxn id="59" idx="1"/>
+          </p:cNvCxnSpPr>
+          <p:nvPr/>
+        </p:nvCxnSpPr>
+        <p:spPr>
+          <a:xfrm>
+            <a:off x="2378115" y="3767354"/>
+            <a:ext cx="1069064" cy="16700"/>
+          </a:xfrm>
+          <a:prstGeom prst="line">
+            <a:avLst/>
+          </a:prstGeom>
+          <a:ln w="38100">
+            <a:solidFill>
+              <a:srgbClr val="00B050"/>
+            </a:solidFill>
+          </a:ln>
+        </p:spPr>
+        <p:style>
+          <a:lnRef idx="1">
+            <a:schemeClr val="accent1"/>
+          </a:lnRef>
+          <a:fillRef idx="0">
+            <a:schemeClr val="accent1"/>
+          </a:fillRef>
+          <a:effectRef idx="0">
+            <a:schemeClr val="accent1"/>
+          </a:effectRef>
+          <a:fontRef idx="minor">
+            <a:schemeClr val="tx1"/>
+          </a:fontRef>
+        </p:style>
+      </p:cxnSp>
+      <p:cxnSp>
+        <p:nvCxnSpPr>
+          <p:cNvPr id="103" name="直接连接符 102"/>
+          <p:cNvCxnSpPr>
+            <a:stCxn id="61" idx="3"/>
+            <a:endCxn id="62" idx="0"/>
+          </p:cNvCxnSpPr>
+          <p:nvPr/>
+        </p:nvCxnSpPr>
+        <p:spPr>
+          <a:xfrm flipH="1">
+            <a:off x="1845322" y="3827797"/>
+            <a:ext cx="386871" cy="682347"/>
+          </a:xfrm>
+          <a:prstGeom prst="line">
+            <a:avLst/>
+          </a:prstGeom>
+          <a:ln w="38100">
+            <a:solidFill>
+              <a:srgbClr val="00B050"/>
+            </a:solidFill>
+          </a:ln>
+        </p:spPr>
+        <p:style>
+          <a:lnRef idx="1">
+            <a:schemeClr val="accent1"/>
+          </a:lnRef>
+          <a:fillRef idx="0">
+            <a:schemeClr val="accent1"/>
+          </a:fillRef>
+          <a:effectRef idx="0">
+            <a:schemeClr val="accent1"/>
+          </a:effectRef>
+          <a:fontRef idx="minor">
+            <a:schemeClr val="tx1"/>
+          </a:fontRef>
+        </p:style>
+      </p:cxnSp>
+      <p:sp>
+        <p:nvSpPr>
+          <p:cNvPr id="105" name="矩形 104"/>
+          <p:cNvSpPr/>
+          <p:nvPr/>
+        </p:nvSpPr>
+        <p:spPr>
+          <a:xfrm>
+            <a:off x="6035696" y="3480510"/>
+            <a:ext cx="682047" cy="463396"/>
+          </a:xfrm>
+          <a:prstGeom prst="rect">
+            <a:avLst/>
+          </a:prstGeom>
+          <a:noFill/>
+          <a:ln w="28575">
+            <a:solidFill>
+              <a:srgbClr val="0070C0"/>
+            </a:solidFill>
+          </a:ln>
+        </p:spPr>
+        <p:style>
+          <a:lnRef idx="2">
+            <a:schemeClr val="accent6">
+              <a:shade val="50000"/>
+            </a:schemeClr>
+          </a:lnRef>
+          <a:fillRef idx="1">
+            <a:schemeClr val="accent6"/>
+          </a:fillRef>
+          <a:effectRef idx="0">
+            <a:schemeClr val="accent6"/>
+          </a:effectRef>
+          <a:fontRef idx="minor">
+            <a:schemeClr val="lt1"/>
+          </a:fontRef>
+        </p:style>
+        <p:txBody>
+          <a:bodyPr rtlCol="0" anchor="ctr"/>
+          <a:lstStyle/>
+          <a:p>
+            <a:pPr algn="ctr"/>
+            <a:r>
+              <a:rPr lang="en-US" altLang="zh-CN" b="1" dirty="0" smtClean="0">
+                <a:solidFill>
+                  <a:schemeClr val="tx1"/>
+                </a:solidFill>
+              </a:rPr>
+              <a:t>P</a:t>
+            </a:r>
+            <a:r>
+              <a:rPr lang="en-US" altLang="zh-CN" b="1" baseline="-25000" dirty="0" smtClean="0">
+                <a:solidFill>
+                  <a:schemeClr val="tx1"/>
+                </a:solidFill>
+              </a:rPr>
+              <a:t>7</a:t>
+            </a:r>
+            <a:endParaRPr lang="zh-CN" altLang="en-US" b="1" baseline="-25000" dirty="0">
+              <a:solidFill>
+                <a:schemeClr val="tx1"/>
+              </a:solidFill>
+            </a:endParaRPr>
+          </a:p>
+        </p:txBody>
+      </p:sp>
+      <p:cxnSp>
+        <p:nvCxnSpPr>
+          <p:cNvPr id="106" name="直接连接符 105"/>
+          <p:cNvCxnSpPr>
+            <a:stCxn id="60" idx="6"/>
+            <a:endCxn id="62" idx="3"/>
+          </p:cNvCxnSpPr>
+          <p:nvPr/>
+        </p:nvCxnSpPr>
+        <p:spPr>
+          <a:xfrm flipV="1">
+            <a:off x="1193410" y="4656068"/>
+            <a:ext cx="591469" cy="188278"/>
+          </a:xfrm>
+          <a:prstGeom prst="line">
+            <a:avLst/>
+          </a:prstGeom>
+          <a:ln w="38100">
+            <a:solidFill>
+              <a:srgbClr val="00B050"/>
+            </a:solidFill>
+          </a:ln>
+        </p:spPr>
+        <p:style>
+          <a:lnRef idx="1">
+            <a:schemeClr val="accent1"/>
+          </a:lnRef>
+          <a:fillRef idx="0">
+            <a:schemeClr val="accent1"/>
+          </a:fillRef>
+          <a:effectRef idx="0">
+            <a:schemeClr val="accent1"/>
+          </a:effectRef>
+          <a:fontRef idx="minor">
+            <a:schemeClr val="tx1"/>
+          </a:fontRef>
+        </p:style>
+      </p:cxnSp>
+      <p:sp>
+        <p:nvSpPr>
+          <p:cNvPr id="108" name="矩形 107"/>
+          <p:cNvSpPr/>
+          <p:nvPr/>
+        </p:nvSpPr>
+        <p:spPr>
+          <a:xfrm>
+            <a:off x="6034377" y="3455144"/>
+            <a:ext cx="682047" cy="463396"/>
+          </a:xfrm>
+          <a:prstGeom prst="rect">
+            <a:avLst/>
+          </a:prstGeom>
+          <a:noFill/>
+          <a:ln w="28575">
+            <a:solidFill>
+              <a:srgbClr val="0070C0"/>
+            </a:solidFill>
+          </a:ln>
+        </p:spPr>
+        <p:style>
+          <a:lnRef idx="2">
+            <a:schemeClr val="accent6">
+              <a:shade val="50000"/>
+            </a:schemeClr>
+          </a:lnRef>
+          <a:fillRef idx="1">
+            <a:schemeClr val="accent6"/>
+          </a:fillRef>
+          <a:effectRef idx="0">
+            <a:schemeClr val="accent6"/>
+          </a:effectRef>
+          <a:fontRef idx="minor">
+            <a:schemeClr val="lt1"/>
+          </a:fontRef>
+        </p:style>
+        <p:txBody>
+          <a:bodyPr rtlCol="0" anchor="ctr"/>
+          <a:lstStyle/>
+          <a:p>
+            <a:pPr algn="ctr"/>
+            <a:r>
+              <a:rPr lang="en-US" altLang="zh-CN" b="1" dirty="0" smtClean="0">
+                <a:solidFill>
+                  <a:schemeClr val="tx1"/>
+                </a:solidFill>
+              </a:rPr>
+              <a:t>P</a:t>
+            </a:r>
+            <a:r>
+              <a:rPr lang="en-US" altLang="zh-CN" b="1" baseline="-25000" dirty="0" smtClean="0">
+                <a:solidFill>
+                  <a:schemeClr val="tx1"/>
+                </a:solidFill>
+              </a:rPr>
+              <a:t>8</a:t>
+            </a:r>
+            <a:endParaRPr lang="zh-CN" altLang="en-US" b="1" baseline="-25000" dirty="0">
+              <a:solidFill>
+                <a:schemeClr val="tx1"/>
+              </a:solidFill>
+            </a:endParaRPr>
+          </a:p>
+        </p:txBody>
+      </p:sp>
+      <p:cxnSp>
+        <p:nvCxnSpPr>
+          <p:cNvPr id="109" name="直接连接符 108"/>
+          <p:cNvCxnSpPr>
+            <a:stCxn id="85" idx="2"/>
+            <a:endCxn id="60" idx="4"/>
+          </p:cNvCxnSpPr>
+          <p:nvPr/>
+        </p:nvCxnSpPr>
+        <p:spPr>
+          <a:xfrm flipH="1" flipV="1">
+            <a:off x="1107931" y="4929826"/>
+            <a:ext cx="987045" cy="729054"/>
+          </a:xfrm>
+          <a:prstGeom prst="line">
+            <a:avLst/>
+          </a:prstGeom>
+          <a:ln w="38100">
+            <a:solidFill>
+              <a:srgbClr val="00B050"/>
+            </a:solidFill>
+          </a:ln>
+        </p:spPr>
+        <p:style>
+          <a:lnRef idx="1">
+            <a:schemeClr val="accent1"/>
+          </a:lnRef>
+          <a:fillRef idx="0">
+            <a:schemeClr val="accent1"/>
+          </a:fillRef>
+          <a:effectRef idx="0">
+            <a:schemeClr val="accent1"/>
+          </a:effectRef>
+          <a:fontRef idx="minor">
+            <a:schemeClr val="tx1"/>
+          </a:fontRef>
+        </p:style>
+      </p:cxnSp>
+    </p:spTree>
+    <p:extLst>
+      <p:ext uri="{BB962C8B-B14F-4D97-AF65-F5344CB8AC3E}">
+        <p14:creationId xmlns:p14="http://schemas.microsoft.com/office/powerpoint/2010/main" val="1966185553"/>
+      </p:ext>
+    </p:extLst>
+  </p:cSld>
+  <p:clrMapOvr>
+    <a:masterClrMapping/>
+  </p:clrMapOvr>
+  <p:timing>
+    <p:tnLst>
+      <p:par>
+        <p:cTn id="1" dur="indefinite" restart="never" nodeType="tmRoot">
+          <p:childTnLst>
+            <p:seq concurrent="1" nextAc="seek">
+              <p:cTn id="2" dur="indefinite" nodeType="mainSeq">
+                <p:childTnLst>
+                  <p:par>
+                    <p:cTn id="3" fill="hold">
+                      <p:stCondLst>
+                        <p:cond delay="indefinite"/>
+                        <p:cond evt="onBegin" delay="0">
+                          <p:tn val="2"/>
+                        </p:cond>
+                      </p:stCondLst>
+                      <p:childTnLst>
+                        <p:par>
+                          <p:cTn id="4" fill="hold">
+                            <p:stCondLst>
+                              <p:cond delay="0"/>
+                            </p:stCondLst>
+                            <p:childTnLst>
+                              <p:par>
+                                <p:cTn id="5" presetID="10" presetClass="entr" presetSubtype="0" fill="hold" grpId="0" nodeType="withEffect">
+                                  <p:stCondLst>
+                                    <p:cond delay="0"/>
+                                  </p:stCondLst>
+                                  <p:childTnLst>
+                                    <p:set>
+                                      <p:cBhvr>
+                                        <p:cTn id="6" dur="1" fill="hold">
+                                          <p:stCondLst>
+                                            <p:cond delay="0"/>
+                                          </p:stCondLst>
+                                        </p:cTn>
+                                        <p:tgtEl>
+                                          <p:spTgt spid="4"/>
+                                        </p:tgtEl>
+                                        <p:attrNameLst>
+                                          <p:attrName>style.visibility</p:attrName>
+                                        </p:attrNameLst>
+                                      </p:cBhvr>
+                                      <p:to>
+                                        <p:strVal val="visible"/>
+                                      </p:to>
+                                    </p:set>
+                                    <p:animEffect transition="in" filter="fade">
+                                      <p:cBhvr>
+                                        <p:cTn id="7" dur="500"/>
+                                        <p:tgtEl>
+                                          <p:spTgt spid="4"/>
+                                        </p:tgtEl>
+                                      </p:cBhvr>
+                                    </p:animEffect>
+                                  </p:childTnLst>
+                                </p:cTn>
+                              </p:par>
+                            </p:childTnLst>
+                          </p:cTn>
+                        </p:par>
+                      </p:childTnLst>
+                    </p:cTn>
+                  </p:par>
+                  <p:par>
+                    <p:cTn id="8" fill="hold">
+                      <p:stCondLst>
+                        <p:cond delay="indefinite"/>
+                      </p:stCondLst>
+                      <p:childTnLst>
+                        <p:par>
+                          <p:cTn id="9" fill="hold">
+                            <p:stCondLst>
+                              <p:cond delay="0"/>
+                            </p:stCondLst>
+                            <p:childTnLst>
+                              <p:par>
+                                <p:cTn id="10" presetID="10" presetClass="entr" presetSubtype="0" fill="hold" nodeType="clickEffect">
+                                  <p:stCondLst>
+                                    <p:cond delay="0"/>
+                                  </p:stCondLst>
+                                  <p:childTnLst>
+                                    <p:set>
+                                      <p:cBhvr>
+                                        <p:cTn id="11" dur="1" fill="hold">
+                                          <p:stCondLst>
+                                            <p:cond delay="0"/>
+                                          </p:stCondLst>
+                                        </p:cTn>
+                                        <p:tgtEl>
+                                          <p:spTgt spid="73"/>
+                                        </p:tgtEl>
+                                        <p:attrNameLst>
+                                          <p:attrName>style.visibility</p:attrName>
+                                        </p:attrNameLst>
+                                      </p:cBhvr>
+                                      <p:to>
+                                        <p:strVal val="visible"/>
+                                      </p:to>
+                                    </p:set>
+                                    <p:animEffect transition="in" filter="fade">
+                                      <p:cBhvr>
+                                        <p:cTn id="12" dur="500"/>
+                                        <p:tgtEl>
+                                          <p:spTgt spid="73"/>
+                                        </p:tgtEl>
+                                      </p:cBhvr>
+                                    </p:animEffect>
+                                  </p:childTnLst>
+                                </p:cTn>
+                              </p:par>
+                            </p:childTnLst>
+                          </p:cTn>
+                        </p:par>
+                      </p:childTnLst>
+                    </p:cTn>
+                  </p:par>
+                  <p:par>
+                    <p:cTn id="13" fill="hold">
+                      <p:stCondLst>
+                        <p:cond delay="indefinite"/>
+                      </p:stCondLst>
+                      <p:childTnLst>
+                        <p:par>
+                          <p:cTn id="14" fill="hold">
+                            <p:stCondLst>
+                              <p:cond delay="0"/>
+                            </p:stCondLst>
+                            <p:childTnLst>
+                              <p:par>
+                                <p:cTn id="15" presetID="10" presetClass="entr" presetSubtype="0" fill="hold" nodeType="clickEffect">
+                                  <p:stCondLst>
+                                    <p:cond delay="0"/>
+                                  </p:stCondLst>
+                                  <p:childTnLst>
+                                    <p:set>
+                                      <p:cBhvr>
+                                        <p:cTn id="16" dur="1" fill="hold">
+                                          <p:stCondLst>
+                                            <p:cond delay="0"/>
+                                          </p:stCondLst>
+                                        </p:cTn>
+                                        <p:tgtEl>
+                                          <p:spTgt spid="74">
+                                            <p:txEl>
+                                              <p:pRg st="0" end="0"/>
+                                            </p:txEl>
+                                          </p:spTgt>
+                                        </p:tgtEl>
+                                        <p:attrNameLst>
+                                          <p:attrName>style.visibility</p:attrName>
+                                        </p:attrNameLst>
+                                      </p:cBhvr>
+                                      <p:to>
+                                        <p:strVal val="visible"/>
+                                      </p:to>
+                                    </p:set>
+                                    <p:animEffect transition="in" filter="fade">
+                                      <p:cBhvr>
+                                        <p:cTn id="17" dur="500"/>
+                                        <p:tgtEl>
+                                          <p:spTgt spid="74">
+                                            <p:txEl>
+                                              <p:pRg st="0" end="0"/>
+                                            </p:txEl>
+                                          </p:spTgt>
+                                        </p:tgtEl>
+                                      </p:cBhvr>
+                                    </p:animEffect>
+                                  </p:childTnLst>
+                                </p:cTn>
+                              </p:par>
+                            </p:childTnLst>
+                          </p:cTn>
+                        </p:par>
+                      </p:childTnLst>
+                    </p:cTn>
+                  </p:par>
+                  <p:par>
+                    <p:cTn id="18" fill="hold">
+                      <p:stCondLst>
+                        <p:cond delay="indefinite"/>
+                      </p:stCondLst>
+                      <p:childTnLst>
+                        <p:par>
+                          <p:cTn id="19" fill="hold">
+                            <p:stCondLst>
+                              <p:cond delay="0"/>
+                            </p:stCondLst>
+                            <p:childTnLst>
+                              <p:par>
+                                <p:cTn id="20" presetID="22" presetClass="entr" presetSubtype="4" fill="hold" grpId="0" nodeType="clickEffect">
+                                  <p:stCondLst>
+                                    <p:cond delay="0"/>
+                                  </p:stCondLst>
+                                  <p:childTnLst>
+                                    <p:set>
+                                      <p:cBhvr>
+                                        <p:cTn id="21" dur="1" fill="hold">
+                                          <p:stCondLst>
+                                            <p:cond delay="0"/>
+                                          </p:stCondLst>
+                                        </p:cTn>
+                                        <p:tgtEl>
+                                          <p:spTgt spid="85"/>
+                                        </p:tgtEl>
+                                        <p:attrNameLst>
+                                          <p:attrName>style.visibility</p:attrName>
+                                        </p:attrNameLst>
+                                      </p:cBhvr>
+                                      <p:to>
+                                        <p:strVal val="visible"/>
+                                      </p:to>
+                                    </p:set>
+                                    <p:animEffect transition="in" filter="wipe(down)">
+                                      <p:cBhvr>
+                                        <p:cTn id="22" dur="250"/>
+                                        <p:tgtEl>
+                                          <p:spTgt spid="85"/>
+                                        </p:tgtEl>
+                                      </p:cBhvr>
+                                    </p:animEffect>
+                                  </p:childTnLst>
+                                </p:cTn>
+                              </p:par>
+                            </p:childTnLst>
+                          </p:cTn>
+                        </p:par>
+                      </p:childTnLst>
+                    </p:cTn>
+                  </p:par>
+                  <p:par>
+                    <p:cTn id="23" fill="hold">
+                      <p:stCondLst>
+                        <p:cond delay="indefinite"/>
+                      </p:stCondLst>
+                      <p:childTnLst>
+                        <p:par>
+                          <p:cTn id="24" fill="hold">
+                            <p:stCondLst>
+                              <p:cond delay="0"/>
+                            </p:stCondLst>
+                            <p:childTnLst>
+                              <p:par>
+                                <p:cTn id="25" presetID="10" presetClass="entr" presetSubtype="0" fill="hold" nodeType="clickEffect">
+                                  <p:stCondLst>
+                                    <p:cond delay="0"/>
+                                  </p:stCondLst>
+                                  <p:childTnLst>
+                                    <p:set>
+                                      <p:cBhvr>
+                                        <p:cTn id="26" dur="1" fill="hold">
+                                          <p:stCondLst>
+                                            <p:cond delay="0"/>
+                                          </p:stCondLst>
+                                        </p:cTn>
+                                        <p:tgtEl>
+                                          <p:spTgt spid="74">
+                                            <p:txEl>
+                                              <p:pRg st="1" end="1"/>
+                                            </p:txEl>
+                                          </p:spTgt>
+                                        </p:tgtEl>
+                                        <p:attrNameLst>
+                                          <p:attrName>style.visibility</p:attrName>
+                                        </p:attrNameLst>
+                                      </p:cBhvr>
+                                      <p:to>
+                                        <p:strVal val="visible"/>
+                                      </p:to>
+                                    </p:set>
+                                    <p:animEffect transition="in" filter="fade">
+                                      <p:cBhvr>
+                                        <p:cTn id="27" dur="500"/>
+                                        <p:tgtEl>
+                                          <p:spTgt spid="74">
+                                            <p:txEl>
+                                              <p:pRg st="1" end="1"/>
+                                            </p:txEl>
+                                          </p:spTgt>
+                                        </p:tgtEl>
+                                      </p:cBhvr>
+                                    </p:animEffect>
+                                  </p:childTnLst>
+                                </p:cTn>
+                              </p:par>
+                            </p:childTnLst>
+                          </p:cTn>
+                        </p:par>
+                      </p:childTnLst>
+                    </p:cTn>
+                  </p:par>
+                  <p:par>
+                    <p:cTn id="28" fill="hold">
+                      <p:stCondLst>
+                        <p:cond delay="indefinite"/>
+                      </p:stCondLst>
+                      <p:childTnLst>
+                        <p:par>
+                          <p:cTn id="29" fill="hold">
+                            <p:stCondLst>
+                              <p:cond delay="0"/>
+                            </p:stCondLst>
+                            <p:childTnLst>
+                              <p:par>
+                                <p:cTn id="30" presetID="22" presetClass="entr" presetSubtype="8" fill="hold" nodeType="clickEffect">
+                                  <p:stCondLst>
+                                    <p:cond delay="0"/>
+                                  </p:stCondLst>
+                                  <p:childTnLst>
+                                    <p:set>
+                                      <p:cBhvr>
+                                        <p:cTn id="31" dur="1" fill="hold">
+                                          <p:stCondLst>
+                                            <p:cond delay="0"/>
+                                          </p:stCondLst>
+                                        </p:cTn>
+                                        <p:tgtEl>
+                                          <p:spTgt spid="86"/>
+                                        </p:tgtEl>
+                                        <p:attrNameLst>
+                                          <p:attrName>style.visibility</p:attrName>
+                                        </p:attrNameLst>
+                                      </p:cBhvr>
+                                      <p:to>
+                                        <p:strVal val="visible"/>
+                                      </p:to>
+                                    </p:set>
+                                    <p:animEffect transition="in" filter="wipe(left)">
+                                      <p:cBhvr>
+                                        <p:cTn id="32" dur="500"/>
+                                        <p:tgtEl>
+                                          <p:spTgt spid="86"/>
+                                        </p:tgtEl>
+                                      </p:cBhvr>
+                                    </p:animEffect>
+                                  </p:childTnLst>
+                                </p:cTn>
+                              </p:par>
+                              <p:par>
+                                <p:cTn id="33" presetID="22" presetClass="entr" presetSubtype="4" fill="hold" nodeType="withEffect">
+                                  <p:stCondLst>
+                                    <p:cond delay="0"/>
+                                  </p:stCondLst>
+                                  <p:childTnLst>
+                                    <p:set>
+                                      <p:cBhvr>
+                                        <p:cTn id="34" dur="1" fill="hold">
+                                          <p:stCondLst>
+                                            <p:cond delay="0"/>
+                                          </p:stCondLst>
+                                        </p:cTn>
+                                        <p:tgtEl>
+                                          <p:spTgt spid="80"/>
+                                        </p:tgtEl>
+                                        <p:attrNameLst>
+                                          <p:attrName>style.visibility</p:attrName>
+                                        </p:attrNameLst>
+                                      </p:cBhvr>
+                                      <p:to>
+                                        <p:strVal val="visible"/>
+                                      </p:to>
+                                    </p:set>
+                                    <p:animEffect transition="in" filter="wipe(down)">
+                                      <p:cBhvr>
+                                        <p:cTn id="35" dur="500"/>
+                                        <p:tgtEl>
+                                          <p:spTgt spid="80"/>
+                                        </p:tgtEl>
+                                      </p:cBhvr>
+                                    </p:animEffect>
+                                  </p:childTnLst>
+                                </p:cTn>
+                              </p:par>
+                            </p:childTnLst>
+                          </p:cTn>
+                        </p:par>
+                      </p:childTnLst>
+                    </p:cTn>
+                  </p:par>
+                  <p:par>
+                    <p:cTn id="36" fill="hold">
+                      <p:stCondLst>
+                        <p:cond delay="indefinite"/>
+                      </p:stCondLst>
+                      <p:childTnLst>
+                        <p:par>
+                          <p:cTn id="37" fill="hold">
+                            <p:stCondLst>
+                              <p:cond delay="0"/>
+                            </p:stCondLst>
+                            <p:childTnLst>
+                              <p:par>
+                                <p:cTn id="38" presetID="22" presetClass="entr" presetSubtype="4" fill="hold" nodeType="clickEffect">
+                                  <p:stCondLst>
+                                    <p:cond delay="0"/>
+                                  </p:stCondLst>
+                                  <p:childTnLst>
+                                    <p:set>
+                                      <p:cBhvr>
+                                        <p:cTn id="39" dur="1" fill="hold">
+                                          <p:stCondLst>
+                                            <p:cond delay="0"/>
+                                          </p:stCondLst>
+                                        </p:cTn>
+                                        <p:tgtEl>
+                                          <p:spTgt spid="89"/>
+                                        </p:tgtEl>
+                                        <p:attrNameLst>
+                                          <p:attrName>style.visibility</p:attrName>
+                                        </p:attrNameLst>
+                                      </p:cBhvr>
+                                      <p:to>
+                                        <p:strVal val="visible"/>
+                                      </p:to>
+                                    </p:set>
+                                    <p:animEffect transition="in" filter="wipe(down)">
+                                      <p:cBhvr>
+                                        <p:cTn id="40" dur="500"/>
+                                        <p:tgtEl>
+                                          <p:spTgt spid="89"/>
+                                        </p:tgtEl>
+                                      </p:cBhvr>
+                                    </p:animEffect>
+                                  </p:childTnLst>
+                                </p:cTn>
+                              </p:par>
+                            </p:childTnLst>
+                          </p:cTn>
+                        </p:par>
+                      </p:childTnLst>
+                    </p:cTn>
+                  </p:par>
+                  <p:par>
+                    <p:cTn id="41" fill="hold">
+                      <p:stCondLst>
+                        <p:cond delay="indefinite"/>
+                      </p:stCondLst>
+                      <p:childTnLst>
+                        <p:par>
+                          <p:cTn id="42" fill="hold">
+                            <p:stCondLst>
+                              <p:cond delay="0"/>
+                            </p:stCondLst>
+                            <p:childTnLst>
+                              <p:par>
+                                <p:cTn id="43" presetID="10" presetClass="exit" presetSubtype="0" fill="hold" nodeType="clickEffect">
+                                  <p:stCondLst>
+                                    <p:cond delay="0"/>
+                                  </p:stCondLst>
+                                  <p:childTnLst>
+                                    <p:animEffect transition="out" filter="fade">
+                                      <p:cBhvr>
+                                        <p:cTn id="44" dur="500"/>
+                                        <p:tgtEl>
+                                          <p:spTgt spid="80"/>
+                                        </p:tgtEl>
+                                      </p:cBhvr>
+                                    </p:animEffect>
+                                    <p:set>
+                                      <p:cBhvr>
+                                        <p:cTn id="45" dur="1" fill="hold">
+                                          <p:stCondLst>
+                                            <p:cond delay="499"/>
+                                          </p:stCondLst>
+                                        </p:cTn>
+                                        <p:tgtEl>
+                                          <p:spTgt spid="80"/>
+                                        </p:tgtEl>
+                                        <p:attrNameLst>
+                                          <p:attrName>style.visibility</p:attrName>
+                                        </p:attrNameLst>
+                                      </p:cBhvr>
+                                      <p:to>
+                                        <p:strVal val="hidden"/>
+                                      </p:to>
+                                    </p:set>
+                                  </p:childTnLst>
+                                </p:cTn>
+                              </p:par>
+                              <p:par>
+                                <p:cTn id="46" presetID="10" presetClass="exit" presetSubtype="0" fill="hold" nodeType="withEffect">
+                                  <p:stCondLst>
+                                    <p:cond delay="0"/>
+                                  </p:stCondLst>
+                                  <p:childTnLst>
+                                    <p:animEffect transition="out" filter="fade">
+                                      <p:cBhvr>
+                                        <p:cTn id="47" dur="500"/>
+                                        <p:tgtEl>
+                                          <p:spTgt spid="89"/>
+                                        </p:tgtEl>
+                                      </p:cBhvr>
+                                    </p:animEffect>
+                                    <p:set>
+                                      <p:cBhvr>
+                                        <p:cTn id="48" dur="1" fill="hold">
+                                          <p:stCondLst>
+                                            <p:cond delay="499"/>
+                                          </p:stCondLst>
+                                        </p:cTn>
+                                        <p:tgtEl>
+                                          <p:spTgt spid="89"/>
+                                        </p:tgtEl>
+                                        <p:attrNameLst>
+                                          <p:attrName>style.visibility</p:attrName>
+                                        </p:attrNameLst>
+                                      </p:cBhvr>
+                                      <p:to>
+                                        <p:strVal val="hidden"/>
+                                      </p:to>
+                                    </p:set>
+                                  </p:childTnLst>
+                                </p:cTn>
+                              </p:par>
+                            </p:childTnLst>
+                          </p:cTn>
+                        </p:par>
+                      </p:childTnLst>
+                    </p:cTn>
+                  </p:par>
+                  <p:par>
+                    <p:cTn id="49" fill="hold">
+                      <p:stCondLst>
+                        <p:cond delay="indefinite"/>
+                      </p:stCondLst>
+                      <p:childTnLst>
+                        <p:par>
+                          <p:cTn id="50" fill="hold">
+                            <p:stCondLst>
+                              <p:cond delay="0"/>
+                            </p:stCondLst>
+                            <p:childTnLst>
+                              <p:par>
+                                <p:cTn id="51" presetID="22" presetClass="entr" presetSubtype="4" fill="hold" nodeType="clickEffect">
+                                  <p:stCondLst>
+                                    <p:cond delay="0"/>
+                                  </p:stCondLst>
+                                  <p:childTnLst>
+                                    <p:set>
+                                      <p:cBhvr>
+                                        <p:cTn id="52" dur="1" fill="hold">
+                                          <p:stCondLst>
+                                            <p:cond delay="0"/>
+                                          </p:stCondLst>
+                                        </p:cTn>
+                                        <p:tgtEl>
+                                          <p:spTgt spid="91"/>
+                                        </p:tgtEl>
+                                        <p:attrNameLst>
+                                          <p:attrName>style.visibility</p:attrName>
+                                        </p:attrNameLst>
+                                      </p:cBhvr>
+                                      <p:to>
+                                        <p:strVal val="visible"/>
+                                      </p:to>
+                                    </p:set>
+                                    <p:animEffect transition="in" filter="wipe(down)">
+                                      <p:cBhvr>
+                                        <p:cTn id="53" dur="500"/>
+                                        <p:tgtEl>
+                                          <p:spTgt spid="91"/>
+                                        </p:tgtEl>
+                                      </p:cBhvr>
+                                    </p:animEffect>
+                                  </p:childTnLst>
+                                </p:cTn>
+                              </p:par>
+                            </p:childTnLst>
+                          </p:cTn>
+                        </p:par>
+                      </p:childTnLst>
+                    </p:cTn>
+                  </p:par>
+                  <p:par>
+                    <p:cTn id="54" fill="hold">
+                      <p:stCondLst>
+                        <p:cond delay="indefinite"/>
+                      </p:stCondLst>
+                      <p:childTnLst>
+                        <p:par>
+                          <p:cTn id="55" fill="hold">
+                            <p:stCondLst>
+                              <p:cond delay="0"/>
+                            </p:stCondLst>
+                            <p:childTnLst>
+                              <p:par>
+                                <p:cTn id="56" presetID="22" presetClass="entr" presetSubtype="4" fill="hold" nodeType="clickEffect">
+                                  <p:stCondLst>
+                                    <p:cond delay="0"/>
+                                  </p:stCondLst>
+                                  <p:childTnLst>
+                                    <p:set>
+                                      <p:cBhvr>
+                                        <p:cTn id="57" dur="1" fill="hold">
+                                          <p:stCondLst>
+                                            <p:cond delay="0"/>
+                                          </p:stCondLst>
+                                        </p:cTn>
+                                        <p:tgtEl>
+                                          <p:spTgt spid="95"/>
+                                        </p:tgtEl>
+                                        <p:attrNameLst>
+                                          <p:attrName>style.visibility</p:attrName>
+                                        </p:attrNameLst>
+                                      </p:cBhvr>
+                                      <p:to>
+                                        <p:strVal val="visible"/>
+                                      </p:to>
+                                    </p:set>
+                                    <p:animEffect transition="in" filter="wipe(down)">
+                                      <p:cBhvr>
+                                        <p:cTn id="58" dur="500"/>
+                                        <p:tgtEl>
+                                          <p:spTgt spid="95"/>
+                                        </p:tgtEl>
+                                      </p:cBhvr>
+                                    </p:animEffect>
+                                  </p:childTnLst>
+                                </p:cTn>
+                              </p:par>
+                            </p:childTnLst>
+                          </p:cTn>
+                        </p:par>
+                        <p:par>
+                          <p:cTn id="59" fill="hold">
+                            <p:stCondLst>
+                              <p:cond delay="500"/>
+                            </p:stCondLst>
+                            <p:childTnLst>
+                              <p:par>
+                                <p:cTn id="60" presetID="22" presetClass="entr" presetSubtype="4" fill="hold" nodeType="afterEffect">
+                                  <p:stCondLst>
+                                    <p:cond delay="0"/>
+                                  </p:stCondLst>
+                                  <p:childTnLst>
+                                    <p:set>
+                                      <p:cBhvr>
+                                        <p:cTn id="61" dur="1" fill="hold">
+                                          <p:stCondLst>
+                                            <p:cond delay="0"/>
+                                          </p:stCondLst>
+                                        </p:cTn>
+                                        <p:tgtEl>
+                                          <p:spTgt spid="98"/>
+                                        </p:tgtEl>
+                                        <p:attrNameLst>
+                                          <p:attrName>style.visibility</p:attrName>
+                                        </p:attrNameLst>
+                                      </p:cBhvr>
+                                      <p:to>
+                                        <p:strVal val="visible"/>
+                                      </p:to>
+                                    </p:set>
+                                    <p:animEffect transition="in" filter="wipe(down)">
+                                      <p:cBhvr>
+                                        <p:cTn id="62" dur="500"/>
+                                        <p:tgtEl>
+                                          <p:spTgt spid="98"/>
+                                        </p:tgtEl>
+                                      </p:cBhvr>
+                                    </p:animEffect>
+                                  </p:childTnLst>
+                                </p:cTn>
+                              </p:par>
+                            </p:childTnLst>
+                          </p:cTn>
+                        </p:par>
+                        <p:par>
+                          <p:cTn id="63" fill="hold">
+                            <p:stCondLst>
+                              <p:cond delay="1000"/>
+                            </p:stCondLst>
+                            <p:childTnLst>
+                              <p:par>
+                                <p:cTn id="64" presetID="22" presetClass="entr" presetSubtype="4" fill="hold" nodeType="afterEffect">
+                                  <p:stCondLst>
+                                    <p:cond delay="0"/>
+                                  </p:stCondLst>
+                                  <p:childTnLst>
+                                    <p:set>
+                                      <p:cBhvr>
+                                        <p:cTn id="65" dur="1" fill="hold">
+                                          <p:stCondLst>
+                                            <p:cond delay="0"/>
+                                          </p:stCondLst>
+                                        </p:cTn>
+                                        <p:tgtEl>
+                                          <p:spTgt spid="101"/>
+                                        </p:tgtEl>
+                                        <p:attrNameLst>
+                                          <p:attrName>style.visibility</p:attrName>
+                                        </p:attrNameLst>
+                                      </p:cBhvr>
+                                      <p:to>
+                                        <p:strVal val="visible"/>
+                                      </p:to>
+                                    </p:set>
+                                    <p:animEffect transition="in" filter="wipe(down)">
+                                      <p:cBhvr>
+                                        <p:cTn id="66" dur="500"/>
+                                        <p:tgtEl>
+                                          <p:spTgt spid="101"/>
+                                        </p:tgtEl>
+                                      </p:cBhvr>
+                                    </p:animEffect>
+                                  </p:childTnLst>
+                                </p:cTn>
+                              </p:par>
+                            </p:childTnLst>
+                          </p:cTn>
+                        </p:par>
+                        <p:par>
+                          <p:cTn id="67" fill="hold">
+                            <p:stCondLst>
+                              <p:cond delay="1500"/>
+                            </p:stCondLst>
+                            <p:childTnLst>
+                              <p:par>
+                                <p:cTn id="68" presetID="22" presetClass="entr" presetSubtype="4" fill="hold" nodeType="afterEffect">
+                                  <p:stCondLst>
+                                    <p:cond delay="0"/>
+                                  </p:stCondLst>
+                                  <p:childTnLst>
+                                    <p:set>
+                                      <p:cBhvr>
+                                        <p:cTn id="69" dur="1" fill="hold">
+                                          <p:stCondLst>
+                                            <p:cond delay="0"/>
+                                          </p:stCondLst>
+                                        </p:cTn>
+                                        <p:tgtEl>
+                                          <p:spTgt spid="104"/>
+                                        </p:tgtEl>
+                                        <p:attrNameLst>
+                                          <p:attrName>style.visibility</p:attrName>
+                                        </p:attrNameLst>
+                                      </p:cBhvr>
+                                      <p:to>
+                                        <p:strVal val="visible"/>
+                                      </p:to>
+                                    </p:set>
+                                    <p:animEffect transition="in" filter="wipe(down)">
+                                      <p:cBhvr>
+                                        <p:cTn id="70" dur="500"/>
+                                        <p:tgtEl>
+                                          <p:spTgt spid="104"/>
+                                        </p:tgtEl>
+                                      </p:cBhvr>
+                                    </p:animEffect>
+                                  </p:childTnLst>
+                                </p:cTn>
+                              </p:par>
+                            </p:childTnLst>
+                          </p:cTn>
+                        </p:par>
+                        <p:par>
+                          <p:cTn id="71" fill="hold">
+                            <p:stCondLst>
+                              <p:cond delay="2000"/>
+                            </p:stCondLst>
+                            <p:childTnLst>
+                              <p:par>
+                                <p:cTn id="72" presetID="22" presetClass="entr" presetSubtype="4" fill="hold" nodeType="afterEffect">
+                                  <p:stCondLst>
+                                    <p:cond delay="0"/>
+                                  </p:stCondLst>
+                                  <p:childTnLst>
+                                    <p:set>
+                                      <p:cBhvr>
+                                        <p:cTn id="73" dur="1" fill="hold">
+                                          <p:stCondLst>
+                                            <p:cond delay="0"/>
+                                          </p:stCondLst>
+                                        </p:cTn>
+                                        <p:tgtEl>
+                                          <p:spTgt spid="107"/>
+                                        </p:tgtEl>
+                                        <p:attrNameLst>
+                                          <p:attrName>style.visibility</p:attrName>
+                                        </p:attrNameLst>
+                                      </p:cBhvr>
+                                      <p:to>
+                                        <p:strVal val="visible"/>
+                                      </p:to>
+                                    </p:set>
+                                    <p:animEffect transition="in" filter="wipe(down)">
+                                      <p:cBhvr>
+                                        <p:cTn id="74" dur="500"/>
+                                        <p:tgtEl>
+                                          <p:spTgt spid="107"/>
+                                        </p:tgtEl>
+                                      </p:cBhvr>
+                                    </p:animEffect>
+                                  </p:childTnLst>
+                                </p:cTn>
+                              </p:par>
+                            </p:childTnLst>
+                          </p:cTn>
+                        </p:par>
+                        <p:par>
+                          <p:cTn id="75" fill="hold">
+                            <p:stCondLst>
+                              <p:cond delay="2500"/>
+                            </p:stCondLst>
+                            <p:childTnLst>
+                              <p:par>
+                                <p:cTn id="76" presetID="22" presetClass="entr" presetSubtype="4" fill="hold" nodeType="afterEffect">
+                                  <p:stCondLst>
+                                    <p:cond delay="0"/>
+                                  </p:stCondLst>
+                                  <p:childTnLst>
+                                    <p:set>
+                                      <p:cBhvr>
+                                        <p:cTn id="77" dur="1" fill="hold">
+                                          <p:stCondLst>
+                                            <p:cond delay="0"/>
+                                          </p:stCondLst>
+                                        </p:cTn>
+                                        <p:tgtEl>
+                                          <p:spTgt spid="110"/>
+                                        </p:tgtEl>
+                                        <p:attrNameLst>
+                                          <p:attrName>style.visibility</p:attrName>
+                                        </p:attrNameLst>
+                                      </p:cBhvr>
+                                      <p:to>
+                                        <p:strVal val="visible"/>
+                                      </p:to>
+                                    </p:set>
+                                    <p:animEffect transition="in" filter="wipe(down)">
+                                      <p:cBhvr>
+                                        <p:cTn id="78" dur="500"/>
+                                        <p:tgtEl>
+                                          <p:spTgt spid="110"/>
+                                        </p:tgtEl>
+                                      </p:cBhvr>
+                                    </p:animEffect>
+                                  </p:childTnLst>
+                                </p:cTn>
+                              </p:par>
+                            </p:childTnLst>
+                          </p:cTn>
+                        </p:par>
+                      </p:childTnLst>
+                    </p:cTn>
+                  </p:par>
+                  <p:par>
+                    <p:cTn id="79" fill="hold">
+                      <p:stCondLst>
+                        <p:cond delay="indefinite"/>
+                      </p:stCondLst>
+                      <p:childTnLst>
+                        <p:par>
+                          <p:cTn id="80" fill="hold">
+                            <p:stCondLst>
+                              <p:cond delay="0"/>
+                            </p:stCondLst>
+                            <p:childTnLst>
+                              <p:par>
+                                <p:cTn id="81" presetID="10" presetClass="entr" presetSubtype="0" fill="hold" nodeType="clickEffect">
+                                  <p:stCondLst>
+                                    <p:cond delay="0"/>
+                                  </p:stCondLst>
+                                  <p:childTnLst>
+                                    <p:set>
+                                      <p:cBhvr>
+                                        <p:cTn id="82" dur="1" fill="hold">
+                                          <p:stCondLst>
+                                            <p:cond delay="0"/>
+                                          </p:stCondLst>
+                                        </p:cTn>
+                                        <p:tgtEl>
+                                          <p:spTgt spid="74">
+                                            <p:txEl>
+                                              <p:pRg st="2" end="2"/>
+                                            </p:txEl>
+                                          </p:spTgt>
+                                        </p:tgtEl>
+                                        <p:attrNameLst>
+                                          <p:attrName>style.visibility</p:attrName>
+                                        </p:attrNameLst>
+                                      </p:cBhvr>
+                                      <p:to>
+                                        <p:strVal val="visible"/>
+                                      </p:to>
+                                    </p:set>
+                                    <p:animEffect transition="in" filter="fade">
+                                      <p:cBhvr>
+                                        <p:cTn id="83" dur="500"/>
+                                        <p:tgtEl>
+                                          <p:spTgt spid="74">
+                                            <p:txEl>
+                                              <p:pRg st="2" end="2"/>
+                                            </p:txEl>
+                                          </p:spTgt>
+                                        </p:tgtEl>
+                                      </p:cBhvr>
+                                    </p:animEffect>
+                                  </p:childTnLst>
+                                </p:cTn>
+                              </p:par>
+                            </p:childTnLst>
+                          </p:cTn>
+                        </p:par>
+                      </p:childTnLst>
+                    </p:cTn>
+                  </p:par>
+                  <p:par>
+                    <p:cTn id="84" fill="hold">
+                      <p:stCondLst>
+                        <p:cond delay="indefinite"/>
+                      </p:stCondLst>
+                      <p:childTnLst>
+                        <p:par>
+                          <p:cTn id="85" fill="hold">
+                            <p:stCondLst>
+                              <p:cond delay="0"/>
+                            </p:stCondLst>
+                            <p:childTnLst>
+                              <p:par>
+                                <p:cTn id="86" presetID="10" presetClass="entr" presetSubtype="0" fill="hold" nodeType="clickEffect">
+                                  <p:stCondLst>
+                                    <p:cond delay="0"/>
+                                  </p:stCondLst>
+                                  <p:childTnLst>
+                                    <p:set>
+                                      <p:cBhvr>
+                                        <p:cTn id="87" dur="1" fill="hold">
+                                          <p:stCondLst>
+                                            <p:cond delay="0"/>
+                                          </p:stCondLst>
+                                        </p:cTn>
+                                        <p:tgtEl>
+                                          <p:spTgt spid="10"/>
+                                        </p:tgtEl>
+                                        <p:attrNameLst>
+                                          <p:attrName>style.visibility</p:attrName>
+                                        </p:attrNameLst>
+                                      </p:cBhvr>
+                                      <p:to>
+                                        <p:strVal val="visible"/>
+                                      </p:to>
+                                    </p:set>
+                                    <p:animEffect transition="in" filter="fade">
+                                      <p:cBhvr>
+                                        <p:cTn id="88" dur="500"/>
+                                        <p:tgtEl>
+                                          <p:spTgt spid="10"/>
+                                        </p:tgtEl>
+                                      </p:cBhvr>
+                                    </p:animEffect>
+                                  </p:childTnLst>
+                                </p:cTn>
+                              </p:par>
+                            </p:childTnLst>
+                          </p:cTn>
+                        </p:par>
+                      </p:childTnLst>
+                    </p:cTn>
+                  </p:par>
+                  <p:par>
+                    <p:cTn id="89" fill="hold">
+                      <p:stCondLst>
+                        <p:cond delay="indefinite"/>
+                      </p:stCondLst>
+                      <p:childTnLst>
+                        <p:par>
+                          <p:cTn id="90" fill="hold">
+                            <p:stCondLst>
+                              <p:cond delay="0"/>
+                            </p:stCondLst>
+                            <p:childTnLst>
+                              <p:par>
+                                <p:cTn id="91" presetID="10" presetClass="exit" presetSubtype="0" fill="hold" nodeType="clickEffect">
+                                  <p:stCondLst>
+                                    <p:cond delay="0"/>
+                                  </p:stCondLst>
+                                  <p:childTnLst>
+                                    <p:animEffect transition="out" filter="fade">
+                                      <p:cBhvr>
+                                        <p:cTn id="92" dur="500"/>
+                                        <p:tgtEl>
+                                          <p:spTgt spid="86"/>
+                                        </p:tgtEl>
+                                      </p:cBhvr>
+                                    </p:animEffect>
+                                    <p:set>
+                                      <p:cBhvr>
+                                        <p:cTn id="93" dur="1" fill="hold">
+                                          <p:stCondLst>
+                                            <p:cond delay="499"/>
+                                          </p:stCondLst>
+                                        </p:cTn>
+                                        <p:tgtEl>
+                                          <p:spTgt spid="86"/>
+                                        </p:tgtEl>
+                                        <p:attrNameLst>
+                                          <p:attrName>style.visibility</p:attrName>
+                                        </p:attrNameLst>
+                                      </p:cBhvr>
+                                      <p:to>
+                                        <p:strVal val="hidden"/>
+                                      </p:to>
+                                    </p:set>
+                                  </p:childTnLst>
+                                </p:cTn>
+                              </p:par>
+                            </p:childTnLst>
+                          </p:cTn>
+                        </p:par>
+                      </p:childTnLst>
+                    </p:cTn>
+                  </p:par>
+                  <p:par>
+                    <p:cTn id="94" fill="hold">
+                      <p:stCondLst>
+                        <p:cond delay="indefinite"/>
+                      </p:stCondLst>
+                      <p:childTnLst>
+                        <p:par>
+                          <p:cTn id="95" fill="hold">
+                            <p:stCondLst>
+                              <p:cond delay="0"/>
+                            </p:stCondLst>
+                            <p:childTnLst>
+                              <p:par>
+                                <p:cTn id="96" presetID="47" presetClass="entr" presetSubtype="0" fill="hold" grpId="0" nodeType="clickEffect">
+                                  <p:stCondLst>
+                                    <p:cond delay="0"/>
+                                  </p:stCondLst>
+                                  <p:childTnLst>
+                                    <p:set>
+                                      <p:cBhvr>
+                                        <p:cTn id="97" dur="1" fill="hold">
+                                          <p:stCondLst>
+                                            <p:cond delay="0"/>
+                                          </p:stCondLst>
+                                        </p:cTn>
+                                        <p:tgtEl>
+                                          <p:spTgt spid="12"/>
+                                        </p:tgtEl>
+                                        <p:attrNameLst>
+                                          <p:attrName>style.visibility</p:attrName>
+                                        </p:attrNameLst>
+                                      </p:cBhvr>
+                                      <p:to>
+                                        <p:strVal val="visible"/>
+                                      </p:to>
+                                    </p:set>
+                                    <p:animEffect transition="in" filter="fade">
+                                      <p:cBhvr>
+                                        <p:cTn id="98" dur="1000"/>
+                                        <p:tgtEl>
+                                          <p:spTgt spid="12"/>
+                                        </p:tgtEl>
+                                      </p:cBhvr>
+                                    </p:animEffect>
+                                    <p:anim calcmode="lin" valueType="num">
+                                      <p:cBhvr>
+                                        <p:cTn id="99" dur="1000" fill="hold"/>
+                                        <p:tgtEl>
+                                          <p:spTgt spid="12"/>
+                                        </p:tgtEl>
+                                        <p:attrNameLst>
+                                          <p:attrName>ppt_x</p:attrName>
+                                        </p:attrNameLst>
+                                      </p:cBhvr>
+                                      <p:tavLst>
+                                        <p:tav tm="0">
+                                          <p:val>
+                                            <p:strVal val="#ppt_x"/>
+                                          </p:val>
+                                        </p:tav>
+                                        <p:tav tm="100000">
+                                          <p:val>
+                                            <p:strVal val="#ppt_x"/>
+                                          </p:val>
+                                        </p:tav>
+                                      </p:tavLst>
+                                    </p:anim>
+                                    <p:anim calcmode="lin" valueType="num">
+                                      <p:cBhvr>
+                                        <p:cTn id="100" dur="1000" fill="hold"/>
+                                        <p:tgtEl>
+                                          <p:spTgt spid="12"/>
+                                        </p:tgtEl>
+                                        <p:attrNameLst>
+                                          <p:attrName>ppt_y</p:attrName>
+                                        </p:attrNameLst>
+                                      </p:cBhvr>
+                                      <p:tavLst>
+                                        <p:tav tm="0">
+                                          <p:val>
+                                            <p:strVal val="#ppt_y-.1"/>
+                                          </p:val>
+                                        </p:tav>
+                                        <p:tav tm="100000">
+                                          <p:val>
+                                            <p:strVal val="#ppt_y"/>
+                                          </p:val>
+                                        </p:tav>
+                                      </p:tavLst>
+                                    </p:anim>
+                                  </p:childTnLst>
+                                </p:cTn>
+                              </p:par>
+                            </p:childTnLst>
+                          </p:cTn>
+                        </p:par>
+                        <p:par>
+                          <p:cTn id="101" fill="hold">
+                            <p:stCondLst>
+                              <p:cond delay="1000"/>
+                            </p:stCondLst>
+                            <p:childTnLst>
+                              <p:par>
+                                <p:cTn id="102" presetID="47" presetClass="entr" presetSubtype="0" fill="hold" grpId="0" nodeType="afterEffect">
+                                  <p:stCondLst>
+                                    <p:cond delay="0"/>
+                                  </p:stCondLst>
+                                  <p:childTnLst>
+                                    <p:set>
+                                      <p:cBhvr>
+                                        <p:cTn id="103" dur="1" fill="hold">
+                                          <p:stCondLst>
+                                            <p:cond delay="0"/>
+                                          </p:stCondLst>
+                                        </p:cTn>
+                                        <p:tgtEl>
+                                          <p:spTgt spid="50"/>
+                                        </p:tgtEl>
+                                        <p:attrNameLst>
+                                          <p:attrName>style.visibility</p:attrName>
+                                        </p:attrNameLst>
+                                      </p:cBhvr>
+                                      <p:to>
+                                        <p:strVal val="visible"/>
+                                      </p:to>
+                                    </p:set>
+                                    <p:animEffect transition="in" filter="fade">
+                                      <p:cBhvr>
+                                        <p:cTn id="104" dur="1000"/>
+                                        <p:tgtEl>
+                                          <p:spTgt spid="50"/>
+                                        </p:tgtEl>
+                                      </p:cBhvr>
+                                    </p:animEffect>
+                                    <p:anim calcmode="lin" valueType="num">
+                                      <p:cBhvr>
+                                        <p:cTn id="105" dur="1000" fill="hold"/>
+                                        <p:tgtEl>
+                                          <p:spTgt spid="50"/>
+                                        </p:tgtEl>
+                                        <p:attrNameLst>
+                                          <p:attrName>ppt_x</p:attrName>
+                                        </p:attrNameLst>
+                                      </p:cBhvr>
+                                      <p:tavLst>
+                                        <p:tav tm="0">
+                                          <p:val>
+                                            <p:strVal val="#ppt_x"/>
+                                          </p:val>
+                                        </p:tav>
+                                        <p:tav tm="100000">
+                                          <p:val>
+                                            <p:strVal val="#ppt_x"/>
+                                          </p:val>
+                                        </p:tav>
+                                      </p:tavLst>
+                                    </p:anim>
+                                    <p:anim calcmode="lin" valueType="num">
+                                      <p:cBhvr>
+                                        <p:cTn id="106" dur="1000" fill="hold"/>
+                                        <p:tgtEl>
+                                          <p:spTgt spid="50"/>
+                                        </p:tgtEl>
+                                        <p:attrNameLst>
+                                          <p:attrName>ppt_y</p:attrName>
+                                        </p:attrNameLst>
+                                      </p:cBhvr>
+                                      <p:tavLst>
+                                        <p:tav tm="0">
+                                          <p:val>
+                                            <p:strVal val="#ppt_y-.1"/>
+                                          </p:val>
+                                        </p:tav>
+                                        <p:tav tm="100000">
+                                          <p:val>
+                                            <p:strVal val="#ppt_y"/>
+                                          </p:val>
+                                        </p:tav>
+                                      </p:tavLst>
+                                    </p:anim>
+                                  </p:childTnLst>
+                                </p:cTn>
+                              </p:par>
+                            </p:childTnLst>
+                          </p:cTn>
+                        </p:par>
+                        <p:par>
+                          <p:cTn id="107" fill="hold">
+                            <p:stCondLst>
+                              <p:cond delay="2000"/>
+                            </p:stCondLst>
+                            <p:childTnLst>
+                              <p:par>
+                                <p:cTn id="108" presetID="47" presetClass="entr" presetSubtype="0" fill="hold" grpId="0" nodeType="afterEffect">
+                                  <p:stCondLst>
+                                    <p:cond delay="0"/>
+                                  </p:stCondLst>
+                                  <p:childTnLst>
+                                    <p:set>
+                                      <p:cBhvr>
+                                        <p:cTn id="109" dur="1" fill="hold">
+                                          <p:stCondLst>
+                                            <p:cond delay="0"/>
+                                          </p:stCondLst>
+                                        </p:cTn>
+                                        <p:tgtEl>
+                                          <p:spTgt spid="51"/>
+                                        </p:tgtEl>
+                                        <p:attrNameLst>
+                                          <p:attrName>style.visibility</p:attrName>
+                                        </p:attrNameLst>
+                                      </p:cBhvr>
+                                      <p:to>
+                                        <p:strVal val="visible"/>
+                                      </p:to>
+                                    </p:set>
+                                    <p:animEffect transition="in" filter="fade">
+                                      <p:cBhvr>
+                                        <p:cTn id="110" dur="1000"/>
+                                        <p:tgtEl>
+                                          <p:spTgt spid="51"/>
+                                        </p:tgtEl>
+                                      </p:cBhvr>
+                                    </p:animEffect>
+                                    <p:anim calcmode="lin" valueType="num">
+                                      <p:cBhvr>
+                                        <p:cTn id="111" dur="1000" fill="hold"/>
+                                        <p:tgtEl>
+                                          <p:spTgt spid="51"/>
+                                        </p:tgtEl>
+                                        <p:attrNameLst>
+                                          <p:attrName>ppt_x</p:attrName>
+                                        </p:attrNameLst>
+                                      </p:cBhvr>
+                                      <p:tavLst>
+                                        <p:tav tm="0">
+                                          <p:val>
+                                            <p:strVal val="#ppt_x"/>
+                                          </p:val>
+                                        </p:tav>
+                                        <p:tav tm="100000">
+                                          <p:val>
+                                            <p:strVal val="#ppt_x"/>
+                                          </p:val>
+                                        </p:tav>
+                                      </p:tavLst>
+                                    </p:anim>
+                                    <p:anim calcmode="lin" valueType="num">
+                                      <p:cBhvr>
+                                        <p:cTn id="112" dur="1000" fill="hold"/>
+                                        <p:tgtEl>
+                                          <p:spTgt spid="51"/>
+                                        </p:tgtEl>
+                                        <p:attrNameLst>
+                                          <p:attrName>ppt_y</p:attrName>
+                                        </p:attrNameLst>
+                                      </p:cBhvr>
+                                      <p:tavLst>
+                                        <p:tav tm="0">
+                                          <p:val>
+                                            <p:strVal val="#ppt_y-.1"/>
+                                          </p:val>
+                                        </p:tav>
+                                        <p:tav tm="100000">
+                                          <p:val>
+                                            <p:strVal val="#ppt_y"/>
+                                          </p:val>
+                                        </p:tav>
+                                      </p:tavLst>
+                                    </p:anim>
+                                  </p:childTnLst>
+                                </p:cTn>
+                              </p:par>
+                            </p:childTnLst>
+                          </p:cTn>
+                        </p:par>
+                      </p:childTnLst>
+                    </p:cTn>
+                  </p:par>
+                  <p:par>
+                    <p:cTn id="113" fill="hold">
+                      <p:stCondLst>
+                        <p:cond delay="indefinite"/>
+                      </p:stCondLst>
+                      <p:childTnLst>
+                        <p:par>
+                          <p:cTn id="114" fill="hold">
+                            <p:stCondLst>
+                              <p:cond delay="0"/>
+                            </p:stCondLst>
+                            <p:childTnLst>
+                              <p:par>
+                                <p:cTn id="115" presetID="10" presetClass="exit" presetSubtype="0" fill="hold" nodeType="clickEffect">
+                                  <p:stCondLst>
+                                    <p:cond delay="0"/>
+                                  </p:stCondLst>
+                                  <p:childTnLst>
+                                    <p:animEffect transition="out" filter="fade">
+                                      <p:cBhvr>
+                                        <p:cTn id="116" dur="500"/>
+                                        <p:tgtEl>
+                                          <p:spTgt spid="91"/>
+                                        </p:tgtEl>
+                                      </p:cBhvr>
+                                    </p:animEffect>
+                                    <p:set>
+                                      <p:cBhvr>
+                                        <p:cTn id="117" dur="1" fill="hold">
+                                          <p:stCondLst>
+                                            <p:cond delay="499"/>
+                                          </p:stCondLst>
+                                        </p:cTn>
+                                        <p:tgtEl>
+                                          <p:spTgt spid="91"/>
+                                        </p:tgtEl>
+                                        <p:attrNameLst>
+                                          <p:attrName>style.visibility</p:attrName>
+                                        </p:attrNameLst>
+                                      </p:cBhvr>
+                                      <p:to>
+                                        <p:strVal val="hidden"/>
+                                      </p:to>
+                                    </p:set>
+                                  </p:childTnLst>
+                                </p:cTn>
+                              </p:par>
+                              <p:par>
+                                <p:cTn id="118" presetID="10" presetClass="exit" presetSubtype="0" fill="hold" nodeType="withEffect">
+                                  <p:stCondLst>
+                                    <p:cond delay="0"/>
+                                  </p:stCondLst>
+                                  <p:childTnLst>
+                                    <p:animEffect transition="out" filter="fade">
+                                      <p:cBhvr>
+                                        <p:cTn id="119" dur="500"/>
+                                        <p:tgtEl>
+                                          <p:spTgt spid="95"/>
+                                        </p:tgtEl>
+                                      </p:cBhvr>
+                                    </p:animEffect>
+                                    <p:set>
+                                      <p:cBhvr>
+                                        <p:cTn id="120" dur="1" fill="hold">
+                                          <p:stCondLst>
+                                            <p:cond delay="499"/>
+                                          </p:stCondLst>
+                                        </p:cTn>
+                                        <p:tgtEl>
+                                          <p:spTgt spid="95"/>
+                                        </p:tgtEl>
+                                        <p:attrNameLst>
+                                          <p:attrName>style.visibility</p:attrName>
+                                        </p:attrNameLst>
+                                      </p:cBhvr>
+                                      <p:to>
+                                        <p:strVal val="hidden"/>
+                                      </p:to>
+                                    </p:set>
+                                  </p:childTnLst>
+                                </p:cTn>
+                              </p:par>
+                              <p:par>
+                                <p:cTn id="121" presetID="10" presetClass="exit" presetSubtype="0" fill="hold" nodeType="withEffect">
+                                  <p:stCondLst>
+                                    <p:cond delay="0"/>
+                                  </p:stCondLst>
+                                  <p:childTnLst>
+                                    <p:animEffect transition="out" filter="fade">
+                                      <p:cBhvr>
+                                        <p:cTn id="122" dur="500"/>
+                                        <p:tgtEl>
+                                          <p:spTgt spid="98"/>
+                                        </p:tgtEl>
+                                      </p:cBhvr>
+                                    </p:animEffect>
+                                    <p:set>
+                                      <p:cBhvr>
+                                        <p:cTn id="123" dur="1" fill="hold">
+                                          <p:stCondLst>
+                                            <p:cond delay="499"/>
+                                          </p:stCondLst>
+                                        </p:cTn>
+                                        <p:tgtEl>
+                                          <p:spTgt spid="98"/>
+                                        </p:tgtEl>
+                                        <p:attrNameLst>
+                                          <p:attrName>style.visibility</p:attrName>
+                                        </p:attrNameLst>
+                                      </p:cBhvr>
+                                      <p:to>
+                                        <p:strVal val="hidden"/>
+                                      </p:to>
+                                    </p:set>
+                                  </p:childTnLst>
+                                </p:cTn>
+                              </p:par>
+                              <p:par>
+                                <p:cTn id="124" presetID="10" presetClass="exit" presetSubtype="0" fill="hold" nodeType="withEffect">
+                                  <p:stCondLst>
+                                    <p:cond delay="0"/>
+                                  </p:stCondLst>
+                                  <p:childTnLst>
+                                    <p:animEffect transition="out" filter="fade">
+                                      <p:cBhvr>
+                                        <p:cTn id="125" dur="500"/>
+                                        <p:tgtEl>
+                                          <p:spTgt spid="101"/>
+                                        </p:tgtEl>
+                                      </p:cBhvr>
+                                    </p:animEffect>
+                                    <p:set>
+                                      <p:cBhvr>
+                                        <p:cTn id="126" dur="1" fill="hold">
+                                          <p:stCondLst>
+                                            <p:cond delay="499"/>
+                                          </p:stCondLst>
+                                        </p:cTn>
+                                        <p:tgtEl>
+                                          <p:spTgt spid="101"/>
+                                        </p:tgtEl>
+                                        <p:attrNameLst>
+                                          <p:attrName>style.visibility</p:attrName>
+                                        </p:attrNameLst>
+                                      </p:cBhvr>
+                                      <p:to>
+                                        <p:strVal val="hidden"/>
+                                      </p:to>
+                                    </p:set>
+                                  </p:childTnLst>
+                                </p:cTn>
+                              </p:par>
+                              <p:par>
+                                <p:cTn id="127" presetID="10" presetClass="exit" presetSubtype="0" fill="hold" nodeType="withEffect">
+                                  <p:stCondLst>
+                                    <p:cond delay="0"/>
+                                  </p:stCondLst>
+                                  <p:childTnLst>
+                                    <p:animEffect transition="out" filter="fade">
+                                      <p:cBhvr>
+                                        <p:cTn id="128" dur="500"/>
+                                        <p:tgtEl>
+                                          <p:spTgt spid="104"/>
+                                        </p:tgtEl>
+                                      </p:cBhvr>
+                                    </p:animEffect>
+                                    <p:set>
+                                      <p:cBhvr>
+                                        <p:cTn id="129" dur="1" fill="hold">
+                                          <p:stCondLst>
+                                            <p:cond delay="499"/>
+                                          </p:stCondLst>
+                                        </p:cTn>
+                                        <p:tgtEl>
+                                          <p:spTgt spid="104"/>
+                                        </p:tgtEl>
+                                        <p:attrNameLst>
+                                          <p:attrName>style.visibility</p:attrName>
+                                        </p:attrNameLst>
+                                      </p:cBhvr>
+                                      <p:to>
+                                        <p:strVal val="hidden"/>
+                                      </p:to>
+                                    </p:set>
+                                  </p:childTnLst>
+                                </p:cTn>
+                              </p:par>
+                              <p:par>
+                                <p:cTn id="130" presetID="10" presetClass="exit" presetSubtype="0" fill="hold" nodeType="withEffect">
+                                  <p:stCondLst>
+                                    <p:cond delay="0"/>
+                                  </p:stCondLst>
+                                  <p:childTnLst>
+                                    <p:animEffect transition="out" filter="fade">
+                                      <p:cBhvr>
+                                        <p:cTn id="131" dur="500"/>
+                                        <p:tgtEl>
+                                          <p:spTgt spid="107"/>
+                                        </p:tgtEl>
+                                      </p:cBhvr>
+                                    </p:animEffect>
+                                    <p:set>
+                                      <p:cBhvr>
+                                        <p:cTn id="132" dur="1" fill="hold">
+                                          <p:stCondLst>
+                                            <p:cond delay="499"/>
+                                          </p:stCondLst>
+                                        </p:cTn>
+                                        <p:tgtEl>
+                                          <p:spTgt spid="107"/>
+                                        </p:tgtEl>
+                                        <p:attrNameLst>
+                                          <p:attrName>style.visibility</p:attrName>
+                                        </p:attrNameLst>
+                                      </p:cBhvr>
+                                      <p:to>
+                                        <p:strVal val="hidden"/>
+                                      </p:to>
+                                    </p:set>
+                                  </p:childTnLst>
+                                </p:cTn>
+                              </p:par>
+                              <p:par>
+                                <p:cTn id="133" presetID="10" presetClass="exit" presetSubtype="0" fill="hold" nodeType="withEffect">
+                                  <p:stCondLst>
+                                    <p:cond delay="0"/>
+                                  </p:stCondLst>
+                                  <p:childTnLst>
+                                    <p:animEffect transition="out" filter="fade">
+                                      <p:cBhvr>
+                                        <p:cTn id="134" dur="500"/>
+                                        <p:tgtEl>
+                                          <p:spTgt spid="110"/>
+                                        </p:tgtEl>
+                                      </p:cBhvr>
+                                    </p:animEffect>
+                                    <p:set>
+                                      <p:cBhvr>
+                                        <p:cTn id="135" dur="1" fill="hold">
+                                          <p:stCondLst>
+                                            <p:cond delay="499"/>
+                                          </p:stCondLst>
+                                        </p:cTn>
+                                        <p:tgtEl>
+                                          <p:spTgt spid="110"/>
+                                        </p:tgtEl>
+                                        <p:attrNameLst>
+                                          <p:attrName>style.visibility</p:attrName>
+                                        </p:attrNameLst>
+                                      </p:cBhvr>
+                                      <p:to>
+                                        <p:strVal val="hidden"/>
+                                      </p:to>
+                                    </p:set>
+                                  </p:childTnLst>
+                                </p:cTn>
+                              </p:par>
+                            </p:childTnLst>
+                          </p:cTn>
+                        </p:par>
+                      </p:childTnLst>
+                    </p:cTn>
+                  </p:par>
+                  <p:par>
+                    <p:cTn id="136" fill="hold">
+                      <p:stCondLst>
+                        <p:cond delay="indefinite"/>
+                      </p:stCondLst>
+                      <p:childTnLst>
+                        <p:par>
+                          <p:cTn id="137" fill="hold">
+                            <p:stCondLst>
+                              <p:cond delay="0"/>
+                            </p:stCondLst>
+                            <p:childTnLst>
+                              <p:par>
+                                <p:cTn id="138" presetID="22" presetClass="entr" presetSubtype="4" fill="hold" nodeType="clickEffect">
+                                  <p:stCondLst>
+                                    <p:cond delay="0"/>
+                                  </p:stCondLst>
+                                  <p:childTnLst>
+                                    <p:set>
+                                      <p:cBhvr>
+                                        <p:cTn id="139" dur="1" fill="hold">
+                                          <p:stCondLst>
+                                            <p:cond delay="0"/>
+                                          </p:stCondLst>
+                                        </p:cTn>
+                                        <p:tgtEl>
+                                          <p:spTgt spid="16"/>
+                                        </p:tgtEl>
+                                        <p:attrNameLst>
+                                          <p:attrName>style.visibility</p:attrName>
+                                        </p:attrNameLst>
+                                      </p:cBhvr>
+                                      <p:to>
+                                        <p:strVal val="visible"/>
+                                      </p:to>
+                                    </p:set>
+                                    <p:animEffect transition="in" filter="wipe(down)">
+                                      <p:cBhvr>
+                                        <p:cTn id="140" dur="500"/>
+                                        <p:tgtEl>
+                                          <p:spTgt spid="16"/>
+                                        </p:tgtEl>
+                                      </p:cBhvr>
+                                    </p:animEffect>
+                                  </p:childTnLst>
+                                </p:cTn>
+                              </p:par>
+                            </p:childTnLst>
+                          </p:cTn>
+                        </p:par>
+                        <p:par>
+                          <p:cTn id="141" fill="hold">
+                            <p:stCondLst>
+                              <p:cond delay="500"/>
+                            </p:stCondLst>
+                            <p:childTnLst>
+                              <p:par>
+                                <p:cTn id="142" presetID="22" presetClass="entr" presetSubtype="4" fill="hold" nodeType="afterEffect">
+                                  <p:stCondLst>
+                                    <p:cond delay="0"/>
+                                  </p:stCondLst>
+                                  <p:childTnLst>
+                                    <p:set>
+                                      <p:cBhvr>
+                                        <p:cTn id="143" dur="1" fill="hold">
+                                          <p:stCondLst>
+                                            <p:cond delay="0"/>
+                                          </p:stCondLst>
+                                        </p:cTn>
+                                        <p:tgtEl>
+                                          <p:spTgt spid="75"/>
+                                        </p:tgtEl>
+                                        <p:attrNameLst>
+                                          <p:attrName>style.visibility</p:attrName>
+                                        </p:attrNameLst>
+                                      </p:cBhvr>
+                                      <p:to>
+                                        <p:strVal val="visible"/>
+                                      </p:to>
+                                    </p:set>
+                                    <p:animEffect transition="in" filter="wipe(down)">
+                                      <p:cBhvr>
+                                        <p:cTn id="144" dur="500"/>
+                                        <p:tgtEl>
+                                          <p:spTgt spid="75"/>
+                                        </p:tgtEl>
+                                      </p:cBhvr>
+                                    </p:animEffect>
+                                  </p:childTnLst>
+                                </p:cTn>
+                              </p:par>
+                            </p:childTnLst>
+                          </p:cTn>
+                        </p:par>
+                      </p:childTnLst>
+                    </p:cTn>
+                  </p:par>
+                  <p:par>
+                    <p:cTn id="145" fill="hold">
+                      <p:stCondLst>
+                        <p:cond delay="indefinite"/>
+                      </p:stCondLst>
+                      <p:childTnLst>
+                        <p:par>
+                          <p:cTn id="146" fill="hold">
+                            <p:stCondLst>
+                              <p:cond delay="0"/>
+                            </p:stCondLst>
+                            <p:childTnLst>
+                              <p:par>
+                                <p:cTn id="147" presetID="22" presetClass="entr" presetSubtype="4" fill="hold" nodeType="clickEffect">
+                                  <p:stCondLst>
+                                    <p:cond delay="0"/>
+                                  </p:stCondLst>
+                                  <p:childTnLst>
+                                    <p:set>
+                                      <p:cBhvr>
+                                        <p:cTn id="148" dur="1" fill="hold">
+                                          <p:stCondLst>
+                                            <p:cond delay="0"/>
+                                          </p:stCondLst>
+                                        </p:cTn>
+                                        <p:tgtEl>
+                                          <p:spTgt spid="78"/>
+                                        </p:tgtEl>
+                                        <p:attrNameLst>
+                                          <p:attrName>style.visibility</p:attrName>
+                                        </p:attrNameLst>
+                                      </p:cBhvr>
+                                      <p:to>
+                                        <p:strVal val="visible"/>
+                                      </p:to>
+                                    </p:set>
+                                    <p:animEffect transition="in" filter="wipe(down)">
+                                      <p:cBhvr>
+                                        <p:cTn id="149" dur="500"/>
+                                        <p:tgtEl>
+                                          <p:spTgt spid="78"/>
+                                        </p:tgtEl>
+                                      </p:cBhvr>
+                                    </p:animEffect>
+                                  </p:childTnLst>
+                                </p:cTn>
+                              </p:par>
+                            </p:childTnLst>
+                          </p:cTn>
+                        </p:par>
+                      </p:childTnLst>
+                    </p:cTn>
+                  </p:par>
+                  <p:par>
+                    <p:cTn id="150" fill="hold">
+                      <p:stCondLst>
+                        <p:cond delay="indefinite"/>
+                      </p:stCondLst>
+                      <p:childTnLst>
+                        <p:par>
+                          <p:cTn id="151" fill="hold">
+                            <p:stCondLst>
+                              <p:cond delay="0"/>
+                            </p:stCondLst>
+                            <p:childTnLst>
+                              <p:par>
+                                <p:cTn id="152" presetID="10" presetClass="entr" presetSubtype="0" fill="hold" grpId="0" nodeType="clickEffect">
+                                  <p:stCondLst>
+                                    <p:cond delay="0"/>
+                                  </p:stCondLst>
+                                  <p:childTnLst>
+                                    <p:set>
+                                      <p:cBhvr>
+                                        <p:cTn id="153" dur="1" fill="hold">
+                                          <p:stCondLst>
+                                            <p:cond delay="0"/>
+                                          </p:stCondLst>
+                                        </p:cTn>
+                                        <p:tgtEl>
+                                          <p:spTgt spid="26"/>
+                                        </p:tgtEl>
+                                        <p:attrNameLst>
+                                          <p:attrName>style.visibility</p:attrName>
+                                        </p:attrNameLst>
+                                      </p:cBhvr>
+                                      <p:to>
+                                        <p:strVal val="visible"/>
+                                      </p:to>
+                                    </p:set>
+                                    <p:animEffect transition="in" filter="fade">
+                                      <p:cBhvr>
+                                        <p:cTn id="154" dur="500"/>
+                                        <p:tgtEl>
+                                          <p:spTgt spid="26"/>
+                                        </p:tgtEl>
+                                      </p:cBhvr>
+                                    </p:animEffect>
+                                  </p:childTnLst>
+                                </p:cTn>
+                              </p:par>
+                            </p:childTnLst>
+                          </p:cTn>
+                        </p:par>
+                      </p:childTnLst>
+                    </p:cTn>
+                  </p:par>
+                  <p:par>
+                    <p:cTn id="155" fill="hold">
+                      <p:stCondLst>
+                        <p:cond delay="indefinite"/>
+                      </p:stCondLst>
+                      <p:childTnLst>
+                        <p:par>
+                          <p:cTn id="156" fill="hold">
+                            <p:stCondLst>
+                              <p:cond delay="0"/>
+                            </p:stCondLst>
+                            <p:childTnLst>
+                              <p:par>
+                                <p:cTn id="157" presetID="47" presetClass="exit" presetSubtype="0" fill="hold" grpId="1" nodeType="clickEffect">
+                                  <p:stCondLst>
+                                    <p:cond delay="0"/>
+                                  </p:stCondLst>
+                                  <p:childTnLst>
+                                    <p:animEffect transition="out" filter="fade">
+                                      <p:cBhvr>
+                                        <p:cTn id="158" dur="500"/>
+                                        <p:tgtEl>
+                                          <p:spTgt spid="51"/>
+                                        </p:tgtEl>
+                                      </p:cBhvr>
+                                    </p:animEffect>
+                                    <p:anim calcmode="lin" valueType="num">
+                                      <p:cBhvr>
+                                        <p:cTn id="159" dur="500"/>
+                                        <p:tgtEl>
+                                          <p:spTgt spid="51"/>
+                                        </p:tgtEl>
+                                        <p:attrNameLst>
+                                          <p:attrName>ppt_x</p:attrName>
+                                        </p:attrNameLst>
+                                      </p:cBhvr>
+                                      <p:tavLst>
+                                        <p:tav tm="0">
+                                          <p:val>
+                                            <p:strVal val="ppt_x"/>
+                                          </p:val>
+                                        </p:tav>
+                                        <p:tav tm="100000">
+                                          <p:val>
+                                            <p:strVal val="ppt_x"/>
+                                          </p:val>
+                                        </p:tav>
+                                      </p:tavLst>
+                                    </p:anim>
+                                    <p:anim calcmode="lin" valueType="num">
+                                      <p:cBhvr>
+                                        <p:cTn id="160" dur="500"/>
+                                        <p:tgtEl>
+                                          <p:spTgt spid="51"/>
+                                        </p:tgtEl>
+                                        <p:attrNameLst>
+                                          <p:attrName>ppt_y</p:attrName>
+                                        </p:attrNameLst>
+                                      </p:cBhvr>
+                                      <p:tavLst>
+                                        <p:tav tm="0">
+                                          <p:val>
+                                            <p:strVal val="ppt_y"/>
+                                          </p:val>
+                                        </p:tav>
+                                        <p:tav tm="100000">
+                                          <p:val>
+                                            <p:strVal val="ppt_y-.1"/>
+                                          </p:val>
+                                        </p:tav>
+                                      </p:tavLst>
+                                    </p:anim>
+                                    <p:set>
+                                      <p:cBhvr>
+                                        <p:cTn id="161" dur="1" fill="hold">
+                                          <p:stCondLst>
+                                            <p:cond delay="499"/>
+                                          </p:stCondLst>
+                                        </p:cTn>
+                                        <p:tgtEl>
+                                          <p:spTgt spid="51"/>
+                                        </p:tgtEl>
+                                        <p:attrNameLst>
+                                          <p:attrName>style.visibility</p:attrName>
+                                        </p:attrNameLst>
+                                      </p:cBhvr>
+                                      <p:to>
+                                        <p:strVal val="hidden"/>
+                                      </p:to>
+                                    </p:set>
+                                  </p:childTnLst>
+                                </p:cTn>
+                              </p:par>
+                            </p:childTnLst>
+                          </p:cTn>
+                        </p:par>
+                      </p:childTnLst>
+                    </p:cTn>
+                  </p:par>
+                  <p:par>
+                    <p:cTn id="162" fill="hold">
+                      <p:stCondLst>
+                        <p:cond delay="indefinite"/>
+                      </p:stCondLst>
+                      <p:childTnLst>
+                        <p:par>
+                          <p:cTn id="163" fill="hold">
+                            <p:stCondLst>
+                              <p:cond delay="0"/>
+                            </p:stCondLst>
+                            <p:childTnLst>
+                              <p:par>
+                                <p:cTn id="164" presetID="47" presetClass="entr" presetSubtype="0" fill="hold" grpId="0" nodeType="clickEffect">
+                                  <p:stCondLst>
+                                    <p:cond delay="0"/>
+                                  </p:stCondLst>
+                                  <p:childTnLst>
+                                    <p:set>
+                                      <p:cBhvr>
+                                        <p:cTn id="165" dur="1" fill="hold">
+                                          <p:stCondLst>
+                                            <p:cond delay="0"/>
+                                          </p:stCondLst>
+                                        </p:cTn>
+                                        <p:tgtEl>
+                                          <p:spTgt spid="82"/>
+                                        </p:tgtEl>
+                                        <p:attrNameLst>
+                                          <p:attrName>style.visibility</p:attrName>
+                                        </p:attrNameLst>
+                                      </p:cBhvr>
+                                      <p:to>
+                                        <p:strVal val="visible"/>
+                                      </p:to>
+                                    </p:set>
+                                    <p:animEffect transition="in" filter="fade">
+                                      <p:cBhvr>
+                                        <p:cTn id="166" dur="1000"/>
+                                        <p:tgtEl>
+                                          <p:spTgt spid="82"/>
+                                        </p:tgtEl>
+                                      </p:cBhvr>
+                                    </p:animEffect>
+                                    <p:anim calcmode="lin" valueType="num">
+                                      <p:cBhvr>
+                                        <p:cTn id="167" dur="1000" fill="hold"/>
+                                        <p:tgtEl>
+                                          <p:spTgt spid="82"/>
+                                        </p:tgtEl>
+                                        <p:attrNameLst>
+                                          <p:attrName>ppt_x</p:attrName>
+                                        </p:attrNameLst>
+                                      </p:cBhvr>
+                                      <p:tavLst>
+                                        <p:tav tm="0">
+                                          <p:val>
+                                            <p:strVal val="#ppt_x"/>
+                                          </p:val>
+                                        </p:tav>
+                                        <p:tav tm="100000">
+                                          <p:val>
+                                            <p:strVal val="#ppt_x"/>
+                                          </p:val>
+                                        </p:tav>
+                                      </p:tavLst>
+                                    </p:anim>
+                                    <p:anim calcmode="lin" valueType="num">
+                                      <p:cBhvr>
+                                        <p:cTn id="168" dur="1000" fill="hold"/>
+                                        <p:tgtEl>
+                                          <p:spTgt spid="82"/>
+                                        </p:tgtEl>
+                                        <p:attrNameLst>
+                                          <p:attrName>ppt_y</p:attrName>
+                                        </p:attrNameLst>
+                                      </p:cBhvr>
+                                      <p:tavLst>
+                                        <p:tav tm="0">
+                                          <p:val>
+                                            <p:strVal val="#ppt_y-.1"/>
+                                          </p:val>
+                                        </p:tav>
+                                        <p:tav tm="100000">
+                                          <p:val>
+                                            <p:strVal val="#ppt_y"/>
+                                          </p:val>
+                                        </p:tav>
+                                      </p:tavLst>
+                                    </p:anim>
+                                  </p:childTnLst>
+                                </p:cTn>
+                              </p:par>
+                            </p:childTnLst>
+                          </p:cTn>
+                        </p:par>
+                      </p:childTnLst>
+                    </p:cTn>
+                  </p:par>
+                  <p:par>
+                    <p:cTn id="169" fill="hold">
+                      <p:stCondLst>
+                        <p:cond delay="indefinite"/>
+                      </p:stCondLst>
+                      <p:childTnLst>
+                        <p:par>
+                          <p:cTn id="170" fill="hold">
+                            <p:stCondLst>
+                              <p:cond delay="0"/>
+                            </p:stCondLst>
+                            <p:childTnLst>
+                              <p:par>
+                                <p:cTn id="171" presetID="10" presetClass="exit" presetSubtype="0" fill="hold" nodeType="clickEffect">
+                                  <p:stCondLst>
+                                    <p:cond delay="0"/>
+                                  </p:stCondLst>
+                                  <p:childTnLst>
+                                    <p:animEffect transition="out" filter="fade">
+                                      <p:cBhvr>
+                                        <p:cTn id="172" dur="500"/>
+                                        <p:tgtEl>
+                                          <p:spTgt spid="75"/>
+                                        </p:tgtEl>
+                                      </p:cBhvr>
+                                    </p:animEffect>
+                                    <p:set>
+                                      <p:cBhvr>
+                                        <p:cTn id="173" dur="1" fill="hold">
+                                          <p:stCondLst>
+                                            <p:cond delay="499"/>
+                                          </p:stCondLst>
+                                        </p:cTn>
+                                        <p:tgtEl>
+                                          <p:spTgt spid="75"/>
+                                        </p:tgtEl>
+                                        <p:attrNameLst>
+                                          <p:attrName>style.visibility</p:attrName>
+                                        </p:attrNameLst>
+                                      </p:cBhvr>
+                                      <p:to>
+                                        <p:strVal val="hidden"/>
+                                      </p:to>
+                                    </p:set>
+                                  </p:childTnLst>
+                                </p:cTn>
+                              </p:par>
+                              <p:par>
+                                <p:cTn id="174" presetID="10" presetClass="exit" presetSubtype="0" fill="hold" nodeType="withEffect">
+                                  <p:stCondLst>
+                                    <p:cond delay="0"/>
+                                  </p:stCondLst>
+                                  <p:childTnLst>
+                                    <p:animEffect transition="out" filter="fade">
+                                      <p:cBhvr>
+                                        <p:cTn id="175" dur="500"/>
+                                        <p:tgtEl>
+                                          <p:spTgt spid="78"/>
+                                        </p:tgtEl>
+                                      </p:cBhvr>
+                                    </p:animEffect>
+                                    <p:set>
+                                      <p:cBhvr>
+                                        <p:cTn id="176" dur="1" fill="hold">
+                                          <p:stCondLst>
+                                            <p:cond delay="499"/>
+                                          </p:stCondLst>
+                                        </p:cTn>
+                                        <p:tgtEl>
+                                          <p:spTgt spid="78"/>
+                                        </p:tgtEl>
+                                        <p:attrNameLst>
+                                          <p:attrName>style.visibility</p:attrName>
+                                        </p:attrNameLst>
+                                      </p:cBhvr>
+                                      <p:to>
+                                        <p:strVal val="hidden"/>
+                                      </p:to>
+                                    </p:set>
+                                  </p:childTnLst>
+                                </p:cTn>
+                              </p:par>
+                              <p:par>
+                                <p:cTn id="177" presetID="10" presetClass="exit" presetSubtype="0" fill="hold" grpId="1" nodeType="withEffect">
+                                  <p:stCondLst>
+                                    <p:cond delay="0"/>
+                                  </p:stCondLst>
+                                  <p:childTnLst>
+                                    <p:animEffect transition="out" filter="fade">
+                                      <p:cBhvr>
+                                        <p:cTn id="178" dur="500"/>
+                                        <p:tgtEl>
+                                          <p:spTgt spid="26"/>
+                                        </p:tgtEl>
+                                      </p:cBhvr>
+                                    </p:animEffect>
+                                    <p:set>
+                                      <p:cBhvr>
+                                        <p:cTn id="179" dur="1" fill="hold">
+                                          <p:stCondLst>
+                                            <p:cond delay="499"/>
+                                          </p:stCondLst>
+                                        </p:cTn>
+                                        <p:tgtEl>
+                                          <p:spTgt spid="26"/>
+                                        </p:tgtEl>
+                                        <p:attrNameLst>
+                                          <p:attrName>style.visibility</p:attrName>
+                                        </p:attrNameLst>
+                                      </p:cBhvr>
+                                      <p:to>
+                                        <p:strVal val="hidden"/>
+                                      </p:to>
+                                    </p:set>
+                                  </p:childTnLst>
+                                </p:cTn>
+                              </p:par>
+                            </p:childTnLst>
+                          </p:cTn>
+                        </p:par>
+                      </p:childTnLst>
+                    </p:cTn>
+                  </p:par>
+                  <p:par>
+                    <p:cTn id="180" fill="hold">
+                      <p:stCondLst>
+                        <p:cond delay="indefinite"/>
+                      </p:stCondLst>
+                      <p:childTnLst>
+                        <p:par>
+                          <p:cTn id="181" fill="hold">
+                            <p:stCondLst>
+                              <p:cond delay="0"/>
+                            </p:stCondLst>
+                            <p:childTnLst>
+                              <p:par>
+                                <p:cTn id="182" presetID="22" presetClass="entr" presetSubtype="4" fill="hold" nodeType="clickEffect">
+                                  <p:stCondLst>
+                                    <p:cond delay="0"/>
+                                  </p:stCondLst>
+                                  <p:childTnLst>
+                                    <p:set>
+                                      <p:cBhvr>
+                                        <p:cTn id="183" dur="1" fill="hold">
+                                          <p:stCondLst>
+                                            <p:cond delay="0"/>
+                                          </p:stCondLst>
+                                        </p:cTn>
+                                        <p:tgtEl>
+                                          <p:spTgt spid="84"/>
+                                        </p:tgtEl>
+                                        <p:attrNameLst>
+                                          <p:attrName>style.visibility</p:attrName>
+                                        </p:attrNameLst>
+                                      </p:cBhvr>
+                                      <p:to>
+                                        <p:strVal val="visible"/>
+                                      </p:to>
+                                    </p:set>
+                                    <p:animEffect transition="in" filter="wipe(down)">
+                                      <p:cBhvr>
+                                        <p:cTn id="184" dur="500"/>
+                                        <p:tgtEl>
+                                          <p:spTgt spid="84"/>
+                                        </p:tgtEl>
+                                      </p:cBhvr>
+                                    </p:animEffect>
+                                  </p:childTnLst>
+                                </p:cTn>
+                              </p:par>
+                            </p:childTnLst>
+                          </p:cTn>
+                        </p:par>
+                      </p:childTnLst>
+                    </p:cTn>
+                  </p:par>
+                  <p:par>
+                    <p:cTn id="185" fill="hold">
+                      <p:stCondLst>
+                        <p:cond delay="indefinite"/>
+                      </p:stCondLst>
+                      <p:childTnLst>
+                        <p:par>
+                          <p:cTn id="186" fill="hold">
+                            <p:stCondLst>
+                              <p:cond delay="0"/>
+                            </p:stCondLst>
+                            <p:childTnLst>
+                              <p:par>
+                                <p:cTn id="187" presetID="22" presetClass="entr" presetSubtype="2" fill="hold" nodeType="clickEffect">
+                                  <p:stCondLst>
+                                    <p:cond delay="0"/>
+                                  </p:stCondLst>
+                                  <p:childTnLst>
+                                    <p:set>
+                                      <p:cBhvr>
+                                        <p:cTn id="188" dur="1" fill="hold">
+                                          <p:stCondLst>
+                                            <p:cond delay="0"/>
+                                          </p:stCondLst>
+                                        </p:cTn>
+                                        <p:tgtEl>
+                                          <p:spTgt spid="90"/>
+                                        </p:tgtEl>
+                                        <p:attrNameLst>
+                                          <p:attrName>style.visibility</p:attrName>
+                                        </p:attrNameLst>
+                                      </p:cBhvr>
+                                      <p:to>
+                                        <p:strVal val="visible"/>
+                                      </p:to>
+                                    </p:set>
+                                    <p:animEffect transition="in" filter="wipe(right)">
+                                      <p:cBhvr>
+                                        <p:cTn id="189" dur="500"/>
+                                        <p:tgtEl>
+                                          <p:spTgt spid="90"/>
+                                        </p:tgtEl>
+                                      </p:cBhvr>
+                                    </p:animEffect>
+                                  </p:childTnLst>
+                                </p:cTn>
+                              </p:par>
+                            </p:childTnLst>
+                          </p:cTn>
+                        </p:par>
+                      </p:childTnLst>
+                    </p:cTn>
+                  </p:par>
+                  <p:par>
+                    <p:cTn id="190" fill="hold">
+                      <p:stCondLst>
+                        <p:cond delay="indefinite"/>
+                      </p:stCondLst>
+                      <p:childTnLst>
+                        <p:par>
+                          <p:cTn id="191" fill="hold">
+                            <p:stCondLst>
+                              <p:cond delay="0"/>
+                            </p:stCondLst>
+                            <p:childTnLst>
+                              <p:par>
+                                <p:cTn id="192" presetID="10" presetClass="entr" presetSubtype="0" fill="hold" grpId="0" nodeType="clickEffect">
+                                  <p:stCondLst>
+                                    <p:cond delay="0"/>
+                                  </p:stCondLst>
+                                  <p:childTnLst>
+                                    <p:set>
+                                      <p:cBhvr>
+                                        <p:cTn id="193" dur="1" fill="hold">
+                                          <p:stCondLst>
+                                            <p:cond delay="0"/>
+                                          </p:stCondLst>
+                                        </p:cTn>
+                                        <p:tgtEl>
+                                          <p:spTgt spid="92"/>
+                                        </p:tgtEl>
+                                        <p:attrNameLst>
+                                          <p:attrName>style.visibility</p:attrName>
+                                        </p:attrNameLst>
+                                      </p:cBhvr>
+                                      <p:to>
+                                        <p:strVal val="visible"/>
+                                      </p:to>
+                                    </p:set>
+                                    <p:animEffect transition="in" filter="fade">
+                                      <p:cBhvr>
+                                        <p:cTn id="194" dur="500"/>
+                                        <p:tgtEl>
+                                          <p:spTgt spid="92"/>
+                                        </p:tgtEl>
+                                      </p:cBhvr>
+                                    </p:animEffect>
+                                  </p:childTnLst>
+                                </p:cTn>
+                              </p:par>
+                            </p:childTnLst>
+                          </p:cTn>
+                        </p:par>
+                      </p:childTnLst>
+                    </p:cTn>
+                  </p:par>
+                  <p:par>
+                    <p:cTn id="195" fill="hold">
+                      <p:stCondLst>
+                        <p:cond delay="indefinite"/>
+                      </p:stCondLst>
+                      <p:childTnLst>
+                        <p:par>
+                          <p:cTn id="196" fill="hold">
+                            <p:stCondLst>
+                              <p:cond delay="0"/>
+                            </p:stCondLst>
+                            <p:childTnLst>
+                              <p:par>
+                                <p:cTn id="197" presetID="47" presetClass="entr" presetSubtype="0" fill="hold" grpId="0" nodeType="clickEffect">
+                                  <p:stCondLst>
+                                    <p:cond delay="0"/>
+                                  </p:stCondLst>
+                                  <p:childTnLst>
+                                    <p:set>
+                                      <p:cBhvr>
+                                        <p:cTn id="198" dur="1" fill="hold">
+                                          <p:stCondLst>
+                                            <p:cond delay="0"/>
+                                          </p:stCondLst>
+                                        </p:cTn>
+                                        <p:tgtEl>
+                                          <p:spTgt spid="93"/>
+                                        </p:tgtEl>
+                                        <p:attrNameLst>
+                                          <p:attrName>style.visibility</p:attrName>
+                                        </p:attrNameLst>
+                                      </p:cBhvr>
+                                      <p:to>
+                                        <p:strVal val="visible"/>
+                                      </p:to>
+                                    </p:set>
+                                    <p:animEffect transition="in" filter="fade">
+                                      <p:cBhvr>
+                                        <p:cTn id="199" dur="1000"/>
+                                        <p:tgtEl>
+                                          <p:spTgt spid="93"/>
+                                        </p:tgtEl>
+                                      </p:cBhvr>
+                                    </p:animEffect>
+                                    <p:anim calcmode="lin" valueType="num">
+                                      <p:cBhvr>
+                                        <p:cTn id="200" dur="1000" fill="hold"/>
+                                        <p:tgtEl>
+                                          <p:spTgt spid="93"/>
+                                        </p:tgtEl>
+                                        <p:attrNameLst>
+                                          <p:attrName>ppt_x</p:attrName>
+                                        </p:attrNameLst>
+                                      </p:cBhvr>
+                                      <p:tavLst>
+                                        <p:tav tm="0">
+                                          <p:val>
+                                            <p:strVal val="#ppt_x"/>
+                                          </p:val>
+                                        </p:tav>
+                                        <p:tav tm="100000">
+                                          <p:val>
+                                            <p:strVal val="#ppt_x"/>
+                                          </p:val>
+                                        </p:tav>
+                                      </p:tavLst>
+                                    </p:anim>
+                                    <p:anim calcmode="lin" valueType="num">
+                                      <p:cBhvr>
+                                        <p:cTn id="201" dur="1000" fill="hold"/>
+                                        <p:tgtEl>
+                                          <p:spTgt spid="93"/>
+                                        </p:tgtEl>
+                                        <p:attrNameLst>
+                                          <p:attrName>ppt_y</p:attrName>
+                                        </p:attrNameLst>
+                                      </p:cBhvr>
+                                      <p:tavLst>
+                                        <p:tav tm="0">
+                                          <p:val>
+                                            <p:strVal val="#ppt_y-.1"/>
+                                          </p:val>
+                                        </p:tav>
+                                        <p:tav tm="100000">
+                                          <p:val>
+                                            <p:strVal val="#ppt_y"/>
+                                          </p:val>
+                                        </p:tav>
+                                      </p:tavLst>
+                                    </p:anim>
+                                  </p:childTnLst>
+                                </p:cTn>
+                              </p:par>
+                            </p:childTnLst>
+                          </p:cTn>
+                        </p:par>
+                      </p:childTnLst>
+                    </p:cTn>
+                  </p:par>
+                  <p:par>
+                    <p:cTn id="202" fill="hold">
+                      <p:stCondLst>
+                        <p:cond delay="indefinite"/>
+                      </p:stCondLst>
+                      <p:childTnLst>
+                        <p:par>
+                          <p:cTn id="203" fill="hold">
+                            <p:stCondLst>
+                              <p:cond delay="0"/>
+                            </p:stCondLst>
+                            <p:childTnLst>
+                              <p:par>
+                                <p:cTn id="204" presetID="10" presetClass="exit" presetSubtype="0" fill="hold" grpId="1" nodeType="clickEffect">
+                                  <p:stCondLst>
+                                    <p:cond delay="0"/>
+                                  </p:stCondLst>
+                                  <p:childTnLst>
+                                    <p:animEffect transition="out" filter="fade">
+                                      <p:cBhvr>
+                                        <p:cTn id="205" dur="500"/>
+                                        <p:tgtEl>
+                                          <p:spTgt spid="92"/>
+                                        </p:tgtEl>
+                                      </p:cBhvr>
+                                    </p:animEffect>
+                                    <p:set>
+                                      <p:cBhvr>
+                                        <p:cTn id="206" dur="1" fill="hold">
+                                          <p:stCondLst>
+                                            <p:cond delay="499"/>
+                                          </p:stCondLst>
+                                        </p:cTn>
+                                        <p:tgtEl>
+                                          <p:spTgt spid="92"/>
+                                        </p:tgtEl>
+                                        <p:attrNameLst>
+                                          <p:attrName>style.visibility</p:attrName>
+                                        </p:attrNameLst>
+                                      </p:cBhvr>
+                                      <p:to>
+                                        <p:strVal val="hidden"/>
+                                      </p:to>
+                                    </p:set>
+                                  </p:childTnLst>
+                                </p:cTn>
+                              </p:par>
+                            </p:childTnLst>
+                          </p:cTn>
+                        </p:par>
+                      </p:childTnLst>
+                    </p:cTn>
+                  </p:par>
+                  <p:par>
+                    <p:cTn id="207" fill="hold">
+                      <p:stCondLst>
+                        <p:cond delay="indefinite"/>
+                      </p:stCondLst>
+                      <p:childTnLst>
+                        <p:par>
+                          <p:cTn id="208" fill="hold">
+                            <p:stCondLst>
+                              <p:cond delay="0"/>
+                            </p:stCondLst>
+                            <p:childTnLst>
+                              <p:par>
+                                <p:cTn id="209" presetID="22" presetClass="entr" presetSubtype="2" fill="hold" nodeType="clickEffect">
+                                  <p:stCondLst>
+                                    <p:cond delay="0"/>
+                                  </p:stCondLst>
+                                  <p:childTnLst>
+                                    <p:set>
+                                      <p:cBhvr>
+                                        <p:cTn id="210" dur="1" fill="hold">
+                                          <p:stCondLst>
+                                            <p:cond delay="0"/>
+                                          </p:stCondLst>
+                                        </p:cTn>
+                                        <p:tgtEl>
+                                          <p:spTgt spid="94"/>
+                                        </p:tgtEl>
+                                        <p:attrNameLst>
+                                          <p:attrName>style.visibility</p:attrName>
+                                        </p:attrNameLst>
+                                      </p:cBhvr>
+                                      <p:to>
+                                        <p:strVal val="visible"/>
+                                      </p:to>
+                                    </p:set>
+                                    <p:animEffect transition="in" filter="wipe(right)">
+                                      <p:cBhvr>
+                                        <p:cTn id="211" dur="500"/>
+                                        <p:tgtEl>
+                                          <p:spTgt spid="94"/>
+                                        </p:tgtEl>
+                                      </p:cBhvr>
+                                    </p:animEffect>
+                                  </p:childTnLst>
+                                </p:cTn>
+                              </p:par>
+                            </p:childTnLst>
+                          </p:cTn>
+                        </p:par>
+                      </p:childTnLst>
+                    </p:cTn>
+                  </p:par>
+                  <p:par>
+                    <p:cTn id="212" fill="hold">
+                      <p:stCondLst>
+                        <p:cond delay="indefinite"/>
+                      </p:stCondLst>
+                      <p:childTnLst>
+                        <p:par>
+                          <p:cTn id="213" fill="hold">
+                            <p:stCondLst>
+                              <p:cond delay="0"/>
+                            </p:stCondLst>
+                            <p:childTnLst>
+                              <p:par>
+                                <p:cTn id="214" presetID="10" presetClass="entr" presetSubtype="0" fill="hold" grpId="0" nodeType="clickEffect">
+                                  <p:stCondLst>
+                                    <p:cond delay="0"/>
+                                  </p:stCondLst>
+                                  <p:childTnLst>
+                                    <p:set>
+                                      <p:cBhvr>
+                                        <p:cTn id="215" dur="1" fill="hold">
+                                          <p:stCondLst>
+                                            <p:cond delay="0"/>
+                                          </p:stCondLst>
+                                        </p:cTn>
+                                        <p:tgtEl>
+                                          <p:spTgt spid="96"/>
+                                        </p:tgtEl>
+                                        <p:attrNameLst>
+                                          <p:attrName>style.visibility</p:attrName>
+                                        </p:attrNameLst>
+                                      </p:cBhvr>
+                                      <p:to>
+                                        <p:strVal val="visible"/>
+                                      </p:to>
+                                    </p:set>
+                                    <p:animEffect transition="in" filter="fade">
+                                      <p:cBhvr>
+                                        <p:cTn id="216" dur="500"/>
+                                        <p:tgtEl>
+                                          <p:spTgt spid="96"/>
+                                        </p:tgtEl>
+                                      </p:cBhvr>
+                                    </p:animEffect>
+                                  </p:childTnLst>
+                                </p:cTn>
+                              </p:par>
+                            </p:childTnLst>
+                          </p:cTn>
+                        </p:par>
+                      </p:childTnLst>
+                    </p:cTn>
+                  </p:par>
+                  <p:par>
+                    <p:cTn id="217" fill="hold">
+                      <p:stCondLst>
+                        <p:cond delay="indefinite"/>
+                      </p:stCondLst>
+                      <p:childTnLst>
+                        <p:par>
+                          <p:cTn id="218" fill="hold">
+                            <p:stCondLst>
+                              <p:cond delay="0"/>
+                            </p:stCondLst>
+                            <p:childTnLst>
+                              <p:par>
+                                <p:cTn id="219" presetID="47" presetClass="exit" presetSubtype="0" fill="hold" grpId="1" nodeType="clickEffect">
+                                  <p:stCondLst>
+                                    <p:cond delay="0"/>
+                                  </p:stCondLst>
+                                  <p:childTnLst>
+                                    <p:animEffect transition="out" filter="fade">
+                                      <p:cBhvr>
+                                        <p:cTn id="220" dur="750"/>
+                                        <p:tgtEl>
+                                          <p:spTgt spid="93"/>
+                                        </p:tgtEl>
+                                      </p:cBhvr>
+                                    </p:animEffect>
+                                    <p:anim calcmode="lin" valueType="num">
+                                      <p:cBhvr>
+                                        <p:cTn id="221" dur="750"/>
+                                        <p:tgtEl>
+                                          <p:spTgt spid="93"/>
+                                        </p:tgtEl>
+                                        <p:attrNameLst>
+                                          <p:attrName>ppt_x</p:attrName>
+                                        </p:attrNameLst>
+                                      </p:cBhvr>
+                                      <p:tavLst>
+                                        <p:tav tm="0">
+                                          <p:val>
+                                            <p:strVal val="ppt_x"/>
+                                          </p:val>
+                                        </p:tav>
+                                        <p:tav tm="100000">
+                                          <p:val>
+                                            <p:strVal val="ppt_x"/>
+                                          </p:val>
+                                        </p:tav>
+                                      </p:tavLst>
+                                    </p:anim>
+                                    <p:anim calcmode="lin" valueType="num">
+                                      <p:cBhvr>
+                                        <p:cTn id="222" dur="750"/>
+                                        <p:tgtEl>
+                                          <p:spTgt spid="93"/>
+                                        </p:tgtEl>
+                                        <p:attrNameLst>
+                                          <p:attrName>ppt_y</p:attrName>
+                                        </p:attrNameLst>
+                                      </p:cBhvr>
+                                      <p:tavLst>
+                                        <p:tav tm="0">
+                                          <p:val>
+                                            <p:strVal val="ppt_y"/>
+                                          </p:val>
+                                        </p:tav>
+                                        <p:tav tm="100000">
+                                          <p:val>
+                                            <p:strVal val="ppt_y-.1"/>
+                                          </p:val>
+                                        </p:tav>
+                                      </p:tavLst>
+                                    </p:anim>
+                                    <p:set>
+                                      <p:cBhvr>
+                                        <p:cTn id="223" dur="1" fill="hold">
+                                          <p:stCondLst>
+                                            <p:cond delay="749"/>
+                                          </p:stCondLst>
+                                        </p:cTn>
+                                        <p:tgtEl>
+                                          <p:spTgt spid="93"/>
+                                        </p:tgtEl>
+                                        <p:attrNameLst>
+                                          <p:attrName>style.visibility</p:attrName>
+                                        </p:attrNameLst>
+                                      </p:cBhvr>
+                                      <p:to>
+                                        <p:strVal val="hidden"/>
+                                      </p:to>
+                                    </p:set>
+                                  </p:childTnLst>
+                                </p:cTn>
+                              </p:par>
+                            </p:childTnLst>
+                          </p:cTn>
+                        </p:par>
+                      </p:childTnLst>
+                    </p:cTn>
+                  </p:par>
+                  <p:par>
+                    <p:cTn id="224" fill="hold">
+                      <p:stCondLst>
+                        <p:cond delay="indefinite"/>
+                      </p:stCondLst>
+                      <p:childTnLst>
+                        <p:par>
+                          <p:cTn id="225" fill="hold">
+                            <p:stCondLst>
+                              <p:cond delay="0"/>
+                            </p:stCondLst>
+                            <p:childTnLst>
+                              <p:par>
+                                <p:cTn id="226" presetID="10" presetClass="exit" presetSubtype="0" fill="hold" grpId="1" nodeType="clickEffect">
+                                  <p:stCondLst>
+                                    <p:cond delay="0"/>
+                                  </p:stCondLst>
+                                  <p:childTnLst>
+                                    <p:animEffect transition="out" filter="fade">
+                                      <p:cBhvr>
+                                        <p:cTn id="227" dur="500"/>
+                                        <p:tgtEl>
+                                          <p:spTgt spid="96"/>
+                                        </p:tgtEl>
+                                      </p:cBhvr>
+                                    </p:animEffect>
+                                    <p:set>
+                                      <p:cBhvr>
+                                        <p:cTn id="228" dur="1" fill="hold">
+                                          <p:stCondLst>
+                                            <p:cond delay="499"/>
+                                          </p:stCondLst>
+                                        </p:cTn>
+                                        <p:tgtEl>
+                                          <p:spTgt spid="96"/>
+                                        </p:tgtEl>
+                                        <p:attrNameLst>
+                                          <p:attrName>style.visibility</p:attrName>
+                                        </p:attrNameLst>
+                                      </p:cBhvr>
+                                      <p:to>
+                                        <p:strVal val="hidden"/>
+                                      </p:to>
+                                    </p:set>
+                                  </p:childTnLst>
+                                </p:cTn>
+                              </p:par>
+                              <p:par>
+                                <p:cTn id="229" presetID="10" presetClass="exit" presetSubtype="0" fill="hold" nodeType="withEffect">
+                                  <p:stCondLst>
+                                    <p:cond delay="0"/>
+                                  </p:stCondLst>
+                                  <p:childTnLst>
+                                    <p:animEffect transition="out" filter="fade">
+                                      <p:cBhvr>
+                                        <p:cTn id="230" dur="500"/>
+                                        <p:tgtEl>
+                                          <p:spTgt spid="90"/>
+                                        </p:tgtEl>
+                                      </p:cBhvr>
+                                    </p:animEffect>
+                                    <p:set>
+                                      <p:cBhvr>
+                                        <p:cTn id="231" dur="1" fill="hold">
+                                          <p:stCondLst>
+                                            <p:cond delay="499"/>
+                                          </p:stCondLst>
+                                        </p:cTn>
+                                        <p:tgtEl>
+                                          <p:spTgt spid="90"/>
+                                        </p:tgtEl>
+                                        <p:attrNameLst>
+                                          <p:attrName>style.visibility</p:attrName>
+                                        </p:attrNameLst>
+                                      </p:cBhvr>
+                                      <p:to>
+                                        <p:strVal val="hidden"/>
+                                      </p:to>
+                                    </p:set>
+                                  </p:childTnLst>
+                                </p:cTn>
+                              </p:par>
+                              <p:par>
+                                <p:cTn id="232" presetID="10" presetClass="exit" presetSubtype="0" fill="hold" nodeType="withEffect">
+                                  <p:stCondLst>
+                                    <p:cond delay="0"/>
+                                  </p:stCondLst>
+                                  <p:childTnLst>
+                                    <p:animEffect transition="out" filter="fade">
+                                      <p:cBhvr>
+                                        <p:cTn id="233" dur="500"/>
+                                        <p:tgtEl>
+                                          <p:spTgt spid="94"/>
+                                        </p:tgtEl>
+                                      </p:cBhvr>
+                                    </p:animEffect>
+                                    <p:set>
+                                      <p:cBhvr>
+                                        <p:cTn id="234" dur="1" fill="hold">
+                                          <p:stCondLst>
+                                            <p:cond delay="499"/>
+                                          </p:stCondLst>
+                                        </p:cTn>
+                                        <p:tgtEl>
+                                          <p:spTgt spid="94"/>
+                                        </p:tgtEl>
+                                        <p:attrNameLst>
+                                          <p:attrName>style.visibility</p:attrName>
+                                        </p:attrNameLst>
+                                      </p:cBhvr>
+                                      <p:to>
+                                        <p:strVal val="hidden"/>
+                                      </p:to>
+                                    </p:set>
+                                  </p:childTnLst>
+                                </p:cTn>
+                              </p:par>
+                            </p:childTnLst>
+                          </p:cTn>
+                        </p:par>
+                        <p:par>
+                          <p:cTn id="235" fill="hold">
+                            <p:stCondLst>
+                              <p:cond delay="500"/>
+                            </p:stCondLst>
+                            <p:childTnLst>
+                              <p:par>
+                                <p:cTn id="236" presetID="22" presetClass="entr" presetSubtype="2" fill="hold" nodeType="afterEffect">
+                                  <p:stCondLst>
+                                    <p:cond delay="0"/>
+                                  </p:stCondLst>
+                                  <p:childTnLst>
+                                    <p:set>
+                                      <p:cBhvr>
+                                        <p:cTn id="237" dur="1" fill="hold">
+                                          <p:stCondLst>
+                                            <p:cond delay="0"/>
+                                          </p:stCondLst>
+                                        </p:cTn>
+                                        <p:tgtEl>
+                                          <p:spTgt spid="100"/>
+                                        </p:tgtEl>
+                                        <p:attrNameLst>
+                                          <p:attrName>style.visibility</p:attrName>
+                                        </p:attrNameLst>
+                                      </p:cBhvr>
+                                      <p:to>
+                                        <p:strVal val="visible"/>
+                                      </p:to>
+                                    </p:set>
+                                    <p:animEffect transition="in" filter="wipe(right)">
+                                      <p:cBhvr>
+                                        <p:cTn id="238" dur="500"/>
+                                        <p:tgtEl>
+                                          <p:spTgt spid="100"/>
+                                        </p:tgtEl>
+                                      </p:cBhvr>
+                                    </p:animEffect>
+                                  </p:childTnLst>
+                                </p:cTn>
+                              </p:par>
+                            </p:childTnLst>
+                          </p:cTn>
+                        </p:par>
+                      </p:childTnLst>
+                    </p:cTn>
+                  </p:par>
+                  <p:par>
+                    <p:cTn id="239" fill="hold">
+                      <p:stCondLst>
+                        <p:cond delay="indefinite"/>
+                      </p:stCondLst>
+                      <p:childTnLst>
+                        <p:par>
+                          <p:cTn id="240" fill="hold">
+                            <p:stCondLst>
+                              <p:cond delay="0"/>
+                            </p:stCondLst>
+                            <p:childTnLst>
+                              <p:par>
+                                <p:cTn id="241" presetID="47" presetClass="entr" presetSubtype="0" fill="hold" grpId="0" nodeType="clickEffect">
+                                  <p:stCondLst>
+                                    <p:cond delay="0"/>
+                                  </p:stCondLst>
+                                  <p:childTnLst>
+                                    <p:set>
+                                      <p:cBhvr>
+                                        <p:cTn id="242" dur="1" fill="hold">
+                                          <p:stCondLst>
+                                            <p:cond delay="0"/>
+                                          </p:stCondLst>
+                                        </p:cTn>
+                                        <p:tgtEl>
+                                          <p:spTgt spid="97"/>
+                                        </p:tgtEl>
+                                        <p:attrNameLst>
+                                          <p:attrName>style.visibility</p:attrName>
+                                        </p:attrNameLst>
+                                      </p:cBhvr>
+                                      <p:to>
+                                        <p:strVal val="visible"/>
+                                      </p:to>
+                                    </p:set>
+                                    <p:animEffect transition="in" filter="fade">
+                                      <p:cBhvr>
+                                        <p:cTn id="243" dur="1000"/>
+                                        <p:tgtEl>
+                                          <p:spTgt spid="97"/>
+                                        </p:tgtEl>
+                                      </p:cBhvr>
+                                    </p:animEffect>
+                                    <p:anim calcmode="lin" valueType="num">
+                                      <p:cBhvr>
+                                        <p:cTn id="244" dur="1000" fill="hold"/>
+                                        <p:tgtEl>
+                                          <p:spTgt spid="97"/>
+                                        </p:tgtEl>
+                                        <p:attrNameLst>
+                                          <p:attrName>ppt_x</p:attrName>
+                                        </p:attrNameLst>
+                                      </p:cBhvr>
+                                      <p:tavLst>
+                                        <p:tav tm="0">
+                                          <p:val>
+                                            <p:strVal val="#ppt_x"/>
+                                          </p:val>
+                                        </p:tav>
+                                        <p:tav tm="100000">
+                                          <p:val>
+                                            <p:strVal val="#ppt_x"/>
+                                          </p:val>
+                                        </p:tav>
+                                      </p:tavLst>
+                                    </p:anim>
+                                    <p:anim calcmode="lin" valueType="num">
+                                      <p:cBhvr>
+                                        <p:cTn id="245" dur="1000" fill="hold"/>
+                                        <p:tgtEl>
+                                          <p:spTgt spid="97"/>
+                                        </p:tgtEl>
+                                        <p:attrNameLst>
+                                          <p:attrName>ppt_y</p:attrName>
+                                        </p:attrNameLst>
+                                      </p:cBhvr>
+                                      <p:tavLst>
+                                        <p:tav tm="0">
+                                          <p:val>
+                                            <p:strVal val="#ppt_y-.1"/>
+                                          </p:val>
+                                        </p:tav>
+                                        <p:tav tm="100000">
+                                          <p:val>
+                                            <p:strVal val="#ppt_y"/>
+                                          </p:val>
+                                        </p:tav>
+                                      </p:tavLst>
+                                    </p:anim>
+                                  </p:childTnLst>
+                                </p:cTn>
+                              </p:par>
+                            </p:childTnLst>
+                          </p:cTn>
+                        </p:par>
+                      </p:childTnLst>
+                    </p:cTn>
+                  </p:par>
+                  <p:par>
+                    <p:cTn id="246" fill="hold">
+                      <p:stCondLst>
+                        <p:cond delay="indefinite"/>
+                      </p:stCondLst>
+                      <p:childTnLst>
+                        <p:par>
+                          <p:cTn id="247" fill="hold">
+                            <p:stCondLst>
+                              <p:cond delay="0"/>
+                            </p:stCondLst>
+                            <p:childTnLst>
+                              <p:par>
+                                <p:cTn id="248" presetID="22" presetClass="entr" presetSubtype="1" fill="hold" nodeType="clickEffect">
+                                  <p:stCondLst>
+                                    <p:cond delay="0"/>
+                                  </p:stCondLst>
+                                  <p:childTnLst>
+                                    <p:set>
+                                      <p:cBhvr>
+                                        <p:cTn id="249" dur="1" fill="hold">
+                                          <p:stCondLst>
+                                            <p:cond delay="0"/>
+                                          </p:stCondLst>
+                                        </p:cTn>
+                                        <p:tgtEl>
+                                          <p:spTgt spid="103"/>
+                                        </p:tgtEl>
+                                        <p:attrNameLst>
+                                          <p:attrName>style.visibility</p:attrName>
+                                        </p:attrNameLst>
+                                      </p:cBhvr>
+                                      <p:to>
+                                        <p:strVal val="visible"/>
+                                      </p:to>
+                                    </p:set>
+                                    <p:animEffect transition="in" filter="wipe(up)">
+                                      <p:cBhvr>
+                                        <p:cTn id="250" dur="500"/>
+                                        <p:tgtEl>
+                                          <p:spTgt spid="103"/>
+                                        </p:tgtEl>
+                                      </p:cBhvr>
+                                    </p:animEffect>
+                                  </p:childTnLst>
+                                </p:cTn>
+                              </p:par>
+                            </p:childTnLst>
+                          </p:cTn>
+                        </p:par>
+                      </p:childTnLst>
+                    </p:cTn>
+                  </p:par>
+                  <p:par>
+                    <p:cTn id="251" fill="hold">
+                      <p:stCondLst>
+                        <p:cond delay="indefinite"/>
+                      </p:stCondLst>
+                      <p:childTnLst>
+                        <p:par>
+                          <p:cTn id="252" fill="hold">
+                            <p:stCondLst>
+                              <p:cond delay="0"/>
+                            </p:stCondLst>
+                            <p:childTnLst>
+                              <p:par>
+                                <p:cTn id="253" presetID="47" presetClass="entr" presetSubtype="0" fill="hold" grpId="0" nodeType="clickEffect">
+                                  <p:stCondLst>
+                                    <p:cond delay="0"/>
+                                  </p:stCondLst>
+                                  <p:childTnLst>
+                                    <p:set>
+                                      <p:cBhvr>
+                                        <p:cTn id="254" dur="1" fill="hold">
+                                          <p:stCondLst>
+                                            <p:cond delay="0"/>
+                                          </p:stCondLst>
+                                        </p:cTn>
+                                        <p:tgtEl>
+                                          <p:spTgt spid="105"/>
+                                        </p:tgtEl>
+                                        <p:attrNameLst>
+                                          <p:attrName>style.visibility</p:attrName>
+                                        </p:attrNameLst>
+                                      </p:cBhvr>
+                                      <p:to>
+                                        <p:strVal val="visible"/>
+                                      </p:to>
+                                    </p:set>
+                                    <p:animEffect transition="in" filter="fade">
+                                      <p:cBhvr>
+                                        <p:cTn id="255" dur="1000"/>
+                                        <p:tgtEl>
+                                          <p:spTgt spid="105"/>
+                                        </p:tgtEl>
+                                      </p:cBhvr>
+                                    </p:animEffect>
+                                    <p:anim calcmode="lin" valueType="num">
+                                      <p:cBhvr>
+                                        <p:cTn id="256" dur="1000" fill="hold"/>
+                                        <p:tgtEl>
+                                          <p:spTgt spid="105"/>
+                                        </p:tgtEl>
+                                        <p:attrNameLst>
+                                          <p:attrName>ppt_x</p:attrName>
+                                        </p:attrNameLst>
+                                      </p:cBhvr>
+                                      <p:tavLst>
+                                        <p:tav tm="0">
+                                          <p:val>
+                                            <p:strVal val="#ppt_x"/>
+                                          </p:val>
+                                        </p:tav>
+                                        <p:tav tm="100000">
+                                          <p:val>
+                                            <p:strVal val="#ppt_x"/>
+                                          </p:val>
+                                        </p:tav>
+                                      </p:tavLst>
+                                    </p:anim>
+                                    <p:anim calcmode="lin" valueType="num">
+                                      <p:cBhvr>
+                                        <p:cTn id="257" dur="1000" fill="hold"/>
+                                        <p:tgtEl>
+                                          <p:spTgt spid="105"/>
+                                        </p:tgtEl>
+                                        <p:attrNameLst>
+                                          <p:attrName>ppt_y</p:attrName>
+                                        </p:attrNameLst>
+                                      </p:cBhvr>
+                                      <p:tavLst>
+                                        <p:tav tm="0">
+                                          <p:val>
+                                            <p:strVal val="#ppt_y-.1"/>
+                                          </p:val>
+                                        </p:tav>
+                                        <p:tav tm="100000">
+                                          <p:val>
+                                            <p:strVal val="#ppt_y"/>
+                                          </p:val>
+                                        </p:tav>
+                                      </p:tavLst>
+                                    </p:anim>
+                                  </p:childTnLst>
+                                </p:cTn>
+                              </p:par>
+                            </p:childTnLst>
+                          </p:cTn>
+                        </p:par>
+                      </p:childTnLst>
+                    </p:cTn>
+                  </p:par>
+                  <p:par>
+                    <p:cTn id="258" fill="hold">
+                      <p:stCondLst>
+                        <p:cond delay="indefinite"/>
+                      </p:stCondLst>
+                      <p:childTnLst>
+                        <p:par>
+                          <p:cTn id="259" fill="hold">
+                            <p:stCondLst>
+                              <p:cond delay="0"/>
+                            </p:stCondLst>
+                            <p:childTnLst>
+                              <p:par>
+                                <p:cTn id="260" presetID="22" presetClass="entr" presetSubtype="1" fill="hold" nodeType="clickEffect">
+                                  <p:stCondLst>
+                                    <p:cond delay="0"/>
+                                  </p:stCondLst>
+                                  <p:childTnLst>
+                                    <p:set>
+                                      <p:cBhvr>
+                                        <p:cTn id="261" dur="1" fill="hold">
+                                          <p:stCondLst>
+                                            <p:cond delay="0"/>
+                                          </p:stCondLst>
+                                        </p:cTn>
+                                        <p:tgtEl>
+                                          <p:spTgt spid="106"/>
+                                        </p:tgtEl>
+                                        <p:attrNameLst>
+                                          <p:attrName>style.visibility</p:attrName>
+                                        </p:attrNameLst>
+                                      </p:cBhvr>
+                                      <p:to>
+                                        <p:strVal val="visible"/>
+                                      </p:to>
+                                    </p:set>
+                                    <p:animEffect transition="in" filter="wipe(up)">
+                                      <p:cBhvr>
+                                        <p:cTn id="262" dur="500"/>
+                                        <p:tgtEl>
+                                          <p:spTgt spid="106"/>
+                                        </p:tgtEl>
+                                      </p:cBhvr>
+                                    </p:animEffect>
+                                  </p:childTnLst>
+                                </p:cTn>
+                              </p:par>
+                            </p:childTnLst>
+                          </p:cTn>
+                        </p:par>
+                      </p:childTnLst>
+                    </p:cTn>
+                  </p:par>
+                  <p:par>
+                    <p:cTn id="263" fill="hold">
+                      <p:stCondLst>
+                        <p:cond delay="indefinite"/>
+                      </p:stCondLst>
+                      <p:childTnLst>
+                        <p:par>
+                          <p:cTn id="264" fill="hold">
+                            <p:stCondLst>
+                              <p:cond delay="0"/>
+                            </p:stCondLst>
+                            <p:childTnLst>
+                              <p:par>
+                                <p:cTn id="265" presetID="47" presetClass="exit" presetSubtype="0" fill="hold" grpId="1" nodeType="clickEffect">
+                                  <p:stCondLst>
+                                    <p:cond delay="0"/>
+                                  </p:stCondLst>
+                                  <p:childTnLst>
+                                    <p:animEffect transition="out" filter="fade">
+                                      <p:cBhvr>
+                                        <p:cTn id="266" dur="1000"/>
+                                        <p:tgtEl>
+                                          <p:spTgt spid="105"/>
+                                        </p:tgtEl>
+                                      </p:cBhvr>
+                                    </p:animEffect>
+                                    <p:anim calcmode="lin" valueType="num">
+                                      <p:cBhvr>
+                                        <p:cTn id="267" dur="1000"/>
+                                        <p:tgtEl>
+                                          <p:spTgt spid="105"/>
+                                        </p:tgtEl>
+                                        <p:attrNameLst>
+                                          <p:attrName>ppt_x</p:attrName>
+                                        </p:attrNameLst>
+                                      </p:cBhvr>
+                                      <p:tavLst>
+                                        <p:tav tm="0">
+                                          <p:val>
+                                            <p:strVal val="ppt_x"/>
+                                          </p:val>
+                                        </p:tav>
+                                        <p:tav tm="100000">
+                                          <p:val>
+                                            <p:strVal val="ppt_x"/>
+                                          </p:val>
+                                        </p:tav>
+                                      </p:tavLst>
+                                    </p:anim>
+                                    <p:anim calcmode="lin" valueType="num">
+                                      <p:cBhvr>
+                                        <p:cTn id="268" dur="1000"/>
+                                        <p:tgtEl>
+                                          <p:spTgt spid="105"/>
+                                        </p:tgtEl>
+                                        <p:attrNameLst>
+                                          <p:attrName>ppt_y</p:attrName>
+                                        </p:attrNameLst>
+                                      </p:cBhvr>
+                                      <p:tavLst>
+                                        <p:tav tm="0">
+                                          <p:val>
+                                            <p:strVal val="ppt_y"/>
+                                          </p:val>
+                                        </p:tav>
+                                        <p:tav tm="100000">
+                                          <p:val>
+                                            <p:strVal val="ppt_y-.1"/>
+                                          </p:val>
+                                        </p:tav>
+                                      </p:tavLst>
+                                    </p:anim>
+                                    <p:set>
+                                      <p:cBhvr>
+                                        <p:cTn id="269" dur="1" fill="hold">
+                                          <p:stCondLst>
+                                            <p:cond delay="999"/>
+                                          </p:stCondLst>
+                                        </p:cTn>
+                                        <p:tgtEl>
+                                          <p:spTgt spid="105"/>
+                                        </p:tgtEl>
+                                        <p:attrNameLst>
+                                          <p:attrName>style.visibility</p:attrName>
+                                        </p:attrNameLst>
+                                      </p:cBhvr>
+                                      <p:to>
+                                        <p:strVal val="hidden"/>
+                                      </p:to>
+                                    </p:set>
+                                  </p:childTnLst>
+                                </p:cTn>
+                              </p:par>
+                            </p:childTnLst>
+                          </p:cTn>
+                        </p:par>
+                      </p:childTnLst>
+                    </p:cTn>
+                  </p:par>
+                  <p:par>
+                    <p:cTn id="270" fill="hold">
+                      <p:stCondLst>
+                        <p:cond delay="indefinite"/>
+                      </p:stCondLst>
+                      <p:childTnLst>
+                        <p:par>
+                          <p:cTn id="271" fill="hold">
+                            <p:stCondLst>
+                              <p:cond delay="0"/>
+                            </p:stCondLst>
+                            <p:childTnLst>
+                              <p:par>
+                                <p:cTn id="272" presetID="10" presetClass="exit" presetSubtype="0" fill="hold" nodeType="clickEffect">
+                                  <p:stCondLst>
+                                    <p:cond delay="0"/>
+                                  </p:stCondLst>
+                                  <p:childTnLst>
+                                    <p:animEffect transition="out" filter="fade">
+                                      <p:cBhvr>
+                                        <p:cTn id="273" dur="500"/>
+                                        <p:tgtEl>
+                                          <p:spTgt spid="103"/>
+                                        </p:tgtEl>
+                                      </p:cBhvr>
+                                    </p:animEffect>
+                                    <p:set>
+                                      <p:cBhvr>
+                                        <p:cTn id="274" dur="1" fill="hold">
+                                          <p:stCondLst>
+                                            <p:cond delay="499"/>
+                                          </p:stCondLst>
+                                        </p:cTn>
+                                        <p:tgtEl>
+                                          <p:spTgt spid="103"/>
+                                        </p:tgtEl>
+                                        <p:attrNameLst>
+                                          <p:attrName>style.visibility</p:attrName>
+                                        </p:attrNameLst>
+                                      </p:cBhvr>
+                                      <p:to>
+                                        <p:strVal val="hidden"/>
+                                      </p:to>
+                                    </p:set>
+                                  </p:childTnLst>
+                                </p:cTn>
+                              </p:par>
+                              <p:par>
+                                <p:cTn id="275" presetID="10" presetClass="exit" presetSubtype="0" fill="hold" nodeType="withEffect">
+                                  <p:stCondLst>
+                                    <p:cond delay="0"/>
+                                  </p:stCondLst>
+                                  <p:childTnLst>
+                                    <p:animEffect transition="out" filter="fade">
+                                      <p:cBhvr>
+                                        <p:cTn id="276" dur="500"/>
+                                        <p:tgtEl>
+                                          <p:spTgt spid="106"/>
+                                        </p:tgtEl>
+                                      </p:cBhvr>
+                                    </p:animEffect>
+                                    <p:set>
+                                      <p:cBhvr>
+                                        <p:cTn id="277" dur="1" fill="hold">
+                                          <p:stCondLst>
+                                            <p:cond delay="499"/>
+                                          </p:stCondLst>
+                                        </p:cTn>
+                                        <p:tgtEl>
+                                          <p:spTgt spid="106"/>
+                                        </p:tgtEl>
+                                        <p:attrNameLst>
+                                          <p:attrName>style.visibility</p:attrName>
+                                        </p:attrNameLst>
+                                      </p:cBhvr>
+                                      <p:to>
+                                        <p:strVal val="hidden"/>
+                                      </p:to>
+                                    </p:set>
+                                  </p:childTnLst>
+                                </p:cTn>
+                              </p:par>
+                            </p:childTnLst>
+                          </p:cTn>
+                        </p:par>
+                      </p:childTnLst>
+                    </p:cTn>
+                  </p:par>
+                  <p:par>
+                    <p:cTn id="278" fill="hold">
+                      <p:stCondLst>
+                        <p:cond delay="indefinite"/>
+                      </p:stCondLst>
+                      <p:childTnLst>
+                        <p:par>
+                          <p:cTn id="279" fill="hold">
+                            <p:stCondLst>
+                              <p:cond delay="0"/>
+                            </p:stCondLst>
+                            <p:childTnLst>
+                              <p:par>
+                                <p:cTn id="280" presetID="22" presetClass="entr" presetSubtype="1" fill="hold" nodeType="clickEffect">
+                                  <p:stCondLst>
+                                    <p:cond delay="0"/>
+                                  </p:stCondLst>
+                                  <p:childTnLst>
+                                    <p:set>
+                                      <p:cBhvr>
+                                        <p:cTn id="281" dur="1" fill="hold">
+                                          <p:stCondLst>
+                                            <p:cond delay="0"/>
+                                          </p:stCondLst>
+                                        </p:cTn>
+                                        <p:tgtEl>
+                                          <p:spTgt spid="99"/>
+                                        </p:tgtEl>
+                                        <p:attrNameLst>
+                                          <p:attrName>style.visibility</p:attrName>
+                                        </p:attrNameLst>
+                                      </p:cBhvr>
+                                      <p:to>
+                                        <p:strVal val="visible"/>
+                                      </p:to>
+                                    </p:set>
+                                    <p:animEffect transition="in" filter="wipe(up)">
+                                      <p:cBhvr>
+                                        <p:cTn id="282" dur="500"/>
+                                        <p:tgtEl>
+                                          <p:spTgt spid="99"/>
+                                        </p:tgtEl>
+                                      </p:cBhvr>
+                                    </p:animEffect>
+                                  </p:childTnLst>
+                                </p:cTn>
+                              </p:par>
+                            </p:childTnLst>
+                          </p:cTn>
+                        </p:par>
+                      </p:childTnLst>
+                    </p:cTn>
+                  </p:par>
+                  <p:par>
+                    <p:cTn id="283" fill="hold">
+                      <p:stCondLst>
+                        <p:cond delay="indefinite"/>
+                      </p:stCondLst>
+                      <p:childTnLst>
+                        <p:par>
+                          <p:cTn id="284" fill="hold">
+                            <p:stCondLst>
+                              <p:cond delay="0"/>
+                            </p:stCondLst>
+                            <p:childTnLst>
+                              <p:par>
+                                <p:cTn id="285" presetID="47" presetClass="entr" presetSubtype="0" fill="hold" grpId="0" nodeType="clickEffect">
+                                  <p:stCondLst>
+                                    <p:cond delay="0"/>
+                                  </p:stCondLst>
+                                  <p:childTnLst>
+                                    <p:set>
+                                      <p:cBhvr>
+                                        <p:cTn id="286" dur="1" fill="hold">
+                                          <p:stCondLst>
+                                            <p:cond delay="0"/>
+                                          </p:stCondLst>
+                                        </p:cTn>
+                                        <p:tgtEl>
+                                          <p:spTgt spid="108"/>
+                                        </p:tgtEl>
+                                        <p:attrNameLst>
+                                          <p:attrName>style.visibility</p:attrName>
+                                        </p:attrNameLst>
+                                      </p:cBhvr>
+                                      <p:to>
+                                        <p:strVal val="visible"/>
+                                      </p:to>
+                                    </p:set>
+                                    <p:animEffect transition="in" filter="fade">
+                                      <p:cBhvr>
+                                        <p:cTn id="287" dur="1000"/>
+                                        <p:tgtEl>
+                                          <p:spTgt spid="108"/>
+                                        </p:tgtEl>
+                                      </p:cBhvr>
+                                    </p:animEffect>
+                                    <p:anim calcmode="lin" valueType="num">
+                                      <p:cBhvr>
+                                        <p:cTn id="288" dur="1000" fill="hold"/>
+                                        <p:tgtEl>
+                                          <p:spTgt spid="108"/>
+                                        </p:tgtEl>
+                                        <p:attrNameLst>
+                                          <p:attrName>ppt_x</p:attrName>
+                                        </p:attrNameLst>
+                                      </p:cBhvr>
+                                      <p:tavLst>
+                                        <p:tav tm="0">
+                                          <p:val>
+                                            <p:strVal val="#ppt_x"/>
+                                          </p:val>
+                                        </p:tav>
+                                        <p:tav tm="100000">
+                                          <p:val>
+                                            <p:strVal val="#ppt_x"/>
+                                          </p:val>
+                                        </p:tav>
+                                      </p:tavLst>
+                                    </p:anim>
+                                    <p:anim calcmode="lin" valueType="num">
+                                      <p:cBhvr>
+                                        <p:cTn id="289" dur="1000" fill="hold"/>
+                                        <p:tgtEl>
+                                          <p:spTgt spid="108"/>
+                                        </p:tgtEl>
+                                        <p:attrNameLst>
+                                          <p:attrName>ppt_y</p:attrName>
+                                        </p:attrNameLst>
+                                      </p:cBhvr>
+                                      <p:tavLst>
+                                        <p:tav tm="0">
+                                          <p:val>
+                                            <p:strVal val="#ppt_y-.1"/>
+                                          </p:val>
+                                        </p:tav>
+                                        <p:tav tm="100000">
+                                          <p:val>
+                                            <p:strVal val="#ppt_y"/>
+                                          </p:val>
+                                        </p:tav>
+                                      </p:tavLst>
+                                    </p:anim>
+                                  </p:childTnLst>
+                                </p:cTn>
+                              </p:par>
+                            </p:childTnLst>
+                          </p:cTn>
+                        </p:par>
+                      </p:childTnLst>
+                    </p:cTn>
+                  </p:par>
+                  <p:par>
+                    <p:cTn id="290" fill="hold">
+                      <p:stCondLst>
+                        <p:cond delay="indefinite"/>
+                      </p:stCondLst>
+                      <p:childTnLst>
+                        <p:par>
+                          <p:cTn id="291" fill="hold">
+                            <p:stCondLst>
+                              <p:cond delay="0"/>
+                            </p:stCondLst>
+                            <p:childTnLst>
+                              <p:par>
+                                <p:cTn id="292" presetID="22" presetClass="entr" presetSubtype="1" fill="hold" nodeType="clickEffect">
+                                  <p:stCondLst>
+                                    <p:cond delay="0"/>
+                                  </p:stCondLst>
+                                  <p:childTnLst>
+                                    <p:set>
+                                      <p:cBhvr>
+                                        <p:cTn id="293" dur="1" fill="hold">
+                                          <p:stCondLst>
+                                            <p:cond delay="0"/>
+                                          </p:stCondLst>
+                                        </p:cTn>
+                                        <p:tgtEl>
+                                          <p:spTgt spid="109"/>
+                                        </p:tgtEl>
+                                        <p:attrNameLst>
+                                          <p:attrName>style.visibility</p:attrName>
+                                        </p:attrNameLst>
+                                      </p:cBhvr>
+                                      <p:to>
+                                        <p:strVal val="visible"/>
+                                      </p:to>
+                                    </p:set>
+                                    <p:animEffect transition="in" filter="wipe(up)">
+                                      <p:cBhvr>
+                                        <p:cTn id="294" dur="500"/>
+                                        <p:tgtEl>
+                                          <p:spTgt spid="109"/>
+                                        </p:tgtEl>
+                                      </p:cBhvr>
+                                    </p:animEffect>
+                                  </p:childTnLst>
+                                </p:cTn>
+                              </p:par>
+                            </p:childTnLst>
+                          </p:cTn>
+                        </p:par>
+                      </p:childTnLst>
+                    </p:cTn>
+                  </p:par>
+                </p:childTnLst>
+              </p:cTn>
+              <p:prevCondLst>
+                <p:cond evt="onPrev" delay="0">
+                  <p:tgtEl>
+                    <p:sldTgt/>
+                  </p:tgtEl>
+                </p:cond>
+              </p:prevCondLst>
+              <p:nextCondLst>
+                <p:cond evt="onNext" delay="0">
+                  <p:tgtEl>
+                    <p:sldTgt/>
+                  </p:tgtEl>
+                </p:cond>
+              </p:nextCondLst>
+            </p:seq>
+          </p:childTnLst>
+        </p:cTn>
+      </p:par>
+    </p:tnLst>
+    <p:bldLst>
+      <p:bldP spid="4" grpId="0"/>
+      <p:bldP spid="85" grpId="0" animBg="1"/>
+      <p:bldP spid="12" grpId="0" animBg="1"/>
+      <p:bldP spid="50" grpId="0" animBg="1"/>
+      <p:bldP spid="51" grpId="0" animBg="1"/>
+      <p:bldP spid="51" grpId="1" animBg="1"/>
+      <p:bldP spid="26" grpId="0"/>
+      <p:bldP spid="26" grpId="1"/>
+      <p:bldP spid="82" grpId="0" animBg="1"/>
+      <p:bldP spid="92" grpId="0"/>
+      <p:bldP spid="92" grpId="1"/>
+      <p:bldP spid="93" grpId="0" animBg="1"/>
+      <p:bldP spid="93" grpId="1" animBg="1"/>
+      <p:bldP spid="96" grpId="0"/>
+      <p:bldP spid="96" grpId="1"/>
+      <p:bldP spid="97" grpId="0" animBg="1"/>
+      <p:bldP spid="105" grpId="0" animBg="1"/>
+      <p:bldP spid="105" grpId="1" animBg="1"/>
+      <p:bldP spid="108" grpId="0" animBg="1"/>
+    </p:bldLst>
   </p:timing>
 </p:sld>
 </file>
@@ -27472,6 +34879,50 @@
       </p:grpSpPr>
       <p:sp>
         <p:nvSpPr>
+          <p:cNvPr id="81" name="矩形 80"/>
+          <p:cNvSpPr/>
+          <p:nvPr/>
+        </p:nvSpPr>
+        <p:spPr>
+          <a:xfrm>
+            <a:off x="669482" y="1912828"/>
+            <a:ext cx="7890317" cy="646331"/>
+          </a:xfrm>
+          <a:prstGeom prst="rect">
+            <a:avLst/>
+          </a:prstGeom>
+        </p:spPr>
+        <p:txBody>
+          <a:bodyPr wrap="square">
+            <a:spAutoFit/>
+          </a:bodyPr>
+          <a:lstStyle/>
+          <a:p>
+            <a:r>
+              <a:rPr lang="zh-CN" altLang="en-US" dirty="0"/>
+              <a:t>平面上给定的点集</a:t>
+            </a:r>
+            <a:r>
+              <a:rPr lang="en-US" altLang="zh-CN" dirty="0"/>
+              <a:t>Q</a:t>
+            </a:r>
+            <a:r>
+              <a:rPr lang="zh-CN" altLang="en-US" dirty="0"/>
+              <a:t>，它的凸包是指一个最小凸多边形，满足</a:t>
+            </a:r>
+            <a:r>
+              <a:rPr lang="en-US" altLang="zh-CN" dirty="0"/>
+              <a:t>Q</a:t>
+            </a:r>
+            <a:r>
+              <a:rPr lang="zh-CN" altLang="en-US" dirty="0"/>
+              <a:t>中的点或者在多边形边上或者在其内。 </a:t>
+            </a:r>
+          </a:p>
+        </p:txBody>
+      </p:sp>
+      <p:sp>
+        <p:nvSpPr>
           <p:cNvPr id="2" name="标题 1"/>
           <p:cNvSpPr txBox="1">
             <a:spLocks/>
@@ -27535,7 +34986,7 @@
         </p:nvSpPr>
         <p:spPr>
           <a:xfrm>
-            <a:off x="542482" y="1280851"/>
+            <a:off x="545887" y="1280851"/>
             <a:ext cx="1467068" cy="400110"/>
           </a:xfrm>
           <a:prstGeom prst="rect">
@@ -27548,6 +34999,7 @@
           </a:bodyPr>
           <a:lstStyle/>
           <a:p>
+            <a:pPr algn="ctr"/>
             <a:r>
               <a:rPr lang="zh-CN" altLang="en-US" sz="2000" dirty="0" smtClean="0"/>
               <a:t>凸</a:t>
@@ -27573,7 +35025,7 @@
         <p:spPr>
           <a:xfrm>
             <a:off x="542482" y="1900535"/>
-            <a:ext cx="1689089" cy="369332"/>
+            <a:ext cx="3478533" cy="369332"/>
           </a:xfrm>
           <a:prstGeom prst="rect">
             <a:avLst/>
@@ -27586,12 +35038,8 @@
           <a:lstStyle/>
           <a:p>
             <a:r>
-              <a:rPr lang="zh-CN" altLang="en-US" dirty="0"/>
-              <a:t>木</a:t>
-            </a:r>
-            <a:r>
               <a:rPr lang="zh-CN" altLang="en-US" dirty="0" smtClean="0"/>
-              <a:t>板上的铁钉</a:t>
+              <a:t>  引例：木板上的铁钉</a:t>
             </a:r>
             <a:endParaRPr lang="zh-CN" altLang="en-US" dirty="0"/>
           </a:p>
@@ -29907,50 +37355,237 @@
           </a:fontRef>
         </p:style>
       </p:cxnSp>
-      <p:sp>
-        <p:nvSpPr>
-          <p:cNvPr id="81" name="矩形 80"/>
-          <p:cNvSpPr/>
+      <p:grpSp>
+        <p:nvGrpSpPr>
+          <p:cNvPr id="3" name="组合 2"/>
+          <p:cNvGrpSpPr/>
           <p:nvPr/>
-        </p:nvSpPr>
-        <p:spPr>
+        </p:nvGrpSpPr>
+        <p:grpSpPr>
           <a:xfrm>
-            <a:off x="542482" y="1912896"/>
-            <a:ext cx="7970147" cy="646331"/>
+            <a:off x="845098" y="3488087"/>
+            <a:ext cx="4347701" cy="1170760"/>
+            <a:chOff x="802690" y="4344783"/>
+            <a:chExt cx="4347701" cy="1170760"/>
           </a:xfrm>
-          <a:prstGeom prst="rect">
-            <a:avLst/>
-          </a:prstGeom>
-        </p:spPr>
-        <p:txBody>
-          <a:bodyPr wrap="square">
-            <a:spAutoFit/>
-          </a:bodyPr>
-          <a:lstStyle/>
-          <a:p>
-            <a:r>
-              <a:rPr lang="zh-CN" altLang="en-US" dirty="0"/>
-              <a:t>平面上给定的点集</a:t>
-            </a:r>
-            <a:r>
-              <a:rPr lang="en-US" altLang="zh-CN" dirty="0"/>
-              <a:t>Q</a:t>
-            </a:r>
-            <a:r>
-              <a:rPr lang="zh-CN" altLang="en-US" dirty="0"/>
-              <a:t>，它的凸包是指一个最小凸多边形，满足</a:t>
-            </a:r>
-            <a:r>
-              <a:rPr lang="en-US" altLang="zh-CN" dirty="0"/>
-              <a:t>Q</a:t>
-            </a:r>
-            <a:r>
-              <a:rPr lang="zh-CN" altLang="en-US" dirty="0"/>
-              <a:t>中的点或者在多边形边上或者在其内。 </a:t>
-            </a:r>
-          </a:p>
-        </p:txBody>
-      </p:sp>
+        </p:grpSpPr>
+        <p:sp>
+          <p:nvSpPr>
+            <p:cNvPr id="27" name="TextBox 4"/>
+            <p:cNvSpPr txBox="1">
+              <a:spLocks noChangeArrowheads="1"/>
+            </p:cNvSpPr>
+            <p:nvPr/>
+          </p:nvSpPr>
+          <p:spPr bwMode="auto">
+            <a:xfrm>
+              <a:off x="802690" y="4708320"/>
+              <a:ext cx="1571625" cy="461963"/>
+            </a:xfrm>
+            <a:prstGeom prst="rect">
+              <a:avLst/>
+            </a:prstGeom>
+            <a:noFill/>
+            <a:ln w="9525">
+              <a:noFill/>
+              <a:miter lim="800000"/>
+              <a:headEnd/>
+              <a:tailEnd/>
+            </a:ln>
+          </p:spPr>
+          <p:txBody>
+            <a:bodyPr>
+              <a:spAutoFit/>
+            </a:bodyPr>
+            <a:lstStyle/>
+            <a:p>
+              <a:r>
+                <a:rPr lang="zh-CN" altLang="en-US" sz="2400" dirty="0">
+                  <a:latin typeface="华文楷体" pitchFamily="2" charset="-122"/>
+                  <a:ea typeface="华文楷体" pitchFamily="2" charset="-122"/>
+                </a:rPr>
+                <a:t>寻找</a:t>
+              </a:r>
+              <a:r>
+                <a:rPr lang="zh-CN" altLang="en-US" sz="2400" dirty="0" smtClean="0">
+                  <a:latin typeface="华文楷体" pitchFamily="2" charset="-122"/>
+                  <a:ea typeface="华文楷体" pitchFamily="2" charset="-122"/>
+                </a:rPr>
+                <a:t>凸</a:t>
+              </a:r>
+              <a:r>
+                <a:rPr lang="zh-CN" altLang="en-US" sz="2400" dirty="0">
+                  <a:latin typeface="华文楷体" pitchFamily="2" charset="-122"/>
+                  <a:ea typeface="华文楷体" pitchFamily="2" charset="-122"/>
+                </a:rPr>
+                <a:t>包 </a:t>
+              </a:r>
+            </a:p>
+          </p:txBody>
+        </p:sp>
+        <p:sp>
+          <p:nvSpPr>
+            <p:cNvPr id="31" name="左大括号 30"/>
+            <p:cNvSpPr/>
+            <p:nvPr/>
+          </p:nvSpPr>
+          <p:spPr>
+            <a:xfrm>
+              <a:off x="2382000" y="4546394"/>
+              <a:ext cx="160309" cy="785813"/>
+            </a:xfrm>
+            <a:prstGeom prst="leftBrace">
+              <a:avLst>
+                <a:gd name="adj1" fmla="val 53113"/>
+                <a:gd name="adj2" fmla="val 50000"/>
+              </a:avLst>
+            </a:prstGeom>
+            <a:ln w="28575">
+              <a:solidFill>
+                <a:schemeClr val="tx1"/>
+              </a:solidFill>
+            </a:ln>
+          </p:spPr>
+          <p:style>
+            <a:lnRef idx="1">
+              <a:schemeClr val="accent1"/>
+            </a:lnRef>
+            <a:fillRef idx="0">
+              <a:schemeClr val="accent1"/>
+            </a:fillRef>
+            <a:effectRef idx="0">
+              <a:schemeClr val="accent1"/>
+            </a:effectRef>
+            <a:fontRef idx="minor">
+              <a:schemeClr val="tx1"/>
+            </a:fontRef>
+          </p:style>
+          <p:txBody>
+            <a:bodyPr anchor="ctr"/>
+            <a:lstStyle/>
+            <a:p>
+              <a:pPr algn="ctr" fontAlgn="auto">
+                <a:spcBef>
+                  <a:spcPts val="0"/>
+                </a:spcBef>
+                <a:spcAft>
+                  <a:spcPts val="0"/>
+                </a:spcAft>
+                <a:defRPr/>
+              </a:pPr>
+              <a:endParaRPr lang="zh-CN" altLang="en-US"/>
+            </a:p>
+          </p:txBody>
+        </p:sp>
+        <p:sp>
+          <p:nvSpPr>
+            <p:cNvPr id="36" name="TextBox 6"/>
+            <p:cNvSpPr txBox="1">
+              <a:spLocks noChangeArrowheads="1"/>
+            </p:cNvSpPr>
+            <p:nvPr/>
+          </p:nvSpPr>
+          <p:spPr bwMode="auto">
+            <a:xfrm>
+              <a:off x="2660065" y="4344783"/>
+              <a:ext cx="2490326" cy="461665"/>
+            </a:xfrm>
+            <a:prstGeom prst="rect">
+              <a:avLst/>
+            </a:prstGeom>
+            <a:noFill/>
+            <a:ln w="9525">
+              <a:noFill/>
+              <a:miter lim="800000"/>
+              <a:headEnd/>
+              <a:tailEnd/>
+            </a:ln>
+          </p:spPr>
+          <p:txBody>
+            <a:bodyPr wrap="square">
+              <a:spAutoFit/>
+            </a:bodyPr>
+            <a:lstStyle/>
+            <a:p>
+              <a:r>
+                <a:rPr lang="en-US" altLang="zh-CN" sz="2400" dirty="0" smtClean="0">
+                  <a:latin typeface="华文楷体" pitchFamily="2" charset="-122"/>
+                  <a:ea typeface="华文楷体" pitchFamily="2" charset="-122"/>
+                </a:rPr>
+                <a:t>Graham </a:t>
+              </a:r>
+              <a:r>
+                <a:rPr lang="zh-CN" altLang="en-US" sz="2400" dirty="0" smtClean="0">
+                  <a:latin typeface="华文楷体" pitchFamily="2" charset="-122"/>
+                  <a:ea typeface="华文楷体" pitchFamily="2" charset="-122"/>
+                </a:rPr>
+                <a:t>扫</a:t>
+              </a:r>
+              <a:r>
+                <a:rPr lang="zh-CN" altLang="en-US" sz="2400" dirty="0">
+                  <a:latin typeface="华文楷体" pitchFamily="2" charset="-122"/>
+                  <a:ea typeface="华文楷体" pitchFamily="2" charset="-122"/>
+                </a:rPr>
+                <a:t>描法 </a:t>
+              </a:r>
+            </a:p>
+          </p:txBody>
+        </p:sp>
+        <p:sp>
+          <p:nvSpPr>
+            <p:cNvPr id="38" name="TextBox 7"/>
+            <p:cNvSpPr txBox="1">
+              <a:spLocks noChangeArrowheads="1"/>
+            </p:cNvSpPr>
+            <p:nvPr/>
+          </p:nvSpPr>
+          <p:spPr bwMode="auto">
+            <a:xfrm>
+              <a:off x="2730754" y="5053878"/>
+              <a:ext cx="2219007" cy="461665"/>
+            </a:xfrm>
+            <a:prstGeom prst="rect">
+              <a:avLst/>
+            </a:prstGeom>
+            <a:noFill/>
+            <a:ln w="9525">
+              <a:noFill/>
+              <a:miter lim="800000"/>
+              <a:headEnd/>
+              <a:tailEnd/>
+            </a:ln>
+          </p:spPr>
+          <p:txBody>
+            <a:bodyPr wrap="square">
+              <a:spAutoFit/>
+            </a:bodyPr>
+            <a:lstStyle/>
+            <a:p>
+              <a:r>
+                <a:rPr lang="en-US" altLang="zh-CN" sz="2400" dirty="0" smtClean="0">
+                  <a:latin typeface="华文楷体" pitchFamily="2" charset="-122"/>
+                  <a:ea typeface="华文楷体" pitchFamily="2" charset="-122"/>
+                </a:rPr>
+                <a:t>Jarvis </a:t>
+              </a:r>
+              <a:r>
+                <a:rPr lang="zh-CN" altLang="en-US" sz="2400" dirty="0" smtClean="0">
+                  <a:latin typeface="华文楷体" pitchFamily="2" charset="-122"/>
+                  <a:ea typeface="华文楷体" pitchFamily="2" charset="-122"/>
+                </a:rPr>
+                <a:t>步</a:t>
+              </a:r>
+              <a:r>
+                <a:rPr lang="zh-CN" altLang="en-US" sz="2400" dirty="0">
+                  <a:latin typeface="华文楷体" pitchFamily="2" charset="-122"/>
+                  <a:ea typeface="华文楷体" pitchFamily="2" charset="-122"/>
+                </a:rPr>
+                <a:t>进法 </a:t>
+              </a:r>
+            </a:p>
+          </p:txBody>
+        </p:sp>
+      </p:grpSp>
     </p:spTree>
     <p:extLst>
       <p:ext uri="{BB962C8B-B14F-4D97-AF65-F5344CB8AC3E}">
@@ -30537,6 +38172,105 @@
                       </p:childTnLst>
                     </p:cTn>
                   </p:par>
+                  <p:par>
+                    <p:cTn id="56" fill="hold">
+                      <p:stCondLst>
+                        <p:cond delay="indefinite"/>
+                      </p:stCondLst>
+                      <p:childTnLst>
+                        <p:par>
+                          <p:cTn id="57" fill="hold">
+                            <p:stCondLst>
+                              <p:cond delay="0"/>
+                            </p:stCondLst>
+                            <p:childTnLst>
+                              <p:par>
+                                <p:cTn id="58" presetID="53" presetClass="entr" presetSubtype="16" fill="hold" nodeType="clickEffect">
+                                  <p:stCondLst>
+                                    <p:cond delay="0"/>
+                                  </p:stCondLst>
+                                  <p:childTnLst>
+                                    <p:set>
+                                      <p:cBhvr>
+                                        <p:cTn id="59" dur="1" fill="hold">
+                                          <p:stCondLst>
+                                            <p:cond delay="0"/>
+                                          </p:stCondLst>
+                                        </p:cTn>
+                                        <p:tgtEl>
+                                          <p:spTgt spid="3"/>
+                                        </p:tgtEl>
+                                        <p:attrNameLst>
+                                          <p:attrName>style.visibility</p:attrName>
+                                        </p:attrNameLst>
+                                      </p:cBhvr>
+                                      <p:to>
+                                        <p:strVal val="visible"/>
+                                      </p:to>
+                                    </p:set>
+                                    <p:anim calcmode="lin" valueType="num">
+                                      <p:cBhvr>
+                                        <p:cTn id="60" dur="500" fill="hold"/>
+                                        <p:tgtEl>
+                                          <p:spTgt spid="3"/>
+                                        </p:tgtEl>
+                                        <p:attrNameLst>
+                                          <p:attrName>ppt_w</p:attrName>
+                                        </p:attrNameLst>
+                                      </p:cBhvr>
+                                      <p:tavLst>
+                                        <p:tav tm="0">
+                                          <p:val>
+                                            <p:fltVal val="0"/>
+                                          </p:val>
+                                        </p:tav>
+                                        <p:tav tm="100000">
+                                          <p:val>
+                                            <p:strVal val="#ppt_w"/>
+                                          </p:val>
+                                        </p:tav>
+                                      </p:tavLst>
+                                    </p:anim>
+                                    <p:anim calcmode="lin" valueType="num">
+                                      <p:cBhvr>
+                                        <p:cTn id="61" dur="500" fill="hold"/>
+                                        <p:tgtEl>
+                                          <p:spTgt spid="3"/>
+                                        </p:tgtEl>
+                                        <p:attrNameLst>
+                                          <p:attrName>ppt_h</p:attrName>
+                                        </p:attrNameLst>
+                                      </p:cBhvr>
+                                      <p:tavLst>
+                                        <p:tav tm="0">
+                                          <p:val>
+                                            <p:fltVal val="0"/>
+                                          </p:val>
+                                        </p:tav>
+                                        <p:tav tm="100000">
+                                          <p:val>
+                                            <p:strVal val="#ppt_h"/>
+                                          </p:val>
+                                        </p:tav>
+                                      </p:tavLst>
+                                    </p:anim>
+                                    <p:animEffect transition="in" filter="fade">
+                                      <p:cBhvr>
+                                        <p:cTn id="62" dur="500"/>
+                                        <p:tgtEl>
+                                          <p:spTgt spid="3"/>
+                                        </p:tgtEl>
+                                      </p:cBhvr>
+                                    </p:animEffect>
+                                  </p:childTnLst>
+                                </p:cTn>
+                              </p:par>
+                            </p:childTnLst>
+                          </p:cTn>
+                        </p:par>
+                      </p:childTnLst>
+                    </p:cTn>
+                  </p:par>
                 </p:childTnLst>
               </p:cTn>
               <p:prevCondLst>
@@ -30559,11 +38293,11 @@
       </p:par>
     </p:tnLst>
     <p:bldLst>
+      <p:bldP spid="81" grpId="0"/>
       <p:bldP spid="2" grpId="0"/>
       <p:bldP spid="4" grpId="0"/>
       <p:bldP spid="6" grpId="0"/>
       <p:bldP spid="6" grpId="1"/>
-      <p:bldP spid="81" grpId="0"/>
     </p:bldLst>
   </p:timing>
 </p:sld>

--- a/第二讲快排+计算几何.pptx
+++ b/第二讲快排+计算几何.pptx
@@ -5,7 +5,7 @@
     <p:sldMasterId id="2147483660" r:id="rId1"/>
   </p:sldMasterIdLst>
   <p:notesMasterIdLst>
-    <p:notesMasterId r:id="rId12"/>
+    <p:notesMasterId r:id="rId16"/>
   </p:notesMasterIdLst>
   <p:sldIdLst>
     <p:sldId id="256" r:id="rId2"/>
@@ -18,6 +18,10 @@
     <p:sldId id="259" r:id="rId9"/>
     <p:sldId id="265" r:id="rId10"/>
     <p:sldId id="266" r:id="rId11"/>
+    <p:sldId id="267" r:id="rId12"/>
+    <p:sldId id="268" r:id="rId13"/>
+    <p:sldId id="269" r:id="rId14"/>
+    <p:sldId id="270" r:id="rId15"/>
   </p:sldIdLst>
   <p:sldSz cx="9144000" cy="6858000" type="screen4x3"/>
   <p:notesSz cx="6858000" cy="9144000"/>
@@ -232,7 +236,7 @@
           <a:p>
             <a:fld id="{57AE6B7A-88E7-4319-9445-150A6E64A1D5}" type="datetimeFigureOut">
               <a:rPr lang="zh-CN" altLang="en-US" smtClean="0"/>
-              <a:t>2016/4/12</a:t>
+              <a:t>2016/4/13</a:t>
             </a:fld>
             <a:endParaRPr lang="zh-CN" altLang="en-US"/>
           </a:p>
@@ -865,7 +869,7 @@
           <a:p>
             <a:fld id="{5181D739-F787-4312-8F5C-8869425688E3}" type="datetimeFigureOut">
               <a:rPr lang="zh-CN" altLang="en-US" smtClean="0"/>
-              <a:t>2016/4/12</a:t>
+              <a:t>2016/4/13</a:t>
             </a:fld>
             <a:endParaRPr lang="zh-CN" altLang="en-US"/>
           </a:p>
@@ -1042,7 +1046,7 @@
           <a:p>
             <a:fld id="{5181D739-F787-4312-8F5C-8869425688E3}" type="datetimeFigureOut">
               <a:rPr lang="zh-CN" altLang="en-US" smtClean="0"/>
-              <a:t>2016/4/12</a:t>
+              <a:t>2016/4/13</a:t>
             </a:fld>
             <a:endParaRPr lang="zh-CN" altLang="en-US"/>
           </a:p>
@@ -1222,7 +1226,7 @@
           <a:p>
             <a:fld id="{5181D739-F787-4312-8F5C-8869425688E3}" type="datetimeFigureOut">
               <a:rPr lang="zh-CN" altLang="en-US" smtClean="0"/>
-              <a:t>2016/4/12</a:t>
+              <a:t>2016/4/13</a:t>
             </a:fld>
             <a:endParaRPr lang="zh-CN" altLang="en-US"/>
           </a:p>
@@ -1392,7 +1396,7 @@
           <a:p>
             <a:fld id="{5181D739-F787-4312-8F5C-8869425688E3}" type="datetimeFigureOut">
               <a:rPr lang="zh-CN" altLang="en-US" smtClean="0"/>
-              <a:t>2016/4/12</a:t>
+              <a:t>2016/4/13</a:t>
             </a:fld>
             <a:endParaRPr lang="zh-CN" altLang="en-US"/>
           </a:p>
@@ -1643,7 +1647,7 @@
           <a:p>
             <a:fld id="{5181D739-F787-4312-8F5C-8869425688E3}" type="datetimeFigureOut">
               <a:rPr lang="zh-CN" altLang="en-US" smtClean="0"/>
-              <a:t>2016/4/12</a:t>
+              <a:t>2016/4/13</a:t>
             </a:fld>
             <a:endParaRPr lang="zh-CN" altLang="en-US"/>
           </a:p>
@@ -1875,7 +1879,7 @@
           <a:p>
             <a:fld id="{5181D739-F787-4312-8F5C-8869425688E3}" type="datetimeFigureOut">
               <a:rPr lang="zh-CN" altLang="en-US" smtClean="0"/>
-              <a:t>2016/4/12</a:t>
+              <a:t>2016/4/13</a:t>
             </a:fld>
             <a:endParaRPr lang="zh-CN" altLang="en-US"/>
           </a:p>
@@ -2242,7 +2246,7 @@
           <a:p>
             <a:fld id="{5181D739-F787-4312-8F5C-8869425688E3}" type="datetimeFigureOut">
               <a:rPr lang="zh-CN" altLang="en-US" smtClean="0"/>
-              <a:t>2016/4/12</a:t>
+              <a:t>2016/4/13</a:t>
             </a:fld>
             <a:endParaRPr lang="zh-CN" altLang="en-US"/>
           </a:p>
@@ -2360,7 +2364,7 @@
           <a:p>
             <a:fld id="{5181D739-F787-4312-8F5C-8869425688E3}" type="datetimeFigureOut">
               <a:rPr lang="zh-CN" altLang="en-US" smtClean="0"/>
-              <a:t>2016/4/12</a:t>
+              <a:t>2016/4/13</a:t>
             </a:fld>
             <a:endParaRPr lang="zh-CN" altLang="en-US"/>
           </a:p>
@@ -2455,7 +2459,7 @@
           <a:p>
             <a:fld id="{5181D739-F787-4312-8F5C-8869425688E3}" type="datetimeFigureOut">
               <a:rPr lang="zh-CN" altLang="en-US" smtClean="0"/>
-              <a:t>2016/4/12</a:t>
+              <a:t>2016/4/13</a:t>
             </a:fld>
             <a:endParaRPr lang="zh-CN" altLang="en-US"/>
           </a:p>
@@ -2732,7 +2736,7 @@
           <a:p>
             <a:fld id="{5181D739-F787-4312-8F5C-8869425688E3}" type="datetimeFigureOut">
               <a:rPr lang="zh-CN" altLang="en-US" smtClean="0"/>
-              <a:t>2016/4/12</a:t>
+              <a:t>2016/4/13</a:t>
             </a:fld>
             <a:endParaRPr lang="zh-CN" altLang="en-US"/>
           </a:p>
@@ -2989,7 +2993,7 @@
           <a:p>
             <a:fld id="{5181D739-F787-4312-8F5C-8869425688E3}" type="datetimeFigureOut">
               <a:rPr lang="zh-CN" altLang="en-US" smtClean="0"/>
-              <a:t>2016/4/12</a:t>
+              <a:t>2016/4/13</a:t>
             </a:fld>
             <a:endParaRPr lang="zh-CN" altLang="en-US"/>
           </a:p>
@@ -3207,7 +3211,7 @@
           <a:p>
             <a:fld id="{5181D739-F787-4312-8F5C-8869425688E3}" type="datetimeFigureOut">
               <a:rPr lang="zh-CN" altLang="en-US" smtClean="0"/>
-              <a:t>2016/4/12</a:t>
+              <a:t>2016/4/13</a:t>
             </a:fld>
             <a:endParaRPr lang="zh-CN" altLang="en-US"/>
           </a:p>
@@ -5637,17 +5641,12 @@
             </a:r>
             <a:r>
               <a:rPr lang="zh-CN" altLang="en-US" sz="2000" dirty="0" smtClean="0"/>
-              <a:t>最小的点</a:t>
-            </a:r>
-            <a:r>
-              <a:rPr lang="zh-CN" altLang="en-US" sz="2000" dirty="0" smtClean="0"/>
-              <a:t>）</a:t>
+              <a:t>最小的点）</a:t>
             </a:r>
             <a:r>
               <a:rPr lang="en-US" altLang="zh-CN" sz="2000" dirty="0" smtClean="0"/>
               <a:t>;</a:t>
             </a:r>
-            <a:endParaRPr lang="en-US" altLang="zh-CN" sz="2000" dirty="0" smtClean="0"/>
           </a:p>
           <a:p>
             <a:pPr marL="342900" indent="-342900">
@@ -5683,11 +5682,7 @@
             </a:r>
             <a:r>
               <a:rPr lang="zh-CN" altLang="en-US" sz="2000" dirty="0" smtClean="0"/>
-              <a:t>对剩余顶点进行升序排</a:t>
-            </a:r>
-            <a:r>
-              <a:rPr lang="zh-CN" altLang="en-US" sz="2000" dirty="0" smtClean="0"/>
-              <a:t>列</a:t>
+              <a:t>对剩余顶点进行升序排列</a:t>
             </a:r>
             <a:r>
               <a:rPr lang="en-US" altLang="zh-CN" sz="2000" dirty="0" smtClean="0"/>
@@ -7431,7 +7426,7 @@
         </p:nvSpPr>
         <p:spPr>
           <a:xfrm>
-            <a:off x="6035696" y="3480510"/>
+            <a:off x="6035696" y="3456700"/>
             <a:ext cx="682047" cy="463396"/>
           </a:xfrm>
           <a:prstGeom prst="rect">
@@ -7631,6 +7626,52 @@
           </a:fontRef>
         </p:style>
       </p:cxnSp>
+      <p:sp>
+        <p:nvSpPr>
+          <p:cNvPr id="77" name="TextBox 132"/>
+          <p:cNvSpPr txBox="1">
+            <a:spLocks noChangeArrowheads="1"/>
+          </p:cNvSpPr>
+          <p:nvPr/>
+        </p:nvSpPr>
+        <p:spPr bwMode="auto">
+          <a:xfrm>
+            <a:off x="7387771" y="4309026"/>
+            <a:ext cx="1357313" cy="461963"/>
+          </a:xfrm>
+          <a:prstGeom prst="rect">
+            <a:avLst/>
+          </a:prstGeom>
+          <a:solidFill>
+            <a:srgbClr val="92D050"/>
+          </a:solidFill>
+          <a:ln w="9525">
+            <a:noFill/>
+            <a:miter lim="800000"/>
+            <a:headEnd/>
+            <a:tailEnd/>
+          </a:ln>
+        </p:spPr>
+        <p:txBody>
+          <a:bodyPr>
+            <a:spAutoFit/>
+          </a:bodyPr>
+          <a:lstStyle/>
+          <a:p>
+            <a:r>
+              <a:rPr lang="en-US" altLang="zh-CN" sz="2400">
+                <a:latin typeface="华文楷体" pitchFamily="2" charset="-122"/>
+                <a:ea typeface="华文楷体" pitchFamily="2" charset="-122"/>
+              </a:rPr>
+              <a:t>O(nlogn)</a:t>
+            </a:r>
+            <a:endParaRPr lang="zh-CN" altLang="en-US" sz="2400">
+              <a:latin typeface="华文楷体" pitchFamily="2" charset="-122"/>
+              <a:ea typeface="华文楷体" pitchFamily="2" charset="-122"/>
+            </a:endParaRPr>
+          </a:p>
+        </p:txBody>
+      </p:sp>
     </p:spTree>
     <p:extLst>
       <p:ext uri="{BB962C8B-B14F-4D97-AF65-F5344CB8AC3E}">
@@ -11088,6 +11129,59 @@
                                         <p:cTn id="294" dur="500"/>
                                         <p:tgtEl>
                                           <p:spTgt spid="109"/>
+                                        </p:tgtEl>
+                                      </p:cBhvr>
+                                    </p:animEffect>
+                                  </p:childTnLst>
+                                </p:cTn>
+                              </p:par>
+                            </p:childTnLst>
+                          </p:cTn>
+                        </p:par>
+                      </p:childTnLst>
+                    </p:cTn>
+                  </p:par>
+                  <p:par>
+                    <p:cTn id="295" fill="hold">
+                      <p:stCondLst>
+                        <p:cond delay="indefinite"/>
+                      </p:stCondLst>
+                      <p:childTnLst>
+                        <p:par>
+                          <p:cTn id="296" fill="hold">
+                            <p:stCondLst>
+                              <p:cond delay="0"/>
+                            </p:stCondLst>
+                            <p:childTnLst>
+                              <p:par>
+                                <p:cTn id="297" presetID="3" presetClass="entr" presetSubtype="10" fill="hold" grpId="0" nodeType="clickEffect">
+                                  <p:stCondLst>
+                                    <p:cond delay="0"/>
+                                  </p:stCondLst>
+                                  <p:childTnLst>
+                                    <p:set>
+                                      <p:cBhvr>
+                                        <p:cTn id="298" dur="1" fill="hold">
+                                          <p:stCondLst>
+                                            <p:cond delay="0"/>
+                                          </p:stCondLst>
+                                        </p:cTn>
+                                        <p:tgtEl>
+                                          <p:spTgt spid="77"/>
+                                        </p:tgtEl>
+                                        <p:attrNameLst>
+                                          <p:attrName>style.visibility</p:attrName>
+                                        </p:attrNameLst>
+                                      </p:cBhvr>
+                                      <p:to>
+                                        <p:strVal val="visible"/>
+                                      </p:to>
+                                    </p:set>
+                                    <p:animEffect transition="in" filter="blinds(horizontal)">
+                                      <p:cBhvr>
+                                        <p:cTn id="299" dur="500"/>
+                                        <p:tgtEl>
+                                          <p:spTgt spid="77"/>
                                         </p:tgtEl>
                                       </p:cBhvr>
                                     </p:animEffect>
@@ -11141,6 +11235,8130 @@
       <p:bldP spid="105" grpId="0" animBg="1"/>
       <p:bldP spid="105" grpId="1" animBg="1"/>
       <p:bldP spid="108" grpId="0" animBg="1"/>
+      <p:bldP spid="77" grpId="0" animBg="1"/>
+    </p:bldLst>
+  </p:timing>
+</p:sld>
+</file>
+
+<file path=ppt/slides/slide11.xml><?xml version="1.0" encoding="utf-8"?>
+<p:sld xmlns:a="http://schemas.openxmlformats.org/drawingml/2006/main" xmlns:r="http://schemas.openxmlformats.org/officeDocument/2006/relationships" xmlns:p="http://schemas.openxmlformats.org/presentationml/2006/main">
+  <p:cSld>
+    <p:spTree>
+      <p:nvGrpSpPr>
+        <p:cNvPr id="1" name=""/>
+        <p:cNvGrpSpPr/>
+        <p:nvPr/>
+      </p:nvGrpSpPr>
+      <p:grpSpPr>
+        <a:xfrm>
+          <a:off x="0" y="0"/>
+          <a:ext cx="0" cy="0"/>
+          <a:chOff x="0" y="0"/>
+          <a:chExt cx="0" cy="0"/>
+        </a:xfrm>
+      </p:grpSpPr>
+      <p:grpSp>
+        <p:nvGrpSpPr>
+          <p:cNvPr id="62" name="组合 61"/>
+          <p:cNvGrpSpPr/>
+          <p:nvPr/>
+        </p:nvGrpSpPr>
+        <p:grpSpPr>
+          <a:xfrm>
+            <a:off x="1219157" y="3750139"/>
+            <a:ext cx="994415" cy="423004"/>
+            <a:chOff x="3585480" y="5740558"/>
+            <a:chExt cx="994415" cy="423004"/>
+          </a:xfrm>
+        </p:grpSpPr>
+        <p:cxnSp>
+          <p:nvCxnSpPr>
+            <p:cNvPr id="63" name="直接箭头连接符 62"/>
+            <p:cNvCxnSpPr/>
+            <p:nvPr/>
+          </p:nvCxnSpPr>
+          <p:spPr>
+            <a:xfrm flipH="1" flipV="1">
+              <a:off x="3585480" y="5740558"/>
+              <a:ext cx="994415" cy="7971"/>
+            </a:xfrm>
+            <a:prstGeom prst="straightConnector1">
+              <a:avLst/>
+            </a:prstGeom>
+            <a:ln w="38100">
+              <a:solidFill>
+                <a:schemeClr val="accent1">
+                  <a:lumMod val="75000"/>
+                </a:schemeClr>
+              </a:solidFill>
+              <a:tailEnd type="triangle"/>
+            </a:ln>
+          </p:spPr>
+          <p:style>
+            <a:lnRef idx="1">
+              <a:schemeClr val="accent1"/>
+            </a:lnRef>
+            <a:fillRef idx="0">
+              <a:schemeClr val="accent1"/>
+            </a:fillRef>
+            <a:effectRef idx="0">
+              <a:schemeClr val="accent1"/>
+            </a:effectRef>
+            <a:fontRef idx="minor">
+              <a:schemeClr val="tx1"/>
+            </a:fontRef>
+          </p:style>
+        </p:cxnSp>
+        <p:sp>
+          <p:nvSpPr>
+            <p:cNvPr id="64" name="文本框 63"/>
+            <p:cNvSpPr txBox="1"/>
+            <p:nvPr/>
+          </p:nvSpPr>
+          <p:spPr>
+            <a:xfrm>
+              <a:off x="3729037" y="5794230"/>
+              <a:ext cx="381001" cy="369332"/>
+            </a:xfrm>
+            <a:prstGeom prst="rect">
+              <a:avLst/>
+            </a:prstGeom>
+            <a:noFill/>
+          </p:spPr>
+          <p:txBody>
+            <a:bodyPr wrap="square" rtlCol="0">
+              <a:spAutoFit/>
+            </a:bodyPr>
+            <a:lstStyle/>
+            <a:p>
+              <a:r>
+                <a:rPr lang="en-US" altLang="zh-CN" dirty="0" smtClean="0"/>
+                <a:t>X</a:t>
+              </a:r>
+              <a:endParaRPr lang="zh-CN" altLang="en-US" dirty="0"/>
+            </a:p>
+          </p:txBody>
+        </p:sp>
+      </p:grpSp>
+      <p:grpSp>
+        <p:nvGrpSpPr>
+          <p:cNvPr id="72" name="组合 71"/>
+          <p:cNvGrpSpPr/>
+          <p:nvPr/>
+        </p:nvGrpSpPr>
+        <p:grpSpPr>
+          <a:xfrm>
+            <a:off x="181931" y="4838124"/>
+            <a:ext cx="994415" cy="423004"/>
+            <a:chOff x="3585480" y="5740558"/>
+            <a:chExt cx="994415" cy="423004"/>
+          </a:xfrm>
+        </p:grpSpPr>
+        <p:cxnSp>
+          <p:nvCxnSpPr>
+            <p:cNvPr id="73" name="直接箭头连接符 72"/>
+            <p:cNvCxnSpPr/>
+            <p:nvPr/>
+          </p:nvCxnSpPr>
+          <p:spPr>
+            <a:xfrm flipH="1" flipV="1">
+              <a:off x="3585480" y="5740558"/>
+              <a:ext cx="994415" cy="7971"/>
+            </a:xfrm>
+            <a:prstGeom prst="straightConnector1">
+              <a:avLst/>
+            </a:prstGeom>
+            <a:ln w="38100">
+              <a:solidFill>
+                <a:schemeClr val="accent1">
+                  <a:lumMod val="75000"/>
+                </a:schemeClr>
+              </a:solidFill>
+              <a:tailEnd type="triangle"/>
+            </a:ln>
+          </p:spPr>
+          <p:style>
+            <a:lnRef idx="1">
+              <a:schemeClr val="accent1"/>
+            </a:lnRef>
+            <a:fillRef idx="0">
+              <a:schemeClr val="accent1"/>
+            </a:fillRef>
+            <a:effectRef idx="0">
+              <a:schemeClr val="accent1"/>
+            </a:effectRef>
+            <a:fontRef idx="minor">
+              <a:schemeClr val="tx1"/>
+            </a:fontRef>
+          </p:style>
+        </p:cxnSp>
+        <p:sp>
+          <p:nvSpPr>
+            <p:cNvPr id="74" name="文本框 73"/>
+            <p:cNvSpPr txBox="1"/>
+            <p:nvPr/>
+          </p:nvSpPr>
+          <p:spPr>
+            <a:xfrm>
+              <a:off x="3729037" y="5794230"/>
+              <a:ext cx="381001" cy="369332"/>
+            </a:xfrm>
+            <a:prstGeom prst="rect">
+              <a:avLst/>
+            </a:prstGeom>
+            <a:noFill/>
+          </p:spPr>
+          <p:txBody>
+            <a:bodyPr wrap="square" rtlCol="0">
+              <a:spAutoFit/>
+            </a:bodyPr>
+            <a:lstStyle/>
+            <a:p>
+              <a:r>
+                <a:rPr lang="en-US" altLang="zh-CN" dirty="0" smtClean="0"/>
+                <a:t>X</a:t>
+              </a:r>
+              <a:endParaRPr lang="zh-CN" altLang="en-US" dirty="0"/>
+            </a:p>
+          </p:txBody>
+        </p:sp>
+      </p:grpSp>
+      <p:sp>
+        <p:nvSpPr>
+          <p:cNvPr id="4" name="标题 1"/>
+          <p:cNvSpPr txBox="1">
+            <a:spLocks/>
+          </p:cNvSpPr>
+          <p:nvPr/>
+        </p:nvSpPr>
+        <p:spPr>
+          <a:xfrm>
+            <a:off x="542482" y="449523"/>
+            <a:ext cx="5832918" cy="613668"/>
+          </a:xfrm>
+          <a:prstGeom prst="rect">
+            <a:avLst/>
+          </a:prstGeom>
+        </p:spPr>
+        <p:txBody>
+          <a:bodyPr vert="horz" lIns="91440" tIns="45720" rIns="91440" bIns="45720" rtlCol="0" anchor="ctr">
+            <a:normAutofit/>
+          </a:bodyPr>
+          <a:lstStyle>
+            <a:lvl1pPr algn="l" defTabSz="914400" rtl="0" eaLnBrk="1" latinLnBrk="0" hangingPunct="1">
+              <a:lnSpc>
+                <a:spcPct val="90000"/>
+              </a:lnSpc>
+              <a:spcBef>
+                <a:spcPct val="0"/>
+              </a:spcBef>
+              <a:buNone/>
+              <a:defRPr sz="4400" kern="1200">
+                <a:solidFill>
+                  <a:schemeClr val="tx1"/>
+                </a:solidFill>
+                <a:latin typeface="+mj-lt"/>
+                <a:ea typeface="+mj-ea"/>
+                <a:cs typeface="+mj-cs"/>
+              </a:defRPr>
+            </a:lvl1pPr>
+          </a:lstStyle>
+          <a:p>
+            <a:r>
+              <a:rPr lang="zh-CN" altLang="en-US" sz="2400" dirty="0" smtClean="0">
+                <a:cs typeface="+mn-ea"/>
+                <a:sym typeface="+mn-lt"/>
+              </a:rPr>
+              <a:t>寻找凸包  </a:t>
+            </a:r>
+            <a:r>
+              <a:rPr lang="en-US" altLang="zh-CN" sz="2400" dirty="0" smtClean="0">
+                <a:cs typeface="+mn-ea"/>
+                <a:sym typeface="+mn-lt"/>
+              </a:rPr>
+              <a:t>— </a:t>
+            </a:r>
+            <a:r>
+              <a:rPr lang="en-US" altLang="zh-CN" sz="2400" dirty="0" smtClean="0">
+                <a:solidFill>
+                  <a:srgbClr val="FF0000"/>
+                </a:solidFill>
+                <a:latin typeface="华文楷体" pitchFamily="2" charset="-122"/>
+                <a:ea typeface="华文楷体" pitchFamily="2" charset="-122"/>
+              </a:rPr>
+              <a:t>Jarvis</a:t>
+            </a:r>
+            <a:r>
+              <a:rPr lang="zh-CN" altLang="en-US" sz="2400" dirty="0">
+                <a:solidFill>
+                  <a:srgbClr val="FF0000"/>
+                </a:solidFill>
+                <a:latin typeface="华文楷体" pitchFamily="2" charset="-122"/>
+                <a:ea typeface="华文楷体" pitchFamily="2" charset="-122"/>
+              </a:rPr>
+              <a:t>步进法 </a:t>
+            </a:r>
+          </a:p>
+        </p:txBody>
+      </p:sp>
+      <p:grpSp>
+        <p:nvGrpSpPr>
+          <p:cNvPr id="5" name="组合 4"/>
+          <p:cNvGrpSpPr/>
+          <p:nvPr/>
+        </p:nvGrpSpPr>
+        <p:grpSpPr>
+          <a:xfrm>
+            <a:off x="643006" y="3342065"/>
+            <a:ext cx="3878927" cy="2719794"/>
+            <a:chOff x="643006" y="3342065"/>
+            <a:chExt cx="3878927" cy="2719794"/>
+          </a:xfrm>
+        </p:grpSpPr>
+        <p:grpSp>
+          <p:nvGrpSpPr>
+            <p:cNvPr id="6" name="组合 5"/>
+            <p:cNvGrpSpPr/>
+            <p:nvPr/>
+          </p:nvGrpSpPr>
+          <p:grpSpPr>
+            <a:xfrm>
+              <a:off x="1022452" y="3681873"/>
+              <a:ext cx="2978011" cy="2062487"/>
+              <a:chOff x="793853" y="3309612"/>
+              <a:chExt cx="3530052" cy="2444815"/>
+            </a:xfrm>
+          </p:grpSpPr>
+          <p:sp>
+            <p:nvSpPr>
+              <p:cNvPr id="15" name="AutoShape 29"/>
+              <p:cNvSpPr>
+                <a:spLocks noChangeArrowheads="1"/>
+              </p:cNvSpPr>
+              <p:nvPr/>
+            </p:nvSpPr>
+            <p:spPr bwMode="auto">
+              <a:xfrm>
+                <a:off x="2065989" y="5551775"/>
+                <a:ext cx="202649" cy="202652"/>
+              </a:xfrm>
+              <a:prstGeom prst="flowChartConnector">
+                <a:avLst/>
+              </a:prstGeom>
+              <a:solidFill>
+                <a:srgbClr val="FF0000"/>
+              </a:solidFill>
+              <a:ln w="9525">
+                <a:noFill/>
+                <a:round/>
+                <a:headEnd/>
+                <a:tailEnd/>
+              </a:ln>
+            </p:spPr>
+            <p:txBody>
+              <a:bodyPr wrap="none" anchor="ctr"/>
+              <a:lstStyle>
+                <a:lvl1pPr>
+                  <a:spcBef>
+                    <a:spcPct val="20000"/>
+                  </a:spcBef>
+                  <a:buChar char="•"/>
+                  <a:defRPr sz="2400">
+                    <a:solidFill>
+                      <a:srgbClr val="3A1D00"/>
+                    </a:solidFill>
+                    <a:latin typeface="Arial" panose="020B0604020202020204" pitchFamily="34" charset="0"/>
+                    <a:ea typeface="微软雅黑" panose="020B0503020204020204" pitchFamily="34" charset="-122"/>
+                  </a:defRPr>
+                </a:lvl1pPr>
+                <a:lvl2pPr marL="742950" indent="-285750">
+                  <a:spcBef>
+                    <a:spcPct val="20000"/>
+                  </a:spcBef>
+                  <a:buChar char="–"/>
+                  <a:defRPr sz="2000">
+                    <a:solidFill>
+                      <a:srgbClr val="3A1D00"/>
+                    </a:solidFill>
+                    <a:latin typeface="Arial" panose="020B0604020202020204" pitchFamily="34" charset="0"/>
+                    <a:ea typeface="微软雅黑" panose="020B0503020204020204" pitchFamily="34" charset="-122"/>
+                  </a:defRPr>
+                </a:lvl2pPr>
+                <a:lvl3pPr marL="1143000" indent="-228600">
+                  <a:spcBef>
+                    <a:spcPct val="20000"/>
+                  </a:spcBef>
+                  <a:buChar char="•"/>
+                  <a:defRPr sz="2400">
+                    <a:solidFill>
+                      <a:srgbClr val="3A1D00"/>
+                    </a:solidFill>
+                    <a:latin typeface="Arial" panose="020B0604020202020204" pitchFamily="34" charset="0"/>
+                    <a:ea typeface="微软雅黑" panose="020B0503020204020204" pitchFamily="34" charset="-122"/>
+                  </a:defRPr>
+                </a:lvl3pPr>
+                <a:lvl4pPr marL="1600200" indent="-228600">
+                  <a:spcBef>
+                    <a:spcPct val="20000"/>
+                  </a:spcBef>
+                  <a:buChar char="–"/>
+                  <a:defRPr sz="1600">
+                    <a:solidFill>
+                      <a:srgbClr val="3A1D00"/>
+                    </a:solidFill>
+                    <a:latin typeface="Arial" panose="020B0604020202020204" pitchFamily="34" charset="0"/>
+                    <a:ea typeface="微软雅黑" panose="020B0503020204020204" pitchFamily="34" charset="-122"/>
+                  </a:defRPr>
+                </a:lvl4pPr>
+                <a:lvl5pPr marL="2057400" indent="-228600">
+                  <a:spcBef>
+                    <a:spcPct val="20000"/>
+                  </a:spcBef>
+                  <a:buChar char="»"/>
+                  <a:defRPr sz="1600">
+                    <a:solidFill>
+                      <a:srgbClr val="3A1D00"/>
+                    </a:solidFill>
+                    <a:latin typeface="Arial" panose="020B0604020202020204" pitchFamily="34" charset="0"/>
+                    <a:ea typeface="微软雅黑" panose="020B0503020204020204" pitchFamily="34" charset="-122"/>
+                  </a:defRPr>
+                </a:lvl5pPr>
+                <a:lvl6pPr marL="2514600" indent="-228600" eaLnBrk="0" fontAlgn="base" hangingPunct="0">
+                  <a:spcBef>
+                    <a:spcPct val="20000"/>
+                  </a:spcBef>
+                  <a:spcAft>
+                    <a:spcPct val="0"/>
+                  </a:spcAft>
+                  <a:buChar char="»"/>
+                  <a:defRPr sz="1600">
+                    <a:solidFill>
+                      <a:srgbClr val="3A1D00"/>
+                    </a:solidFill>
+                    <a:latin typeface="Arial" panose="020B0604020202020204" pitchFamily="34" charset="0"/>
+                    <a:ea typeface="微软雅黑" panose="020B0503020204020204" pitchFamily="34" charset="-122"/>
+                  </a:defRPr>
+                </a:lvl6pPr>
+                <a:lvl7pPr marL="2971800" indent="-228600" eaLnBrk="0" fontAlgn="base" hangingPunct="0">
+                  <a:spcBef>
+                    <a:spcPct val="20000"/>
+                  </a:spcBef>
+                  <a:spcAft>
+                    <a:spcPct val="0"/>
+                  </a:spcAft>
+                  <a:buChar char="»"/>
+                  <a:defRPr sz="1600">
+                    <a:solidFill>
+                      <a:srgbClr val="3A1D00"/>
+                    </a:solidFill>
+                    <a:latin typeface="Arial" panose="020B0604020202020204" pitchFamily="34" charset="0"/>
+                    <a:ea typeface="微软雅黑" panose="020B0503020204020204" pitchFamily="34" charset="-122"/>
+                  </a:defRPr>
+                </a:lvl7pPr>
+                <a:lvl8pPr marL="3429000" indent="-228600" eaLnBrk="0" fontAlgn="base" hangingPunct="0">
+                  <a:spcBef>
+                    <a:spcPct val="20000"/>
+                  </a:spcBef>
+                  <a:spcAft>
+                    <a:spcPct val="0"/>
+                  </a:spcAft>
+                  <a:buChar char="»"/>
+                  <a:defRPr sz="1600">
+                    <a:solidFill>
+                      <a:srgbClr val="3A1D00"/>
+                    </a:solidFill>
+                    <a:latin typeface="Arial" panose="020B0604020202020204" pitchFamily="34" charset="0"/>
+                    <a:ea typeface="微软雅黑" panose="020B0503020204020204" pitchFamily="34" charset="-122"/>
+                  </a:defRPr>
+                </a:lvl8pPr>
+                <a:lvl9pPr marL="3886200" indent="-228600" eaLnBrk="0" fontAlgn="base" hangingPunct="0">
+                  <a:spcBef>
+                    <a:spcPct val="20000"/>
+                  </a:spcBef>
+                  <a:spcAft>
+                    <a:spcPct val="0"/>
+                  </a:spcAft>
+                  <a:buChar char="»"/>
+                  <a:defRPr sz="1600">
+                    <a:solidFill>
+                      <a:srgbClr val="3A1D00"/>
+                    </a:solidFill>
+                    <a:latin typeface="Arial" panose="020B0604020202020204" pitchFamily="34" charset="0"/>
+                    <a:ea typeface="微软雅黑" panose="020B0503020204020204" pitchFamily="34" charset="-122"/>
+                  </a:defRPr>
+                </a:lvl9pPr>
+              </a:lstStyle>
+              <a:p>
+                <a:pPr eaLnBrk="1" hangingPunct="1">
+                  <a:spcBef>
+                    <a:spcPct val="0"/>
+                  </a:spcBef>
+                  <a:buFontTx/>
+                  <a:buNone/>
+                </a:pPr>
+                <a:endParaRPr lang="zh-CN" altLang="zh-CN" sz="1800" b="0">
+                  <a:solidFill>
+                    <a:schemeClr val="tx1"/>
+                  </a:solidFill>
+                  <a:latin typeface="华文新魏" panose="02010800040101010101" pitchFamily="2" charset="-122"/>
+                  <a:ea typeface="宋体" panose="02010600030101010101" pitchFamily="2" charset="-122"/>
+                </a:endParaRPr>
+              </a:p>
+            </p:txBody>
+          </p:sp>
+          <p:sp>
+            <p:nvSpPr>
+              <p:cNvPr id="16" name="AutoShape 29"/>
+              <p:cNvSpPr>
+                <a:spLocks noChangeArrowheads="1"/>
+              </p:cNvSpPr>
+              <p:nvPr/>
+            </p:nvSpPr>
+            <p:spPr bwMode="auto">
+              <a:xfrm>
+                <a:off x="3638380" y="4291422"/>
+                <a:ext cx="202649" cy="202652"/>
+              </a:xfrm>
+              <a:prstGeom prst="flowChartConnector">
+                <a:avLst/>
+              </a:prstGeom>
+              <a:solidFill>
+                <a:srgbClr val="FF0000"/>
+              </a:solidFill>
+              <a:ln w="9525">
+                <a:noFill/>
+                <a:round/>
+                <a:headEnd/>
+                <a:tailEnd/>
+              </a:ln>
+            </p:spPr>
+            <p:txBody>
+              <a:bodyPr wrap="none" anchor="ctr"/>
+              <a:lstStyle>
+                <a:lvl1pPr>
+                  <a:spcBef>
+                    <a:spcPct val="20000"/>
+                  </a:spcBef>
+                  <a:buChar char="•"/>
+                  <a:defRPr sz="2400">
+                    <a:solidFill>
+                      <a:srgbClr val="3A1D00"/>
+                    </a:solidFill>
+                    <a:latin typeface="Arial" panose="020B0604020202020204" pitchFamily="34" charset="0"/>
+                    <a:ea typeface="微软雅黑" panose="020B0503020204020204" pitchFamily="34" charset="-122"/>
+                  </a:defRPr>
+                </a:lvl1pPr>
+                <a:lvl2pPr marL="742950" indent="-285750">
+                  <a:spcBef>
+                    <a:spcPct val="20000"/>
+                  </a:spcBef>
+                  <a:buChar char="–"/>
+                  <a:defRPr sz="2000">
+                    <a:solidFill>
+                      <a:srgbClr val="3A1D00"/>
+                    </a:solidFill>
+                    <a:latin typeface="Arial" panose="020B0604020202020204" pitchFamily="34" charset="0"/>
+                    <a:ea typeface="微软雅黑" panose="020B0503020204020204" pitchFamily="34" charset="-122"/>
+                  </a:defRPr>
+                </a:lvl2pPr>
+                <a:lvl3pPr marL="1143000" indent="-228600">
+                  <a:spcBef>
+                    <a:spcPct val="20000"/>
+                  </a:spcBef>
+                  <a:buChar char="•"/>
+                  <a:defRPr sz="2400">
+                    <a:solidFill>
+                      <a:srgbClr val="3A1D00"/>
+                    </a:solidFill>
+                    <a:latin typeface="Arial" panose="020B0604020202020204" pitchFamily="34" charset="0"/>
+                    <a:ea typeface="微软雅黑" panose="020B0503020204020204" pitchFamily="34" charset="-122"/>
+                  </a:defRPr>
+                </a:lvl3pPr>
+                <a:lvl4pPr marL="1600200" indent="-228600">
+                  <a:spcBef>
+                    <a:spcPct val="20000"/>
+                  </a:spcBef>
+                  <a:buChar char="–"/>
+                  <a:defRPr sz="1600">
+                    <a:solidFill>
+                      <a:srgbClr val="3A1D00"/>
+                    </a:solidFill>
+                    <a:latin typeface="Arial" panose="020B0604020202020204" pitchFamily="34" charset="0"/>
+                    <a:ea typeface="微软雅黑" panose="020B0503020204020204" pitchFamily="34" charset="-122"/>
+                  </a:defRPr>
+                </a:lvl4pPr>
+                <a:lvl5pPr marL="2057400" indent="-228600">
+                  <a:spcBef>
+                    <a:spcPct val="20000"/>
+                  </a:spcBef>
+                  <a:buChar char="»"/>
+                  <a:defRPr sz="1600">
+                    <a:solidFill>
+                      <a:srgbClr val="3A1D00"/>
+                    </a:solidFill>
+                    <a:latin typeface="Arial" panose="020B0604020202020204" pitchFamily="34" charset="0"/>
+                    <a:ea typeface="微软雅黑" panose="020B0503020204020204" pitchFamily="34" charset="-122"/>
+                  </a:defRPr>
+                </a:lvl5pPr>
+                <a:lvl6pPr marL="2514600" indent="-228600" eaLnBrk="0" fontAlgn="base" hangingPunct="0">
+                  <a:spcBef>
+                    <a:spcPct val="20000"/>
+                  </a:spcBef>
+                  <a:spcAft>
+                    <a:spcPct val="0"/>
+                  </a:spcAft>
+                  <a:buChar char="»"/>
+                  <a:defRPr sz="1600">
+                    <a:solidFill>
+                      <a:srgbClr val="3A1D00"/>
+                    </a:solidFill>
+                    <a:latin typeface="Arial" panose="020B0604020202020204" pitchFamily="34" charset="0"/>
+                    <a:ea typeface="微软雅黑" panose="020B0503020204020204" pitchFamily="34" charset="-122"/>
+                  </a:defRPr>
+                </a:lvl6pPr>
+                <a:lvl7pPr marL="2971800" indent="-228600" eaLnBrk="0" fontAlgn="base" hangingPunct="0">
+                  <a:spcBef>
+                    <a:spcPct val="20000"/>
+                  </a:spcBef>
+                  <a:spcAft>
+                    <a:spcPct val="0"/>
+                  </a:spcAft>
+                  <a:buChar char="»"/>
+                  <a:defRPr sz="1600">
+                    <a:solidFill>
+                      <a:srgbClr val="3A1D00"/>
+                    </a:solidFill>
+                    <a:latin typeface="Arial" panose="020B0604020202020204" pitchFamily="34" charset="0"/>
+                    <a:ea typeface="微软雅黑" panose="020B0503020204020204" pitchFamily="34" charset="-122"/>
+                  </a:defRPr>
+                </a:lvl7pPr>
+                <a:lvl8pPr marL="3429000" indent="-228600" eaLnBrk="0" fontAlgn="base" hangingPunct="0">
+                  <a:spcBef>
+                    <a:spcPct val="20000"/>
+                  </a:spcBef>
+                  <a:spcAft>
+                    <a:spcPct val="0"/>
+                  </a:spcAft>
+                  <a:buChar char="»"/>
+                  <a:defRPr sz="1600">
+                    <a:solidFill>
+                      <a:srgbClr val="3A1D00"/>
+                    </a:solidFill>
+                    <a:latin typeface="Arial" panose="020B0604020202020204" pitchFamily="34" charset="0"/>
+                    <a:ea typeface="微软雅黑" panose="020B0503020204020204" pitchFamily="34" charset="-122"/>
+                  </a:defRPr>
+                </a:lvl8pPr>
+                <a:lvl9pPr marL="3886200" indent="-228600" eaLnBrk="0" fontAlgn="base" hangingPunct="0">
+                  <a:spcBef>
+                    <a:spcPct val="20000"/>
+                  </a:spcBef>
+                  <a:spcAft>
+                    <a:spcPct val="0"/>
+                  </a:spcAft>
+                  <a:buChar char="»"/>
+                  <a:defRPr sz="1600">
+                    <a:solidFill>
+                      <a:srgbClr val="3A1D00"/>
+                    </a:solidFill>
+                    <a:latin typeface="Arial" panose="020B0604020202020204" pitchFamily="34" charset="0"/>
+                    <a:ea typeface="微软雅黑" panose="020B0503020204020204" pitchFamily="34" charset="-122"/>
+                  </a:defRPr>
+                </a:lvl9pPr>
+              </a:lstStyle>
+              <a:p>
+                <a:pPr eaLnBrk="1" hangingPunct="1">
+                  <a:spcBef>
+                    <a:spcPct val="0"/>
+                  </a:spcBef>
+                  <a:buFontTx/>
+                  <a:buNone/>
+                </a:pPr>
+                <a:endParaRPr lang="zh-CN" altLang="zh-CN" sz="1800" b="0">
+                  <a:solidFill>
+                    <a:schemeClr val="tx1"/>
+                  </a:solidFill>
+                  <a:latin typeface="华文新魏" panose="02010800040101010101" pitchFamily="2" charset="-122"/>
+                  <a:ea typeface="宋体" panose="02010600030101010101" pitchFamily="2" charset="-122"/>
+                </a:endParaRPr>
+              </a:p>
+            </p:txBody>
+          </p:sp>
+          <p:sp>
+            <p:nvSpPr>
+              <p:cNvPr id="17" name="AutoShape 29"/>
+              <p:cNvSpPr>
+                <a:spLocks noChangeArrowheads="1"/>
+              </p:cNvSpPr>
+              <p:nvPr/>
+            </p:nvSpPr>
+            <p:spPr bwMode="auto">
+              <a:xfrm>
+                <a:off x="2794793" y="3960236"/>
+                <a:ext cx="202649" cy="202652"/>
+              </a:xfrm>
+              <a:prstGeom prst="flowChartConnector">
+                <a:avLst/>
+              </a:prstGeom>
+              <a:solidFill>
+                <a:srgbClr val="FF0000"/>
+              </a:solidFill>
+              <a:ln w="9525">
+                <a:noFill/>
+                <a:round/>
+                <a:headEnd/>
+                <a:tailEnd/>
+              </a:ln>
+            </p:spPr>
+            <p:txBody>
+              <a:bodyPr wrap="none" anchor="ctr"/>
+              <a:lstStyle>
+                <a:lvl1pPr>
+                  <a:spcBef>
+                    <a:spcPct val="20000"/>
+                  </a:spcBef>
+                  <a:buChar char="•"/>
+                  <a:defRPr sz="2400">
+                    <a:solidFill>
+                      <a:srgbClr val="3A1D00"/>
+                    </a:solidFill>
+                    <a:latin typeface="Arial" panose="020B0604020202020204" pitchFamily="34" charset="0"/>
+                    <a:ea typeface="微软雅黑" panose="020B0503020204020204" pitchFamily="34" charset="-122"/>
+                  </a:defRPr>
+                </a:lvl1pPr>
+                <a:lvl2pPr marL="742950" indent="-285750">
+                  <a:spcBef>
+                    <a:spcPct val="20000"/>
+                  </a:spcBef>
+                  <a:buChar char="–"/>
+                  <a:defRPr sz="2000">
+                    <a:solidFill>
+                      <a:srgbClr val="3A1D00"/>
+                    </a:solidFill>
+                    <a:latin typeface="Arial" panose="020B0604020202020204" pitchFamily="34" charset="0"/>
+                    <a:ea typeface="微软雅黑" panose="020B0503020204020204" pitchFamily="34" charset="-122"/>
+                  </a:defRPr>
+                </a:lvl2pPr>
+                <a:lvl3pPr marL="1143000" indent="-228600">
+                  <a:spcBef>
+                    <a:spcPct val="20000"/>
+                  </a:spcBef>
+                  <a:buChar char="•"/>
+                  <a:defRPr sz="2400">
+                    <a:solidFill>
+                      <a:srgbClr val="3A1D00"/>
+                    </a:solidFill>
+                    <a:latin typeface="Arial" panose="020B0604020202020204" pitchFamily="34" charset="0"/>
+                    <a:ea typeface="微软雅黑" panose="020B0503020204020204" pitchFamily="34" charset="-122"/>
+                  </a:defRPr>
+                </a:lvl3pPr>
+                <a:lvl4pPr marL="1600200" indent="-228600">
+                  <a:spcBef>
+                    <a:spcPct val="20000"/>
+                  </a:spcBef>
+                  <a:buChar char="–"/>
+                  <a:defRPr sz="1600">
+                    <a:solidFill>
+                      <a:srgbClr val="3A1D00"/>
+                    </a:solidFill>
+                    <a:latin typeface="Arial" panose="020B0604020202020204" pitchFamily="34" charset="0"/>
+                    <a:ea typeface="微软雅黑" panose="020B0503020204020204" pitchFamily="34" charset="-122"/>
+                  </a:defRPr>
+                </a:lvl4pPr>
+                <a:lvl5pPr marL="2057400" indent="-228600">
+                  <a:spcBef>
+                    <a:spcPct val="20000"/>
+                  </a:spcBef>
+                  <a:buChar char="»"/>
+                  <a:defRPr sz="1600">
+                    <a:solidFill>
+                      <a:srgbClr val="3A1D00"/>
+                    </a:solidFill>
+                    <a:latin typeface="Arial" panose="020B0604020202020204" pitchFamily="34" charset="0"/>
+                    <a:ea typeface="微软雅黑" panose="020B0503020204020204" pitchFamily="34" charset="-122"/>
+                  </a:defRPr>
+                </a:lvl5pPr>
+                <a:lvl6pPr marL="2514600" indent="-228600" eaLnBrk="0" fontAlgn="base" hangingPunct="0">
+                  <a:spcBef>
+                    <a:spcPct val="20000"/>
+                  </a:spcBef>
+                  <a:spcAft>
+                    <a:spcPct val="0"/>
+                  </a:spcAft>
+                  <a:buChar char="»"/>
+                  <a:defRPr sz="1600">
+                    <a:solidFill>
+                      <a:srgbClr val="3A1D00"/>
+                    </a:solidFill>
+                    <a:latin typeface="Arial" panose="020B0604020202020204" pitchFamily="34" charset="0"/>
+                    <a:ea typeface="微软雅黑" panose="020B0503020204020204" pitchFamily="34" charset="-122"/>
+                  </a:defRPr>
+                </a:lvl6pPr>
+                <a:lvl7pPr marL="2971800" indent="-228600" eaLnBrk="0" fontAlgn="base" hangingPunct="0">
+                  <a:spcBef>
+                    <a:spcPct val="20000"/>
+                  </a:spcBef>
+                  <a:spcAft>
+                    <a:spcPct val="0"/>
+                  </a:spcAft>
+                  <a:buChar char="»"/>
+                  <a:defRPr sz="1600">
+                    <a:solidFill>
+                      <a:srgbClr val="3A1D00"/>
+                    </a:solidFill>
+                    <a:latin typeface="Arial" panose="020B0604020202020204" pitchFamily="34" charset="0"/>
+                    <a:ea typeface="微软雅黑" panose="020B0503020204020204" pitchFamily="34" charset="-122"/>
+                  </a:defRPr>
+                </a:lvl7pPr>
+                <a:lvl8pPr marL="3429000" indent="-228600" eaLnBrk="0" fontAlgn="base" hangingPunct="0">
+                  <a:spcBef>
+                    <a:spcPct val="20000"/>
+                  </a:spcBef>
+                  <a:spcAft>
+                    <a:spcPct val="0"/>
+                  </a:spcAft>
+                  <a:buChar char="»"/>
+                  <a:defRPr sz="1600">
+                    <a:solidFill>
+                      <a:srgbClr val="3A1D00"/>
+                    </a:solidFill>
+                    <a:latin typeface="Arial" panose="020B0604020202020204" pitchFamily="34" charset="0"/>
+                    <a:ea typeface="微软雅黑" panose="020B0503020204020204" pitchFamily="34" charset="-122"/>
+                  </a:defRPr>
+                </a:lvl8pPr>
+                <a:lvl9pPr marL="3886200" indent="-228600" eaLnBrk="0" fontAlgn="base" hangingPunct="0">
+                  <a:spcBef>
+                    <a:spcPct val="20000"/>
+                  </a:spcBef>
+                  <a:spcAft>
+                    <a:spcPct val="0"/>
+                  </a:spcAft>
+                  <a:buChar char="»"/>
+                  <a:defRPr sz="1600">
+                    <a:solidFill>
+                      <a:srgbClr val="3A1D00"/>
+                    </a:solidFill>
+                    <a:latin typeface="Arial" panose="020B0604020202020204" pitchFamily="34" charset="0"/>
+                    <a:ea typeface="微软雅黑" panose="020B0503020204020204" pitchFamily="34" charset="-122"/>
+                  </a:defRPr>
+                </a:lvl9pPr>
+              </a:lstStyle>
+              <a:p>
+                <a:pPr eaLnBrk="1" hangingPunct="1">
+                  <a:spcBef>
+                    <a:spcPct val="0"/>
+                  </a:spcBef>
+                  <a:buFontTx/>
+                  <a:buNone/>
+                </a:pPr>
+                <a:endParaRPr lang="zh-CN" altLang="zh-CN" sz="1800" b="0">
+                  <a:solidFill>
+                    <a:schemeClr val="tx1"/>
+                  </a:solidFill>
+                  <a:latin typeface="华文新魏" panose="02010800040101010101" pitchFamily="2" charset="-122"/>
+                  <a:ea typeface="宋体" panose="02010600030101010101" pitchFamily="2" charset="-122"/>
+                </a:endParaRPr>
+              </a:p>
+            </p:txBody>
+          </p:sp>
+          <p:sp>
+            <p:nvSpPr>
+              <p:cNvPr id="18" name="AutoShape 29"/>
+              <p:cNvSpPr>
+                <a:spLocks noChangeArrowheads="1"/>
+              </p:cNvSpPr>
+              <p:nvPr/>
+            </p:nvSpPr>
+            <p:spPr bwMode="auto">
+              <a:xfrm>
+                <a:off x="3638381" y="3401056"/>
+                <a:ext cx="202649" cy="202652"/>
+              </a:xfrm>
+              <a:prstGeom prst="flowChartConnector">
+                <a:avLst/>
+              </a:prstGeom>
+              <a:solidFill>
+                <a:srgbClr val="FF0000"/>
+              </a:solidFill>
+              <a:ln w="9525">
+                <a:noFill/>
+                <a:round/>
+                <a:headEnd/>
+                <a:tailEnd/>
+              </a:ln>
+            </p:spPr>
+            <p:txBody>
+              <a:bodyPr wrap="none" anchor="ctr"/>
+              <a:lstStyle>
+                <a:lvl1pPr>
+                  <a:spcBef>
+                    <a:spcPct val="20000"/>
+                  </a:spcBef>
+                  <a:buChar char="•"/>
+                  <a:defRPr sz="2400">
+                    <a:solidFill>
+                      <a:srgbClr val="3A1D00"/>
+                    </a:solidFill>
+                    <a:latin typeface="Arial" panose="020B0604020202020204" pitchFamily="34" charset="0"/>
+                    <a:ea typeface="微软雅黑" panose="020B0503020204020204" pitchFamily="34" charset="-122"/>
+                  </a:defRPr>
+                </a:lvl1pPr>
+                <a:lvl2pPr marL="742950" indent="-285750">
+                  <a:spcBef>
+                    <a:spcPct val="20000"/>
+                  </a:spcBef>
+                  <a:buChar char="–"/>
+                  <a:defRPr sz="2000">
+                    <a:solidFill>
+                      <a:srgbClr val="3A1D00"/>
+                    </a:solidFill>
+                    <a:latin typeface="Arial" panose="020B0604020202020204" pitchFamily="34" charset="0"/>
+                    <a:ea typeface="微软雅黑" panose="020B0503020204020204" pitchFamily="34" charset="-122"/>
+                  </a:defRPr>
+                </a:lvl2pPr>
+                <a:lvl3pPr marL="1143000" indent="-228600">
+                  <a:spcBef>
+                    <a:spcPct val="20000"/>
+                  </a:spcBef>
+                  <a:buChar char="•"/>
+                  <a:defRPr sz="2400">
+                    <a:solidFill>
+                      <a:srgbClr val="3A1D00"/>
+                    </a:solidFill>
+                    <a:latin typeface="Arial" panose="020B0604020202020204" pitchFamily="34" charset="0"/>
+                    <a:ea typeface="微软雅黑" panose="020B0503020204020204" pitchFamily="34" charset="-122"/>
+                  </a:defRPr>
+                </a:lvl3pPr>
+                <a:lvl4pPr marL="1600200" indent="-228600">
+                  <a:spcBef>
+                    <a:spcPct val="20000"/>
+                  </a:spcBef>
+                  <a:buChar char="–"/>
+                  <a:defRPr sz="1600">
+                    <a:solidFill>
+                      <a:srgbClr val="3A1D00"/>
+                    </a:solidFill>
+                    <a:latin typeface="Arial" panose="020B0604020202020204" pitchFamily="34" charset="0"/>
+                    <a:ea typeface="微软雅黑" panose="020B0503020204020204" pitchFamily="34" charset="-122"/>
+                  </a:defRPr>
+                </a:lvl4pPr>
+                <a:lvl5pPr marL="2057400" indent="-228600">
+                  <a:spcBef>
+                    <a:spcPct val="20000"/>
+                  </a:spcBef>
+                  <a:buChar char="»"/>
+                  <a:defRPr sz="1600">
+                    <a:solidFill>
+                      <a:srgbClr val="3A1D00"/>
+                    </a:solidFill>
+                    <a:latin typeface="Arial" panose="020B0604020202020204" pitchFamily="34" charset="0"/>
+                    <a:ea typeface="微软雅黑" panose="020B0503020204020204" pitchFamily="34" charset="-122"/>
+                  </a:defRPr>
+                </a:lvl5pPr>
+                <a:lvl6pPr marL="2514600" indent="-228600" eaLnBrk="0" fontAlgn="base" hangingPunct="0">
+                  <a:spcBef>
+                    <a:spcPct val="20000"/>
+                  </a:spcBef>
+                  <a:spcAft>
+                    <a:spcPct val="0"/>
+                  </a:spcAft>
+                  <a:buChar char="»"/>
+                  <a:defRPr sz="1600">
+                    <a:solidFill>
+                      <a:srgbClr val="3A1D00"/>
+                    </a:solidFill>
+                    <a:latin typeface="Arial" panose="020B0604020202020204" pitchFamily="34" charset="0"/>
+                    <a:ea typeface="微软雅黑" panose="020B0503020204020204" pitchFamily="34" charset="-122"/>
+                  </a:defRPr>
+                </a:lvl6pPr>
+                <a:lvl7pPr marL="2971800" indent="-228600" eaLnBrk="0" fontAlgn="base" hangingPunct="0">
+                  <a:spcBef>
+                    <a:spcPct val="20000"/>
+                  </a:spcBef>
+                  <a:spcAft>
+                    <a:spcPct val="0"/>
+                  </a:spcAft>
+                  <a:buChar char="»"/>
+                  <a:defRPr sz="1600">
+                    <a:solidFill>
+                      <a:srgbClr val="3A1D00"/>
+                    </a:solidFill>
+                    <a:latin typeface="Arial" panose="020B0604020202020204" pitchFamily="34" charset="0"/>
+                    <a:ea typeface="微软雅黑" panose="020B0503020204020204" pitchFamily="34" charset="-122"/>
+                  </a:defRPr>
+                </a:lvl7pPr>
+                <a:lvl8pPr marL="3429000" indent="-228600" eaLnBrk="0" fontAlgn="base" hangingPunct="0">
+                  <a:spcBef>
+                    <a:spcPct val="20000"/>
+                  </a:spcBef>
+                  <a:spcAft>
+                    <a:spcPct val="0"/>
+                  </a:spcAft>
+                  <a:buChar char="»"/>
+                  <a:defRPr sz="1600">
+                    <a:solidFill>
+                      <a:srgbClr val="3A1D00"/>
+                    </a:solidFill>
+                    <a:latin typeface="Arial" panose="020B0604020202020204" pitchFamily="34" charset="0"/>
+                    <a:ea typeface="微软雅黑" panose="020B0503020204020204" pitchFamily="34" charset="-122"/>
+                  </a:defRPr>
+                </a:lvl8pPr>
+                <a:lvl9pPr marL="3886200" indent="-228600" eaLnBrk="0" fontAlgn="base" hangingPunct="0">
+                  <a:spcBef>
+                    <a:spcPct val="20000"/>
+                  </a:spcBef>
+                  <a:spcAft>
+                    <a:spcPct val="0"/>
+                  </a:spcAft>
+                  <a:buChar char="»"/>
+                  <a:defRPr sz="1600">
+                    <a:solidFill>
+                      <a:srgbClr val="3A1D00"/>
+                    </a:solidFill>
+                    <a:latin typeface="Arial" panose="020B0604020202020204" pitchFamily="34" charset="0"/>
+                    <a:ea typeface="微软雅黑" panose="020B0503020204020204" pitchFamily="34" charset="-122"/>
+                  </a:defRPr>
+                </a:lvl9pPr>
+              </a:lstStyle>
+              <a:p>
+                <a:pPr eaLnBrk="1" hangingPunct="1">
+                  <a:spcBef>
+                    <a:spcPct val="0"/>
+                  </a:spcBef>
+                  <a:buFontTx/>
+                  <a:buNone/>
+                </a:pPr>
+                <a:endParaRPr lang="zh-CN" altLang="zh-CN" sz="1800" b="0">
+                  <a:solidFill>
+                    <a:schemeClr val="tx1"/>
+                  </a:solidFill>
+                  <a:latin typeface="华文新魏" panose="02010800040101010101" pitchFamily="2" charset="-122"/>
+                  <a:ea typeface="宋体" panose="02010600030101010101" pitchFamily="2" charset="-122"/>
+                </a:endParaRPr>
+              </a:p>
+            </p:txBody>
+          </p:sp>
+          <p:sp>
+            <p:nvSpPr>
+              <p:cNvPr id="19" name="AutoShape 29"/>
+              <p:cNvSpPr>
+                <a:spLocks noChangeArrowheads="1"/>
+              </p:cNvSpPr>
+              <p:nvPr/>
+            </p:nvSpPr>
+            <p:spPr bwMode="auto">
+              <a:xfrm>
+                <a:off x="793853" y="4586249"/>
+                <a:ext cx="202649" cy="202652"/>
+              </a:xfrm>
+              <a:prstGeom prst="flowChartConnector">
+                <a:avLst/>
+              </a:prstGeom>
+              <a:solidFill>
+                <a:srgbClr val="FF0000"/>
+              </a:solidFill>
+              <a:ln w="9525">
+                <a:noFill/>
+                <a:round/>
+                <a:headEnd/>
+                <a:tailEnd/>
+              </a:ln>
+            </p:spPr>
+            <p:txBody>
+              <a:bodyPr wrap="none" anchor="ctr"/>
+              <a:lstStyle>
+                <a:lvl1pPr>
+                  <a:spcBef>
+                    <a:spcPct val="20000"/>
+                  </a:spcBef>
+                  <a:buChar char="•"/>
+                  <a:defRPr sz="2400">
+                    <a:solidFill>
+                      <a:srgbClr val="3A1D00"/>
+                    </a:solidFill>
+                    <a:latin typeface="Arial" panose="020B0604020202020204" pitchFamily="34" charset="0"/>
+                    <a:ea typeface="微软雅黑" panose="020B0503020204020204" pitchFamily="34" charset="-122"/>
+                  </a:defRPr>
+                </a:lvl1pPr>
+                <a:lvl2pPr marL="742950" indent="-285750">
+                  <a:spcBef>
+                    <a:spcPct val="20000"/>
+                  </a:spcBef>
+                  <a:buChar char="–"/>
+                  <a:defRPr sz="2000">
+                    <a:solidFill>
+                      <a:srgbClr val="3A1D00"/>
+                    </a:solidFill>
+                    <a:latin typeface="Arial" panose="020B0604020202020204" pitchFamily="34" charset="0"/>
+                    <a:ea typeface="微软雅黑" panose="020B0503020204020204" pitchFamily="34" charset="-122"/>
+                  </a:defRPr>
+                </a:lvl2pPr>
+                <a:lvl3pPr marL="1143000" indent="-228600">
+                  <a:spcBef>
+                    <a:spcPct val="20000"/>
+                  </a:spcBef>
+                  <a:buChar char="•"/>
+                  <a:defRPr sz="2400">
+                    <a:solidFill>
+                      <a:srgbClr val="3A1D00"/>
+                    </a:solidFill>
+                    <a:latin typeface="Arial" panose="020B0604020202020204" pitchFamily="34" charset="0"/>
+                    <a:ea typeface="微软雅黑" panose="020B0503020204020204" pitchFamily="34" charset="-122"/>
+                  </a:defRPr>
+                </a:lvl3pPr>
+                <a:lvl4pPr marL="1600200" indent="-228600">
+                  <a:spcBef>
+                    <a:spcPct val="20000"/>
+                  </a:spcBef>
+                  <a:buChar char="–"/>
+                  <a:defRPr sz="1600">
+                    <a:solidFill>
+                      <a:srgbClr val="3A1D00"/>
+                    </a:solidFill>
+                    <a:latin typeface="Arial" panose="020B0604020202020204" pitchFamily="34" charset="0"/>
+                    <a:ea typeface="微软雅黑" panose="020B0503020204020204" pitchFamily="34" charset="-122"/>
+                  </a:defRPr>
+                </a:lvl4pPr>
+                <a:lvl5pPr marL="2057400" indent="-228600">
+                  <a:spcBef>
+                    <a:spcPct val="20000"/>
+                  </a:spcBef>
+                  <a:buChar char="»"/>
+                  <a:defRPr sz="1600">
+                    <a:solidFill>
+                      <a:srgbClr val="3A1D00"/>
+                    </a:solidFill>
+                    <a:latin typeface="Arial" panose="020B0604020202020204" pitchFamily="34" charset="0"/>
+                    <a:ea typeface="微软雅黑" panose="020B0503020204020204" pitchFamily="34" charset="-122"/>
+                  </a:defRPr>
+                </a:lvl5pPr>
+                <a:lvl6pPr marL="2514600" indent="-228600" eaLnBrk="0" fontAlgn="base" hangingPunct="0">
+                  <a:spcBef>
+                    <a:spcPct val="20000"/>
+                  </a:spcBef>
+                  <a:spcAft>
+                    <a:spcPct val="0"/>
+                  </a:spcAft>
+                  <a:buChar char="»"/>
+                  <a:defRPr sz="1600">
+                    <a:solidFill>
+                      <a:srgbClr val="3A1D00"/>
+                    </a:solidFill>
+                    <a:latin typeface="Arial" panose="020B0604020202020204" pitchFamily="34" charset="0"/>
+                    <a:ea typeface="微软雅黑" panose="020B0503020204020204" pitchFamily="34" charset="-122"/>
+                  </a:defRPr>
+                </a:lvl6pPr>
+                <a:lvl7pPr marL="2971800" indent="-228600" eaLnBrk="0" fontAlgn="base" hangingPunct="0">
+                  <a:spcBef>
+                    <a:spcPct val="20000"/>
+                  </a:spcBef>
+                  <a:spcAft>
+                    <a:spcPct val="0"/>
+                  </a:spcAft>
+                  <a:buChar char="»"/>
+                  <a:defRPr sz="1600">
+                    <a:solidFill>
+                      <a:srgbClr val="3A1D00"/>
+                    </a:solidFill>
+                    <a:latin typeface="Arial" panose="020B0604020202020204" pitchFamily="34" charset="0"/>
+                    <a:ea typeface="微软雅黑" panose="020B0503020204020204" pitchFamily="34" charset="-122"/>
+                  </a:defRPr>
+                </a:lvl7pPr>
+                <a:lvl8pPr marL="3429000" indent="-228600" eaLnBrk="0" fontAlgn="base" hangingPunct="0">
+                  <a:spcBef>
+                    <a:spcPct val="20000"/>
+                  </a:spcBef>
+                  <a:spcAft>
+                    <a:spcPct val="0"/>
+                  </a:spcAft>
+                  <a:buChar char="»"/>
+                  <a:defRPr sz="1600">
+                    <a:solidFill>
+                      <a:srgbClr val="3A1D00"/>
+                    </a:solidFill>
+                    <a:latin typeface="Arial" panose="020B0604020202020204" pitchFamily="34" charset="0"/>
+                    <a:ea typeface="微软雅黑" panose="020B0503020204020204" pitchFamily="34" charset="-122"/>
+                  </a:defRPr>
+                </a:lvl8pPr>
+                <a:lvl9pPr marL="3886200" indent="-228600" eaLnBrk="0" fontAlgn="base" hangingPunct="0">
+                  <a:spcBef>
+                    <a:spcPct val="20000"/>
+                  </a:spcBef>
+                  <a:spcAft>
+                    <a:spcPct val="0"/>
+                  </a:spcAft>
+                  <a:buChar char="»"/>
+                  <a:defRPr sz="1600">
+                    <a:solidFill>
+                      <a:srgbClr val="3A1D00"/>
+                    </a:solidFill>
+                    <a:latin typeface="Arial" panose="020B0604020202020204" pitchFamily="34" charset="0"/>
+                    <a:ea typeface="微软雅黑" panose="020B0503020204020204" pitchFamily="34" charset="-122"/>
+                  </a:defRPr>
+                </a:lvl9pPr>
+              </a:lstStyle>
+              <a:p>
+                <a:pPr eaLnBrk="1" hangingPunct="1">
+                  <a:spcBef>
+                    <a:spcPct val="0"/>
+                  </a:spcBef>
+                  <a:buFontTx/>
+                  <a:buNone/>
+                </a:pPr>
+                <a:endParaRPr lang="zh-CN" altLang="zh-CN" sz="1800" b="0">
+                  <a:solidFill>
+                    <a:schemeClr val="tx1"/>
+                  </a:solidFill>
+                  <a:latin typeface="华文新魏" panose="02010800040101010101" pitchFamily="2" charset="-122"/>
+                  <a:ea typeface="宋体" panose="02010600030101010101" pitchFamily="2" charset="-122"/>
+                </a:endParaRPr>
+              </a:p>
+            </p:txBody>
+          </p:sp>
+          <p:sp>
+            <p:nvSpPr>
+              <p:cNvPr id="20" name="AutoShape 29"/>
+              <p:cNvSpPr>
+                <a:spLocks noChangeArrowheads="1"/>
+              </p:cNvSpPr>
+              <p:nvPr/>
+            </p:nvSpPr>
+            <p:spPr bwMode="auto">
+              <a:xfrm>
+                <a:off x="2198169" y="3309612"/>
+                <a:ext cx="202649" cy="202652"/>
+              </a:xfrm>
+              <a:prstGeom prst="flowChartConnector">
+                <a:avLst/>
+              </a:prstGeom>
+              <a:solidFill>
+                <a:srgbClr val="FF0000"/>
+              </a:solidFill>
+              <a:ln w="9525">
+                <a:noFill/>
+                <a:round/>
+                <a:headEnd/>
+                <a:tailEnd/>
+              </a:ln>
+            </p:spPr>
+            <p:txBody>
+              <a:bodyPr wrap="none" anchor="ctr"/>
+              <a:lstStyle>
+                <a:lvl1pPr>
+                  <a:spcBef>
+                    <a:spcPct val="20000"/>
+                  </a:spcBef>
+                  <a:buChar char="•"/>
+                  <a:defRPr sz="2400">
+                    <a:solidFill>
+                      <a:srgbClr val="3A1D00"/>
+                    </a:solidFill>
+                    <a:latin typeface="Arial" panose="020B0604020202020204" pitchFamily="34" charset="0"/>
+                    <a:ea typeface="微软雅黑" panose="020B0503020204020204" pitchFamily="34" charset="-122"/>
+                  </a:defRPr>
+                </a:lvl1pPr>
+                <a:lvl2pPr marL="742950" indent="-285750">
+                  <a:spcBef>
+                    <a:spcPct val="20000"/>
+                  </a:spcBef>
+                  <a:buChar char="–"/>
+                  <a:defRPr sz="2000">
+                    <a:solidFill>
+                      <a:srgbClr val="3A1D00"/>
+                    </a:solidFill>
+                    <a:latin typeface="Arial" panose="020B0604020202020204" pitchFamily="34" charset="0"/>
+                    <a:ea typeface="微软雅黑" panose="020B0503020204020204" pitchFamily="34" charset="-122"/>
+                  </a:defRPr>
+                </a:lvl2pPr>
+                <a:lvl3pPr marL="1143000" indent="-228600">
+                  <a:spcBef>
+                    <a:spcPct val="20000"/>
+                  </a:spcBef>
+                  <a:buChar char="•"/>
+                  <a:defRPr sz="2400">
+                    <a:solidFill>
+                      <a:srgbClr val="3A1D00"/>
+                    </a:solidFill>
+                    <a:latin typeface="Arial" panose="020B0604020202020204" pitchFamily="34" charset="0"/>
+                    <a:ea typeface="微软雅黑" panose="020B0503020204020204" pitchFamily="34" charset="-122"/>
+                  </a:defRPr>
+                </a:lvl3pPr>
+                <a:lvl4pPr marL="1600200" indent="-228600">
+                  <a:spcBef>
+                    <a:spcPct val="20000"/>
+                  </a:spcBef>
+                  <a:buChar char="–"/>
+                  <a:defRPr sz="1600">
+                    <a:solidFill>
+                      <a:srgbClr val="3A1D00"/>
+                    </a:solidFill>
+                    <a:latin typeface="Arial" panose="020B0604020202020204" pitchFamily="34" charset="0"/>
+                    <a:ea typeface="微软雅黑" panose="020B0503020204020204" pitchFamily="34" charset="-122"/>
+                  </a:defRPr>
+                </a:lvl4pPr>
+                <a:lvl5pPr marL="2057400" indent="-228600">
+                  <a:spcBef>
+                    <a:spcPct val="20000"/>
+                  </a:spcBef>
+                  <a:buChar char="»"/>
+                  <a:defRPr sz="1600">
+                    <a:solidFill>
+                      <a:srgbClr val="3A1D00"/>
+                    </a:solidFill>
+                    <a:latin typeface="Arial" panose="020B0604020202020204" pitchFamily="34" charset="0"/>
+                    <a:ea typeface="微软雅黑" panose="020B0503020204020204" pitchFamily="34" charset="-122"/>
+                  </a:defRPr>
+                </a:lvl5pPr>
+                <a:lvl6pPr marL="2514600" indent="-228600" eaLnBrk="0" fontAlgn="base" hangingPunct="0">
+                  <a:spcBef>
+                    <a:spcPct val="20000"/>
+                  </a:spcBef>
+                  <a:spcAft>
+                    <a:spcPct val="0"/>
+                  </a:spcAft>
+                  <a:buChar char="»"/>
+                  <a:defRPr sz="1600">
+                    <a:solidFill>
+                      <a:srgbClr val="3A1D00"/>
+                    </a:solidFill>
+                    <a:latin typeface="Arial" panose="020B0604020202020204" pitchFamily="34" charset="0"/>
+                    <a:ea typeface="微软雅黑" panose="020B0503020204020204" pitchFamily="34" charset="-122"/>
+                  </a:defRPr>
+                </a:lvl6pPr>
+                <a:lvl7pPr marL="2971800" indent="-228600" eaLnBrk="0" fontAlgn="base" hangingPunct="0">
+                  <a:spcBef>
+                    <a:spcPct val="20000"/>
+                  </a:spcBef>
+                  <a:spcAft>
+                    <a:spcPct val="0"/>
+                  </a:spcAft>
+                  <a:buChar char="»"/>
+                  <a:defRPr sz="1600">
+                    <a:solidFill>
+                      <a:srgbClr val="3A1D00"/>
+                    </a:solidFill>
+                    <a:latin typeface="Arial" panose="020B0604020202020204" pitchFamily="34" charset="0"/>
+                    <a:ea typeface="微软雅黑" panose="020B0503020204020204" pitchFamily="34" charset="-122"/>
+                  </a:defRPr>
+                </a:lvl7pPr>
+                <a:lvl8pPr marL="3429000" indent="-228600" eaLnBrk="0" fontAlgn="base" hangingPunct="0">
+                  <a:spcBef>
+                    <a:spcPct val="20000"/>
+                  </a:spcBef>
+                  <a:spcAft>
+                    <a:spcPct val="0"/>
+                  </a:spcAft>
+                  <a:buChar char="»"/>
+                  <a:defRPr sz="1600">
+                    <a:solidFill>
+                      <a:srgbClr val="3A1D00"/>
+                    </a:solidFill>
+                    <a:latin typeface="Arial" panose="020B0604020202020204" pitchFamily="34" charset="0"/>
+                    <a:ea typeface="微软雅黑" panose="020B0503020204020204" pitchFamily="34" charset="-122"/>
+                  </a:defRPr>
+                </a:lvl8pPr>
+                <a:lvl9pPr marL="3886200" indent="-228600" eaLnBrk="0" fontAlgn="base" hangingPunct="0">
+                  <a:spcBef>
+                    <a:spcPct val="20000"/>
+                  </a:spcBef>
+                  <a:spcAft>
+                    <a:spcPct val="0"/>
+                  </a:spcAft>
+                  <a:buChar char="»"/>
+                  <a:defRPr sz="1600">
+                    <a:solidFill>
+                      <a:srgbClr val="3A1D00"/>
+                    </a:solidFill>
+                    <a:latin typeface="Arial" panose="020B0604020202020204" pitchFamily="34" charset="0"/>
+                    <a:ea typeface="微软雅黑" panose="020B0503020204020204" pitchFamily="34" charset="-122"/>
+                  </a:defRPr>
+                </a:lvl9pPr>
+              </a:lstStyle>
+              <a:p>
+                <a:pPr eaLnBrk="1" hangingPunct="1">
+                  <a:spcBef>
+                    <a:spcPct val="0"/>
+                  </a:spcBef>
+                  <a:buFontTx/>
+                  <a:buNone/>
+                </a:pPr>
+                <a:endParaRPr lang="zh-CN" altLang="zh-CN" sz="1800" b="0">
+                  <a:solidFill>
+                    <a:schemeClr val="tx1"/>
+                  </a:solidFill>
+                  <a:latin typeface="华文新魏" panose="02010800040101010101" pitchFamily="2" charset="-122"/>
+                  <a:ea typeface="宋体" panose="02010600030101010101" pitchFamily="2" charset="-122"/>
+                </a:endParaRPr>
+              </a:p>
+            </p:txBody>
+          </p:sp>
+          <p:sp>
+            <p:nvSpPr>
+              <p:cNvPr id="21" name="AutoShape 29"/>
+              <p:cNvSpPr>
+                <a:spLocks noChangeArrowheads="1"/>
+              </p:cNvSpPr>
+              <p:nvPr/>
+            </p:nvSpPr>
+            <p:spPr bwMode="auto">
+              <a:xfrm>
+                <a:off x="1667936" y="4291422"/>
+                <a:ext cx="202649" cy="202652"/>
+              </a:xfrm>
+              <a:prstGeom prst="flowChartConnector">
+                <a:avLst/>
+              </a:prstGeom>
+              <a:solidFill>
+                <a:srgbClr val="FF0000"/>
+              </a:solidFill>
+              <a:ln w="9525">
+                <a:noFill/>
+                <a:round/>
+                <a:headEnd/>
+                <a:tailEnd/>
+              </a:ln>
+            </p:spPr>
+            <p:txBody>
+              <a:bodyPr wrap="none" anchor="ctr"/>
+              <a:lstStyle>
+                <a:lvl1pPr>
+                  <a:spcBef>
+                    <a:spcPct val="20000"/>
+                  </a:spcBef>
+                  <a:buChar char="•"/>
+                  <a:defRPr sz="2400">
+                    <a:solidFill>
+                      <a:srgbClr val="3A1D00"/>
+                    </a:solidFill>
+                    <a:latin typeface="Arial" panose="020B0604020202020204" pitchFamily="34" charset="0"/>
+                    <a:ea typeface="微软雅黑" panose="020B0503020204020204" pitchFamily="34" charset="-122"/>
+                  </a:defRPr>
+                </a:lvl1pPr>
+                <a:lvl2pPr marL="742950" indent="-285750">
+                  <a:spcBef>
+                    <a:spcPct val="20000"/>
+                  </a:spcBef>
+                  <a:buChar char="–"/>
+                  <a:defRPr sz="2000">
+                    <a:solidFill>
+                      <a:srgbClr val="3A1D00"/>
+                    </a:solidFill>
+                    <a:latin typeface="Arial" panose="020B0604020202020204" pitchFamily="34" charset="0"/>
+                    <a:ea typeface="微软雅黑" panose="020B0503020204020204" pitchFamily="34" charset="-122"/>
+                  </a:defRPr>
+                </a:lvl2pPr>
+                <a:lvl3pPr marL="1143000" indent="-228600">
+                  <a:spcBef>
+                    <a:spcPct val="20000"/>
+                  </a:spcBef>
+                  <a:buChar char="•"/>
+                  <a:defRPr sz="2400">
+                    <a:solidFill>
+                      <a:srgbClr val="3A1D00"/>
+                    </a:solidFill>
+                    <a:latin typeface="Arial" panose="020B0604020202020204" pitchFamily="34" charset="0"/>
+                    <a:ea typeface="微软雅黑" panose="020B0503020204020204" pitchFamily="34" charset="-122"/>
+                  </a:defRPr>
+                </a:lvl3pPr>
+                <a:lvl4pPr marL="1600200" indent="-228600">
+                  <a:spcBef>
+                    <a:spcPct val="20000"/>
+                  </a:spcBef>
+                  <a:buChar char="–"/>
+                  <a:defRPr sz="1600">
+                    <a:solidFill>
+                      <a:srgbClr val="3A1D00"/>
+                    </a:solidFill>
+                    <a:latin typeface="Arial" panose="020B0604020202020204" pitchFamily="34" charset="0"/>
+                    <a:ea typeface="微软雅黑" panose="020B0503020204020204" pitchFamily="34" charset="-122"/>
+                  </a:defRPr>
+                </a:lvl4pPr>
+                <a:lvl5pPr marL="2057400" indent="-228600">
+                  <a:spcBef>
+                    <a:spcPct val="20000"/>
+                  </a:spcBef>
+                  <a:buChar char="»"/>
+                  <a:defRPr sz="1600">
+                    <a:solidFill>
+                      <a:srgbClr val="3A1D00"/>
+                    </a:solidFill>
+                    <a:latin typeface="Arial" panose="020B0604020202020204" pitchFamily="34" charset="0"/>
+                    <a:ea typeface="微软雅黑" panose="020B0503020204020204" pitchFamily="34" charset="-122"/>
+                  </a:defRPr>
+                </a:lvl5pPr>
+                <a:lvl6pPr marL="2514600" indent="-228600" eaLnBrk="0" fontAlgn="base" hangingPunct="0">
+                  <a:spcBef>
+                    <a:spcPct val="20000"/>
+                  </a:spcBef>
+                  <a:spcAft>
+                    <a:spcPct val="0"/>
+                  </a:spcAft>
+                  <a:buChar char="»"/>
+                  <a:defRPr sz="1600">
+                    <a:solidFill>
+                      <a:srgbClr val="3A1D00"/>
+                    </a:solidFill>
+                    <a:latin typeface="Arial" panose="020B0604020202020204" pitchFamily="34" charset="0"/>
+                    <a:ea typeface="微软雅黑" panose="020B0503020204020204" pitchFamily="34" charset="-122"/>
+                  </a:defRPr>
+                </a:lvl6pPr>
+                <a:lvl7pPr marL="2971800" indent="-228600" eaLnBrk="0" fontAlgn="base" hangingPunct="0">
+                  <a:spcBef>
+                    <a:spcPct val="20000"/>
+                  </a:spcBef>
+                  <a:spcAft>
+                    <a:spcPct val="0"/>
+                  </a:spcAft>
+                  <a:buChar char="»"/>
+                  <a:defRPr sz="1600">
+                    <a:solidFill>
+                      <a:srgbClr val="3A1D00"/>
+                    </a:solidFill>
+                    <a:latin typeface="Arial" panose="020B0604020202020204" pitchFamily="34" charset="0"/>
+                    <a:ea typeface="微软雅黑" panose="020B0503020204020204" pitchFamily="34" charset="-122"/>
+                  </a:defRPr>
+                </a:lvl7pPr>
+                <a:lvl8pPr marL="3429000" indent="-228600" eaLnBrk="0" fontAlgn="base" hangingPunct="0">
+                  <a:spcBef>
+                    <a:spcPct val="20000"/>
+                  </a:spcBef>
+                  <a:spcAft>
+                    <a:spcPct val="0"/>
+                  </a:spcAft>
+                  <a:buChar char="»"/>
+                  <a:defRPr sz="1600">
+                    <a:solidFill>
+                      <a:srgbClr val="3A1D00"/>
+                    </a:solidFill>
+                    <a:latin typeface="Arial" panose="020B0604020202020204" pitchFamily="34" charset="0"/>
+                    <a:ea typeface="微软雅黑" panose="020B0503020204020204" pitchFamily="34" charset="-122"/>
+                  </a:defRPr>
+                </a:lvl8pPr>
+                <a:lvl9pPr marL="3886200" indent="-228600" eaLnBrk="0" fontAlgn="base" hangingPunct="0">
+                  <a:spcBef>
+                    <a:spcPct val="20000"/>
+                  </a:spcBef>
+                  <a:spcAft>
+                    <a:spcPct val="0"/>
+                  </a:spcAft>
+                  <a:buChar char="»"/>
+                  <a:defRPr sz="1600">
+                    <a:solidFill>
+                      <a:srgbClr val="3A1D00"/>
+                    </a:solidFill>
+                    <a:latin typeface="Arial" panose="020B0604020202020204" pitchFamily="34" charset="0"/>
+                    <a:ea typeface="微软雅黑" panose="020B0503020204020204" pitchFamily="34" charset="-122"/>
+                  </a:defRPr>
+                </a:lvl9pPr>
+              </a:lstStyle>
+              <a:p>
+                <a:pPr eaLnBrk="1" hangingPunct="1">
+                  <a:spcBef>
+                    <a:spcPct val="0"/>
+                  </a:spcBef>
+                  <a:buFontTx/>
+                  <a:buNone/>
+                </a:pPr>
+                <a:endParaRPr lang="zh-CN" altLang="zh-CN" sz="1800" b="0">
+                  <a:solidFill>
+                    <a:schemeClr val="tx1"/>
+                  </a:solidFill>
+                  <a:latin typeface="华文新魏" panose="02010800040101010101" pitchFamily="2" charset="-122"/>
+                  <a:ea typeface="宋体" panose="02010600030101010101" pitchFamily="2" charset="-122"/>
+                </a:endParaRPr>
+              </a:p>
+            </p:txBody>
+          </p:sp>
+          <p:sp>
+            <p:nvSpPr>
+              <p:cNvPr id="22" name="AutoShape 29"/>
+              <p:cNvSpPr>
+                <a:spLocks noChangeArrowheads="1"/>
+              </p:cNvSpPr>
+              <p:nvPr/>
+            </p:nvSpPr>
+            <p:spPr bwMode="auto">
+              <a:xfrm>
+                <a:off x="4121256" y="5079613"/>
+                <a:ext cx="202649" cy="202652"/>
+              </a:xfrm>
+              <a:prstGeom prst="flowChartConnector">
+                <a:avLst/>
+              </a:prstGeom>
+              <a:solidFill>
+                <a:srgbClr val="FF0000"/>
+              </a:solidFill>
+              <a:ln w="9525">
+                <a:noFill/>
+                <a:round/>
+                <a:headEnd/>
+                <a:tailEnd/>
+              </a:ln>
+            </p:spPr>
+            <p:txBody>
+              <a:bodyPr wrap="none" anchor="ctr"/>
+              <a:lstStyle>
+                <a:lvl1pPr>
+                  <a:spcBef>
+                    <a:spcPct val="20000"/>
+                  </a:spcBef>
+                  <a:buChar char="•"/>
+                  <a:defRPr sz="2400">
+                    <a:solidFill>
+                      <a:srgbClr val="3A1D00"/>
+                    </a:solidFill>
+                    <a:latin typeface="Arial" panose="020B0604020202020204" pitchFamily="34" charset="0"/>
+                    <a:ea typeface="微软雅黑" panose="020B0503020204020204" pitchFamily="34" charset="-122"/>
+                  </a:defRPr>
+                </a:lvl1pPr>
+                <a:lvl2pPr marL="742950" indent="-285750">
+                  <a:spcBef>
+                    <a:spcPct val="20000"/>
+                  </a:spcBef>
+                  <a:buChar char="–"/>
+                  <a:defRPr sz="2000">
+                    <a:solidFill>
+                      <a:srgbClr val="3A1D00"/>
+                    </a:solidFill>
+                    <a:latin typeface="Arial" panose="020B0604020202020204" pitchFamily="34" charset="0"/>
+                    <a:ea typeface="微软雅黑" panose="020B0503020204020204" pitchFamily="34" charset="-122"/>
+                  </a:defRPr>
+                </a:lvl2pPr>
+                <a:lvl3pPr marL="1143000" indent="-228600">
+                  <a:spcBef>
+                    <a:spcPct val="20000"/>
+                  </a:spcBef>
+                  <a:buChar char="•"/>
+                  <a:defRPr sz="2400">
+                    <a:solidFill>
+                      <a:srgbClr val="3A1D00"/>
+                    </a:solidFill>
+                    <a:latin typeface="Arial" panose="020B0604020202020204" pitchFamily="34" charset="0"/>
+                    <a:ea typeface="微软雅黑" panose="020B0503020204020204" pitchFamily="34" charset="-122"/>
+                  </a:defRPr>
+                </a:lvl3pPr>
+                <a:lvl4pPr marL="1600200" indent="-228600">
+                  <a:spcBef>
+                    <a:spcPct val="20000"/>
+                  </a:spcBef>
+                  <a:buChar char="–"/>
+                  <a:defRPr sz="1600">
+                    <a:solidFill>
+                      <a:srgbClr val="3A1D00"/>
+                    </a:solidFill>
+                    <a:latin typeface="Arial" panose="020B0604020202020204" pitchFamily="34" charset="0"/>
+                    <a:ea typeface="微软雅黑" panose="020B0503020204020204" pitchFamily="34" charset="-122"/>
+                  </a:defRPr>
+                </a:lvl4pPr>
+                <a:lvl5pPr marL="2057400" indent="-228600">
+                  <a:spcBef>
+                    <a:spcPct val="20000"/>
+                  </a:spcBef>
+                  <a:buChar char="»"/>
+                  <a:defRPr sz="1600">
+                    <a:solidFill>
+                      <a:srgbClr val="3A1D00"/>
+                    </a:solidFill>
+                    <a:latin typeface="Arial" panose="020B0604020202020204" pitchFamily="34" charset="0"/>
+                    <a:ea typeface="微软雅黑" panose="020B0503020204020204" pitchFamily="34" charset="-122"/>
+                  </a:defRPr>
+                </a:lvl5pPr>
+                <a:lvl6pPr marL="2514600" indent="-228600" eaLnBrk="0" fontAlgn="base" hangingPunct="0">
+                  <a:spcBef>
+                    <a:spcPct val="20000"/>
+                  </a:spcBef>
+                  <a:spcAft>
+                    <a:spcPct val="0"/>
+                  </a:spcAft>
+                  <a:buChar char="»"/>
+                  <a:defRPr sz="1600">
+                    <a:solidFill>
+                      <a:srgbClr val="3A1D00"/>
+                    </a:solidFill>
+                    <a:latin typeface="Arial" panose="020B0604020202020204" pitchFamily="34" charset="0"/>
+                    <a:ea typeface="微软雅黑" panose="020B0503020204020204" pitchFamily="34" charset="-122"/>
+                  </a:defRPr>
+                </a:lvl6pPr>
+                <a:lvl7pPr marL="2971800" indent="-228600" eaLnBrk="0" fontAlgn="base" hangingPunct="0">
+                  <a:spcBef>
+                    <a:spcPct val="20000"/>
+                  </a:spcBef>
+                  <a:spcAft>
+                    <a:spcPct val="0"/>
+                  </a:spcAft>
+                  <a:buChar char="»"/>
+                  <a:defRPr sz="1600">
+                    <a:solidFill>
+                      <a:srgbClr val="3A1D00"/>
+                    </a:solidFill>
+                    <a:latin typeface="Arial" panose="020B0604020202020204" pitchFamily="34" charset="0"/>
+                    <a:ea typeface="微软雅黑" panose="020B0503020204020204" pitchFamily="34" charset="-122"/>
+                  </a:defRPr>
+                </a:lvl7pPr>
+                <a:lvl8pPr marL="3429000" indent="-228600" eaLnBrk="0" fontAlgn="base" hangingPunct="0">
+                  <a:spcBef>
+                    <a:spcPct val="20000"/>
+                  </a:spcBef>
+                  <a:spcAft>
+                    <a:spcPct val="0"/>
+                  </a:spcAft>
+                  <a:buChar char="»"/>
+                  <a:defRPr sz="1600">
+                    <a:solidFill>
+                      <a:srgbClr val="3A1D00"/>
+                    </a:solidFill>
+                    <a:latin typeface="Arial" panose="020B0604020202020204" pitchFamily="34" charset="0"/>
+                    <a:ea typeface="微软雅黑" panose="020B0503020204020204" pitchFamily="34" charset="-122"/>
+                  </a:defRPr>
+                </a:lvl8pPr>
+                <a:lvl9pPr marL="3886200" indent="-228600" eaLnBrk="0" fontAlgn="base" hangingPunct="0">
+                  <a:spcBef>
+                    <a:spcPct val="20000"/>
+                  </a:spcBef>
+                  <a:spcAft>
+                    <a:spcPct val="0"/>
+                  </a:spcAft>
+                  <a:buChar char="»"/>
+                  <a:defRPr sz="1600">
+                    <a:solidFill>
+                      <a:srgbClr val="3A1D00"/>
+                    </a:solidFill>
+                    <a:latin typeface="Arial" panose="020B0604020202020204" pitchFamily="34" charset="0"/>
+                    <a:ea typeface="微软雅黑" panose="020B0503020204020204" pitchFamily="34" charset="-122"/>
+                  </a:defRPr>
+                </a:lvl9pPr>
+              </a:lstStyle>
+              <a:p>
+                <a:pPr eaLnBrk="1" hangingPunct="1">
+                  <a:spcBef>
+                    <a:spcPct val="0"/>
+                  </a:spcBef>
+                  <a:buFontTx/>
+                  <a:buNone/>
+                </a:pPr>
+                <a:endParaRPr lang="zh-CN" altLang="zh-CN" sz="1800" b="0">
+                  <a:solidFill>
+                    <a:schemeClr val="tx1"/>
+                  </a:solidFill>
+                  <a:latin typeface="华文新魏" panose="02010800040101010101" pitchFamily="2" charset="-122"/>
+                  <a:ea typeface="宋体" panose="02010600030101010101" pitchFamily="2" charset="-122"/>
+                </a:endParaRPr>
+              </a:p>
+            </p:txBody>
+          </p:sp>
+        </p:grpSp>
+        <p:sp>
+          <p:nvSpPr>
+            <p:cNvPr id="7" name="文本框 6"/>
+            <p:cNvSpPr txBox="1"/>
+            <p:nvPr/>
+          </p:nvSpPr>
+          <p:spPr>
+            <a:xfrm>
+              <a:off x="2192870" y="5692527"/>
+              <a:ext cx="498985" cy="369332"/>
+            </a:xfrm>
+            <a:prstGeom prst="rect">
+              <a:avLst/>
+            </a:prstGeom>
+            <a:noFill/>
+          </p:spPr>
+          <p:txBody>
+            <a:bodyPr wrap="square" rtlCol="0">
+              <a:spAutoFit/>
+            </a:bodyPr>
+            <a:lstStyle/>
+            <a:p>
+              <a:r>
+                <a:rPr lang="en-US" altLang="zh-CN" dirty="0" smtClean="0"/>
+                <a:t>p</a:t>
+              </a:r>
+              <a:r>
+                <a:rPr lang="en-US" altLang="zh-CN" baseline="-25000" dirty="0" smtClean="0"/>
+                <a:t>1</a:t>
+              </a:r>
+              <a:endParaRPr lang="zh-CN" altLang="en-US" baseline="-25000" dirty="0"/>
+            </a:p>
+          </p:txBody>
+        </p:sp>
+        <p:sp>
+          <p:nvSpPr>
+            <p:cNvPr id="8" name="文本框 7"/>
+            <p:cNvSpPr txBox="1"/>
+            <p:nvPr/>
+          </p:nvSpPr>
+          <p:spPr>
+            <a:xfrm>
+              <a:off x="4022948" y="4857712"/>
+              <a:ext cx="498985" cy="369332"/>
+            </a:xfrm>
+            <a:prstGeom prst="rect">
+              <a:avLst/>
+            </a:prstGeom>
+            <a:noFill/>
+          </p:spPr>
+          <p:txBody>
+            <a:bodyPr wrap="square" rtlCol="0">
+              <a:spAutoFit/>
+            </a:bodyPr>
+            <a:lstStyle/>
+            <a:p>
+              <a:r>
+                <a:rPr lang="en-US" altLang="zh-CN" dirty="0" smtClean="0"/>
+                <a:t>p</a:t>
+              </a:r>
+              <a:r>
+                <a:rPr lang="en-US" altLang="zh-CN" baseline="-25000" dirty="0" smtClean="0"/>
+                <a:t>2</a:t>
+              </a:r>
+              <a:endParaRPr lang="zh-CN" altLang="en-US" baseline="-25000" dirty="0"/>
+            </a:p>
+          </p:txBody>
+        </p:sp>
+        <p:sp>
+          <p:nvSpPr>
+            <p:cNvPr id="9" name="文本框 8"/>
+            <p:cNvSpPr txBox="1"/>
+            <p:nvPr/>
+          </p:nvSpPr>
+          <p:spPr>
+            <a:xfrm>
+              <a:off x="3343608" y="4592167"/>
+              <a:ext cx="498985" cy="369332"/>
+            </a:xfrm>
+            <a:prstGeom prst="rect">
+              <a:avLst/>
+            </a:prstGeom>
+            <a:noFill/>
+          </p:spPr>
+          <p:txBody>
+            <a:bodyPr wrap="square" rtlCol="0">
+              <a:spAutoFit/>
+            </a:bodyPr>
+            <a:lstStyle/>
+            <a:p>
+              <a:r>
+                <a:rPr lang="en-US" altLang="zh-CN" dirty="0" smtClean="0"/>
+                <a:t>p</a:t>
+              </a:r>
+              <a:r>
+                <a:rPr lang="en-US" altLang="zh-CN" baseline="-25000" dirty="0" smtClean="0"/>
+                <a:t>3</a:t>
+              </a:r>
+              <a:endParaRPr lang="zh-CN" altLang="en-US" baseline="-25000" dirty="0"/>
+            </a:p>
+          </p:txBody>
+        </p:sp>
+        <p:sp>
+          <p:nvSpPr>
+            <p:cNvPr id="10" name="文本框 9"/>
+            <p:cNvSpPr txBox="1"/>
+            <p:nvPr/>
+          </p:nvSpPr>
+          <p:spPr>
+            <a:xfrm>
+              <a:off x="3701616" y="3398102"/>
+              <a:ext cx="498985" cy="369332"/>
+            </a:xfrm>
+            <a:prstGeom prst="rect">
+              <a:avLst/>
+            </a:prstGeom>
+            <a:noFill/>
+          </p:spPr>
+          <p:txBody>
+            <a:bodyPr wrap="square" rtlCol="0">
+              <a:spAutoFit/>
+            </a:bodyPr>
+            <a:lstStyle/>
+            <a:p>
+              <a:r>
+                <a:rPr lang="en-US" altLang="zh-CN" dirty="0" smtClean="0"/>
+                <a:t>p</a:t>
+              </a:r>
+              <a:r>
+                <a:rPr lang="en-US" altLang="zh-CN" baseline="-25000" dirty="0" smtClean="0"/>
+                <a:t>4</a:t>
+              </a:r>
+              <a:endParaRPr lang="zh-CN" altLang="en-US" baseline="-25000" dirty="0"/>
+            </a:p>
+          </p:txBody>
+        </p:sp>
+        <p:sp>
+          <p:nvSpPr>
+            <p:cNvPr id="11" name="文本框 10"/>
+            <p:cNvSpPr txBox="1"/>
+            <p:nvPr/>
+          </p:nvSpPr>
+          <p:spPr>
+            <a:xfrm>
+              <a:off x="2684649" y="3852519"/>
+              <a:ext cx="498985" cy="369332"/>
+            </a:xfrm>
+            <a:prstGeom prst="rect">
+              <a:avLst/>
+            </a:prstGeom>
+            <a:noFill/>
+          </p:spPr>
+          <p:txBody>
+            <a:bodyPr wrap="square" rtlCol="0">
+              <a:spAutoFit/>
+            </a:bodyPr>
+            <a:lstStyle/>
+            <a:p>
+              <a:r>
+                <a:rPr lang="en-US" altLang="zh-CN" dirty="0" smtClean="0"/>
+                <a:t>p</a:t>
+              </a:r>
+              <a:r>
+                <a:rPr lang="en-US" altLang="zh-CN" baseline="-25000" dirty="0" smtClean="0"/>
+                <a:t>5</a:t>
+              </a:r>
+              <a:endParaRPr lang="zh-CN" altLang="en-US" baseline="-25000" dirty="0"/>
+            </a:p>
+          </p:txBody>
+        </p:sp>
+        <p:sp>
+          <p:nvSpPr>
+            <p:cNvPr id="12" name="文本框 11"/>
+            <p:cNvSpPr txBox="1"/>
+            <p:nvPr/>
+          </p:nvSpPr>
+          <p:spPr>
+            <a:xfrm>
+              <a:off x="2334020" y="3342065"/>
+              <a:ext cx="498985" cy="369332"/>
+            </a:xfrm>
+            <a:prstGeom prst="rect">
+              <a:avLst/>
+            </a:prstGeom>
+            <a:noFill/>
+          </p:spPr>
+          <p:txBody>
+            <a:bodyPr wrap="square" rtlCol="0">
+              <a:spAutoFit/>
+            </a:bodyPr>
+            <a:lstStyle/>
+            <a:p>
+              <a:r>
+                <a:rPr lang="en-US" altLang="zh-CN" dirty="0" smtClean="0"/>
+                <a:t>p</a:t>
+              </a:r>
+              <a:r>
+                <a:rPr lang="en-US" altLang="zh-CN" baseline="-25000" dirty="0" smtClean="0"/>
+                <a:t>6</a:t>
+              </a:r>
+              <a:endParaRPr lang="zh-CN" altLang="en-US" baseline="-25000" dirty="0"/>
+            </a:p>
+          </p:txBody>
+        </p:sp>
+        <p:sp>
+          <p:nvSpPr>
+            <p:cNvPr id="13" name="文本框 12"/>
+            <p:cNvSpPr txBox="1"/>
+            <p:nvPr/>
+          </p:nvSpPr>
+          <p:spPr>
+            <a:xfrm>
+              <a:off x="1836258" y="4327105"/>
+              <a:ext cx="498985" cy="369332"/>
+            </a:xfrm>
+            <a:prstGeom prst="rect">
+              <a:avLst/>
+            </a:prstGeom>
+            <a:noFill/>
+          </p:spPr>
+          <p:txBody>
+            <a:bodyPr wrap="square" rtlCol="0">
+              <a:spAutoFit/>
+            </a:bodyPr>
+            <a:lstStyle/>
+            <a:p>
+              <a:r>
+                <a:rPr lang="en-US" altLang="zh-CN" dirty="0" smtClean="0"/>
+                <a:t>p</a:t>
+              </a:r>
+              <a:r>
+                <a:rPr lang="en-US" altLang="zh-CN" baseline="-25000" dirty="0" smtClean="0"/>
+                <a:t>7</a:t>
+              </a:r>
+              <a:endParaRPr lang="zh-CN" altLang="en-US" baseline="-25000" dirty="0"/>
+            </a:p>
+          </p:txBody>
+        </p:sp>
+        <p:sp>
+          <p:nvSpPr>
+            <p:cNvPr id="14" name="文本框 13"/>
+            <p:cNvSpPr txBox="1"/>
+            <p:nvPr/>
+          </p:nvSpPr>
+          <p:spPr>
+            <a:xfrm>
+              <a:off x="643006" y="4316230"/>
+              <a:ext cx="498985" cy="369332"/>
+            </a:xfrm>
+            <a:prstGeom prst="rect">
+              <a:avLst/>
+            </a:prstGeom>
+            <a:noFill/>
+          </p:spPr>
+          <p:txBody>
+            <a:bodyPr wrap="square" rtlCol="0">
+              <a:spAutoFit/>
+            </a:bodyPr>
+            <a:lstStyle/>
+            <a:p>
+              <a:r>
+                <a:rPr lang="en-US" altLang="zh-CN" dirty="0" smtClean="0"/>
+                <a:t>p</a:t>
+              </a:r>
+              <a:r>
+                <a:rPr lang="en-US" altLang="zh-CN" baseline="-25000" dirty="0" smtClean="0"/>
+                <a:t>8</a:t>
+              </a:r>
+              <a:endParaRPr lang="zh-CN" altLang="en-US" baseline="-25000" dirty="0"/>
+            </a:p>
+          </p:txBody>
+        </p:sp>
+      </p:grpSp>
+      <p:sp>
+        <p:nvSpPr>
+          <p:cNvPr id="23" name="TextBox 51"/>
+          <p:cNvSpPr txBox="1">
+            <a:spLocks noChangeArrowheads="1"/>
+          </p:cNvSpPr>
+          <p:nvPr/>
+        </p:nvSpPr>
+        <p:spPr bwMode="auto">
+          <a:xfrm>
+            <a:off x="643006" y="1046830"/>
+            <a:ext cx="7535794" cy="1477328"/>
+          </a:xfrm>
+          <a:prstGeom prst="rect">
+            <a:avLst/>
+          </a:prstGeom>
+          <a:noFill/>
+          <a:ln w="9525">
+            <a:noFill/>
+            <a:miter lim="800000"/>
+            <a:headEnd/>
+            <a:tailEnd/>
+          </a:ln>
+        </p:spPr>
+        <p:txBody>
+          <a:bodyPr wrap="square">
+            <a:spAutoFit/>
+          </a:bodyPr>
+          <a:lstStyle/>
+          <a:p>
+            <a:pPr marL="457200" indent="-457200">
+              <a:lnSpc>
+                <a:spcPct val="150000"/>
+              </a:lnSpc>
+              <a:buFont typeface="+mj-ea"/>
+              <a:buAutoNum type="circleNumDbPlain"/>
+            </a:pPr>
+            <a:r>
+              <a:rPr lang="zh-CN" altLang="en-US" sz="2000" dirty="0">
+                <a:latin typeface="华文楷体" pitchFamily="2" charset="-122"/>
+                <a:ea typeface="华文楷体" pitchFamily="2" charset="-122"/>
+              </a:rPr>
+              <a:t>找最高点和最低</a:t>
+            </a:r>
+            <a:r>
+              <a:rPr lang="zh-CN" altLang="en-US" sz="2000" dirty="0" smtClean="0">
+                <a:latin typeface="华文楷体" pitchFamily="2" charset="-122"/>
+                <a:ea typeface="华文楷体" pitchFamily="2" charset="-122"/>
+              </a:rPr>
+              <a:t>点；</a:t>
+            </a:r>
+            <a:endParaRPr lang="en-US" altLang="zh-CN" sz="2000" dirty="0" smtClean="0">
+              <a:latin typeface="华文楷体" pitchFamily="2" charset="-122"/>
+              <a:ea typeface="华文楷体" pitchFamily="2" charset="-122"/>
+            </a:endParaRPr>
+          </a:p>
+          <a:p>
+            <a:pPr marL="457200" indent="-457200">
+              <a:lnSpc>
+                <a:spcPct val="150000"/>
+              </a:lnSpc>
+              <a:buFont typeface="+mj-ea"/>
+              <a:buAutoNum type="circleNumDbPlain"/>
+            </a:pPr>
+            <a:r>
+              <a:rPr lang="zh-CN" altLang="en-US" sz="2000" dirty="0">
+                <a:latin typeface="华文楷体" pitchFamily="2" charset="-122"/>
+                <a:ea typeface="华文楷体" pitchFamily="2" charset="-122"/>
+              </a:rPr>
+              <a:t>从最低点开始找它的最小极角点，即为下一个凸包点，再找出此点的下一个最小极角</a:t>
+            </a:r>
+            <a:r>
+              <a:rPr lang="zh-CN" altLang="en-US" sz="2000" dirty="0" smtClean="0">
+                <a:latin typeface="华文楷体" pitchFamily="2" charset="-122"/>
+                <a:ea typeface="华文楷体" pitchFamily="2" charset="-122"/>
+              </a:rPr>
+              <a:t>点，循环此操作，直至最（低）高点。</a:t>
+            </a:r>
+            <a:endParaRPr lang="zh-CN" altLang="en-US" sz="2000" dirty="0">
+              <a:latin typeface="华文楷体" pitchFamily="2" charset="-122"/>
+              <a:ea typeface="华文楷体" pitchFamily="2" charset="-122"/>
+            </a:endParaRPr>
+          </a:p>
+        </p:txBody>
+      </p:sp>
+      <p:sp>
+        <p:nvSpPr>
+          <p:cNvPr id="24" name="AutoShape 29"/>
+          <p:cNvSpPr>
+            <a:spLocks noChangeArrowheads="1"/>
+          </p:cNvSpPr>
+          <p:nvPr/>
+        </p:nvSpPr>
+        <p:spPr bwMode="auto">
+          <a:xfrm>
+            <a:off x="2094835" y="5573399"/>
+            <a:ext cx="170958" cy="170961"/>
+          </a:xfrm>
+          <a:prstGeom prst="flowChartConnector">
+            <a:avLst/>
+          </a:prstGeom>
+          <a:solidFill>
+            <a:srgbClr val="0000FF"/>
+          </a:solidFill>
+          <a:ln w="9525">
+            <a:noFill/>
+            <a:round/>
+            <a:headEnd/>
+            <a:tailEnd/>
+          </a:ln>
+        </p:spPr>
+        <p:txBody>
+          <a:bodyPr wrap="none" anchor="ctr"/>
+          <a:lstStyle>
+            <a:lvl1pPr>
+              <a:spcBef>
+                <a:spcPct val="20000"/>
+              </a:spcBef>
+              <a:buChar char="•"/>
+              <a:defRPr sz="2400">
+                <a:solidFill>
+                  <a:srgbClr val="3A1D00"/>
+                </a:solidFill>
+                <a:latin typeface="Arial" panose="020B0604020202020204" pitchFamily="34" charset="0"/>
+                <a:ea typeface="微软雅黑" panose="020B0503020204020204" pitchFamily="34" charset="-122"/>
+              </a:defRPr>
+            </a:lvl1pPr>
+            <a:lvl2pPr marL="742950" indent="-285750">
+              <a:spcBef>
+                <a:spcPct val="20000"/>
+              </a:spcBef>
+              <a:buChar char="–"/>
+              <a:defRPr sz="2000">
+                <a:solidFill>
+                  <a:srgbClr val="3A1D00"/>
+                </a:solidFill>
+                <a:latin typeface="Arial" panose="020B0604020202020204" pitchFamily="34" charset="0"/>
+                <a:ea typeface="微软雅黑" panose="020B0503020204020204" pitchFamily="34" charset="-122"/>
+              </a:defRPr>
+            </a:lvl2pPr>
+            <a:lvl3pPr marL="1143000" indent="-228600">
+              <a:spcBef>
+                <a:spcPct val="20000"/>
+              </a:spcBef>
+              <a:buChar char="•"/>
+              <a:defRPr sz="2400">
+                <a:solidFill>
+                  <a:srgbClr val="3A1D00"/>
+                </a:solidFill>
+                <a:latin typeface="Arial" panose="020B0604020202020204" pitchFamily="34" charset="0"/>
+                <a:ea typeface="微软雅黑" panose="020B0503020204020204" pitchFamily="34" charset="-122"/>
+              </a:defRPr>
+            </a:lvl3pPr>
+            <a:lvl4pPr marL="1600200" indent="-228600">
+              <a:spcBef>
+                <a:spcPct val="20000"/>
+              </a:spcBef>
+              <a:buChar char="–"/>
+              <a:defRPr sz="1600">
+                <a:solidFill>
+                  <a:srgbClr val="3A1D00"/>
+                </a:solidFill>
+                <a:latin typeface="Arial" panose="020B0604020202020204" pitchFamily="34" charset="0"/>
+                <a:ea typeface="微软雅黑" panose="020B0503020204020204" pitchFamily="34" charset="-122"/>
+              </a:defRPr>
+            </a:lvl4pPr>
+            <a:lvl5pPr marL="2057400" indent="-228600">
+              <a:spcBef>
+                <a:spcPct val="20000"/>
+              </a:spcBef>
+              <a:buChar char="»"/>
+              <a:defRPr sz="1600">
+                <a:solidFill>
+                  <a:srgbClr val="3A1D00"/>
+                </a:solidFill>
+                <a:latin typeface="Arial" panose="020B0604020202020204" pitchFamily="34" charset="0"/>
+                <a:ea typeface="微软雅黑" panose="020B0503020204020204" pitchFamily="34" charset="-122"/>
+              </a:defRPr>
+            </a:lvl5pPr>
+            <a:lvl6pPr marL="2514600" indent="-228600" eaLnBrk="0" fontAlgn="base" hangingPunct="0">
+              <a:spcBef>
+                <a:spcPct val="20000"/>
+              </a:spcBef>
+              <a:spcAft>
+                <a:spcPct val="0"/>
+              </a:spcAft>
+              <a:buChar char="»"/>
+              <a:defRPr sz="1600">
+                <a:solidFill>
+                  <a:srgbClr val="3A1D00"/>
+                </a:solidFill>
+                <a:latin typeface="Arial" panose="020B0604020202020204" pitchFamily="34" charset="0"/>
+                <a:ea typeface="微软雅黑" panose="020B0503020204020204" pitchFamily="34" charset="-122"/>
+              </a:defRPr>
+            </a:lvl6pPr>
+            <a:lvl7pPr marL="2971800" indent="-228600" eaLnBrk="0" fontAlgn="base" hangingPunct="0">
+              <a:spcBef>
+                <a:spcPct val="20000"/>
+              </a:spcBef>
+              <a:spcAft>
+                <a:spcPct val="0"/>
+              </a:spcAft>
+              <a:buChar char="»"/>
+              <a:defRPr sz="1600">
+                <a:solidFill>
+                  <a:srgbClr val="3A1D00"/>
+                </a:solidFill>
+                <a:latin typeface="Arial" panose="020B0604020202020204" pitchFamily="34" charset="0"/>
+                <a:ea typeface="微软雅黑" panose="020B0503020204020204" pitchFamily="34" charset="-122"/>
+              </a:defRPr>
+            </a:lvl7pPr>
+            <a:lvl8pPr marL="3429000" indent="-228600" eaLnBrk="0" fontAlgn="base" hangingPunct="0">
+              <a:spcBef>
+                <a:spcPct val="20000"/>
+              </a:spcBef>
+              <a:spcAft>
+                <a:spcPct val="0"/>
+              </a:spcAft>
+              <a:buChar char="»"/>
+              <a:defRPr sz="1600">
+                <a:solidFill>
+                  <a:srgbClr val="3A1D00"/>
+                </a:solidFill>
+                <a:latin typeface="Arial" panose="020B0604020202020204" pitchFamily="34" charset="0"/>
+                <a:ea typeface="微软雅黑" panose="020B0503020204020204" pitchFamily="34" charset="-122"/>
+              </a:defRPr>
+            </a:lvl8pPr>
+            <a:lvl9pPr marL="3886200" indent="-228600" eaLnBrk="0" fontAlgn="base" hangingPunct="0">
+              <a:spcBef>
+                <a:spcPct val="20000"/>
+              </a:spcBef>
+              <a:spcAft>
+                <a:spcPct val="0"/>
+              </a:spcAft>
+              <a:buChar char="»"/>
+              <a:defRPr sz="1600">
+                <a:solidFill>
+                  <a:srgbClr val="3A1D00"/>
+                </a:solidFill>
+                <a:latin typeface="Arial" panose="020B0604020202020204" pitchFamily="34" charset="0"/>
+                <a:ea typeface="微软雅黑" panose="020B0503020204020204" pitchFamily="34" charset="-122"/>
+              </a:defRPr>
+            </a:lvl9pPr>
+          </a:lstStyle>
+          <a:p>
+            <a:pPr eaLnBrk="1" hangingPunct="1">
+              <a:spcBef>
+                <a:spcPct val="0"/>
+              </a:spcBef>
+              <a:buFontTx/>
+              <a:buNone/>
+            </a:pPr>
+            <a:endParaRPr lang="zh-CN" altLang="zh-CN" sz="1800" b="0">
+              <a:solidFill>
+                <a:schemeClr val="tx1"/>
+              </a:solidFill>
+              <a:latin typeface="华文新魏" panose="02010800040101010101" pitchFamily="2" charset="-122"/>
+              <a:ea typeface="宋体" panose="02010600030101010101" pitchFamily="2" charset="-122"/>
+            </a:endParaRPr>
+          </a:p>
+        </p:txBody>
+      </p:sp>
+      <p:sp>
+        <p:nvSpPr>
+          <p:cNvPr id="25" name="AutoShape 29"/>
+          <p:cNvSpPr>
+            <a:spLocks noChangeArrowheads="1"/>
+          </p:cNvSpPr>
+          <p:nvPr/>
+        </p:nvSpPr>
+        <p:spPr bwMode="auto">
+          <a:xfrm>
+            <a:off x="2197632" y="3677642"/>
+            <a:ext cx="186948" cy="186951"/>
+          </a:xfrm>
+          <a:prstGeom prst="flowChartConnector">
+            <a:avLst/>
+          </a:prstGeom>
+          <a:solidFill>
+            <a:srgbClr val="0000FF"/>
+          </a:solidFill>
+          <a:ln w="9525">
+            <a:noFill/>
+            <a:round/>
+            <a:headEnd/>
+            <a:tailEnd/>
+          </a:ln>
+        </p:spPr>
+        <p:txBody>
+          <a:bodyPr wrap="none" anchor="ctr"/>
+          <a:lstStyle>
+            <a:lvl1pPr>
+              <a:spcBef>
+                <a:spcPct val="20000"/>
+              </a:spcBef>
+              <a:buChar char="•"/>
+              <a:defRPr sz="2400">
+                <a:solidFill>
+                  <a:srgbClr val="3A1D00"/>
+                </a:solidFill>
+                <a:latin typeface="Arial" panose="020B0604020202020204" pitchFamily="34" charset="0"/>
+                <a:ea typeface="微软雅黑" panose="020B0503020204020204" pitchFamily="34" charset="-122"/>
+              </a:defRPr>
+            </a:lvl1pPr>
+            <a:lvl2pPr marL="742950" indent="-285750">
+              <a:spcBef>
+                <a:spcPct val="20000"/>
+              </a:spcBef>
+              <a:buChar char="–"/>
+              <a:defRPr sz="2000">
+                <a:solidFill>
+                  <a:srgbClr val="3A1D00"/>
+                </a:solidFill>
+                <a:latin typeface="Arial" panose="020B0604020202020204" pitchFamily="34" charset="0"/>
+                <a:ea typeface="微软雅黑" panose="020B0503020204020204" pitchFamily="34" charset="-122"/>
+              </a:defRPr>
+            </a:lvl2pPr>
+            <a:lvl3pPr marL="1143000" indent="-228600">
+              <a:spcBef>
+                <a:spcPct val="20000"/>
+              </a:spcBef>
+              <a:buChar char="•"/>
+              <a:defRPr sz="2400">
+                <a:solidFill>
+                  <a:srgbClr val="3A1D00"/>
+                </a:solidFill>
+                <a:latin typeface="Arial" panose="020B0604020202020204" pitchFamily="34" charset="0"/>
+                <a:ea typeface="微软雅黑" panose="020B0503020204020204" pitchFamily="34" charset="-122"/>
+              </a:defRPr>
+            </a:lvl3pPr>
+            <a:lvl4pPr marL="1600200" indent="-228600">
+              <a:spcBef>
+                <a:spcPct val="20000"/>
+              </a:spcBef>
+              <a:buChar char="–"/>
+              <a:defRPr sz="1600">
+                <a:solidFill>
+                  <a:srgbClr val="3A1D00"/>
+                </a:solidFill>
+                <a:latin typeface="Arial" panose="020B0604020202020204" pitchFamily="34" charset="0"/>
+                <a:ea typeface="微软雅黑" panose="020B0503020204020204" pitchFamily="34" charset="-122"/>
+              </a:defRPr>
+            </a:lvl4pPr>
+            <a:lvl5pPr marL="2057400" indent="-228600">
+              <a:spcBef>
+                <a:spcPct val="20000"/>
+              </a:spcBef>
+              <a:buChar char="»"/>
+              <a:defRPr sz="1600">
+                <a:solidFill>
+                  <a:srgbClr val="3A1D00"/>
+                </a:solidFill>
+                <a:latin typeface="Arial" panose="020B0604020202020204" pitchFamily="34" charset="0"/>
+                <a:ea typeface="微软雅黑" panose="020B0503020204020204" pitchFamily="34" charset="-122"/>
+              </a:defRPr>
+            </a:lvl5pPr>
+            <a:lvl6pPr marL="2514600" indent="-228600" eaLnBrk="0" fontAlgn="base" hangingPunct="0">
+              <a:spcBef>
+                <a:spcPct val="20000"/>
+              </a:spcBef>
+              <a:spcAft>
+                <a:spcPct val="0"/>
+              </a:spcAft>
+              <a:buChar char="»"/>
+              <a:defRPr sz="1600">
+                <a:solidFill>
+                  <a:srgbClr val="3A1D00"/>
+                </a:solidFill>
+                <a:latin typeface="Arial" panose="020B0604020202020204" pitchFamily="34" charset="0"/>
+                <a:ea typeface="微软雅黑" panose="020B0503020204020204" pitchFamily="34" charset="-122"/>
+              </a:defRPr>
+            </a:lvl6pPr>
+            <a:lvl7pPr marL="2971800" indent="-228600" eaLnBrk="0" fontAlgn="base" hangingPunct="0">
+              <a:spcBef>
+                <a:spcPct val="20000"/>
+              </a:spcBef>
+              <a:spcAft>
+                <a:spcPct val="0"/>
+              </a:spcAft>
+              <a:buChar char="»"/>
+              <a:defRPr sz="1600">
+                <a:solidFill>
+                  <a:srgbClr val="3A1D00"/>
+                </a:solidFill>
+                <a:latin typeface="Arial" panose="020B0604020202020204" pitchFamily="34" charset="0"/>
+                <a:ea typeface="微软雅黑" panose="020B0503020204020204" pitchFamily="34" charset="-122"/>
+              </a:defRPr>
+            </a:lvl7pPr>
+            <a:lvl8pPr marL="3429000" indent="-228600" eaLnBrk="0" fontAlgn="base" hangingPunct="0">
+              <a:spcBef>
+                <a:spcPct val="20000"/>
+              </a:spcBef>
+              <a:spcAft>
+                <a:spcPct val="0"/>
+              </a:spcAft>
+              <a:buChar char="»"/>
+              <a:defRPr sz="1600">
+                <a:solidFill>
+                  <a:srgbClr val="3A1D00"/>
+                </a:solidFill>
+                <a:latin typeface="Arial" panose="020B0604020202020204" pitchFamily="34" charset="0"/>
+                <a:ea typeface="微软雅黑" panose="020B0503020204020204" pitchFamily="34" charset="-122"/>
+              </a:defRPr>
+            </a:lvl8pPr>
+            <a:lvl9pPr marL="3886200" indent="-228600" eaLnBrk="0" fontAlgn="base" hangingPunct="0">
+              <a:spcBef>
+                <a:spcPct val="20000"/>
+              </a:spcBef>
+              <a:spcAft>
+                <a:spcPct val="0"/>
+              </a:spcAft>
+              <a:buChar char="»"/>
+              <a:defRPr sz="1600">
+                <a:solidFill>
+                  <a:srgbClr val="3A1D00"/>
+                </a:solidFill>
+                <a:latin typeface="Arial" panose="020B0604020202020204" pitchFamily="34" charset="0"/>
+                <a:ea typeface="微软雅黑" panose="020B0503020204020204" pitchFamily="34" charset="-122"/>
+              </a:defRPr>
+            </a:lvl9pPr>
+          </a:lstStyle>
+          <a:p>
+            <a:pPr eaLnBrk="1" hangingPunct="1">
+              <a:spcBef>
+                <a:spcPct val="0"/>
+              </a:spcBef>
+              <a:buFontTx/>
+              <a:buNone/>
+            </a:pPr>
+            <a:endParaRPr lang="zh-CN" altLang="zh-CN" sz="1800" b="0">
+              <a:solidFill>
+                <a:schemeClr val="tx1"/>
+              </a:solidFill>
+              <a:latin typeface="华文新魏" panose="02010800040101010101" pitchFamily="2" charset="-122"/>
+              <a:ea typeface="宋体" panose="02010600030101010101" pitchFamily="2" charset="-122"/>
+            </a:endParaRPr>
+          </a:p>
+        </p:txBody>
+      </p:sp>
+      <p:grpSp>
+        <p:nvGrpSpPr>
+          <p:cNvPr id="38" name="组合 37"/>
+          <p:cNvGrpSpPr/>
+          <p:nvPr/>
+        </p:nvGrpSpPr>
+        <p:grpSpPr>
+          <a:xfrm>
+            <a:off x="2265793" y="5658880"/>
+            <a:ext cx="1844245" cy="504682"/>
+            <a:chOff x="2265793" y="5658880"/>
+            <a:chExt cx="1844245" cy="504682"/>
+          </a:xfrm>
+        </p:grpSpPr>
+        <p:cxnSp>
+          <p:nvCxnSpPr>
+            <p:cNvPr id="27" name="直接箭头连接符 26"/>
+            <p:cNvCxnSpPr>
+              <a:stCxn id="24" idx="6"/>
+            </p:cNvCxnSpPr>
+            <p:nvPr/>
+          </p:nvCxnSpPr>
+          <p:spPr>
+            <a:xfrm>
+              <a:off x="2265793" y="5658880"/>
+              <a:ext cx="1709634" cy="13704"/>
+            </a:xfrm>
+            <a:prstGeom prst="straightConnector1">
+              <a:avLst/>
+            </a:prstGeom>
+            <a:ln w="38100">
+              <a:solidFill>
+                <a:schemeClr val="accent1">
+                  <a:lumMod val="75000"/>
+                </a:schemeClr>
+              </a:solidFill>
+              <a:tailEnd type="triangle"/>
+            </a:ln>
+          </p:spPr>
+          <p:style>
+            <a:lnRef idx="1">
+              <a:schemeClr val="accent1"/>
+            </a:lnRef>
+            <a:fillRef idx="0">
+              <a:schemeClr val="accent1"/>
+            </a:fillRef>
+            <a:effectRef idx="0">
+              <a:schemeClr val="accent1"/>
+            </a:effectRef>
+            <a:fontRef idx="minor">
+              <a:schemeClr val="tx1"/>
+            </a:fontRef>
+          </p:style>
+        </p:cxnSp>
+        <p:sp>
+          <p:nvSpPr>
+            <p:cNvPr id="33" name="文本框 32"/>
+            <p:cNvSpPr txBox="1"/>
+            <p:nvPr/>
+          </p:nvSpPr>
+          <p:spPr>
+            <a:xfrm>
+              <a:off x="3729037" y="5794230"/>
+              <a:ext cx="381001" cy="369332"/>
+            </a:xfrm>
+            <a:prstGeom prst="rect">
+              <a:avLst/>
+            </a:prstGeom>
+            <a:noFill/>
+          </p:spPr>
+          <p:txBody>
+            <a:bodyPr wrap="square" rtlCol="0">
+              <a:spAutoFit/>
+            </a:bodyPr>
+            <a:lstStyle/>
+            <a:p>
+              <a:r>
+                <a:rPr lang="en-US" altLang="zh-CN" dirty="0" smtClean="0"/>
+                <a:t>X</a:t>
+              </a:r>
+              <a:endParaRPr lang="zh-CN" altLang="en-US" dirty="0"/>
+            </a:p>
+          </p:txBody>
+        </p:sp>
+      </p:grpSp>
+      <p:cxnSp>
+        <p:nvCxnSpPr>
+          <p:cNvPr id="34" name="直接箭头连接符 33"/>
+          <p:cNvCxnSpPr/>
+          <p:nvPr/>
+        </p:nvCxnSpPr>
+        <p:spPr>
+          <a:xfrm flipV="1">
+            <a:off x="2139950" y="2800351"/>
+            <a:ext cx="209550" cy="3575049"/>
+          </a:xfrm>
+          <a:prstGeom prst="straightConnector1">
+            <a:avLst/>
+          </a:prstGeom>
+          <a:ln w="38100">
+            <a:solidFill>
+              <a:srgbClr val="FF0000"/>
+            </a:solidFill>
+            <a:prstDash val="sysDash"/>
+            <a:tailEnd type="none"/>
+          </a:ln>
+        </p:spPr>
+        <p:style>
+          <a:lnRef idx="1">
+            <a:schemeClr val="accent1"/>
+          </a:lnRef>
+          <a:fillRef idx="0">
+            <a:schemeClr val="accent1"/>
+          </a:fillRef>
+          <a:effectRef idx="0">
+            <a:schemeClr val="accent1"/>
+          </a:effectRef>
+          <a:fontRef idx="minor">
+            <a:schemeClr val="tx1"/>
+          </a:fontRef>
+        </p:style>
+      </p:cxnSp>
+      <p:cxnSp>
+        <p:nvCxnSpPr>
+          <p:cNvPr id="35" name="直接箭头连接符 34"/>
+          <p:cNvCxnSpPr>
+            <a:stCxn id="15" idx="7"/>
+            <a:endCxn id="22" idx="2"/>
+          </p:cNvCxnSpPr>
+          <p:nvPr/>
+        </p:nvCxnSpPr>
+        <p:spPr>
+          <a:xfrm flipV="1">
+            <a:off x="2241569" y="5260557"/>
+            <a:ext cx="1587936" cy="337879"/>
+          </a:xfrm>
+          <a:prstGeom prst="straightConnector1">
+            <a:avLst/>
+          </a:prstGeom>
+          <a:ln w="38100">
+            <a:solidFill>
+              <a:srgbClr val="00B050"/>
+            </a:solidFill>
+            <a:tailEnd type="none"/>
+          </a:ln>
+        </p:spPr>
+        <p:style>
+          <a:lnRef idx="1">
+            <a:schemeClr val="accent1"/>
+          </a:lnRef>
+          <a:fillRef idx="0">
+            <a:schemeClr val="accent1"/>
+          </a:fillRef>
+          <a:effectRef idx="0">
+            <a:schemeClr val="accent1"/>
+          </a:effectRef>
+          <a:fontRef idx="minor">
+            <a:schemeClr val="tx1"/>
+          </a:fontRef>
+        </p:style>
+      </p:cxnSp>
+      <p:grpSp>
+        <p:nvGrpSpPr>
+          <p:cNvPr id="41" name="组合 40"/>
+          <p:cNvGrpSpPr/>
+          <p:nvPr/>
+        </p:nvGrpSpPr>
+        <p:grpSpPr>
+          <a:xfrm>
+            <a:off x="4001847" y="5263027"/>
+            <a:ext cx="1844245" cy="504682"/>
+            <a:chOff x="2265793" y="5658880"/>
+            <a:chExt cx="1844245" cy="504682"/>
+          </a:xfrm>
+        </p:grpSpPr>
+        <p:cxnSp>
+          <p:nvCxnSpPr>
+            <p:cNvPr id="42" name="直接箭头连接符 41"/>
+            <p:cNvCxnSpPr/>
+            <p:nvPr/>
+          </p:nvCxnSpPr>
+          <p:spPr>
+            <a:xfrm>
+              <a:off x="2265793" y="5658880"/>
+              <a:ext cx="1709634" cy="13704"/>
+            </a:xfrm>
+            <a:prstGeom prst="straightConnector1">
+              <a:avLst/>
+            </a:prstGeom>
+            <a:ln w="38100">
+              <a:solidFill>
+                <a:schemeClr val="accent1">
+                  <a:lumMod val="75000"/>
+                </a:schemeClr>
+              </a:solidFill>
+              <a:tailEnd type="triangle"/>
+            </a:ln>
+          </p:spPr>
+          <p:style>
+            <a:lnRef idx="1">
+              <a:schemeClr val="accent1"/>
+            </a:lnRef>
+            <a:fillRef idx="0">
+              <a:schemeClr val="accent1"/>
+            </a:fillRef>
+            <a:effectRef idx="0">
+              <a:schemeClr val="accent1"/>
+            </a:effectRef>
+            <a:fontRef idx="minor">
+              <a:schemeClr val="tx1"/>
+            </a:fontRef>
+          </p:style>
+        </p:cxnSp>
+        <p:sp>
+          <p:nvSpPr>
+            <p:cNvPr id="43" name="文本框 42"/>
+            <p:cNvSpPr txBox="1"/>
+            <p:nvPr/>
+          </p:nvSpPr>
+          <p:spPr>
+            <a:xfrm>
+              <a:off x="3729037" y="5794230"/>
+              <a:ext cx="381001" cy="369332"/>
+            </a:xfrm>
+            <a:prstGeom prst="rect">
+              <a:avLst/>
+            </a:prstGeom>
+            <a:noFill/>
+          </p:spPr>
+          <p:txBody>
+            <a:bodyPr wrap="square" rtlCol="0">
+              <a:spAutoFit/>
+            </a:bodyPr>
+            <a:lstStyle/>
+            <a:p>
+              <a:r>
+                <a:rPr lang="en-US" altLang="zh-CN" dirty="0" smtClean="0"/>
+                <a:t>X</a:t>
+              </a:r>
+              <a:endParaRPr lang="zh-CN" altLang="en-US" dirty="0"/>
+            </a:p>
+          </p:txBody>
+        </p:sp>
+      </p:grpSp>
+      <p:cxnSp>
+        <p:nvCxnSpPr>
+          <p:cNvPr id="44" name="直接箭头连接符 43"/>
+          <p:cNvCxnSpPr>
+            <a:stCxn id="22" idx="0"/>
+            <a:endCxn id="18" idx="5"/>
+          </p:cNvCxnSpPr>
+          <p:nvPr/>
+        </p:nvCxnSpPr>
+        <p:spPr>
+          <a:xfrm flipH="1" flipV="1">
+            <a:off x="3568065" y="3904941"/>
+            <a:ext cx="346919" cy="1270135"/>
+          </a:xfrm>
+          <a:prstGeom prst="straightConnector1">
+            <a:avLst/>
+          </a:prstGeom>
+          <a:ln w="38100">
+            <a:solidFill>
+              <a:srgbClr val="00B050"/>
+            </a:solidFill>
+            <a:tailEnd type="none"/>
+          </a:ln>
+        </p:spPr>
+        <p:style>
+          <a:lnRef idx="1">
+            <a:schemeClr val="accent1"/>
+          </a:lnRef>
+          <a:fillRef idx="0">
+            <a:schemeClr val="accent1"/>
+          </a:fillRef>
+          <a:effectRef idx="0">
+            <a:schemeClr val="accent1"/>
+          </a:effectRef>
+          <a:fontRef idx="minor">
+            <a:schemeClr val="tx1"/>
+          </a:fontRef>
+        </p:style>
+      </p:cxnSp>
+      <p:grpSp>
+        <p:nvGrpSpPr>
+          <p:cNvPr id="48" name="组合 47"/>
+          <p:cNvGrpSpPr/>
+          <p:nvPr/>
+        </p:nvGrpSpPr>
+        <p:grpSpPr>
+          <a:xfrm>
+            <a:off x="3590284" y="3854064"/>
+            <a:ext cx="1844245" cy="504682"/>
+            <a:chOff x="2265793" y="5658880"/>
+            <a:chExt cx="1844245" cy="504682"/>
+          </a:xfrm>
+        </p:grpSpPr>
+        <p:cxnSp>
+          <p:nvCxnSpPr>
+            <p:cNvPr id="49" name="直接箭头连接符 48"/>
+            <p:cNvCxnSpPr/>
+            <p:nvPr/>
+          </p:nvCxnSpPr>
+          <p:spPr>
+            <a:xfrm>
+              <a:off x="2265793" y="5658880"/>
+              <a:ext cx="1709634" cy="13704"/>
+            </a:xfrm>
+            <a:prstGeom prst="straightConnector1">
+              <a:avLst/>
+            </a:prstGeom>
+            <a:ln w="38100">
+              <a:solidFill>
+                <a:schemeClr val="accent1">
+                  <a:lumMod val="75000"/>
+                </a:schemeClr>
+              </a:solidFill>
+              <a:tailEnd type="triangle"/>
+            </a:ln>
+          </p:spPr>
+          <p:style>
+            <a:lnRef idx="1">
+              <a:schemeClr val="accent1"/>
+            </a:lnRef>
+            <a:fillRef idx="0">
+              <a:schemeClr val="accent1"/>
+            </a:fillRef>
+            <a:effectRef idx="0">
+              <a:schemeClr val="accent1"/>
+            </a:effectRef>
+            <a:fontRef idx="minor">
+              <a:schemeClr val="tx1"/>
+            </a:fontRef>
+          </p:style>
+        </p:cxnSp>
+        <p:sp>
+          <p:nvSpPr>
+            <p:cNvPr id="50" name="文本框 49"/>
+            <p:cNvSpPr txBox="1"/>
+            <p:nvPr/>
+          </p:nvSpPr>
+          <p:spPr>
+            <a:xfrm>
+              <a:off x="3729037" y="5794230"/>
+              <a:ext cx="381001" cy="369332"/>
+            </a:xfrm>
+            <a:prstGeom prst="rect">
+              <a:avLst/>
+            </a:prstGeom>
+            <a:noFill/>
+          </p:spPr>
+          <p:txBody>
+            <a:bodyPr wrap="square" rtlCol="0">
+              <a:spAutoFit/>
+            </a:bodyPr>
+            <a:lstStyle/>
+            <a:p>
+              <a:r>
+                <a:rPr lang="en-US" altLang="zh-CN" dirty="0" smtClean="0"/>
+                <a:t>X</a:t>
+              </a:r>
+              <a:endParaRPr lang="zh-CN" altLang="en-US" dirty="0"/>
+            </a:p>
+          </p:txBody>
+        </p:sp>
+      </p:grpSp>
+      <p:cxnSp>
+        <p:nvCxnSpPr>
+          <p:cNvPr id="51" name="直接箭头连接符 50"/>
+          <p:cNvCxnSpPr>
+            <a:stCxn id="18" idx="2"/>
+            <a:endCxn id="20" idx="6"/>
+          </p:cNvCxnSpPr>
+          <p:nvPr/>
+        </p:nvCxnSpPr>
+        <p:spPr>
+          <a:xfrm flipH="1" flipV="1">
+            <a:off x="2378115" y="3767354"/>
+            <a:ext cx="1044028" cy="77144"/>
+          </a:xfrm>
+          <a:prstGeom prst="straightConnector1">
+            <a:avLst/>
+          </a:prstGeom>
+          <a:ln w="38100">
+            <a:solidFill>
+              <a:srgbClr val="00B050"/>
+            </a:solidFill>
+            <a:tailEnd type="none"/>
+          </a:ln>
+        </p:spPr>
+        <p:style>
+          <a:lnRef idx="1">
+            <a:schemeClr val="accent1"/>
+          </a:lnRef>
+          <a:fillRef idx="0">
+            <a:schemeClr val="accent1"/>
+          </a:fillRef>
+          <a:effectRef idx="0">
+            <a:schemeClr val="accent1"/>
+          </a:effectRef>
+          <a:fontRef idx="minor">
+            <a:schemeClr val="tx1"/>
+          </a:fontRef>
+        </p:style>
+      </p:cxnSp>
+      <p:sp>
+        <p:nvSpPr>
+          <p:cNvPr id="59" name="矩形 58"/>
+          <p:cNvSpPr/>
+          <p:nvPr/>
+        </p:nvSpPr>
+        <p:spPr>
+          <a:xfrm>
+            <a:off x="5655591" y="2789001"/>
+            <a:ext cx="2869696" cy="400110"/>
+          </a:xfrm>
+          <a:prstGeom prst="rect">
+            <a:avLst/>
+          </a:prstGeom>
+        </p:spPr>
+        <p:txBody>
+          <a:bodyPr wrap="none">
+            <a:spAutoFit/>
+          </a:bodyPr>
+          <a:lstStyle/>
+          <a:p>
+            <a:r>
+              <a:rPr lang="zh-CN" altLang="en-US" sz="2000" dirty="0">
+                <a:solidFill>
+                  <a:srgbClr val="0000FF"/>
+                </a:solidFill>
+                <a:latin typeface="华文楷体" pitchFamily="2" charset="-122"/>
+                <a:ea typeface="华文楷体" pitchFamily="2" charset="-122"/>
+              </a:rPr>
+              <a:t>右链</a:t>
+            </a:r>
+            <a:r>
+              <a:rPr lang="zh-CN" altLang="en-US" sz="2000" dirty="0" smtClean="0">
+                <a:solidFill>
+                  <a:srgbClr val="0000FF"/>
+                </a:solidFill>
+                <a:latin typeface="华文楷体" pitchFamily="2" charset="-122"/>
+                <a:ea typeface="华文楷体" pitchFamily="2" charset="-122"/>
+              </a:rPr>
+              <a:t>：</a:t>
+            </a:r>
+            <a:r>
+              <a:rPr lang="en-US" altLang="zh-CN" sz="2000" dirty="0" smtClean="0">
+                <a:latin typeface="华文楷体" pitchFamily="2" charset="-122"/>
+                <a:ea typeface="华文楷体" pitchFamily="2" charset="-122"/>
+              </a:rPr>
+              <a:t>p</a:t>
+            </a:r>
+            <a:r>
+              <a:rPr lang="en-US" altLang="zh-CN" sz="2000" baseline="-25000" dirty="0" smtClean="0">
+                <a:latin typeface="华文楷体" pitchFamily="2" charset="-122"/>
+                <a:ea typeface="华文楷体" pitchFamily="2" charset="-122"/>
+              </a:rPr>
+              <a:t>1</a:t>
+            </a:r>
+            <a:r>
+              <a:rPr lang="en-US" altLang="zh-CN" sz="2000" dirty="0" smtClean="0">
+                <a:latin typeface="华文楷体" pitchFamily="2" charset="-122"/>
+                <a:ea typeface="华文楷体" pitchFamily="2" charset="-122"/>
+              </a:rPr>
+              <a:t> </a:t>
+            </a:r>
+            <a:r>
+              <a:rPr lang="zh-CN" altLang="en-US" sz="2000" dirty="0" smtClean="0">
+                <a:latin typeface="华文楷体" pitchFamily="2" charset="-122"/>
+                <a:ea typeface="华文楷体" pitchFamily="2" charset="-122"/>
+              </a:rPr>
+              <a:t>，</a:t>
+            </a:r>
+            <a:r>
+              <a:rPr lang="en-US" altLang="zh-CN" sz="2000" dirty="0" smtClean="0">
+                <a:latin typeface="华文楷体" pitchFamily="2" charset="-122"/>
+                <a:ea typeface="华文楷体" pitchFamily="2" charset="-122"/>
+              </a:rPr>
+              <a:t>p</a:t>
+            </a:r>
+            <a:r>
+              <a:rPr lang="en-US" altLang="zh-CN" sz="2000" baseline="-25000" dirty="0" smtClean="0">
+                <a:latin typeface="华文楷体" pitchFamily="2" charset="-122"/>
+                <a:ea typeface="华文楷体" pitchFamily="2" charset="-122"/>
+              </a:rPr>
+              <a:t>2</a:t>
+            </a:r>
+            <a:r>
+              <a:rPr lang="zh-CN" altLang="en-US" sz="2000" dirty="0">
+                <a:latin typeface="华文楷体" pitchFamily="2" charset="-122"/>
+                <a:ea typeface="华文楷体" pitchFamily="2" charset="-122"/>
+              </a:rPr>
+              <a:t>，</a:t>
+            </a:r>
+            <a:r>
+              <a:rPr lang="en-US" altLang="zh-CN" sz="2000" dirty="0" smtClean="0">
+                <a:latin typeface="华文楷体" pitchFamily="2" charset="-122"/>
+                <a:ea typeface="华文楷体" pitchFamily="2" charset="-122"/>
+              </a:rPr>
+              <a:t> p</a:t>
+            </a:r>
+            <a:r>
+              <a:rPr lang="en-US" altLang="zh-CN" sz="2000" baseline="-25000" dirty="0" smtClean="0">
+                <a:latin typeface="华文楷体" pitchFamily="2" charset="-122"/>
+                <a:ea typeface="华文楷体" pitchFamily="2" charset="-122"/>
+              </a:rPr>
+              <a:t>4</a:t>
+            </a:r>
+            <a:r>
+              <a:rPr lang="zh-CN" altLang="en-US" sz="2000" baseline="-25000" dirty="0">
+                <a:latin typeface="华文楷体" pitchFamily="2" charset="-122"/>
+                <a:ea typeface="华文楷体" pitchFamily="2" charset="-122"/>
+              </a:rPr>
+              <a:t> </a:t>
+            </a:r>
+            <a:r>
+              <a:rPr lang="zh-CN" altLang="en-US" sz="2000" dirty="0" smtClean="0">
+                <a:latin typeface="华文楷体" pitchFamily="2" charset="-122"/>
+                <a:ea typeface="华文楷体" pitchFamily="2" charset="-122"/>
+              </a:rPr>
+              <a:t> ，</a:t>
+            </a:r>
+            <a:r>
+              <a:rPr lang="en-US" altLang="zh-CN" sz="2000" dirty="0">
+                <a:latin typeface="华文楷体" pitchFamily="2" charset="-122"/>
+                <a:ea typeface="华文楷体" pitchFamily="2" charset="-122"/>
+              </a:rPr>
+              <a:t> </a:t>
+            </a:r>
+            <a:r>
+              <a:rPr lang="en-US" altLang="zh-CN" sz="2000" dirty="0" smtClean="0">
+                <a:latin typeface="华文楷体" pitchFamily="2" charset="-122"/>
+                <a:ea typeface="华文楷体" pitchFamily="2" charset="-122"/>
+              </a:rPr>
+              <a:t>p</a:t>
+            </a:r>
+            <a:r>
+              <a:rPr lang="en-US" altLang="zh-CN" sz="2000" baseline="-25000" dirty="0" smtClean="0">
+                <a:latin typeface="华文楷体" pitchFamily="2" charset="-122"/>
+                <a:ea typeface="华文楷体" pitchFamily="2" charset="-122"/>
+              </a:rPr>
+              <a:t>6</a:t>
+            </a:r>
+            <a:endParaRPr lang="zh-CN" altLang="en-US" sz="2000" baseline="-25000" dirty="0">
+              <a:solidFill>
+                <a:srgbClr val="0000FF"/>
+              </a:solidFill>
+              <a:latin typeface="华文楷体" pitchFamily="2" charset="-122"/>
+              <a:ea typeface="华文楷体" pitchFamily="2" charset="-122"/>
+            </a:endParaRPr>
+          </a:p>
+        </p:txBody>
+      </p:sp>
+      <p:sp>
+        <p:nvSpPr>
+          <p:cNvPr id="60" name="矩形 59"/>
+          <p:cNvSpPr/>
+          <p:nvPr/>
+        </p:nvSpPr>
+        <p:spPr>
+          <a:xfrm>
+            <a:off x="5655591" y="3511342"/>
+            <a:ext cx="1165704" cy="400110"/>
+          </a:xfrm>
+          <a:prstGeom prst="rect">
+            <a:avLst/>
+          </a:prstGeom>
+        </p:spPr>
+        <p:txBody>
+          <a:bodyPr wrap="none">
+            <a:spAutoFit/>
+          </a:bodyPr>
+          <a:lstStyle/>
+          <a:p>
+            <a:r>
+              <a:rPr lang="zh-CN" altLang="en-US" sz="2000" dirty="0" smtClean="0">
+                <a:solidFill>
+                  <a:srgbClr val="0000FF"/>
+                </a:solidFill>
+                <a:latin typeface="华文楷体" pitchFamily="2" charset="-122"/>
+                <a:ea typeface="华文楷体" pitchFamily="2" charset="-122"/>
+              </a:rPr>
+              <a:t>左链：</a:t>
+            </a:r>
+            <a:r>
+              <a:rPr lang="en-US" altLang="zh-CN" sz="2000" dirty="0" smtClean="0">
+                <a:latin typeface="华文楷体" pitchFamily="2" charset="-122"/>
+                <a:ea typeface="华文楷体" pitchFamily="2" charset="-122"/>
+              </a:rPr>
+              <a:t>p</a:t>
+            </a:r>
+            <a:r>
+              <a:rPr lang="en-US" altLang="zh-CN" sz="2000" baseline="-25000" dirty="0" smtClean="0">
+                <a:latin typeface="华文楷体" pitchFamily="2" charset="-122"/>
+                <a:ea typeface="华文楷体" pitchFamily="2" charset="-122"/>
+              </a:rPr>
+              <a:t>8</a:t>
+            </a:r>
+            <a:endParaRPr lang="zh-CN" altLang="en-US" sz="2000" baseline="-25000" dirty="0">
+              <a:solidFill>
+                <a:srgbClr val="0000FF"/>
+              </a:solidFill>
+              <a:latin typeface="华文楷体" pitchFamily="2" charset="-122"/>
+              <a:ea typeface="华文楷体" pitchFamily="2" charset="-122"/>
+            </a:endParaRPr>
+          </a:p>
+        </p:txBody>
+      </p:sp>
+      <p:cxnSp>
+        <p:nvCxnSpPr>
+          <p:cNvPr id="66" name="直接箭头连接符 65"/>
+          <p:cNvCxnSpPr>
+            <a:stCxn id="20" idx="3"/>
+            <a:endCxn id="19" idx="7"/>
+          </p:cNvCxnSpPr>
+          <p:nvPr/>
+        </p:nvCxnSpPr>
+        <p:spPr>
+          <a:xfrm flipH="1">
+            <a:off x="1168374" y="3827797"/>
+            <a:ext cx="1063819" cy="956105"/>
+          </a:xfrm>
+          <a:prstGeom prst="straightConnector1">
+            <a:avLst/>
+          </a:prstGeom>
+          <a:ln w="38100">
+            <a:solidFill>
+              <a:srgbClr val="00B050"/>
+            </a:solidFill>
+            <a:tailEnd type="none"/>
+          </a:ln>
+        </p:spPr>
+        <p:style>
+          <a:lnRef idx="1">
+            <a:schemeClr val="accent1"/>
+          </a:lnRef>
+          <a:fillRef idx="0">
+            <a:schemeClr val="accent1"/>
+          </a:fillRef>
+          <a:effectRef idx="0">
+            <a:schemeClr val="accent1"/>
+          </a:effectRef>
+          <a:fontRef idx="minor">
+            <a:schemeClr val="tx1"/>
+          </a:fontRef>
+        </p:style>
+      </p:cxnSp>
+      <p:cxnSp>
+        <p:nvCxnSpPr>
+          <p:cNvPr id="75" name="直接箭头连接符 74"/>
+          <p:cNvCxnSpPr>
+            <a:stCxn id="19" idx="4"/>
+            <a:endCxn id="15" idx="2"/>
+          </p:cNvCxnSpPr>
+          <p:nvPr/>
+        </p:nvCxnSpPr>
+        <p:spPr>
+          <a:xfrm>
+            <a:off x="1107931" y="4929826"/>
+            <a:ext cx="987716" cy="729054"/>
+          </a:xfrm>
+          <a:prstGeom prst="straightConnector1">
+            <a:avLst/>
+          </a:prstGeom>
+          <a:ln w="38100">
+            <a:solidFill>
+              <a:srgbClr val="00B050"/>
+            </a:solidFill>
+            <a:tailEnd type="none"/>
+          </a:ln>
+        </p:spPr>
+        <p:style>
+          <a:lnRef idx="1">
+            <a:schemeClr val="accent1"/>
+          </a:lnRef>
+          <a:fillRef idx="0">
+            <a:schemeClr val="accent1"/>
+          </a:fillRef>
+          <a:effectRef idx="0">
+            <a:schemeClr val="accent1"/>
+          </a:effectRef>
+          <a:fontRef idx="minor">
+            <a:schemeClr val="tx1"/>
+          </a:fontRef>
+        </p:style>
+      </p:cxnSp>
+      <p:sp>
+        <p:nvSpPr>
+          <p:cNvPr id="80" name="TextBox 50"/>
+          <p:cNvSpPr txBox="1">
+            <a:spLocks noChangeArrowheads="1"/>
+          </p:cNvSpPr>
+          <p:nvPr/>
+        </p:nvSpPr>
+        <p:spPr bwMode="auto">
+          <a:xfrm>
+            <a:off x="7525162" y="525375"/>
+            <a:ext cx="1000125" cy="461963"/>
+          </a:xfrm>
+          <a:prstGeom prst="rect">
+            <a:avLst/>
+          </a:prstGeom>
+          <a:solidFill>
+            <a:srgbClr val="FFC000"/>
+          </a:solidFill>
+          <a:ln w="9525">
+            <a:noFill/>
+            <a:miter lim="800000"/>
+            <a:headEnd/>
+            <a:tailEnd/>
+          </a:ln>
+        </p:spPr>
+        <p:txBody>
+          <a:bodyPr>
+            <a:spAutoFit/>
+          </a:bodyPr>
+          <a:lstStyle/>
+          <a:p>
+            <a:r>
+              <a:rPr lang="en-US" altLang="zh-CN" sz="2400">
+                <a:latin typeface="Franklin Gothic Book" pitchFamily="34" charset="0"/>
+                <a:ea typeface="华文楷体" pitchFamily="2" charset="-122"/>
+              </a:rPr>
+              <a:t>O(nh)</a:t>
+            </a:r>
+            <a:endParaRPr lang="zh-CN" altLang="en-US" sz="2400">
+              <a:latin typeface="Franklin Gothic Book" pitchFamily="34" charset="0"/>
+              <a:ea typeface="华文楷体" pitchFamily="2" charset="-122"/>
+            </a:endParaRPr>
+          </a:p>
+        </p:txBody>
+      </p:sp>
+    </p:spTree>
+    <p:extLst>
+      <p:ext uri="{BB962C8B-B14F-4D97-AF65-F5344CB8AC3E}">
+        <p14:creationId xmlns:p14="http://schemas.microsoft.com/office/powerpoint/2010/main" val="3183268313"/>
+      </p:ext>
+    </p:extLst>
+  </p:cSld>
+  <p:clrMapOvr>
+    <a:masterClrMapping/>
+  </p:clrMapOvr>
+  <p:timing>
+    <p:tnLst>
+      <p:par>
+        <p:cTn id="1" dur="indefinite" restart="never" nodeType="tmRoot">
+          <p:childTnLst>
+            <p:seq concurrent="1" nextAc="seek">
+              <p:cTn id="2" dur="indefinite" nodeType="mainSeq">
+                <p:childTnLst>
+                  <p:par>
+                    <p:cTn id="3" fill="hold">
+                      <p:stCondLst>
+                        <p:cond delay="indefinite"/>
+                        <p:cond evt="onBegin" delay="0">
+                          <p:tn val="2"/>
+                        </p:cond>
+                      </p:stCondLst>
+                      <p:childTnLst>
+                        <p:par>
+                          <p:cTn id="4" fill="hold">
+                            <p:stCondLst>
+                              <p:cond delay="0"/>
+                            </p:stCondLst>
+                            <p:childTnLst>
+                              <p:par>
+                                <p:cTn id="5" presetID="10" presetClass="entr" presetSubtype="0" fill="hold" grpId="0" nodeType="withEffect">
+                                  <p:stCondLst>
+                                    <p:cond delay="0"/>
+                                  </p:stCondLst>
+                                  <p:childTnLst>
+                                    <p:set>
+                                      <p:cBhvr>
+                                        <p:cTn id="6" dur="1" fill="hold">
+                                          <p:stCondLst>
+                                            <p:cond delay="0"/>
+                                          </p:stCondLst>
+                                        </p:cTn>
+                                        <p:tgtEl>
+                                          <p:spTgt spid="4"/>
+                                        </p:tgtEl>
+                                        <p:attrNameLst>
+                                          <p:attrName>style.visibility</p:attrName>
+                                        </p:attrNameLst>
+                                      </p:cBhvr>
+                                      <p:to>
+                                        <p:strVal val="visible"/>
+                                      </p:to>
+                                    </p:set>
+                                    <p:animEffect transition="in" filter="fade">
+                                      <p:cBhvr>
+                                        <p:cTn id="7" dur="500"/>
+                                        <p:tgtEl>
+                                          <p:spTgt spid="4"/>
+                                        </p:tgtEl>
+                                      </p:cBhvr>
+                                    </p:animEffect>
+                                  </p:childTnLst>
+                                </p:cTn>
+                              </p:par>
+                            </p:childTnLst>
+                          </p:cTn>
+                        </p:par>
+                      </p:childTnLst>
+                    </p:cTn>
+                  </p:par>
+                  <p:par>
+                    <p:cTn id="8" fill="hold">
+                      <p:stCondLst>
+                        <p:cond delay="indefinite"/>
+                      </p:stCondLst>
+                      <p:childTnLst>
+                        <p:par>
+                          <p:cTn id="9" fill="hold">
+                            <p:stCondLst>
+                              <p:cond delay="0"/>
+                            </p:stCondLst>
+                            <p:childTnLst>
+                              <p:par>
+                                <p:cTn id="10" presetID="10" presetClass="entr" presetSubtype="0" fill="hold" nodeType="clickEffect">
+                                  <p:stCondLst>
+                                    <p:cond delay="0"/>
+                                  </p:stCondLst>
+                                  <p:childTnLst>
+                                    <p:set>
+                                      <p:cBhvr>
+                                        <p:cTn id="11" dur="1" fill="hold">
+                                          <p:stCondLst>
+                                            <p:cond delay="0"/>
+                                          </p:stCondLst>
+                                        </p:cTn>
+                                        <p:tgtEl>
+                                          <p:spTgt spid="5"/>
+                                        </p:tgtEl>
+                                        <p:attrNameLst>
+                                          <p:attrName>style.visibility</p:attrName>
+                                        </p:attrNameLst>
+                                      </p:cBhvr>
+                                      <p:to>
+                                        <p:strVal val="visible"/>
+                                      </p:to>
+                                    </p:set>
+                                    <p:animEffect transition="in" filter="fade">
+                                      <p:cBhvr>
+                                        <p:cTn id="12" dur="500"/>
+                                        <p:tgtEl>
+                                          <p:spTgt spid="5"/>
+                                        </p:tgtEl>
+                                      </p:cBhvr>
+                                    </p:animEffect>
+                                  </p:childTnLst>
+                                </p:cTn>
+                              </p:par>
+                            </p:childTnLst>
+                          </p:cTn>
+                        </p:par>
+                      </p:childTnLst>
+                    </p:cTn>
+                  </p:par>
+                  <p:par>
+                    <p:cTn id="13" fill="hold">
+                      <p:stCondLst>
+                        <p:cond delay="indefinite"/>
+                      </p:stCondLst>
+                      <p:childTnLst>
+                        <p:par>
+                          <p:cTn id="14" fill="hold">
+                            <p:stCondLst>
+                              <p:cond delay="0"/>
+                            </p:stCondLst>
+                            <p:childTnLst>
+                              <p:par>
+                                <p:cTn id="15" presetID="10" presetClass="entr" presetSubtype="0" fill="hold" nodeType="clickEffect">
+                                  <p:stCondLst>
+                                    <p:cond delay="0"/>
+                                  </p:stCondLst>
+                                  <p:childTnLst>
+                                    <p:set>
+                                      <p:cBhvr>
+                                        <p:cTn id="16" dur="1" fill="hold">
+                                          <p:stCondLst>
+                                            <p:cond delay="0"/>
+                                          </p:stCondLst>
+                                        </p:cTn>
+                                        <p:tgtEl>
+                                          <p:spTgt spid="23">
+                                            <p:txEl>
+                                              <p:pRg st="0" end="0"/>
+                                            </p:txEl>
+                                          </p:spTgt>
+                                        </p:tgtEl>
+                                        <p:attrNameLst>
+                                          <p:attrName>style.visibility</p:attrName>
+                                        </p:attrNameLst>
+                                      </p:cBhvr>
+                                      <p:to>
+                                        <p:strVal val="visible"/>
+                                      </p:to>
+                                    </p:set>
+                                    <p:animEffect transition="in" filter="fade">
+                                      <p:cBhvr>
+                                        <p:cTn id="17" dur="500"/>
+                                        <p:tgtEl>
+                                          <p:spTgt spid="23">
+                                            <p:txEl>
+                                              <p:pRg st="0" end="0"/>
+                                            </p:txEl>
+                                          </p:spTgt>
+                                        </p:tgtEl>
+                                      </p:cBhvr>
+                                    </p:animEffect>
+                                  </p:childTnLst>
+                                </p:cTn>
+                              </p:par>
+                            </p:childTnLst>
+                          </p:cTn>
+                        </p:par>
+                      </p:childTnLst>
+                    </p:cTn>
+                  </p:par>
+                  <p:par>
+                    <p:cTn id="18" fill="hold">
+                      <p:stCondLst>
+                        <p:cond delay="indefinite"/>
+                      </p:stCondLst>
+                      <p:childTnLst>
+                        <p:par>
+                          <p:cTn id="19" fill="hold">
+                            <p:stCondLst>
+                              <p:cond delay="0"/>
+                            </p:stCondLst>
+                            <p:childTnLst>
+                              <p:par>
+                                <p:cTn id="20" presetID="10" presetClass="entr" presetSubtype="0" fill="hold" grpId="0" nodeType="clickEffect">
+                                  <p:stCondLst>
+                                    <p:cond delay="0"/>
+                                  </p:stCondLst>
+                                  <p:childTnLst>
+                                    <p:set>
+                                      <p:cBhvr>
+                                        <p:cTn id="21" dur="1" fill="hold">
+                                          <p:stCondLst>
+                                            <p:cond delay="0"/>
+                                          </p:stCondLst>
+                                        </p:cTn>
+                                        <p:tgtEl>
+                                          <p:spTgt spid="25"/>
+                                        </p:tgtEl>
+                                        <p:attrNameLst>
+                                          <p:attrName>style.visibility</p:attrName>
+                                        </p:attrNameLst>
+                                      </p:cBhvr>
+                                      <p:to>
+                                        <p:strVal val="visible"/>
+                                      </p:to>
+                                    </p:set>
+                                    <p:animEffect transition="in" filter="fade">
+                                      <p:cBhvr>
+                                        <p:cTn id="22" dur="500"/>
+                                        <p:tgtEl>
+                                          <p:spTgt spid="25"/>
+                                        </p:tgtEl>
+                                      </p:cBhvr>
+                                    </p:animEffect>
+                                  </p:childTnLst>
+                                </p:cTn>
+                              </p:par>
+                              <p:par>
+                                <p:cTn id="23" presetID="10" presetClass="entr" presetSubtype="0" fill="hold" grpId="0" nodeType="withEffect">
+                                  <p:stCondLst>
+                                    <p:cond delay="0"/>
+                                  </p:stCondLst>
+                                  <p:childTnLst>
+                                    <p:set>
+                                      <p:cBhvr>
+                                        <p:cTn id="24" dur="1" fill="hold">
+                                          <p:stCondLst>
+                                            <p:cond delay="0"/>
+                                          </p:stCondLst>
+                                        </p:cTn>
+                                        <p:tgtEl>
+                                          <p:spTgt spid="24"/>
+                                        </p:tgtEl>
+                                        <p:attrNameLst>
+                                          <p:attrName>style.visibility</p:attrName>
+                                        </p:attrNameLst>
+                                      </p:cBhvr>
+                                      <p:to>
+                                        <p:strVal val="visible"/>
+                                      </p:to>
+                                    </p:set>
+                                    <p:animEffect transition="in" filter="fade">
+                                      <p:cBhvr>
+                                        <p:cTn id="25" dur="500"/>
+                                        <p:tgtEl>
+                                          <p:spTgt spid="24"/>
+                                        </p:tgtEl>
+                                      </p:cBhvr>
+                                    </p:animEffect>
+                                  </p:childTnLst>
+                                </p:cTn>
+                              </p:par>
+                            </p:childTnLst>
+                          </p:cTn>
+                        </p:par>
+                      </p:childTnLst>
+                    </p:cTn>
+                  </p:par>
+                  <p:par>
+                    <p:cTn id="26" fill="hold">
+                      <p:stCondLst>
+                        <p:cond delay="indefinite"/>
+                      </p:stCondLst>
+                      <p:childTnLst>
+                        <p:par>
+                          <p:cTn id="27" fill="hold">
+                            <p:stCondLst>
+                              <p:cond delay="0"/>
+                            </p:stCondLst>
+                            <p:childTnLst>
+                              <p:par>
+                                <p:cTn id="28" presetID="10" presetClass="entr" presetSubtype="0" fill="hold" nodeType="clickEffect">
+                                  <p:stCondLst>
+                                    <p:cond delay="0"/>
+                                  </p:stCondLst>
+                                  <p:childTnLst>
+                                    <p:set>
+                                      <p:cBhvr>
+                                        <p:cTn id="29" dur="1" fill="hold">
+                                          <p:stCondLst>
+                                            <p:cond delay="0"/>
+                                          </p:stCondLst>
+                                        </p:cTn>
+                                        <p:tgtEl>
+                                          <p:spTgt spid="23">
+                                            <p:txEl>
+                                              <p:pRg st="1" end="1"/>
+                                            </p:txEl>
+                                          </p:spTgt>
+                                        </p:tgtEl>
+                                        <p:attrNameLst>
+                                          <p:attrName>style.visibility</p:attrName>
+                                        </p:attrNameLst>
+                                      </p:cBhvr>
+                                      <p:to>
+                                        <p:strVal val="visible"/>
+                                      </p:to>
+                                    </p:set>
+                                    <p:animEffect transition="in" filter="fade">
+                                      <p:cBhvr>
+                                        <p:cTn id="30" dur="500"/>
+                                        <p:tgtEl>
+                                          <p:spTgt spid="23">
+                                            <p:txEl>
+                                              <p:pRg st="1" end="1"/>
+                                            </p:txEl>
+                                          </p:spTgt>
+                                        </p:tgtEl>
+                                      </p:cBhvr>
+                                    </p:animEffect>
+                                  </p:childTnLst>
+                                </p:cTn>
+                              </p:par>
+                            </p:childTnLst>
+                          </p:cTn>
+                        </p:par>
+                      </p:childTnLst>
+                    </p:cTn>
+                  </p:par>
+                  <p:par>
+                    <p:cTn id="31" fill="hold">
+                      <p:stCondLst>
+                        <p:cond delay="indefinite"/>
+                      </p:stCondLst>
+                      <p:childTnLst>
+                        <p:par>
+                          <p:cTn id="32" fill="hold">
+                            <p:stCondLst>
+                              <p:cond delay="0"/>
+                            </p:stCondLst>
+                            <p:childTnLst>
+                              <p:par>
+                                <p:cTn id="33" presetID="10" presetClass="entr" presetSubtype="0" fill="hold" nodeType="clickEffect">
+                                  <p:stCondLst>
+                                    <p:cond delay="0"/>
+                                  </p:stCondLst>
+                                  <p:childTnLst>
+                                    <p:set>
+                                      <p:cBhvr>
+                                        <p:cTn id="34" dur="1" fill="hold">
+                                          <p:stCondLst>
+                                            <p:cond delay="0"/>
+                                          </p:stCondLst>
+                                        </p:cTn>
+                                        <p:tgtEl>
+                                          <p:spTgt spid="38"/>
+                                        </p:tgtEl>
+                                        <p:attrNameLst>
+                                          <p:attrName>style.visibility</p:attrName>
+                                        </p:attrNameLst>
+                                      </p:cBhvr>
+                                      <p:to>
+                                        <p:strVal val="visible"/>
+                                      </p:to>
+                                    </p:set>
+                                    <p:animEffect transition="in" filter="fade">
+                                      <p:cBhvr>
+                                        <p:cTn id="35" dur="500"/>
+                                        <p:tgtEl>
+                                          <p:spTgt spid="38"/>
+                                        </p:tgtEl>
+                                      </p:cBhvr>
+                                    </p:animEffect>
+                                  </p:childTnLst>
+                                </p:cTn>
+                              </p:par>
+                            </p:childTnLst>
+                          </p:cTn>
+                        </p:par>
+                      </p:childTnLst>
+                    </p:cTn>
+                  </p:par>
+                  <p:par>
+                    <p:cTn id="36" fill="hold">
+                      <p:stCondLst>
+                        <p:cond delay="indefinite"/>
+                      </p:stCondLst>
+                      <p:childTnLst>
+                        <p:par>
+                          <p:cTn id="37" fill="hold">
+                            <p:stCondLst>
+                              <p:cond delay="0"/>
+                            </p:stCondLst>
+                            <p:childTnLst>
+                              <p:par>
+                                <p:cTn id="38" presetID="22" presetClass="entr" presetSubtype="4" fill="hold" nodeType="clickEffect">
+                                  <p:stCondLst>
+                                    <p:cond delay="0"/>
+                                  </p:stCondLst>
+                                  <p:childTnLst>
+                                    <p:set>
+                                      <p:cBhvr>
+                                        <p:cTn id="39" dur="1" fill="hold">
+                                          <p:stCondLst>
+                                            <p:cond delay="0"/>
+                                          </p:stCondLst>
+                                        </p:cTn>
+                                        <p:tgtEl>
+                                          <p:spTgt spid="35"/>
+                                        </p:tgtEl>
+                                        <p:attrNameLst>
+                                          <p:attrName>style.visibility</p:attrName>
+                                        </p:attrNameLst>
+                                      </p:cBhvr>
+                                      <p:to>
+                                        <p:strVal val="visible"/>
+                                      </p:to>
+                                    </p:set>
+                                    <p:animEffect transition="in" filter="wipe(down)">
+                                      <p:cBhvr>
+                                        <p:cTn id="40" dur="500"/>
+                                        <p:tgtEl>
+                                          <p:spTgt spid="35"/>
+                                        </p:tgtEl>
+                                      </p:cBhvr>
+                                    </p:animEffect>
+                                  </p:childTnLst>
+                                </p:cTn>
+                              </p:par>
+                            </p:childTnLst>
+                          </p:cTn>
+                        </p:par>
+                      </p:childTnLst>
+                    </p:cTn>
+                  </p:par>
+                  <p:par>
+                    <p:cTn id="41" fill="hold">
+                      <p:stCondLst>
+                        <p:cond delay="indefinite"/>
+                      </p:stCondLst>
+                      <p:childTnLst>
+                        <p:par>
+                          <p:cTn id="42" fill="hold">
+                            <p:stCondLst>
+                              <p:cond delay="0"/>
+                            </p:stCondLst>
+                            <p:childTnLst>
+                              <p:par>
+                                <p:cTn id="43" presetID="10" presetClass="exit" presetSubtype="0" fill="hold" nodeType="clickEffect">
+                                  <p:stCondLst>
+                                    <p:cond delay="0"/>
+                                  </p:stCondLst>
+                                  <p:childTnLst>
+                                    <p:animEffect transition="out" filter="fade">
+                                      <p:cBhvr>
+                                        <p:cTn id="44" dur="500"/>
+                                        <p:tgtEl>
+                                          <p:spTgt spid="38"/>
+                                        </p:tgtEl>
+                                      </p:cBhvr>
+                                    </p:animEffect>
+                                    <p:set>
+                                      <p:cBhvr>
+                                        <p:cTn id="45" dur="1" fill="hold">
+                                          <p:stCondLst>
+                                            <p:cond delay="499"/>
+                                          </p:stCondLst>
+                                        </p:cTn>
+                                        <p:tgtEl>
+                                          <p:spTgt spid="38"/>
+                                        </p:tgtEl>
+                                        <p:attrNameLst>
+                                          <p:attrName>style.visibility</p:attrName>
+                                        </p:attrNameLst>
+                                      </p:cBhvr>
+                                      <p:to>
+                                        <p:strVal val="hidden"/>
+                                      </p:to>
+                                    </p:set>
+                                  </p:childTnLst>
+                                </p:cTn>
+                              </p:par>
+                            </p:childTnLst>
+                          </p:cTn>
+                        </p:par>
+                      </p:childTnLst>
+                    </p:cTn>
+                  </p:par>
+                  <p:par>
+                    <p:cTn id="46" fill="hold">
+                      <p:stCondLst>
+                        <p:cond delay="indefinite"/>
+                      </p:stCondLst>
+                      <p:childTnLst>
+                        <p:par>
+                          <p:cTn id="47" fill="hold">
+                            <p:stCondLst>
+                              <p:cond delay="0"/>
+                            </p:stCondLst>
+                            <p:childTnLst>
+                              <p:par>
+                                <p:cTn id="48" presetID="10" presetClass="entr" presetSubtype="0" fill="hold" nodeType="clickEffect">
+                                  <p:stCondLst>
+                                    <p:cond delay="0"/>
+                                  </p:stCondLst>
+                                  <p:childTnLst>
+                                    <p:set>
+                                      <p:cBhvr>
+                                        <p:cTn id="49" dur="1" fill="hold">
+                                          <p:stCondLst>
+                                            <p:cond delay="0"/>
+                                          </p:stCondLst>
+                                        </p:cTn>
+                                        <p:tgtEl>
+                                          <p:spTgt spid="41"/>
+                                        </p:tgtEl>
+                                        <p:attrNameLst>
+                                          <p:attrName>style.visibility</p:attrName>
+                                        </p:attrNameLst>
+                                      </p:cBhvr>
+                                      <p:to>
+                                        <p:strVal val="visible"/>
+                                      </p:to>
+                                    </p:set>
+                                    <p:animEffect transition="in" filter="fade">
+                                      <p:cBhvr>
+                                        <p:cTn id="50" dur="500"/>
+                                        <p:tgtEl>
+                                          <p:spTgt spid="41"/>
+                                        </p:tgtEl>
+                                      </p:cBhvr>
+                                    </p:animEffect>
+                                  </p:childTnLst>
+                                </p:cTn>
+                              </p:par>
+                            </p:childTnLst>
+                          </p:cTn>
+                        </p:par>
+                      </p:childTnLst>
+                    </p:cTn>
+                  </p:par>
+                  <p:par>
+                    <p:cTn id="51" fill="hold">
+                      <p:stCondLst>
+                        <p:cond delay="indefinite"/>
+                      </p:stCondLst>
+                      <p:childTnLst>
+                        <p:par>
+                          <p:cTn id="52" fill="hold">
+                            <p:stCondLst>
+                              <p:cond delay="0"/>
+                            </p:stCondLst>
+                            <p:childTnLst>
+                              <p:par>
+                                <p:cTn id="53" presetID="22" presetClass="entr" presetSubtype="4" fill="hold" nodeType="clickEffect">
+                                  <p:stCondLst>
+                                    <p:cond delay="0"/>
+                                  </p:stCondLst>
+                                  <p:childTnLst>
+                                    <p:set>
+                                      <p:cBhvr>
+                                        <p:cTn id="54" dur="1" fill="hold">
+                                          <p:stCondLst>
+                                            <p:cond delay="0"/>
+                                          </p:stCondLst>
+                                        </p:cTn>
+                                        <p:tgtEl>
+                                          <p:spTgt spid="44"/>
+                                        </p:tgtEl>
+                                        <p:attrNameLst>
+                                          <p:attrName>style.visibility</p:attrName>
+                                        </p:attrNameLst>
+                                      </p:cBhvr>
+                                      <p:to>
+                                        <p:strVal val="visible"/>
+                                      </p:to>
+                                    </p:set>
+                                    <p:animEffect transition="in" filter="wipe(down)">
+                                      <p:cBhvr>
+                                        <p:cTn id="55" dur="500"/>
+                                        <p:tgtEl>
+                                          <p:spTgt spid="44"/>
+                                        </p:tgtEl>
+                                      </p:cBhvr>
+                                    </p:animEffect>
+                                  </p:childTnLst>
+                                </p:cTn>
+                              </p:par>
+                            </p:childTnLst>
+                          </p:cTn>
+                        </p:par>
+                      </p:childTnLst>
+                    </p:cTn>
+                  </p:par>
+                  <p:par>
+                    <p:cTn id="56" fill="hold">
+                      <p:stCondLst>
+                        <p:cond delay="indefinite"/>
+                      </p:stCondLst>
+                      <p:childTnLst>
+                        <p:par>
+                          <p:cTn id="57" fill="hold">
+                            <p:stCondLst>
+                              <p:cond delay="0"/>
+                            </p:stCondLst>
+                            <p:childTnLst>
+                              <p:par>
+                                <p:cTn id="58" presetID="10" presetClass="exit" presetSubtype="0" fill="hold" nodeType="clickEffect">
+                                  <p:stCondLst>
+                                    <p:cond delay="0"/>
+                                  </p:stCondLst>
+                                  <p:childTnLst>
+                                    <p:animEffect transition="out" filter="fade">
+                                      <p:cBhvr>
+                                        <p:cTn id="59" dur="500"/>
+                                        <p:tgtEl>
+                                          <p:spTgt spid="41"/>
+                                        </p:tgtEl>
+                                      </p:cBhvr>
+                                    </p:animEffect>
+                                    <p:set>
+                                      <p:cBhvr>
+                                        <p:cTn id="60" dur="1" fill="hold">
+                                          <p:stCondLst>
+                                            <p:cond delay="499"/>
+                                          </p:stCondLst>
+                                        </p:cTn>
+                                        <p:tgtEl>
+                                          <p:spTgt spid="41"/>
+                                        </p:tgtEl>
+                                        <p:attrNameLst>
+                                          <p:attrName>style.visibility</p:attrName>
+                                        </p:attrNameLst>
+                                      </p:cBhvr>
+                                      <p:to>
+                                        <p:strVal val="hidden"/>
+                                      </p:to>
+                                    </p:set>
+                                  </p:childTnLst>
+                                </p:cTn>
+                              </p:par>
+                            </p:childTnLst>
+                          </p:cTn>
+                        </p:par>
+                      </p:childTnLst>
+                    </p:cTn>
+                  </p:par>
+                  <p:par>
+                    <p:cTn id="61" fill="hold">
+                      <p:stCondLst>
+                        <p:cond delay="indefinite"/>
+                      </p:stCondLst>
+                      <p:childTnLst>
+                        <p:par>
+                          <p:cTn id="62" fill="hold">
+                            <p:stCondLst>
+                              <p:cond delay="0"/>
+                            </p:stCondLst>
+                            <p:childTnLst>
+                              <p:par>
+                                <p:cTn id="63" presetID="10" presetClass="entr" presetSubtype="0" fill="hold" nodeType="clickEffect">
+                                  <p:stCondLst>
+                                    <p:cond delay="0"/>
+                                  </p:stCondLst>
+                                  <p:childTnLst>
+                                    <p:set>
+                                      <p:cBhvr>
+                                        <p:cTn id="64" dur="1" fill="hold">
+                                          <p:stCondLst>
+                                            <p:cond delay="0"/>
+                                          </p:stCondLst>
+                                        </p:cTn>
+                                        <p:tgtEl>
+                                          <p:spTgt spid="48"/>
+                                        </p:tgtEl>
+                                        <p:attrNameLst>
+                                          <p:attrName>style.visibility</p:attrName>
+                                        </p:attrNameLst>
+                                      </p:cBhvr>
+                                      <p:to>
+                                        <p:strVal val="visible"/>
+                                      </p:to>
+                                    </p:set>
+                                    <p:animEffect transition="in" filter="fade">
+                                      <p:cBhvr>
+                                        <p:cTn id="65" dur="500"/>
+                                        <p:tgtEl>
+                                          <p:spTgt spid="48"/>
+                                        </p:tgtEl>
+                                      </p:cBhvr>
+                                    </p:animEffect>
+                                  </p:childTnLst>
+                                </p:cTn>
+                              </p:par>
+                            </p:childTnLst>
+                          </p:cTn>
+                        </p:par>
+                      </p:childTnLst>
+                    </p:cTn>
+                  </p:par>
+                  <p:par>
+                    <p:cTn id="66" fill="hold">
+                      <p:stCondLst>
+                        <p:cond delay="indefinite"/>
+                      </p:stCondLst>
+                      <p:childTnLst>
+                        <p:par>
+                          <p:cTn id="67" fill="hold">
+                            <p:stCondLst>
+                              <p:cond delay="0"/>
+                            </p:stCondLst>
+                            <p:childTnLst>
+                              <p:par>
+                                <p:cTn id="68" presetID="22" presetClass="entr" presetSubtype="2" fill="hold" nodeType="clickEffect">
+                                  <p:stCondLst>
+                                    <p:cond delay="0"/>
+                                  </p:stCondLst>
+                                  <p:childTnLst>
+                                    <p:set>
+                                      <p:cBhvr>
+                                        <p:cTn id="69" dur="1" fill="hold">
+                                          <p:stCondLst>
+                                            <p:cond delay="0"/>
+                                          </p:stCondLst>
+                                        </p:cTn>
+                                        <p:tgtEl>
+                                          <p:spTgt spid="51"/>
+                                        </p:tgtEl>
+                                        <p:attrNameLst>
+                                          <p:attrName>style.visibility</p:attrName>
+                                        </p:attrNameLst>
+                                      </p:cBhvr>
+                                      <p:to>
+                                        <p:strVal val="visible"/>
+                                      </p:to>
+                                    </p:set>
+                                    <p:animEffect transition="in" filter="wipe(right)">
+                                      <p:cBhvr>
+                                        <p:cTn id="70" dur="500"/>
+                                        <p:tgtEl>
+                                          <p:spTgt spid="51"/>
+                                        </p:tgtEl>
+                                      </p:cBhvr>
+                                    </p:animEffect>
+                                  </p:childTnLst>
+                                </p:cTn>
+                              </p:par>
+                            </p:childTnLst>
+                          </p:cTn>
+                        </p:par>
+                      </p:childTnLst>
+                    </p:cTn>
+                  </p:par>
+                  <p:par>
+                    <p:cTn id="71" fill="hold">
+                      <p:stCondLst>
+                        <p:cond delay="indefinite"/>
+                      </p:stCondLst>
+                      <p:childTnLst>
+                        <p:par>
+                          <p:cTn id="72" fill="hold">
+                            <p:stCondLst>
+                              <p:cond delay="0"/>
+                            </p:stCondLst>
+                            <p:childTnLst>
+                              <p:par>
+                                <p:cTn id="73" presetID="10" presetClass="exit" presetSubtype="0" fill="hold" nodeType="clickEffect">
+                                  <p:stCondLst>
+                                    <p:cond delay="0"/>
+                                  </p:stCondLst>
+                                  <p:childTnLst>
+                                    <p:animEffect transition="out" filter="fade">
+                                      <p:cBhvr>
+                                        <p:cTn id="74" dur="500"/>
+                                        <p:tgtEl>
+                                          <p:spTgt spid="48"/>
+                                        </p:tgtEl>
+                                      </p:cBhvr>
+                                    </p:animEffect>
+                                    <p:set>
+                                      <p:cBhvr>
+                                        <p:cTn id="75" dur="1" fill="hold">
+                                          <p:stCondLst>
+                                            <p:cond delay="499"/>
+                                          </p:stCondLst>
+                                        </p:cTn>
+                                        <p:tgtEl>
+                                          <p:spTgt spid="48"/>
+                                        </p:tgtEl>
+                                        <p:attrNameLst>
+                                          <p:attrName>style.visibility</p:attrName>
+                                        </p:attrNameLst>
+                                      </p:cBhvr>
+                                      <p:to>
+                                        <p:strVal val="hidden"/>
+                                      </p:to>
+                                    </p:set>
+                                  </p:childTnLst>
+                                </p:cTn>
+                              </p:par>
+                            </p:childTnLst>
+                          </p:cTn>
+                        </p:par>
+                      </p:childTnLst>
+                    </p:cTn>
+                  </p:par>
+                  <p:par>
+                    <p:cTn id="76" fill="hold">
+                      <p:stCondLst>
+                        <p:cond delay="indefinite"/>
+                      </p:stCondLst>
+                      <p:childTnLst>
+                        <p:par>
+                          <p:cTn id="77" fill="hold">
+                            <p:stCondLst>
+                              <p:cond delay="0"/>
+                            </p:stCondLst>
+                            <p:childTnLst>
+                              <p:par>
+                                <p:cTn id="78" presetID="22" presetClass="entr" presetSubtype="1" fill="hold" nodeType="clickEffect">
+                                  <p:stCondLst>
+                                    <p:cond delay="0"/>
+                                  </p:stCondLst>
+                                  <p:childTnLst>
+                                    <p:set>
+                                      <p:cBhvr>
+                                        <p:cTn id="79" dur="1" fill="hold">
+                                          <p:stCondLst>
+                                            <p:cond delay="0"/>
+                                          </p:stCondLst>
+                                        </p:cTn>
+                                        <p:tgtEl>
+                                          <p:spTgt spid="34"/>
+                                        </p:tgtEl>
+                                        <p:attrNameLst>
+                                          <p:attrName>style.visibility</p:attrName>
+                                        </p:attrNameLst>
+                                      </p:cBhvr>
+                                      <p:to>
+                                        <p:strVal val="visible"/>
+                                      </p:to>
+                                    </p:set>
+                                    <p:animEffect transition="in" filter="wipe(up)">
+                                      <p:cBhvr>
+                                        <p:cTn id="80" dur="500"/>
+                                        <p:tgtEl>
+                                          <p:spTgt spid="34"/>
+                                        </p:tgtEl>
+                                      </p:cBhvr>
+                                    </p:animEffect>
+                                  </p:childTnLst>
+                                </p:cTn>
+                              </p:par>
+                            </p:childTnLst>
+                          </p:cTn>
+                        </p:par>
+                      </p:childTnLst>
+                    </p:cTn>
+                  </p:par>
+                  <p:par>
+                    <p:cTn id="81" fill="hold">
+                      <p:stCondLst>
+                        <p:cond delay="indefinite"/>
+                      </p:stCondLst>
+                      <p:childTnLst>
+                        <p:par>
+                          <p:cTn id="82" fill="hold">
+                            <p:stCondLst>
+                              <p:cond delay="0"/>
+                            </p:stCondLst>
+                            <p:childTnLst>
+                              <p:par>
+                                <p:cTn id="83" presetID="10" presetClass="entr" presetSubtype="0" fill="hold" grpId="0" nodeType="clickEffect">
+                                  <p:stCondLst>
+                                    <p:cond delay="0"/>
+                                  </p:stCondLst>
+                                  <p:childTnLst>
+                                    <p:set>
+                                      <p:cBhvr>
+                                        <p:cTn id="84" dur="1" fill="hold">
+                                          <p:stCondLst>
+                                            <p:cond delay="0"/>
+                                          </p:stCondLst>
+                                        </p:cTn>
+                                        <p:tgtEl>
+                                          <p:spTgt spid="59"/>
+                                        </p:tgtEl>
+                                        <p:attrNameLst>
+                                          <p:attrName>style.visibility</p:attrName>
+                                        </p:attrNameLst>
+                                      </p:cBhvr>
+                                      <p:to>
+                                        <p:strVal val="visible"/>
+                                      </p:to>
+                                    </p:set>
+                                    <p:animEffect transition="in" filter="fade">
+                                      <p:cBhvr>
+                                        <p:cTn id="85" dur="500"/>
+                                        <p:tgtEl>
+                                          <p:spTgt spid="59"/>
+                                        </p:tgtEl>
+                                      </p:cBhvr>
+                                    </p:animEffect>
+                                  </p:childTnLst>
+                                </p:cTn>
+                              </p:par>
+                            </p:childTnLst>
+                          </p:cTn>
+                        </p:par>
+                      </p:childTnLst>
+                    </p:cTn>
+                  </p:par>
+                  <p:par>
+                    <p:cTn id="86" fill="hold">
+                      <p:stCondLst>
+                        <p:cond delay="indefinite"/>
+                      </p:stCondLst>
+                      <p:childTnLst>
+                        <p:par>
+                          <p:cTn id="87" fill="hold">
+                            <p:stCondLst>
+                              <p:cond delay="0"/>
+                            </p:stCondLst>
+                            <p:childTnLst>
+                              <p:par>
+                                <p:cTn id="88" presetID="10" presetClass="entr" presetSubtype="0" fill="hold" nodeType="clickEffect">
+                                  <p:stCondLst>
+                                    <p:cond delay="0"/>
+                                  </p:stCondLst>
+                                  <p:childTnLst>
+                                    <p:set>
+                                      <p:cBhvr>
+                                        <p:cTn id="89" dur="1" fill="hold">
+                                          <p:stCondLst>
+                                            <p:cond delay="0"/>
+                                          </p:stCondLst>
+                                        </p:cTn>
+                                        <p:tgtEl>
+                                          <p:spTgt spid="62"/>
+                                        </p:tgtEl>
+                                        <p:attrNameLst>
+                                          <p:attrName>style.visibility</p:attrName>
+                                        </p:attrNameLst>
+                                      </p:cBhvr>
+                                      <p:to>
+                                        <p:strVal val="visible"/>
+                                      </p:to>
+                                    </p:set>
+                                    <p:animEffect transition="in" filter="fade">
+                                      <p:cBhvr>
+                                        <p:cTn id="90" dur="500"/>
+                                        <p:tgtEl>
+                                          <p:spTgt spid="62"/>
+                                        </p:tgtEl>
+                                      </p:cBhvr>
+                                    </p:animEffect>
+                                  </p:childTnLst>
+                                </p:cTn>
+                              </p:par>
+                            </p:childTnLst>
+                          </p:cTn>
+                        </p:par>
+                      </p:childTnLst>
+                    </p:cTn>
+                  </p:par>
+                  <p:par>
+                    <p:cTn id="91" fill="hold">
+                      <p:stCondLst>
+                        <p:cond delay="indefinite"/>
+                      </p:stCondLst>
+                      <p:childTnLst>
+                        <p:par>
+                          <p:cTn id="92" fill="hold">
+                            <p:stCondLst>
+                              <p:cond delay="0"/>
+                            </p:stCondLst>
+                            <p:childTnLst>
+                              <p:par>
+                                <p:cTn id="93" presetID="22" presetClass="entr" presetSubtype="1" fill="hold" nodeType="clickEffect">
+                                  <p:stCondLst>
+                                    <p:cond delay="0"/>
+                                  </p:stCondLst>
+                                  <p:childTnLst>
+                                    <p:set>
+                                      <p:cBhvr>
+                                        <p:cTn id="94" dur="1" fill="hold">
+                                          <p:stCondLst>
+                                            <p:cond delay="0"/>
+                                          </p:stCondLst>
+                                        </p:cTn>
+                                        <p:tgtEl>
+                                          <p:spTgt spid="66"/>
+                                        </p:tgtEl>
+                                        <p:attrNameLst>
+                                          <p:attrName>style.visibility</p:attrName>
+                                        </p:attrNameLst>
+                                      </p:cBhvr>
+                                      <p:to>
+                                        <p:strVal val="visible"/>
+                                      </p:to>
+                                    </p:set>
+                                    <p:animEffect transition="in" filter="wipe(up)">
+                                      <p:cBhvr>
+                                        <p:cTn id="95" dur="500"/>
+                                        <p:tgtEl>
+                                          <p:spTgt spid="66"/>
+                                        </p:tgtEl>
+                                      </p:cBhvr>
+                                    </p:animEffect>
+                                  </p:childTnLst>
+                                </p:cTn>
+                              </p:par>
+                            </p:childTnLst>
+                          </p:cTn>
+                        </p:par>
+                      </p:childTnLst>
+                    </p:cTn>
+                  </p:par>
+                  <p:par>
+                    <p:cTn id="96" fill="hold">
+                      <p:stCondLst>
+                        <p:cond delay="indefinite"/>
+                      </p:stCondLst>
+                      <p:childTnLst>
+                        <p:par>
+                          <p:cTn id="97" fill="hold">
+                            <p:stCondLst>
+                              <p:cond delay="0"/>
+                            </p:stCondLst>
+                            <p:childTnLst>
+                              <p:par>
+                                <p:cTn id="98" presetID="10" presetClass="exit" presetSubtype="0" fill="hold" nodeType="clickEffect">
+                                  <p:stCondLst>
+                                    <p:cond delay="0"/>
+                                  </p:stCondLst>
+                                  <p:childTnLst>
+                                    <p:animEffect transition="out" filter="fade">
+                                      <p:cBhvr>
+                                        <p:cTn id="99" dur="500"/>
+                                        <p:tgtEl>
+                                          <p:spTgt spid="62"/>
+                                        </p:tgtEl>
+                                      </p:cBhvr>
+                                    </p:animEffect>
+                                    <p:set>
+                                      <p:cBhvr>
+                                        <p:cTn id="100" dur="1" fill="hold">
+                                          <p:stCondLst>
+                                            <p:cond delay="499"/>
+                                          </p:stCondLst>
+                                        </p:cTn>
+                                        <p:tgtEl>
+                                          <p:spTgt spid="62"/>
+                                        </p:tgtEl>
+                                        <p:attrNameLst>
+                                          <p:attrName>style.visibility</p:attrName>
+                                        </p:attrNameLst>
+                                      </p:cBhvr>
+                                      <p:to>
+                                        <p:strVal val="hidden"/>
+                                      </p:to>
+                                    </p:set>
+                                  </p:childTnLst>
+                                </p:cTn>
+                              </p:par>
+                            </p:childTnLst>
+                          </p:cTn>
+                        </p:par>
+                      </p:childTnLst>
+                    </p:cTn>
+                  </p:par>
+                  <p:par>
+                    <p:cTn id="101" fill="hold">
+                      <p:stCondLst>
+                        <p:cond delay="indefinite"/>
+                      </p:stCondLst>
+                      <p:childTnLst>
+                        <p:par>
+                          <p:cTn id="102" fill="hold">
+                            <p:stCondLst>
+                              <p:cond delay="0"/>
+                            </p:stCondLst>
+                            <p:childTnLst>
+                              <p:par>
+                                <p:cTn id="103" presetID="10" presetClass="entr" presetSubtype="0" fill="hold" nodeType="clickEffect">
+                                  <p:stCondLst>
+                                    <p:cond delay="0"/>
+                                  </p:stCondLst>
+                                  <p:childTnLst>
+                                    <p:set>
+                                      <p:cBhvr>
+                                        <p:cTn id="104" dur="1" fill="hold">
+                                          <p:stCondLst>
+                                            <p:cond delay="0"/>
+                                          </p:stCondLst>
+                                        </p:cTn>
+                                        <p:tgtEl>
+                                          <p:spTgt spid="72"/>
+                                        </p:tgtEl>
+                                        <p:attrNameLst>
+                                          <p:attrName>style.visibility</p:attrName>
+                                        </p:attrNameLst>
+                                      </p:cBhvr>
+                                      <p:to>
+                                        <p:strVal val="visible"/>
+                                      </p:to>
+                                    </p:set>
+                                    <p:animEffect transition="in" filter="fade">
+                                      <p:cBhvr>
+                                        <p:cTn id="105" dur="500"/>
+                                        <p:tgtEl>
+                                          <p:spTgt spid="72"/>
+                                        </p:tgtEl>
+                                      </p:cBhvr>
+                                    </p:animEffect>
+                                  </p:childTnLst>
+                                </p:cTn>
+                              </p:par>
+                            </p:childTnLst>
+                          </p:cTn>
+                        </p:par>
+                      </p:childTnLst>
+                    </p:cTn>
+                  </p:par>
+                  <p:par>
+                    <p:cTn id="106" fill="hold">
+                      <p:stCondLst>
+                        <p:cond delay="indefinite"/>
+                      </p:stCondLst>
+                      <p:childTnLst>
+                        <p:par>
+                          <p:cTn id="107" fill="hold">
+                            <p:stCondLst>
+                              <p:cond delay="0"/>
+                            </p:stCondLst>
+                            <p:childTnLst>
+                              <p:par>
+                                <p:cTn id="108" presetID="22" presetClass="entr" presetSubtype="1" fill="hold" nodeType="clickEffect">
+                                  <p:stCondLst>
+                                    <p:cond delay="0"/>
+                                  </p:stCondLst>
+                                  <p:childTnLst>
+                                    <p:set>
+                                      <p:cBhvr>
+                                        <p:cTn id="109" dur="1" fill="hold">
+                                          <p:stCondLst>
+                                            <p:cond delay="0"/>
+                                          </p:stCondLst>
+                                        </p:cTn>
+                                        <p:tgtEl>
+                                          <p:spTgt spid="75"/>
+                                        </p:tgtEl>
+                                        <p:attrNameLst>
+                                          <p:attrName>style.visibility</p:attrName>
+                                        </p:attrNameLst>
+                                      </p:cBhvr>
+                                      <p:to>
+                                        <p:strVal val="visible"/>
+                                      </p:to>
+                                    </p:set>
+                                    <p:animEffect transition="in" filter="wipe(up)">
+                                      <p:cBhvr>
+                                        <p:cTn id="110" dur="500"/>
+                                        <p:tgtEl>
+                                          <p:spTgt spid="75"/>
+                                        </p:tgtEl>
+                                      </p:cBhvr>
+                                    </p:animEffect>
+                                  </p:childTnLst>
+                                </p:cTn>
+                              </p:par>
+                            </p:childTnLst>
+                          </p:cTn>
+                        </p:par>
+                      </p:childTnLst>
+                    </p:cTn>
+                  </p:par>
+                  <p:par>
+                    <p:cTn id="111" fill="hold">
+                      <p:stCondLst>
+                        <p:cond delay="indefinite"/>
+                      </p:stCondLst>
+                      <p:childTnLst>
+                        <p:par>
+                          <p:cTn id="112" fill="hold">
+                            <p:stCondLst>
+                              <p:cond delay="0"/>
+                            </p:stCondLst>
+                            <p:childTnLst>
+                              <p:par>
+                                <p:cTn id="113" presetID="10" presetClass="exit" presetSubtype="0" fill="hold" nodeType="clickEffect">
+                                  <p:stCondLst>
+                                    <p:cond delay="0"/>
+                                  </p:stCondLst>
+                                  <p:childTnLst>
+                                    <p:animEffect transition="out" filter="fade">
+                                      <p:cBhvr>
+                                        <p:cTn id="114" dur="500"/>
+                                        <p:tgtEl>
+                                          <p:spTgt spid="72"/>
+                                        </p:tgtEl>
+                                      </p:cBhvr>
+                                    </p:animEffect>
+                                    <p:set>
+                                      <p:cBhvr>
+                                        <p:cTn id="115" dur="1" fill="hold">
+                                          <p:stCondLst>
+                                            <p:cond delay="499"/>
+                                          </p:stCondLst>
+                                        </p:cTn>
+                                        <p:tgtEl>
+                                          <p:spTgt spid="72"/>
+                                        </p:tgtEl>
+                                        <p:attrNameLst>
+                                          <p:attrName>style.visibility</p:attrName>
+                                        </p:attrNameLst>
+                                      </p:cBhvr>
+                                      <p:to>
+                                        <p:strVal val="hidden"/>
+                                      </p:to>
+                                    </p:set>
+                                  </p:childTnLst>
+                                </p:cTn>
+                              </p:par>
+                            </p:childTnLst>
+                          </p:cTn>
+                        </p:par>
+                      </p:childTnLst>
+                    </p:cTn>
+                  </p:par>
+                  <p:par>
+                    <p:cTn id="116" fill="hold">
+                      <p:stCondLst>
+                        <p:cond delay="indefinite"/>
+                      </p:stCondLst>
+                      <p:childTnLst>
+                        <p:par>
+                          <p:cTn id="117" fill="hold">
+                            <p:stCondLst>
+                              <p:cond delay="0"/>
+                            </p:stCondLst>
+                            <p:childTnLst>
+                              <p:par>
+                                <p:cTn id="118" presetID="10" presetClass="entr" presetSubtype="0" fill="hold" grpId="0" nodeType="clickEffect">
+                                  <p:stCondLst>
+                                    <p:cond delay="0"/>
+                                  </p:stCondLst>
+                                  <p:childTnLst>
+                                    <p:set>
+                                      <p:cBhvr>
+                                        <p:cTn id="119" dur="1" fill="hold">
+                                          <p:stCondLst>
+                                            <p:cond delay="0"/>
+                                          </p:stCondLst>
+                                        </p:cTn>
+                                        <p:tgtEl>
+                                          <p:spTgt spid="60"/>
+                                        </p:tgtEl>
+                                        <p:attrNameLst>
+                                          <p:attrName>style.visibility</p:attrName>
+                                        </p:attrNameLst>
+                                      </p:cBhvr>
+                                      <p:to>
+                                        <p:strVal val="visible"/>
+                                      </p:to>
+                                    </p:set>
+                                    <p:animEffect transition="in" filter="fade">
+                                      <p:cBhvr>
+                                        <p:cTn id="120" dur="500"/>
+                                        <p:tgtEl>
+                                          <p:spTgt spid="60"/>
+                                        </p:tgtEl>
+                                      </p:cBhvr>
+                                    </p:animEffect>
+                                  </p:childTnLst>
+                                </p:cTn>
+                              </p:par>
+                            </p:childTnLst>
+                          </p:cTn>
+                        </p:par>
+                      </p:childTnLst>
+                    </p:cTn>
+                  </p:par>
+                  <p:par>
+                    <p:cTn id="121" fill="hold">
+                      <p:stCondLst>
+                        <p:cond delay="indefinite"/>
+                      </p:stCondLst>
+                      <p:childTnLst>
+                        <p:par>
+                          <p:cTn id="122" fill="hold">
+                            <p:stCondLst>
+                              <p:cond delay="0"/>
+                            </p:stCondLst>
+                            <p:childTnLst>
+                              <p:par>
+                                <p:cTn id="123" presetID="3" presetClass="entr" presetSubtype="10" fill="hold" grpId="0" nodeType="clickEffect">
+                                  <p:stCondLst>
+                                    <p:cond delay="0"/>
+                                  </p:stCondLst>
+                                  <p:childTnLst>
+                                    <p:set>
+                                      <p:cBhvr>
+                                        <p:cTn id="124" dur="1" fill="hold">
+                                          <p:stCondLst>
+                                            <p:cond delay="0"/>
+                                          </p:stCondLst>
+                                        </p:cTn>
+                                        <p:tgtEl>
+                                          <p:spTgt spid="80"/>
+                                        </p:tgtEl>
+                                        <p:attrNameLst>
+                                          <p:attrName>style.visibility</p:attrName>
+                                        </p:attrNameLst>
+                                      </p:cBhvr>
+                                      <p:to>
+                                        <p:strVal val="visible"/>
+                                      </p:to>
+                                    </p:set>
+                                    <p:animEffect transition="in" filter="blinds(horizontal)">
+                                      <p:cBhvr>
+                                        <p:cTn id="125" dur="500"/>
+                                        <p:tgtEl>
+                                          <p:spTgt spid="80"/>
+                                        </p:tgtEl>
+                                      </p:cBhvr>
+                                    </p:animEffect>
+                                  </p:childTnLst>
+                                </p:cTn>
+                              </p:par>
+                            </p:childTnLst>
+                          </p:cTn>
+                        </p:par>
+                      </p:childTnLst>
+                    </p:cTn>
+                  </p:par>
+                </p:childTnLst>
+              </p:cTn>
+              <p:prevCondLst>
+                <p:cond evt="onPrev" delay="0">
+                  <p:tgtEl>
+                    <p:sldTgt/>
+                  </p:tgtEl>
+                </p:cond>
+              </p:prevCondLst>
+              <p:nextCondLst>
+                <p:cond evt="onNext" delay="0">
+                  <p:tgtEl>
+                    <p:sldTgt/>
+                  </p:tgtEl>
+                </p:cond>
+              </p:nextCondLst>
+            </p:seq>
+          </p:childTnLst>
+        </p:cTn>
+      </p:par>
+    </p:tnLst>
+    <p:bldLst>
+      <p:bldP spid="4" grpId="0"/>
+      <p:bldP spid="24" grpId="0" animBg="1"/>
+      <p:bldP spid="25" grpId="0" animBg="1"/>
+      <p:bldP spid="59" grpId="0"/>
+      <p:bldP spid="60" grpId="0"/>
+      <p:bldP spid="80" grpId="0" animBg="1"/>
+    </p:bldLst>
+  </p:timing>
+</p:sld>
+</file>
+
+<file path=ppt/slides/slide12.xml><?xml version="1.0" encoding="utf-8"?>
+<p:sld xmlns:a="http://schemas.openxmlformats.org/drawingml/2006/main" xmlns:r="http://schemas.openxmlformats.org/officeDocument/2006/relationships" xmlns:p="http://schemas.openxmlformats.org/presentationml/2006/main">
+  <p:cSld>
+    <p:spTree>
+      <p:nvGrpSpPr>
+        <p:cNvPr id="1" name=""/>
+        <p:cNvGrpSpPr/>
+        <p:nvPr/>
+      </p:nvGrpSpPr>
+      <p:grpSpPr>
+        <a:xfrm>
+          <a:off x="0" y="0"/>
+          <a:ext cx="0" cy="0"/>
+          <a:chOff x="0" y="0"/>
+          <a:chExt cx="0" cy="0"/>
+        </a:xfrm>
+      </p:grpSpPr>
+      <p:sp>
+        <p:nvSpPr>
+          <p:cNvPr id="5" name="标题 1"/>
+          <p:cNvSpPr txBox="1">
+            <a:spLocks/>
+          </p:cNvSpPr>
+          <p:nvPr/>
+        </p:nvSpPr>
+        <p:spPr>
+          <a:xfrm>
+            <a:off x="542482" y="449523"/>
+            <a:ext cx="5832918" cy="613668"/>
+          </a:xfrm>
+          <a:prstGeom prst="rect">
+            <a:avLst/>
+          </a:prstGeom>
+        </p:spPr>
+        <p:txBody>
+          <a:bodyPr vert="horz" lIns="91440" tIns="45720" rIns="91440" bIns="45720" rtlCol="0" anchor="ctr">
+            <a:normAutofit/>
+          </a:bodyPr>
+          <a:lstStyle>
+            <a:lvl1pPr algn="l" defTabSz="914400" rtl="0" eaLnBrk="1" latinLnBrk="0" hangingPunct="1">
+              <a:lnSpc>
+                <a:spcPct val="90000"/>
+              </a:lnSpc>
+              <a:spcBef>
+                <a:spcPct val="0"/>
+              </a:spcBef>
+              <a:buNone/>
+              <a:defRPr sz="4400" kern="1200">
+                <a:solidFill>
+                  <a:schemeClr val="tx1"/>
+                </a:solidFill>
+                <a:latin typeface="+mj-lt"/>
+                <a:ea typeface="+mj-ea"/>
+                <a:cs typeface="+mj-cs"/>
+              </a:defRPr>
+            </a:lvl1pPr>
+          </a:lstStyle>
+          <a:p>
+            <a:r>
+              <a:rPr lang="zh-CN" altLang="zh-CN" sz="2400" dirty="0" smtClean="0">
+                <a:cs typeface="+mn-ea"/>
+              </a:rPr>
+              <a:t>计</a:t>
+            </a:r>
+            <a:r>
+              <a:rPr lang="zh-CN" altLang="zh-CN" sz="2400" dirty="0">
+                <a:cs typeface="+mn-ea"/>
+              </a:rPr>
+              <a:t>算凸包直径——</a:t>
+            </a:r>
+            <a:r>
+              <a:rPr lang="zh-CN" altLang="zh-CN" sz="2400" dirty="0">
+                <a:solidFill>
+                  <a:srgbClr val="FF0000"/>
+                </a:solidFill>
+                <a:cs typeface="+mn-ea"/>
+              </a:rPr>
+              <a:t>旋转卡壳算法</a:t>
+            </a:r>
+            <a:endParaRPr lang="zh-CN" altLang="en-US" sz="2400" dirty="0">
+              <a:solidFill>
+                <a:srgbClr val="FF0000"/>
+              </a:solidFill>
+              <a:cs typeface="+mn-ea"/>
+            </a:endParaRPr>
+          </a:p>
+        </p:txBody>
+      </p:sp>
+    </p:spTree>
+    <p:extLst>
+      <p:ext uri="{BB962C8B-B14F-4D97-AF65-F5344CB8AC3E}">
+        <p14:creationId xmlns:p14="http://schemas.microsoft.com/office/powerpoint/2010/main" val="1384051080"/>
+      </p:ext>
+    </p:extLst>
+  </p:cSld>
+  <p:clrMapOvr>
+    <a:masterClrMapping/>
+  </p:clrMapOvr>
+  <p:timing>
+    <p:tnLst>
+      <p:par>
+        <p:cTn id="1" dur="indefinite" restart="never" nodeType="tmRoot">
+          <p:childTnLst>
+            <p:seq concurrent="1" nextAc="seek">
+              <p:cTn id="2" dur="indefinite" nodeType="mainSeq">
+                <p:childTnLst>
+                  <p:par>
+                    <p:cTn id="3" fill="hold">
+                      <p:stCondLst>
+                        <p:cond delay="indefinite"/>
+                        <p:cond evt="onBegin" delay="0">
+                          <p:tn val="2"/>
+                        </p:cond>
+                      </p:stCondLst>
+                      <p:childTnLst>
+                        <p:par>
+                          <p:cTn id="4" fill="hold">
+                            <p:stCondLst>
+                              <p:cond delay="0"/>
+                            </p:stCondLst>
+                            <p:childTnLst>
+                              <p:par>
+                                <p:cTn id="5" presetID="10" presetClass="entr" presetSubtype="0" fill="hold" grpId="0" nodeType="withEffect">
+                                  <p:stCondLst>
+                                    <p:cond delay="0"/>
+                                  </p:stCondLst>
+                                  <p:childTnLst>
+                                    <p:set>
+                                      <p:cBhvr>
+                                        <p:cTn id="6" dur="1" fill="hold">
+                                          <p:stCondLst>
+                                            <p:cond delay="0"/>
+                                          </p:stCondLst>
+                                        </p:cTn>
+                                        <p:tgtEl>
+                                          <p:spTgt spid="5"/>
+                                        </p:tgtEl>
+                                        <p:attrNameLst>
+                                          <p:attrName>style.visibility</p:attrName>
+                                        </p:attrNameLst>
+                                      </p:cBhvr>
+                                      <p:to>
+                                        <p:strVal val="visible"/>
+                                      </p:to>
+                                    </p:set>
+                                    <p:animEffect transition="in" filter="fade">
+                                      <p:cBhvr>
+                                        <p:cTn id="7" dur="500"/>
+                                        <p:tgtEl>
+                                          <p:spTgt spid="5"/>
+                                        </p:tgtEl>
+                                      </p:cBhvr>
+                                    </p:animEffect>
+                                  </p:childTnLst>
+                                </p:cTn>
+                              </p:par>
+                            </p:childTnLst>
+                          </p:cTn>
+                        </p:par>
+                      </p:childTnLst>
+                    </p:cTn>
+                  </p:par>
+                </p:childTnLst>
+              </p:cTn>
+              <p:prevCondLst>
+                <p:cond evt="onPrev" delay="0">
+                  <p:tgtEl>
+                    <p:sldTgt/>
+                  </p:tgtEl>
+                </p:cond>
+              </p:prevCondLst>
+              <p:nextCondLst>
+                <p:cond evt="onNext" delay="0">
+                  <p:tgtEl>
+                    <p:sldTgt/>
+                  </p:tgtEl>
+                </p:cond>
+              </p:nextCondLst>
+            </p:seq>
+          </p:childTnLst>
+        </p:cTn>
+      </p:par>
+    </p:tnLst>
+    <p:bldLst>
+      <p:bldP spid="5" grpId="0"/>
+    </p:bldLst>
+  </p:timing>
+</p:sld>
+</file>
+
+<file path=ppt/slides/slide13.xml><?xml version="1.0" encoding="utf-8"?>
+<p:sld xmlns:a="http://schemas.openxmlformats.org/drawingml/2006/main" xmlns:r="http://schemas.openxmlformats.org/officeDocument/2006/relationships" xmlns:p="http://schemas.openxmlformats.org/presentationml/2006/main">
+  <p:cSld>
+    <p:spTree>
+      <p:nvGrpSpPr>
+        <p:cNvPr id="1" name=""/>
+        <p:cNvGrpSpPr/>
+        <p:nvPr/>
+      </p:nvGrpSpPr>
+      <p:grpSpPr>
+        <a:xfrm>
+          <a:off x="0" y="0"/>
+          <a:ext cx="0" cy="0"/>
+          <a:chOff x="0" y="0"/>
+          <a:chExt cx="0" cy="0"/>
+        </a:xfrm>
+      </p:grpSpPr>
+      <p:sp>
+        <p:nvSpPr>
+          <p:cNvPr id="5" name="标题 1"/>
+          <p:cNvSpPr txBox="1">
+            <a:spLocks/>
+          </p:cNvSpPr>
+          <p:nvPr/>
+        </p:nvSpPr>
+        <p:spPr>
+          <a:xfrm>
+            <a:off x="542481" y="449523"/>
+            <a:ext cx="3220627" cy="613668"/>
+          </a:xfrm>
+          <a:prstGeom prst="rect">
+            <a:avLst/>
+          </a:prstGeom>
+        </p:spPr>
+        <p:txBody>
+          <a:bodyPr vert="horz" lIns="91440" tIns="45720" rIns="91440" bIns="45720" rtlCol="0" anchor="ctr">
+            <a:normAutofit/>
+          </a:bodyPr>
+          <a:lstStyle>
+            <a:lvl1pPr algn="l" defTabSz="914400" rtl="0" eaLnBrk="1" latinLnBrk="0" hangingPunct="1">
+              <a:lnSpc>
+                <a:spcPct val="90000"/>
+              </a:lnSpc>
+              <a:spcBef>
+                <a:spcPct val="0"/>
+              </a:spcBef>
+              <a:buNone/>
+              <a:defRPr sz="4400" kern="1200">
+                <a:solidFill>
+                  <a:schemeClr val="tx1"/>
+                </a:solidFill>
+                <a:latin typeface="+mj-lt"/>
+                <a:ea typeface="+mj-ea"/>
+                <a:cs typeface="+mj-cs"/>
+              </a:defRPr>
+            </a:lvl1pPr>
+          </a:lstStyle>
+          <a:p>
+            <a:r>
+              <a:rPr lang="zh-CN" altLang="en-US" sz="2400">
+                <a:cs typeface="+mn-ea"/>
+              </a:rPr>
+              <a:t>最远、最近点问题</a:t>
+            </a:r>
+            <a:endParaRPr lang="zh-CN" altLang="en-US" sz="2400" dirty="0">
+              <a:cs typeface="+mn-ea"/>
+            </a:endParaRPr>
+          </a:p>
+        </p:txBody>
+      </p:sp>
+      <p:sp>
+        <p:nvSpPr>
+          <p:cNvPr id="17" name="TextBox 19"/>
+          <p:cNvSpPr txBox="1">
+            <a:spLocks noChangeArrowheads="1"/>
+          </p:cNvSpPr>
+          <p:nvPr/>
+        </p:nvSpPr>
+        <p:spPr bwMode="auto">
+          <a:xfrm>
+            <a:off x="685190" y="1295034"/>
+            <a:ext cx="1928812" cy="460375"/>
+          </a:xfrm>
+          <a:prstGeom prst="rect">
+            <a:avLst/>
+          </a:prstGeom>
+          <a:noFill/>
+          <a:ln w="9525">
+            <a:noFill/>
+            <a:miter lim="800000"/>
+            <a:headEnd/>
+            <a:tailEnd/>
+          </a:ln>
+        </p:spPr>
+        <p:txBody>
+          <a:bodyPr>
+            <a:spAutoFit/>
+          </a:bodyPr>
+          <a:lstStyle/>
+          <a:p>
+            <a:r>
+              <a:rPr lang="zh-CN" altLang="en-US" sz="2400" dirty="0" smtClean="0">
+                <a:solidFill>
+                  <a:srgbClr val="FF0000"/>
+                </a:solidFill>
+                <a:latin typeface="华文楷体" pitchFamily="2" charset="-122"/>
+                <a:ea typeface="华文楷体" pitchFamily="2" charset="-122"/>
+              </a:rPr>
+              <a:t>求</a:t>
+            </a:r>
+            <a:r>
+              <a:rPr lang="zh-CN" altLang="en-US" sz="2400" dirty="0">
+                <a:solidFill>
+                  <a:srgbClr val="FF0000"/>
+                </a:solidFill>
+                <a:latin typeface="华文楷体" pitchFamily="2" charset="-122"/>
+                <a:ea typeface="华文楷体" pitchFamily="2" charset="-122"/>
+              </a:rPr>
+              <a:t>最远点对</a:t>
+            </a:r>
+          </a:p>
+        </p:txBody>
+      </p:sp>
+      <p:sp>
+        <p:nvSpPr>
+          <p:cNvPr id="18" name="TextBox 20"/>
+          <p:cNvSpPr txBox="1">
+            <a:spLocks noChangeArrowheads="1"/>
+          </p:cNvSpPr>
+          <p:nvPr/>
+        </p:nvSpPr>
+        <p:spPr bwMode="auto">
+          <a:xfrm>
+            <a:off x="680427" y="2047509"/>
+            <a:ext cx="3643313" cy="830997"/>
+          </a:xfrm>
+          <a:prstGeom prst="rect">
+            <a:avLst/>
+          </a:prstGeom>
+          <a:noFill/>
+          <a:ln w="9525">
+            <a:noFill/>
+            <a:miter lim="800000"/>
+            <a:headEnd/>
+            <a:tailEnd/>
+          </a:ln>
+        </p:spPr>
+        <p:txBody>
+          <a:bodyPr>
+            <a:spAutoFit/>
+          </a:bodyPr>
+          <a:lstStyle/>
+          <a:p>
+            <a:pPr marL="457200" indent="-457200">
+              <a:buFont typeface="+mj-ea"/>
+              <a:buAutoNum type="circleNumDbPlain"/>
+            </a:pPr>
+            <a:r>
+              <a:rPr lang="zh-CN" altLang="en-US" sz="2400" dirty="0">
+                <a:latin typeface="华文楷体" pitchFamily="2" charset="-122"/>
+                <a:ea typeface="华文楷体" pitchFamily="2" charset="-122"/>
+              </a:rPr>
+              <a:t>先求</a:t>
+            </a:r>
+            <a:r>
+              <a:rPr lang="zh-CN" altLang="en-US" sz="2400" dirty="0">
+                <a:solidFill>
+                  <a:srgbClr val="0000FF"/>
+                </a:solidFill>
+                <a:latin typeface="华文楷体" pitchFamily="2" charset="-122"/>
+                <a:ea typeface="华文楷体" pitchFamily="2" charset="-122"/>
+              </a:rPr>
+              <a:t>凸包</a:t>
+            </a:r>
+            <a:r>
+              <a:rPr lang="zh-CN" altLang="en-US" sz="2400" dirty="0" smtClean="0">
+                <a:latin typeface="华文楷体" pitchFamily="2" charset="-122"/>
+                <a:ea typeface="华文楷体" pitchFamily="2" charset="-122"/>
+              </a:rPr>
+              <a:t>；</a:t>
+            </a:r>
+            <a:endParaRPr lang="en-US" altLang="zh-CN" sz="2400" dirty="0" smtClean="0">
+              <a:latin typeface="华文楷体" pitchFamily="2" charset="-122"/>
+              <a:ea typeface="华文楷体" pitchFamily="2" charset="-122"/>
+            </a:endParaRPr>
+          </a:p>
+          <a:p>
+            <a:pPr marL="457200" indent="-457200">
+              <a:buFont typeface="+mj-ea"/>
+              <a:buAutoNum type="circleNumDbPlain"/>
+            </a:pPr>
+            <a:r>
+              <a:rPr lang="zh-CN" altLang="en-US" sz="2400" dirty="0" smtClean="0">
+                <a:latin typeface="华文楷体" pitchFamily="2" charset="-122"/>
+                <a:ea typeface="华文楷体" pitchFamily="2" charset="-122"/>
+              </a:rPr>
+              <a:t>再</a:t>
+            </a:r>
+            <a:r>
+              <a:rPr lang="zh-CN" altLang="en-US" sz="2400" dirty="0">
+                <a:latin typeface="华文楷体" pitchFamily="2" charset="-122"/>
+                <a:ea typeface="华文楷体" pitchFamily="2" charset="-122"/>
+              </a:rPr>
+              <a:t>求</a:t>
+            </a:r>
+            <a:r>
+              <a:rPr lang="zh-CN" altLang="en-US" sz="2400" dirty="0">
+                <a:solidFill>
+                  <a:srgbClr val="0000FF"/>
+                </a:solidFill>
+                <a:latin typeface="华文楷体" pitchFamily="2" charset="-122"/>
+                <a:ea typeface="华文楷体" pitchFamily="2" charset="-122"/>
+              </a:rPr>
+              <a:t>凸包直径</a:t>
+            </a:r>
+            <a:r>
+              <a:rPr lang="zh-CN" altLang="en-US" sz="2400" dirty="0">
+                <a:latin typeface="华文楷体" pitchFamily="2" charset="-122"/>
+                <a:ea typeface="华文楷体" pitchFamily="2" charset="-122"/>
+              </a:rPr>
+              <a:t>。</a:t>
+            </a:r>
+          </a:p>
+        </p:txBody>
+      </p:sp>
+      <p:cxnSp>
+        <p:nvCxnSpPr>
+          <p:cNvPr id="31" name="直接连接符 30"/>
+          <p:cNvCxnSpPr/>
+          <p:nvPr/>
+        </p:nvCxnSpPr>
+        <p:spPr>
+          <a:xfrm>
+            <a:off x="4122127" y="3516254"/>
+            <a:ext cx="4755173" cy="252727"/>
+          </a:xfrm>
+          <a:prstGeom prst="line">
+            <a:avLst/>
+          </a:prstGeom>
+          <a:ln w="28575">
+            <a:solidFill>
+              <a:srgbClr val="FF0000"/>
+            </a:solidFill>
+            <a:prstDash val="sysDash"/>
+          </a:ln>
+        </p:spPr>
+        <p:style>
+          <a:lnRef idx="1">
+            <a:schemeClr val="accent1"/>
+          </a:lnRef>
+          <a:fillRef idx="0">
+            <a:schemeClr val="accent1"/>
+          </a:fillRef>
+          <a:effectRef idx="0">
+            <a:schemeClr val="accent1"/>
+          </a:effectRef>
+          <a:fontRef idx="minor">
+            <a:schemeClr val="tx1"/>
+          </a:fontRef>
+        </p:style>
+      </p:cxnSp>
+      <p:sp>
+        <p:nvSpPr>
+          <p:cNvPr id="32" name="TextBox 41"/>
+          <p:cNvSpPr txBox="1">
+            <a:spLocks noChangeArrowheads="1"/>
+          </p:cNvSpPr>
+          <p:nvPr/>
+        </p:nvSpPr>
+        <p:spPr bwMode="auto">
+          <a:xfrm>
+            <a:off x="674077" y="2927295"/>
+            <a:ext cx="2786063" cy="461962"/>
+          </a:xfrm>
+          <a:prstGeom prst="rect">
+            <a:avLst/>
+          </a:prstGeom>
+          <a:noFill/>
+          <a:ln w="9525">
+            <a:noFill/>
+            <a:miter lim="800000"/>
+            <a:headEnd/>
+            <a:tailEnd/>
+          </a:ln>
+        </p:spPr>
+        <p:txBody>
+          <a:bodyPr>
+            <a:spAutoFit/>
+          </a:bodyPr>
+          <a:lstStyle/>
+          <a:p>
+            <a:r>
+              <a:rPr lang="zh-CN" altLang="en-US" sz="2400" dirty="0">
+                <a:latin typeface="华文楷体" pitchFamily="2" charset="-122"/>
+                <a:ea typeface="华文楷体" pitchFamily="2" charset="-122"/>
+              </a:rPr>
+              <a:t>最远点对：</a:t>
+            </a:r>
+            <a:r>
+              <a:rPr lang="en-US" altLang="zh-CN" sz="2400" dirty="0">
+                <a:latin typeface="华文楷体" pitchFamily="2" charset="-122"/>
+                <a:ea typeface="华文楷体" pitchFamily="2" charset="-122"/>
+              </a:rPr>
+              <a:t>&lt;</a:t>
+            </a:r>
+            <a:r>
+              <a:rPr lang="en-US" altLang="zh-CN" sz="2400" dirty="0" smtClean="0">
+                <a:latin typeface="华文楷体" pitchFamily="2" charset="-122"/>
+                <a:ea typeface="华文楷体" pitchFamily="2" charset="-122"/>
+              </a:rPr>
+              <a:t>p</a:t>
+            </a:r>
+            <a:r>
+              <a:rPr lang="en-US" altLang="zh-CN" sz="2400" baseline="-25000" dirty="0" smtClean="0">
+                <a:latin typeface="华文楷体" pitchFamily="2" charset="-122"/>
+                <a:ea typeface="华文楷体" pitchFamily="2" charset="-122"/>
+              </a:rPr>
+              <a:t>2</a:t>
+            </a:r>
+            <a:r>
+              <a:rPr lang="en-US" altLang="zh-CN" sz="2400" dirty="0" smtClean="0">
+                <a:latin typeface="华文楷体" pitchFamily="2" charset="-122"/>
+                <a:ea typeface="华文楷体" pitchFamily="2" charset="-122"/>
+              </a:rPr>
+              <a:t>,</a:t>
+            </a:r>
+            <a:r>
+              <a:rPr lang="en-US" altLang="zh-CN" sz="2400" dirty="0">
+                <a:latin typeface="华文楷体" pitchFamily="2" charset="-122"/>
+                <a:ea typeface="华文楷体" pitchFamily="2" charset="-122"/>
+              </a:rPr>
+              <a:t>p</a:t>
+            </a:r>
+            <a:r>
+              <a:rPr lang="en-US" altLang="zh-CN" sz="2400" baseline="-25000" dirty="0">
+                <a:latin typeface="华文楷体" pitchFamily="2" charset="-122"/>
+                <a:ea typeface="华文楷体" pitchFamily="2" charset="-122"/>
+              </a:rPr>
+              <a:t>8</a:t>
+            </a:r>
+            <a:r>
+              <a:rPr lang="en-US" altLang="zh-CN" sz="2400" dirty="0" smtClean="0">
+                <a:latin typeface="华文楷体" pitchFamily="2" charset="-122"/>
+                <a:ea typeface="华文楷体" pitchFamily="2" charset="-122"/>
+              </a:rPr>
+              <a:t>&gt;</a:t>
+            </a:r>
+            <a:endParaRPr lang="zh-CN" altLang="en-US" sz="2400" dirty="0">
+              <a:latin typeface="华文楷体" pitchFamily="2" charset="-122"/>
+              <a:ea typeface="华文楷体" pitchFamily="2" charset="-122"/>
+            </a:endParaRPr>
+          </a:p>
+        </p:txBody>
+      </p:sp>
+      <p:sp>
+        <p:nvSpPr>
+          <p:cNvPr id="33" name="TextBox 42"/>
+          <p:cNvSpPr txBox="1">
+            <a:spLocks noChangeArrowheads="1"/>
+          </p:cNvSpPr>
+          <p:nvPr/>
+        </p:nvSpPr>
+        <p:spPr bwMode="auto">
+          <a:xfrm>
+            <a:off x="674077" y="3642617"/>
+            <a:ext cx="3714750" cy="1754326"/>
+          </a:xfrm>
+          <a:prstGeom prst="rect">
+            <a:avLst/>
+          </a:prstGeom>
+          <a:noFill/>
+          <a:ln w="9525">
+            <a:noFill/>
+            <a:miter lim="800000"/>
+            <a:headEnd/>
+            <a:tailEnd/>
+          </a:ln>
+        </p:spPr>
+        <p:txBody>
+          <a:bodyPr>
+            <a:spAutoFit/>
+          </a:bodyPr>
+          <a:lstStyle/>
+          <a:p>
+            <a:pPr>
+              <a:lnSpc>
+                <a:spcPct val="150000"/>
+              </a:lnSpc>
+            </a:pPr>
+            <a:r>
+              <a:rPr lang="zh-CN" altLang="en-US" sz="2400" dirty="0">
+                <a:latin typeface="华文楷体" pitchFamily="2" charset="-122"/>
+                <a:ea typeface="华文楷体" pitchFamily="2" charset="-122"/>
+              </a:rPr>
+              <a:t>求凸包：         </a:t>
+            </a:r>
+            <a:r>
+              <a:rPr lang="en-US" altLang="zh-CN" sz="2400" dirty="0">
+                <a:solidFill>
+                  <a:srgbClr val="0000FF"/>
+                </a:solidFill>
+                <a:latin typeface="华文楷体" pitchFamily="2" charset="-122"/>
+                <a:ea typeface="华文楷体" pitchFamily="2" charset="-122"/>
+              </a:rPr>
+              <a:t>O(nlogn)</a:t>
+            </a:r>
+            <a:r>
+              <a:rPr lang="zh-CN" altLang="en-US" sz="2400" dirty="0">
+                <a:latin typeface="华文楷体" pitchFamily="2" charset="-122"/>
+                <a:ea typeface="华文楷体" pitchFamily="2" charset="-122"/>
+              </a:rPr>
+              <a:t>，</a:t>
+            </a:r>
+            <a:endParaRPr lang="en-US" altLang="zh-CN" sz="2400" dirty="0">
+              <a:latin typeface="华文楷体" pitchFamily="2" charset="-122"/>
+              <a:ea typeface="华文楷体" pitchFamily="2" charset="-122"/>
+            </a:endParaRPr>
+          </a:p>
+          <a:p>
+            <a:pPr>
+              <a:lnSpc>
+                <a:spcPct val="150000"/>
+              </a:lnSpc>
+            </a:pPr>
+            <a:r>
+              <a:rPr lang="zh-CN" altLang="en-US" sz="2400" dirty="0">
+                <a:latin typeface="华文楷体" pitchFamily="2" charset="-122"/>
+                <a:ea typeface="华文楷体" pitchFamily="2" charset="-122"/>
+              </a:rPr>
+              <a:t>求凸包直径： </a:t>
+            </a:r>
+            <a:r>
+              <a:rPr lang="en-US" altLang="zh-CN" sz="2400" dirty="0">
+                <a:solidFill>
+                  <a:srgbClr val="0000FF"/>
+                </a:solidFill>
+                <a:latin typeface="华文楷体" pitchFamily="2" charset="-122"/>
+                <a:ea typeface="华文楷体" pitchFamily="2" charset="-122"/>
+              </a:rPr>
+              <a:t>O(n)</a:t>
+            </a:r>
+            <a:r>
+              <a:rPr lang="zh-CN" altLang="en-US" sz="2400" dirty="0">
+                <a:latin typeface="华文楷体" pitchFamily="2" charset="-122"/>
+                <a:ea typeface="华文楷体" pitchFamily="2" charset="-122"/>
+              </a:rPr>
+              <a:t>，</a:t>
+            </a:r>
+            <a:endParaRPr lang="en-US" altLang="zh-CN" sz="2400" dirty="0">
+              <a:latin typeface="华文楷体" pitchFamily="2" charset="-122"/>
+              <a:ea typeface="华文楷体" pitchFamily="2" charset="-122"/>
+            </a:endParaRPr>
+          </a:p>
+          <a:p>
+            <a:pPr>
+              <a:lnSpc>
+                <a:spcPct val="150000"/>
+              </a:lnSpc>
+            </a:pPr>
+            <a:r>
+              <a:rPr lang="zh-CN" altLang="en-US" sz="2400" dirty="0">
+                <a:latin typeface="华文楷体" pitchFamily="2" charset="-122"/>
+                <a:ea typeface="华文楷体" pitchFamily="2" charset="-122"/>
+              </a:rPr>
+              <a:t>求最远点对： </a:t>
+            </a:r>
+            <a:r>
+              <a:rPr lang="en-US" altLang="zh-CN" sz="2400" dirty="0">
+                <a:solidFill>
+                  <a:srgbClr val="0000FF"/>
+                </a:solidFill>
+                <a:latin typeface="华文楷体" pitchFamily="2" charset="-122"/>
+                <a:ea typeface="华文楷体" pitchFamily="2" charset="-122"/>
+              </a:rPr>
+              <a:t>O(nlogn)</a:t>
+            </a:r>
+            <a:r>
+              <a:rPr lang="zh-CN" altLang="en-US" sz="2400" dirty="0">
+                <a:latin typeface="华文楷体" pitchFamily="2" charset="-122"/>
+                <a:ea typeface="华文楷体" pitchFamily="2" charset="-122"/>
+              </a:rPr>
+              <a:t>。</a:t>
+            </a:r>
+            <a:endParaRPr lang="en-US" altLang="zh-CN" sz="2400" dirty="0">
+              <a:latin typeface="华文楷体" pitchFamily="2" charset="-122"/>
+              <a:ea typeface="华文楷体" pitchFamily="2" charset="-122"/>
+            </a:endParaRPr>
+          </a:p>
+        </p:txBody>
+      </p:sp>
+      <p:grpSp>
+        <p:nvGrpSpPr>
+          <p:cNvPr id="34" name="组合 33"/>
+          <p:cNvGrpSpPr/>
+          <p:nvPr/>
+        </p:nvGrpSpPr>
+        <p:grpSpPr>
+          <a:xfrm>
+            <a:off x="4335233" y="2047509"/>
+            <a:ext cx="4185282" cy="2719794"/>
+            <a:chOff x="643006" y="3342065"/>
+            <a:chExt cx="4185282" cy="2719794"/>
+          </a:xfrm>
+        </p:grpSpPr>
+        <p:grpSp>
+          <p:nvGrpSpPr>
+            <p:cNvPr id="35" name="组合 34"/>
+            <p:cNvGrpSpPr/>
+            <p:nvPr/>
+          </p:nvGrpSpPr>
+          <p:grpSpPr>
+            <a:xfrm>
+              <a:off x="1022452" y="3681873"/>
+              <a:ext cx="3556344" cy="2062487"/>
+              <a:chOff x="793853" y="3309612"/>
+              <a:chExt cx="4215592" cy="2444815"/>
+            </a:xfrm>
+          </p:grpSpPr>
+          <p:sp>
+            <p:nvSpPr>
+              <p:cNvPr id="44" name="AutoShape 29"/>
+              <p:cNvSpPr>
+                <a:spLocks noChangeArrowheads="1"/>
+              </p:cNvSpPr>
+              <p:nvPr/>
+            </p:nvSpPr>
+            <p:spPr bwMode="auto">
+              <a:xfrm>
+                <a:off x="2065989" y="5551775"/>
+                <a:ext cx="202649" cy="202652"/>
+              </a:xfrm>
+              <a:prstGeom prst="flowChartConnector">
+                <a:avLst/>
+              </a:prstGeom>
+              <a:solidFill>
+                <a:srgbClr val="FF0000"/>
+              </a:solidFill>
+              <a:ln w="9525">
+                <a:noFill/>
+                <a:round/>
+                <a:headEnd/>
+                <a:tailEnd/>
+              </a:ln>
+            </p:spPr>
+            <p:txBody>
+              <a:bodyPr wrap="none" anchor="ctr"/>
+              <a:lstStyle>
+                <a:lvl1pPr>
+                  <a:spcBef>
+                    <a:spcPct val="20000"/>
+                  </a:spcBef>
+                  <a:buChar char="•"/>
+                  <a:defRPr sz="2400">
+                    <a:solidFill>
+                      <a:srgbClr val="3A1D00"/>
+                    </a:solidFill>
+                    <a:latin typeface="Arial" panose="020B0604020202020204" pitchFamily="34" charset="0"/>
+                    <a:ea typeface="微软雅黑" panose="020B0503020204020204" pitchFamily="34" charset="-122"/>
+                  </a:defRPr>
+                </a:lvl1pPr>
+                <a:lvl2pPr marL="742950" indent="-285750">
+                  <a:spcBef>
+                    <a:spcPct val="20000"/>
+                  </a:spcBef>
+                  <a:buChar char="–"/>
+                  <a:defRPr sz="2000">
+                    <a:solidFill>
+                      <a:srgbClr val="3A1D00"/>
+                    </a:solidFill>
+                    <a:latin typeface="Arial" panose="020B0604020202020204" pitchFamily="34" charset="0"/>
+                    <a:ea typeface="微软雅黑" panose="020B0503020204020204" pitchFamily="34" charset="-122"/>
+                  </a:defRPr>
+                </a:lvl2pPr>
+                <a:lvl3pPr marL="1143000" indent="-228600">
+                  <a:spcBef>
+                    <a:spcPct val="20000"/>
+                  </a:spcBef>
+                  <a:buChar char="•"/>
+                  <a:defRPr sz="2400">
+                    <a:solidFill>
+                      <a:srgbClr val="3A1D00"/>
+                    </a:solidFill>
+                    <a:latin typeface="Arial" panose="020B0604020202020204" pitchFamily="34" charset="0"/>
+                    <a:ea typeface="微软雅黑" panose="020B0503020204020204" pitchFamily="34" charset="-122"/>
+                  </a:defRPr>
+                </a:lvl3pPr>
+                <a:lvl4pPr marL="1600200" indent="-228600">
+                  <a:spcBef>
+                    <a:spcPct val="20000"/>
+                  </a:spcBef>
+                  <a:buChar char="–"/>
+                  <a:defRPr sz="1600">
+                    <a:solidFill>
+                      <a:srgbClr val="3A1D00"/>
+                    </a:solidFill>
+                    <a:latin typeface="Arial" panose="020B0604020202020204" pitchFamily="34" charset="0"/>
+                    <a:ea typeface="微软雅黑" panose="020B0503020204020204" pitchFamily="34" charset="-122"/>
+                  </a:defRPr>
+                </a:lvl4pPr>
+                <a:lvl5pPr marL="2057400" indent="-228600">
+                  <a:spcBef>
+                    <a:spcPct val="20000"/>
+                  </a:spcBef>
+                  <a:buChar char="»"/>
+                  <a:defRPr sz="1600">
+                    <a:solidFill>
+                      <a:srgbClr val="3A1D00"/>
+                    </a:solidFill>
+                    <a:latin typeface="Arial" panose="020B0604020202020204" pitchFamily="34" charset="0"/>
+                    <a:ea typeface="微软雅黑" panose="020B0503020204020204" pitchFamily="34" charset="-122"/>
+                  </a:defRPr>
+                </a:lvl5pPr>
+                <a:lvl6pPr marL="2514600" indent="-228600" eaLnBrk="0" fontAlgn="base" hangingPunct="0">
+                  <a:spcBef>
+                    <a:spcPct val="20000"/>
+                  </a:spcBef>
+                  <a:spcAft>
+                    <a:spcPct val="0"/>
+                  </a:spcAft>
+                  <a:buChar char="»"/>
+                  <a:defRPr sz="1600">
+                    <a:solidFill>
+                      <a:srgbClr val="3A1D00"/>
+                    </a:solidFill>
+                    <a:latin typeface="Arial" panose="020B0604020202020204" pitchFamily="34" charset="0"/>
+                    <a:ea typeface="微软雅黑" panose="020B0503020204020204" pitchFamily="34" charset="-122"/>
+                  </a:defRPr>
+                </a:lvl6pPr>
+                <a:lvl7pPr marL="2971800" indent="-228600" eaLnBrk="0" fontAlgn="base" hangingPunct="0">
+                  <a:spcBef>
+                    <a:spcPct val="20000"/>
+                  </a:spcBef>
+                  <a:spcAft>
+                    <a:spcPct val="0"/>
+                  </a:spcAft>
+                  <a:buChar char="»"/>
+                  <a:defRPr sz="1600">
+                    <a:solidFill>
+                      <a:srgbClr val="3A1D00"/>
+                    </a:solidFill>
+                    <a:latin typeface="Arial" panose="020B0604020202020204" pitchFamily="34" charset="0"/>
+                    <a:ea typeface="微软雅黑" panose="020B0503020204020204" pitchFamily="34" charset="-122"/>
+                  </a:defRPr>
+                </a:lvl7pPr>
+                <a:lvl8pPr marL="3429000" indent="-228600" eaLnBrk="0" fontAlgn="base" hangingPunct="0">
+                  <a:spcBef>
+                    <a:spcPct val="20000"/>
+                  </a:spcBef>
+                  <a:spcAft>
+                    <a:spcPct val="0"/>
+                  </a:spcAft>
+                  <a:buChar char="»"/>
+                  <a:defRPr sz="1600">
+                    <a:solidFill>
+                      <a:srgbClr val="3A1D00"/>
+                    </a:solidFill>
+                    <a:latin typeface="Arial" panose="020B0604020202020204" pitchFamily="34" charset="0"/>
+                    <a:ea typeface="微软雅黑" panose="020B0503020204020204" pitchFamily="34" charset="-122"/>
+                  </a:defRPr>
+                </a:lvl8pPr>
+                <a:lvl9pPr marL="3886200" indent="-228600" eaLnBrk="0" fontAlgn="base" hangingPunct="0">
+                  <a:spcBef>
+                    <a:spcPct val="20000"/>
+                  </a:spcBef>
+                  <a:spcAft>
+                    <a:spcPct val="0"/>
+                  </a:spcAft>
+                  <a:buChar char="»"/>
+                  <a:defRPr sz="1600">
+                    <a:solidFill>
+                      <a:srgbClr val="3A1D00"/>
+                    </a:solidFill>
+                    <a:latin typeface="Arial" panose="020B0604020202020204" pitchFamily="34" charset="0"/>
+                    <a:ea typeface="微软雅黑" panose="020B0503020204020204" pitchFamily="34" charset="-122"/>
+                  </a:defRPr>
+                </a:lvl9pPr>
+              </a:lstStyle>
+              <a:p>
+                <a:pPr eaLnBrk="1" hangingPunct="1">
+                  <a:spcBef>
+                    <a:spcPct val="0"/>
+                  </a:spcBef>
+                  <a:buFontTx/>
+                  <a:buNone/>
+                </a:pPr>
+                <a:endParaRPr lang="zh-CN" altLang="zh-CN" sz="1800" b="0">
+                  <a:solidFill>
+                    <a:schemeClr val="tx1"/>
+                  </a:solidFill>
+                  <a:latin typeface="华文新魏" panose="02010800040101010101" pitchFamily="2" charset="-122"/>
+                  <a:ea typeface="宋体" panose="02010600030101010101" pitchFamily="2" charset="-122"/>
+                </a:endParaRPr>
+              </a:p>
+            </p:txBody>
+          </p:sp>
+          <p:sp>
+            <p:nvSpPr>
+              <p:cNvPr id="45" name="AutoShape 29"/>
+              <p:cNvSpPr>
+                <a:spLocks noChangeArrowheads="1"/>
+              </p:cNvSpPr>
+              <p:nvPr/>
+            </p:nvSpPr>
+            <p:spPr bwMode="auto">
+              <a:xfrm>
+                <a:off x="3638380" y="4291422"/>
+                <a:ext cx="202649" cy="202652"/>
+              </a:xfrm>
+              <a:prstGeom prst="flowChartConnector">
+                <a:avLst/>
+              </a:prstGeom>
+              <a:solidFill>
+                <a:srgbClr val="FF0000"/>
+              </a:solidFill>
+              <a:ln w="9525">
+                <a:noFill/>
+                <a:round/>
+                <a:headEnd/>
+                <a:tailEnd/>
+              </a:ln>
+            </p:spPr>
+            <p:txBody>
+              <a:bodyPr wrap="none" anchor="ctr"/>
+              <a:lstStyle>
+                <a:lvl1pPr>
+                  <a:spcBef>
+                    <a:spcPct val="20000"/>
+                  </a:spcBef>
+                  <a:buChar char="•"/>
+                  <a:defRPr sz="2400">
+                    <a:solidFill>
+                      <a:srgbClr val="3A1D00"/>
+                    </a:solidFill>
+                    <a:latin typeface="Arial" panose="020B0604020202020204" pitchFamily="34" charset="0"/>
+                    <a:ea typeface="微软雅黑" panose="020B0503020204020204" pitchFamily="34" charset="-122"/>
+                  </a:defRPr>
+                </a:lvl1pPr>
+                <a:lvl2pPr marL="742950" indent="-285750">
+                  <a:spcBef>
+                    <a:spcPct val="20000"/>
+                  </a:spcBef>
+                  <a:buChar char="–"/>
+                  <a:defRPr sz="2000">
+                    <a:solidFill>
+                      <a:srgbClr val="3A1D00"/>
+                    </a:solidFill>
+                    <a:latin typeface="Arial" panose="020B0604020202020204" pitchFamily="34" charset="0"/>
+                    <a:ea typeface="微软雅黑" panose="020B0503020204020204" pitchFamily="34" charset="-122"/>
+                  </a:defRPr>
+                </a:lvl2pPr>
+                <a:lvl3pPr marL="1143000" indent="-228600">
+                  <a:spcBef>
+                    <a:spcPct val="20000"/>
+                  </a:spcBef>
+                  <a:buChar char="•"/>
+                  <a:defRPr sz="2400">
+                    <a:solidFill>
+                      <a:srgbClr val="3A1D00"/>
+                    </a:solidFill>
+                    <a:latin typeface="Arial" panose="020B0604020202020204" pitchFamily="34" charset="0"/>
+                    <a:ea typeface="微软雅黑" panose="020B0503020204020204" pitchFamily="34" charset="-122"/>
+                  </a:defRPr>
+                </a:lvl3pPr>
+                <a:lvl4pPr marL="1600200" indent="-228600">
+                  <a:spcBef>
+                    <a:spcPct val="20000"/>
+                  </a:spcBef>
+                  <a:buChar char="–"/>
+                  <a:defRPr sz="1600">
+                    <a:solidFill>
+                      <a:srgbClr val="3A1D00"/>
+                    </a:solidFill>
+                    <a:latin typeface="Arial" panose="020B0604020202020204" pitchFamily="34" charset="0"/>
+                    <a:ea typeface="微软雅黑" panose="020B0503020204020204" pitchFamily="34" charset="-122"/>
+                  </a:defRPr>
+                </a:lvl4pPr>
+                <a:lvl5pPr marL="2057400" indent="-228600">
+                  <a:spcBef>
+                    <a:spcPct val="20000"/>
+                  </a:spcBef>
+                  <a:buChar char="»"/>
+                  <a:defRPr sz="1600">
+                    <a:solidFill>
+                      <a:srgbClr val="3A1D00"/>
+                    </a:solidFill>
+                    <a:latin typeface="Arial" panose="020B0604020202020204" pitchFamily="34" charset="0"/>
+                    <a:ea typeface="微软雅黑" panose="020B0503020204020204" pitchFamily="34" charset="-122"/>
+                  </a:defRPr>
+                </a:lvl5pPr>
+                <a:lvl6pPr marL="2514600" indent="-228600" eaLnBrk="0" fontAlgn="base" hangingPunct="0">
+                  <a:spcBef>
+                    <a:spcPct val="20000"/>
+                  </a:spcBef>
+                  <a:spcAft>
+                    <a:spcPct val="0"/>
+                  </a:spcAft>
+                  <a:buChar char="»"/>
+                  <a:defRPr sz="1600">
+                    <a:solidFill>
+                      <a:srgbClr val="3A1D00"/>
+                    </a:solidFill>
+                    <a:latin typeface="Arial" panose="020B0604020202020204" pitchFamily="34" charset="0"/>
+                    <a:ea typeface="微软雅黑" panose="020B0503020204020204" pitchFamily="34" charset="-122"/>
+                  </a:defRPr>
+                </a:lvl6pPr>
+                <a:lvl7pPr marL="2971800" indent="-228600" eaLnBrk="0" fontAlgn="base" hangingPunct="0">
+                  <a:spcBef>
+                    <a:spcPct val="20000"/>
+                  </a:spcBef>
+                  <a:spcAft>
+                    <a:spcPct val="0"/>
+                  </a:spcAft>
+                  <a:buChar char="»"/>
+                  <a:defRPr sz="1600">
+                    <a:solidFill>
+                      <a:srgbClr val="3A1D00"/>
+                    </a:solidFill>
+                    <a:latin typeface="Arial" panose="020B0604020202020204" pitchFamily="34" charset="0"/>
+                    <a:ea typeface="微软雅黑" panose="020B0503020204020204" pitchFamily="34" charset="-122"/>
+                  </a:defRPr>
+                </a:lvl7pPr>
+                <a:lvl8pPr marL="3429000" indent="-228600" eaLnBrk="0" fontAlgn="base" hangingPunct="0">
+                  <a:spcBef>
+                    <a:spcPct val="20000"/>
+                  </a:spcBef>
+                  <a:spcAft>
+                    <a:spcPct val="0"/>
+                  </a:spcAft>
+                  <a:buChar char="»"/>
+                  <a:defRPr sz="1600">
+                    <a:solidFill>
+                      <a:srgbClr val="3A1D00"/>
+                    </a:solidFill>
+                    <a:latin typeface="Arial" panose="020B0604020202020204" pitchFamily="34" charset="0"/>
+                    <a:ea typeface="微软雅黑" panose="020B0503020204020204" pitchFamily="34" charset="-122"/>
+                  </a:defRPr>
+                </a:lvl8pPr>
+                <a:lvl9pPr marL="3886200" indent="-228600" eaLnBrk="0" fontAlgn="base" hangingPunct="0">
+                  <a:spcBef>
+                    <a:spcPct val="20000"/>
+                  </a:spcBef>
+                  <a:spcAft>
+                    <a:spcPct val="0"/>
+                  </a:spcAft>
+                  <a:buChar char="»"/>
+                  <a:defRPr sz="1600">
+                    <a:solidFill>
+                      <a:srgbClr val="3A1D00"/>
+                    </a:solidFill>
+                    <a:latin typeface="Arial" panose="020B0604020202020204" pitchFamily="34" charset="0"/>
+                    <a:ea typeface="微软雅黑" panose="020B0503020204020204" pitchFamily="34" charset="-122"/>
+                  </a:defRPr>
+                </a:lvl9pPr>
+              </a:lstStyle>
+              <a:p>
+                <a:pPr eaLnBrk="1" hangingPunct="1">
+                  <a:spcBef>
+                    <a:spcPct val="0"/>
+                  </a:spcBef>
+                  <a:buFontTx/>
+                  <a:buNone/>
+                </a:pPr>
+                <a:endParaRPr lang="zh-CN" altLang="zh-CN" sz="1800" b="0">
+                  <a:solidFill>
+                    <a:schemeClr val="tx1"/>
+                  </a:solidFill>
+                  <a:latin typeface="华文新魏" panose="02010800040101010101" pitchFamily="2" charset="-122"/>
+                  <a:ea typeface="宋体" panose="02010600030101010101" pitchFamily="2" charset="-122"/>
+                </a:endParaRPr>
+              </a:p>
+            </p:txBody>
+          </p:sp>
+          <p:sp>
+            <p:nvSpPr>
+              <p:cNvPr id="46" name="AutoShape 29"/>
+              <p:cNvSpPr>
+                <a:spLocks noChangeArrowheads="1"/>
+              </p:cNvSpPr>
+              <p:nvPr/>
+            </p:nvSpPr>
+            <p:spPr bwMode="auto">
+              <a:xfrm>
+                <a:off x="2794793" y="3960236"/>
+                <a:ext cx="202649" cy="202652"/>
+              </a:xfrm>
+              <a:prstGeom prst="flowChartConnector">
+                <a:avLst/>
+              </a:prstGeom>
+              <a:solidFill>
+                <a:srgbClr val="FF0000"/>
+              </a:solidFill>
+              <a:ln w="9525">
+                <a:noFill/>
+                <a:round/>
+                <a:headEnd/>
+                <a:tailEnd/>
+              </a:ln>
+            </p:spPr>
+            <p:txBody>
+              <a:bodyPr wrap="none" anchor="ctr"/>
+              <a:lstStyle>
+                <a:lvl1pPr>
+                  <a:spcBef>
+                    <a:spcPct val="20000"/>
+                  </a:spcBef>
+                  <a:buChar char="•"/>
+                  <a:defRPr sz="2400">
+                    <a:solidFill>
+                      <a:srgbClr val="3A1D00"/>
+                    </a:solidFill>
+                    <a:latin typeface="Arial" panose="020B0604020202020204" pitchFamily="34" charset="0"/>
+                    <a:ea typeface="微软雅黑" panose="020B0503020204020204" pitchFamily="34" charset="-122"/>
+                  </a:defRPr>
+                </a:lvl1pPr>
+                <a:lvl2pPr marL="742950" indent="-285750">
+                  <a:spcBef>
+                    <a:spcPct val="20000"/>
+                  </a:spcBef>
+                  <a:buChar char="–"/>
+                  <a:defRPr sz="2000">
+                    <a:solidFill>
+                      <a:srgbClr val="3A1D00"/>
+                    </a:solidFill>
+                    <a:latin typeface="Arial" panose="020B0604020202020204" pitchFamily="34" charset="0"/>
+                    <a:ea typeface="微软雅黑" panose="020B0503020204020204" pitchFamily="34" charset="-122"/>
+                  </a:defRPr>
+                </a:lvl2pPr>
+                <a:lvl3pPr marL="1143000" indent="-228600">
+                  <a:spcBef>
+                    <a:spcPct val="20000"/>
+                  </a:spcBef>
+                  <a:buChar char="•"/>
+                  <a:defRPr sz="2400">
+                    <a:solidFill>
+                      <a:srgbClr val="3A1D00"/>
+                    </a:solidFill>
+                    <a:latin typeface="Arial" panose="020B0604020202020204" pitchFamily="34" charset="0"/>
+                    <a:ea typeface="微软雅黑" panose="020B0503020204020204" pitchFamily="34" charset="-122"/>
+                  </a:defRPr>
+                </a:lvl3pPr>
+                <a:lvl4pPr marL="1600200" indent="-228600">
+                  <a:spcBef>
+                    <a:spcPct val="20000"/>
+                  </a:spcBef>
+                  <a:buChar char="–"/>
+                  <a:defRPr sz="1600">
+                    <a:solidFill>
+                      <a:srgbClr val="3A1D00"/>
+                    </a:solidFill>
+                    <a:latin typeface="Arial" panose="020B0604020202020204" pitchFamily="34" charset="0"/>
+                    <a:ea typeface="微软雅黑" panose="020B0503020204020204" pitchFamily="34" charset="-122"/>
+                  </a:defRPr>
+                </a:lvl4pPr>
+                <a:lvl5pPr marL="2057400" indent="-228600">
+                  <a:spcBef>
+                    <a:spcPct val="20000"/>
+                  </a:spcBef>
+                  <a:buChar char="»"/>
+                  <a:defRPr sz="1600">
+                    <a:solidFill>
+                      <a:srgbClr val="3A1D00"/>
+                    </a:solidFill>
+                    <a:latin typeface="Arial" panose="020B0604020202020204" pitchFamily="34" charset="0"/>
+                    <a:ea typeface="微软雅黑" panose="020B0503020204020204" pitchFamily="34" charset="-122"/>
+                  </a:defRPr>
+                </a:lvl5pPr>
+                <a:lvl6pPr marL="2514600" indent="-228600" eaLnBrk="0" fontAlgn="base" hangingPunct="0">
+                  <a:spcBef>
+                    <a:spcPct val="20000"/>
+                  </a:spcBef>
+                  <a:spcAft>
+                    <a:spcPct val="0"/>
+                  </a:spcAft>
+                  <a:buChar char="»"/>
+                  <a:defRPr sz="1600">
+                    <a:solidFill>
+                      <a:srgbClr val="3A1D00"/>
+                    </a:solidFill>
+                    <a:latin typeface="Arial" panose="020B0604020202020204" pitchFamily="34" charset="0"/>
+                    <a:ea typeface="微软雅黑" panose="020B0503020204020204" pitchFamily="34" charset="-122"/>
+                  </a:defRPr>
+                </a:lvl6pPr>
+                <a:lvl7pPr marL="2971800" indent="-228600" eaLnBrk="0" fontAlgn="base" hangingPunct="0">
+                  <a:spcBef>
+                    <a:spcPct val="20000"/>
+                  </a:spcBef>
+                  <a:spcAft>
+                    <a:spcPct val="0"/>
+                  </a:spcAft>
+                  <a:buChar char="»"/>
+                  <a:defRPr sz="1600">
+                    <a:solidFill>
+                      <a:srgbClr val="3A1D00"/>
+                    </a:solidFill>
+                    <a:latin typeface="Arial" panose="020B0604020202020204" pitchFamily="34" charset="0"/>
+                    <a:ea typeface="微软雅黑" panose="020B0503020204020204" pitchFamily="34" charset="-122"/>
+                  </a:defRPr>
+                </a:lvl7pPr>
+                <a:lvl8pPr marL="3429000" indent="-228600" eaLnBrk="0" fontAlgn="base" hangingPunct="0">
+                  <a:spcBef>
+                    <a:spcPct val="20000"/>
+                  </a:spcBef>
+                  <a:spcAft>
+                    <a:spcPct val="0"/>
+                  </a:spcAft>
+                  <a:buChar char="»"/>
+                  <a:defRPr sz="1600">
+                    <a:solidFill>
+                      <a:srgbClr val="3A1D00"/>
+                    </a:solidFill>
+                    <a:latin typeface="Arial" panose="020B0604020202020204" pitchFamily="34" charset="0"/>
+                    <a:ea typeface="微软雅黑" panose="020B0503020204020204" pitchFamily="34" charset="-122"/>
+                  </a:defRPr>
+                </a:lvl8pPr>
+                <a:lvl9pPr marL="3886200" indent="-228600" eaLnBrk="0" fontAlgn="base" hangingPunct="0">
+                  <a:spcBef>
+                    <a:spcPct val="20000"/>
+                  </a:spcBef>
+                  <a:spcAft>
+                    <a:spcPct val="0"/>
+                  </a:spcAft>
+                  <a:buChar char="»"/>
+                  <a:defRPr sz="1600">
+                    <a:solidFill>
+                      <a:srgbClr val="3A1D00"/>
+                    </a:solidFill>
+                    <a:latin typeface="Arial" panose="020B0604020202020204" pitchFamily="34" charset="0"/>
+                    <a:ea typeface="微软雅黑" panose="020B0503020204020204" pitchFamily="34" charset="-122"/>
+                  </a:defRPr>
+                </a:lvl9pPr>
+              </a:lstStyle>
+              <a:p>
+                <a:pPr eaLnBrk="1" hangingPunct="1">
+                  <a:spcBef>
+                    <a:spcPct val="0"/>
+                  </a:spcBef>
+                  <a:buFontTx/>
+                  <a:buNone/>
+                </a:pPr>
+                <a:endParaRPr lang="zh-CN" altLang="zh-CN" sz="1800" b="0">
+                  <a:solidFill>
+                    <a:schemeClr val="tx1"/>
+                  </a:solidFill>
+                  <a:latin typeface="华文新魏" panose="02010800040101010101" pitchFamily="2" charset="-122"/>
+                  <a:ea typeface="宋体" panose="02010600030101010101" pitchFamily="2" charset="-122"/>
+                </a:endParaRPr>
+              </a:p>
+            </p:txBody>
+          </p:sp>
+          <p:sp>
+            <p:nvSpPr>
+              <p:cNvPr id="47" name="AutoShape 29"/>
+              <p:cNvSpPr>
+                <a:spLocks noChangeArrowheads="1"/>
+              </p:cNvSpPr>
+              <p:nvPr/>
+            </p:nvSpPr>
+            <p:spPr bwMode="auto">
+              <a:xfrm>
+                <a:off x="3638381" y="3401056"/>
+                <a:ext cx="202649" cy="202652"/>
+              </a:xfrm>
+              <a:prstGeom prst="flowChartConnector">
+                <a:avLst/>
+              </a:prstGeom>
+              <a:solidFill>
+                <a:srgbClr val="FF0000"/>
+              </a:solidFill>
+              <a:ln w="9525">
+                <a:noFill/>
+                <a:round/>
+                <a:headEnd/>
+                <a:tailEnd/>
+              </a:ln>
+            </p:spPr>
+            <p:txBody>
+              <a:bodyPr wrap="none" anchor="ctr"/>
+              <a:lstStyle>
+                <a:lvl1pPr>
+                  <a:spcBef>
+                    <a:spcPct val="20000"/>
+                  </a:spcBef>
+                  <a:buChar char="•"/>
+                  <a:defRPr sz="2400">
+                    <a:solidFill>
+                      <a:srgbClr val="3A1D00"/>
+                    </a:solidFill>
+                    <a:latin typeface="Arial" panose="020B0604020202020204" pitchFamily="34" charset="0"/>
+                    <a:ea typeface="微软雅黑" panose="020B0503020204020204" pitchFamily="34" charset="-122"/>
+                  </a:defRPr>
+                </a:lvl1pPr>
+                <a:lvl2pPr marL="742950" indent="-285750">
+                  <a:spcBef>
+                    <a:spcPct val="20000"/>
+                  </a:spcBef>
+                  <a:buChar char="–"/>
+                  <a:defRPr sz="2000">
+                    <a:solidFill>
+                      <a:srgbClr val="3A1D00"/>
+                    </a:solidFill>
+                    <a:latin typeface="Arial" panose="020B0604020202020204" pitchFamily="34" charset="0"/>
+                    <a:ea typeface="微软雅黑" panose="020B0503020204020204" pitchFamily="34" charset="-122"/>
+                  </a:defRPr>
+                </a:lvl2pPr>
+                <a:lvl3pPr marL="1143000" indent="-228600">
+                  <a:spcBef>
+                    <a:spcPct val="20000"/>
+                  </a:spcBef>
+                  <a:buChar char="•"/>
+                  <a:defRPr sz="2400">
+                    <a:solidFill>
+                      <a:srgbClr val="3A1D00"/>
+                    </a:solidFill>
+                    <a:latin typeface="Arial" panose="020B0604020202020204" pitchFamily="34" charset="0"/>
+                    <a:ea typeface="微软雅黑" panose="020B0503020204020204" pitchFamily="34" charset="-122"/>
+                  </a:defRPr>
+                </a:lvl3pPr>
+                <a:lvl4pPr marL="1600200" indent="-228600">
+                  <a:spcBef>
+                    <a:spcPct val="20000"/>
+                  </a:spcBef>
+                  <a:buChar char="–"/>
+                  <a:defRPr sz="1600">
+                    <a:solidFill>
+                      <a:srgbClr val="3A1D00"/>
+                    </a:solidFill>
+                    <a:latin typeface="Arial" panose="020B0604020202020204" pitchFamily="34" charset="0"/>
+                    <a:ea typeface="微软雅黑" panose="020B0503020204020204" pitchFamily="34" charset="-122"/>
+                  </a:defRPr>
+                </a:lvl4pPr>
+                <a:lvl5pPr marL="2057400" indent="-228600">
+                  <a:spcBef>
+                    <a:spcPct val="20000"/>
+                  </a:spcBef>
+                  <a:buChar char="»"/>
+                  <a:defRPr sz="1600">
+                    <a:solidFill>
+                      <a:srgbClr val="3A1D00"/>
+                    </a:solidFill>
+                    <a:latin typeface="Arial" panose="020B0604020202020204" pitchFamily="34" charset="0"/>
+                    <a:ea typeface="微软雅黑" panose="020B0503020204020204" pitchFamily="34" charset="-122"/>
+                  </a:defRPr>
+                </a:lvl5pPr>
+                <a:lvl6pPr marL="2514600" indent="-228600" eaLnBrk="0" fontAlgn="base" hangingPunct="0">
+                  <a:spcBef>
+                    <a:spcPct val="20000"/>
+                  </a:spcBef>
+                  <a:spcAft>
+                    <a:spcPct val="0"/>
+                  </a:spcAft>
+                  <a:buChar char="»"/>
+                  <a:defRPr sz="1600">
+                    <a:solidFill>
+                      <a:srgbClr val="3A1D00"/>
+                    </a:solidFill>
+                    <a:latin typeface="Arial" panose="020B0604020202020204" pitchFamily="34" charset="0"/>
+                    <a:ea typeface="微软雅黑" panose="020B0503020204020204" pitchFamily="34" charset="-122"/>
+                  </a:defRPr>
+                </a:lvl6pPr>
+                <a:lvl7pPr marL="2971800" indent="-228600" eaLnBrk="0" fontAlgn="base" hangingPunct="0">
+                  <a:spcBef>
+                    <a:spcPct val="20000"/>
+                  </a:spcBef>
+                  <a:spcAft>
+                    <a:spcPct val="0"/>
+                  </a:spcAft>
+                  <a:buChar char="»"/>
+                  <a:defRPr sz="1600">
+                    <a:solidFill>
+                      <a:srgbClr val="3A1D00"/>
+                    </a:solidFill>
+                    <a:latin typeface="Arial" panose="020B0604020202020204" pitchFamily="34" charset="0"/>
+                    <a:ea typeface="微软雅黑" panose="020B0503020204020204" pitchFamily="34" charset="-122"/>
+                  </a:defRPr>
+                </a:lvl7pPr>
+                <a:lvl8pPr marL="3429000" indent="-228600" eaLnBrk="0" fontAlgn="base" hangingPunct="0">
+                  <a:spcBef>
+                    <a:spcPct val="20000"/>
+                  </a:spcBef>
+                  <a:spcAft>
+                    <a:spcPct val="0"/>
+                  </a:spcAft>
+                  <a:buChar char="»"/>
+                  <a:defRPr sz="1600">
+                    <a:solidFill>
+                      <a:srgbClr val="3A1D00"/>
+                    </a:solidFill>
+                    <a:latin typeface="Arial" panose="020B0604020202020204" pitchFamily="34" charset="0"/>
+                    <a:ea typeface="微软雅黑" panose="020B0503020204020204" pitchFamily="34" charset="-122"/>
+                  </a:defRPr>
+                </a:lvl8pPr>
+                <a:lvl9pPr marL="3886200" indent="-228600" eaLnBrk="0" fontAlgn="base" hangingPunct="0">
+                  <a:spcBef>
+                    <a:spcPct val="20000"/>
+                  </a:spcBef>
+                  <a:spcAft>
+                    <a:spcPct val="0"/>
+                  </a:spcAft>
+                  <a:buChar char="»"/>
+                  <a:defRPr sz="1600">
+                    <a:solidFill>
+                      <a:srgbClr val="3A1D00"/>
+                    </a:solidFill>
+                    <a:latin typeface="Arial" panose="020B0604020202020204" pitchFamily="34" charset="0"/>
+                    <a:ea typeface="微软雅黑" panose="020B0503020204020204" pitchFamily="34" charset="-122"/>
+                  </a:defRPr>
+                </a:lvl9pPr>
+              </a:lstStyle>
+              <a:p>
+                <a:pPr eaLnBrk="1" hangingPunct="1">
+                  <a:spcBef>
+                    <a:spcPct val="0"/>
+                  </a:spcBef>
+                  <a:buFontTx/>
+                  <a:buNone/>
+                </a:pPr>
+                <a:endParaRPr lang="zh-CN" altLang="zh-CN" sz="1800" b="0">
+                  <a:solidFill>
+                    <a:schemeClr val="tx1"/>
+                  </a:solidFill>
+                  <a:latin typeface="华文新魏" panose="02010800040101010101" pitchFamily="2" charset="-122"/>
+                  <a:ea typeface="宋体" panose="02010600030101010101" pitchFamily="2" charset="-122"/>
+                </a:endParaRPr>
+              </a:p>
+            </p:txBody>
+          </p:sp>
+          <p:sp>
+            <p:nvSpPr>
+              <p:cNvPr id="48" name="AutoShape 29"/>
+              <p:cNvSpPr>
+                <a:spLocks noChangeArrowheads="1"/>
+              </p:cNvSpPr>
+              <p:nvPr/>
+            </p:nvSpPr>
+            <p:spPr bwMode="auto">
+              <a:xfrm>
+                <a:off x="793853" y="4586249"/>
+                <a:ext cx="202649" cy="202652"/>
+              </a:xfrm>
+              <a:prstGeom prst="flowChartConnector">
+                <a:avLst/>
+              </a:prstGeom>
+              <a:solidFill>
+                <a:srgbClr val="FF0000"/>
+              </a:solidFill>
+              <a:ln w="9525">
+                <a:noFill/>
+                <a:round/>
+                <a:headEnd/>
+                <a:tailEnd/>
+              </a:ln>
+            </p:spPr>
+            <p:txBody>
+              <a:bodyPr wrap="none" anchor="ctr"/>
+              <a:lstStyle>
+                <a:lvl1pPr>
+                  <a:spcBef>
+                    <a:spcPct val="20000"/>
+                  </a:spcBef>
+                  <a:buChar char="•"/>
+                  <a:defRPr sz="2400">
+                    <a:solidFill>
+                      <a:srgbClr val="3A1D00"/>
+                    </a:solidFill>
+                    <a:latin typeface="Arial" panose="020B0604020202020204" pitchFamily="34" charset="0"/>
+                    <a:ea typeface="微软雅黑" panose="020B0503020204020204" pitchFamily="34" charset="-122"/>
+                  </a:defRPr>
+                </a:lvl1pPr>
+                <a:lvl2pPr marL="742950" indent="-285750">
+                  <a:spcBef>
+                    <a:spcPct val="20000"/>
+                  </a:spcBef>
+                  <a:buChar char="–"/>
+                  <a:defRPr sz="2000">
+                    <a:solidFill>
+                      <a:srgbClr val="3A1D00"/>
+                    </a:solidFill>
+                    <a:latin typeface="Arial" panose="020B0604020202020204" pitchFamily="34" charset="0"/>
+                    <a:ea typeface="微软雅黑" panose="020B0503020204020204" pitchFamily="34" charset="-122"/>
+                  </a:defRPr>
+                </a:lvl2pPr>
+                <a:lvl3pPr marL="1143000" indent="-228600">
+                  <a:spcBef>
+                    <a:spcPct val="20000"/>
+                  </a:spcBef>
+                  <a:buChar char="•"/>
+                  <a:defRPr sz="2400">
+                    <a:solidFill>
+                      <a:srgbClr val="3A1D00"/>
+                    </a:solidFill>
+                    <a:latin typeface="Arial" panose="020B0604020202020204" pitchFamily="34" charset="0"/>
+                    <a:ea typeface="微软雅黑" panose="020B0503020204020204" pitchFamily="34" charset="-122"/>
+                  </a:defRPr>
+                </a:lvl3pPr>
+                <a:lvl4pPr marL="1600200" indent="-228600">
+                  <a:spcBef>
+                    <a:spcPct val="20000"/>
+                  </a:spcBef>
+                  <a:buChar char="–"/>
+                  <a:defRPr sz="1600">
+                    <a:solidFill>
+                      <a:srgbClr val="3A1D00"/>
+                    </a:solidFill>
+                    <a:latin typeface="Arial" panose="020B0604020202020204" pitchFamily="34" charset="0"/>
+                    <a:ea typeface="微软雅黑" panose="020B0503020204020204" pitchFamily="34" charset="-122"/>
+                  </a:defRPr>
+                </a:lvl4pPr>
+                <a:lvl5pPr marL="2057400" indent="-228600">
+                  <a:spcBef>
+                    <a:spcPct val="20000"/>
+                  </a:spcBef>
+                  <a:buChar char="»"/>
+                  <a:defRPr sz="1600">
+                    <a:solidFill>
+                      <a:srgbClr val="3A1D00"/>
+                    </a:solidFill>
+                    <a:latin typeface="Arial" panose="020B0604020202020204" pitchFamily="34" charset="0"/>
+                    <a:ea typeface="微软雅黑" panose="020B0503020204020204" pitchFamily="34" charset="-122"/>
+                  </a:defRPr>
+                </a:lvl5pPr>
+                <a:lvl6pPr marL="2514600" indent="-228600" eaLnBrk="0" fontAlgn="base" hangingPunct="0">
+                  <a:spcBef>
+                    <a:spcPct val="20000"/>
+                  </a:spcBef>
+                  <a:spcAft>
+                    <a:spcPct val="0"/>
+                  </a:spcAft>
+                  <a:buChar char="»"/>
+                  <a:defRPr sz="1600">
+                    <a:solidFill>
+                      <a:srgbClr val="3A1D00"/>
+                    </a:solidFill>
+                    <a:latin typeface="Arial" panose="020B0604020202020204" pitchFamily="34" charset="0"/>
+                    <a:ea typeface="微软雅黑" panose="020B0503020204020204" pitchFamily="34" charset="-122"/>
+                  </a:defRPr>
+                </a:lvl6pPr>
+                <a:lvl7pPr marL="2971800" indent="-228600" eaLnBrk="0" fontAlgn="base" hangingPunct="0">
+                  <a:spcBef>
+                    <a:spcPct val="20000"/>
+                  </a:spcBef>
+                  <a:spcAft>
+                    <a:spcPct val="0"/>
+                  </a:spcAft>
+                  <a:buChar char="»"/>
+                  <a:defRPr sz="1600">
+                    <a:solidFill>
+                      <a:srgbClr val="3A1D00"/>
+                    </a:solidFill>
+                    <a:latin typeface="Arial" panose="020B0604020202020204" pitchFamily="34" charset="0"/>
+                    <a:ea typeface="微软雅黑" panose="020B0503020204020204" pitchFamily="34" charset="-122"/>
+                  </a:defRPr>
+                </a:lvl7pPr>
+                <a:lvl8pPr marL="3429000" indent="-228600" eaLnBrk="0" fontAlgn="base" hangingPunct="0">
+                  <a:spcBef>
+                    <a:spcPct val="20000"/>
+                  </a:spcBef>
+                  <a:spcAft>
+                    <a:spcPct val="0"/>
+                  </a:spcAft>
+                  <a:buChar char="»"/>
+                  <a:defRPr sz="1600">
+                    <a:solidFill>
+                      <a:srgbClr val="3A1D00"/>
+                    </a:solidFill>
+                    <a:latin typeface="Arial" panose="020B0604020202020204" pitchFamily="34" charset="0"/>
+                    <a:ea typeface="微软雅黑" panose="020B0503020204020204" pitchFamily="34" charset="-122"/>
+                  </a:defRPr>
+                </a:lvl8pPr>
+                <a:lvl9pPr marL="3886200" indent="-228600" eaLnBrk="0" fontAlgn="base" hangingPunct="0">
+                  <a:spcBef>
+                    <a:spcPct val="20000"/>
+                  </a:spcBef>
+                  <a:spcAft>
+                    <a:spcPct val="0"/>
+                  </a:spcAft>
+                  <a:buChar char="»"/>
+                  <a:defRPr sz="1600">
+                    <a:solidFill>
+                      <a:srgbClr val="3A1D00"/>
+                    </a:solidFill>
+                    <a:latin typeface="Arial" panose="020B0604020202020204" pitchFamily="34" charset="0"/>
+                    <a:ea typeface="微软雅黑" panose="020B0503020204020204" pitchFamily="34" charset="-122"/>
+                  </a:defRPr>
+                </a:lvl9pPr>
+              </a:lstStyle>
+              <a:p>
+                <a:pPr eaLnBrk="1" hangingPunct="1">
+                  <a:spcBef>
+                    <a:spcPct val="0"/>
+                  </a:spcBef>
+                  <a:buFontTx/>
+                  <a:buNone/>
+                </a:pPr>
+                <a:endParaRPr lang="zh-CN" altLang="zh-CN" sz="1800" b="0">
+                  <a:solidFill>
+                    <a:schemeClr val="tx1"/>
+                  </a:solidFill>
+                  <a:latin typeface="华文新魏" panose="02010800040101010101" pitchFamily="2" charset="-122"/>
+                  <a:ea typeface="宋体" panose="02010600030101010101" pitchFamily="2" charset="-122"/>
+                </a:endParaRPr>
+              </a:p>
+            </p:txBody>
+          </p:sp>
+          <p:sp>
+            <p:nvSpPr>
+              <p:cNvPr id="49" name="AutoShape 29"/>
+              <p:cNvSpPr>
+                <a:spLocks noChangeArrowheads="1"/>
+              </p:cNvSpPr>
+              <p:nvPr/>
+            </p:nvSpPr>
+            <p:spPr bwMode="auto">
+              <a:xfrm>
+                <a:off x="2198169" y="3309612"/>
+                <a:ext cx="202649" cy="202652"/>
+              </a:xfrm>
+              <a:prstGeom prst="flowChartConnector">
+                <a:avLst/>
+              </a:prstGeom>
+              <a:solidFill>
+                <a:srgbClr val="FF0000"/>
+              </a:solidFill>
+              <a:ln w="9525">
+                <a:noFill/>
+                <a:round/>
+                <a:headEnd/>
+                <a:tailEnd/>
+              </a:ln>
+            </p:spPr>
+            <p:txBody>
+              <a:bodyPr wrap="none" anchor="ctr"/>
+              <a:lstStyle>
+                <a:lvl1pPr>
+                  <a:spcBef>
+                    <a:spcPct val="20000"/>
+                  </a:spcBef>
+                  <a:buChar char="•"/>
+                  <a:defRPr sz="2400">
+                    <a:solidFill>
+                      <a:srgbClr val="3A1D00"/>
+                    </a:solidFill>
+                    <a:latin typeface="Arial" panose="020B0604020202020204" pitchFamily="34" charset="0"/>
+                    <a:ea typeface="微软雅黑" panose="020B0503020204020204" pitchFamily="34" charset="-122"/>
+                  </a:defRPr>
+                </a:lvl1pPr>
+                <a:lvl2pPr marL="742950" indent="-285750">
+                  <a:spcBef>
+                    <a:spcPct val="20000"/>
+                  </a:spcBef>
+                  <a:buChar char="–"/>
+                  <a:defRPr sz="2000">
+                    <a:solidFill>
+                      <a:srgbClr val="3A1D00"/>
+                    </a:solidFill>
+                    <a:latin typeface="Arial" panose="020B0604020202020204" pitchFamily="34" charset="0"/>
+                    <a:ea typeface="微软雅黑" panose="020B0503020204020204" pitchFamily="34" charset="-122"/>
+                  </a:defRPr>
+                </a:lvl2pPr>
+                <a:lvl3pPr marL="1143000" indent="-228600">
+                  <a:spcBef>
+                    <a:spcPct val="20000"/>
+                  </a:spcBef>
+                  <a:buChar char="•"/>
+                  <a:defRPr sz="2400">
+                    <a:solidFill>
+                      <a:srgbClr val="3A1D00"/>
+                    </a:solidFill>
+                    <a:latin typeface="Arial" panose="020B0604020202020204" pitchFamily="34" charset="0"/>
+                    <a:ea typeface="微软雅黑" panose="020B0503020204020204" pitchFamily="34" charset="-122"/>
+                  </a:defRPr>
+                </a:lvl3pPr>
+                <a:lvl4pPr marL="1600200" indent="-228600">
+                  <a:spcBef>
+                    <a:spcPct val="20000"/>
+                  </a:spcBef>
+                  <a:buChar char="–"/>
+                  <a:defRPr sz="1600">
+                    <a:solidFill>
+                      <a:srgbClr val="3A1D00"/>
+                    </a:solidFill>
+                    <a:latin typeface="Arial" panose="020B0604020202020204" pitchFamily="34" charset="0"/>
+                    <a:ea typeface="微软雅黑" panose="020B0503020204020204" pitchFamily="34" charset="-122"/>
+                  </a:defRPr>
+                </a:lvl4pPr>
+                <a:lvl5pPr marL="2057400" indent="-228600">
+                  <a:spcBef>
+                    <a:spcPct val="20000"/>
+                  </a:spcBef>
+                  <a:buChar char="»"/>
+                  <a:defRPr sz="1600">
+                    <a:solidFill>
+                      <a:srgbClr val="3A1D00"/>
+                    </a:solidFill>
+                    <a:latin typeface="Arial" panose="020B0604020202020204" pitchFamily="34" charset="0"/>
+                    <a:ea typeface="微软雅黑" panose="020B0503020204020204" pitchFamily="34" charset="-122"/>
+                  </a:defRPr>
+                </a:lvl5pPr>
+                <a:lvl6pPr marL="2514600" indent="-228600" eaLnBrk="0" fontAlgn="base" hangingPunct="0">
+                  <a:spcBef>
+                    <a:spcPct val="20000"/>
+                  </a:spcBef>
+                  <a:spcAft>
+                    <a:spcPct val="0"/>
+                  </a:spcAft>
+                  <a:buChar char="»"/>
+                  <a:defRPr sz="1600">
+                    <a:solidFill>
+                      <a:srgbClr val="3A1D00"/>
+                    </a:solidFill>
+                    <a:latin typeface="Arial" panose="020B0604020202020204" pitchFamily="34" charset="0"/>
+                    <a:ea typeface="微软雅黑" panose="020B0503020204020204" pitchFamily="34" charset="-122"/>
+                  </a:defRPr>
+                </a:lvl6pPr>
+                <a:lvl7pPr marL="2971800" indent="-228600" eaLnBrk="0" fontAlgn="base" hangingPunct="0">
+                  <a:spcBef>
+                    <a:spcPct val="20000"/>
+                  </a:spcBef>
+                  <a:spcAft>
+                    <a:spcPct val="0"/>
+                  </a:spcAft>
+                  <a:buChar char="»"/>
+                  <a:defRPr sz="1600">
+                    <a:solidFill>
+                      <a:srgbClr val="3A1D00"/>
+                    </a:solidFill>
+                    <a:latin typeface="Arial" panose="020B0604020202020204" pitchFamily="34" charset="0"/>
+                    <a:ea typeface="微软雅黑" panose="020B0503020204020204" pitchFamily="34" charset="-122"/>
+                  </a:defRPr>
+                </a:lvl7pPr>
+                <a:lvl8pPr marL="3429000" indent="-228600" eaLnBrk="0" fontAlgn="base" hangingPunct="0">
+                  <a:spcBef>
+                    <a:spcPct val="20000"/>
+                  </a:spcBef>
+                  <a:spcAft>
+                    <a:spcPct val="0"/>
+                  </a:spcAft>
+                  <a:buChar char="»"/>
+                  <a:defRPr sz="1600">
+                    <a:solidFill>
+                      <a:srgbClr val="3A1D00"/>
+                    </a:solidFill>
+                    <a:latin typeface="Arial" panose="020B0604020202020204" pitchFamily="34" charset="0"/>
+                    <a:ea typeface="微软雅黑" panose="020B0503020204020204" pitchFamily="34" charset="-122"/>
+                  </a:defRPr>
+                </a:lvl8pPr>
+                <a:lvl9pPr marL="3886200" indent="-228600" eaLnBrk="0" fontAlgn="base" hangingPunct="0">
+                  <a:spcBef>
+                    <a:spcPct val="20000"/>
+                  </a:spcBef>
+                  <a:spcAft>
+                    <a:spcPct val="0"/>
+                  </a:spcAft>
+                  <a:buChar char="»"/>
+                  <a:defRPr sz="1600">
+                    <a:solidFill>
+                      <a:srgbClr val="3A1D00"/>
+                    </a:solidFill>
+                    <a:latin typeface="Arial" panose="020B0604020202020204" pitchFamily="34" charset="0"/>
+                    <a:ea typeface="微软雅黑" panose="020B0503020204020204" pitchFamily="34" charset="-122"/>
+                  </a:defRPr>
+                </a:lvl9pPr>
+              </a:lstStyle>
+              <a:p>
+                <a:pPr eaLnBrk="1" hangingPunct="1">
+                  <a:spcBef>
+                    <a:spcPct val="0"/>
+                  </a:spcBef>
+                  <a:buFontTx/>
+                  <a:buNone/>
+                </a:pPr>
+                <a:endParaRPr lang="zh-CN" altLang="zh-CN" sz="1800" b="0">
+                  <a:solidFill>
+                    <a:schemeClr val="tx1"/>
+                  </a:solidFill>
+                  <a:latin typeface="华文新魏" panose="02010800040101010101" pitchFamily="2" charset="-122"/>
+                  <a:ea typeface="宋体" panose="02010600030101010101" pitchFamily="2" charset="-122"/>
+                </a:endParaRPr>
+              </a:p>
+            </p:txBody>
+          </p:sp>
+          <p:sp>
+            <p:nvSpPr>
+              <p:cNvPr id="50" name="AutoShape 29"/>
+              <p:cNvSpPr>
+                <a:spLocks noChangeArrowheads="1"/>
+              </p:cNvSpPr>
+              <p:nvPr/>
+            </p:nvSpPr>
+            <p:spPr bwMode="auto">
+              <a:xfrm>
+                <a:off x="1667936" y="4291422"/>
+                <a:ext cx="202649" cy="202652"/>
+              </a:xfrm>
+              <a:prstGeom prst="flowChartConnector">
+                <a:avLst/>
+              </a:prstGeom>
+              <a:solidFill>
+                <a:srgbClr val="FF0000"/>
+              </a:solidFill>
+              <a:ln w="9525">
+                <a:noFill/>
+                <a:round/>
+                <a:headEnd/>
+                <a:tailEnd/>
+              </a:ln>
+            </p:spPr>
+            <p:txBody>
+              <a:bodyPr wrap="none" anchor="ctr"/>
+              <a:lstStyle>
+                <a:lvl1pPr>
+                  <a:spcBef>
+                    <a:spcPct val="20000"/>
+                  </a:spcBef>
+                  <a:buChar char="•"/>
+                  <a:defRPr sz="2400">
+                    <a:solidFill>
+                      <a:srgbClr val="3A1D00"/>
+                    </a:solidFill>
+                    <a:latin typeface="Arial" panose="020B0604020202020204" pitchFamily="34" charset="0"/>
+                    <a:ea typeface="微软雅黑" panose="020B0503020204020204" pitchFamily="34" charset="-122"/>
+                  </a:defRPr>
+                </a:lvl1pPr>
+                <a:lvl2pPr marL="742950" indent="-285750">
+                  <a:spcBef>
+                    <a:spcPct val="20000"/>
+                  </a:spcBef>
+                  <a:buChar char="–"/>
+                  <a:defRPr sz="2000">
+                    <a:solidFill>
+                      <a:srgbClr val="3A1D00"/>
+                    </a:solidFill>
+                    <a:latin typeface="Arial" panose="020B0604020202020204" pitchFamily="34" charset="0"/>
+                    <a:ea typeface="微软雅黑" panose="020B0503020204020204" pitchFamily="34" charset="-122"/>
+                  </a:defRPr>
+                </a:lvl2pPr>
+                <a:lvl3pPr marL="1143000" indent="-228600">
+                  <a:spcBef>
+                    <a:spcPct val="20000"/>
+                  </a:spcBef>
+                  <a:buChar char="•"/>
+                  <a:defRPr sz="2400">
+                    <a:solidFill>
+                      <a:srgbClr val="3A1D00"/>
+                    </a:solidFill>
+                    <a:latin typeface="Arial" panose="020B0604020202020204" pitchFamily="34" charset="0"/>
+                    <a:ea typeface="微软雅黑" panose="020B0503020204020204" pitchFamily="34" charset="-122"/>
+                  </a:defRPr>
+                </a:lvl3pPr>
+                <a:lvl4pPr marL="1600200" indent="-228600">
+                  <a:spcBef>
+                    <a:spcPct val="20000"/>
+                  </a:spcBef>
+                  <a:buChar char="–"/>
+                  <a:defRPr sz="1600">
+                    <a:solidFill>
+                      <a:srgbClr val="3A1D00"/>
+                    </a:solidFill>
+                    <a:latin typeface="Arial" panose="020B0604020202020204" pitchFamily="34" charset="0"/>
+                    <a:ea typeface="微软雅黑" panose="020B0503020204020204" pitchFamily="34" charset="-122"/>
+                  </a:defRPr>
+                </a:lvl4pPr>
+                <a:lvl5pPr marL="2057400" indent="-228600">
+                  <a:spcBef>
+                    <a:spcPct val="20000"/>
+                  </a:spcBef>
+                  <a:buChar char="»"/>
+                  <a:defRPr sz="1600">
+                    <a:solidFill>
+                      <a:srgbClr val="3A1D00"/>
+                    </a:solidFill>
+                    <a:latin typeface="Arial" panose="020B0604020202020204" pitchFamily="34" charset="0"/>
+                    <a:ea typeface="微软雅黑" panose="020B0503020204020204" pitchFamily="34" charset="-122"/>
+                  </a:defRPr>
+                </a:lvl5pPr>
+                <a:lvl6pPr marL="2514600" indent="-228600" eaLnBrk="0" fontAlgn="base" hangingPunct="0">
+                  <a:spcBef>
+                    <a:spcPct val="20000"/>
+                  </a:spcBef>
+                  <a:spcAft>
+                    <a:spcPct val="0"/>
+                  </a:spcAft>
+                  <a:buChar char="»"/>
+                  <a:defRPr sz="1600">
+                    <a:solidFill>
+                      <a:srgbClr val="3A1D00"/>
+                    </a:solidFill>
+                    <a:latin typeface="Arial" panose="020B0604020202020204" pitchFamily="34" charset="0"/>
+                    <a:ea typeface="微软雅黑" panose="020B0503020204020204" pitchFamily="34" charset="-122"/>
+                  </a:defRPr>
+                </a:lvl6pPr>
+                <a:lvl7pPr marL="2971800" indent="-228600" eaLnBrk="0" fontAlgn="base" hangingPunct="0">
+                  <a:spcBef>
+                    <a:spcPct val="20000"/>
+                  </a:spcBef>
+                  <a:spcAft>
+                    <a:spcPct val="0"/>
+                  </a:spcAft>
+                  <a:buChar char="»"/>
+                  <a:defRPr sz="1600">
+                    <a:solidFill>
+                      <a:srgbClr val="3A1D00"/>
+                    </a:solidFill>
+                    <a:latin typeface="Arial" panose="020B0604020202020204" pitchFamily="34" charset="0"/>
+                    <a:ea typeface="微软雅黑" panose="020B0503020204020204" pitchFamily="34" charset="-122"/>
+                  </a:defRPr>
+                </a:lvl7pPr>
+                <a:lvl8pPr marL="3429000" indent="-228600" eaLnBrk="0" fontAlgn="base" hangingPunct="0">
+                  <a:spcBef>
+                    <a:spcPct val="20000"/>
+                  </a:spcBef>
+                  <a:spcAft>
+                    <a:spcPct val="0"/>
+                  </a:spcAft>
+                  <a:buChar char="»"/>
+                  <a:defRPr sz="1600">
+                    <a:solidFill>
+                      <a:srgbClr val="3A1D00"/>
+                    </a:solidFill>
+                    <a:latin typeface="Arial" panose="020B0604020202020204" pitchFamily="34" charset="0"/>
+                    <a:ea typeface="微软雅黑" panose="020B0503020204020204" pitchFamily="34" charset="-122"/>
+                  </a:defRPr>
+                </a:lvl8pPr>
+                <a:lvl9pPr marL="3886200" indent="-228600" eaLnBrk="0" fontAlgn="base" hangingPunct="0">
+                  <a:spcBef>
+                    <a:spcPct val="20000"/>
+                  </a:spcBef>
+                  <a:spcAft>
+                    <a:spcPct val="0"/>
+                  </a:spcAft>
+                  <a:buChar char="»"/>
+                  <a:defRPr sz="1600">
+                    <a:solidFill>
+                      <a:srgbClr val="3A1D00"/>
+                    </a:solidFill>
+                    <a:latin typeface="Arial" panose="020B0604020202020204" pitchFamily="34" charset="0"/>
+                    <a:ea typeface="微软雅黑" panose="020B0503020204020204" pitchFamily="34" charset="-122"/>
+                  </a:defRPr>
+                </a:lvl9pPr>
+              </a:lstStyle>
+              <a:p>
+                <a:pPr eaLnBrk="1" hangingPunct="1">
+                  <a:spcBef>
+                    <a:spcPct val="0"/>
+                  </a:spcBef>
+                  <a:buFontTx/>
+                  <a:buNone/>
+                </a:pPr>
+                <a:endParaRPr lang="zh-CN" altLang="zh-CN" sz="1800" b="0">
+                  <a:solidFill>
+                    <a:schemeClr val="tx1"/>
+                  </a:solidFill>
+                  <a:latin typeface="华文新魏" panose="02010800040101010101" pitchFamily="2" charset="-122"/>
+                  <a:ea typeface="宋体" panose="02010600030101010101" pitchFamily="2" charset="-122"/>
+                </a:endParaRPr>
+              </a:p>
+            </p:txBody>
+          </p:sp>
+          <p:sp>
+            <p:nvSpPr>
+              <p:cNvPr id="51" name="AutoShape 29"/>
+              <p:cNvSpPr>
+                <a:spLocks noChangeArrowheads="1"/>
+              </p:cNvSpPr>
+              <p:nvPr/>
+            </p:nvSpPr>
+            <p:spPr bwMode="auto">
+              <a:xfrm>
+                <a:off x="4806796" y="4819154"/>
+                <a:ext cx="202649" cy="202652"/>
+              </a:xfrm>
+              <a:prstGeom prst="flowChartConnector">
+                <a:avLst/>
+              </a:prstGeom>
+              <a:solidFill>
+                <a:srgbClr val="FF0000"/>
+              </a:solidFill>
+              <a:ln w="9525">
+                <a:noFill/>
+                <a:round/>
+                <a:headEnd/>
+                <a:tailEnd/>
+              </a:ln>
+            </p:spPr>
+            <p:txBody>
+              <a:bodyPr wrap="none" anchor="ctr"/>
+              <a:lstStyle>
+                <a:lvl1pPr>
+                  <a:spcBef>
+                    <a:spcPct val="20000"/>
+                  </a:spcBef>
+                  <a:buChar char="•"/>
+                  <a:defRPr sz="2400">
+                    <a:solidFill>
+                      <a:srgbClr val="3A1D00"/>
+                    </a:solidFill>
+                    <a:latin typeface="Arial" panose="020B0604020202020204" pitchFamily="34" charset="0"/>
+                    <a:ea typeface="微软雅黑" panose="020B0503020204020204" pitchFamily="34" charset="-122"/>
+                  </a:defRPr>
+                </a:lvl1pPr>
+                <a:lvl2pPr marL="742950" indent="-285750">
+                  <a:spcBef>
+                    <a:spcPct val="20000"/>
+                  </a:spcBef>
+                  <a:buChar char="–"/>
+                  <a:defRPr sz="2000">
+                    <a:solidFill>
+                      <a:srgbClr val="3A1D00"/>
+                    </a:solidFill>
+                    <a:latin typeface="Arial" panose="020B0604020202020204" pitchFamily="34" charset="0"/>
+                    <a:ea typeface="微软雅黑" panose="020B0503020204020204" pitchFamily="34" charset="-122"/>
+                  </a:defRPr>
+                </a:lvl2pPr>
+                <a:lvl3pPr marL="1143000" indent="-228600">
+                  <a:spcBef>
+                    <a:spcPct val="20000"/>
+                  </a:spcBef>
+                  <a:buChar char="•"/>
+                  <a:defRPr sz="2400">
+                    <a:solidFill>
+                      <a:srgbClr val="3A1D00"/>
+                    </a:solidFill>
+                    <a:latin typeface="Arial" panose="020B0604020202020204" pitchFamily="34" charset="0"/>
+                    <a:ea typeface="微软雅黑" panose="020B0503020204020204" pitchFamily="34" charset="-122"/>
+                  </a:defRPr>
+                </a:lvl3pPr>
+                <a:lvl4pPr marL="1600200" indent="-228600">
+                  <a:spcBef>
+                    <a:spcPct val="20000"/>
+                  </a:spcBef>
+                  <a:buChar char="–"/>
+                  <a:defRPr sz="1600">
+                    <a:solidFill>
+                      <a:srgbClr val="3A1D00"/>
+                    </a:solidFill>
+                    <a:latin typeface="Arial" panose="020B0604020202020204" pitchFamily="34" charset="0"/>
+                    <a:ea typeface="微软雅黑" panose="020B0503020204020204" pitchFamily="34" charset="-122"/>
+                  </a:defRPr>
+                </a:lvl4pPr>
+                <a:lvl5pPr marL="2057400" indent="-228600">
+                  <a:spcBef>
+                    <a:spcPct val="20000"/>
+                  </a:spcBef>
+                  <a:buChar char="»"/>
+                  <a:defRPr sz="1600">
+                    <a:solidFill>
+                      <a:srgbClr val="3A1D00"/>
+                    </a:solidFill>
+                    <a:latin typeface="Arial" panose="020B0604020202020204" pitchFamily="34" charset="0"/>
+                    <a:ea typeface="微软雅黑" panose="020B0503020204020204" pitchFamily="34" charset="-122"/>
+                  </a:defRPr>
+                </a:lvl5pPr>
+                <a:lvl6pPr marL="2514600" indent="-228600" eaLnBrk="0" fontAlgn="base" hangingPunct="0">
+                  <a:spcBef>
+                    <a:spcPct val="20000"/>
+                  </a:spcBef>
+                  <a:spcAft>
+                    <a:spcPct val="0"/>
+                  </a:spcAft>
+                  <a:buChar char="»"/>
+                  <a:defRPr sz="1600">
+                    <a:solidFill>
+                      <a:srgbClr val="3A1D00"/>
+                    </a:solidFill>
+                    <a:latin typeface="Arial" panose="020B0604020202020204" pitchFamily="34" charset="0"/>
+                    <a:ea typeface="微软雅黑" panose="020B0503020204020204" pitchFamily="34" charset="-122"/>
+                  </a:defRPr>
+                </a:lvl6pPr>
+                <a:lvl7pPr marL="2971800" indent="-228600" eaLnBrk="0" fontAlgn="base" hangingPunct="0">
+                  <a:spcBef>
+                    <a:spcPct val="20000"/>
+                  </a:spcBef>
+                  <a:spcAft>
+                    <a:spcPct val="0"/>
+                  </a:spcAft>
+                  <a:buChar char="»"/>
+                  <a:defRPr sz="1600">
+                    <a:solidFill>
+                      <a:srgbClr val="3A1D00"/>
+                    </a:solidFill>
+                    <a:latin typeface="Arial" panose="020B0604020202020204" pitchFamily="34" charset="0"/>
+                    <a:ea typeface="微软雅黑" panose="020B0503020204020204" pitchFamily="34" charset="-122"/>
+                  </a:defRPr>
+                </a:lvl7pPr>
+                <a:lvl8pPr marL="3429000" indent="-228600" eaLnBrk="0" fontAlgn="base" hangingPunct="0">
+                  <a:spcBef>
+                    <a:spcPct val="20000"/>
+                  </a:spcBef>
+                  <a:spcAft>
+                    <a:spcPct val="0"/>
+                  </a:spcAft>
+                  <a:buChar char="»"/>
+                  <a:defRPr sz="1600">
+                    <a:solidFill>
+                      <a:srgbClr val="3A1D00"/>
+                    </a:solidFill>
+                    <a:latin typeface="Arial" panose="020B0604020202020204" pitchFamily="34" charset="0"/>
+                    <a:ea typeface="微软雅黑" panose="020B0503020204020204" pitchFamily="34" charset="-122"/>
+                  </a:defRPr>
+                </a:lvl8pPr>
+                <a:lvl9pPr marL="3886200" indent="-228600" eaLnBrk="0" fontAlgn="base" hangingPunct="0">
+                  <a:spcBef>
+                    <a:spcPct val="20000"/>
+                  </a:spcBef>
+                  <a:spcAft>
+                    <a:spcPct val="0"/>
+                  </a:spcAft>
+                  <a:buChar char="»"/>
+                  <a:defRPr sz="1600">
+                    <a:solidFill>
+                      <a:srgbClr val="3A1D00"/>
+                    </a:solidFill>
+                    <a:latin typeface="Arial" panose="020B0604020202020204" pitchFamily="34" charset="0"/>
+                    <a:ea typeface="微软雅黑" panose="020B0503020204020204" pitchFamily="34" charset="-122"/>
+                  </a:defRPr>
+                </a:lvl9pPr>
+              </a:lstStyle>
+              <a:p>
+                <a:pPr eaLnBrk="1" hangingPunct="1">
+                  <a:spcBef>
+                    <a:spcPct val="0"/>
+                  </a:spcBef>
+                  <a:buFontTx/>
+                  <a:buNone/>
+                </a:pPr>
+                <a:endParaRPr lang="zh-CN" altLang="zh-CN" sz="1800" b="0">
+                  <a:solidFill>
+                    <a:schemeClr val="tx1"/>
+                  </a:solidFill>
+                  <a:latin typeface="华文新魏" panose="02010800040101010101" pitchFamily="2" charset="-122"/>
+                  <a:ea typeface="宋体" panose="02010600030101010101" pitchFamily="2" charset="-122"/>
+                </a:endParaRPr>
+              </a:p>
+            </p:txBody>
+          </p:sp>
+        </p:grpSp>
+        <p:sp>
+          <p:nvSpPr>
+            <p:cNvPr id="36" name="文本框 35"/>
+            <p:cNvSpPr txBox="1"/>
+            <p:nvPr/>
+          </p:nvSpPr>
+          <p:spPr>
+            <a:xfrm>
+              <a:off x="2192870" y="5692527"/>
+              <a:ext cx="498985" cy="369332"/>
+            </a:xfrm>
+            <a:prstGeom prst="rect">
+              <a:avLst/>
+            </a:prstGeom>
+            <a:noFill/>
+          </p:spPr>
+          <p:txBody>
+            <a:bodyPr wrap="square" rtlCol="0">
+              <a:spAutoFit/>
+            </a:bodyPr>
+            <a:lstStyle/>
+            <a:p>
+              <a:r>
+                <a:rPr lang="en-US" altLang="zh-CN" dirty="0" smtClean="0"/>
+                <a:t>p</a:t>
+              </a:r>
+              <a:r>
+                <a:rPr lang="en-US" altLang="zh-CN" baseline="-25000" dirty="0" smtClean="0"/>
+                <a:t>1</a:t>
+              </a:r>
+              <a:endParaRPr lang="zh-CN" altLang="en-US" baseline="-25000" dirty="0"/>
+            </a:p>
+          </p:txBody>
+        </p:sp>
+        <p:sp>
+          <p:nvSpPr>
+            <p:cNvPr id="37" name="文本框 36"/>
+            <p:cNvSpPr txBox="1"/>
+            <p:nvPr/>
+          </p:nvSpPr>
+          <p:spPr>
+            <a:xfrm>
+              <a:off x="4329303" y="5080596"/>
+              <a:ext cx="498985" cy="369332"/>
+            </a:xfrm>
+            <a:prstGeom prst="rect">
+              <a:avLst/>
+            </a:prstGeom>
+            <a:noFill/>
+          </p:spPr>
+          <p:txBody>
+            <a:bodyPr wrap="square" rtlCol="0">
+              <a:spAutoFit/>
+            </a:bodyPr>
+            <a:lstStyle/>
+            <a:p>
+              <a:r>
+                <a:rPr lang="en-US" altLang="zh-CN" dirty="0" smtClean="0"/>
+                <a:t>p</a:t>
+              </a:r>
+              <a:r>
+                <a:rPr lang="en-US" altLang="zh-CN" baseline="-25000" dirty="0" smtClean="0"/>
+                <a:t>2</a:t>
+              </a:r>
+              <a:endParaRPr lang="zh-CN" altLang="en-US" baseline="-25000" dirty="0"/>
+            </a:p>
+          </p:txBody>
+        </p:sp>
+        <p:sp>
+          <p:nvSpPr>
+            <p:cNvPr id="38" name="文本框 37"/>
+            <p:cNvSpPr txBox="1"/>
+            <p:nvPr/>
+          </p:nvSpPr>
+          <p:spPr>
+            <a:xfrm>
+              <a:off x="3343608" y="4592167"/>
+              <a:ext cx="498985" cy="369332"/>
+            </a:xfrm>
+            <a:prstGeom prst="rect">
+              <a:avLst/>
+            </a:prstGeom>
+            <a:noFill/>
+          </p:spPr>
+          <p:txBody>
+            <a:bodyPr wrap="square" rtlCol="0">
+              <a:spAutoFit/>
+            </a:bodyPr>
+            <a:lstStyle/>
+            <a:p>
+              <a:r>
+                <a:rPr lang="en-US" altLang="zh-CN" dirty="0" smtClean="0"/>
+                <a:t>p</a:t>
+              </a:r>
+              <a:r>
+                <a:rPr lang="en-US" altLang="zh-CN" baseline="-25000" dirty="0" smtClean="0"/>
+                <a:t>3</a:t>
+              </a:r>
+              <a:endParaRPr lang="zh-CN" altLang="en-US" baseline="-25000" dirty="0"/>
+            </a:p>
+          </p:txBody>
+        </p:sp>
+        <p:sp>
+          <p:nvSpPr>
+            <p:cNvPr id="39" name="文本框 38"/>
+            <p:cNvSpPr txBox="1"/>
+            <p:nvPr/>
+          </p:nvSpPr>
+          <p:spPr>
+            <a:xfrm>
+              <a:off x="3701616" y="3398102"/>
+              <a:ext cx="498985" cy="369332"/>
+            </a:xfrm>
+            <a:prstGeom prst="rect">
+              <a:avLst/>
+            </a:prstGeom>
+            <a:noFill/>
+          </p:spPr>
+          <p:txBody>
+            <a:bodyPr wrap="square" rtlCol="0">
+              <a:spAutoFit/>
+            </a:bodyPr>
+            <a:lstStyle/>
+            <a:p>
+              <a:r>
+                <a:rPr lang="en-US" altLang="zh-CN" dirty="0" smtClean="0"/>
+                <a:t>p</a:t>
+              </a:r>
+              <a:r>
+                <a:rPr lang="en-US" altLang="zh-CN" baseline="-25000" dirty="0" smtClean="0"/>
+                <a:t>4</a:t>
+              </a:r>
+              <a:endParaRPr lang="zh-CN" altLang="en-US" baseline="-25000" dirty="0"/>
+            </a:p>
+          </p:txBody>
+        </p:sp>
+        <p:sp>
+          <p:nvSpPr>
+            <p:cNvPr id="40" name="文本框 39"/>
+            <p:cNvSpPr txBox="1"/>
+            <p:nvPr/>
+          </p:nvSpPr>
+          <p:spPr>
+            <a:xfrm>
+              <a:off x="2684649" y="3852519"/>
+              <a:ext cx="498985" cy="369332"/>
+            </a:xfrm>
+            <a:prstGeom prst="rect">
+              <a:avLst/>
+            </a:prstGeom>
+            <a:noFill/>
+          </p:spPr>
+          <p:txBody>
+            <a:bodyPr wrap="square" rtlCol="0">
+              <a:spAutoFit/>
+            </a:bodyPr>
+            <a:lstStyle/>
+            <a:p>
+              <a:r>
+                <a:rPr lang="en-US" altLang="zh-CN" dirty="0" smtClean="0"/>
+                <a:t>p</a:t>
+              </a:r>
+              <a:r>
+                <a:rPr lang="en-US" altLang="zh-CN" baseline="-25000" dirty="0" smtClean="0"/>
+                <a:t>5</a:t>
+              </a:r>
+              <a:endParaRPr lang="zh-CN" altLang="en-US" baseline="-25000" dirty="0"/>
+            </a:p>
+          </p:txBody>
+        </p:sp>
+        <p:sp>
+          <p:nvSpPr>
+            <p:cNvPr id="41" name="文本框 40"/>
+            <p:cNvSpPr txBox="1"/>
+            <p:nvPr/>
+          </p:nvSpPr>
+          <p:spPr>
+            <a:xfrm>
+              <a:off x="2334020" y="3342065"/>
+              <a:ext cx="498985" cy="369332"/>
+            </a:xfrm>
+            <a:prstGeom prst="rect">
+              <a:avLst/>
+            </a:prstGeom>
+            <a:noFill/>
+          </p:spPr>
+          <p:txBody>
+            <a:bodyPr wrap="square" rtlCol="0">
+              <a:spAutoFit/>
+            </a:bodyPr>
+            <a:lstStyle/>
+            <a:p>
+              <a:r>
+                <a:rPr lang="en-US" altLang="zh-CN" dirty="0" smtClean="0"/>
+                <a:t>p</a:t>
+              </a:r>
+              <a:r>
+                <a:rPr lang="en-US" altLang="zh-CN" baseline="-25000" dirty="0" smtClean="0"/>
+                <a:t>6</a:t>
+              </a:r>
+              <a:endParaRPr lang="zh-CN" altLang="en-US" baseline="-25000" dirty="0"/>
+            </a:p>
+          </p:txBody>
+        </p:sp>
+        <p:sp>
+          <p:nvSpPr>
+            <p:cNvPr id="42" name="文本框 41"/>
+            <p:cNvSpPr txBox="1"/>
+            <p:nvPr/>
+          </p:nvSpPr>
+          <p:spPr>
+            <a:xfrm>
+              <a:off x="1836258" y="4327105"/>
+              <a:ext cx="498985" cy="369332"/>
+            </a:xfrm>
+            <a:prstGeom prst="rect">
+              <a:avLst/>
+            </a:prstGeom>
+            <a:noFill/>
+          </p:spPr>
+          <p:txBody>
+            <a:bodyPr wrap="square" rtlCol="0">
+              <a:spAutoFit/>
+            </a:bodyPr>
+            <a:lstStyle/>
+            <a:p>
+              <a:r>
+                <a:rPr lang="en-US" altLang="zh-CN" dirty="0" smtClean="0"/>
+                <a:t>p</a:t>
+              </a:r>
+              <a:r>
+                <a:rPr lang="en-US" altLang="zh-CN" baseline="-25000" dirty="0" smtClean="0"/>
+                <a:t>7</a:t>
+              </a:r>
+              <a:endParaRPr lang="zh-CN" altLang="en-US" baseline="-25000" dirty="0"/>
+            </a:p>
+          </p:txBody>
+        </p:sp>
+        <p:sp>
+          <p:nvSpPr>
+            <p:cNvPr id="43" name="文本框 42"/>
+            <p:cNvSpPr txBox="1"/>
+            <p:nvPr/>
+          </p:nvSpPr>
+          <p:spPr>
+            <a:xfrm>
+              <a:off x="643006" y="4316230"/>
+              <a:ext cx="498985" cy="369332"/>
+            </a:xfrm>
+            <a:prstGeom prst="rect">
+              <a:avLst/>
+            </a:prstGeom>
+            <a:noFill/>
+          </p:spPr>
+          <p:txBody>
+            <a:bodyPr wrap="square" rtlCol="0">
+              <a:spAutoFit/>
+            </a:bodyPr>
+            <a:lstStyle/>
+            <a:p>
+              <a:r>
+                <a:rPr lang="en-US" altLang="zh-CN" dirty="0" smtClean="0"/>
+                <a:t>p</a:t>
+              </a:r>
+              <a:r>
+                <a:rPr lang="en-US" altLang="zh-CN" baseline="-25000" dirty="0" smtClean="0"/>
+                <a:t>8</a:t>
+              </a:r>
+              <a:endParaRPr lang="zh-CN" altLang="en-US" baseline="-25000" dirty="0"/>
+            </a:p>
+          </p:txBody>
+        </p:sp>
+      </p:grpSp>
+      <p:cxnSp>
+        <p:nvCxnSpPr>
+          <p:cNvPr id="53" name="直接箭头连接符 52"/>
+          <p:cNvCxnSpPr>
+            <a:stCxn id="44" idx="6"/>
+            <a:endCxn id="51" idx="3"/>
+          </p:cNvCxnSpPr>
+          <p:nvPr/>
+        </p:nvCxnSpPr>
+        <p:spPr>
+          <a:xfrm flipV="1">
+            <a:off x="5958832" y="3806716"/>
+            <a:ext cx="2166269" cy="557608"/>
+          </a:xfrm>
+          <a:prstGeom prst="straightConnector1">
+            <a:avLst/>
+          </a:prstGeom>
+          <a:ln w="38100">
+            <a:solidFill>
+              <a:srgbClr val="00B050"/>
+            </a:solidFill>
+            <a:tailEnd type="none"/>
+          </a:ln>
+        </p:spPr>
+        <p:style>
+          <a:lnRef idx="1">
+            <a:schemeClr val="accent1"/>
+          </a:lnRef>
+          <a:fillRef idx="0">
+            <a:schemeClr val="accent1"/>
+          </a:fillRef>
+          <a:effectRef idx="0">
+            <a:schemeClr val="accent1"/>
+          </a:effectRef>
+          <a:fontRef idx="minor">
+            <a:schemeClr val="tx1"/>
+          </a:fontRef>
+        </p:style>
+      </p:cxnSp>
+      <p:cxnSp>
+        <p:nvCxnSpPr>
+          <p:cNvPr id="58" name="直接箭头连接符 57"/>
+          <p:cNvCxnSpPr>
+            <a:stCxn id="47" idx="5"/>
+            <a:endCxn id="51" idx="0"/>
+          </p:cNvCxnSpPr>
+          <p:nvPr/>
+        </p:nvCxnSpPr>
+        <p:spPr>
+          <a:xfrm>
+            <a:off x="7260292" y="2610385"/>
+            <a:ext cx="925252" cy="1050407"/>
+          </a:xfrm>
+          <a:prstGeom prst="straightConnector1">
+            <a:avLst/>
+          </a:prstGeom>
+          <a:ln w="38100">
+            <a:solidFill>
+              <a:srgbClr val="00B050"/>
+            </a:solidFill>
+            <a:tailEnd type="none"/>
+          </a:ln>
+        </p:spPr>
+        <p:style>
+          <a:lnRef idx="1">
+            <a:schemeClr val="accent1"/>
+          </a:lnRef>
+          <a:fillRef idx="0">
+            <a:schemeClr val="accent1"/>
+          </a:fillRef>
+          <a:effectRef idx="0">
+            <a:schemeClr val="accent1"/>
+          </a:effectRef>
+          <a:fontRef idx="minor">
+            <a:schemeClr val="tx1"/>
+          </a:fontRef>
+        </p:style>
+      </p:cxnSp>
+      <p:cxnSp>
+        <p:nvCxnSpPr>
+          <p:cNvPr id="61" name="直接箭头连接符 60"/>
+          <p:cNvCxnSpPr>
+            <a:stCxn id="49" idx="6"/>
+            <a:endCxn id="47" idx="2"/>
+          </p:cNvCxnSpPr>
+          <p:nvPr/>
+        </p:nvCxnSpPr>
+        <p:spPr>
+          <a:xfrm>
+            <a:off x="6070341" y="2472798"/>
+            <a:ext cx="1044029" cy="77144"/>
+          </a:xfrm>
+          <a:prstGeom prst="straightConnector1">
+            <a:avLst/>
+          </a:prstGeom>
+          <a:ln w="38100">
+            <a:solidFill>
+              <a:srgbClr val="00B050"/>
+            </a:solidFill>
+            <a:tailEnd type="none"/>
+          </a:ln>
+        </p:spPr>
+        <p:style>
+          <a:lnRef idx="1">
+            <a:schemeClr val="accent1"/>
+          </a:lnRef>
+          <a:fillRef idx="0">
+            <a:schemeClr val="accent1"/>
+          </a:fillRef>
+          <a:effectRef idx="0">
+            <a:schemeClr val="accent1"/>
+          </a:effectRef>
+          <a:fontRef idx="minor">
+            <a:schemeClr val="tx1"/>
+          </a:fontRef>
+        </p:style>
+      </p:cxnSp>
+      <p:cxnSp>
+        <p:nvCxnSpPr>
+          <p:cNvPr id="64" name="直接箭头连接符 63"/>
+          <p:cNvCxnSpPr>
+            <a:stCxn id="48" idx="0"/>
+            <a:endCxn id="49" idx="2"/>
+          </p:cNvCxnSpPr>
+          <p:nvPr/>
+        </p:nvCxnSpPr>
+        <p:spPr>
+          <a:xfrm flipV="1">
+            <a:off x="4800158" y="2472798"/>
+            <a:ext cx="1099225" cy="991511"/>
+          </a:xfrm>
+          <a:prstGeom prst="straightConnector1">
+            <a:avLst/>
+          </a:prstGeom>
+          <a:ln w="38100">
+            <a:solidFill>
+              <a:srgbClr val="00B050"/>
+            </a:solidFill>
+            <a:tailEnd type="none"/>
+          </a:ln>
+        </p:spPr>
+        <p:style>
+          <a:lnRef idx="1">
+            <a:schemeClr val="accent1"/>
+          </a:lnRef>
+          <a:fillRef idx="0">
+            <a:schemeClr val="accent1"/>
+          </a:fillRef>
+          <a:effectRef idx="0">
+            <a:schemeClr val="accent1"/>
+          </a:effectRef>
+          <a:fontRef idx="minor">
+            <a:schemeClr val="tx1"/>
+          </a:fontRef>
+        </p:style>
+      </p:cxnSp>
+      <p:cxnSp>
+        <p:nvCxnSpPr>
+          <p:cNvPr id="67" name="直接箭头连接符 66"/>
+          <p:cNvCxnSpPr>
+            <a:stCxn id="48" idx="4"/>
+            <a:endCxn id="44" idx="2"/>
+          </p:cNvCxnSpPr>
+          <p:nvPr/>
+        </p:nvCxnSpPr>
+        <p:spPr>
+          <a:xfrm>
+            <a:off x="4800158" y="3635270"/>
+            <a:ext cx="987716" cy="729054"/>
+          </a:xfrm>
+          <a:prstGeom prst="straightConnector1">
+            <a:avLst/>
+          </a:prstGeom>
+          <a:ln w="38100">
+            <a:solidFill>
+              <a:srgbClr val="00B050"/>
+            </a:solidFill>
+            <a:tailEnd type="none"/>
+          </a:ln>
+        </p:spPr>
+        <p:style>
+          <a:lnRef idx="1">
+            <a:schemeClr val="accent1"/>
+          </a:lnRef>
+          <a:fillRef idx="0">
+            <a:schemeClr val="accent1"/>
+          </a:fillRef>
+          <a:effectRef idx="0">
+            <a:schemeClr val="accent1"/>
+          </a:effectRef>
+          <a:fontRef idx="minor">
+            <a:schemeClr val="tx1"/>
+          </a:fontRef>
+        </p:style>
+      </p:cxnSp>
+    </p:spTree>
+    <p:extLst>
+      <p:ext uri="{BB962C8B-B14F-4D97-AF65-F5344CB8AC3E}">
+        <p14:creationId xmlns:p14="http://schemas.microsoft.com/office/powerpoint/2010/main" val="409427189"/>
+      </p:ext>
+    </p:extLst>
+  </p:cSld>
+  <p:clrMapOvr>
+    <a:masterClrMapping/>
+  </p:clrMapOvr>
+  <p:timing>
+    <p:tnLst>
+      <p:par>
+        <p:cTn id="1" dur="indefinite" restart="never" nodeType="tmRoot">
+          <p:childTnLst>
+            <p:seq concurrent="1" nextAc="seek">
+              <p:cTn id="2" dur="indefinite" nodeType="mainSeq">
+                <p:childTnLst>
+                  <p:par>
+                    <p:cTn id="3" fill="hold">
+                      <p:stCondLst>
+                        <p:cond delay="indefinite"/>
+                        <p:cond evt="onBegin" delay="0">
+                          <p:tn val="2"/>
+                        </p:cond>
+                      </p:stCondLst>
+                      <p:childTnLst>
+                        <p:par>
+                          <p:cTn id="4" fill="hold">
+                            <p:stCondLst>
+                              <p:cond delay="0"/>
+                            </p:stCondLst>
+                            <p:childTnLst>
+                              <p:par>
+                                <p:cTn id="5" presetID="10" presetClass="entr" presetSubtype="0" fill="hold" grpId="0" nodeType="withEffect">
+                                  <p:stCondLst>
+                                    <p:cond delay="0"/>
+                                  </p:stCondLst>
+                                  <p:childTnLst>
+                                    <p:set>
+                                      <p:cBhvr>
+                                        <p:cTn id="6" dur="1" fill="hold">
+                                          <p:stCondLst>
+                                            <p:cond delay="0"/>
+                                          </p:stCondLst>
+                                        </p:cTn>
+                                        <p:tgtEl>
+                                          <p:spTgt spid="5"/>
+                                        </p:tgtEl>
+                                        <p:attrNameLst>
+                                          <p:attrName>style.visibility</p:attrName>
+                                        </p:attrNameLst>
+                                      </p:cBhvr>
+                                      <p:to>
+                                        <p:strVal val="visible"/>
+                                      </p:to>
+                                    </p:set>
+                                    <p:animEffect transition="in" filter="fade">
+                                      <p:cBhvr>
+                                        <p:cTn id="7" dur="500"/>
+                                        <p:tgtEl>
+                                          <p:spTgt spid="5"/>
+                                        </p:tgtEl>
+                                      </p:cBhvr>
+                                    </p:animEffect>
+                                  </p:childTnLst>
+                                </p:cTn>
+                              </p:par>
+                            </p:childTnLst>
+                          </p:cTn>
+                        </p:par>
+                        <p:par>
+                          <p:cTn id="8" fill="hold">
+                            <p:stCondLst>
+                              <p:cond delay="500"/>
+                            </p:stCondLst>
+                            <p:childTnLst>
+                              <p:par>
+                                <p:cTn id="9" presetID="10" presetClass="entr" presetSubtype="0" fill="hold" grpId="0" nodeType="afterEffect">
+                                  <p:stCondLst>
+                                    <p:cond delay="0"/>
+                                  </p:stCondLst>
+                                  <p:childTnLst>
+                                    <p:set>
+                                      <p:cBhvr>
+                                        <p:cTn id="10" dur="1" fill="hold">
+                                          <p:stCondLst>
+                                            <p:cond delay="0"/>
+                                          </p:stCondLst>
+                                        </p:cTn>
+                                        <p:tgtEl>
+                                          <p:spTgt spid="17"/>
+                                        </p:tgtEl>
+                                        <p:attrNameLst>
+                                          <p:attrName>style.visibility</p:attrName>
+                                        </p:attrNameLst>
+                                      </p:cBhvr>
+                                      <p:to>
+                                        <p:strVal val="visible"/>
+                                      </p:to>
+                                    </p:set>
+                                    <p:animEffect transition="in" filter="fade">
+                                      <p:cBhvr>
+                                        <p:cTn id="11" dur="500"/>
+                                        <p:tgtEl>
+                                          <p:spTgt spid="17"/>
+                                        </p:tgtEl>
+                                      </p:cBhvr>
+                                    </p:animEffect>
+                                  </p:childTnLst>
+                                </p:cTn>
+                              </p:par>
+                            </p:childTnLst>
+                          </p:cTn>
+                        </p:par>
+                      </p:childTnLst>
+                    </p:cTn>
+                  </p:par>
+                  <p:par>
+                    <p:cTn id="12" fill="hold">
+                      <p:stCondLst>
+                        <p:cond delay="indefinite"/>
+                      </p:stCondLst>
+                      <p:childTnLst>
+                        <p:par>
+                          <p:cTn id="13" fill="hold">
+                            <p:stCondLst>
+                              <p:cond delay="0"/>
+                            </p:stCondLst>
+                            <p:childTnLst>
+                              <p:par>
+                                <p:cTn id="14" presetID="10" presetClass="entr" presetSubtype="0" fill="hold" nodeType="clickEffect">
+                                  <p:stCondLst>
+                                    <p:cond delay="0"/>
+                                  </p:stCondLst>
+                                  <p:childTnLst>
+                                    <p:set>
+                                      <p:cBhvr>
+                                        <p:cTn id="15" dur="1" fill="hold">
+                                          <p:stCondLst>
+                                            <p:cond delay="0"/>
+                                          </p:stCondLst>
+                                        </p:cTn>
+                                        <p:tgtEl>
+                                          <p:spTgt spid="34"/>
+                                        </p:tgtEl>
+                                        <p:attrNameLst>
+                                          <p:attrName>style.visibility</p:attrName>
+                                        </p:attrNameLst>
+                                      </p:cBhvr>
+                                      <p:to>
+                                        <p:strVal val="visible"/>
+                                      </p:to>
+                                    </p:set>
+                                    <p:animEffect transition="in" filter="fade">
+                                      <p:cBhvr>
+                                        <p:cTn id="16" dur="500"/>
+                                        <p:tgtEl>
+                                          <p:spTgt spid="34"/>
+                                        </p:tgtEl>
+                                      </p:cBhvr>
+                                    </p:animEffect>
+                                  </p:childTnLst>
+                                </p:cTn>
+                              </p:par>
+                            </p:childTnLst>
+                          </p:cTn>
+                        </p:par>
+                      </p:childTnLst>
+                    </p:cTn>
+                  </p:par>
+                  <p:par>
+                    <p:cTn id="17" fill="hold">
+                      <p:stCondLst>
+                        <p:cond delay="indefinite"/>
+                      </p:stCondLst>
+                      <p:childTnLst>
+                        <p:par>
+                          <p:cTn id="18" fill="hold">
+                            <p:stCondLst>
+                              <p:cond delay="0"/>
+                            </p:stCondLst>
+                            <p:childTnLst>
+                              <p:par>
+                                <p:cTn id="19" presetID="10" presetClass="entr" presetSubtype="0" fill="hold" nodeType="clickEffect">
+                                  <p:stCondLst>
+                                    <p:cond delay="0"/>
+                                  </p:stCondLst>
+                                  <p:childTnLst>
+                                    <p:set>
+                                      <p:cBhvr>
+                                        <p:cTn id="20" dur="1" fill="hold">
+                                          <p:stCondLst>
+                                            <p:cond delay="0"/>
+                                          </p:stCondLst>
+                                        </p:cTn>
+                                        <p:tgtEl>
+                                          <p:spTgt spid="18">
+                                            <p:txEl>
+                                              <p:pRg st="0" end="0"/>
+                                            </p:txEl>
+                                          </p:spTgt>
+                                        </p:tgtEl>
+                                        <p:attrNameLst>
+                                          <p:attrName>style.visibility</p:attrName>
+                                        </p:attrNameLst>
+                                      </p:cBhvr>
+                                      <p:to>
+                                        <p:strVal val="visible"/>
+                                      </p:to>
+                                    </p:set>
+                                    <p:animEffect transition="in" filter="fade">
+                                      <p:cBhvr>
+                                        <p:cTn id="21" dur="500"/>
+                                        <p:tgtEl>
+                                          <p:spTgt spid="18">
+                                            <p:txEl>
+                                              <p:pRg st="0" end="0"/>
+                                            </p:txEl>
+                                          </p:spTgt>
+                                        </p:tgtEl>
+                                      </p:cBhvr>
+                                    </p:animEffect>
+                                  </p:childTnLst>
+                                </p:cTn>
+                              </p:par>
+                            </p:childTnLst>
+                          </p:cTn>
+                        </p:par>
+                      </p:childTnLst>
+                    </p:cTn>
+                  </p:par>
+                  <p:par>
+                    <p:cTn id="22" fill="hold">
+                      <p:stCondLst>
+                        <p:cond delay="indefinite"/>
+                      </p:stCondLst>
+                      <p:childTnLst>
+                        <p:par>
+                          <p:cTn id="23" fill="hold">
+                            <p:stCondLst>
+                              <p:cond delay="0"/>
+                            </p:stCondLst>
+                            <p:childTnLst>
+                              <p:par>
+                                <p:cTn id="24" presetID="22" presetClass="entr" presetSubtype="4" fill="hold" nodeType="clickEffect">
+                                  <p:stCondLst>
+                                    <p:cond delay="0"/>
+                                  </p:stCondLst>
+                                  <p:childTnLst>
+                                    <p:set>
+                                      <p:cBhvr>
+                                        <p:cTn id="25" dur="1" fill="hold">
+                                          <p:stCondLst>
+                                            <p:cond delay="0"/>
+                                          </p:stCondLst>
+                                        </p:cTn>
+                                        <p:tgtEl>
+                                          <p:spTgt spid="53"/>
+                                        </p:tgtEl>
+                                        <p:attrNameLst>
+                                          <p:attrName>style.visibility</p:attrName>
+                                        </p:attrNameLst>
+                                      </p:cBhvr>
+                                      <p:to>
+                                        <p:strVal val="visible"/>
+                                      </p:to>
+                                    </p:set>
+                                    <p:animEffect transition="in" filter="wipe(down)">
+                                      <p:cBhvr>
+                                        <p:cTn id="26" dur="500"/>
+                                        <p:tgtEl>
+                                          <p:spTgt spid="53"/>
+                                        </p:tgtEl>
+                                      </p:cBhvr>
+                                    </p:animEffect>
+                                  </p:childTnLst>
+                                </p:cTn>
+                              </p:par>
+                            </p:childTnLst>
+                          </p:cTn>
+                        </p:par>
+                        <p:par>
+                          <p:cTn id="27" fill="hold">
+                            <p:stCondLst>
+                              <p:cond delay="500"/>
+                            </p:stCondLst>
+                            <p:childTnLst>
+                              <p:par>
+                                <p:cTn id="28" presetID="22" presetClass="entr" presetSubtype="4" fill="hold" nodeType="afterEffect">
+                                  <p:stCondLst>
+                                    <p:cond delay="0"/>
+                                  </p:stCondLst>
+                                  <p:childTnLst>
+                                    <p:set>
+                                      <p:cBhvr>
+                                        <p:cTn id="29" dur="1" fill="hold">
+                                          <p:stCondLst>
+                                            <p:cond delay="0"/>
+                                          </p:stCondLst>
+                                        </p:cTn>
+                                        <p:tgtEl>
+                                          <p:spTgt spid="58"/>
+                                        </p:tgtEl>
+                                        <p:attrNameLst>
+                                          <p:attrName>style.visibility</p:attrName>
+                                        </p:attrNameLst>
+                                      </p:cBhvr>
+                                      <p:to>
+                                        <p:strVal val="visible"/>
+                                      </p:to>
+                                    </p:set>
+                                    <p:animEffect transition="in" filter="wipe(down)">
+                                      <p:cBhvr>
+                                        <p:cTn id="30" dur="500"/>
+                                        <p:tgtEl>
+                                          <p:spTgt spid="58"/>
+                                        </p:tgtEl>
+                                      </p:cBhvr>
+                                    </p:animEffect>
+                                  </p:childTnLst>
+                                </p:cTn>
+                              </p:par>
+                            </p:childTnLst>
+                          </p:cTn>
+                        </p:par>
+                        <p:par>
+                          <p:cTn id="31" fill="hold">
+                            <p:stCondLst>
+                              <p:cond delay="1000"/>
+                            </p:stCondLst>
+                            <p:childTnLst>
+                              <p:par>
+                                <p:cTn id="32" presetID="22" presetClass="entr" presetSubtype="2" fill="hold" nodeType="afterEffect">
+                                  <p:stCondLst>
+                                    <p:cond delay="0"/>
+                                  </p:stCondLst>
+                                  <p:childTnLst>
+                                    <p:set>
+                                      <p:cBhvr>
+                                        <p:cTn id="33" dur="1" fill="hold">
+                                          <p:stCondLst>
+                                            <p:cond delay="0"/>
+                                          </p:stCondLst>
+                                        </p:cTn>
+                                        <p:tgtEl>
+                                          <p:spTgt spid="61"/>
+                                        </p:tgtEl>
+                                        <p:attrNameLst>
+                                          <p:attrName>style.visibility</p:attrName>
+                                        </p:attrNameLst>
+                                      </p:cBhvr>
+                                      <p:to>
+                                        <p:strVal val="visible"/>
+                                      </p:to>
+                                    </p:set>
+                                    <p:animEffect transition="in" filter="wipe(right)">
+                                      <p:cBhvr>
+                                        <p:cTn id="34" dur="500"/>
+                                        <p:tgtEl>
+                                          <p:spTgt spid="61"/>
+                                        </p:tgtEl>
+                                      </p:cBhvr>
+                                    </p:animEffect>
+                                  </p:childTnLst>
+                                </p:cTn>
+                              </p:par>
+                            </p:childTnLst>
+                          </p:cTn>
+                        </p:par>
+                        <p:par>
+                          <p:cTn id="35" fill="hold">
+                            <p:stCondLst>
+                              <p:cond delay="1500"/>
+                            </p:stCondLst>
+                            <p:childTnLst>
+                              <p:par>
+                                <p:cTn id="36" presetID="22" presetClass="entr" presetSubtype="1" fill="hold" nodeType="afterEffect">
+                                  <p:stCondLst>
+                                    <p:cond delay="0"/>
+                                  </p:stCondLst>
+                                  <p:childTnLst>
+                                    <p:set>
+                                      <p:cBhvr>
+                                        <p:cTn id="37" dur="1" fill="hold">
+                                          <p:stCondLst>
+                                            <p:cond delay="0"/>
+                                          </p:stCondLst>
+                                        </p:cTn>
+                                        <p:tgtEl>
+                                          <p:spTgt spid="64"/>
+                                        </p:tgtEl>
+                                        <p:attrNameLst>
+                                          <p:attrName>style.visibility</p:attrName>
+                                        </p:attrNameLst>
+                                      </p:cBhvr>
+                                      <p:to>
+                                        <p:strVal val="visible"/>
+                                      </p:to>
+                                    </p:set>
+                                    <p:animEffect transition="in" filter="wipe(up)">
+                                      <p:cBhvr>
+                                        <p:cTn id="38" dur="500"/>
+                                        <p:tgtEl>
+                                          <p:spTgt spid="64"/>
+                                        </p:tgtEl>
+                                      </p:cBhvr>
+                                    </p:animEffect>
+                                  </p:childTnLst>
+                                </p:cTn>
+                              </p:par>
+                            </p:childTnLst>
+                          </p:cTn>
+                        </p:par>
+                        <p:par>
+                          <p:cTn id="39" fill="hold">
+                            <p:stCondLst>
+                              <p:cond delay="2000"/>
+                            </p:stCondLst>
+                            <p:childTnLst>
+                              <p:par>
+                                <p:cTn id="40" presetID="22" presetClass="entr" presetSubtype="8" fill="hold" nodeType="afterEffect">
+                                  <p:stCondLst>
+                                    <p:cond delay="0"/>
+                                  </p:stCondLst>
+                                  <p:childTnLst>
+                                    <p:set>
+                                      <p:cBhvr>
+                                        <p:cTn id="41" dur="1" fill="hold">
+                                          <p:stCondLst>
+                                            <p:cond delay="0"/>
+                                          </p:stCondLst>
+                                        </p:cTn>
+                                        <p:tgtEl>
+                                          <p:spTgt spid="67"/>
+                                        </p:tgtEl>
+                                        <p:attrNameLst>
+                                          <p:attrName>style.visibility</p:attrName>
+                                        </p:attrNameLst>
+                                      </p:cBhvr>
+                                      <p:to>
+                                        <p:strVal val="visible"/>
+                                      </p:to>
+                                    </p:set>
+                                    <p:animEffect transition="in" filter="wipe(left)">
+                                      <p:cBhvr>
+                                        <p:cTn id="42" dur="500"/>
+                                        <p:tgtEl>
+                                          <p:spTgt spid="67"/>
+                                        </p:tgtEl>
+                                      </p:cBhvr>
+                                    </p:animEffect>
+                                  </p:childTnLst>
+                                </p:cTn>
+                              </p:par>
+                            </p:childTnLst>
+                          </p:cTn>
+                        </p:par>
+                      </p:childTnLst>
+                    </p:cTn>
+                  </p:par>
+                  <p:par>
+                    <p:cTn id="43" fill="hold">
+                      <p:stCondLst>
+                        <p:cond delay="indefinite"/>
+                      </p:stCondLst>
+                      <p:childTnLst>
+                        <p:par>
+                          <p:cTn id="44" fill="hold">
+                            <p:stCondLst>
+                              <p:cond delay="0"/>
+                            </p:stCondLst>
+                            <p:childTnLst>
+                              <p:par>
+                                <p:cTn id="45" presetID="10" presetClass="entr" presetSubtype="0" fill="hold" nodeType="clickEffect">
+                                  <p:stCondLst>
+                                    <p:cond delay="0"/>
+                                  </p:stCondLst>
+                                  <p:childTnLst>
+                                    <p:set>
+                                      <p:cBhvr>
+                                        <p:cTn id="46" dur="1" fill="hold">
+                                          <p:stCondLst>
+                                            <p:cond delay="0"/>
+                                          </p:stCondLst>
+                                        </p:cTn>
+                                        <p:tgtEl>
+                                          <p:spTgt spid="18">
+                                            <p:txEl>
+                                              <p:pRg st="1" end="1"/>
+                                            </p:txEl>
+                                          </p:spTgt>
+                                        </p:tgtEl>
+                                        <p:attrNameLst>
+                                          <p:attrName>style.visibility</p:attrName>
+                                        </p:attrNameLst>
+                                      </p:cBhvr>
+                                      <p:to>
+                                        <p:strVal val="visible"/>
+                                      </p:to>
+                                    </p:set>
+                                    <p:animEffect transition="in" filter="fade">
+                                      <p:cBhvr>
+                                        <p:cTn id="47" dur="500"/>
+                                        <p:tgtEl>
+                                          <p:spTgt spid="18">
+                                            <p:txEl>
+                                              <p:pRg st="1" end="1"/>
+                                            </p:txEl>
+                                          </p:spTgt>
+                                        </p:tgtEl>
+                                      </p:cBhvr>
+                                    </p:animEffect>
+                                  </p:childTnLst>
+                                </p:cTn>
+                              </p:par>
+                            </p:childTnLst>
+                          </p:cTn>
+                        </p:par>
+                      </p:childTnLst>
+                    </p:cTn>
+                  </p:par>
+                  <p:par>
+                    <p:cTn id="48" fill="hold">
+                      <p:stCondLst>
+                        <p:cond delay="indefinite"/>
+                      </p:stCondLst>
+                      <p:childTnLst>
+                        <p:par>
+                          <p:cTn id="49" fill="hold">
+                            <p:stCondLst>
+                              <p:cond delay="0"/>
+                            </p:stCondLst>
+                            <p:childTnLst>
+                              <p:par>
+                                <p:cTn id="50" presetID="16" presetClass="entr" presetSubtype="37" fill="hold" nodeType="clickEffect">
+                                  <p:stCondLst>
+                                    <p:cond delay="0"/>
+                                  </p:stCondLst>
+                                  <p:childTnLst>
+                                    <p:set>
+                                      <p:cBhvr>
+                                        <p:cTn id="51" dur="1" fill="hold">
+                                          <p:stCondLst>
+                                            <p:cond delay="0"/>
+                                          </p:stCondLst>
+                                        </p:cTn>
+                                        <p:tgtEl>
+                                          <p:spTgt spid="31"/>
+                                        </p:tgtEl>
+                                        <p:attrNameLst>
+                                          <p:attrName>style.visibility</p:attrName>
+                                        </p:attrNameLst>
+                                      </p:cBhvr>
+                                      <p:to>
+                                        <p:strVal val="visible"/>
+                                      </p:to>
+                                    </p:set>
+                                    <p:animEffect transition="in" filter="barn(outVertical)">
+                                      <p:cBhvr>
+                                        <p:cTn id="52" dur="500"/>
+                                        <p:tgtEl>
+                                          <p:spTgt spid="31"/>
+                                        </p:tgtEl>
+                                      </p:cBhvr>
+                                    </p:animEffect>
+                                  </p:childTnLst>
+                                </p:cTn>
+                              </p:par>
+                            </p:childTnLst>
+                          </p:cTn>
+                        </p:par>
+                      </p:childTnLst>
+                    </p:cTn>
+                  </p:par>
+                  <p:par>
+                    <p:cTn id="53" fill="hold">
+                      <p:stCondLst>
+                        <p:cond delay="indefinite"/>
+                      </p:stCondLst>
+                      <p:childTnLst>
+                        <p:par>
+                          <p:cTn id="54" fill="hold">
+                            <p:stCondLst>
+                              <p:cond delay="0"/>
+                            </p:stCondLst>
+                            <p:childTnLst>
+                              <p:par>
+                                <p:cTn id="55" presetID="10" presetClass="entr" presetSubtype="0" fill="hold" grpId="0" nodeType="clickEffect">
+                                  <p:stCondLst>
+                                    <p:cond delay="0"/>
+                                  </p:stCondLst>
+                                  <p:childTnLst>
+                                    <p:set>
+                                      <p:cBhvr>
+                                        <p:cTn id="56" dur="1" fill="hold">
+                                          <p:stCondLst>
+                                            <p:cond delay="0"/>
+                                          </p:stCondLst>
+                                        </p:cTn>
+                                        <p:tgtEl>
+                                          <p:spTgt spid="32"/>
+                                        </p:tgtEl>
+                                        <p:attrNameLst>
+                                          <p:attrName>style.visibility</p:attrName>
+                                        </p:attrNameLst>
+                                      </p:cBhvr>
+                                      <p:to>
+                                        <p:strVal val="visible"/>
+                                      </p:to>
+                                    </p:set>
+                                    <p:animEffect transition="in" filter="fade">
+                                      <p:cBhvr>
+                                        <p:cTn id="57" dur="500"/>
+                                        <p:tgtEl>
+                                          <p:spTgt spid="32"/>
+                                        </p:tgtEl>
+                                      </p:cBhvr>
+                                    </p:animEffect>
+                                  </p:childTnLst>
+                                </p:cTn>
+                              </p:par>
+                            </p:childTnLst>
+                          </p:cTn>
+                        </p:par>
+                      </p:childTnLst>
+                    </p:cTn>
+                  </p:par>
+                  <p:par>
+                    <p:cTn id="58" fill="hold">
+                      <p:stCondLst>
+                        <p:cond delay="indefinite"/>
+                      </p:stCondLst>
+                      <p:childTnLst>
+                        <p:par>
+                          <p:cTn id="59" fill="hold">
+                            <p:stCondLst>
+                              <p:cond delay="0"/>
+                            </p:stCondLst>
+                            <p:childTnLst>
+                              <p:par>
+                                <p:cTn id="60" presetID="10" presetClass="entr" presetSubtype="0" fill="hold" grpId="0" nodeType="clickEffect">
+                                  <p:stCondLst>
+                                    <p:cond delay="0"/>
+                                  </p:stCondLst>
+                                  <p:childTnLst>
+                                    <p:set>
+                                      <p:cBhvr>
+                                        <p:cTn id="61" dur="1" fill="hold">
+                                          <p:stCondLst>
+                                            <p:cond delay="0"/>
+                                          </p:stCondLst>
+                                        </p:cTn>
+                                        <p:tgtEl>
+                                          <p:spTgt spid="33"/>
+                                        </p:tgtEl>
+                                        <p:attrNameLst>
+                                          <p:attrName>style.visibility</p:attrName>
+                                        </p:attrNameLst>
+                                      </p:cBhvr>
+                                      <p:to>
+                                        <p:strVal val="visible"/>
+                                      </p:to>
+                                    </p:set>
+                                    <p:animEffect transition="in" filter="fade">
+                                      <p:cBhvr>
+                                        <p:cTn id="62" dur="500"/>
+                                        <p:tgtEl>
+                                          <p:spTgt spid="33"/>
+                                        </p:tgtEl>
+                                      </p:cBhvr>
+                                    </p:animEffect>
+                                  </p:childTnLst>
+                                </p:cTn>
+                              </p:par>
+                            </p:childTnLst>
+                          </p:cTn>
+                        </p:par>
+                      </p:childTnLst>
+                    </p:cTn>
+                  </p:par>
+                </p:childTnLst>
+              </p:cTn>
+              <p:prevCondLst>
+                <p:cond evt="onPrev" delay="0">
+                  <p:tgtEl>
+                    <p:sldTgt/>
+                  </p:tgtEl>
+                </p:cond>
+              </p:prevCondLst>
+              <p:nextCondLst>
+                <p:cond evt="onNext" delay="0">
+                  <p:tgtEl>
+                    <p:sldTgt/>
+                  </p:tgtEl>
+                </p:cond>
+              </p:nextCondLst>
+            </p:seq>
+          </p:childTnLst>
+        </p:cTn>
+      </p:par>
+    </p:tnLst>
+    <p:bldLst>
+      <p:bldP spid="5" grpId="0"/>
+      <p:bldP spid="17" grpId="0"/>
+      <p:bldP spid="32" grpId="0"/>
+      <p:bldP spid="33" grpId="0"/>
+    </p:bldLst>
+  </p:timing>
+</p:sld>
+</file>
+
+<file path=ppt/slides/slide14.xml><?xml version="1.0" encoding="utf-8"?>
+<p:sld xmlns:a="http://schemas.openxmlformats.org/drawingml/2006/main" xmlns:r="http://schemas.openxmlformats.org/officeDocument/2006/relationships" xmlns:p="http://schemas.openxmlformats.org/presentationml/2006/main">
+  <p:cSld>
+    <p:spTree>
+      <p:nvGrpSpPr>
+        <p:cNvPr id="1" name=""/>
+        <p:cNvGrpSpPr/>
+        <p:nvPr/>
+      </p:nvGrpSpPr>
+      <p:grpSpPr>
+        <a:xfrm>
+          <a:off x="0" y="0"/>
+          <a:ext cx="0" cy="0"/>
+          <a:chOff x="0" y="0"/>
+          <a:chExt cx="0" cy="0"/>
+        </a:xfrm>
+      </p:grpSpPr>
+      <p:sp>
+        <p:nvSpPr>
+          <p:cNvPr id="4" name="标题 1"/>
+          <p:cNvSpPr txBox="1">
+            <a:spLocks/>
+          </p:cNvSpPr>
+          <p:nvPr/>
+        </p:nvSpPr>
+        <p:spPr>
+          <a:xfrm>
+            <a:off x="542481" y="449523"/>
+            <a:ext cx="3220627" cy="613668"/>
+          </a:xfrm>
+          <a:prstGeom prst="rect">
+            <a:avLst/>
+          </a:prstGeom>
+        </p:spPr>
+        <p:txBody>
+          <a:bodyPr vert="horz" lIns="91440" tIns="45720" rIns="91440" bIns="45720" rtlCol="0" anchor="ctr">
+            <a:normAutofit/>
+          </a:bodyPr>
+          <a:lstStyle>
+            <a:lvl1pPr algn="l" defTabSz="914400" rtl="0" eaLnBrk="1" latinLnBrk="0" hangingPunct="1">
+              <a:lnSpc>
+                <a:spcPct val="90000"/>
+              </a:lnSpc>
+              <a:spcBef>
+                <a:spcPct val="0"/>
+              </a:spcBef>
+              <a:buNone/>
+              <a:defRPr sz="4400" kern="1200">
+                <a:solidFill>
+                  <a:schemeClr val="tx1"/>
+                </a:solidFill>
+                <a:latin typeface="+mj-lt"/>
+                <a:ea typeface="+mj-ea"/>
+                <a:cs typeface="+mj-cs"/>
+              </a:defRPr>
+            </a:lvl1pPr>
+          </a:lstStyle>
+          <a:p>
+            <a:r>
+              <a:rPr lang="zh-CN" altLang="en-US" sz="2400">
+                <a:cs typeface="+mn-ea"/>
+              </a:rPr>
+              <a:t>最远、最近点问题</a:t>
+            </a:r>
+            <a:endParaRPr lang="zh-CN" altLang="en-US" sz="2400" dirty="0">
+              <a:cs typeface="+mn-ea"/>
+            </a:endParaRPr>
+          </a:p>
+        </p:txBody>
+      </p:sp>
+      <p:sp>
+        <p:nvSpPr>
+          <p:cNvPr id="5" name="TextBox 19"/>
+          <p:cNvSpPr txBox="1">
+            <a:spLocks noChangeArrowheads="1"/>
+          </p:cNvSpPr>
+          <p:nvPr/>
+        </p:nvSpPr>
+        <p:spPr bwMode="auto">
+          <a:xfrm>
+            <a:off x="685190" y="1295034"/>
+            <a:ext cx="1928812" cy="460375"/>
+          </a:xfrm>
+          <a:prstGeom prst="rect">
+            <a:avLst/>
+          </a:prstGeom>
+          <a:noFill/>
+          <a:ln w="9525">
+            <a:noFill/>
+            <a:miter lim="800000"/>
+            <a:headEnd/>
+            <a:tailEnd/>
+          </a:ln>
+        </p:spPr>
+        <p:txBody>
+          <a:bodyPr>
+            <a:spAutoFit/>
+          </a:bodyPr>
+          <a:lstStyle/>
+          <a:p>
+            <a:r>
+              <a:rPr lang="zh-CN" altLang="en-US" sz="2400" dirty="0" smtClean="0">
+                <a:solidFill>
+                  <a:srgbClr val="FF0000"/>
+                </a:solidFill>
+                <a:latin typeface="华文楷体" pitchFamily="2" charset="-122"/>
+                <a:ea typeface="华文楷体" pitchFamily="2" charset="-122"/>
+              </a:rPr>
+              <a:t>求最</a:t>
+            </a:r>
+            <a:r>
+              <a:rPr lang="zh-CN" altLang="en-US" sz="2400" dirty="0">
+                <a:solidFill>
+                  <a:srgbClr val="FF0000"/>
+                </a:solidFill>
+                <a:latin typeface="华文楷体" pitchFamily="2" charset="-122"/>
+                <a:ea typeface="华文楷体" pitchFamily="2" charset="-122"/>
+              </a:rPr>
+              <a:t>近</a:t>
+            </a:r>
+            <a:r>
+              <a:rPr lang="zh-CN" altLang="en-US" sz="2400" dirty="0" smtClean="0">
+                <a:solidFill>
+                  <a:srgbClr val="FF0000"/>
+                </a:solidFill>
+                <a:latin typeface="华文楷体" pitchFamily="2" charset="-122"/>
+                <a:ea typeface="华文楷体" pitchFamily="2" charset="-122"/>
+              </a:rPr>
+              <a:t>点</a:t>
+            </a:r>
+            <a:r>
+              <a:rPr lang="zh-CN" altLang="en-US" sz="2400" dirty="0">
+                <a:solidFill>
+                  <a:srgbClr val="FF0000"/>
+                </a:solidFill>
+                <a:latin typeface="华文楷体" pitchFamily="2" charset="-122"/>
+                <a:ea typeface="华文楷体" pitchFamily="2" charset="-122"/>
+              </a:rPr>
+              <a:t>对</a:t>
+            </a:r>
+          </a:p>
+        </p:txBody>
+      </p:sp>
+    </p:spTree>
+    <p:extLst>
+      <p:ext uri="{BB962C8B-B14F-4D97-AF65-F5344CB8AC3E}">
+        <p14:creationId xmlns:p14="http://schemas.microsoft.com/office/powerpoint/2010/main" val="535029970"/>
+      </p:ext>
+    </p:extLst>
+  </p:cSld>
+  <p:clrMapOvr>
+    <a:masterClrMapping/>
+  </p:clrMapOvr>
+  <p:timing>
+    <p:tnLst>
+      <p:par>
+        <p:cTn id="1" dur="indefinite" restart="never" nodeType="tmRoot">
+          <p:childTnLst>
+            <p:seq concurrent="1" nextAc="seek">
+              <p:cTn id="2" dur="indefinite" nodeType="mainSeq">
+                <p:childTnLst>
+                  <p:par>
+                    <p:cTn id="3" fill="hold">
+                      <p:stCondLst>
+                        <p:cond delay="indefinite"/>
+                        <p:cond evt="onBegin" delay="0">
+                          <p:tn val="2"/>
+                        </p:cond>
+                      </p:stCondLst>
+                      <p:childTnLst>
+                        <p:par>
+                          <p:cTn id="4" fill="hold">
+                            <p:stCondLst>
+                              <p:cond delay="0"/>
+                            </p:stCondLst>
+                            <p:childTnLst>
+                              <p:par>
+                                <p:cTn id="5" presetID="10" presetClass="entr" presetSubtype="0" fill="hold" grpId="0" nodeType="withEffect">
+                                  <p:stCondLst>
+                                    <p:cond delay="0"/>
+                                  </p:stCondLst>
+                                  <p:childTnLst>
+                                    <p:set>
+                                      <p:cBhvr>
+                                        <p:cTn id="6" dur="1" fill="hold">
+                                          <p:stCondLst>
+                                            <p:cond delay="0"/>
+                                          </p:stCondLst>
+                                        </p:cTn>
+                                        <p:tgtEl>
+                                          <p:spTgt spid="4"/>
+                                        </p:tgtEl>
+                                        <p:attrNameLst>
+                                          <p:attrName>style.visibility</p:attrName>
+                                        </p:attrNameLst>
+                                      </p:cBhvr>
+                                      <p:to>
+                                        <p:strVal val="visible"/>
+                                      </p:to>
+                                    </p:set>
+                                    <p:animEffect transition="in" filter="fade">
+                                      <p:cBhvr>
+                                        <p:cTn id="7" dur="500"/>
+                                        <p:tgtEl>
+                                          <p:spTgt spid="4"/>
+                                        </p:tgtEl>
+                                      </p:cBhvr>
+                                    </p:animEffect>
+                                  </p:childTnLst>
+                                </p:cTn>
+                              </p:par>
+                            </p:childTnLst>
+                          </p:cTn>
+                        </p:par>
+                        <p:par>
+                          <p:cTn id="8" fill="hold">
+                            <p:stCondLst>
+                              <p:cond delay="500"/>
+                            </p:stCondLst>
+                            <p:childTnLst>
+                              <p:par>
+                                <p:cTn id="9" presetID="10" presetClass="entr" presetSubtype="0" fill="hold" grpId="0" nodeType="afterEffect">
+                                  <p:stCondLst>
+                                    <p:cond delay="0"/>
+                                  </p:stCondLst>
+                                  <p:childTnLst>
+                                    <p:set>
+                                      <p:cBhvr>
+                                        <p:cTn id="10" dur="1" fill="hold">
+                                          <p:stCondLst>
+                                            <p:cond delay="0"/>
+                                          </p:stCondLst>
+                                        </p:cTn>
+                                        <p:tgtEl>
+                                          <p:spTgt spid="5"/>
+                                        </p:tgtEl>
+                                        <p:attrNameLst>
+                                          <p:attrName>style.visibility</p:attrName>
+                                        </p:attrNameLst>
+                                      </p:cBhvr>
+                                      <p:to>
+                                        <p:strVal val="visible"/>
+                                      </p:to>
+                                    </p:set>
+                                    <p:animEffect transition="in" filter="fade">
+                                      <p:cBhvr>
+                                        <p:cTn id="11" dur="500"/>
+                                        <p:tgtEl>
+                                          <p:spTgt spid="5"/>
+                                        </p:tgtEl>
+                                      </p:cBhvr>
+                                    </p:animEffect>
+                                  </p:childTnLst>
+                                </p:cTn>
+                              </p:par>
+                            </p:childTnLst>
+                          </p:cTn>
+                        </p:par>
+                      </p:childTnLst>
+                    </p:cTn>
+                  </p:par>
+                </p:childTnLst>
+              </p:cTn>
+              <p:prevCondLst>
+                <p:cond evt="onPrev" delay="0">
+                  <p:tgtEl>
+                    <p:sldTgt/>
+                  </p:tgtEl>
+                </p:cond>
+              </p:prevCondLst>
+              <p:nextCondLst>
+                <p:cond evt="onNext" delay="0">
+                  <p:tgtEl>
+                    <p:sldTgt/>
+                  </p:tgtEl>
+                </p:cond>
+              </p:nextCondLst>
+            </p:seq>
+          </p:childTnLst>
+        </p:cTn>
+      </p:par>
+    </p:tnLst>
+    <p:bldLst>
+      <p:bldP spid="4" grpId="0"/>
+      <p:bldP spid="5" grpId="0"/>
     </p:bldLst>
   </p:timing>
 </p:sld>
